--- a/论文PPT.pptx
+++ b/论文PPT.pptx
@@ -7,19 +7,17 @@
   <p:sldIdLst>
     <p:sldId id="256" r:id="rId2"/>
     <p:sldId id="257" r:id="rId3"/>
-    <p:sldId id="258" r:id="rId4"/>
-    <p:sldId id="259" r:id="rId5"/>
-    <p:sldId id="260" r:id="rId6"/>
-    <p:sldId id="261" r:id="rId7"/>
-    <p:sldId id="262" r:id="rId8"/>
-    <p:sldId id="263" r:id="rId9"/>
-    <p:sldId id="264" r:id="rId10"/>
-    <p:sldId id="265" r:id="rId11"/>
-    <p:sldId id="266" r:id="rId12"/>
-    <p:sldId id="267" r:id="rId13"/>
-    <p:sldId id="268" r:id="rId14"/>
-    <p:sldId id="269" r:id="rId15"/>
-    <p:sldId id="270" r:id="rId16"/>
+    <p:sldId id="271" r:id="rId4"/>
+    <p:sldId id="272" r:id="rId5"/>
+    <p:sldId id="258" r:id="rId6"/>
+    <p:sldId id="273" r:id="rId7"/>
+    <p:sldId id="274" r:id="rId8"/>
+    <p:sldId id="259" r:id="rId9"/>
+    <p:sldId id="275" r:id="rId10"/>
+    <p:sldId id="276" r:id="rId11"/>
+    <p:sldId id="277" r:id="rId12"/>
+    <p:sldId id="278" r:id="rId13"/>
+    <p:sldId id="270" r:id="rId14"/>
   </p:sldIdLst>
   <p:sldSz cx="9144000" cy="6858000" type="screen4x3"/>
   <p:notesSz cx="6858000" cy="9144000"/>
@@ -316,7 +314,7 @@
             <a:fld id="{530820CF-B880-4189-942D-D702A7CBA730}" type="datetimeFigureOut">
               <a:rPr lang="zh-CN" altLang="en-US" smtClean="0"/>
               <a:pPr/>
-              <a:t>2015/9/18</a:t>
+              <a:t>2016/9/2</a:t>
             </a:fld>
             <a:endParaRPr lang="zh-CN" altLang="en-US"/>
           </a:p>
@@ -671,7 +669,7 @@
             <a:fld id="{530820CF-B880-4189-942D-D702A7CBA730}" type="datetimeFigureOut">
               <a:rPr lang="zh-CN" altLang="en-US" smtClean="0"/>
               <a:pPr/>
-              <a:t>2015/9/18</a:t>
+              <a:t>2016/9/2</a:t>
             </a:fld>
             <a:endParaRPr lang="zh-CN" altLang="en-US"/>
           </a:p>
@@ -848,7 +846,7 @@
             <a:fld id="{530820CF-B880-4189-942D-D702A7CBA730}" type="datetimeFigureOut">
               <a:rPr lang="zh-CN" altLang="en-US" smtClean="0"/>
               <a:pPr/>
-              <a:t>2015/9/18</a:t>
+              <a:t>2016/9/2</a:t>
             </a:fld>
             <a:endParaRPr lang="zh-CN" altLang="en-US"/>
           </a:p>
@@ -963,7 +961,7 @@
             <a:fld id="{530820CF-B880-4189-942D-D702A7CBA730}" type="datetimeFigureOut">
               <a:rPr lang="zh-CN" altLang="en-US" smtClean="0"/>
               <a:pPr/>
-              <a:t>2015/9/18</a:t>
+              <a:t>2016/9/2</a:t>
             </a:fld>
             <a:endParaRPr lang="zh-CN" altLang="en-US"/>
           </a:p>
@@ -1323,7 +1321,7 @@
             <a:fld id="{530820CF-B880-4189-942D-D702A7CBA730}" type="datetimeFigureOut">
               <a:rPr lang="zh-CN" altLang="en-US" smtClean="0"/>
               <a:pPr/>
-              <a:t>2015/9/18</a:t>
+              <a:t>2016/9/2</a:t>
             </a:fld>
             <a:endParaRPr lang="zh-CN" altLang="en-US"/>
           </a:p>
@@ -1590,7 +1588,7 @@
             <a:fld id="{530820CF-B880-4189-942D-D702A7CBA730}" type="datetimeFigureOut">
               <a:rPr lang="zh-CN" altLang="en-US" smtClean="0"/>
               <a:pPr/>
-              <a:t>2015/9/18</a:t>
+              <a:t>2016/9/2</a:t>
             </a:fld>
             <a:endParaRPr lang="zh-CN" altLang="en-US"/>
           </a:p>
@@ -1954,7 +1952,7 @@
             <a:fld id="{530820CF-B880-4189-942D-D702A7CBA730}" type="datetimeFigureOut">
               <a:rPr lang="zh-CN" altLang="en-US" smtClean="0"/>
               <a:pPr/>
-              <a:t>2015/9/18</a:t>
+              <a:t>2016/9/2</a:t>
             </a:fld>
             <a:endParaRPr lang="zh-CN" altLang="en-US"/>
           </a:p>
@@ -2183,7 +2181,7 @@
             <a:fld id="{530820CF-B880-4189-942D-D702A7CBA730}" type="datetimeFigureOut">
               <a:rPr lang="zh-CN" altLang="en-US" smtClean="0"/>
               <a:pPr/>
-              <a:t>2015/9/18</a:t>
+              <a:t>2016/9/2</a:t>
             </a:fld>
             <a:endParaRPr lang="zh-CN" altLang="en-US"/>
           </a:p>
@@ -2275,7 +2273,7 @@
             <a:fld id="{530820CF-B880-4189-942D-D702A7CBA730}" type="datetimeFigureOut">
               <a:rPr lang="zh-CN" altLang="en-US" smtClean="0"/>
               <a:pPr/>
-              <a:t>2015/9/18</a:t>
+              <a:t>2016/9/2</a:t>
             </a:fld>
             <a:endParaRPr lang="zh-CN" altLang="en-US"/>
           </a:p>
@@ -2544,7 +2542,7 @@
             <a:fld id="{530820CF-B880-4189-942D-D702A7CBA730}" type="datetimeFigureOut">
               <a:rPr lang="zh-CN" altLang="en-US" smtClean="0"/>
               <a:pPr/>
-              <a:t>2015/9/18</a:t>
+              <a:t>2016/9/2</a:t>
             </a:fld>
             <a:endParaRPr lang="zh-CN" altLang="en-US"/>
           </a:p>
@@ -2774,7 +2772,7 @@
             <a:fld id="{530820CF-B880-4189-942D-D702A7CBA730}" type="datetimeFigureOut">
               <a:rPr lang="zh-CN" altLang="en-US" smtClean="0"/>
               <a:pPr/>
-              <a:t>2015/9/18</a:t>
+              <a:t>2016/9/2</a:t>
             </a:fld>
             <a:endParaRPr lang="zh-CN" altLang="en-US"/>
           </a:p>
@@ -3275,7 +3273,7 @@
             <a:fld id="{530820CF-B880-4189-942D-D702A7CBA730}" type="datetimeFigureOut">
               <a:rPr lang="zh-CN" altLang="en-US" smtClean="0"/>
               <a:pPr/>
-              <a:t>2015/9/18</a:t>
+              <a:t>2016/9/2</a:t>
             </a:fld>
             <a:endParaRPr lang="zh-CN" altLang="en-US"/>
           </a:p>
@@ -3704,11 +3702,7 @@
           <a:p>
             <a:r>
               <a:rPr lang="zh-CN" altLang="en-US" dirty="0" smtClean="0"/>
-              <a:t>学</a:t>
-            </a:r>
-            <a:r>
-              <a:rPr lang="zh-CN" altLang="en-US" dirty="0" smtClean="0"/>
-              <a:t>号：</a:t>
+              <a:t>学号：</a:t>
             </a:r>
             <a:r>
               <a:rPr lang="en-US" altLang="zh-CN" dirty="0" smtClean="0"/>
@@ -3741,7 +3735,7 @@
           <a:p>
             <a:r>
               <a:rPr lang="zh-CN" altLang="en-US" dirty="0" smtClean="0"/>
-              <a:t>基于模型驱动的自动化业务系统的研发</a:t>
+              <a:t>面向移动应用开发的数据交互服务框架的研发</a:t>
             </a:r>
             <a:endParaRPr lang="zh-CN" altLang="en-US" dirty="0"/>
           </a:p>
@@ -3789,7 +3783,15 @@
           <a:p>
             <a:r>
               <a:rPr lang="zh-CN" altLang="en-US" dirty="0" smtClean="0"/>
-              <a:t>实现</a:t>
+              <a:t>应用</a:t>
+            </a:r>
+            <a:r>
+              <a:rPr lang="en-US" altLang="zh-CN" dirty="0" smtClean="0"/>
+              <a:t>-</a:t>
+            </a:r>
+            <a:r>
+              <a:rPr lang="zh-CN" altLang="en-US" dirty="0" smtClean="0"/>
+              <a:t>新闻发布客户端</a:t>
             </a:r>
             <a:endParaRPr lang="zh-CN" altLang="en-US" dirty="0"/>
           </a:p>
@@ -3810,20 +3812,32 @@
           <a:bodyPr/>
           <a:lstStyle/>
           <a:p>
+            <a:r>
+              <a:rPr lang="zh-CN" altLang="en-US" dirty="0" smtClean="0"/>
+              <a:t>调用并显示到相关的</a:t>
+            </a:r>
+            <a:r>
+              <a:rPr lang="zh-CN" altLang="en-US" dirty="0" smtClean="0"/>
+              <a:t>移动应用中</a:t>
+            </a:r>
+            <a:r>
+              <a:rPr lang="zh-CN" altLang="en-US" dirty="0" smtClean="0"/>
+              <a:t>。</a:t>
+            </a:r>
             <a:endParaRPr lang="zh-CN" altLang="en-US" dirty="0"/>
           </a:p>
         </p:txBody>
       </p:sp>
       <p:pic>
         <p:nvPicPr>
-          <p:cNvPr id="22531" name="Picture 3"/>
+          <p:cNvPr id="30722" name="Picture 1"/>
           <p:cNvPicPr>
             <a:picLocks noChangeAspect="1" noChangeArrowheads="1"/>
           </p:cNvPicPr>
           <p:nvPr/>
         </p:nvPicPr>
         <p:blipFill>
-          <a:blip r:embed="rId2"/>
+          <a:blip r:embed="rId2" cstate="print"/>
           <a:srcRect/>
           <a:stretch>
             <a:fillRect/>
@@ -3831,8 +3845,8 @@
         </p:blipFill>
         <p:spPr bwMode="auto">
           <a:xfrm>
-            <a:off x="1214414" y="1500174"/>
-            <a:ext cx="7286676" cy="4124428"/>
+            <a:off x="755576" y="1916832"/>
+            <a:ext cx="8155331" cy="3744416"/>
           </a:xfrm>
           <a:prstGeom prst="rect">
             <a:avLst/>
@@ -3844,7 +3858,6 @@
             <a:headEnd/>
             <a:tailEnd/>
           </a:ln>
-          <a:effectLst/>
         </p:spPr>
       </p:pic>
     </p:spTree>
@@ -3852,6 +3865,13 @@
   <p:clrMapOvr>
     <a:masterClrMapping/>
   </p:clrMapOvr>
+  <p:timing>
+    <p:tnLst>
+      <p:par>
+        <p:cTn id="1" dur="indefinite" restart="never" nodeType="tmRoot"/>
+      </p:par>
+    </p:tnLst>
+  </p:timing>
 </p:sld>
 </file>
 
@@ -3889,7 +3909,15 @@
           <a:p>
             <a:r>
               <a:rPr lang="zh-CN" altLang="en-US" dirty="0" smtClean="0"/>
-              <a:t>实现</a:t>
+              <a:t>应用</a:t>
+            </a:r>
+            <a:r>
+              <a:rPr lang="en-US" altLang="zh-CN" dirty="0" smtClean="0"/>
+              <a:t>-</a:t>
+            </a:r>
+            <a:r>
+              <a:rPr lang="zh-CN" altLang="en-US" dirty="0" smtClean="0"/>
+              <a:t>新闻发布客户端</a:t>
             </a:r>
             <a:endParaRPr lang="zh-CN" altLang="en-US" dirty="0"/>
           </a:p>
@@ -3910,20 +3938,20 @@
           <a:bodyPr/>
           <a:lstStyle/>
           <a:p>
-            <a:endParaRPr lang="zh-CN" altLang="en-US"/>
+            <a:endParaRPr lang="zh-CN" altLang="en-US" dirty="0"/>
           </a:p>
         </p:txBody>
       </p:sp>
       <p:pic>
         <p:nvPicPr>
-          <p:cNvPr id="23555" name="Picture 3"/>
+          <p:cNvPr id="31746" name="图片 4" descr="IMG_0158.JPG"/>
           <p:cNvPicPr>
             <a:picLocks noChangeAspect="1" noChangeArrowheads="1"/>
           </p:cNvPicPr>
           <p:nvPr/>
         </p:nvPicPr>
         <p:blipFill>
-          <a:blip r:embed="rId2"/>
+          <a:blip r:embed="rId2" cstate="print"/>
           <a:srcRect/>
           <a:stretch>
             <a:fillRect/>
@@ -3931,8 +3959,8 @@
         </p:blipFill>
         <p:spPr bwMode="auto">
           <a:xfrm>
-            <a:off x="1785918" y="1428736"/>
-            <a:ext cx="5736397" cy="4572032"/>
+            <a:off x="1259632" y="1556792"/>
+            <a:ext cx="2440692" cy="4320480"/>
           </a:xfrm>
           <a:prstGeom prst="rect">
             <a:avLst/>
@@ -3946,11 +3974,50 @@
           </a:ln>
         </p:spPr>
       </p:pic>
+      <p:pic>
+        <p:nvPicPr>
+          <p:cNvPr id="31747" name="内容占位符 3" descr="IMG_0157.JPG"/>
+          <p:cNvPicPr>
+            <a:picLocks noGrp="1" noChangeAspect="1" noChangeArrowheads="1"/>
+          </p:cNvPicPr>
+          <p:nvPr/>
+        </p:nvPicPr>
+        <p:blipFill>
+          <a:blip r:embed="rId3" cstate="print"/>
+          <a:srcRect/>
+          <a:stretch>
+            <a:fillRect/>
+          </a:stretch>
+        </p:blipFill>
+        <p:spPr bwMode="auto">
+          <a:xfrm>
+            <a:off x="5436096" y="1556792"/>
+            <a:ext cx="2736304" cy="4870722"/>
+          </a:xfrm>
+          <a:prstGeom prst="rect">
+            <a:avLst/>
+          </a:prstGeom>
+          <a:noFill/>
+          <a:ln w="9525">
+            <a:noFill/>
+            <a:miter lim="800000"/>
+            <a:headEnd/>
+            <a:tailEnd/>
+          </a:ln>
+        </p:spPr>
+      </p:pic>
     </p:spTree>
   </p:cSld>
   <p:clrMapOvr>
     <a:masterClrMapping/>
   </p:clrMapOvr>
+  <p:timing>
+    <p:tnLst>
+      <p:par>
+        <p:cTn id="1" dur="indefinite" restart="never" nodeType="tmRoot"/>
+      </p:par>
+    </p:tnLst>
+  </p:timing>
 </p:sld>
 </file>
 
@@ -3988,7 +4055,7 @@
           <a:p>
             <a:r>
               <a:rPr lang="zh-CN" altLang="en-US" dirty="0" smtClean="0"/>
-              <a:t>实现</a:t>
+              <a:t>未来展望</a:t>
             </a:r>
             <a:endParaRPr lang="zh-CN" altLang="en-US" dirty="0"/>
           </a:p>
@@ -4009,47 +4076,53 @@
           <a:bodyPr/>
           <a:lstStyle/>
           <a:p>
+            <a:r>
+              <a:rPr lang="zh-CN" altLang="en-US" dirty="0" smtClean="0"/>
+              <a:t>直接以公有云的数据交互服务平台的方式为各种需要数据交互服务的</a:t>
+            </a:r>
+            <a:r>
+              <a:rPr lang="en-US" altLang="zh-CN" dirty="0" smtClean="0"/>
+              <a:t>APP</a:t>
+            </a:r>
+            <a:r>
+              <a:rPr lang="zh-CN" altLang="en-US" dirty="0" smtClean="0"/>
+              <a:t>以建立商业模式。</a:t>
+            </a:r>
+            <a:endParaRPr lang="en-US" altLang="zh-CN" dirty="0" smtClean="0"/>
+          </a:p>
+          <a:p>
+            <a:r>
+              <a:rPr lang="zh-CN" altLang="en-US" dirty="0" smtClean="0"/>
+              <a:t>一</a:t>
+            </a:r>
+            <a:r>
+              <a:rPr lang="zh-CN" altLang="en-US" dirty="0" smtClean="0"/>
+              <a:t>键生成</a:t>
+            </a:r>
+            <a:r>
+              <a:rPr lang="en-US" altLang="zh-CN" dirty="0" smtClean="0"/>
+              <a:t>APP</a:t>
+            </a:r>
+            <a:r>
+              <a:rPr lang="zh-CN" altLang="en-US" dirty="0" smtClean="0"/>
+              <a:t>，为非技术的移动应用创业者提供支持，只需要设计业务对象和录入数据即可。</a:t>
+            </a:r>
             <a:endParaRPr lang="zh-CN" altLang="en-US" dirty="0"/>
           </a:p>
         </p:txBody>
       </p:sp>
-      <p:pic>
-        <p:nvPicPr>
-          <p:cNvPr id="24578" name="Picture 2"/>
-          <p:cNvPicPr>
-            <a:picLocks noChangeAspect="1" noChangeArrowheads="1"/>
-          </p:cNvPicPr>
-          <p:nvPr/>
-        </p:nvPicPr>
-        <p:blipFill>
-          <a:blip r:embed="rId2"/>
-          <a:srcRect/>
-          <a:stretch>
-            <a:fillRect/>
-          </a:stretch>
-        </p:blipFill>
-        <p:spPr bwMode="auto">
-          <a:xfrm>
-            <a:off x="1000100" y="1428736"/>
-            <a:ext cx="7778804" cy="3857652"/>
-          </a:xfrm>
-          <a:prstGeom prst="rect">
-            <a:avLst/>
-          </a:prstGeom>
-          <a:noFill/>
-          <a:ln w="9525">
-            <a:noFill/>
-            <a:miter lim="800000"/>
-            <a:headEnd/>
-            <a:tailEnd/>
-          </a:ln>
-        </p:spPr>
-      </p:pic>
     </p:spTree>
   </p:cSld>
   <p:clrMapOvr>
     <a:masterClrMapping/>
   </p:clrMapOvr>
+  <p:timing>
+    <p:tnLst>
+      <p:par>
+        <p:cTn id="1" dur="indefinite" restart="never" nodeType="tmRoot"/>
+      </p:par>
+    </p:tnLst>
+  </p:timing>
 </p:sld>
 </file>
 
@@ -4080,14 +4153,20 @@
             <p:ph type="title"/>
           </p:nvPr>
         </p:nvSpPr>
-        <p:spPr/>
+        <p:spPr>
+          <a:xfrm>
+            <a:off x="928662" y="1142984"/>
+            <a:ext cx="7772400" cy="1143000"/>
+          </a:xfrm>
+        </p:spPr>
         <p:txBody>
           <a:bodyPr/>
           <a:lstStyle/>
           <a:p>
-            <a:r>
-              <a:rPr lang="zh-CN" altLang="en-US" dirty="0" smtClean="0"/>
-              <a:t>实现</a:t>
+            <a:pPr algn="ctr"/>
+            <a:r>
+              <a:rPr lang="zh-CN" altLang="en-US" dirty="0" smtClean="0"/>
+              <a:t>谢谢</a:t>
             </a:r>
             <a:endParaRPr lang="zh-CN" altLang="en-US" dirty="0"/>
           </a:p>
@@ -4103,243 +4182,50 @@
             <p:ph sz="quarter" idx="1"/>
           </p:nvPr>
         </p:nvSpPr>
-        <p:spPr/>
+        <p:spPr>
+          <a:xfrm>
+            <a:off x="928662" y="3214686"/>
+            <a:ext cx="7772400" cy="3071834"/>
+          </a:xfrm>
+        </p:spPr>
         <p:txBody>
           <a:bodyPr/>
           <a:lstStyle/>
           <a:p>
-            <a:endParaRPr lang="zh-CN" altLang="en-US"/>
-          </a:p>
-        </p:txBody>
-      </p:sp>
-      <p:pic>
-        <p:nvPicPr>
-          <p:cNvPr id="25602" name="Picture 2"/>
-          <p:cNvPicPr>
-            <a:picLocks noChangeAspect="1" noChangeArrowheads="1"/>
-          </p:cNvPicPr>
-          <p:nvPr/>
-        </p:nvPicPr>
-        <p:blipFill>
-          <a:blip r:embed="rId2"/>
-          <a:srcRect/>
-          <a:stretch>
-            <a:fillRect/>
-          </a:stretch>
-        </p:blipFill>
-        <p:spPr bwMode="auto">
-          <a:xfrm>
-            <a:off x="1071538" y="1785926"/>
-            <a:ext cx="7623571" cy="3571900"/>
-          </a:xfrm>
-          <a:prstGeom prst="rect">
-            <a:avLst/>
-          </a:prstGeom>
-          <a:noFill/>
-          <a:ln w="9525">
-            <a:noFill/>
-            <a:miter lim="800000"/>
-            <a:headEnd/>
-            <a:tailEnd/>
-          </a:ln>
-        </p:spPr>
-      </p:pic>
+            <a:r>
+              <a:rPr lang="zh-CN" altLang="en-US" dirty="0" smtClean="0"/>
+              <a:t>感谢朱映映导师</a:t>
+            </a:r>
+            <a:endParaRPr lang="en-US" altLang="zh-CN" dirty="0" smtClean="0"/>
+          </a:p>
+          <a:p>
+            <a:r>
+              <a:rPr lang="zh-CN" altLang="en-US" dirty="0" smtClean="0"/>
+              <a:t>感谢使用此系统开发者提供的建议</a:t>
+            </a:r>
+            <a:endParaRPr lang="en-US" altLang="zh-CN" dirty="0" smtClean="0"/>
+          </a:p>
+          <a:p>
+            <a:r>
+              <a:rPr lang="zh-CN" altLang="en-US" dirty="0" smtClean="0"/>
+              <a:t>感谢使用此系统的用户提出的宝贵建议和测试</a:t>
+            </a:r>
+            <a:endParaRPr lang="zh-CN" altLang="en-US" dirty="0"/>
+          </a:p>
+        </p:txBody>
+      </p:sp>
     </p:spTree>
   </p:cSld>
   <p:clrMapOvr>
     <a:masterClrMapping/>
   </p:clrMapOvr>
-</p:sld>
-</file>
-
-<file path=ppt/slides/slide14.xml><?xml version="1.0" encoding="utf-8"?>
-<p:sld xmlns:a="http://schemas.openxmlformats.org/drawingml/2006/main" xmlns:r="http://schemas.openxmlformats.org/officeDocument/2006/relationships" xmlns:p="http://schemas.openxmlformats.org/presentationml/2006/main">
-  <p:cSld>
-    <p:spTree>
-      <p:nvGrpSpPr>
-        <p:cNvPr id="1" name=""/>
-        <p:cNvGrpSpPr/>
-        <p:nvPr/>
-      </p:nvGrpSpPr>
-      <p:grpSpPr>
-        <a:xfrm>
-          <a:off x="0" y="0"/>
-          <a:ext cx="0" cy="0"/>
-          <a:chOff x="0" y="0"/>
-          <a:chExt cx="0" cy="0"/>
-        </a:xfrm>
-      </p:grpSpPr>
-      <p:sp>
-        <p:nvSpPr>
-          <p:cNvPr id="2" name="标题 1"/>
-          <p:cNvSpPr>
-            <a:spLocks noGrp="1"/>
-          </p:cNvSpPr>
-          <p:nvPr>
-            <p:ph type="title"/>
-          </p:nvPr>
-        </p:nvSpPr>
-        <p:spPr/>
-        <p:txBody>
-          <a:bodyPr/>
-          <a:lstStyle/>
-          <a:p>
-            <a:r>
-              <a:rPr lang="zh-CN" altLang="en-US" dirty="0" smtClean="0"/>
-              <a:t>实现</a:t>
-            </a:r>
-            <a:endParaRPr lang="zh-CN" altLang="en-US" dirty="0"/>
-          </a:p>
-        </p:txBody>
-      </p:sp>
-      <p:pic>
-        <p:nvPicPr>
-          <p:cNvPr id="4" name="内容占位符 3" descr="IMG_0157.JPG"/>
-          <p:cNvPicPr>
-            <a:picLocks noGrp="1" noChangeAspect="1"/>
-          </p:cNvPicPr>
-          <p:nvPr>
-            <p:ph sz="quarter" idx="1"/>
-          </p:nvPr>
-        </p:nvPicPr>
-        <p:blipFill>
-          <a:blip r:embed="rId2"/>
-          <a:stretch>
-            <a:fillRect/>
-          </a:stretch>
-        </p:blipFill>
-        <p:spPr>
-          <a:xfrm>
-            <a:off x="4643438" y="1643050"/>
-            <a:ext cx="2571750" cy="4572000"/>
-          </a:xfrm>
-        </p:spPr>
-      </p:pic>
-      <p:pic>
-        <p:nvPicPr>
-          <p:cNvPr id="5" name="图片 4" descr="IMG_0158.JPG"/>
-          <p:cNvPicPr>
-            <a:picLocks noChangeAspect="1"/>
-          </p:cNvPicPr>
-          <p:nvPr/>
-        </p:nvPicPr>
-        <p:blipFill>
-          <a:blip r:embed="rId3"/>
-          <a:stretch>
-            <a:fillRect/>
-          </a:stretch>
-        </p:blipFill>
-        <p:spPr>
-          <a:xfrm>
-            <a:off x="1357290" y="1643050"/>
-            <a:ext cx="2411032" cy="4286280"/>
-          </a:xfrm>
-          <a:prstGeom prst="rect">
-            <a:avLst/>
-          </a:prstGeom>
-        </p:spPr>
-      </p:pic>
-    </p:spTree>
-  </p:cSld>
-  <p:clrMapOvr>
-    <a:masterClrMapping/>
-  </p:clrMapOvr>
-</p:sld>
-</file>
-
-<file path=ppt/slides/slide15.xml><?xml version="1.0" encoding="utf-8"?>
-<p:sld xmlns:a="http://schemas.openxmlformats.org/drawingml/2006/main" xmlns:r="http://schemas.openxmlformats.org/officeDocument/2006/relationships" xmlns:p="http://schemas.openxmlformats.org/presentationml/2006/main">
-  <p:cSld>
-    <p:spTree>
-      <p:nvGrpSpPr>
-        <p:cNvPr id="1" name=""/>
-        <p:cNvGrpSpPr/>
-        <p:nvPr/>
-      </p:nvGrpSpPr>
-      <p:grpSpPr>
-        <a:xfrm>
-          <a:off x="0" y="0"/>
-          <a:ext cx="0" cy="0"/>
-          <a:chOff x="0" y="0"/>
-          <a:chExt cx="0" cy="0"/>
-        </a:xfrm>
-      </p:grpSpPr>
-      <p:sp>
-        <p:nvSpPr>
-          <p:cNvPr id="2" name="标题 1"/>
-          <p:cNvSpPr>
-            <a:spLocks noGrp="1"/>
-          </p:cNvSpPr>
-          <p:nvPr>
-            <p:ph type="title"/>
-          </p:nvPr>
-        </p:nvSpPr>
-        <p:spPr>
-          <a:xfrm>
-            <a:off x="928662" y="1142984"/>
-            <a:ext cx="7772400" cy="1143000"/>
-          </a:xfrm>
-        </p:spPr>
-        <p:txBody>
-          <a:bodyPr/>
-          <a:lstStyle/>
-          <a:p>
-            <a:pPr algn="ctr"/>
-            <a:r>
-              <a:rPr lang="zh-CN" altLang="en-US" dirty="0" smtClean="0"/>
-              <a:t>谢谢</a:t>
-            </a:r>
-            <a:endParaRPr lang="zh-CN" altLang="en-US" dirty="0"/>
-          </a:p>
-        </p:txBody>
-      </p:sp>
-      <p:sp>
-        <p:nvSpPr>
-          <p:cNvPr id="3" name="内容占位符 2"/>
-          <p:cNvSpPr>
-            <a:spLocks noGrp="1"/>
-          </p:cNvSpPr>
-          <p:nvPr>
-            <p:ph sz="quarter" idx="1"/>
-          </p:nvPr>
-        </p:nvSpPr>
-        <p:spPr>
-          <a:xfrm>
-            <a:off x="928662" y="3214686"/>
-            <a:ext cx="7772400" cy="3071834"/>
-          </a:xfrm>
-        </p:spPr>
-        <p:txBody>
-          <a:bodyPr/>
-          <a:lstStyle/>
-          <a:p>
-            <a:r>
-              <a:rPr lang="zh-CN" altLang="en-US" dirty="0" smtClean="0"/>
-              <a:t>感谢朱映映导师</a:t>
-            </a:r>
-            <a:endParaRPr lang="en-US" altLang="zh-CN" dirty="0" smtClean="0"/>
-          </a:p>
-          <a:p>
-            <a:r>
-              <a:rPr lang="zh-CN" altLang="en-US" dirty="0" smtClean="0"/>
-              <a:t>感谢使用此系统开发者提供的建议</a:t>
-            </a:r>
-            <a:endParaRPr lang="en-US" altLang="zh-CN" dirty="0" smtClean="0"/>
-          </a:p>
-          <a:p>
-            <a:r>
-              <a:rPr lang="zh-CN" altLang="en-US" dirty="0" smtClean="0"/>
-              <a:t>感谢使用此系统的用户提出的宝贵建议和测试</a:t>
-            </a:r>
-            <a:endParaRPr lang="zh-CN" altLang="en-US" dirty="0"/>
-          </a:p>
-        </p:txBody>
-      </p:sp>
-    </p:spTree>
-  </p:cSld>
-  <p:clrMapOvr>
-    <a:masterClrMapping/>
-  </p:clrMapOvr>
+  <p:timing>
+    <p:tnLst>
+      <p:par>
+        <p:cTn id="1" dur="indefinite" restart="never" nodeType="tmRoot"/>
+      </p:par>
+    </p:tnLst>
+  </p:timing>
 </p:sld>
 </file>
 
@@ -4395,7 +4281,9 @@
         </p:nvSpPr>
         <p:spPr/>
         <p:txBody>
-          <a:bodyPr/>
+          <a:bodyPr>
+            <a:normAutofit/>
+          </a:bodyPr>
           <a:lstStyle/>
           <a:p>
             <a:r>
@@ -4415,99 +4303,38 @@
           <a:p>
             <a:r>
               <a:rPr lang="zh-CN" altLang="en-US" dirty="0" smtClean="0"/>
-              <a:t>互联网</a:t>
-            </a:r>
-            <a:r>
-              <a:rPr lang="en-US" altLang="zh-CN" dirty="0" smtClean="0"/>
-              <a:t>+</a:t>
-            </a:r>
-            <a:r>
-              <a:rPr lang="zh-CN" altLang="en-US" dirty="0" smtClean="0"/>
-              <a:t>产品淘汰速度和生产速度太快</a:t>
+              <a:t>移动应用</a:t>
+            </a:r>
+            <a:r>
+              <a:rPr lang="zh-CN" altLang="en-US" dirty="0" smtClean="0"/>
+              <a:t>淘汰</a:t>
+            </a:r>
+            <a:r>
+              <a:rPr lang="zh-CN" altLang="en-US" dirty="0" smtClean="0"/>
+              <a:t>速度和生产速度太</a:t>
+            </a:r>
+            <a:r>
+              <a:rPr lang="zh-CN" altLang="en-US" dirty="0" smtClean="0"/>
+              <a:t>快</a:t>
             </a:r>
             <a:endParaRPr lang="en-US" altLang="zh-CN" dirty="0" smtClean="0"/>
           </a:p>
           <a:p>
             <a:r>
               <a:rPr lang="zh-CN" altLang="en-US" dirty="0" smtClean="0"/>
-              <a:t>目的</a:t>
-            </a:r>
-            <a:r>
-              <a:rPr lang="en-US" altLang="zh-CN" dirty="0" smtClean="0"/>
-              <a:t>1</a:t>
-            </a:r>
-            <a:r>
-              <a:rPr lang="zh-CN" altLang="en-US" dirty="0" smtClean="0"/>
-              <a:t>：快速为用户提供一个业务数据管理系统</a:t>
+              <a:t>热门时事话题更新速度快</a:t>
             </a:r>
             <a:endParaRPr lang="en-US" altLang="zh-CN" dirty="0" smtClean="0"/>
           </a:p>
           <a:p>
             <a:r>
               <a:rPr lang="zh-CN" altLang="en-US" dirty="0" smtClean="0"/>
-              <a:t>目的</a:t>
-            </a:r>
-            <a:r>
-              <a:rPr lang="en-US" altLang="zh-CN" dirty="0" smtClean="0"/>
-              <a:t>2</a:t>
-            </a:r>
-            <a:r>
-              <a:rPr lang="zh-CN" altLang="en-US" dirty="0" smtClean="0"/>
-              <a:t>：可以集成到各种移动终端</a:t>
+              <a:t>为移动应用提供公有性的数据交互服务</a:t>
             </a:r>
             <a:endParaRPr lang="en-US" altLang="zh-CN" dirty="0" smtClean="0"/>
           </a:p>
           <a:p>
-            <a:r>
-              <a:rPr lang="zh-CN" altLang="en-US" dirty="0" smtClean="0"/>
-              <a:t>目的</a:t>
-            </a:r>
-            <a:r>
-              <a:rPr lang="en-US" altLang="zh-CN" dirty="0" smtClean="0"/>
-              <a:t>3</a:t>
-            </a:r>
-            <a:r>
-              <a:rPr lang="zh-CN" altLang="en-US" dirty="0" smtClean="0"/>
-              <a:t>：高继承高扩展性为用户提供支持</a:t>
-            </a:r>
             <a:endParaRPr lang="en-US" altLang="zh-CN" dirty="0" smtClean="0"/>
-          </a:p>
-          <a:p>
-            <a:r>
-              <a:rPr lang="zh-CN" altLang="en-US" dirty="0" smtClean="0"/>
-              <a:t>目的</a:t>
-            </a:r>
-            <a:r>
-              <a:rPr lang="en-US" altLang="zh-CN" dirty="0" smtClean="0"/>
-              <a:t>4</a:t>
-            </a:r>
-            <a:r>
-              <a:rPr lang="zh-CN" altLang="en-US" dirty="0" smtClean="0"/>
-              <a:t>：低成本开发</a:t>
-            </a:r>
-            <a:endParaRPr lang="en-US" altLang="zh-CN" dirty="0" smtClean="0"/>
-          </a:p>
-          <a:p>
-            <a:r>
-              <a:rPr lang="zh-CN" altLang="en-US" dirty="0" smtClean="0"/>
-              <a:t>目标使用对象：互联网</a:t>
-            </a:r>
-            <a:r>
-              <a:rPr lang="en-US" altLang="zh-CN" dirty="0" smtClean="0"/>
-              <a:t>+</a:t>
-            </a:r>
-            <a:r>
-              <a:rPr lang="zh-CN" altLang="en-US" dirty="0" smtClean="0"/>
-              <a:t>产品开发者</a:t>
-            </a:r>
-            <a:endParaRPr lang="en-US" altLang="zh-CN" dirty="0" smtClean="0"/>
-          </a:p>
-          <a:p>
-            <a:r>
-              <a:rPr lang="zh-CN" altLang="en-US" dirty="0" smtClean="0"/>
-              <a:t>本人在课题中的工作：完成从需求设计，概要设计，详细设计到实现和测试和论文撰写的所有工作内容</a:t>
-            </a:r>
-            <a:endParaRPr lang="zh-CN" altLang="en-US" dirty="0"/>
           </a:p>
         </p:txBody>
       </p:sp>
@@ -4553,7 +4380,11 @@
           <a:p>
             <a:r>
               <a:rPr lang="zh-CN" altLang="en-US" dirty="0" smtClean="0"/>
-              <a:t>相关技术</a:t>
+              <a:t>课题</a:t>
+            </a:r>
+            <a:r>
+              <a:rPr lang="zh-CN" altLang="en-US" dirty="0" smtClean="0"/>
+              <a:t>目的</a:t>
             </a:r>
             <a:endParaRPr lang="zh-CN" altLang="en-US" dirty="0"/>
           </a:p>
@@ -4571,54 +4402,75 @@
         </p:nvSpPr>
         <p:spPr/>
         <p:txBody>
-          <a:bodyPr/>
-          <a:lstStyle/>
-          <a:p>
-            <a:r>
-              <a:rPr lang="en-US" altLang="zh-CN" dirty="0" smtClean="0"/>
-              <a:t>PHP</a:t>
-            </a:r>
-            <a:r>
-              <a:rPr lang="zh-CN" altLang="en-US" dirty="0" smtClean="0"/>
-              <a:t>网页开发</a:t>
+          <a:bodyPr>
+            <a:normAutofit/>
+          </a:bodyPr>
+          <a:lstStyle/>
+          <a:p>
+            <a:pPr>
+              <a:buNone/>
+            </a:pPr>
+            <a:r>
+              <a:rPr lang="zh-CN" altLang="en-US" dirty="0" smtClean="0"/>
+              <a:t>为移动应用</a:t>
+            </a:r>
+            <a:r>
+              <a:rPr lang="zh-CN" altLang="en-US" b="1" dirty="0" smtClean="0">
+                <a:solidFill>
+                  <a:srgbClr val="FF0000"/>
+                </a:solidFill>
+              </a:rPr>
+              <a:t>快速</a:t>
+            </a:r>
+            <a:r>
+              <a:rPr lang="zh-CN" altLang="en-US" dirty="0" smtClean="0"/>
+              <a:t>解决数据交互的解决方案</a:t>
             </a:r>
             <a:endParaRPr lang="en-US" altLang="zh-CN" dirty="0" smtClean="0"/>
           </a:p>
           <a:p>
             <a:r>
               <a:rPr lang="zh-CN" altLang="en-US" dirty="0" smtClean="0"/>
-              <a:t>数据库</a:t>
+              <a:t>移动应用开发者可以</a:t>
+            </a:r>
+            <a:r>
+              <a:rPr lang="zh-CN" altLang="en-US" b="1" dirty="0" smtClean="0">
+                <a:solidFill>
+                  <a:srgbClr val="FF0000"/>
+                </a:solidFill>
+              </a:rPr>
+              <a:t>不需要写代码</a:t>
+            </a:r>
+            <a:r>
+              <a:rPr lang="zh-CN" altLang="en-US" dirty="0" smtClean="0"/>
+              <a:t>，快速生成</a:t>
+            </a:r>
+            <a:r>
+              <a:rPr lang="zh-CN" altLang="en-US" dirty="0" smtClean="0"/>
+              <a:t>数据交互接口</a:t>
             </a:r>
             <a:endParaRPr lang="en-US" altLang="zh-CN" dirty="0" smtClean="0"/>
           </a:p>
           <a:p>
             <a:r>
-              <a:rPr lang="en-US" altLang="zh-CN" dirty="0" smtClean="0"/>
-              <a:t>Android</a:t>
-            </a:r>
-            <a:r>
-              <a:rPr lang="zh-CN" altLang="en-US" dirty="0" smtClean="0"/>
-              <a:t>平台开发</a:t>
+              <a:rPr lang="zh-CN" altLang="en-US" dirty="0" smtClean="0"/>
+              <a:t>快速集成到主流移动终端平台</a:t>
             </a:r>
             <a:endParaRPr lang="en-US" altLang="zh-CN" dirty="0" smtClean="0"/>
           </a:p>
           <a:p>
             <a:r>
-              <a:rPr lang="en-US" altLang="zh-CN" dirty="0" smtClean="0"/>
-              <a:t>SOAP</a:t>
-            </a:r>
-            <a:r>
-              <a:rPr lang="zh-CN" altLang="en-US" dirty="0" smtClean="0"/>
-              <a:t>协议</a:t>
+              <a:rPr lang="zh-CN" altLang="en-US" dirty="0" smtClean="0"/>
+              <a:t>快速集成到主流移动开发模式</a:t>
             </a:r>
             <a:endParaRPr lang="en-US" altLang="zh-CN" dirty="0" smtClean="0"/>
           </a:p>
           <a:p>
             <a:r>
-              <a:rPr lang="en-US" altLang="zh-CN" dirty="0" smtClean="0"/>
-              <a:t>Html5+Jquery+Boostrap.css</a:t>
-            </a:r>
-            <a:endParaRPr lang="zh-CN" altLang="en-US" dirty="0"/>
+              <a:rPr lang="zh-CN" altLang="en-US" dirty="0" smtClean="0"/>
+              <a:t>低成本</a:t>
+            </a:r>
+            <a:endParaRPr lang="en-US" altLang="zh-CN" dirty="0" smtClean="0"/>
           </a:p>
         </p:txBody>
       </p:sp>
@@ -4627,6 +4479,13 @@
   <p:clrMapOvr>
     <a:masterClrMapping/>
   </p:clrMapOvr>
+  <p:timing>
+    <p:tnLst>
+      <p:par>
+        <p:cTn id="1" dur="indefinite" restart="never" nodeType="tmRoot"/>
+      </p:par>
+    </p:tnLst>
+  </p:timing>
 </p:sld>
 </file>
 
@@ -4664,7 +4523,7 @@
           <a:p>
             <a:r>
               <a:rPr lang="zh-CN" altLang="en-US" dirty="0" smtClean="0"/>
-              <a:t>需求分析</a:t>
+              <a:t>框架模块</a:t>
             </a:r>
             <a:endParaRPr lang="zh-CN" altLang="en-US" dirty="0"/>
           </a:p>
@@ -4682,69 +4541,273 @@
         </p:nvSpPr>
         <p:spPr/>
         <p:txBody>
-          <a:bodyPr/>
-          <a:lstStyle/>
-          <a:p>
-            <a:r>
-              <a:rPr lang="zh-CN" altLang="en-US" dirty="0" smtClean="0"/>
-              <a:t>一</a:t>
-            </a:r>
-            <a:r>
-              <a:rPr lang="zh-CN" altLang="en-US" dirty="0" smtClean="0"/>
-              <a:t>个可以基于配置就提供业务数据管理的系统</a:t>
+          <a:bodyPr>
+            <a:normAutofit/>
+          </a:bodyPr>
+          <a:lstStyle/>
+          <a:p>
+            <a:r>
+              <a:rPr lang="zh-CN" altLang="en-US" dirty="0" smtClean="0"/>
+              <a:t>数据交互服务接口</a:t>
             </a:r>
             <a:endParaRPr lang="en-US" altLang="zh-CN" dirty="0" smtClean="0"/>
           </a:p>
           <a:p>
-            <a:r>
-              <a:rPr lang="zh-CN" altLang="en-US" dirty="0" smtClean="0"/>
-              <a:t>一</a:t>
-            </a:r>
-            <a:r>
-              <a:rPr lang="zh-CN" altLang="en-US" dirty="0" smtClean="0"/>
-              <a:t>个兼容不同数据库的业务数据管理系统</a:t>
+            <a:pPr lvl="1">
+              <a:buNone/>
+            </a:pPr>
+            <a:r>
+              <a:rPr lang="zh-CN" altLang="en-US" sz="1800" b="1" dirty="0" smtClean="0">
+                <a:solidFill>
+                  <a:srgbClr val="0070C0"/>
+                </a:solidFill>
+              </a:rPr>
+              <a:t>以</a:t>
+            </a:r>
+            <a:r>
+              <a:rPr lang="en-US" altLang="zh-CN" sz="1800" b="1" dirty="0" smtClean="0">
+                <a:solidFill>
+                  <a:srgbClr val="0070C0"/>
+                </a:solidFill>
+              </a:rPr>
+              <a:t>Soap</a:t>
+            </a:r>
+            <a:r>
+              <a:rPr lang="zh-CN" altLang="en-US" sz="1800" b="1" dirty="0" smtClean="0">
+                <a:solidFill>
+                  <a:srgbClr val="0070C0"/>
+                </a:solidFill>
+              </a:rPr>
+              <a:t>的形式传输</a:t>
+            </a:r>
+            <a:r>
+              <a:rPr lang="en-US" altLang="zh-CN" sz="1800" b="1" dirty="0" smtClean="0">
+                <a:solidFill>
+                  <a:srgbClr val="0070C0"/>
+                </a:solidFill>
+              </a:rPr>
+              <a:t>Xml</a:t>
+            </a:r>
+            <a:r>
+              <a:rPr lang="zh-CN" altLang="en-US" sz="1800" b="1" dirty="0" smtClean="0">
+                <a:solidFill>
+                  <a:srgbClr val="0070C0"/>
+                </a:solidFill>
+              </a:rPr>
+              <a:t>或者</a:t>
+            </a:r>
+            <a:r>
+              <a:rPr lang="en-US" altLang="zh-CN" sz="1800" b="1" dirty="0" err="1" smtClean="0">
+                <a:solidFill>
+                  <a:srgbClr val="0070C0"/>
+                </a:solidFill>
+              </a:rPr>
+              <a:t>Json</a:t>
+            </a:r>
+            <a:r>
+              <a:rPr lang="zh-CN" altLang="en-US" sz="1800" b="1" dirty="0" smtClean="0">
+                <a:solidFill>
+                  <a:srgbClr val="0070C0"/>
+                </a:solidFill>
+              </a:rPr>
+              <a:t>格式的数据</a:t>
+            </a:r>
+            <a:endParaRPr lang="en-US" altLang="zh-CN" sz="1800" b="1" dirty="0" smtClean="0">
+              <a:solidFill>
+                <a:srgbClr val="0070C0"/>
+              </a:solidFill>
+            </a:endParaRPr>
+          </a:p>
+          <a:p>
+            <a:pPr lvl="1">
+              <a:buNone/>
+            </a:pPr>
+            <a:endParaRPr lang="en-US" altLang="zh-CN" sz="1800" b="1" dirty="0" smtClean="0">
+              <a:solidFill>
+                <a:srgbClr val="0070C0"/>
+              </a:solidFill>
+            </a:endParaRPr>
+          </a:p>
+          <a:p>
+            <a:pPr lvl="1">
+              <a:buNone/>
+            </a:pPr>
+            <a:endParaRPr lang="en-US" altLang="zh-CN" sz="1800" b="1" dirty="0" smtClean="0">
+              <a:solidFill>
+                <a:srgbClr val="0070C0"/>
+              </a:solidFill>
+            </a:endParaRPr>
+          </a:p>
+          <a:p>
+            <a:pPr lvl="1">
+              <a:buNone/>
+            </a:pPr>
+            <a:endParaRPr lang="en-US" altLang="zh-CN" b="1" dirty="0" smtClean="0">
+              <a:solidFill>
+                <a:srgbClr val="0070C0"/>
+              </a:solidFill>
+            </a:endParaRPr>
+          </a:p>
+          <a:p>
+            <a:r>
+              <a:rPr lang="zh-CN" altLang="en-US" dirty="0" smtClean="0"/>
+              <a:t>移动应用数据交互组件</a:t>
             </a:r>
             <a:endParaRPr lang="en-US" altLang="zh-CN" dirty="0" smtClean="0"/>
           </a:p>
           <a:p>
-            <a:r>
-              <a:rPr lang="zh-CN" altLang="en-US" dirty="0" smtClean="0"/>
-              <a:t>一个简洁美观的系统</a:t>
-            </a:r>
+            <a:pPr lvl="1">
+              <a:buNone/>
+            </a:pPr>
+            <a:r>
+              <a:rPr lang="zh-CN" altLang="en-US" sz="1800" b="1" dirty="0" smtClean="0">
+                <a:solidFill>
+                  <a:srgbClr val="0070C0"/>
+                </a:solidFill>
+              </a:rPr>
+              <a:t>支持</a:t>
+            </a:r>
+            <a:r>
+              <a:rPr lang="en-US" altLang="zh-CN" sz="1800" b="1" dirty="0" smtClean="0">
+                <a:solidFill>
+                  <a:srgbClr val="0070C0"/>
+                </a:solidFill>
+              </a:rPr>
+              <a:t>Android</a:t>
+            </a:r>
+            <a:r>
+              <a:rPr lang="zh-CN" altLang="en-US" sz="1800" b="1" dirty="0" smtClean="0">
+                <a:solidFill>
+                  <a:srgbClr val="0070C0"/>
+                </a:solidFill>
+              </a:rPr>
+              <a:t>原生开发模式的</a:t>
+            </a:r>
+            <a:r>
+              <a:rPr lang="en-US" altLang="zh-CN" sz="1800" b="1" dirty="0" smtClean="0">
+                <a:solidFill>
+                  <a:srgbClr val="0070C0"/>
+                </a:solidFill>
+              </a:rPr>
+              <a:t>Jar</a:t>
+            </a:r>
+            <a:r>
+              <a:rPr lang="zh-CN" altLang="en-US" sz="1800" b="1" dirty="0" smtClean="0">
+                <a:solidFill>
+                  <a:srgbClr val="0070C0"/>
+                </a:solidFill>
+              </a:rPr>
+              <a:t>包引入</a:t>
+            </a:r>
+            <a:endParaRPr lang="en-US" altLang="zh-CN" sz="1800" b="1" dirty="0" smtClean="0">
+              <a:solidFill>
+                <a:srgbClr val="0070C0"/>
+              </a:solidFill>
+            </a:endParaRPr>
+          </a:p>
+          <a:p>
+            <a:pPr lvl="1">
+              <a:buNone/>
+            </a:pPr>
+            <a:r>
+              <a:rPr lang="zh-CN" altLang="en-US" sz="1800" b="1" dirty="0" smtClean="0">
+                <a:solidFill>
+                  <a:srgbClr val="0070C0"/>
+                </a:solidFill>
+              </a:rPr>
+              <a:t>支持</a:t>
+            </a:r>
+            <a:r>
+              <a:rPr lang="en-US" altLang="zh-CN" sz="1800" b="1" dirty="0" smtClean="0">
+                <a:solidFill>
+                  <a:srgbClr val="0070C0"/>
+                </a:solidFill>
+              </a:rPr>
+              <a:t>Cordova</a:t>
+            </a:r>
+            <a:r>
+              <a:rPr lang="zh-CN" altLang="en-US" sz="1800" b="1" dirty="0" smtClean="0">
+                <a:solidFill>
+                  <a:srgbClr val="0070C0"/>
+                </a:solidFill>
+              </a:rPr>
+              <a:t>混合开发模式的</a:t>
+            </a:r>
+            <a:r>
+              <a:rPr lang="en-US" altLang="zh-CN" sz="1800" b="1" dirty="0" smtClean="0">
+                <a:solidFill>
+                  <a:srgbClr val="0070C0"/>
+                </a:solidFill>
+              </a:rPr>
+              <a:t>JS</a:t>
+            </a:r>
+            <a:r>
+              <a:rPr lang="zh-CN" altLang="en-US" sz="1800" b="1" dirty="0" smtClean="0">
+                <a:solidFill>
+                  <a:srgbClr val="0070C0"/>
+                </a:solidFill>
+              </a:rPr>
+              <a:t>组件引入</a:t>
+            </a:r>
+            <a:endParaRPr lang="en-US" altLang="zh-CN" sz="1800" b="1" dirty="0" smtClean="0">
+              <a:solidFill>
+                <a:srgbClr val="0070C0"/>
+              </a:solidFill>
+            </a:endParaRPr>
+          </a:p>
+          <a:p>
             <a:endParaRPr lang="en-US" altLang="zh-CN" dirty="0" smtClean="0"/>
           </a:p>
           <a:p>
-            <a:r>
-              <a:rPr lang="zh-CN" altLang="en-US" dirty="0" smtClean="0"/>
-              <a:t>一</a:t>
-            </a:r>
-            <a:r>
-              <a:rPr lang="zh-CN" altLang="en-US" dirty="0" smtClean="0"/>
-              <a:t>个扩展性容易二次开发的系统</a:t>
-            </a:r>
             <a:endParaRPr lang="en-US" altLang="zh-CN" dirty="0" smtClean="0"/>
           </a:p>
           <a:p>
             <a:r>
               <a:rPr lang="zh-CN" altLang="en-US" dirty="0" smtClean="0"/>
-              <a:t>一</a:t>
-            </a:r>
-            <a:r>
-              <a:rPr lang="zh-CN" altLang="en-US" dirty="0" smtClean="0"/>
-              <a:t>个提供数据访问接口的系统</a:t>
+              <a:t>辅助管理工具</a:t>
             </a:r>
             <a:endParaRPr lang="en-US" altLang="zh-CN" dirty="0" smtClean="0"/>
           </a:p>
           <a:p>
-            <a:r>
-              <a:rPr lang="zh-CN" altLang="en-US" dirty="0" smtClean="0"/>
-              <a:t>一</a:t>
-            </a:r>
-            <a:r>
-              <a:rPr lang="zh-CN" altLang="en-US" dirty="0" smtClean="0"/>
-              <a:t>个能够和第三方移动终端平台交互的系统</a:t>
-            </a:r>
-            <a:endParaRPr lang="zh-CN" altLang="en-US" dirty="0"/>
+            <a:endParaRPr lang="en-US" altLang="zh-CN" dirty="0" smtClean="0"/>
+          </a:p>
+        </p:txBody>
+      </p:sp>
+      <p:sp>
+        <p:nvSpPr>
+          <p:cNvPr id="7170" name="Rectangle 2"/>
+          <p:cNvSpPr>
+            <a:spLocks noChangeArrowheads="1"/>
+          </p:cNvSpPr>
+          <p:nvPr/>
+        </p:nvSpPr>
+        <p:spPr bwMode="auto">
+          <a:xfrm>
+            <a:off x="0" y="0"/>
+            <a:ext cx="9144000" cy="0"/>
+          </a:xfrm>
+          <a:prstGeom prst="rect">
+            <a:avLst/>
+          </a:prstGeom>
+          <a:noFill/>
+          <a:ln w="9525">
+            <a:noFill/>
+            <a:miter lim="800000"/>
+            <a:headEnd/>
+            <a:tailEnd/>
+          </a:ln>
+          <a:effectLst/>
+        </p:spPr>
+        <p:txBody>
+          <a:bodyPr vert="horz" wrap="none" lIns="91440" tIns="45720" rIns="91440" bIns="45720" numCol="1" anchor="ctr" anchorCtr="0" compatLnSpc="1">
+            <a:prstTxWarp prst="textNoShape">
+              <a:avLst/>
+            </a:prstTxWarp>
+            <a:spAutoFit/>
+          </a:bodyPr>
+          <a:lstStyle/>
+          <a:p>
+            <a:endParaRPr lang="zh-CN" altLang="en-US"/>
           </a:p>
         </p:txBody>
       </p:sp>
@@ -4753,6 +4816,13 @@
   <p:clrMapOvr>
     <a:masterClrMapping/>
   </p:clrMapOvr>
+  <p:timing>
+    <p:tnLst>
+      <p:par>
+        <p:cTn id="1" dur="indefinite" restart="never" nodeType="tmRoot"/>
+      </p:par>
+    </p:tnLst>
+  </p:timing>
 </p:sld>
 </file>
 
@@ -4790,7 +4860,11 @@
           <a:p>
             <a:r>
               <a:rPr lang="zh-CN" altLang="en-US" dirty="0" smtClean="0"/>
-              <a:t>需求分析</a:t>
+              <a:t>数据交互服务</a:t>
+            </a:r>
+            <a:r>
+              <a:rPr lang="zh-CN" altLang="en-US" dirty="0" smtClean="0"/>
+              <a:t>接口</a:t>
             </a:r>
             <a:endParaRPr lang="zh-CN" altLang="en-US" dirty="0"/>
           </a:p>
@@ -4808,59 +4882,418 @@
         </p:nvSpPr>
         <p:spPr/>
         <p:txBody>
-          <a:bodyPr/>
-          <a:lstStyle/>
-          <a:p>
-            <a:r>
-              <a:rPr lang="zh-CN" altLang="en-US" dirty="0" smtClean="0"/>
-              <a:t>基于</a:t>
+          <a:bodyPr>
+            <a:normAutofit fontScale="92500" lnSpcReduction="10000"/>
+          </a:bodyPr>
+          <a:lstStyle/>
+          <a:p>
+            <a:r>
+              <a:rPr lang="zh-CN" altLang="en-US" dirty="0" smtClean="0"/>
+              <a:t>数据管理中心</a:t>
+            </a:r>
+            <a:endParaRPr lang="en-US" altLang="zh-CN" dirty="0" smtClean="0"/>
+          </a:p>
+          <a:p>
+            <a:r>
+              <a:rPr lang="zh-CN" altLang="en-US" dirty="0" smtClean="0"/>
+              <a:t>数据交互接口</a:t>
+            </a:r>
+            <a:endParaRPr lang="en-US" altLang="zh-CN" dirty="0" smtClean="0"/>
+          </a:p>
+          <a:p>
+            <a:r>
+              <a:rPr lang="zh-CN" altLang="en-US" dirty="0" smtClean="0"/>
+              <a:t>安全校验机制</a:t>
+            </a:r>
+            <a:endParaRPr lang="en-US" altLang="zh-CN" dirty="0" smtClean="0"/>
+          </a:p>
+          <a:p>
+            <a:r>
+              <a:rPr lang="zh-CN" altLang="en-US" dirty="0" smtClean="0"/>
+              <a:t>性能需求</a:t>
+            </a:r>
+            <a:endParaRPr lang="en-US" altLang="zh-CN" dirty="0" smtClean="0"/>
+          </a:p>
+          <a:p>
+            <a:r>
+              <a:rPr lang="zh-CN" altLang="en-US" dirty="0" smtClean="0"/>
+              <a:t>业务模型管理</a:t>
+            </a:r>
+            <a:endParaRPr lang="en-US" altLang="zh-CN" dirty="0" smtClean="0"/>
+          </a:p>
+          <a:p>
+            <a:endParaRPr lang="en-US" altLang="zh-CN" dirty="0" smtClean="0"/>
+          </a:p>
+          <a:p>
+            <a:endParaRPr lang="en-US" altLang="zh-CN" dirty="0" smtClean="0"/>
+          </a:p>
+          <a:p>
+            <a:endParaRPr lang="en-US" altLang="zh-CN" dirty="0" smtClean="0"/>
+          </a:p>
+          <a:p>
+            <a:endParaRPr lang="en-US" altLang="zh-CN" dirty="0" smtClean="0"/>
+          </a:p>
+          <a:p>
+            <a:endParaRPr lang="en-US" altLang="zh-CN" dirty="0" smtClean="0"/>
+          </a:p>
+          <a:p>
+            <a:r>
+              <a:rPr lang="zh-CN" altLang="en-US" dirty="0" smtClean="0"/>
+              <a:t>实现技术：</a:t>
             </a:r>
             <a:r>
               <a:rPr lang="en-US" altLang="zh-CN" dirty="0" smtClean="0"/>
-              <a:t>XML</a:t>
-            </a:r>
-            <a:r>
-              <a:rPr lang="zh-CN" altLang="en-US" dirty="0" smtClean="0"/>
-              <a:t>驱动模型驱动的业务数据管理系统</a:t>
-            </a:r>
-            <a:endParaRPr lang="en-US" altLang="zh-CN" dirty="0" smtClean="0"/>
-          </a:p>
-          <a:p>
-            <a:r>
-              <a:rPr lang="zh-CN" altLang="en-US" dirty="0" smtClean="0"/>
-              <a:t>基于</a:t>
-            </a:r>
-            <a:r>
-              <a:rPr lang="en-US" altLang="zh-CN" dirty="0" smtClean="0"/>
-              <a:t>XML</a:t>
-            </a:r>
-            <a:r>
-              <a:rPr lang="zh-CN" altLang="en-US" dirty="0" smtClean="0"/>
-              <a:t>驱动模型驱动的数据访问接口系统</a:t>
-            </a:r>
-            <a:endParaRPr lang="en-US" altLang="zh-CN" dirty="0" smtClean="0"/>
-          </a:p>
-          <a:p>
-            <a:r>
-              <a:rPr lang="zh-CN" altLang="en-US" dirty="0" smtClean="0"/>
-              <a:t>业务数据管理系统模型管理工具</a:t>
-            </a:r>
-            <a:endParaRPr lang="en-US" altLang="zh-CN" dirty="0" smtClean="0"/>
-          </a:p>
-          <a:p>
-            <a:r>
-              <a:rPr lang="zh-CN" altLang="en-US" dirty="0" smtClean="0"/>
-              <a:t>提供各种移动终端平台数据交互类库</a:t>
+              <a:t>PHP+JQUERY+BOOSTRAP+SOAP</a:t>
             </a:r>
             <a:endParaRPr lang="zh-CN" altLang="en-US" dirty="0"/>
           </a:p>
         </p:txBody>
       </p:sp>
+      <p:sp>
+        <p:nvSpPr>
+          <p:cNvPr id="7170" name="Rectangle 2"/>
+          <p:cNvSpPr>
+            <a:spLocks noChangeArrowheads="1"/>
+          </p:cNvSpPr>
+          <p:nvPr/>
+        </p:nvSpPr>
+        <p:spPr bwMode="auto">
+          <a:xfrm>
+            <a:off x="0" y="0"/>
+            <a:ext cx="9144000" cy="0"/>
+          </a:xfrm>
+          <a:prstGeom prst="rect">
+            <a:avLst/>
+          </a:prstGeom>
+          <a:noFill/>
+          <a:ln w="9525">
+            <a:noFill/>
+            <a:miter lim="800000"/>
+            <a:headEnd/>
+            <a:tailEnd/>
+          </a:ln>
+          <a:effectLst/>
+        </p:spPr>
+        <p:txBody>
+          <a:bodyPr vert="horz" wrap="none" lIns="91440" tIns="45720" rIns="91440" bIns="45720" numCol="1" anchor="ctr" anchorCtr="0" compatLnSpc="1">
+            <a:prstTxWarp prst="textNoShape">
+              <a:avLst/>
+            </a:prstTxWarp>
+            <a:spAutoFit/>
+          </a:bodyPr>
+          <a:lstStyle/>
+          <a:p>
+            <a:endParaRPr lang="zh-CN" altLang="en-US"/>
+          </a:p>
+        </p:txBody>
+      </p:sp>
+      <p:pic>
+        <p:nvPicPr>
+          <p:cNvPr id="7171" name="Picture 1"/>
+          <p:cNvPicPr>
+            <a:picLocks noChangeAspect="1" noChangeArrowheads="1"/>
+          </p:cNvPicPr>
+          <p:nvPr/>
+        </p:nvPicPr>
+        <p:blipFill>
+          <a:blip r:embed="rId2" cstate="print"/>
+          <a:srcRect/>
+          <a:stretch>
+            <a:fillRect/>
+          </a:stretch>
+        </p:blipFill>
+        <p:spPr bwMode="auto">
+          <a:xfrm>
+            <a:off x="3275856" y="1340768"/>
+            <a:ext cx="3148461" cy="1728192"/>
+          </a:xfrm>
+          <a:prstGeom prst="rect">
+            <a:avLst/>
+          </a:prstGeom>
+          <a:noFill/>
+          <a:ln w="9525">
+            <a:noFill/>
+            <a:miter lim="800000"/>
+            <a:headEnd/>
+            <a:tailEnd/>
+          </a:ln>
+        </p:spPr>
+      </p:pic>
+      <p:pic>
+        <p:nvPicPr>
+          <p:cNvPr id="7172" name="Picture 1"/>
+          <p:cNvPicPr>
+            <a:picLocks noChangeAspect="1" noChangeArrowheads="1"/>
+          </p:cNvPicPr>
+          <p:nvPr/>
+        </p:nvPicPr>
+        <p:blipFill>
+          <a:blip r:embed="rId3" cstate="print"/>
+          <a:srcRect/>
+          <a:stretch>
+            <a:fillRect/>
+          </a:stretch>
+        </p:blipFill>
+        <p:spPr bwMode="auto">
+          <a:xfrm>
+            <a:off x="3347864" y="3212976"/>
+            <a:ext cx="5486400" cy="2012950"/>
+          </a:xfrm>
+          <a:prstGeom prst="rect">
+            <a:avLst/>
+          </a:prstGeom>
+          <a:noFill/>
+          <a:ln w="9525">
+            <a:noFill/>
+            <a:miter lim="800000"/>
+            <a:headEnd/>
+            <a:tailEnd/>
+          </a:ln>
+        </p:spPr>
+      </p:pic>
+      <p:pic>
+        <p:nvPicPr>
+          <p:cNvPr id="7173" name="Picture 2"/>
+          <p:cNvPicPr>
+            <a:picLocks noChangeAspect="1" noChangeArrowheads="1"/>
+          </p:cNvPicPr>
+          <p:nvPr/>
+        </p:nvPicPr>
+        <p:blipFill>
+          <a:blip r:embed="rId4" cstate="print"/>
+          <a:srcRect/>
+          <a:stretch>
+            <a:fillRect/>
+          </a:stretch>
+        </p:blipFill>
+        <p:spPr bwMode="auto">
+          <a:xfrm>
+            <a:off x="3347864" y="1340768"/>
+            <a:ext cx="7396178" cy="3672408"/>
+          </a:xfrm>
+          <a:prstGeom prst="rect">
+            <a:avLst/>
+          </a:prstGeom>
+          <a:noFill/>
+          <a:ln w="9525">
+            <a:noFill/>
+            <a:miter lim="800000"/>
+            <a:headEnd/>
+            <a:tailEnd/>
+          </a:ln>
+        </p:spPr>
+      </p:pic>
+      <p:pic>
+        <p:nvPicPr>
+          <p:cNvPr id="7174" name="Picture 2"/>
+          <p:cNvPicPr>
+            <a:picLocks noChangeAspect="1" noChangeArrowheads="1"/>
+          </p:cNvPicPr>
+          <p:nvPr/>
+        </p:nvPicPr>
+        <p:blipFill>
+          <a:blip r:embed="rId5" cstate="print"/>
+          <a:srcRect/>
+          <a:stretch>
+            <a:fillRect/>
+          </a:stretch>
+        </p:blipFill>
+        <p:spPr bwMode="auto">
+          <a:xfrm>
+            <a:off x="3275856" y="1412776"/>
+            <a:ext cx="7416824" cy="3472344"/>
+          </a:xfrm>
+          <a:prstGeom prst="rect">
+            <a:avLst/>
+          </a:prstGeom>
+          <a:noFill/>
+          <a:ln w="9525">
+            <a:noFill/>
+            <a:miter lim="800000"/>
+            <a:headEnd/>
+            <a:tailEnd/>
+          </a:ln>
+        </p:spPr>
+      </p:pic>
     </p:spTree>
   </p:cSld>
   <p:clrMapOvr>
     <a:masterClrMapping/>
   </p:clrMapOvr>
+  <p:timing>
+    <p:tnLst>
+      <p:par>
+        <p:cTn id="1" dur="indefinite" restart="never" nodeType="tmRoot">
+          <p:childTnLst>
+            <p:seq concurrent="1" nextAc="seek">
+              <p:cTn id="2" dur="indefinite" nodeType="mainSeq">
+                <p:childTnLst>
+                  <p:par>
+                    <p:cTn id="3" fill="hold">
+                      <p:stCondLst>
+                        <p:cond delay="indefinite"/>
+                      </p:stCondLst>
+                      <p:childTnLst>
+                        <p:par>
+                          <p:cTn id="4" fill="hold">
+                            <p:stCondLst>
+                              <p:cond delay="0"/>
+                            </p:stCondLst>
+                            <p:childTnLst>
+                              <p:par>
+                                <p:cTn id="5" presetID="3" presetClass="entr" presetSubtype="10" fill="hold" nodeType="clickEffect">
+                                  <p:stCondLst>
+                                    <p:cond delay="0"/>
+                                  </p:stCondLst>
+                                  <p:childTnLst>
+                                    <p:set>
+                                      <p:cBhvr>
+                                        <p:cTn id="6" dur="1" fill="hold">
+                                          <p:stCondLst>
+                                            <p:cond delay="0"/>
+                                          </p:stCondLst>
+                                        </p:cTn>
+                                        <p:tgtEl>
+                                          <p:spTgt spid="7173"/>
+                                        </p:tgtEl>
+                                        <p:attrNameLst>
+                                          <p:attrName>style.visibility</p:attrName>
+                                        </p:attrNameLst>
+                                      </p:cBhvr>
+                                      <p:to>
+                                        <p:strVal val="visible"/>
+                                      </p:to>
+                                    </p:set>
+                                    <p:animEffect transition="in" filter="blinds(horizontal)">
+                                      <p:cBhvr>
+                                        <p:cTn id="7" dur="500"/>
+                                        <p:tgtEl>
+                                          <p:spTgt spid="7173"/>
+                                        </p:tgtEl>
+                                      </p:cBhvr>
+                                    </p:animEffect>
+                                  </p:childTnLst>
+                                </p:cTn>
+                              </p:par>
+                            </p:childTnLst>
+                          </p:cTn>
+                        </p:par>
+                      </p:childTnLst>
+                    </p:cTn>
+                  </p:par>
+                  <p:par>
+                    <p:cTn id="8" fill="hold">
+                      <p:stCondLst>
+                        <p:cond delay="indefinite"/>
+                      </p:stCondLst>
+                      <p:childTnLst>
+                        <p:par>
+                          <p:cTn id="9" fill="hold">
+                            <p:stCondLst>
+                              <p:cond delay="0"/>
+                            </p:stCondLst>
+                            <p:childTnLst>
+                              <p:par>
+                                <p:cTn id="10" presetID="2" presetClass="entr" presetSubtype="4" fill="hold" nodeType="clickEffect">
+                                  <p:stCondLst>
+                                    <p:cond delay="0"/>
+                                  </p:stCondLst>
+                                  <p:childTnLst>
+                                    <p:set>
+                                      <p:cBhvr>
+                                        <p:cTn id="11" dur="1" fill="hold">
+                                          <p:stCondLst>
+                                            <p:cond delay="0"/>
+                                          </p:stCondLst>
+                                        </p:cTn>
+                                        <p:tgtEl>
+                                          <p:spTgt spid="7174"/>
+                                        </p:tgtEl>
+                                        <p:attrNameLst>
+                                          <p:attrName>style.visibility</p:attrName>
+                                        </p:attrNameLst>
+                                      </p:cBhvr>
+                                      <p:to>
+                                        <p:strVal val="visible"/>
+                                      </p:to>
+                                    </p:set>
+                                    <p:anim calcmode="lin" valueType="num">
+                                      <p:cBhvr additive="base">
+                                        <p:cTn id="12" dur="500" fill="hold"/>
+                                        <p:tgtEl>
+                                          <p:spTgt spid="7174"/>
+                                        </p:tgtEl>
+                                        <p:attrNameLst>
+                                          <p:attrName>ppt_x</p:attrName>
+                                        </p:attrNameLst>
+                                      </p:cBhvr>
+                                      <p:tavLst>
+                                        <p:tav tm="0">
+                                          <p:val>
+                                            <p:strVal val="#ppt_x"/>
+                                          </p:val>
+                                        </p:tav>
+                                        <p:tav tm="100000">
+                                          <p:val>
+                                            <p:strVal val="#ppt_x"/>
+                                          </p:val>
+                                        </p:tav>
+                                      </p:tavLst>
+                                    </p:anim>
+                                    <p:anim calcmode="lin" valueType="num">
+                                      <p:cBhvr additive="base">
+                                        <p:cTn id="13" dur="500" fill="hold"/>
+                                        <p:tgtEl>
+                                          <p:spTgt spid="7174"/>
+                                        </p:tgtEl>
+                                        <p:attrNameLst>
+                                          <p:attrName>ppt_y</p:attrName>
+                                        </p:attrNameLst>
+                                      </p:cBhvr>
+                                      <p:tavLst>
+                                        <p:tav tm="0">
+                                          <p:val>
+                                            <p:strVal val="1+#ppt_h/2"/>
+                                          </p:val>
+                                        </p:tav>
+                                        <p:tav tm="100000">
+                                          <p:val>
+                                            <p:strVal val="#ppt_y"/>
+                                          </p:val>
+                                        </p:tav>
+                                      </p:tavLst>
+                                    </p:anim>
+                                  </p:childTnLst>
+                                </p:cTn>
+                              </p:par>
+                            </p:childTnLst>
+                          </p:cTn>
+                        </p:par>
+                      </p:childTnLst>
+                    </p:cTn>
+                  </p:par>
+                </p:childTnLst>
+              </p:cTn>
+              <p:prevCondLst>
+                <p:cond evt="onPrev" delay="0">
+                  <p:tgtEl>
+                    <p:sldTgt/>
+                  </p:tgtEl>
+                </p:cond>
+              </p:prevCondLst>
+              <p:nextCondLst>
+                <p:cond evt="onNext" delay="0">
+                  <p:tgtEl>
+                    <p:sldTgt/>
+                  </p:tgtEl>
+                </p:cond>
+              </p:nextCondLst>
+            </p:seq>
+          </p:childTnLst>
+        </p:cTn>
+      </p:par>
+    </p:tnLst>
+  </p:timing>
 </p:sld>
 </file>
 
@@ -4898,15 +5331,7 @@
           <a:p>
             <a:r>
               <a:rPr lang="zh-CN" altLang="en-US" dirty="0" smtClean="0"/>
-              <a:t>设计</a:t>
-            </a:r>
-            <a:r>
-              <a:rPr lang="en-US" altLang="zh-CN" dirty="0" smtClean="0"/>
-              <a:t>-</a:t>
-            </a:r>
-            <a:r>
-              <a:rPr lang="zh-CN" altLang="en-US" dirty="0" smtClean="0"/>
-              <a:t>业务数据管理系统</a:t>
+              <a:t>移动应用数据交互组件</a:t>
             </a:r>
             <a:endParaRPr lang="zh-CN" altLang="en-US" dirty="0"/>
           </a:p>
@@ -4930,89 +5355,221 @@
           <a:lstStyle/>
           <a:p>
             <a:r>
-              <a:rPr lang="zh-CN" altLang="en-US" dirty="0" smtClean="0"/>
-              <a:t>自动读取和解析</a:t>
+              <a:rPr lang="zh-CN" altLang="en-US" b="1" dirty="0" smtClean="0">
+                <a:solidFill>
+                  <a:srgbClr val="FF0000"/>
+                </a:solidFill>
+              </a:rPr>
+              <a:t>本地化存储</a:t>
+            </a:r>
+            <a:r>
+              <a:rPr lang="zh-CN" altLang="en-US" dirty="0" smtClean="0"/>
+              <a:t>到手机的</a:t>
+            </a:r>
+            <a:r>
+              <a:rPr lang="en-US" altLang="zh-CN" dirty="0" err="1" smtClean="0"/>
+              <a:t>Sqlite</a:t>
+            </a:r>
+            <a:r>
+              <a:rPr lang="zh-CN" altLang="en-US" dirty="0" smtClean="0"/>
+              <a:t>或者</a:t>
             </a:r>
             <a:r>
               <a:rPr lang="en-US" altLang="zh-CN" dirty="0" smtClean="0"/>
-              <a:t>XML</a:t>
-            </a:r>
-            <a:r>
-              <a:rPr lang="zh-CN" altLang="en-US" dirty="0" smtClean="0"/>
-              <a:t>驱动模型</a:t>
+              <a:t>HTML5</a:t>
+            </a:r>
+            <a:r>
+              <a:rPr lang="zh-CN" altLang="en-US" dirty="0" smtClean="0"/>
+              <a:t>的</a:t>
+            </a:r>
+            <a:r>
+              <a:rPr lang="en-US" altLang="zh-CN" dirty="0" err="1" smtClean="0"/>
+              <a:t>LocalStorage</a:t>
             </a:r>
             <a:endParaRPr lang="en-US" altLang="zh-CN" dirty="0" smtClean="0"/>
           </a:p>
           <a:p>
             <a:r>
               <a:rPr lang="zh-CN" altLang="en-US" dirty="0" smtClean="0"/>
-              <a:t>生成增删查改的用户界面和功能</a:t>
+              <a:t>安全稳定的远程</a:t>
+            </a:r>
+            <a:r>
+              <a:rPr lang="zh-CN" altLang="en-US" b="1" dirty="0" smtClean="0">
+                <a:solidFill>
+                  <a:srgbClr val="FF0000"/>
+                </a:solidFill>
+              </a:rPr>
+              <a:t>网络请求</a:t>
+            </a:r>
+            <a:r>
+              <a:rPr lang="zh-CN" altLang="en-US" dirty="0" smtClean="0"/>
+              <a:t>并解析为数据对象</a:t>
             </a:r>
             <a:endParaRPr lang="en-US" altLang="zh-CN" dirty="0" smtClean="0"/>
           </a:p>
           <a:p>
             <a:r>
-              <a:rPr lang="zh-CN" altLang="en-US" dirty="0" smtClean="0"/>
-              <a:t>可扩展添加服务器端处理代码</a:t>
+              <a:rPr lang="zh-CN" altLang="en-US" dirty="0" smtClean="0">
+                <a:solidFill>
+                  <a:srgbClr val="0070C0"/>
+                </a:solidFill>
+              </a:rPr>
+              <a:t>自动生成</a:t>
+            </a:r>
+            <a:r>
+              <a:rPr lang="zh-CN" altLang="en-US" dirty="0" smtClean="0"/>
+              <a:t>相关字段的</a:t>
+            </a:r>
+            <a:r>
+              <a:rPr lang="zh-CN" altLang="en-US" dirty="0" smtClean="0">
+                <a:solidFill>
+                  <a:srgbClr val="0070C0"/>
+                </a:solidFill>
+              </a:rPr>
+              <a:t>业务数据对象</a:t>
+            </a:r>
+            <a:r>
+              <a:rPr lang="zh-CN" altLang="en-US" dirty="0" smtClean="0"/>
+              <a:t>，便于开发者基于面向对象进行核心代码的研发</a:t>
             </a:r>
             <a:endParaRPr lang="en-US" altLang="zh-CN" dirty="0" smtClean="0"/>
           </a:p>
           <a:p>
             <a:r>
-              <a:rPr lang="zh-CN" altLang="en-US" dirty="0" smtClean="0"/>
-              <a:t>可扩展添加前端页面界面代码</a:t>
+              <a:rPr lang="zh-CN" altLang="en-US" dirty="0" smtClean="0">
+                <a:solidFill>
+                  <a:srgbClr val="0070C0"/>
+                </a:solidFill>
+              </a:rPr>
+              <a:t>自动生成</a:t>
+            </a:r>
+            <a:r>
+              <a:rPr lang="zh-CN" altLang="en-US" dirty="0" smtClean="0"/>
+              <a:t>相关字段</a:t>
+            </a:r>
+            <a:r>
+              <a:rPr lang="zh-CN" altLang="en-US" dirty="0" smtClean="0"/>
+              <a:t>的</a:t>
+            </a:r>
+            <a:r>
+              <a:rPr lang="zh-CN" altLang="en-US" dirty="0" smtClean="0">
+                <a:solidFill>
+                  <a:srgbClr val="0070C0"/>
+                </a:solidFill>
+              </a:rPr>
+              <a:t>数据访问对象</a:t>
+            </a:r>
+            <a:r>
+              <a:rPr lang="zh-CN" altLang="en-US" dirty="0" smtClean="0"/>
+              <a:t>以及数据库表，便于直接获取相关数据</a:t>
             </a:r>
             <a:endParaRPr lang="en-US" altLang="zh-CN" dirty="0" smtClean="0"/>
           </a:p>
           <a:p>
             <a:r>
-              <a:rPr lang="zh-CN" altLang="en-US" dirty="0" smtClean="0"/>
-              <a:t>安全性</a:t>
+              <a:rPr lang="zh-CN" altLang="en-US" dirty="0" smtClean="0">
+                <a:solidFill>
+                  <a:srgbClr val="0070C0"/>
+                </a:solidFill>
+              </a:rPr>
+              <a:t>自动生成</a:t>
+            </a:r>
+            <a:r>
+              <a:rPr lang="zh-CN" altLang="en-US" dirty="0" smtClean="0"/>
+              <a:t>相关的</a:t>
+            </a:r>
+            <a:r>
+              <a:rPr lang="zh-CN" altLang="en-US" dirty="0" smtClean="0">
+                <a:solidFill>
+                  <a:srgbClr val="0070C0"/>
+                </a:solidFill>
+              </a:rPr>
+              <a:t>远程数据加载对象</a:t>
+            </a:r>
+            <a:endParaRPr lang="en-US" altLang="zh-CN" dirty="0" smtClean="0">
+              <a:solidFill>
+                <a:srgbClr val="0070C0"/>
+              </a:solidFill>
+            </a:endParaRPr>
+          </a:p>
+          <a:p>
+            <a:r>
+              <a:rPr lang="zh-CN" altLang="en-US" dirty="0" smtClean="0"/>
+              <a:t>基于可继承性和可二次开发的原则</a:t>
             </a:r>
             <a:endParaRPr lang="en-US" altLang="zh-CN" dirty="0" smtClean="0"/>
           </a:p>
           <a:p>
-            <a:r>
-              <a:rPr lang="zh-CN" altLang="en-US" dirty="0" smtClean="0"/>
-              <a:t>支持各种主流数据库</a:t>
-            </a:r>
             <a:endParaRPr lang="en-US" altLang="zh-CN" dirty="0" smtClean="0"/>
           </a:p>
           <a:p>
             <a:r>
               <a:rPr lang="zh-CN" altLang="en-US" dirty="0" smtClean="0"/>
-              <a:t>快速自动生成</a:t>
+              <a:t>相关技术：</a:t>
+            </a:r>
+            <a:r>
+              <a:rPr lang="en-US" altLang="zh-CN" dirty="0" smtClean="0"/>
+              <a:t>Android</a:t>
+            </a:r>
+            <a:r>
+              <a:rPr lang="zh-CN" altLang="en-US" dirty="0" smtClean="0"/>
+              <a:t>，</a:t>
+            </a:r>
+            <a:r>
+              <a:rPr lang="en-US" altLang="zh-CN" dirty="0" err="1" smtClean="0"/>
+              <a:t>Javascript</a:t>
             </a:r>
             <a:endParaRPr lang="en-US" altLang="zh-CN" dirty="0" smtClean="0"/>
           </a:p>
           <a:p>
-            <a:r>
-              <a:rPr lang="zh-CN" altLang="en-US" dirty="0" smtClean="0"/>
-              <a:t>简洁高效的用户界面</a:t>
-            </a:r>
             <a:endParaRPr lang="en-US" altLang="zh-CN" dirty="0" smtClean="0"/>
           </a:p>
           <a:p>
-            <a:r>
-              <a:rPr lang="zh-CN" altLang="en-US" dirty="0" smtClean="0"/>
-              <a:t>性能，响应速度快</a:t>
-            </a:r>
             <a:endParaRPr lang="en-US" altLang="zh-CN" dirty="0" smtClean="0"/>
           </a:p>
           <a:p>
-            <a:r>
-              <a:rPr lang="zh-CN" altLang="en-US" dirty="0" smtClean="0"/>
-              <a:t>提供</a:t>
-            </a:r>
-            <a:r>
-              <a:rPr lang="en-US" altLang="zh-CN" dirty="0" smtClean="0"/>
-              <a:t>XML</a:t>
-            </a:r>
-            <a:r>
-              <a:rPr lang="zh-CN" altLang="en-US" dirty="0" smtClean="0"/>
-              <a:t>业务模型管理工具</a:t>
-            </a:r>
-            <a:endParaRPr lang="zh-CN" altLang="en-US" dirty="0"/>
+            <a:endParaRPr lang="en-US" altLang="zh-CN" dirty="0" smtClean="0"/>
+          </a:p>
+          <a:p>
+            <a:endParaRPr lang="en-US" altLang="zh-CN" dirty="0" smtClean="0"/>
+          </a:p>
+        </p:txBody>
+      </p:sp>
+      <p:sp>
+        <p:nvSpPr>
+          <p:cNvPr id="7170" name="Rectangle 2"/>
+          <p:cNvSpPr>
+            <a:spLocks noChangeArrowheads="1"/>
+          </p:cNvSpPr>
+          <p:nvPr/>
+        </p:nvSpPr>
+        <p:spPr bwMode="auto">
+          <a:xfrm>
+            <a:off x="0" y="0"/>
+            <a:ext cx="9144000" cy="0"/>
+          </a:xfrm>
+          <a:prstGeom prst="rect">
+            <a:avLst/>
+          </a:prstGeom>
+          <a:noFill/>
+          <a:ln w="9525">
+            <a:noFill/>
+            <a:miter lim="800000"/>
+            <a:headEnd/>
+            <a:tailEnd/>
+          </a:ln>
+          <a:effectLst/>
+        </p:spPr>
+        <p:txBody>
+          <a:bodyPr vert="horz" wrap="none" lIns="91440" tIns="45720" rIns="91440" bIns="45720" numCol="1" anchor="ctr" anchorCtr="0" compatLnSpc="1">
+            <a:prstTxWarp prst="textNoShape">
+              <a:avLst/>
+            </a:prstTxWarp>
+            <a:spAutoFit/>
+          </a:bodyPr>
+          <a:lstStyle/>
+          <a:p>
+            <a:endParaRPr lang="zh-CN" altLang="en-US"/>
           </a:p>
         </p:txBody>
       </p:sp>
@@ -5021,6 +5578,13 @@
   <p:clrMapOvr>
     <a:masterClrMapping/>
   </p:clrMapOvr>
+  <p:timing>
+    <p:tnLst>
+      <p:par>
+        <p:cTn id="1" dur="indefinite" restart="never" nodeType="tmRoot"/>
+      </p:par>
+    </p:tnLst>
+  </p:timing>
 </p:sld>
 </file>
 
@@ -5058,15 +5622,7 @@
           <a:p>
             <a:r>
               <a:rPr lang="zh-CN" altLang="en-US" dirty="0" smtClean="0"/>
-              <a:t>设计</a:t>
-            </a:r>
-            <a:r>
-              <a:rPr lang="en-US" altLang="zh-CN" dirty="0" smtClean="0"/>
-              <a:t>-</a:t>
-            </a:r>
-            <a:r>
-              <a:rPr lang="zh-CN" altLang="en-US" dirty="0" smtClean="0"/>
-              <a:t>业务模型数据接口访问</a:t>
+              <a:t>移动应用数据交互组件</a:t>
             </a:r>
             <a:endParaRPr lang="zh-CN" altLang="en-US" dirty="0"/>
           </a:p>
@@ -5084,63 +5640,170 @@
         </p:nvSpPr>
         <p:spPr/>
         <p:txBody>
-          <a:bodyPr/>
-          <a:lstStyle/>
-          <a:p>
-            <a:r>
-              <a:rPr lang="zh-CN" altLang="en-US" dirty="0" smtClean="0"/>
-              <a:t>自动读取和解析</a:t>
-            </a:r>
-            <a:r>
-              <a:rPr lang="en-US" altLang="zh-CN" dirty="0" smtClean="0"/>
-              <a:t>XML</a:t>
-            </a:r>
-            <a:r>
-              <a:rPr lang="zh-CN" altLang="en-US" dirty="0" smtClean="0"/>
-              <a:t>驱动</a:t>
-            </a:r>
-            <a:r>
-              <a:rPr lang="zh-CN" altLang="en-US" dirty="0" smtClean="0"/>
-              <a:t>模型</a:t>
-            </a:r>
+          <a:bodyPr>
+            <a:normAutofit/>
+          </a:bodyPr>
+          <a:lstStyle/>
+          <a:p>
             <a:endParaRPr lang="en-US" altLang="zh-CN" dirty="0" smtClean="0"/>
           </a:p>
           <a:p>
-            <a:r>
-              <a:rPr lang="zh-CN" altLang="en-US" dirty="0" smtClean="0"/>
-              <a:t>提供接口</a:t>
-            </a:r>
-            <a:r>
-              <a:rPr lang="en-US" altLang="zh-CN" dirty="0" smtClean="0"/>
-              <a:t>SOAP</a:t>
-            </a:r>
-            <a:r>
-              <a:rPr lang="zh-CN" altLang="en-US" dirty="0" smtClean="0"/>
-              <a:t>交互方式的增删查改</a:t>
-            </a:r>
             <a:endParaRPr lang="en-US" altLang="zh-CN" dirty="0" smtClean="0"/>
           </a:p>
           <a:p>
-            <a:r>
-              <a:rPr lang="zh-CN" altLang="en-US" dirty="0" smtClean="0"/>
-              <a:t>高并发，高吞吐量</a:t>
-            </a:r>
             <a:endParaRPr lang="en-US" altLang="zh-CN" dirty="0" smtClean="0"/>
           </a:p>
           <a:p>
-            <a:r>
-              <a:rPr lang="zh-CN" altLang="en-US" dirty="0" smtClean="0"/>
-              <a:t>高扩展性可返回自定义请求和业务处理</a:t>
-            </a:r>
             <a:endParaRPr lang="en-US" altLang="zh-CN" dirty="0" smtClean="0"/>
           </a:p>
         </p:txBody>
       </p:sp>
+      <p:sp>
+        <p:nvSpPr>
+          <p:cNvPr id="7170" name="Rectangle 2"/>
+          <p:cNvSpPr>
+            <a:spLocks noChangeArrowheads="1"/>
+          </p:cNvSpPr>
+          <p:nvPr/>
+        </p:nvSpPr>
+        <p:spPr bwMode="auto">
+          <a:xfrm>
+            <a:off x="0" y="0"/>
+            <a:ext cx="9144000" cy="0"/>
+          </a:xfrm>
+          <a:prstGeom prst="rect">
+            <a:avLst/>
+          </a:prstGeom>
+          <a:noFill/>
+          <a:ln w="9525">
+            <a:noFill/>
+            <a:miter lim="800000"/>
+            <a:headEnd/>
+            <a:tailEnd/>
+          </a:ln>
+          <a:effectLst/>
+        </p:spPr>
+        <p:txBody>
+          <a:bodyPr vert="horz" wrap="none" lIns="91440" tIns="45720" rIns="91440" bIns="45720" numCol="1" anchor="ctr" anchorCtr="0" compatLnSpc="1">
+            <a:prstTxWarp prst="textNoShape">
+              <a:avLst/>
+            </a:prstTxWarp>
+            <a:spAutoFit/>
+          </a:bodyPr>
+          <a:lstStyle/>
+          <a:p>
+            <a:endParaRPr lang="zh-CN" altLang="en-US"/>
+          </a:p>
+        </p:txBody>
+      </p:sp>
+      <p:pic>
+        <p:nvPicPr>
+          <p:cNvPr id="29698" name="Picture 1"/>
+          <p:cNvPicPr>
+            <a:picLocks noChangeAspect="1" noChangeArrowheads="1"/>
+          </p:cNvPicPr>
+          <p:nvPr/>
+        </p:nvPicPr>
+        <p:blipFill>
+          <a:blip r:embed="rId2" cstate="print"/>
+          <a:srcRect/>
+          <a:stretch>
+            <a:fillRect/>
+          </a:stretch>
+        </p:blipFill>
+        <p:spPr bwMode="auto">
+          <a:xfrm>
+            <a:off x="1043608" y="1556792"/>
+            <a:ext cx="3186479" cy="4509120"/>
+          </a:xfrm>
+          <a:prstGeom prst="rect">
+            <a:avLst/>
+          </a:prstGeom>
+          <a:noFill/>
+          <a:ln w="9525">
+            <a:noFill/>
+            <a:miter lim="800000"/>
+            <a:headEnd/>
+            <a:tailEnd/>
+          </a:ln>
+        </p:spPr>
+      </p:pic>
+      <p:pic>
+        <p:nvPicPr>
+          <p:cNvPr id="29699" name="Picture 1"/>
+          <p:cNvPicPr>
+            <a:picLocks noChangeAspect="1" noChangeArrowheads="1"/>
+          </p:cNvPicPr>
+          <p:nvPr/>
+        </p:nvPicPr>
+        <p:blipFill>
+          <a:blip r:embed="rId3" cstate="print"/>
+          <a:srcRect/>
+          <a:stretch>
+            <a:fillRect/>
+          </a:stretch>
+        </p:blipFill>
+        <p:spPr bwMode="auto">
+          <a:xfrm>
+            <a:off x="4788024" y="1340768"/>
+            <a:ext cx="3530694" cy="2780928"/>
+          </a:xfrm>
+          <a:prstGeom prst="rect">
+            <a:avLst/>
+          </a:prstGeom>
+          <a:noFill/>
+          <a:ln w="9525">
+            <a:noFill/>
+            <a:miter lim="800000"/>
+            <a:headEnd/>
+            <a:tailEnd/>
+          </a:ln>
+        </p:spPr>
+      </p:pic>
+      <p:pic>
+        <p:nvPicPr>
+          <p:cNvPr id="29700" name="Picture 1"/>
+          <p:cNvPicPr>
+            <a:picLocks noChangeAspect="1" noChangeArrowheads="1"/>
+          </p:cNvPicPr>
+          <p:nvPr/>
+        </p:nvPicPr>
+        <p:blipFill>
+          <a:blip r:embed="rId4" cstate="print"/>
+          <a:srcRect/>
+          <a:stretch>
+            <a:fillRect/>
+          </a:stretch>
+        </p:blipFill>
+        <p:spPr bwMode="auto">
+          <a:xfrm>
+            <a:off x="4788024" y="4149080"/>
+            <a:ext cx="3925888" cy="2327275"/>
+          </a:xfrm>
+          <a:prstGeom prst="rect">
+            <a:avLst/>
+          </a:prstGeom>
+          <a:noFill/>
+          <a:ln w="9525">
+            <a:noFill/>
+            <a:miter lim="800000"/>
+            <a:headEnd/>
+            <a:tailEnd/>
+          </a:ln>
+        </p:spPr>
+      </p:pic>
     </p:spTree>
   </p:cSld>
   <p:clrMapOvr>
     <a:masterClrMapping/>
   </p:clrMapOvr>
+  <p:timing>
+    <p:tnLst>
+      <p:par>
+        <p:cTn id="1" dur="indefinite" restart="never" nodeType="tmRoot"/>
+      </p:par>
+    </p:tnLst>
+  </p:timing>
 </p:sld>
 </file>
 
@@ -5178,7 +5841,7 @@
           <a:p>
             <a:r>
               <a:rPr lang="zh-CN" altLang="en-US" dirty="0" smtClean="0"/>
-              <a:t>设计</a:t>
+              <a:t>应用</a:t>
             </a:r>
             <a:r>
               <a:rPr lang="en-US" altLang="zh-CN" dirty="0" smtClean="0"/>
@@ -5186,7 +5849,7 @@
             </a:r>
             <a:r>
               <a:rPr lang="zh-CN" altLang="en-US" dirty="0" smtClean="0"/>
-              <a:t>移动平台数据交互类库</a:t>
+              <a:t>新闻发布客户端</a:t>
             </a:r>
             <a:endParaRPr lang="zh-CN" altLang="en-US" dirty="0"/>
           </a:p>
@@ -5208,53 +5871,97 @@
           <a:lstStyle/>
           <a:p>
             <a:r>
-              <a:rPr lang="zh-CN" altLang="en-US" dirty="0" smtClean="0"/>
-              <a:t>异步数据交互</a:t>
-            </a:r>
-            <a:endParaRPr lang="en-US" altLang="zh-CN" dirty="0" smtClean="0"/>
-          </a:p>
-          <a:p>
-            <a:r>
-              <a:rPr lang="zh-CN" altLang="en-US" dirty="0" smtClean="0"/>
-              <a:t>写入本地数据库，支持离线读取数据</a:t>
-            </a:r>
-            <a:endParaRPr lang="en-US" altLang="zh-CN" dirty="0" smtClean="0"/>
-          </a:p>
-          <a:p>
-            <a:r>
-              <a:rPr lang="zh-CN" altLang="en-US" dirty="0" smtClean="0"/>
-              <a:t>业务数据访问对象</a:t>
-            </a:r>
-            <a:endParaRPr lang="en-US" altLang="zh-CN" dirty="0" smtClean="0"/>
-          </a:p>
-          <a:p>
-            <a:r>
-              <a:rPr lang="zh-CN" altLang="en-US" dirty="0" smtClean="0"/>
-              <a:t>业务数据对象</a:t>
-            </a:r>
-            <a:endParaRPr lang="en-US" altLang="zh-CN" dirty="0" smtClean="0"/>
-          </a:p>
-          <a:p>
-            <a:r>
-              <a:rPr lang="zh-CN" altLang="en-US" dirty="0" smtClean="0"/>
-              <a:t>支持回调处理</a:t>
-            </a:r>
-            <a:endParaRPr lang="en-US" altLang="zh-CN" dirty="0" smtClean="0"/>
-          </a:p>
-          <a:p>
-            <a:r>
-              <a:rPr lang="zh-CN" altLang="en-US" dirty="0" smtClean="0"/>
-              <a:t>简洁请求高性能</a:t>
+              <a:rPr lang="zh-CN" altLang="en-US" dirty="0" smtClean="0">
+                <a:solidFill>
+                  <a:srgbClr val="FF0000"/>
+                </a:solidFill>
+              </a:rPr>
+              <a:t>如果有需要</a:t>
+            </a:r>
+            <a:r>
+              <a:rPr lang="zh-CN" altLang="en-US" dirty="0" smtClean="0"/>
+              <a:t>，可以重写控制器或者业务模型对象和前端交互。</a:t>
             </a:r>
             <a:endParaRPr lang="zh-CN" altLang="en-US" dirty="0"/>
           </a:p>
         </p:txBody>
       </p:sp>
+      <p:pic>
+        <p:nvPicPr>
+          <p:cNvPr id="6147" name="Picture 1"/>
+          <p:cNvPicPr>
+            <a:picLocks noChangeAspect="1" noChangeArrowheads="1"/>
+          </p:cNvPicPr>
+          <p:nvPr/>
+        </p:nvPicPr>
+        <p:blipFill>
+          <a:blip r:embed="rId2" cstate="print"/>
+          <a:srcRect/>
+          <a:stretch>
+            <a:fillRect/>
+          </a:stretch>
+        </p:blipFill>
+        <p:spPr bwMode="auto">
+          <a:xfrm>
+            <a:off x="1043608" y="2348880"/>
+            <a:ext cx="4784725" cy="1597025"/>
+          </a:xfrm>
+          <a:prstGeom prst="rect">
+            <a:avLst/>
+          </a:prstGeom>
+          <a:noFill/>
+          <a:ln w="9525">
+            <a:noFill/>
+            <a:miter lim="800000"/>
+            <a:headEnd/>
+            <a:tailEnd/>
+          </a:ln>
+        </p:spPr>
+      </p:pic>
+      <p:pic>
+        <p:nvPicPr>
+          <p:cNvPr id="6148" name="Picture 1"/>
+          <p:cNvPicPr>
+            <a:picLocks noChangeAspect="1" noChangeArrowheads="1"/>
+          </p:cNvPicPr>
+          <p:nvPr/>
+        </p:nvPicPr>
+        <p:blipFill>
+          <a:blip r:embed="rId3" cstate="print"/>
+          <a:srcRect/>
+          <a:stretch>
+            <a:fillRect/>
+          </a:stretch>
+        </p:blipFill>
+        <p:spPr bwMode="auto">
+          <a:xfrm>
+            <a:off x="4283968" y="4077072"/>
+            <a:ext cx="4118248" cy="2578671"/>
+          </a:xfrm>
+          <a:prstGeom prst="rect">
+            <a:avLst/>
+          </a:prstGeom>
+          <a:noFill/>
+          <a:ln w="9525">
+            <a:noFill/>
+            <a:miter lim="800000"/>
+            <a:headEnd/>
+            <a:tailEnd/>
+          </a:ln>
+        </p:spPr>
+      </p:pic>
     </p:spTree>
   </p:cSld>
   <p:clrMapOvr>
     <a:masterClrMapping/>
   </p:clrMapOvr>
+  <p:timing>
+    <p:tnLst>
+      <p:par>
+        <p:cTn id="1" dur="indefinite" restart="never" nodeType="tmRoot"/>
+      </p:par>
+    </p:tnLst>
+  </p:timing>
 </p:sld>
 </file>
 
@@ -5292,7 +5999,15 @@
           <a:p>
             <a:r>
               <a:rPr lang="zh-CN" altLang="en-US" dirty="0" smtClean="0"/>
-              <a:t>部署</a:t>
+              <a:t>应用</a:t>
+            </a:r>
+            <a:r>
+              <a:rPr lang="en-US" altLang="zh-CN" dirty="0" smtClean="0"/>
+              <a:t>-</a:t>
+            </a:r>
+            <a:r>
+              <a:rPr lang="zh-CN" altLang="en-US" dirty="0" smtClean="0"/>
+              <a:t>新闻发布客户端</a:t>
             </a:r>
             <a:endParaRPr lang="zh-CN" altLang="en-US" dirty="0"/>
           </a:p>
@@ -5313,22 +6028,57 @@
           <a:bodyPr/>
           <a:lstStyle/>
           <a:p>
+            <a:r>
+              <a:rPr lang="zh-CN" altLang="en-US" dirty="0" smtClean="0"/>
+              <a:t>下载自动生成的源代码和</a:t>
+            </a:r>
+            <a:r>
+              <a:rPr lang="en-US" altLang="zh-CN" dirty="0" smtClean="0"/>
+              <a:t>JAR</a:t>
+            </a:r>
+            <a:r>
+              <a:rPr lang="zh-CN" altLang="en-US" dirty="0" smtClean="0"/>
+              <a:t>包，在自己的</a:t>
+            </a:r>
+            <a:r>
+              <a:rPr lang="en-US" altLang="zh-CN" dirty="0" smtClean="0"/>
+              <a:t>APP</a:t>
+            </a:r>
+            <a:r>
+              <a:rPr lang="zh-CN" altLang="en-US" dirty="0" smtClean="0"/>
+              <a:t>中添加引用并</a:t>
+            </a:r>
+            <a:r>
+              <a:rPr lang="en-US" altLang="zh-CN" dirty="0" smtClean="0"/>
+              <a:t>Copy</a:t>
+            </a:r>
+            <a:r>
+              <a:rPr lang="zh-CN" altLang="en-US" dirty="0" smtClean="0"/>
+              <a:t>生成的源代码，如有需要，可重写。</a:t>
+            </a:r>
             <a:endParaRPr lang="zh-CN" altLang="en-US" dirty="0"/>
           </a:p>
         </p:txBody>
       </p:sp>
-      <p:sp>
-        <p:nvSpPr>
-          <p:cNvPr id="1026" name="Rectangle 2"/>
-          <p:cNvSpPr>
-            <a:spLocks noChangeArrowheads="1"/>
-          </p:cNvSpPr>
+      <p:pic>
+        <p:nvPicPr>
+          <p:cNvPr id="5" name="Picture 1"/>
+          <p:cNvPicPr>
+            <a:picLocks noChangeAspect="1" noChangeArrowheads="1"/>
+          </p:cNvPicPr>
           <p:nvPr/>
-        </p:nvSpPr>
+        </p:nvPicPr>
+        <p:blipFill>
+          <a:blip r:embed="rId2" cstate="print"/>
+          <a:srcRect/>
+          <a:stretch>
+            <a:fillRect/>
+          </a:stretch>
+        </p:blipFill>
         <p:spPr bwMode="auto">
           <a:xfrm>
-            <a:off x="0" y="0"/>
-            <a:ext cx="9144000" cy="0"/>
+            <a:off x="1171681" y="2718444"/>
+            <a:ext cx="2372300" cy="3356992"/>
           </a:xfrm>
           <a:prstGeom prst="rect">
             <a:avLst/>
@@ -5340,46 +6090,84 @@
             <a:headEnd/>
             <a:tailEnd/>
           </a:ln>
-          <a:effectLst/>
-        </p:spPr>
-        <p:txBody>
-          <a:bodyPr vert="horz" wrap="none" lIns="91440" tIns="45720" rIns="91440" bIns="45720" numCol="1" anchor="ctr" anchorCtr="0" compatLnSpc="1">
-            <a:prstTxWarp prst="textNoShape">
-              <a:avLst/>
-            </a:prstTxWarp>
-            <a:spAutoFit/>
-          </a:bodyPr>
-          <a:lstStyle/>
-          <a:p>
-            <a:endParaRPr lang="zh-CN" altLang="en-US"/>
-          </a:p>
-        </p:txBody>
-      </p:sp>
-      <p:graphicFrame>
-        <p:nvGraphicFramePr>
-          <p:cNvPr id="1025" name="Object 1"/>
-          <p:cNvGraphicFramePr>
-            <a:graphicFrameLocks noChangeAspect="1"/>
-          </p:cNvGraphicFramePr>
+        </p:spPr>
+      </p:pic>
+      <p:pic>
+        <p:nvPicPr>
+          <p:cNvPr id="6" name="Picture 1"/>
+          <p:cNvPicPr>
+            <a:picLocks noChangeAspect="1" noChangeArrowheads="1"/>
+          </p:cNvPicPr>
           <p:nvPr/>
-        </p:nvGraphicFramePr>
-        <p:xfrm>
-          <a:off x="2000232" y="2143116"/>
-          <a:ext cx="5753100" cy="3314700"/>
-        </p:xfrm>
-        <a:graphic>
-          <a:graphicData uri="http://schemas.openxmlformats.org/presentationml/2006/ole">
-            <p:oleObj spid="_x0000_s1025" name="Visio" r:id="rId3" imgW="9931625" imgH="5732199" progId="Visio.Drawing.11">
-              <p:embed/>
-            </p:oleObj>
-          </a:graphicData>
-        </a:graphic>
-      </p:graphicFrame>
+        </p:nvPicPr>
+        <p:blipFill>
+          <a:blip r:embed="rId3" cstate="print"/>
+          <a:srcRect/>
+          <a:stretch>
+            <a:fillRect/>
+          </a:stretch>
+        </p:blipFill>
+        <p:spPr bwMode="auto">
+          <a:xfrm>
+            <a:off x="3851920" y="2420888"/>
+            <a:ext cx="2628564" cy="2070371"/>
+          </a:xfrm>
+          <a:prstGeom prst="rect">
+            <a:avLst/>
+          </a:prstGeom>
+          <a:noFill/>
+          <a:ln w="9525">
+            <a:noFill/>
+            <a:miter lim="800000"/>
+            <a:headEnd/>
+            <a:tailEnd/>
+          </a:ln>
+        </p:spPr>
+      </p:pic>
+      <p:pic>
+        <p:nvPicPr>
+          <p:cNvPr id="7" name="Picture 1"/>
+          <p:cNvPicPr>
+            <a:picLocks noChangeAspect="1" noChangeArrowheads="1"/>
+          </p:cNvPicPr>
+          <p:nvPr/>
+        </p:nvPicPr>
+        <p:blipFill>
+          <a:blip r:embed="rId4" cstate="print"/>
+          <a:srcRect/>
+          <a:stretch>
+            <a:fillRect/>
+          </a:stretch>
+        </p:blipFill>
+        <p:spPr bwMode="auto">
+          <a:xfrm>
+            <a:off x="3851920" y="4725144"/>
+            <a:ext cx="2922783" cy="1732632"/>
+          </a:xfrm>
+          <a:prstGeom prst="rect">
+            <a:avLst/>
+          </a:prstGeom>
+          <a:noFill/>
+          <a:ln w="9525">
+            <a:noFill/>
+            <a:miter lim="800000"/>
+            <a:headEnd/>
+            <a:tailEnd/>
+          </a:ln>
+        </p:spPr>
+      </p:pic>
     </p:spTree>
   </p:cSld>
   <p:clrMapOvr>
     <a:masterClrMapping/>
   </p:clrMapOvr>
+  <p:timing>
+    <p:tnLst>
+      <p:par>
+        <p:cTn id="1" dur="indefinite" restart="never" nodeType="tmRoot"/>
+      </p:par>
+    </p:tnLst>
+  </p:timing>
 </p:sld>
 </file>
 

--- a/论文PPT.pptx
+++ b/论文PPT.pptx
@@ -7,17 +7,26 @@
   <p:sldIdLst>
     <p:sldId id="256" r:id="rId2"/>
     <p:sldId id="257" r:id="rId3"/>
-    <p:sldId id="271" r:id="rId4"/>
-    <p:sldId id="272" r:id="rId5"/>
-    <p:sldId id="258" r:id="rId6"/>
-    <p:sldId id="273" r:id="rId7"/>
-    <p:sldId id="274" r:id="rId8"/>
-    <p:sldId id="259" r:id="rId9"/>
-    <p:sldId id="275" r:id="rId10"/>
-    <p:sldId id="276" r:id="rId11"/>
-    <p:sldId id="277" r:id="rId12"/>
-    <p:sldId id="278" r:id="rId13"/>
-    <p:sldId id="270" r:id="rId14"/>
+    <p:sldId id="272" r:id="rId4"/>
+    <p:sldId id="279" r:id="rId5"/>
+    <p:sldId id="281" r:id="rId6"/>
+    <p:sldId id="280" r:id="rId7"/>
+    <p:sldId id="282" r:id="rId8"/>
+    <p:sldId id="283" r:id="rId9"/>
+    <p:sldId id="284" r:id="rId10"/>
+    <p:sldId id="285" r:id="rId11"/>
+    <p:sldId id="286" r:id="rId12"/>
+    <p:sldId id="287" r:id="rId13"/>
+    <p:sldId id="288" r:id="rId14"/>
+    <p:sldId id="289" r:id="rId15"/>
+    <p:sldId id="274" r:id="rId16"/>
+    <p:sldId id="259" r:id="rId17"/>
+    <p:sldId id="292" r:id="rId18"/>
+    <p:sldId id="293" r:id="rId19"/>
+    <p:sldId id="290" r:id="rId20"/>
+    <p:sldId id="291" r:id="rId21"/>
+    <p:sldId id="278" r:id="rId22"/>
+    <p:sldId id="270" r:id="rId23"/>
   </p:sldIdLst>
   <p:sldSz cx="9144000" cy="6858000" type="screen4x3"/>
   <p:notesSz cx="6858000" cy="9144000"/>
@@ -314,7 +323,7 @@
             <a:fld id="{530820CF-B880-4189-942D-D702A7CBA730}" type="datetimeFigureOut">
               <a:rPr lang="zh-CN" altLang="en-US" smtClean="0"/>
               <a:pPr/>
-              <a:t>2016/9/2</a:t>
+              <a:t>2016/10/19</a:t>
             </a:fld>
             <a:endParaRPr lang="zh-CN" altLang="en-US"/>
           </a:p>
@@ -669,7 +678,7 @@
             <a:fld id="{530820CF-B880-4189-942D-D702A7CBA730}" type="datetimeFigureOut">
               <a:rPr lang="zh-CN" altLang="en-US" smtClean="0"/>
               <a:pPr/>
-              <a:t>2016/9/2</a:t>
+              <a:t>2016/10/19</a:t>
             </a:fld>
             <a:endParaRPr lang="zh-CN" altLang="en-US"/>
           </a:p>
@@ -846,7 +855,7 @@
             <a:fld id="{530820CF-B880-4189-942D-D702A7CBA730}" type="datetimeFigureOut">
               <a:rPr lang="zh-CN" altLang="en-US" smtClean="0"/>
               <a:pPr/>
-              <a:t>2016/9/2</a:t>
+              <a:t>2016/10/19</a:t>
             </a:fld>
             <a:endParaRPr lang="zh-CN" altLang="en-US"/>
           </a:p>
@@ -961,7 +970,7 @@
             <a:fld id="{530820CF-B880-4189-942D-D702A7CBA730}" type="datetimeFigureOut">
               <a:rPr lang="zh-CN" altLang="en-US" smtClean="0"/>
               <a:pPr/>
-              <a:t>2016/9/2</a:t>
+              <a:t>2016/10/19</a:t>
             </a:fld>
             <a:endParaRPr lang="zh-CN" altLang="en-US"/>
           </a:p>
@@ -1321,7 +1330,7 @@
             <a:fld id="{530820CF-B880-4189-942D-D702A7CBA730}" type="datetimeFigureOut">
               <a:rPr lang="zh-CN" altLang="en-US" smtClean="0"/>
               <a:pPr/>
-              <a:t>2016/9/2</a:t>
+              <a:t>2016/10/19</a:t>
             </a:fld>
             <a:endParaRPr lang="zh-CN" altLang="en-US"/>
           </a:p>
@@ -1588,7 +1597,7 @@
             <a:fld id="{530820CF-B880-4189-942D-D702A7CBA730}" type="datetimeFigureOut">
               <a:rPr lang="zh-CN" altLang="en-US" smtClean="0"/>
               <a:pPr/>
-              <a:t>2016/9/2</a:t>
+              <a:t>2016/10/19</a:t>
             </a:fld>
             <a:endParaRPr lang="zh-CN" altLang="en-US"/>
           </a:p>
@@ -1952,7 +1961,7 @@
             <a:fld id="{530820CF-B880-4189-942D-D702A7CBA730}" type="datetimeFigureOut">
               <a:rPr lang="zh-CN" altLang="en-US" smtClean="0"/>
               <a:pPr/>
-              <a:t>2016/9/2</a:t>
+              <a:t>2016/10/19</a:t>
             </a:fld>
             <a:endParaRPr lang="zh-CN" altLang="en-US"/>
           </a:p>
@@ -2181,7 +2190,7 @@
             <a:fld id="{530820CF-B880-4189-942D-D702A7CBA730}" type="datetimeFigureOut">
               <a:rPr lang="zh-CN" altLang="en-US" smtClean="0"/>
               <a:pPr/>
-              <a:t>2016/9/2</a:t>
+              <a:t>2016/10/19</a:t>
             </a:fld>
             <a:endParaRPr lang="zh-CN" altLang="en-US"/>
           </a:p>
@@ -2273,7 +2282,7 @@
             <a:fld id="{530820CF-B880-4189-942D-D702A7CBA730}" type="datetimeFigureOut">
               <a:rPr lang="zh-CN" altLang="en-US" smtClean="0"/>
               <a:pPr/>
-              <a:t>2016/9/2</a:t>
+              <a:t>2016/10/19</a:t>
             </a:fld>
             <a:endParaRPr lang="zh-CN" altLang="en-US"/>
           </a:p>
@@ -2542,7 +2551,7 @@
             <a:fld id="{530820CF-B880-4189-942D-D702A7CBA730}" type="datetimeFigureOut">
               <a:rPr lang="zh-CN" altLang="en-US" smtClean="0"/>
               <a:pPr/>
-              <a:t>2016/9/2</a:t>
+              <a:t>2016/10/19</a:t>
             </a:fld>
             <a:endParaRPr lang="zh-CN" altLang="en-US"/>
           </a:p>
@@ -2772,7 +2781,7 @@
             <a:fld id="{530820CF-B880-4189-942D-D702A7CBA730}" type="datetimeFigureOut">
               <a:rPr lang="zh-CN" altLang="en-US" smtClean="0"/>
               <a:pPr/>
-              <a:t>2016/9/2</a:t>
+              <a:t>2016/10/19</a:t>
             </a:fld>
             <a:endParaRPr lang="zh-CN" altLang="en-US"/>
           </a:p>
@@ -3273,7 +3282,7 @@
             <a:fld id="{530820CF-B880-4189-942D-D702A7CBA730}" type="datetimeFigureOut">
               <a:rPr lang="zh-CN" altLang="en-US" smtClean="0"/>
               <a:pPr/>
-              <a:t>2016/9/2</a:t>
+              <a:t>2016/10/19</a:t>
             </a:fld>
             <a:endParaRPr lang="zh-CN" altLang="en-US"/>
           </a:p>
@@ -3746,6 +3755,13 @@
   <p:clrMapOvr>
     <a:masterClrMapping/>
   </p:clrMapOvr>
+  <p:timing>
+    <p:tnLst>
+      <p:par>
+        <p:cTn id="1" dur="indefinite" restart="never" nodeType="tmRoot"/>
+      </p:par>
+    </p:tnLst>
+  </p:timing>
 </p:sld>
 </file>
 
@@ -3783,17 +3799,9 @@
           <a:p>
             <a:r>
               <a:rPr lang="zh-CN" altLang="en-US" dirty="0" smtClean="0"/>
-              <a:t>应用</a:t>
-            </a:r>
-            <a:r>
-              <a:rPr lang="en-US" altLang="zh-CN" dirty="0" smtClean="0"/>
-              <a:t>-</a:t>
-            </a:r>
-            <a:r>
-              <a:rPr lang="zh-CN" altLang="en-US" dirty="0" smtClean="0"/>
-              <a:t>新闻发布客户端</a:t>
-            </a:r>
-            <a:endParaRPr lang="zh-CN" altLang="en-US" dirty="0"/>
+              <a:t>移动应用数据交互组件</a:t>
+            </a:r>
+            <a:endParaRPr lang="en-US" altLang="zh-CN" dirty="0" smtClean="0"/>
           </a:p>
         </p:txBody>
       </p:sp>
@@ -3809,44 +3817,115 @@
         </p:nvSpPr>
         <p:spPr/>
         <p:txBody>
-          <a:bodyPr/>
-          <a:lstStyle/>
-          <a:p>
+          <a:bodyPr>
+            <a:normAutofit/>
+          </a:bodyPr>
+          <a:lstStyle/>
+          <a:p>
+            <a:r>
+              <a:rPr lang="en-US" altLang="zh-CN" dirty="0" err="1" smtClean="0"/>
+              <a:t>WebLoader</a:t>
+            </a:r>
             <a:r>
               <a:rPr lang="zh-CN" altLang="en-US" dirty="0" smtClean="0"/>
-              <a:t>调用并显示到相关的</a:t>
+              <a:t>对象，远程加载数据交互接口的数据转换为</a:t>
+            </a:r>
+            <a:r>
+              <a:rPr lang="en-US" altLang="zh-CN" dirty="0" smtClean="0"/>
+              <a:t>DO</a:t>
+            </a:r>
+          </a:p>
+          <a:p>
+            <a:r>
+              <a:rPr lang="en-US" altLang="zh-CN" dirty="0" smtClean="0"/>
+              <a:t>DO</a:t>
             </a:r>
             <a:r>
               <a:rPr lang="zh-CN" altLang="en-US" dirty="0" smtClean="0"/>
-              <a:t>移动应用中</a:t>
+              <a:t>（</a:t>
+            </a:r>
+            <a:r>
+              <a:rPr lang="en-US" altLang="zh-CN" dirty="0" smtClean="0"/>
+              <a:t>Data Object</a:t>
             </a:r>
             <a:r>
               <a:rPr lang="zh-CN" altLang="en-US" dirty="0" smtClean="0"/>
-              <a:t>。</a:t>
-            </a:r>
-            <a:endParaRPr lang="zh-CN" altLang="en-US" dirty="0"/>
-          </a:p>
-        </p:txBody>
-      </p:sp>
-      <p:pic>
-        <p:nvPicPr>
-          <p:cNvPr id="30722" name="Picture 1"/>
-          <p:cNvPicPr>
-            <a:picLocks noChangeAspect="1" noChangeArrowheads="1"/>
-          </p:cNvPicPr>
+              <a:t>），数据对象，以装在远程加载的数据为主以便开发者使用，相关属性为</a:t>
+            </a:r>
+            <a:r>
+              <a:rPr lang="en-US" altLang="zh-CN" dirty="0" smtClean="0"/>
+              <a:t>XML</a:t>
+            </a:r>
+            <a:r>
+              <a:rPr lang="zh-CN" altLang="en-US" dirty="0" smtClean="0"/>
+              <a:t>模型的字段。</a:t>
+            </a:r>
+            <a:endParaRPr lang="en-US" altLang="zh-CN" dirty="0" smtClean="0"/>
+          </a:p>
+          <a:p>
+            <a:r>
+              <a:rPr lang="en-US" altLang="zh-CN" dirty="0" smtClean="0"/>
+              <a:t>DAO</a:t>
+            </a:r>
+            <a:r>
+              <a:rPr lang="zh-CN" altLang="en-US" dirty="0" smtClean="0"/>
+              <a:t>（</a:t>
+            </a:r>
+            <a:r>
+              <a:rPr lang="en-US" altLang="zh-CN" dirty="0" smtClean="0"/>
+              <a:t>Data Access Object</a:t>
+            </a:r>
+            <a:r>
+              <a:rPr lang="zh-CN" altLang="en-US" dirty="0" smtClean="0"/>
+              <a:t>），数据访问对象，主要提供本地存储的方法把</a:t>
+            </a:r>
+            <a:r>
+              <a:rPr lang="en-US" altLang="zh-CN" dirty="0" err="1" smtClean="0"/>
+              <a:t>WebLoader</a:t>
+            </a:r>
+            <a:r>
+              <a:rPr lang="zh-CN" altLang="en-US" dirty="0" smtClean="0"/>
+              <a:t>对象生成的</a:t>
+            </a:r>
+            <a:r>
+              <a:rPr lang="en-US" altLang="zh-CN" dirty="0" smtClean="0"/>
+              <a:t>DO</a:t>
+            </a:r>
+            <a:r>
+              <a:rPr lang="zh-CN" altLang="en-US" dirty="0" smtClean="0"/>
+              <a:t>对象有选择性的存储到本地</a:t>
+            </a:r>
+            <a:endParaRPr lang="en-US" altLang="zh-CN" dirty="0" smtClean="0"/>
+          </a:p>
+          <a:p>
+            <a:endParaRPr lang="en-US" altLang="zh-CN" dirty="0" smtClean="0"/>
+          </a:p>
+          <a:p>
+            <a:endParaRPr lang="en-US" altLang="zh-CN" dirty="0" smtClean="0"/>
+          </a:p>
+          <a:p>
+            <a:endParaRPr lang="en-US" altLang="zh-CN" dirty="0" smtClean="0"/>
+          </a:p>
+          <a:p>
+            <a:endParaRPr lang="en-US" altLang="zh-CN" dirty="0" smtClean="0"/>
+          </a:p>
+          <a:p>
+            <a:endParaRPr lang="en-US" altLang="zh-CN" dirty="0" smtClean="0"/>
+          </a:p>
+        </p:txBody>
+      </p:sp>
+      <p:sp>
+        <p:nvSpPr>
+          <p:cNvPr id="7170" name="Rectangle 2"/>
+          <p:cNvSpPr>
+            <a:spLocks noChangeArrowheads="1"/>
+          </p:cNvSpPr>
           <p:nvPr/>
-        </p:nvPicPr>
-        <p:blipFill>
-          <a:blip r:embed="rId2" cstate="print"/>
-          <a:srcRect/>
-          <a:stretch>
-            <a:fillRect/>
-          </a:stretch>
-        </p:blipFill>
+        </p:nvSpPr>
         <p:spPr bwMode="auto">
           <a:xfrm>
-            <a:off x="755576" y="1916832"/>
-            <a:ext cx="8155331" cy="3744416"/>
+            <a:off x="0" y="0"/>
+            <a:ext cx="9144000" cy="0"/>
           </a:xfrm>
           <a:prstGeom prst="rect">
             <a:avLst/>
@@ -3858,8 +3937,21 @@
             <a:headEnd/>
             <a:tailEnd/>
           </a:ln>
-        </p:spPr>
-      </p:pic>
+          <a:effectLst/>
+        </p:spPr>
+        <p:txBody>
+          <a:bodyPr vert="horz" wrap="none" lIns="91440" tIns="45720" rIns="91440" bIns="45720" numCol="1" anchor="ctr" anchorCtr="0" compatLnSpc="1">
+            <a:prstTxWarp prst="textNoShape">
+              <a:avLst/>
+            </a:prstTxWarp>
+            <a:spAutoFit/>
+          </a:bodyPr>
+          <a:lstStyle/>
+          <a:p>
+            <a:endParaRPr lang="zh-CN" altLang="en-US"/>
+          </a:p>
+        </p:txBody>
+      </p:sp>
     </p:spTree>
   </p:cSld>
   <p:clrMapOvr>
@@ -3904,22 +3996,16 @@
         </p:nvSpPr>
         <p:spPr/>
         <p:txBody>
-          <a:bodyPr/>
+          <a:bodyPr>
+            <a:normAutofit fontScale="90000"/>
+          </a:bodyPr>
           <a:lstStyle/>
           <a:p>
             <a:r>
               <a:rPr lang="zh-CN" altLang="en-US" dirty="0" smtClean="0"/>
-              <a:t>应用</a:t>
-            </a:r>
-            <a:r>
-              <a:rPr lang="en-US" altLang="zh-CN" dirty="0" smtClean="0"/>
-              <a:t>-</a:t>
-            </a:r>
-            <a:r>
-              <a:rPr lang="zh-CN" altLang="en-US" dirty="0" smtClean="0"/>
-              <a:t>新闻发布客户端</a:t>
-            </a:r>
-            <a:endParaRPr lang="zh-CN" altLang="en-US" dirty="0"/>
+              <a:t>移动应用数据交互组件解决的问题</a:t>
+            </a:r>
+            <a:endParaRPr lang="en-US" altLang="zh-CN" dirty="0" smtClean="0"/>
           </a:p>
         </p:txBody>
       </p:sp>
@@ -3935,32 +4021,74 @@
         </p:nvSpPr>
         <p:spPr/>
         <p:txBody>
-          <a:bodyPr/>
-          <a:lstStyle/>
-          <a:p>
-            <a:endParaRPr lang="zh-CN" altLang="en-US" dirty="0"/>
-          </a:p>
-        </p:txBody>
-      </p:sp>
-      <p:pic>
-        <p:nvPicPr>
-          <p:cNvPr id="31746" name="图片 4" descr="IMG_0158.JPG"/>
-          <p:cNvPicPr>
-            <a:picLocks noChangeAspect="1" noChangeArrowheads="1"/>
-          </p:cNvPicPr>
+          <a:bodyPr>
+            <a:normAutofit/>
+          </a:bodyPr>
+          <a:lstStyle/>
+          <a:p>
+            <a:r>
+              <a:rPr lang="zh-CN" altLang="en-US" dirty="0" smtClean="0"/>
+              <a:t>远程数据访问</a:t>
+            </a:r>
+            <a:endParaRPr lang="en-US" altLang="zh-CN" dirty="0" smtClean="0"/>
+          </a:p>
+          <a:p>
+            <a:r>
+              <a:rPr lang="zh-CN" altLang="en-US" dirty="0" smtClean="0"/>
+              <a:t>本地数据存储和离线数据读取</a:t>
+            </a:r>
+            <a:endParaRPr lang="en-US" altLang="zh-CN" dirty="0" smtClean="0"/>
+          </a:p>
+          <a:p>
+            <a:r>
+              <a:rPr lang="zh-CN" altLang="en-US" dirty="0" smtClean="0"/>
+              <a:t>组件代码自动生成</a:t>
+            </a:r>
+            <a:endParaRPr lang="en-US" altLang="zh-CN" dirty="0" smtClean="0"/>
+          </a:p>
+          <a:p>
+            <a:r>
+              <a:rPr lang="zh-CN" altLang="en-US" dirty="0" smtClean="0"/>
+              <a:t>快速集成</a:t>
+            </a:r>
+            <a:endParaRPr lang="en-US" altLang="zh-CN" dirty="0" smtClean="0"/>
+          </a:p>
+          <a:p>
+            <a:r>
+              <a:rPr lang="zh-CN" altLang="en-US" dirty="0" smtClean="0"/>
+              <a:t>容易进行二次开发</a:t>
+            </a:r>
+            <a:endParaRPr lang="en-US" altLang="zh-CN" dirty="0" smtClean="0"/>
+          </a:p>
+          <a:p>
+            <a:endParaRPr lang="en-US" altLang="zh-CN" dirty="0" smtClean="0"/>
+          </a:p>
+          <a:p>
+            <a:endParaRPr lang="en-US" altLang="zh-CN" dirty="0" smtClean="0"/>
+          </a:p>
+          <a:p>
+            <a:endParaRPr lang="en-US" altLang="zh-CN" dirty="0" smtClean="0"/>
+          </a:p>
+          <a:p>
+            <a:endParaRPr lang="en-US" altLang="zh-CN" dirty="0" smtClean="0"/>
+          </a:p>
+          <a:p>
+            <a:endParaRPr lang="en-US" altLang="zh-CN" dirty="0" smtClean="0"/>
+          </a:p>
+        </p:txBody>
+      </p:sp>
+      <p:sp>
+        <p:nvSpPr>
+          <p:cNvPr id="7170" name="Rectangle 2"/>
+          <p:cNvSpPr>
+            <a:spLocks noChangeArrowheads="1"/>
+          </p:cNvSpPr>
           <p:nvPr/>
-        </p:nvPicPr>
-        <p:blipFill>
-          <a:blip r:embed="rId2" cstate="print"/>
-          <a:srcRect/>
-          <a:stretch>
-            <a:fillRect/>
-          </a:stretch>
-        </p:blipFill>
+        </p:nvSpPr>
         <p:spPr bwMode="auto">
           <a:xfrm>
-            <a:off x="1259632" y="1556792"/>
-            <a:ext cx="2440692" cy="4320480"/>
+            <a:off x="0" y="0"/>
+            <a:ext cx="9144000" cy="0"/>
           </a:xfrm>
           <a:prstGeom prst="rect">
             <a:avLst/>
@@ -3972,40 +4100,21 @@
             <a:headEnd/>
             <a:tailEnd/>
           </a:ln>
-        </p:spPr>
-      </p:pic>
-      <p:pic>
-        <p:nvPicPr>
-          <p:cNvPr id="31747" name="内容占位符 3" descr="IMG_0157.JPG"/>
-          <p:cNvPicPr>
-            <a:picLocks noGrp="1" noChangeAspect="1" noChangeArrowheads="1"/>
-          </p:cNvPicPr>
-          <p:nvPr/>
-        </p:nvPicPr>
-        <p:blipFill>
-          <a:blip r:embed="rId3" cstate="print"/>
-          <a:srcRect/>
-          <a:stretch>
-            <a:fillRect/>
-          </a:stretch>
-        </p:blipFill>
-        <p:spPr bwMode="auto">
-          <a:xfrm>
-            <a:off x="5436096" y="1556792"/>
-            <a:ext cx="2736304" cy="4870722"/>
-          </a:xfrm>
-          <a:prstGeom prst="rect">
-            <a:avLst/>
-          </a:prstGeom>
-          <a:noFill/>
-          <a:ln w="9525">
-            <a:noFill/>
-            <a:miter lim="800000"/>
-            <a:headEnd/>
-            <a:tailEnd/>
-          </a:ln>
-        </p:spPr>
-      </p:pic>
+          <a:effectLst/>
+        </p:spPr>
+        <p:txBody>
+          <a:bodyPr vert="horz" wrap="none" lIns="91440" tIns="45720" rIns="91440" bIns="45720" numCol="1" anchor="ctr" anchorCtr="0" compatLnSpc="1">
+            <a:prstTxWarp prst="textNoShape">
+              <a:avLst/>
+            </a:prstTxWarp>
+            <a:spAutoFit/>
+          </a:bodyPr>
+          <a:lstStyle/>
+          <a:p>
+            <a:endParaRPr lang="zh-CN" altLang="en-US"/>
+          </a:p>
+        </p:txBody>
+      </p:sp>
     </p:spTree>
   </p:cSld>
   <p:clrMapOvr>
@@ -4048,16 +4157,23 @@
             <p:ph type="title"/>
           </p:nvPr>
         </p:nvSpPr>
-        <p:spPr/>
-        <p:txBody>
-          <a:bodyPr/>
+        <p:spPr>
+          <a:xfrm>
+            <a:off x="467544" y="116632"/>
+            <a:ext cx="7772400" cy="1143000"/>
+          </a:xfrm>
+        </p:spPr>
+        <p:txBody>
+          <a:bodyPr>
+            <a:normAutofit fontScale="90000"/>
+          </a:bodyPr>
           <a:lstStyle/>
           <a:p>
             <a:r>
               <a:rPr lang="zh-CN" altLang="en-US" dirty="0" smtClean="0"/>
-              <a:t>未来展望</a:t>
-            </a:r>
-            <a:endParaRPr lang="zh-CN" altLang="en-US" dirty="0"/>
+              <a:t>移动应用数据交互组件代码生成过程</a:t>
+            </a:r>
+            <a:endParaRPr lang="en-US" altLang="zh-CN" dirty="0" smtClean="0"/>
           </a:p>
         </p:txBody>
       </p:sp>
@@ -4073,44 +4189,123 @@
         </p:nvSpPr>
         <p:spPr/>
         <p:txBody>
-          <a:bodyPr/>
-          <a:lstStyle/>
-          <a:p>
-            <a:r>
-              <a:rPr lang="zh-CN" altLang="en-US" dirty="0" smtClean="0"/>
-              <a:t>直接以公有云的数据交互服务平台的方式为各种需要数据交互服务的</a:t>
-            </a:r>
-            <a:r>
-              <a:rPr lang="en-US" altLang="zh-CN" dirty="0" smtClean="0"/>
-              <a:t>APP</a:t>
-            </a:r>
-            <a:r>
-              <a:rPr lang="zh-CN" altLang="en-US" dirty="0" smtClean="0"/>
-              <a:t>以建立商业模式。</a:t>
-            </a:r>
+          <a:bodyPr>
+            <a:normAutofit/>
+          </a:bodyPr>
+          <a:lstStyle/>
+          <a:p>
             <a:endParaRPr lang="en-US" altLang="zh-CN" dirty="0" smtClean="0"/>
           </a:p>
           <a:p>
-            <a:r>
-              <a:rPr lang="zh-CN" altLang="en-US" dirty="0" smtClean="0"/>
-              <a:t>一</a:t>
-            </a:r>
-            <a:r>
-              <a:rPr lang="zh-CN" altLang="en-US" dirty="0" smtClean="0"/>
-              <a:t>键生成</a:t>
-            </a:r>
-            <a:r>
-              <a:rPr lang="en-US" altLang="zh-CN" dirty="0" smtClean="0"/>
-              <a:t>APP</a:t>
-            </a:r>
-            <a:r>
-              <a:rPr lang="zh-CN" altLang="en-US" dirty="0" smtClean="0"/>
-              <a:t>，为非技术的移动应用创业者提供支持，只需要设计业务对象和录入数据即可。</a:t>
-            </a:r>
-            <a:endParaRPr lang="zh-CN" altLang="en-US" dirty="0"/>
-          </a:p>
-        </p:txBody>
-      </p:sp>
+            <a:endParaRPr lang="en-US" altLang="zh-CN" dirty="0" smtClean="0"/>
+          </a:p>
+          <a:p>
+            <a:endParaRPr lang="en-US" altLang="zh-CN" dirty="0" smtClean="0"/>
+          </a:p>
+          <a:p>
+            <a:endParaRPr lang="en-US" altLang="zh-CN" dirty="0" smtClean="0"/>
+          </a:p>
+          <a:p>
+            <a:endParaRPr lang="en-US" altLang="zh-CN" dirty="0" smtClean="0"/>
+          </a:p>
+        </p:txBody>
+      </p:sp>
+      <p:sp>
+        <p:nvSpPr>
+          <p:cNvPr id="7170" name="Rectangle 2"/>
+          <p:cNvSpPr>
+            <a:spLocks noChangeArrowheads="1"/>
+          </p:cNvSpPr>
+          <p:nvPr/>
+        </p:nvSpPr>
+        <p:spPr bwMode="auto">
+          <a:xfrm>
+            <a:off x="0" y="0"/>
+            <a:ext cx="9144000" cy="0"/>
+          </a:xfrm>
+          <a:prstGeom prst="rect">
+            <a:avLst/>
+          </a:prstGeom>
+          <a:noFill/>
+          <a:ln w="9525">
+            <a:noFill/>
+            <a:miter lim="800000"/>
+            <a:headEnd/>
+            <a:tailEnd/>
+          </a:ln>
+          <a:effectLst/>
+        </p:spPr>
+        <p:txBody>
+          <a:bodyPr vert="horz" wrap="none" lIns="91440" tIns="45720" rIns="91440" bIns="45720" numCol="1" anchor="ctr" anchorCtr="0" compatLnSpc="1">
+            <a:prstTxWarp prst="textNoShape">
+              <a:avLst/>
+            </a:prstTxWarp>
+            <a:spAutoFit/>
+          </a:bodyPr>
+          <a:lstStyle/>
+          <a:p>
+            <a:endParaRPr lang="zh-CN" altLang="en-US"/>
+          </a:p>
+        </p:txBody>
+      </p:sp>
+      <p:sp>
+        <p:nvSpPr>
+          <p:cNvPr id="33794" name="Rectangle 2"/>
+          <p:cNvSpPr>
+            <a:spLocks noChangeArrowheads="1"/>
+          </p:cNvSpPr>
+          <p:nvPr/>
+        </p:nvSpPr>
+        <p:spPr bwMode="auto">
+          <a:xfrm>
+            <a:off x="0" y="0"/>
+            <a:ext cx="9144000" cy="0"/>
+          </a:xfrm>
+          <a:prstGeom prst="rect">
+            <a:avLst/>
+          </a:prstGeom>
+          <a:noFill/>
+          <a:ln w="9525">
+            <a:noFill/>
+            <a:miter lim="800000"/>
+            <a:headEnd/>
+            <a:tailEnd/>
+          </a:ln>
+          <a:effectLst/>
+        </p:spPr>
+        <p:txBody>
+          <a:bodyPr vert="horz" wrap="none" lIns="91440" tIns="45720" rIns="91440" bIns="45720" numCol="1" anchor="ctr" anchorCtr="0" compatLnSpc="1">
+            <a:prstTxWarp prst="textNoShape">
+              <a:avLst/>
+            </a:prstTxWarp>
+            <a:spAutoFit/>
+          </a:bodyPr>
+          <a:lstStyle/>
+          <a:p>
+            <a:endParaRPr lang="zh-CN" altLang="en-US"/>
+          </a:p>
+        </p:txBody>
+      </p:sp>
+      <p:graphicFrame>
+        <p:nvGraphicFramePr>
+          <p:cNvPr id="33793" name="Object 1"/>
+          <p:cNvGraphicFramePr>
+            <a:graphicFrameLocks noChangeAspect="1"/>
+          </p:cNvGraphicFramePr>
+          <p:nvPr/>
+        </p:nvGraphicFramePr>
+        <p:xfrm>
+          <a:off x="899592" y="1196752"/>
+          <a:ext cx="6408712" cy="5098137"/>
+        </p:xfrm>
+        <a:graphic>
+          <a:graphicData uri="http://schemas.openxmlformats.org/presentationml/2006/ole">
+            <p:oleObj spid="_x0000_s33793" name="Visio" r:id="rId3" imgW="4660743" imgH="3706638" progId="Visio.Drawing.11">
+              <p:embed/>
+            </p:oleObj>
+          </a:graphicData>
+        </a:graphic>
+      </p:graphicFrame>
     </p:spTree>
   </p:cSld>
   <p:clrMapOvr>
@@ -4155,20 +4350,21 @@
         </p:nvSpPr>
         <p:spPr>
           <a:xfrm>
-            <a:off x="928662" y="1142984"/>
+            <a:off x="467544" y="116632"/>
             <a:ext cx="7772400" cy="1143000"/>
           </a:xfrm>
         </p:spPr>
         <p:txBody>
-          <a:bodyPr/>
-          <a:lstStyle/>
-          <a:p>
-            <a:pPr algn="ctr"/>
+          <a:bodyPr>
+            <a:normAutofit/>
+          </a:bodyPr>
+          <a:lstStyle/>
+          <a:p>
             <a:r>
               <a:rPr lang="zh-CN" altLang="en-US" dirty="0" smtClean="0"/>
-              <a:t>谢谢</a:t>
-            </a:r>
-            <a:endParaRPr lang="zh-CN" altLang="en-US" dirty="0"/>
+              <a:t>远程数据交互访问流程图</a:t>
+            </a:r>
+            <a:endParaRPr lang="en-US" altLang="zh-CN" dirty="0" smtClean="0"/>
           </a:p>
         </p:txBody>
       </p:sp>
@@ -4182,38 +4378,163 @@
             <p:ph sz="quarter" idx="1"/>
           </p:nvPr>
         </p:nvSpPr>
-        <p:spPr>
-          <a:xfrm>
-            <a:off x="928662" y="3214686"/>
-            <a:ext cx="7772400" cy="3071834"/>
-          </a:xfrm>
-        </p:spPr>
-        <p:txBody>
-          <a:bodyPr/>
-          <a:lstStyle/>
-          <a:p>
-            <a:r>
-              <a:rPr lang="zh-CN" altLang="en-US" dirty="0" smtClean="0"/>
-              <a:t>感谢朱映映导师</a:t>
-            </a:r>
+        <p:spPr/>
+        <p:txBody>
+          <a:bodyPr>
+            <a:normAutofit/>
+          </a:bodyPr>
+          <a:lstStyle/>
+          <a:p>
             <a:endParaRPr lang="en-US" altLang="zh-CN" dirty="0" smtClean="0"/>
           </a:p>
           <a:p>
-            <a:r>
-              <a:rPr lang="zh-CN" altLang="en-US" dirty="0" smtClean="0"/>
-              <a:t>感谢使用此系统开发者提供的建议</a:t>
-            </a:r>
             <a:endParaRPr lang="en-US" altLang="zh-CN" dirty="0" smtClean="0"/>
           </a:p>
           <a:p>
-            <a:r>
-              <a:rPr lang="zh-CN" altLang="en-US" dirty="0" smtClean="0"/>
-              <a:t>感谢使用此系统的用户提出的宝贵建议和测试</a:t>
-            </a:r>
-            <a:endParaRPr lang="zh-CN" altLang="en-US" dirty="0"/>
-          </a:p>
-        </p:txBody>
-      </p:sp>
+            <a:endParaRPr lang="en-US" altLang="zh-CN" dirty="0" smtClean="0"/>
+          </a:p>
+          <a:p>
+            <a:endParaRPr lang="en-US" altLang="zh-CN" dirty="0" smtClean="0"/>
+          </a:p>
+          <a:p>
+            <a:endParaRPr lang="en-US" altLang="zh-CN" dirty="0" smtClean="0"/>
+          </a:p>
+        </p:txBody>
+      </p:sp>
+      <p:sp>
+        <p:nvSpPr>
+          <p:cNvPr id="7170" name="Rectangle 2"/>
+          <p:cNvSpPr>
+            <a:spLocks noChangeArrowheads="1"/>
+          </p:cNvSpPr>
+          <p:nvPr/>
+        </p:nvSpPr>
+        <p:spPr bwMode="auto">
+          <a:xfrm>
+            <a:off x="0" y="0"/>
+            <a:ext cx="9144000" cy="0"/>
+          </a:xfrm>
+          <a:prstGeom prst="rect">
+            <a:avLst/>
+          </a:prstGeom>
+          <a:noFill/>
+          <a:ln w="9525">
+            <a:noFill/>
+            <a:miter lim="800000"/>
+            <a:headEnd/>
+            <a:tailEnd/>
+          </a:ln>
+          <a:effectLst/>
+        </p:spPr>
+        <p:txBody>
+          <a:bodyPr vert="horz" wrap="none" lIns="91440" tIns="45720" rIns="91440" bIns="45720" numCol="1" anchor="ctr" anchorCtr="0" compatLnSpc="1">
+            <a:prstTxWarp prst="textNoShape">
+              <a:avLst/>
+            </a:prstTxWarp>
+            <a:spAutoFit/>
+          </a:bodyPr>
+          <a:lstStyle/>
+          <a:p>
+            <a:endParaRPr lang="zh-CN" altLang="en-US"/>
+          </a:p>
+        </p:txBody>
+      </p:sp>
+      <p:sp>
+        <p:nvSpPr>
+          <p:cNvPr id="33794" name="Rectangle 2"/>
+          <p:cNvSpPr>
+            <a:spLocks noChangeArrowheads="1"/>
+          </p:cNvSpPr>
+          <p:nvPr/>
+        </p:nvSpPr>
+        <p:spPr bwMode="auto">
+          <a:xfrm>
+            <a:off x="0" y="0"/>
+            <a:ext cx="9144000" cy="0"/>
+          </a:xfrm>
+          <a:prstGeom prst="rect">
+            <a:avLst/>
+          </a:prstGeom>
+          <a:noFill/>
+          <a:ln w="9525">
+            <a:noFill/>
+            <a:miter lim="800000"/>
+            <a:headEnd/>
+            <a:tailEnd/>
+          </a:ln>
+          <a:effectLst/>
+        </p:spPr>
+        <p:txBody>
+          <a:bodyPr vert="horz" wrap="none" lIns="91440" tIns="45720" rIns="91440" bIns="45720" numCol="1" anchor="ctr" anchorCtr="0" compatLnSpc="1">
+            <a:prstTxWarp prst="textNoShape">
+              <a:avLst/>
+            </a:prstTxWarp>
+            <a:spAutoFit/>
+          </a:bodyPr>
+          <a:lstStyle/>
+          <a:p>
+            <a:endParaRPr lang="zh-CN" altLang="en-US"/>
+          </a:p>
+        </p:txBody>
+      </p:sp>
+      <p:sp>
+        <p:nvSpPr>
+          <p:cNvPr id="36868" name="Rectangle 4"/>
+          <p:cNvSpPr>
+            <a:spLocks noChangeArrowheads="1"/>
+          </p:cNvSpPr>
+          <p:nvPr/>
+        </p:nvSpPr>
+        <p:spPr bwMode="auto">
+          <a:xfrm>
+            <a:off x="0" y="0"/>
+            <a:ext cx="9144000" cy="0"/>
+          </a:xfrm>
+          <a:prstGeom prst="rect">
+            <a:avLst/>
+          </a:prstGeom>
+          <a:noFill/>
+          <a:ln w="9525">
+            <a:noFill/>
+            <a:miter lim="800000"/>
+            <a:headEnd/>
+            <a:tailEnd/>
+          </a:ln>
+          <a:effectLst/>
+        </p:spPr>
+        <p:txBody>
+          <a:bodyPr vert="horz" wrap="none" lIns="91440" tIns="45720" rIns="91440" bIns="45720" numCol="1" anchor="ctr" anchorCtr="0" compatLnSpc="1">
+            <a:prstTxWarp prst="textNoShape">
+              <a:avLst/>
+            </a:prstTxWarp>
+            <a:spAutoFit/>
+          </a:bodyPr>
+          <a:lstStyle/>
+          <a:p>
+            <a:endParaRPr lang="zh-CN" altLang="en-US"/>
+          </a:p>
+        </p:txBody>
+      </p:sp>
+      <p:graphicFrame>
+        <p:nvGraphicFramePr>
+          <p:cNvPr id="36867" name="Object 3"/>
+          <p:cNvGraphicFramePr>
+            <a:graphicFrameLocks noChangeAspect="1"/>
+          </p:cNvGraphicFramePr>
+          <p:nvPr/>
+        </p:nvGraphicFramePr>
+        <p:xfrm>
+          <a:off x="395536" y="1412776"/>
+          <a:ext cx="8522995" cy="4896544"/>
+        </p:xfrm>
+        <a:graphic>
+          <a:graphicData uri="http://schemas.openxmlformats.org/presentationml/2006/ole">
+            <p:oleObj spid="_x0000_s36867" name="Visio" r:id="rId3" imgW="4858728" imgH="2788557" progId="Visio.Drawing.11">
+              <p:embed/>
+            </p:oleObj>
+          </a:graphicData>
+        </a:graphic>
+      </p:graphicFrame>
     </p:spTree>
   </p:cSld>
   <p:clrMapOvr>
@@ -4229,7 +4550,7 @@
 </p:sld>
 </file>
 
-<file path=ppt/slides/slide2.xml><?xml version="1.0" encoding="utf-8"?>
+<file path=ppt/slides/slide14.xml><?xml version="1.0" encoding="utf-8"?>
 <p:sld xmlns:a="http://schemas.openxmlformats.org/drawingml/2006/main" xmlns:r="http://schemas.openxmlformats.org/officeDocument/2006/relationships" xmlns:p="http://schemas.openxmlformats.org/presentationml/2006/main">
   <p:cSld>
     <p:spTree>
@@ -4256,16 +4577,23 @@
             <p:ph type="title"/>
           </p:nvPr>
         </p:nvSpPr>
-        <p:spPr/>
-        <p:txBody>
-          <a:bodyPr/>
+        <p:spPr>
+          <a:xfrm>
+            <a:off x="467544" y="116632"/>
+            <a:ext cx="7772400" cy="1143000"/>
+          </a:xfrm>
+        </p:spPr>
+        <p:txBody>
+          <a:bodyPr>
+            <a:normAutofit/>
+          </a:bodyPr>
           <a:lstStyle/>
           <a:p>
             <a:r>
               <a:rPr lang="zh-CN" altLang="en-US" dirty="0" smtClean="0"/>
-              <a:t>课题背景</a:t>
-            </a:r>
-            <a:endParaRPr lang="zh-CN" altLang="en-US" dirty="0"/>
+              <a:t>简要代码如下</a:t>
+            </a:r>
+            <a:endParaRPr lang="en-US" altLang="zh-CN" dirty="0" smtClean="0"/>
           </a:p>
         </p:txBody>
       </p:sp>
@@ -4286,51 +4614,15 @@
           </a:bodyPr>
           <a:lstStyle/>
           <a:p>
-            <a:r>
-              <a:rPr lang="zh-CN" altLang="en-US" dirty="0" smtClean="0"/>
-              <a:t>国家互联网</a:t>
-            </a:r>
-            <a:r>
-              <a:rPr lang="en-US" altLang="zh-CN" dirty="0" smtClean="0"/>
-              <a:t>+</a:t>
-            </a:r>
-            <a:r>
-              <a:rPr lang="zh-CN" altLang="en-US" dirty="0" smtClean="0"/>
-              <a:t>概念的提出</a:t>
-            </a:r>
             <a:endParaRPr lang="en-US" altLang="zh-CN" dirty="0" smtClean="0"/>
           </a:p>
           <a:p>
-            <a:r>
-              <a:rPr lang="zh-CN" altLang="en-US" dirty="0" smtClean="0"/>
-              <a:t>移动应用</a:t>
-            </a:r>
-            <a:r>
-              <a:rPr lang="zh-CN" altLang="en-US" dirty="0" smtClean="0"/>
-              <a:t>淘汰</a:t>
-            </a:r>
-            <a:r>
-              <a:rPr lang="zh-CN" altLang="en-US" dirty="0" smtClean="0"/>
-              <a:t>速度和生产速度太</a:t>
-            </a:r>
-            <a:r>
-              <a:rPr lang="zh-CN" altLang="en-US" dirty="0" smtClean="0"/>
-              <a:t>快</a:t>
-            </a:r>
             <a:endParaRPr lang="en-US" altLang="zh-CN" dirty="0" smtClean="0"/>
           </a:p>
           <a:p>
-            <a:r>
-              <a:rPr lang="zh-CN" altLang="en-US" dirty="0" smtClean="0"/>
-              <a:t>热门时事话题更新速度快</a:t>
-            </a:r>
             <a:endParaRPr lang="en-US" altLang="zh-CN" dirty="0" smtClean="0"/>
           </a:p>
           <a:p>
-            <a:r>
-              <a:rPr lang="zh-CN" altLang="en-US" dirty="0" smtClean="0"/>
-              <a:t>为移动应用提供公有性的数据交互服务</a:t>
-            </a:r>
             <a:endParaRPr lang="en-US" altLang="zh-CN" dirty="0" smtClean="0"/>
           </a:p>
           <a:p>
@@ -4338,15 +4630,168 @@
           </a:p>
         </p:txBody>
       </p:sp>
+      <p:sp>
+        <p:nvSpPr>
+          <p:cNvPr id="7170" name="Rectangle 2"/>
+          <p:cNvSpPr>
+            <a:spLocks noChangeArrowheads="1"/>
+          </p:cNvSpPr>
+          <p:nvPr/>
+        </p:nvSpPr>
+        <p:spPr bwMode="auto">
+          <a:xfrm>
+            <a:off x="0" y="0"/>
+            <a:ext cx="9144000" cy="0"/>
+          </a:xfrm>
+          <a:prstGeom prst="rect">
+            <a:avLst/>
+          </a:prstGeom>
+          <a:noFill/>
+          <a:ln w="9525">
+            <a:noFill/>
+            <a:miter lim="800000"/>
+            <a:headEnd/>
+            <a:tailEnd/>
+          </a:ln>
+          <a:effectLst/>
+        </p:spPr>
+        <p:txBody>
+          <a:bodyPr vert="horz" wrap="none" lIns="91440" tIns="45720" rIns="91440" bIns="45720" numCol="1" anchor="ctr" anchorCtr="0" compatLnSpc="1">
+            <a:prstTxWarp prst="textNoShape">
+              <a:avLst/>
+            </a:prstTxWarp>
+            <a:spAutoFit/>
+          </a:bodyPr>
+          <a:lstStyle/>
+          <a:p>
+            <a:endParaRPr lang="zh-CN" altLang="en-US"/>
+          </a:p>
+        </p:txBody>
+      </p:sp>
+      <p:sp>
+        <p:nvSpPr>
+          <p:cNvPr id="33794" name="Rectangle 2"/>
+          <p:cNvSpPr>
+            <a:spLocks noChangeArrowheads="1"/>
+          </p:cNvSpPr>
+          <p:nvPr/>
+        </p:nvSpPr>
+        <p:spPr bwMode="auto">
+          <a:xfrm>
+            <a:off x="0" y="0"/>
+            <a:ext cx="9144000" cy="0"/>
+          </a:xfrm>
+          <a:prstGeom prst="rect">
+            <a:avLst/>
+          </a:prstGeom>
+          <a:noFill/>
+          <a:ln w="9525">
+            <a:noFill/>
+            <a:miter lim="800000"/>
+            <a:headEnd/>
+            <a:tailEnd/>
+          </a:ln>
+          <a:effectLst/>
+        </p:spPr>
+        <p:txBody>
+          <a:bodyPr vert="horz" wrap="none" lIns="91440" tIns="45720" rIns="91440" bIns="45720" numCol="1" anchor="ctr" anchorCtr="0" compatLnSpc="1">
+            <a:prstTxWarp prst="textNoShape">
+              <a:avLst/>
+            </a:prstTxWarp>
+            <a:spAutoFit/>
+          </a:bodyPr>
+          <a:lstStyle/>
+          <a:p>
+            <a:endParaRPr lang="zh-CN" altLang="en-US"/>
+          </a:p>
+        </p:txBody>
+      </p:sp>
+      <p:sp>
+        <p:nvSpPr>
+          <p:cNvPr id="36868" name="Rectangle 4"/>
+          <p:cNvSpPr>
+            <a:spLocks noChangeArrowheads="1"/>
+          </p:cNvSpPr>
+          <p:nvPr/>
+        </p:nvSpPr>
+        <p:spPr bwMode="auto">
+          <a:xfrm>
+            <a:off x="0" y="0"/>
+            <a:ext cx="9144000" cy="0"/>
+          </a:xfrm>
+          <a:prstGeom prst="rect">
+            <a:avLst/>
+          </a:prstGeom>
+          <a:noFill/>
+          <a:ln w="9525">
+            <a:noFill/>
+            <a:miter lim="800000"/>
+            <a:headEnd/>
+            <a:tailEnd/>
+          </a:ln>
+          <a:effectLst/>
+        </p:spPr>
+        <p:txBody>
+          <a:bodyPr vert="horz" wrap="none" lIns="91440" tIns="45720" rIns="91440" bIns="45720" numCol="1" anchor="ctr" anchorCtr="0" compatLnSpc="1">
+            <a:prstTxWarp prst="textNoShape">
+              <a:avLst/>
+            </a:prstTxWarp>
+            <a:spAutoFit/>
+          </a:bodyPr>
+          <a:lstStyle/>
+          <a:p>
+            <a:endParaRPr lang="zh-CN" altLang="en-US"/>
+          </a:p>
+        </p:txBody>
+      </p:sp>
+      <p:pic>
+        <p:nvPicPr>
+          <p:cNvPr id="8" name="Picture 1"/>
+          <p:cNvPicPr>
+            <a:picLocks noChangeAspect="1" noChangeArrowheads="1"/>
+          </p:cNvPicPr>
+          <p:nvPr/>
+        </p:nvPicPr>
+        <p:blipFill>
+          <a:blip r:embed="rId2" cstate="print"/>
+          <a:srcRect/>
+          <a:stretch>
+            <a:fillRect/>
+          </a:stretch>
+        </p:blipFill>
+        <p:spPr bwMode="auto">
+          <a:xfrm>
+            <a:off x="467544" y="1340768"/>
+            <a:ext cx="8468998" cy="3888432"/>
+          </a:xfrm>
+          <a:prstGeom prst="rect">
+            <a:avLst/>
+          </a:prstGeom>
+          <a:noFill/>
+          <a:ln w="9525">
+            <a:noFill/>
+            <a:miter lim="800000"/>
+            <a:headEnd/>
+            <a:tailEnd/>
+          </a:ln>
+        </p:spPr>
+      </p:pic>
     </p:spTree>
   </p:cSld>
   <p:clrMapOvr>
     <a:masterClrMapping/>
   </p:clrMapOvr>
+  <p:timing>
+    <p:tnLst>
+      <p:par>
+        <p:cTn id="1" dur="indefinite" restart="never" nodeType="tmRoot"/>
+      </p:par>
+    </p:tnLst>
+  </p:timing>
 </p:sld>
 </file>
 
-<file path=ppt/slides/slide3.xml><?xml version="1.0" encoding="utf-8"?>
+<file path=ppt/slides/slide15.xml><?xml version="1.0" encoding="utf-8"?>
 <p:sld xmlns:a="http://schemas.openxmlformats.org/drawingml/2006/main" xmlns:r="http://schemas.openxmlformats.org/officeDocument/2006/relationships" xmlns:p="http://schemas.openxmlformats.org/presentationml/2006/main">
   <p:cSld>
     <p:spTree>
@@ -4384,7 +4829,7 @@
             </a:r>
             <a:r>
               <a:rPr lang="zh-CN" altLang="en-US" dirty="0" smtClean="0"/>
-              <a:t>目的</a:t>
+              <a:t>验证</a:t>
             </a:r>
             <a:endParaRPr lang="zh-CN" altLang="en-US" dirty="0"/>
           </a:p>
@@ -4407,70 +4852,58 @@
           </a:bodyPr>
           <a:lstStyle/>
           <a:p>
-            <a:pPr>
-              <a:buNone/>
-            </a:pPr>
+            <a:endParaRPr lang="en-US" altLang="zh-CN" dirty="0" smtClean="0"/>
+          </a:p>
+          <a:p>
             <a:r>
               <a:rPr lang="zh-CN" altLang="en-US" dirty="0" smtClean="0"/>
-              <a:t>为移动应用</a:t>
-            </a:r>
-            <a:r>
-              <a:rPr lang="zh-CN" altLang="en-US" b="1" dirty="0" smtClean="0">
-                <a:solidFill>
-                  <a:srgbClr val="FF0000"/>
-                </a:solidFill>
-              </a:rPr>
-              <a:t>快速</a:t>
-            </a:r>
-            <a:r>
-              <a:rPr lang="zh-CN" altLang="en-US" dirty="0" smtClean="0"/>
-              <a:t>解决数据交互的解决方案</a:t>
+              <a:t>本课题以完成一个安卓版的新闻客户端来验证开发过程的简单，高效和低成本和简要二次开发</a:t>
             </a:r>
             <a:endParaRPr lang="en-US" altLang="zh-CN" dirty="0" smtClean="0"/>
           </a:p>
           <a:p>
-            <a:r>
-              <a:rPr lang="zh-CN" altLang="en-US" dirty="0" smtClean="0"/>
-              <a:t>移动应用开发者可以</a:t>
-            </a:r>
-            <a:r>
-              <a:rPr lang="zh-CN" altLang="en-US" b="1" dirty="0" smtClean="0">
-                <a:solidFill>
-                  <a:srgbClr val="FF0000"/>
-                </a:solidFill>
-              </a:rPr>
-              <a:t>不需要写代码</a:t>
-            </a:r>
-            <a:r>
-              <a:rPr lang="zh-CN" altLang="en-US" dirty="0" smtClean="0"/>
-              <a:t>，快速生成</a:t>
-            </a:r>
-            <a:r>
-              <a:rPr lang="zh-CN" altLang="en-US" dirty="0" smtClean="0"/>
-              <a:t>数据交互接口</a:t>
-            </a:r>
             <a:endParaRPr lang="en-US" altLang="zh-CN" dirty="0" smtClean="0"/>
           </a:p>
           <a:p>
-            <a:r>
-              <a:rPr lang="zh-CN" altLang="en-US" dirty="0" smtClean="0"/>
-              <a:t>快速集成到主流移动终端平台</a:t>
-            </a:r>
             <a:endParaRPr lang="en-US" altLang="zh-CN" dirty="0" smtClean="0"/>
           </a:p>
-          <a:p>
-            <a:r>
-              <a:rPr lang="zh-CN" altLang="en-US" dirty="0" smtClean="0"/>
-              <a:t>快速集成到主流移动开发模式</a:t>
-            </a:r>
-            <a:endParaRPr lang="en-US" altLang="zh-CN" dirty="0" smtClean="0"/>
-          </a:p>
-          <a:p>
-            <a:r>
-              <a:rPr lang="zh-CN" altLang="en-US" dirty="0" smtClean="0"/>
-              <a:t>低成本</a:t>
-            </a:r>
-            <a:endParaRPr lang="en-US" altLang="zh-CN" dirty="0" smtClean="0"/>
+        </p:txBody>
+      </p:sp>
+      <p:sp>
+        <p:nvSpPr>
+          <p:cNvPr id="7170" name="Rectangle 2"/>
+          <p:cNvSpPr>
+            <a:spLocks noChangeArrowheads="1"/>
+          </p:cNvSpPr>
+          <p:nvPr/>
+        </p:nvSpPr>
+        <p:spPr bwMode="auto">
+          <a:xfrm>
+            <a:off x="0" y="0"/>
+            <a:ext cx="9144000" cy="0"/>
+          </a:xfrm>
+          <a:prstGeom prst="rect">
+            <a:avLst/>
+          </a:prstGeom>
+          <a:noFill/>
+          <a:ln w="9525">
+            <a:noFill/>
+            <a:miter lim="800000"/>
+            <a:headEnd/>
+            <a:tailEnd/>
+          </a:ln>
+          <a:effectLst/>
+        </p:spPr>
+        <p:txBody>
+          <a:bodyPr vert="horz" wrap="none" lIns="91440" tIns="45720" rIns="91440" bIns="45720" numCol="1" anchor="ctr" anchorCtr="0" compatLnSpc="1">
+            <a:prstTxWarp prst="textNoShape">
+              <a:avLst/>
+            </a:prstTxWarp>
+            <a:spAutoFit/>
+          </a:bodyPr>
+          <a:lstStyle/>
+          <a:p>
+            <a:endParaRPr lang="zh-CN" altLang="en-US"/>
           </a:p>
         </p:txBody>
       </p:sp>
@@ -4489,7 +4922,7 @@
 </p:sld>
 </file>
 
-<file path=ppt/slides/slide4.xml><?xml version="1.0" encoding="utf-8"?>
+<file path=ppt/slides/slide16.xml><?xml version="1.0" encoding="utf-8"?>
 <p:sld xmlns:a="http://schemas.openxmlformats.org/drawingml/2006/main" xmlns:r="http://schemas.openxmlformats.org/officeDocument/2006/relationships" xmlns:p="http://schemas.openxmlformats.org/presentationml/2006/main">
   <p:cSld>
     <p:spTree>
@@ -4522,474 +4955,28 @@
           <a:lstStyle/>
           <a:p>
             <a:r>
+              <a:rPr lang="en-US" altLang="zh-CN" dirty="0" smtClean="0"/>
+              <a:t>1</a:t>
+            </a:r>
+            <a:r>
               <a:rPr lang="zh-CN" altLang="en-US" dirty="0" smtClean="0"/>
-              <a:t>框架模块</a:t>
+              <a:t>、设计新闻业务</a:t>
+            </a:r>
+            <a:r>
+              <a:rPr lang="en-US" altLang="zh-CN" dirty="0" smtClean="0"/>
+              <a:t>XML</a:t>
+            </a:r>
+            <a:r>
+              <a:rPr lang="zh-CN" altLang="en-US" dirty="0" smtClean="0"/>
+              <a:t>模型</a:t>
             </a:r>
             <a:endParaRPr lang="zh-CN" altLang="en-US" dirty="0"/>
-          </a:p>
-        </p:txBody>
-      </p:sp>
-      <p:sp>
-        <p:nvSpPr>
-          <p:cNvPr id="3" name="内容占位符 2"/>
-          <p:cNvSpPr>
-            <a:spLocks noGrp="1"/>
-          </p:cNvSpPr>
-          <p:nvPr>
-            <p:ph sz="quarter" idx="1"/>
-          </p:nvPr>
-        </p:nvSpPr>
-        <p:spPr/>
-        <p:txBody>
-          <a:bodyPr>
-            <a:normAutofit/>
-          </a:bodyPr>
-          <a:lstStyle/>
-          <a:p>
-            <a:r>
-              <a:rPr lang="zh-CN" altLang="en-US" dirty="0" smtClean="0"/>
-              <a:t>数据交互服务接口</a:t>
-            </a:r>
-            <a:endParaRPr lang="en-US" altLang="zh-CN" dirty="0" smtClean="0"/>
-          </a:p>
-          <a:p>
-            <a:pPr lvl="1">
-              <a:buNone/>
-            </a:pPr>
-            <a:r>
-              <a:rPr lang="zh-CN" altLang="en-US" sz="1800" b="1" dirty="0" smtClean="0">
-                <a:solidFill>
-                  <a:srgbClr val="0070C0"/>
-                </a:solidFill>
-              </a:rPr>
-              <a:t>以</a:t>
-            </a:r>
-            <a:r>
-              <a:rPr lang="en-US" altLang="zh-CN" sz="1800" b="1" dirty="0" smtClean="0">
-                <a:solidFill>
-                  <a:srgbClr val="0070C0"/>
-                </a:solidFill>
-              </a:rPr>
-              <a:t>Soap</a:t>
-            </a:r>
-            <a:r>
-              <a:rPr lang="zh-CN" altLang="en-US" sz="1800" b="1" dirty="0" smtClean="0">
-                <a:solidFill>
-                  <a:srgbClr val="0070C0"/>
-                </a:solidFill>
-              </a:rPr>
-              <a:t>的形式传输</a:t>
-            </a:r>
-            <a:r>
-              <a:rPr lang="en-US" altLang="zh-CN" sz="1800" b="1" dirty="0" smtClean="0">
-                <a:solidFill>
-                  <a:srgbClr val="0070C0"/>
-                </a:solidFill>
-              </a:rPr>
-              <a:t>Xml</a:t>
-            </a:r>
-            <a:r>
-              <a:rPr lang="zh-CN" altLang="en-US" sz="1800" b="1" dirty="0" smtClean="0">
-                <a:solidFill>
-                  <a:srgbClr val="0070C0"/>
-                </a:solidFill>
-              </a:rPr>
-              <a:t>或者</a:t>
-            </a:r>
-            <a:r>
-              <a:rPr lang="en-US" altLang="zh-CN" sz="1800" b="1" dirty="0" err="1" smtClean="0">
-                <a:solidFill>
-                  <a:srgbClr val="0070C0"/>
-                </a:solidFill>
-              </a:rPr>
-              <a:t>Json</a:t>
-            </a:r>
-            <a:r>
-              <a:rPr lang="zh-CN" altLang="en-US" sz="1800" b="1" dirty="0" smtClean="0">
-                <a:solidFill>
-                  <a:srgbClr val="0070C0"/>
-                </a:solidFill>
-              </a:rPr>
-              <a:t>格式的数据</a:t>
-            </a:r>
-            <a:endParaRPr lang="en-US" altLang="zh-CN" sz="1800" b="1" dirty="0" smtClean="0">
-              <a:solidFill>
-                <a:srgbClr val="0070C0"/>
-              </a:solidFill>
-            </a:endParaRPr>
-          </a:p>
-          <a:p>
-            <a:pPr lvl="1">
-              <a:buNone/>
-            </a:pPr>
-            <a:endParaRPr lang="en-US" altLang="zh-CN" sz="1800" b="1" dirty="0" smtClean="0">
-              <a:solidFill>
-                <a:srgbClr val="0070C0"/>
-              </a:solidFill>
-            </a:endParaRPr>
-          </a:p>
-          <a:p>
-            <a:pPr lvl="1">
-              <a:buNone/>
-            </a:pPr>
-            <a:endParaRPr lang="en-US" altLang="zh-CN" sz="1800" b="1" dirty="0" smtClean="0">
-              <a:solidFill>
-                <a:srgbClr val="0070C0"/>
-              </a:solidFill>
-            </a:endParaRPr>
-          </a:p>
-          <a:p>
-            <a:pPr lvl="1">
-              <a:buNone/>
-            </a:pPr>
-            <a:endParaRPr lang="en-US" altLang="zh-CN" b="1" dirty="0" smtClean="0">
-              <a:solidFill>
-                <a:srgbClr val="0070C0"/>
-              </a:solidFill>
-            </a:endParaRPr>
-          </a:p>
-          <a:p>
-            <a:r>
-              <a:rPr lang="zh-CN" altLang="en-US" dirty="0" smtClean="0"/>
-              <a:t>移动应用数据交互组件</a:t>
-            </a:r>
-            <a:endParaRPr lang="en-US" altLang="zh-CN" dirty="0" smtClean="0"/>
-          </a:p>
-          <a:p>
-            <a:pPr lvl="1">
-              <a:buNone/>
-            </a:pPr>
-            <a:r>
-              <a:rPr lang="zh-CN" altLang="en-US" sz="1800" b="1" dirty="0" smtClean="0">
-                <a:solidFill>
-                  <a:srgbClr val="0070C0"/>
-                </a:solidFill>
-              </a:rPr>
-              <a:t>支持</a:t>
-            </a:r>
-            <a:r>
-              <a:rPr lang="en-US" altLang="zh-CN" sz="1800" b="1" dirty="0" smtClean="0">
-                <a:solidFill>
-                  <a:srgbClr val="0070C0"/>
-                </a:solidFill>
-              </a:rPr>
-              <a:t>Android</a:t>
-            </a:r>
-            <a:r>
-              <a:rPr lang="zh-CN" altLang="en-US" sz="1800" b="1" dirty="0" smtClean="0">
-                <a:solidFill>
-                  <a:srgbClr val="0070C0"/>
-                </a:solidFill>
-              </a:rPr>
-              <a:t>原生开发模式的</a:t>
-            </a:r>
-            <a:r>
-              <a:rPr lang="en-US" altLang="zh-CN" sz="1800" b="1" dirty="0" smtClean="0">
-                <a:solidFill>
-                  <a:srgbClr val="0070C0"/>
-                </a:solidFill>
-              </a:rPr>
-              <a:t>Jar</a:t>
-            </a:r>
-            <a:r>
-              <a:rPr lang="zh-CN" altLang="en-US" sz="1800" b="1" dirty="0" smtClean="0">
-                <a:solidFill>
-                  <a:srgbClr val="0070C0"/>
-                </a:solidFill>
-              </a:rPr>
-              <a:t>包引入</a:t>
-            </a:r>
-            <a:endParaRPr lang="en-US" altLang="zh-CN" sz="1800" b="1" dirty="0" smtClean="0">
-              <a:solidFill>
-                <a:srgbClr val="0070C0"/>
-              </a:solidFill>
-            </a:endParaRPr>
-          </a:p>
-          <a:p>
-            <a:pPr lvl="1">
-              <a:buNone/>
-            </a:pPr>
-            <a:r>
-              <a:rPr lang="zh-CN" altLang="en-US" sz="1800" b="1" dirty="0" smtClean="0">
-                <a:solidFill>
-                  <a:srgbClr val="0070C0"/>
-                </a:solidFill>
-              </a:rPr>
-              <a:t>支持</a:t>
-            </a:r>
-            <a:r>
-              <a:rPr lang="en-US" altLang="zh-CN" sz="1800" b="1" dirty="0" smtClean="0">
-                <a:solidFill>
-                  <a:srgbClr val="0070C0"/>
-                </a:solidFill>
-              </a:rPr>
-              <a:t>Cordova</a:t>
-            </a:r>
-            <a:r>
-              <a:rPr lang="zh-CN" altLang="en-US" sz="1800" b="1" dirty="0" smtClean="0">
-                <a:solidFill>
-                  <a:srgbClr val="0070C0"/>
-                </a:solidFill>
-              </a:rPr>
-              <a:t>混合开发模式的</a:t>
-            </a:r>
-            <a:r>
-              <a:rPr lang="en-US" altLang="zh-CN" sz="1800" b="1" dirty="0" smtClean="0">
-                <a:solidFill>
-                  <a:srgbClr val="0070C0"/>
-                </a:solidFill>
-              </a:rPr>
-              <a:t>JS</a:t>
-            </a:r>
-            <a:r>
-              <a:rPr lang="zh-CN" altLang="en-US" sz="1800" b="1" dirty="0" smtClean="0">
-                <a:solidFill>
-                  <a:srgbClr val="0070C0"/>
-                </a:solidFill>
-              </a:rPr>
-              <a:t>组件引入</a:t>
-            </a:r>
-            <a:endParaRPr lang="en-US" altLang="zh-CN" sz="1800" b="1" dirty="0" smtClean="0">
-              <a:solidFill>
-                <a:srgbClr val="0070C0"/>
-              </a:solidFill>
-            </a:endParaRPr>
-          </a:p>
-          <a:p>
-            <a:endParaRPr lang="en-US" altLang="zh-CN" dirty="0" smtClean="0"/>
-          </a:p>
-          <a:p>
-            <a:endParaRPr lang="en-US" altLang="zh-CN" dirty="0" smtClean="0"/>
-          </a:p>
-          <a:p>
-            <a:r>
-              <a:rPr lang="zh-CN" altLang="en-US" dirty="0" smtClean="0"/>
-              <a:t>辅助管理工具</a:t>
-            </a:r>
-            <a:endParaRPr lang="en-US" altLang="zh-CN" dirty="0" smtClean="0"/>
-          </a:p>
-          <a:p>
-            <a:endParaRPr lang="en-US" altLang="zh-CN" dirty="0" smtClean="0"/>
-          </a:p>
-        </p:txBody>
-      </p:sp>
-      <p:sp>
-        <p:nvSpPr>
-          <p:cNvPr id="7170" name="Rectangle 2"/>
-          <p:cNvSpPr>
-            <a:spLocks noChangeArrowheads="1"/>
-          </p:cNvSpPr>
-          <p:nvPr/>
-        </p:nvSpPr>
-        <p:spPr bwMode="auto">
-          <a:xfrm>
-            <a:off x="0" y="0"/>
-            <a:ext cx="9144000" cy="0"/>
-          </a:xfrm>
-          <a:prstGeom prst="rect">
-            <a:avLst/>
-          </a:prstGeom>
-          <a:noFill/>
-          <a:ln w="9525">
-            <a:noFill/>
-            <a:miter lim="800000"/>
-            <a:headEnd/>
-            <a:tailEnd/>
-          </a:ln>
-          <a:effectLst/>
-        </p:spPr>
-        <p:txBody>
-          <a:bodyPr vert="horz" wrap="none" lIns="91440" tIns="45720" rIns="91440" bIns="45720" numCol="1" anchor="ctr" anchorCtr="0" compatLnSpc="1">
-            <a:prstTxWarp prst="textNoShape">
-              <a:avLst/>
-            </a:prstTxWarp>
-            <a:spAutoFit/>
-          </a:bodyPr>
-          <a:lstStyle/>
-          <a:p>
-            <a:endParaRPr lang="zh-CN" altLang="en-US"/>
-          </a:p>
-        </p:txBody>
-      </p:sp>
-    </p:spTree>
-  </p:cSld>
-  <p:clrMapOvr>
-    <a:masterClrMapping/>
-  </p:clrMapOvr>
-  <p:timing>
-    <p:tnLst>
-      <p:par>
-        <p:cTn id="1" dur="indefinite" restart="never" nodeType="tmRoot"/>
-      </p:par>
-    </p:tnLst>
-  </p:timing>
-</p:sld>
-</file>
-
-<file path=ppt/slides/slide5.xml><?xml version="1.0" encoding="utf-8"?>
-<p:sld xmlns:a="http://schemas.openxmlformats.org/drawingml/2006/main" xmlns:r="http://schemas.openxmlformats.org/officeDocument/2006/relationships" xmlns:p="http://schemas.openxmlformats.org/presentationml/2006/main">
-  <p:cSld>
-    <p:spTree>
-      <p:nvGrpSpPr>
-        <p:cNvPr id="1" name=""/>
-        <p:cNvGrpSpPr/>
-        <p:nvPr/>
-      </p:nvGrpSpPr>
-      <p:grpSpPr>
-        <a:xfrm>
-          <a:off x="0" y="0"/>
-          <a:ext cx="0" cy="0"/>
-          <a:chOff x="0" y="0"/>
-          <a:chExt cx="0" cy="0"/>
-        </a:xfrm>
-      </p:grpSpPr>
-      <p:sp>
-        <p:nvSpPr>
-          <p:cNvPr id="2" name="标题 1"/>
-          <p:cNvSpPr>
-            <a:spLocks noGrp="1"/>
-          </p:cNvSpPr>
-          <p:nvPr>
-            <p:ph type="title"/>
-          </p:nvPr>
-        </p:nvSpPr>
-        <p:spPr/>
-        <p:txBody>
-          <a:bodyPr/>
-          <a:lstStyle/>
-          <a:p>
-            <a:r>
-              <a:rPr lang="zh-CN" altLang="en-US" dirty="0" smtClean="0"/>
-              <a:t>数据交互服务</a:t>
-            </a:r>
-            <a:r>
-              <a:rPr lang="zh-CN" altLang="en-US" dirty="0" smtClean="0"/>
-              <a:t>接口</a:t>
-            </a:r>
-            <a:endParaRPr lang="zh-CN" altLang="en-US" dirty="0"/>
-          </a:p>
-        </p:txBody>
-      </p:sp>
-      <p:sp>
-        <p:nvSpPr>
-          <p:cNvPr id="3" name="内容占位符 2"/>
-          <p:cNvSpPr>
-            <a:spLocks noGrp="1"/>
-          </p:cNvSpPr>
-          <p:nvPr>
-            <p:ph sz="quarter" idx="1"/>
-          </p:nvPr>
-        </p:nvSpPr>
-        <p:spPr/>
-        <p:txBody>
-          <a:bodyPr>
-            <a:normAutofit fontScale="92500" lnSpcReduction="10000"/>
-          </a:bodyPr>
-          <a:lstStyle/>
-          <a:p>
-            <a:r>
-              <a:rPr lang="zh-CN" altLang="en-US" dirty="0" smtClean="0"/>
-              <a:t>数据管理中心</a:t>
-            </a:r>
-            <a:endParaRPr lang="en-US" altLang="zh-CN" dirty="0" smtClean="0"/>
-          </a:p>
-          <a:p>
-            <a:r>
-              <a:rPr lang="zh-CN" altLang="en-US" dirty="0" smtClean="0"/>
-              <a:t>数据交互接口</a:t>
-            </a:r>
-            <a:endParaRPr lang="en-US" altLang="zh-CN" dirty="0" smtClean="0"/>
-          </a:p>
-          <a:p>
-            <a:r>
-              <a:rPr lang="zh-CN" altLang="en-US" dirty="0" smtClean="0"/>
-              <a:t>安全校验机制</a:t>
-            </a:r>
-            <a:endParaRPr lang="en-US" altLang="zh-CN" dirty="0" smtClean="0"/>
-          </a:p>
-          <a:p>
-            <a:r>
-              <a:rPr lang="zh-CN" altLang="en-US" dirty="0" smtClean="0"/>
-              <a:t>性能需求</a:t>
-            </a:r>
-            <a:endParaRPr lang="en-US" altLang="zh-CN" dirty="0" smtClean="0"/>
-          </a:p>
-          <a:p>
-            <a:r>
-              <a:rPr lang="zh-CN" altLang="en-US" dirty="0" smtClean="0"/>
-              <a:t>业务模型管理</a:t>
-            </a:r>
-            <a:endParaRPr lang="en-US" altLang="zh-CN" dirty="0" smtClean="0"/>
-          </a:p>
-          <a:p>
-            <a:endParaRPr lang="en-US" altLang="zh-CN" dirty="0" smtClean="0"/>
-          </a:p>
-          <a:p>
-            <a:endParaRPr lang="en-US" altLang="zh-CN" dirty="0" smtClean="0"/>
-          </a:p>
-          <a:p>
-            <a:endParaRPr lang="en-US" altLang="zh-CN" dirty="0" smtClean="0"/>
-          </a:p>
-          <a:p>
-            <a:endParaRPr lang="en-US" altLang="zh-CN" dirty="0" smtClean="0"/>
-          </a:p>
-          <a:p>
-            <a:endParaRPr lang="en-US" altLang="zh-CN" dirty="0" smtClean="0"/>
-          </a:p>
-          <a:p>
-            <a:r>
-              <a:rPr lang="zh-CN" altLang="en-US" dirty="0" smtClean="0"/>
-              <a:t>实现技术：</a:t>
-            </a:r>
-            <a:r>
-              <a:rPr lang="en-US" altLang="zh-CN" dirty="0" smtClean="0"/>
-              <a:t>PHP+JQUERY+BOOSTRAP+SOAP</a:t>
-            </a:r>
-            <a:endParaRPr lang="zh-CN" altLang="en-US" dirty="0"/>
-          </a:p>
-        </p:txBody>
-      </p:sp>
-      <p:sp>
-        <p:nvSpPr>
-          <p:cNvPr id="7170" name="Rectangle 2"/>
-          <p:cNvSpPr>
-            <a:spLocks noChangeArrowheads="1"/>
-          </p:cNvSpPr>
-          <p:nvPr/>
-        </p:nvSpPr>
-        <p:spPr bwMode="auto">
-          <a:xfrm>
-            <a:off x="0" y="0"/>
-            <a:ext cx="9144000" cy="0"/>
-          </a:xfrm>
-          <a:prstGeom prst="rect">
-            <a:avLst/>
-          </a:prstGeom>
-          <a:noFill/>
-          <a:ln w="9525">
-            <a:noFill/>
-            <a:miter lim="800000"/>
-            <a:headEnd/>
-            <a:tailEnd/>
-          </a:ln>
-          <a:effectLst/>
-        </p:spPr>
-        <p:txBody>
-          <a:bodyPr vert="horz" wrap="none" lIns="91440" tIns="45720" rIns="91440" bIns="45720" numCol="1" anchor="ctr" anchorCtr="0" compatLnSpc="1">
-            <a:prstTxWarp prst="textNoShape">
-              <a:avLst/>
-            </a:prstTxWarp>
-            <a:spAutoFit/>
-          </a:bodyPr>
-          <a:lstStyle/>
-          <a:p>
-            <a:endParaRPr lang="zh-CN" altLang="en-US"/>
           </a:p>
         </p:txBody>
       </p:sp>
       <p:pic>
         <p:nvPicPr>
-          <p:cNvPr id="7171" name="Picture 1"/>
+          <p:cNvPr id="7169" name="Picture 1"/>
           <p:cNvPicPr>
             <a:picLocks noChangeAspect="1" noChangeArrowheads="1"/>
           </p:cNvPicPr>
@@ -5004,8 +4991,8 @@
         </p:blipFill>
         <p:spPr bwMode="auto">
           <a:xfrm>
-            <a:off x="3275856" y="1340768"/>
-            <a:ext cx="3148461" cy="1728192"/>
+            <a:off x="323529" y="1340768"/>
+            <a:ext cx="5130570" cy="4104456"/>
           </a:xfrm>
           <a:prstGeom prst="rect">
             <a:avLst/>
@@ -5021,7 +5008,7 @@
       </p:pic>
       <p:pic>
         <p:nvPicPr>
-          <p:cNvPr id="7172" name="Picture 1"/>
+          <p:cNvPr id="7170" name="Picture 2"/>
           <p:cNvPicPr>
             <a:picLocks noChangeAspect="1" noChangeArrowheads="1"/>
           </p:cNvPicPr>
@@ -5036,8 +5023,8 @@
         </p:blipFill>
         <p:spPr bwMode="auto">
           <a:xfrm>
-            <a:off x="3347864" y="3212976"/>
-            <a:ext cx="5486400" cy="2012950"/>
+            <a:off x="4788024" y="2348880"/>
+            <a:ext cx="3998086" cy="4418087"/>
           </a:xfrm>
           <a:prstGeom prst="rect">
             <a:avLst/>
@@ -5053,7 +5040,7 @@
       </p:pic>
       <p:pic>
         <p:nvPicPr>
-          <p:cNvPr id="7173" name="Picture 2"/>
+          <p:cNvPr id="7171" name="Picture 1"/>
           <p:cNvPicPr>
             <a:picLocks noChangeAspect="1" noChangeArrowheads="1"/>
           </p:cNvPicPr>
@@ -5068,8 +5055,8 @@
         </p:blipFill>
         <p:spPr bwMode="auto">
           <a:xfrm>
-            <a:off x="3347864" y="1340768"/>
-            <a:ext cx="7396178" cy="3672408"/>
+            <a:off x="3131840" y="2204864"/>
+            <a:ext cx="2482850" cy="2860675"/>
           </a:xfrm>
           <a:prstGeom prst="rect">
             <a:avLst/>
@@ -5085,7 +5072,7 @@
       </p:pic>
       <p:pic>
         <p:nvPicPr>
-          <p:cNvPr id="7174" name="Picture 2"/>
+          <p:cNvPr id="7172" name="Picture 1"/>
           <p:cNvPicPr>
             <a:picLocks noChangeAspect="1" noChangeArrowheads="1"/>
           </p:cNvPicPr>
@@ -5100,8 +5087,136 @@
         </p:blipFill>
         <p:spPr bwMode="auto">
           <a:xfrm>
-            <a:off x="3275856" y="1412776"/>
-            <a:ext cx="7416824" cy="3472344"/>
+            <a:off x="1835696" y="1772816"/>
+            <a:ext cx="5646460" cy="3744416"/>
+          </a:xfrm>
+          <a:prstGeom prst="rect">
+            <a:avLst/>
+          </a:prstGeom>
+          <a:noFill/>
+          <a:ln w="9525">
+            <a:noFill/>
+            <a:miter lim="800000"/>
+            <a:headEnd/>
+            <a:tailEnd/>
+          </a:ln>
+        </p:spPr>
+      </p:pic>
+      <p:pic>
+        <p:nvPicPr>
+          <p:cNvPr id="7173" name="Picture 1"/>
+          <p:cNvPicPr>
+            <a:picLocks noChangeAspect="1" noChangeArrowheads="1"/>
+          </p:cNvPicPr>
+          <p:nvPr/>
+        </p:nvPicPr>
+        <p:blipFill>
+          <a:blip r:embed="rId6" cstate="print"/>
+          <a:srcRect/>
+          <a:stretch>
+            <a:fillRect/>
+          </a:stretch>
+        </p:blipFill>
+        <p:spPr bwMode="auto">
+          <a:xfrm>
+            <a:off x="1979712" y="1556792"/>
+            <a:ext cx="5256584" cy="4414957"/>
+          </a:xfrm>
+          <a:prstGeom prst="rect">
+            <a:avLst/>
+          </a:prstGeom>
+          <a:noFill/>
+          <a:ln w="9525">
+            <a:noFill/>
+            <a:miter lim="800000"/>
+            <a:headEnd/>
+            <a:tailEnd/>
+          </a:ln>
+        </p:spPr>
+      </p:pic>
+      <p:pic>
+        <p:nvPicPr>
+          <p:cNvPr id="7174" name="Picture 1"/>
+          <p:cNvPicPr>
+            <a:picLocks noChangeAspect="1" noChangeArrowheads="1"/>
+          </p:cNvPicPr>
+          <p:nvPr/>
+        </p:nvPicPr>
+        <p:blipFill>
+          <a:blip r:embed="rId7" cstate="print"/>
+          <a:srcRect/>
+          <a:stretch>
+            <a:fillRect/>
+          </a:stretch>
+        </p:blipFill>
+        <p:spPr bwMode="auto">
+          <a:xfrm>
+            <a:off x="1259632" y="1484784"/>
+            <a:ext cx="6971227" cy="3816424"/>
+          </a:xfrm>
+          <a:prstGeom prst="rect">
+            <a:avLst/>
+          </a:prstGeom>
+          <a:noFill/>
+          <a:ln w="9525">
+            <a:noFill/>
+            <a:miter lim="800000"/>
+            <a:headEnd/>
+            <a:tailEnd/>
+          </a:ln>
+        </p:spPr>
+      </p:pic>
+      <p:pic>
+        <p:nvPicPr>
+          <p:cNvPr id="7175" name="Picture 1"/>
+          <p:cNvPicPr>
+            <a:picLocks noChangeAspect="1" noChangeArrowheads="1"/>
+          </p:cNvPicPr>
+          <p:nvPr/>
+        </p:nvPicPr>
+        <p:blipFill>
+          <a:blip r:embed="rId8" cstate="print"/>
+          <a:srcRect/>
+          <a:stretch>
+            <a:fillRect/>
+          </a:stretch>
+        </p:blipFill>
+        <p:spPr bwMode="auto">
+          <a:xfrm>
+            <a:off x="1187624" y="2060848"/>
+            <a:ext cx="7267407" cy="2664296"/>
+          </a:xfrm>
+          <a:prstGeom prst="rect">
+            <a:avLst/>
+          </a:prstGeom>
+          <a:noFill/>
+          <a:ln w="9525">
+            <a:noFill/>
+            <a:miter lim="800000"/>
+            <a:headEnd/>
+            <a:tailEnd/>
+          </a:ln>
+        </p:spPr>
+      </p:pic>
+      <p:pic>
+        <p:nvPicPr>
+          <p:cNvPr id="7176" name="Picture 2"/>
+          <p:cNvPicPr>
+            <a:picLocks noChangeAspect="1" noChangeArrowheads="1"/>
+          </p:cNvPicPr>
+          <p:nvPr/>
+        </p:nvPicPr>
+        <p:blipFill>
+          <a:blip r:embed="rId9" cstate="print"/>
+          <a:srcRect/>
+          <a:stretch>
+            <a:fillRect/>
+          </a:stretch>
+        </p:blipFill>
+        <p:spPr bwMode="auto">
+          <a:xfrm>
+            <a:off x="1187624" y="1700808"/>
+            <a:ext cx="7224953" cy="3384376"/>
           </a:xfrm>
           <a:prstGeom prst="rect">
             <a:avLst/>
@@ -5141,7 +5256,7 @@
                             </p:stCondLst>
                             <p:childTnLst>
                               <p:par>
-                                <p:cTn id="5" presetID="3" presetClass="entr" presetSubtype="10" fill="hold" nodeType="clickEffect">
+                                <p:cTn id="5" presetID="2" presetClass="entr" presetSubtype="4" fill="hold" nodeType="clickEffect">
                                   <p:stCondLst>
                                     <p:cond delay="0"/>
                                   </p:stCondLst>
@@ -5149,6 +5264,188 @@
                                     <p:set>
                                       <p:cBhvr>
                                         <p:cTn id="6" dur="1" fill="hold">
+                                          <p:stCondLst>
+                                            <p:cond delay="0"/>
+                                          </p:stCondLst>
+                                        </p:cTn>
+                                        <p:tgtEl>
+                                          <p:spTgt spid="7171"/>
+                                        </p:tgtEl>
+                                        <p:attrNameLst>
+                                          <p:attrName>style.visibility</p:attrName>
+                                        </p:attrNameLst>
+                                      </p:cBhvr>
+                                      <p:to>
+                                        <p:strVal val="visible"/>
+                                      </p:to>
+                                    </p:set>
+                                    <p:anim calcmode="lin" valueType="num">
+                                      <p:cBhvr additive="base">
+                                        <p:cTn id="7" dur="500" fill="hold"/>
+                                        <p:tgtEl>
+                                          <p:spTgt spid="7171"/>
+                                        </p:tgtEl>
+                                        <p:attrNameLst>
+                                          <p:attrName>ppt_x</p:attrName>
+                                        </p:attrNameLst>
+                                      </p:cBhvr>
+                                      <p:tavLst>
+                                        <p:tav tm="0">
+                                          <p:val>
+                                            <p:strVal val="#ppt_x"/>
+                                          </p:val>
+                                        </p:tav>
+                                        <p:tav tm="100000">
+                                          <p:val>
+                                            <p:strVal val="#ppt_x"/>
+                                          </p:val>
+                                        </p:tav>
+                                      </p:tavLst>
+                                    </p:anim>
+                                    <p:anim calcmode="lin" valueType="num">
+                                      <p:cBhvr additive="base">
+                                        <p:cTn id="8" dur="500" fill="hold"/>
+                                        <p:tgtEl>
+                                          <p:spTgt spid="7171"/>
+                                        </p:tgtEl>
+                                        <p:attrNameLst>
+                                          <p:attrName>ppt_y</p:attrName>
+                                        </p:attrNameLst>
+                                      </p:cBhvr>
+                                      <p:tavLst>
+                                        <p:tav tm="0">
+                                          <p:val>
+                                            <p:strVal val="1+#ppt_h/2"/>
+                                          </p:val>
+                                        </p:tav>
+                                        <p:tav tm="100000">
+                                          <p:val>
+                                            <p:strVal val="#ppt_y"/>
+                                          </p:val>
+                                        </p:tav>
+                                      </p:tavLst>
+                                    </p:anim>
+                                  </p:childTnLst>
+                                </p:cTn>
+                              </p:par>
+                            </p:childTnLst>
+                          </p:cTn>
+                        </p:par>
+                      </p:childTnLst>
+                    </p:cTn>
+                  </p:par>
+                  <p:par>
+                    <p:cTn id="9" fill="hold">
+                      <p:stCondLst>
+                        <p:cond delay="indefinite"/>
+                      </p:stCondLst>
+                      <p:childTnLst>
+                        <p:par>
+                          <p:cTn id="10" fill="hold">
+                            <p:stCondLst>
+                              <p:cond delay="0"/>
+                            </p:stCondLst>
+                            <p:childTnLst>
+                              <p:par>
+                                <p:cTn id="11" presetID="2" presetClass="entr" presetSubtype="4" fill="hold" nodeType="clickEffect">
+                                  <p:stCondLst>
+                                    <p:cond delay="0"/>
+                                  </p:stCondLst>
+                                  <p:childTnLst>
+                                    <p:set>
+                                      <p:cBhvr>
+                                        <p:cTn id="12" dur="1" fill="hold">
+                                          <p:stCondLst>
+                                            <p:cond delay="0"/>
+                                          </p:stCondLst>
+                                        </p:cTn>
+                                        <p:tgtEl>
+                                          <p:spTgt spid="7172"/>
+                                        </p:tgtEl>
+                                        <p:attrNameLst>
+                                          <p:attrName>style.visibility</p:attrName>
+                                        </p:attrNameLst>
+                                      </p:cBhvr>
+                                      <p:to>
+                                        <p:strVal val="visible"/>
+                                      </p:to>
+                                    </p:set>
+                                    <p:anim calcmode="lin" valueType="num">
+                                      <p:cBhvr additive="base">
+                                        <p:cTn id="13" dur="500" fill="hold"/>
+                                        <p:tgtEl>
+                                          <p:spTgt spid="7172"/>
+                                        </p:tgtEl>
+                                        <p:attrNameLst>
+                                          <p:attrName>ppt_x</p:attrName>
+                                        </p:attrNameLst>
+                                      </p:cBhvr>
+                                      <p:tavLst>
+                                        <p:tav tm="0">
+                                          <p:val>
+                                            <p:strVal val="#ppt_x"/>
+                                          </p:val>
+                                        </p:tav>
+                                        <p:tav tm="100000">
+                                          <p:val>
+                                            <p:strVal val="#ppt_x"/>
+                                          </p:val>
+                                        </p:tav>
+                                      </p:tavLst>
+                                    </p:anim>
+                                    <p:anim calcmode="lin" valueType="num">
+                                      <p:cBhvr additive="base">
+                                        <p:cTn id="14" dur="500" fill="hold"/>
+                                        <p:tgtEl>
+                                          <p:spTgt spid="7172"/>
+                                        </p:tgtEl>
+                                        <p:attrNameLst>
+                                          <p:attrName>ppt_y</p:attrName>
+                                        </p:attrNameLst>
+                                      </p:cBhvr>
+                                      <p:tavLst>
+                                        <p:tav tm="0">
+                                          <p:val>
+                                            <p:strVal val="1+#ppt_h/2"/>
+                                          </p:val>
+                                        </p:tav>
+                                        <p:tav tm="100000">
+                                          <p:val>
+                                            <p:strVal val="#ppt_y"/>
+                                          </p:val>
+                                        </p:tav>
+                                      </p:tavLst>
+                                    </p:anim>
+                                  </p:childTnLst>
+                                </p:cTn>
+                              </p:par>
+                            </p:childTnLst>
+                          </p:cTn>
+                        </p:par>
+                      </p:childTnLst>
+                    </p:cTn>
+                  </p:par>
+                  <p:par>
+                    <p:cTn id="15" fill="hold">
+                      <p:stCondLst>
+                        <p:cond delay="indefinite"/>
+                      </p:stCondLst>
+                      <p:childTnLst>
+                        <p:par>
+                          <p:cTn id="16" fill="hold">
+                            <p:stCondLst>
+                              <p:cond delay="0"/>
+                            </p:stCondLst>
+                            <p:childTnLst>
+                              <p:par>
+                                <p:cTn id="17" presetID="2" presetClass="entr" presetSubtype="4" fill="hold" nodeType="clickEffect">
+                                  <p:stCondLst>
+                                    <p:cond delay="0"/>
+                                  </p:stCondLst>
+                                  <p:childTnLst>
+                                    <p:set>
+                                      <p:cBhvr>
+                                        <p:cTn id="18" dur="1" fill="hold">
                                           <p:stCondLst>
                                             <p:cond delay="0"/>
                                           </p:stCondLst>
@@ -5164,14 +5461,52 @@
                                         <p:strVal val="visible"/>
                                       </p:to>
                                     </p:set>
-                                    <p:animEffect transition="in" filter="blinds(horizontal)">
-                                      <p:cBhvr>
-                                        <p:cTn id="7" dur="500"/>
+                                    <p:anim calcmode="lin" valueType="num">
+                                      <p:cBhvr additive="base">
+                                        <p:cTn id="19" dur="500" fill="hold"/>
                                         <p:tgtEl>
                                           <p:spTgt spid="7173"/>
                                         </p:tgtEl>
+                                        <p:attrNameLst>
+                                          <p:attrName>ppt_x</p:attrName>
+                                        </p:attrNameLst>
                                       </p:cBhvr>
-                                    </p:animEffect>
+                                      <p:tavLst>
+                                        <p:tav tm="0">
+                                          <p:val>
+                                            <p:strVal val="#ppt_x"/>
+                                          </p:val>
+                                        </p:tav>
+                                        <p:tav tm="100000">
+                                          <p:val>
+                                            <p:strVal val="#ppt_x"/>
+                                          </p:val>
+                                        </p:tav>
+                                      </p:tavLst>
+                                    </p:anim>
+                                    <p:anim calcmode="lin" valueType="num">
+                                      <p:cBhvr additive="base">
+                                        <p:cTn id="20" dur="500" fill="hold"/>
+                                        <p:tgtEl>
+                                          <p:spTgt spid="7173"/>
+                                        </p:tgtEl>
+                                        <p:attrNameLst>
+                                          <p:attrName>ppt_y</p:attrName>
+                                        </p:attrNameLst>
+                                      </p:cBhvr>
+                                      <p:tavLst>
+                                        <p:tav tm="0">
+                                          <p:val>
+                                            <p:strVal val="1+#ppt_h/2"/>
+                                          </p:val>
+                                        </p:tav>
+                                        <p:tav tm="100000">
+                                          <p:val>
+                                            <p:strVal val="#ppt_y"/>
+                                          </p:val>
+                                        </p:tav>
+                                      </p:tavLst>
+                                    </p:anim>
                                   </p:childTnLst>
                                 </p:cTn>
                               </p:par>
@@ -5182,26 +5517,26 @@
                     </p:cTn>
                   </p:par>
                   <p:par>
-                    <p:cTn id="8" fill="hold">
+                    <p:cTn id="21" fill="hold">
                       <p:stCondLst>
                         <p:cond delay="indefinite"/>
                       </p:stCondLst>
                       <p:childTnLst>
                         <p:par>
-                          <p:cTn id="9" fill="hold">
+                          <p:cTn id="22" fill="hold">
                             <p:stCondLst>
                               <p:cond delay="0"/>
                             </p:stCondLst>
                             <p:childTnLst>
                               <p:par>
-                                <p:cTn id="10" presetID="2" presetClass="entr" presetSubtype="4" fill="hold" nodeType="clickEffect">
+                                <p:cTn id="23" presetID="2" presetClass="entr" presetSubtype="4" fill="hold" nodeType="clickEffect">
                                   <p:stCondLst>
                                     <p:cond delay="0"/>
                                   </p:stCondLst>
                                   <p:childTnLst>
                                     <p:set>
                                       <p:cBhvr>
-                                        <p:cTn id="11" dur="1" fill="hold">
+                                        <p:cTn id="24" dur="1" fill="hold">
                                           <p:stCondLst>
                                             <p:cond delay="0"/>
                                           </p:stCondLst>
@@ -5219,7 +5554,7 @@
                                     </p:set>
                                     <p:anim calcmode="lin" valueType="num">
                                       <p:cBhvr additive="base">
-                                        <p:cTn id="12" dur="500" fill="hold"/>
+                                        <p:cTn id="25" dur="500" fill="hold"/>
                                         <p:tgtEl>
                                           <p:spTgt spid="7174"/>
                                         </p:tgtEl>
@@ -5242,9 +5577,191 @@
                                     </p:anim>
                                     <p:anim calcmode="lin" valueType="num">
                                       <p:cBhvr additive="base">
-                                        <p:cTn id="13" dur="500" fill="hold"/>
+                                        <p:cTn id="26" dur="500" fill="hold"/>
                                         <p:tgtEl>
                                           <p:spTgt spid="7174"/>
+                                        </p:tgtEl>
+                                        <p:attrNameLst>
+                                          <p:attrName>ppt_y</p:attrName>
+                                        </p:attrNameLst>
+                                      </p:cBhvr>
+                                      <p:tavLst>
+                                        <p:tav tm="0">
+                                          <p:val>
+                                            <p:strVal val="1+#ppt_h/2"/>
+                                          </p:val>
+                                        </p:tav>
+                                        <p:tav tm="100000">
+                                          <p:val>
+                                            <p:strVal val="#ppt_y"/>
+                                          </p:val>
+                                        </p:tav>
+                                      </p:tavLst>
+                                    </p:anim>
+                                  </p:childTnLst>
+                                </p:cTn>
+                              </p:par>
+                            </p:childTnLst>
+                          </p:cTn>
+                        </p:par>
+                      </p:childTnLst>
+                    </p:cTn>
+                  </p:par>
+                  <p:par>
+                    <p:cTn id="27" fill="hold">
+                      <p:stCondLst>
+                        <p:cond delay="indefinite"/>
+                      </p:stCondLst>
+                      <p:childTnLst>
+                        <p:par>
+                          <p:cTn id="28" fill="hold">
+                            <p:stCondLst>
+                              <p:cond delay="0"/>
+                            </p:stCondLst>
+                            <p:childTnLst>
+                              <p:par>
+                                <p:cTn id="29" presetID="2" presetClass="entr" presetSubtype="4" fill="hold" nodeType="clickEffect">
+                                  <p:stCondLst>
+                                    <p:cond delay="0"/>
+                                  </p:stCondLst>
+                                  <p:childTnLst>
+                                    <p:set>
+                                      <p:cBhvr>
+                                        <p:cTn id="30" dur="1" fill="hold">
+                                          <p:stCondLst>
+                                            <p:cond delay="0"/>
+                                          </p:stCondLst>
+                                        </p:cTn>
+                                        <p:tgtEl>
+                                          <p:spTgt spid="7175"/>
+                                        </p:tgtEl>
+                                        <p:attrNameLst>
+                                          <p:attrName>style.visibility</p:attrName>
+                                        </p:attrNameLst>
+                                      </p:cBhvr>
+                                      <p:to>
+                                        <p:strVal val="visible"/>
+                                      </p:to>
+                                    </p:set>
+                                    <p:anim calcmode="lin" valueType="num">
+                                      <p:cBhvr additive="base">
+                                        <p:cTn id="31" dur="500" fill="hold"/>
+                                        <p:tgtEl>
+                                          <p:spTgt spid="7175"/>
+                                        </p:tgtEl>
+                                        <p:attrNameLst>
+                                          <p:attrName>ppt_x</p:attrName>
+                                        </p:attrNameLst>
+                                      </p:cBhvr>
+                                      <p:tavLst>
+                                        <p:tav tm="0">
+                                          <p:val>
+                                            <p:strVal val="#ppt_x"/>
+                                          </p:val>
+                                        </p:tav>
+                                        <p:tav tm="100000">
+                                          <p:val>
+                                            <p:strVal val="#ppt_x"/>
+                                          </p:val>
+                                        </p:tav>
+                                      </p:tavLst>
+                                    </p:anim>
+                                    <p:anim calcmode="lin" valueType="num">
+                                      <p:cBhvr additive="base">
+                                        <p:cTn id="32" dur="500" fill="hold"/>
+                                        <p:tgtEl>
+                                          <p:spTgt spid="7175"/>
+                                        </p:tgtEl>
+                                        <p:attrNameLst>
+                                          <p:attrName>ppt_y</p:attrName>
+                                        </p:attrNameLst>
+                                      </p:cBhvr>
+                                      <p:tavLst>
+                                        <p:tav tm="0">
+                                          <p:val>
+                                            <p:strVal val="1+#ppt_h/2"/>
+                                          </p:val>
+                                        </p:tav>
+                                        <p:tav tm="100000">
+                                          <p:val>
+                                            <p:strVal val="#ppt_y"/>
+                                          </p:val>
+                                        </p:tav>
+                                      </p:tavLst>
+                                    </p:anim>
+                                  </p:childTnLst>
+                                </p:cTn>
+                              </p:par>
+                            </p:childTnLst>
+                          </p:cTn>
+                        </p:par>
+                      </p:childTnLst>
+                    </p:cTn>
+                  </p:par>
+                  <p:par>
+                    <p:cTn id="33" fill="hold">
+                      <p:stCondLst>
+                        <p:cond delay="indefinite"/>
+                      </p:stCondLst>
+                      <p:childTnLst>
+                        <p:par>
+                          <p:cTn id="34" fill="hold">
+                            <p:stCondLst>
+                              <p:cond delay="0"/>
+                            </p:stCondLst>
+                            <p:childTnLst>
+                              <p:par>
+                                <p:cTn id="35" presetID="2" presetClass="entr" presetSubtype="4" fill="hold" nodeType="clickEffect">
+                                  <p:stCondLst>
+                                    <p:cond delay="0"/>
+                                  </p:stCondLst>
+                                  <p:childTnLst>
+                                    <p:set>
+                                      <p:cBhvr>
+                                        <p:cTn id="36" dur="1" fill="hold">
+                                          <p:stCondLst>
+                                            <p:cond delay="0"/>
+                                          </p:stCondLst>
+                                        </p:cTn>
+                                        <p:tgtEl>
+                                          <p:spTgt spid="7176"/>
+                                        </p:tgtEl>
+                                        <p:attrNameLst>
+                                          <p:attrName>style.visibility</p:attrName>
+                                        </p:attrNameLst>
+                                      </p:cBhvr>
+                                      <p:to>
+                                        <p:strVal val="visible"/>
+                                      </p:to>
+                                    </p:set>
+                                    <p:anim calcmode="lin" valueType="num">
+                                      <p:cBhvr additive="base">
+                                        <p:cTn id="37" dur="500" fill="hold"/>
+                                        <p:tgtEl>
+                                          <p:spTgt spid="7176"/>
+                                        </p:tgtEl>
+                                        <p:attrNameLst>
+                                          <p:attrName>ppt_x</p:attrName>
+                                        </p:attrNameLst>
+                                      </p:cBhvr>
+                                      <p:tavLst>
+                                        <p:tav tm="0">
+                                          <p:val>
+                                            <p:strVal val="#ppt_x"/>
+                                          </p:val>
+                                        </p:tav>
+                                        <p:tav tm="100000">
+                                          <p:val>
+                                            <p:strVal val="#ppt_x"/>
+                                          </p:val>
+                                        </p:tav>
+                                      </p:tavLst>
+                                    </p:anim>
+                                    <p:anim calcmode="lin" valueType="num">
+                                      <p:cBhvr additive="base">
+                                        <p:cTn id="38" dur="500" fill="hold"/>
+                                        <p:tgtEl>
+                                          <p:spTgt spid="7176"/>
                                         </p:tgtEl>
                                         <p:attrNameLst>
                                           <p:attrName>ppt_y</p:attrName>
@@ -5297,6 +5814,2752 @@
 </p:sld>
 </file>
 
+<file path=ppt/slides/slide17.xml><?xml version="1.0" encoding="utf-8"?>
+<p:sld xmlns:a="http://schemas.openxmlformats.org/drawingml/2006/main" xmlns:r="http://schemas.openxmlformats.org/officeDocument/2006/relationships" xmlns:p="http://schemas.openxmlformats.org/presentationml/2006/main">
+  <p:cSld>
+    <p:spTree>
+      <p:nvGrpSpPr>
+        <p:cNvPr id="1" name=""/>
+        <p:cNvGrpSpPr/>
+        <p:nvPr/>
+      </p:nvGrpSpPr>
+      <p:grpSpPr>
+        <a:xfrm>
+          <a:off x="0" y="0"/>
+          <a:ext cx="0" cy="0"/>
+          <a:chOff x="0" y="0"/>
+          <a:chExt cx="0" cy="0"/>
+        </a:xfrm>
+      </p:grpSpPr>
+      <p:sp>
+        <p:nvSpPr>
+          <p:cNvPr id="2" name="标题 1"/>
+          <p:cNvSpPr>
+            <a:spLocks noGrp="1"/>
+          </p:cNvSpPr>
+          <p:nvPr>
+            <p:ph type="title"/>
+          </p:nvPr>
+        </p:nvSpPr>
+        <p:spPr/>
+        <p:txBody>
+          <a:bodyPr/>
+          <a:lstStyle/>
+          <a:p>
+            <a:r>
+              <a:rPr lang="en-US" altLang="zh-CN" dirty="0" smtClean="0"/>
+              <a:t>2</a:t>
+            </a:r>
+            <a:r>
+              <a:rPr lang="zh-CN" altLang="en-US" dirty="0" smtClean="0"/>
+              <a:t>、</a:t>
+            </a:r>
+            <a:r>
+              <a:rPr lang="zh-CN" altLang="en-US" dirty="0" smtClean="0"/>
+              <a:t>进行一些二次开发的业务逻辑</a:t>
+            </a:r>
+            <a:endParaRPr lang="zh-CN" altLang="en-US" dirty="0"/>
+          </a:p>
+        </p:txBody>
+      </p:sp>
+      <p:pic>
+        <p:nvPicPr>
+          <p:cNvPr id="38914" name="Picture 1"/>
+          <p:cNvPicPr>
+            <a:picLocks noChangeAspect="1" noChangeArrowheads="1"/>
+          </p:cNvPicPr>
+          <p:nvPr/>
+        </p:nvPicPr>
+        <p:blipFill>
+          <a:blip r:embed="rId2" cstate="print"/>
+          <a:srcRect/>
+          <a:stretch>
+            <a:fillRect/>
+          </a:stretch>
+        </p:blipFill>
+        <p:spPr bwMode="auto">
+          <a:xfrm>
+            <a:off x="683568" y="1700808"/>
+            <a:ext cx="5486400" cy="3435350"/>
+          </a:xfrm>
+          <a:prstGeom prst="rect">
+            <a:avLst/>
+          </a:prstGeom>
+          <a:noFill/>
+          <a:ln w="9525">
+            <a:noFill/>
+            <a:miter lim="800000"/>
+            <a:headEnd/>
+            <a:tailEnd/>
+          </a:ln>
+        </p:spPr>
+      </p:pic>
+      <p:pic>
+        <p:nvPicPr>
+          <p:cNvPr id="38915" name="Picture 1"/>
+          <p:cNvPicPr>
+            <a:picLocks noChangeAspect="1" noChangeArrowheads="1"/>
+          </p:cNvPicPr>
+          <p:nvPr/>
+        </p:nvPicPr>
+        <p:blipFill>
+          <a:blip r:embed="rId3" cstate="print"/>
+          <a:srcRect/>
+          <a:stretch>
+            <a:fillRect/>
+          </a:stretch>
+        </p:blipFill>
+        <p:spPr bwMode="auto">
+          <a:xfrm>
+            <a:off x="3203848" y="2060848"/>
+            <a:ext cx="5486400" cy="4049713"/>
+          </a:xfrm>
+          <a:prstGeom prst="rect">
+            <a:avLst/>
+          </a:prstGeom>
+          <a:noFill/>
+          <a:ln w="9525">
+            <a:noFill/>
+            <a:miter lim="800000"/>
+            <a:headEnd/>
+            <a:tailEnd/>
+          </a:ln>
+        </p:spPr>
+      </p:pic>
+    </p:spTree>
+  </p:cSld>
+  <p:clrMapOvr>
+    <a:masterClrMapping/>
+  </p:clrMapOvr>
+  <p:timing>
+    <p:tnLst>
+      <p:par>
+        <p:cTn id="1" dur="indefinite" restart="never" nodeType="tmRoot">
+          <p:childTnLst>
+            <p:seq concurrent="1" nextAc="seek">
+              <p:cTn id="2" dur="indefinite" nodeType="mainSeq">
+                <p:childTnLst>
+                  <p:par>
+                    <p:cTn id="3" fill="hold">
+                      <p:stCondLst>
+                        <p:cond delay="indefinite"/>
+                      </p:stCondLst>
+                      <p:childTnLst>
+                        <p:par>
+                          <p:cTn id="4" fill="hold">
+                            <p:stCondLst>
+                              <p:cond delay="0"/>
+                            </p:stCondLst>
+                            <p:childTnLst>
+                              <p:par>
+                                <p:cTn id="5" presetID="2" presetClass="entr" presetSubtype="4" fill="hold" nodeType="clickEffect">
+                                  <p:stCondLst>
+                                    <p:cond delay="0"/>
+                                  </p:stCondLst>
+                                  <p:childTnLst>
+                                    <p:set>
+                                      <p:cBhvr>
+                                        <p:cTn id="6" dur="1" fill="hold">
+                                          <p:stCondLst>
+                                            <p:cond delay="0"/>
+                                          </p:stCondLst>
+                                        </p:cTn>
+                                        <p:tgtEl>
+                                          <p:spTgt spid="38915"/>
+                                        </p:tgtEl>
+                                        <p:attrNameLst>
+                                          <p:attrName>style.visibility</p:attrName>
+                                        </p:attrNameLst>
+                                      </p:cBhvr>
+                                      <p:to>
+                                        <p:strVal val="visible"/>
+                                      </p:to>
+                                    </p:set>
+                                    <p:anim calcmode="lin" valueType="num">
+                                      <p:cBhvr additive="base">
+                                        <p:cTn id="7" dur="500" fill="hold"/>
+                                        <p:tgtEl>
+                                          <p:spTgt spid="38915"/>
+                                        </p:tgtEl>
+                                        <p:attrNameLst>
+                                          <p:attrName>ppt_x</p:attrName>
+                                        </p:attrNameLst>
+                                      </p:cBhvr>
+                                      <p:tavLst>
+                                        <p:tav tm="0">
+                                          <p:val>
+                                            <p:strVal val="#ppt_x"/>
+                                          </p:val>
+                                        </p:tav>
+                                        <p:tav tm="100000">
+                                          <p:val>
+                                            <p:strVal val="#ppt_x"/>
+                                          </p:val>
+                                        </p:tav>
+                                      </p:tavLst>
+                                    </p:anim>
+                                    <p:anim calcmode="lin" valueType="num">
+                                      <p:cBhvr additive="base">
+                                        <p:cTn id="8" dur="500" fill="hold"/>
+                                        <p:tgtEl>
+                                          <p:spTgt spid="38915"/>
+                                        </p:tgtEl>
+                                        <p:attrNameLst>
+                                          <p:attrName>ppt_y</p:attrName>
+                                        </p:attrNameLst>
+                                      </p:cBhvr>
+                                      <p:tavLst>
+                                        <p:tav tm="0">
+                                          <p:val>
+                                            <p:strVal val="1+#ppt_h/2"/>
+                                          </p:val>
+                                        </p:tav>
+                                        <p:tav tm="100000">
+                                          <p:val>
+                                            <p:strVal val="#ppt_y"/>
+                                          </p:val>
+                                        </p:tav>
+                                      </p:tavLst>
+                                    </p:anim>
+                                  </p:childTnLst>
+                                </p:cTn>
+                              </p:par>
+                            </p:childTnLst>
+                          </p:cTn>
+                        </p:par>
+                      </p:childTnLst>
+                    </p:cTn>
+                  </p:par>
+                </p:childTnLst>
+              </p:cTn>
+              <p:prevCondLst>
+                <p:cond evt="onPrev" delay="0">
+                  <p:tgtEl>
+                    <p:sldTgt/>
+                  </p:tgtEl>
+                </p:cond>
+              </p:prevCondLst>
+              <p:nextCondLst>
+                <p:cond evt="onNext" delay="0">
+                  <p:tgtEl>
+                    <p:sldTgt/>
+                  </p:tgtEl>
+                </p:cond>
+              </p:nextCondLst>
+            </p:seq>
+          </p:childTnLst>
+        </p:cTn>
+      </p:par>
+    </p:tnLst>
+  </p:timing>
+</p:sld>
+</file>
+
+<file path=ppt/slides/slide18.xml><?xml version="1.0" encoding="utf-8"?>
+<p:sld xmlns:a="http://schemas.openxmlformats.org/drawingml/2006/main" xmlns:r="http://schemas.openxmlformats.org/officeDocument/2006/relationships" xmlns:p="http://schemas.openxmlformats.org/presentationml/2006/main">
+  <p:cSld>
+    <p:spTree>
+      <p:nvGrpSpPr>
+        <p:cNvPr id="1" name=""/>
+        <p:cNvGrpSpPr/>
+        <p:nvPr/>
+      </p:nvGrpSpPr>
+      <p:grpSpPr>
+        <a:xfrm>
+          <a:off x="0" y="0"/>
+          <a:ext cx="0" cy="0"/>
+          <a:chOff x="0" y="0"/>
+          <a:chExt cx="0" cy="0"/>
+        </a:xfrm>
+      </p:grpSpPr>
+      <p:sp>
+        <p:nvSpPr>
+          <p:cNvPr id="2" name="标题 1"/>
+          <p:cNvSpPr>
+            <a:spLocks noGrp="1"/>
+          </p:cNvSpPr>
+          <p:nvPr>
+            <p:ph type="title"/>
+          </p:nvPr>
+        </p:nvSpPr>
+        <p:spPr/>
+        <p:txBody>
+          <a:bodyPr/>
+          <a:lstStyle/>
+          <a:p>
+            <a:r>
+              <a:rPr lang="en-US" altLang="zh-CN" dirty="0" smtClean="0"/>
+              <a:t>3</a:t>
+            </a:r>
+            <a:r>
+              <a:rPr lang="zh-CN" altLang="en-US" dirty="0" smtClean="0"/>
+              <a:t>、移动应用中获取远程数据</a:t>
+            </a:r>
+            <a:endParaRPr lang="zh-CN" altLang="en-US" dirty="0"/>
+          </a:p>
+        </p:txBody>
+      </p:sp>
+      <p:pic>
+        <p:nvPicPr>
+          <p:cNvPr id="5" name="Picture 1"/>
+          <p:cNvPicPr>
+            <a:picLocks noChangeAspect="1" noChangeArrowheads="1"/>
+          </p:cNvPicPr>
+          <p:nvPr/>
+        </p:nvPicPr>
+        <p:blipFill>
+          <a:blip r:embed="rId2" cstate="print"/>
+          <a:srcRect/>
+          <a:stretch>
+            <a:fillRect/>
+          </a:stretch>
+        </p:blipFill>
+        <p:spPr bwMode="auto">
+          <a:xfrm>
+            <a:off x="467544" y="1340768"/>
+            <a:ext cx="8468998" cy="3888432"/>
+          </a:xfrm>
+          <a:prstGeom prst="rect">
+            <a:avLst/>
+          </a:prstGeom>
+          <a:noFill/>
+          <a:ln w="9525">
+            <a:noFill/>
+            <a:miter lim="800000"/>
+            <a:headEnd/>
+            <a:tailEnd/>
+          </a:ln>
+        </p:spPr>
+      </p:pic>
+      <p:pic>
+        <p:nvPicPr>
+          <p:cNvPr id="39938" name="图片 4" descr="IMG_0158.JPG"/>
+          <p:cNvPicPr>
+            <a:picLocks noChangeAspect="1" noChangeArrowheads="1"/>
+          </p:cNvPicPr>
+          <p:nvPr/>
+        </p:nvPicPr>
+        <p:blipFill>
+          <a:blip r:embed="rId3" cstate="print"/>
+          <a:srcRect/>
+          <a:stretch>
+            <a:fillRect/>
+          </a:stretch>
+        </p:blipFill>
+        <p:spPr bwMode="auto">
+          <a:xfrm>
+            <a:off x="1187624" y="1628800"/>
+            <a:ext cx="2376264" cy="4214258"/>
+          </a:xfrm>
+          <a:prstGeom prst="rect">
+            <a:avLst/>
+          </a:prstGeom>
+          <a:noFill/>
+          <a:ln w="9525">
+            <a:noFill/>
+            <a:miter lim="800000"/>
+            <a:headEnd/>
+            <a:tailEnd/>
+          </a:ln>
+        </p:spPr>
+      </p:pic>
+      <p:pic>
+        <p:nvPicPr>
+          <p:cNvPr id="39939" name="内容占位符 3" descr="IMG_0157.JPG"/>
+          <p:cNvPicPr>
+            <a:picLocks noGrp="1" noChangeAspect="1" noChangeArrowheads="1"/>
+          </p:cNvPicPr>
+          <p:nvPr/>
+        </p:nvPicPr>
+        <p:blipFill>
+          <a:blip r:embed="rId4" cstate="print"/>
+          <a:srcRect/>
+          <a:stretch>
+            <a:fillRect/>
+          </a:stretch>
+        </p:blipFill>
+        <p:spPr bwMode="auto">
+          <a:xfrm>
+            <a:off x="4499992" y="1700808"/>
+            <a:ext cx="2376264" cy="4214258"/>
+          </a:xfrm>
+          <a:prstGeom prst="rect">
+            <a:avLst/>
+          </a:prstGeom>
+          <a:noFill/>
+          <a:ln w="9525">
+            <a:noFill/>
+            <a:miter lim="800000"/>
+            <a:headEnd/>
+            <a:tailEnd/>
+          </a:ln>
+        </p:spPr>
+      </p:pic>
+    </p:spTree>
+  </p:cSld>
+  <p:clrMapOvr>
+    <a:masterClrMapping/>
+  </p:clrMapOvr>
+  <p:timing>
+    <p:tnLst>
+      <p:par>
+        <p:cTn id="1" dur="indefinite" restart="never" nodeType="tmRoot">
+          <p:childTnLst>
+            <p:seq concurrent="1" nextAc="seek">
+              <p:cTn id="2" dur="indefinite" nodeType="mainSeq">
+                <p:childTnLst>
+                  <p:par>
+                    <p:cTn id="3" fill="hold">
+                      <p:stCondLst>
+                        <p:cond delay="indefinite"/>
+                      </p:stCondLst>
+                      <p:childTnLst>
+                        <p:par>
+                          <p:cTn id="4" fill="hold">
+                            <p:stCondLst>
+                              <p:cond delay="0"/>
+                            </p:stCondLst>
+                            <p:childTnLst>
+                              <p:par>
+                                <p:cTn id="5" presetID="2" presetClass="entr" presetSubtype="4" fill="hold" nodeType="clickEffect">
+                                  <p:stCondLst>
+                                    <p:cond delay="0"/>
+                                  </p:stCondLst>
+                                  <p:childTnLst>
+                                    <p:set>
+                                      <p:cBhvr>
+                                        <p:cTn id="6" dur="1" fill="hold">
+                                          <p:stCondLst>
+                                            <p:cond delay="0"/>
+                                          </p:stCondLst>
+                                        </p:cTn>
+                                        <p:tgtEl>
+                                          <p:spTgt spid="39938"/>
+                                        </p:tgtEl>
+                                        <p:attrNameLst>
+                                          <p:attrName>style.visibility</p:attrName>
+                                        </p:attrNameLst>
+                                      </p:cBhvr>
+                                      <p:to>
+                                        <p:strVal val="visible"/>
+                                      </p:to>
+                                    </p:set>
+                                    <p:anim calcmode="lin" valueType="num">
+                                      <p:cBhvr additive="base">
+                                        <p:cTn id="7" dur="500" fill="hold"/>
+                                        <p:tgtEl>
+                                          <p:spTgt spid="39938"/>
+                                        </p:tgtEl>
+                                        <p:attrNameLst>
+                                          <p:attrName>ppt_x</p:attrName>
+                                        </p:attrNameLst>
+                                      </p:cBhvr>
+                                      <p:tavLst>
+                                        <p:tav tm="0">
+                                          <p:val>
+                                            <p:strVal val="#ppt_x"/>
+                                          </p:val>
+                                        </p:tav>
+                                        <p:tav tm="100000">
+                                          <p:val>
+                                            <p:strVal val="#ppt_x"/>
+                                          </p:val>
+                                        </p:tav>
+                                      </p:tavLst>
+                                    </p:anim>
+                                    <p:anim calcmode="lin" valueType="num">
+                                      <p:cBhvr additive="base">
+                                        <p:cTn id="8" dur="500" fill="hold"/>
+                                        <p:tgtEl>
+                                          <p:spTgt spid="39938"/>
+                                        </p:tgtEl>
+                                        <p:attrNameLst>
+                                          <p:attrName>ppt_y</p:attrName>
+                                        </p:attrNameLst>
+                                      </p:cBhvr>
+                                      <p:tavLst>
+                                        <p:tav tm="0">
+                                          <p:val>
+                                            <p:strVal val="1+#ppt_h/2"/>
+                                          </p:val>
+                                        </p:tav>
+                                        <p:tav tm="100000">
+                                          <p:val>
+                                            <p:strVal val="#ppt_y"/>
+                                          </p:val>
+                                        </p:tav>
+                                      </p:tavLst>
+                                    </p:anim>
+                                  </p:childTnLst>
+                                </p:cTn>
+                              </p:par>
+                            </p:childTnLst>
+                          </p:cTn>
+                        </p:par>
+                      </p:childTnLst>
+                    </p:cTn>
+                  </p:par>
+                  <p:par>
+                    <p:cTn id="9" fill="hold">
+                      <p:stCondLst>
+                        <p:cond delay="indefinite"/>
+                      </p:stCondLst>
+                      <p:childTnLst>
+                        <p:par>
+                          <p:cTn id="10" fill="hold">
+                            <p:stCondLst>
+                              <p:cond delay="0"/>
+                            </p:stCondLst>
+                            <p:childTnLst>
+                              <p:par>
+                                <p:cTn id="11" presetID="2" presetClass="entr" presetSubtype="4" fill="hold" nodeType="clickEffect">
+                                  <p:stCondLst>
+                                    <p:cond delay="0"/>
+                                  </p:stCondLst>
+                                  <p:childTnLst>
+                                    <p:set>
+                                      <p:cBhvr>
+                                        <p:cTn id="12" dur="1" fill="hold">
+                                          <p:stCondLst>
+                                            <p:cond delay="0"/>
+                                          </p:stCondLst>
+                                        </p:cTn>
+                                        <p:tgtEl>
+                                          <p:spTgt spid="39939"/>
+                                        </p:tgtEl>
+                                        <p:attrNameLst>
+                                          <p:attrName>style.visibility</p:attrName>
+                                        </p:attrNameLst>
+                                      </p:cBhvr>
+                                      <p:to>
+                                        <p:strVal val="visible"/>
+                                      </p:to>
+                                    </p:set>
+                                    <p:anim calcmode="lin" valueType="num">
+                                      <p:cBhvr additive="base">
+                                        <p:cTn id="13" dur="500" fill="hold"/>
+                                        <p:tgtEl>
+                                          <p:spTgt spid="39939"/>
+                                        </p:tgtEl>
+                                        <p:attrNameLst>
+                                          <p:attrName>ppt_x</p:attrName>
+                                        </p:attrNameLst>
+                                      </p:cBhvr>
+                                      <p:tavLst>
+                                        <p:tav tm="0">
+                                          <p:val>
+                                            <p:strVal val="#ppt_x"/>
+                                          </p:val>
+                                        </p:tav>
+                                        <p:tav tm="100000">
+                                          <p:val>
+                                            <p:strVal val="#ppt_x"/>
+                                          </p:val>
+                                        </p:tav>
+                                      </p:tavLst>
+                                    </p:anim>
+                                    <p:anim calcmode="lin" valueType="num">
+                                      <p:cBhvr additive="base">
+                                        <p:cTn id="14" dur="500" fill="hold"/>
+                                        <p:tgtEl>
+                                          <p:spTgt spid="39939"/>
+                                        </p:tgtEl>
+                                        <p:attrNameLst>
+                                          <p:attrName>ppt_y</p:attrName>
+                                        </p:attrNameLst>
+                                      </p:cBhvr>
+                                      <p:tavLst>
+                                        <p:tav tm="0">
+                                          <p:val>
+                                            <p:strVal val="1+#ppt_h/2"/>
+                                          </p:val>
+                                        </p:tav>
+                                        <p:tav tm="100000">
+                                          <p:val>
+                                            <p:strVal val="#ppt_y"/>
+                                          </p:val>
+                                        </p:tav>
+                                      </p:tavLst>
+                                    </p:anim>
+                                  </p:childTnLst>
+                                </p:cTn>
+                              </p:par>
+                            </p:childTnLst>
+                          </p:cTn>
+                        </p:par>
+                      </p:childTnLst>
+                    </p:cTn>
+                  </p:par>
+                </p:childTnLst>
+              </p:cTn>
+              <p:prevCondLst>
+                <p:cond evt="onPrev" delay="0">
+                  <p:tgtEl>
+                    <p:sldTgt/>
+                  </p:tgtEl>
+                </p:cond>
+              </p:prevCondLst>
+              <p:nextCondLst>
+                <p:cond evt="onNext" delay="0">
+                  <p:tgtEl>
+                    <p:sldTgt/>
+                  </p:tgtEl>
+                </p:cond>
+              </p:nextCondLst>
+            </p:seq>
+          </p:childTnLst>
+        </p:cTn>
+      </p:par>
+    </p:tnLst>
+  </p:timing>
+</p:sld>
+</file>
+
+<file path=ppt/slides/slide19.xml><?xml version="1.0" encoding="utf-8"?>
+<p:sld xmlns:a="http://schemas.openxmlformats.org/drawingml/2006/main" xmlns:r="http://schemas.openxmlformats.org/officeDocument/2006/relationships" xmlns:p="http://schemas.openxmlformats.org/presentationml/2006/main">
+  <p:cSld>
+    <p:spTree>
+      <p:nvGrpSpPr>
+        <p:cNvPr id="1" name=""/>
+        <p:cNvGrpSpPr/>
+        <p:nvPr/>
+      </p:nvGrpSpPr>
+      <p:grpSpPr>
+        <a:xfrm>
+          <a:off x="0" y="0"/>
+          <a:ext cx="0" cy="0"/>
+          <a:chOff x="0" y="0"/>
+          <a:chExt cx="0" cy="0"/>
+        </a:xfrm>
+      </p:grpSpPr>
+      <p:sp>
+        <p:nvSpPr>
+          <p:cNvPr id="2" name="标题 1"/>
+          <p:cNvSpPr>
+            <a:spLocks noGrp="1"/>
+          </p:cNvSpPr>
+          <p:nvPr>
+            <p:ph type="title"/>
+          </p:nvPr>
+        </p:nvSpPr>
+        <p:spPr/>
+        <p:txBody>
+          <a:bodyPr>
+            <a:normAutofit/>
+          </a:bodyPr>
+          <a:lstStyle/>
+          <a:p>
+            <a:r>
+              <a:rPr lang="zh-CN" altLang="en-US" dirty="0" smtClean="0"/>
+              <a:t>总结</a:t>
+            </a:r>
+            <a:r>
+              <a:rPr lang="en-US" altLang="zh-CN" dirty="0" smtClean="0"/>
+              <a:t>-</a:t>
+            </a:r>
+            <a:r>
+              <a:rPr lang="zh-CN" altLang="en-US" dirty="0" smtClean="0"/>
+              <a:t>数据</a:t>
+            </a:r>
+            <a:r>
+              <a:rPr lang="zh-CN" altLang="en-US" dirty="0" smtClean="0"/>
+              <a:t>交互服务</a:t>
+            </a:r>
+            <a:r>
+              <a:rPr lang="zh-CN" altLang="en-US" dirty="0" smtClean="0"/>
+              <a:t>管理系统</a:t>
+            </a:r>
+            <a:r>
+              <a:rPr lang="zh-CN" altLang="en-US" dirty="0" smtClean="0"/>
+              <a:t>优点</a:t>
+            </a:r>
+            <a:endParaRPr lang="en-US" altLang="zh-CN" dirty="0" smtClean="0"/>
+          </a:p>
+        </p:txBody>
+      </p:sp>
+      <p:sp>
+        <p:nvSpPr>
+          <p:cNvPr id="3" name="内容占位符 2"/>
+          <p:cNvSpPr>
+            <a:spLocks noGrp="1"/>
+          </p:cNvSpPr>
+          <p:nvPr>
+            <p:ph sz="quarter" idx="1"/>
+          </p:nvPr>
+        </p:nvSpPr>
+        <p:spPr/>
+        <p:txBody>
+          <a:bodyPr>
+            <a:normAutofit/>
+          </a:bodyPr>
+          <a:lstStyle/>
+          <a:p>
+            <a:r>
+              <a:rPr lang="zh-CN" altLang="en-US" dirty="0" smtClean="0"/>
+              <a:t>直接通过设计模板自动生成基于</a:t>
+            </a:r>
+            <a:r>
+              <a:rPr lang="en-US" altLang="zh-CN" dirty="0" smtClean="0"/>
+              <a:t>MVVM</a:t>
+            </a:r>
+            <a:r>
+              <a:rPr lang="zh-CN" altLang="en-US" dirty="0" smtClean="0"/>
+              <a:t>（</a:t>
+            </a:r>
+            <a:r>
+              <a:rPr lang="en-US" altLang="zh-CN" dirty="0" smtClean="0"/>
+              <a:t>Model-View-</a:t>
+            </a:r>
+            <a:r>
+              <a:rPr lang="en-US" altLang="zh-CN" dirty="0" err="1" smtClean="0"/>
+              <a:t>ViewModel</a:t>
+            </a:r>
+            <a:r>
+              <a:rPr lang="zh-CN" altLang="en-US" dirty="0" smtClean="0"/>
+              <a:t>）的数据交互服务系统的数据录入系统及数据接口服务</a:t>
+            </a:r>
+            <a:endParaRPr lang="en-US" altLang="zh-CN" dirty="0" smtClean="0"/>
+          </a:p>
+          <a:p>
+            <a:r>
+              <a:rPr lang="zh-CN" altLang="en-US" dirty="0" smtClean="0"/>
+              <a:t>自动生成移动应用开发包</a:t>
+            </a:r>
+            <a:endParaRPr lang="en-US" altLang="zh-CN" dirty="0" smtClean="0"/>
+          </a:p>
+          <a:p>
+            <a:r>
+              <a:rPr lang="zh-CN" altLang="en-US" dirty="0" smtClean="0"/>
+              <a:t>面向不同数据库</a:t>
+            </a:r>
+            <a:endParaRPr lang="en-US" altLang="zh-CN" dirty="0" smtClean="0"/>
+          </a:p>
+          <a:p>
+            <a:r>
+              <a:rPr lang="zh-CN" altLang="en-US" dirty="0" smtClean="0"/>
+              <a:t>灵活简单的二次开发</a:t>
+            </a:r>
+            <a:endParaRPr lang="en-US" altLang="zh-CN" dirty="0" smtClean="0"/>
+          </a:p>
+          <a:p>
+            <a:r>
+              <a:rPr lang="zh-CN" altLang="en-US" dirty="0" smtClean="0"/>
+              <a:t>升级系统修改容易</a:t>
+            </a:r>
+            <a:endParaRPr lang="en-US" altLang="zh-CN" dirty="0" smtClean="0"/>
+          </a:p>
+          <a:p>
+            <a:r>
+              <a:rPr lang="zh-CN" altLang="en-US" dirty="0" smtClean="0"/>
+              <a:t>部署简单便捷</a:t>
+            </a:r>
+            <a:endParaRPr lang="en-US" altLang="zh-CN" dirty="0" smtClean="0"/>
+          </a:p>
+          <a:p>
+            <a:r>
+              <a:rPr lang="zh-CN" altLang="en-US" dirty="0" smtClean="0"/>
+              <a:t>成本低</a:t>
+            </a:r>
+            <a:endParaRPr lang="en-US" altLang="zh-CN" dirty="0" smtClean="0"/>
+          </a:p>
+          <a:p>
+            <a:endParaRPr lang="en-US" altLang="zh-CN" dirty="0" smtClean="0"/>
+          </a:p>
+          <a:p>
+            <a:endParaRPr lang="en-US" altLang="zh-CN" dirty="0" smtClean="0"/>
+          </a:p>
+          <a:p>
+            <a:endParaRPr lang="en-US" altLang="zh-CN" dirty="0" smtClean="0"/>
+          </a:p>
+          <a:p>
+            <a:endParaRPr lang="en-US" altLang="zh-CN" dirty="0" smtClean="0"/>
+          </a:p>
+          <a:p>
+            <a:endParaRPr lang="en-US" altLang="zh-CN" dirty="0" smtClean="0"/>
+          </a:p>
+        </p:txBody>
+      </p:sp>
+      <p:sp>
+        <p:nvSpPr>
+          <p:cNvPr id="7170" name="Rectangle 2"/>
+          <p:cNvSpPr>
+            <a:spLocks noChangeArrowheads="1"/>
+          </p:cNvSpPr>
+          <p:nvPr/>
+        </p:nvSpPr>
+        <p:spPr bwMode="auto">
+          <a:xfrm>
+            <a:off x="0" y="0"/>
+            <a:ext cx="9144000" cy="0"/>
+          </a:xfrm>
+          <a:prstGeom prst="rect">
+            <a:avLst/>
+          </a:prstGeom>
+          <a:noFill/>
+          <a:ln w="9525">
+            <a:noFill/>
+            <a:miter lim="800000"/>
+            <a:headEnd/>
+            <a:tailEnd/>
+          </a:ln>
+          <a:effectLst/>
+        </p:spPr>
+        <p:txBody>
+          <a:bodyPr vert="horz" wrap="none" lIns="91440" tIns="45720" rIns="91440" bIns="45720" numCol="1" anchor="ctr" anchorCtr="0" compatLnSpc="1">
+            <a:prstTxWarp prst="textNoShape">
+              <a:avLst/>
+            </a:prstTxWarp>
+            <a:spAutoFit/>
+          </a:bodyPr>
+          <a:lstStyle/>
+          <a:p>
+            <a:endParaRPr lang="zh-CN" altLang="en-US"/>
+          </a:p>
+        </p:txBody>
+      </p:sp>
+    </p:spTree>
+  </p:cSld>
+  <p:clrMapOvr>
+    <a:masterClrMapping/>
+  </p:clrMapOvr>
+  <p:timing>
+    <p:tnLst>
+      <p:par>
+        <p:cTn id="1" dur="indefinite" restart="never" nodeType="tmRoot"/>
+      </p:par>
+    </p:tnLst>
+  </p:timing>
+</p:sld>
+</file>
+
+<file path=ppt/slides/slide2.xml><?xml version="1.0" encoding="utf-8"?>
+<p:sld xmlns:a="http://schemas.openxmlformats.org/drawingml/2006/main" xmlns:r="http://schemas.openxmlformats.org/officeDocument/2006/relationships" xmlns:p="http://schemas.openxmlformats.org/presentationml/2006/main">
+  <p:cSld>
+    <p:spTree>
+      <p:nvGrpSpPr>
+        <p:cNvPr id="1" name=""/>
+        <p:cNvGrpSpPr/>
+        <p:nvPr/>
+      </p:nvGrpSpPr>
+      <p:grpSpPr>
+        <a:xfrm>
+          <a:off x="0" y="0"/>
+          <a:ext cx="0" cy="0"/>
+          <a:chOff x="0" y="0"/>
+          <a:chExt cx="0" cy="0"/>
+        </a:xfrm>
+      </p:grpSpPr>
+      <p:sp>
+        <p:nvSpPr>
+          <p:cNvPr id="2" name="标题 1"/>
+          <p:cNvSpPr>
+            <a:spLocks noGrp="1"/>
+          </p:cNvSpPr>
+          <p:nvPr>
+            <p:ph type="title"/>
+          </p:nvPr>
+        </p:nvSpPr>
+        <p:spPr/>
+        <p:txBody>
+          <a:bodyPr/>
+          <a:lstStyle/>
+          <a:p>
+            <a:r>
+              <a:rPr lang="zh-CN" altLang="en-US" dirty="0" smtClean="0"/>
+              <a:t>课题</a:t>
+            </a:r>
+            <a:r>
+              <a:rPr lang="zh-CN" altLang="en-US" dirty="0" smtClean="0"/>
+              <a:t>研究背景及</a:t>
+            </a:r>
+            <a:r>
+              <a:rPr lang="zh-CN" altLang="en-US" dirty="0" smtClean="0"/>
+              <a:t>意义</a:t>
+            </a:r>
+            <a:endParaRPr lang="zh-CN" altLang="en-US" dirty="0"/>
+          </a:p>
+        </p:txBody>
+      </p:sp>
+      <p:sp>
+        <p:nvSpPr>
+          <p:cNvPr id="3" name="内容占位符 2"/>
+          <p:cNvSpPr>
+            <a:spLocks noGrp="1"/>
+          </p:cNvSpPr>
+          <p:nvPr>
+            <p:ph sz="quarter" idx="1"/>
+          </p:nvPr>
+        </p:nvSpPr>
+        <p:spPr/>
+        <p:txBody>
+          <a:bodyPr>
+            <a:normAutofit/>
+          </a:bodyPr>
+          <a:lstStyle/>
+          <a:p>
+            <a:r>
+              <a:rPr lang="zh-CN" altLang="en-US" dirty="0" smtClean="0"/>
+              <a:t>国家互联网</a:t>
+            </a:r>
+            <a:r>
+              <a:rPr lang="en-US" altLang="zh-CN" dirty="0" smtClean="0"/>
+              <a:t>+</a:t>
+            </a:r>
+            <a:r>
+              <a:rPr lang="zh-CN" altLang="en-US" dirty="0" smtClean="0"/>
+              <a:t>概念的提出</a:t>
+            </a:r>
+            <a:endParaRPr lang="en-US" altLang="zh-CN" dirty="0" smtClean="0"/>
+          </a:p>
+          <a:p>
+            <a:r>
+              <a:rPr lang="zh-CN" altLang="en-US" dirty="0" smtClean="0"/>
+              <a:t>移动应用淘汰速度和生产速度太快</a:t>
+            </a:r>
+            <a:endParaRPr lang="en-US" altLang="zh-CN" dirty="0" smtClean="0"/>
+          </a:p>
+          <a:p>
+            <a:r>
+              <a:rPr lang="zh-CN" altLang="en-US" dirty="0" smtClean="0"/>
+              <a:t>热门时事话题更新速度快</a:t>
+            </a:r>
+            <a:endParaRPr lang="en-US" altLang="zh-CN" dirty="0" smtClean="0"/>
+          </a:p>
+          <a:p>
+            <a:r>
+              <a:rPr lang="zh-CN" altLang="en-US" dirty="0" smtClean="0"/>
+              <a:t>为移动应用提供公有性的数据交互服务</a:t>
+            </a:r>
+            <a:endParaRPr lang="en-US" altLang="zh-CN" dirty="0" smtClean="0"/>
+          </a:p>
+          <a:p>
+            <a:endParaRPr lang="en-US" altLang="zh-CN" dirty="0" smtClean="0"/>
+          </a:p>
+        </p:txBody>
+      </p:sp>
+      <p:sp>
+        <p:nvSpPr>
+          <p:cNvPr id="4" name="内容占位符 2"/>
+          <p:cNvSpPr txBox="1">
+            <a:spLocks/>
+          </p:cNvSpPr>
+          <p:nvPr/>
+        </p:nvSpPr>
+        <p:spPr>
+          <a:xfrm>
+            <a:off x="755576" y="3429000"/>
+            <a:ext cx="7772400" cy="2845296"/>
+          </a:xfrm>
+          <a:prstGeom prst="rect">
+            <a:avLst/>
+          </a:prstGeom>
+        </p:spPr>
+        <p:txBody>
+          <a:bodyPr vert="horz">
+            <a:normAutofit/>
+          </a:bodyPr>
+          <a:lstStyle/>
+          <a:p>
+            <a:pPr marL="274320" marR="0" lvl="0" indent="-274320" algn="l" defTabSz="914400" rtl="0" eaLnBrk="1" fontAlgn="auto" latinLnBrk="0" hangingPunct="1">
+              <a:lnSpc>
+                <a:spcPct val="100000"/>
+              </a:lnSpc>
+              <a:spcBef>
+                <a:spcPts val="580"/>
+              </a:spcBef>
+              <a:spcAft>
+                <a:spcPts val="0"/>
+              </a:spcAft>
+              <a:buClr>
+                <a:schemeClr val="accent1"/>
+              </a:buClr>
+              <a:buSzPct val="85000"/>
+              <a:buFont typeface="Wingdings 2"/>
+              <a:buNone/>
+              <a:tabLst/>
+              <a:defRPr/>
+            </a:pPr>
+            <a:r>
+              <a:rPr kumimoji="0" lang="zh-CN" altLang="en-US" sz="2600" b="0" i="0" u="none" strike="noStrike" kern="1200" cap="none" spc="0" normalizeH="0" baseline="0" noProof="0" dirty="0" smtClean="0">
+                <a:ln>
+                  <a:noFill/>
+                </a:ln>
+                <a:solidFill>
+                  <a:schemeClr val="tx1"/>
+                </a:solidFill>
+                <a:effectLst/>
+                <a:uLnTx/>
+                <a:uFillTx/>
+                <a:latin typeface="+mn-lt"/>
+                <a:ea typeface="+mn-ea"/>
+                <a:cs typeface="+mn-cs"/>
+              </a:rPr>
+              <a:t>为移动应用</a:t>
+            </a:r>
+            <a:r>
+              <a:rPr kumimoji="0" lang="zh-CN" altLang="en-US" sz="2600" b="1" i="0" u="none" strike="noStrike" kern="1200" cap="none" spc="0" normalizeH="0" baseline="0" noProof="0" dirty="0" smtClean="0">
+                <a:ln>
+                  <a:noFill/>
+                </a:ln>
+                <a:solidFill>
+                  <a:srgbClr val="FF0000"/>
+                </a:solidFill>
+                <a:effectLst/>
+                <a:uLnTx/>
+                <a:uFillTx/>
+                <a:latin typeface="+mn-lt"/>
+                <a:ea typeface="+mn-ea"/>
+                <a:cs typeface="+mn-cs"/>
+              </a:rPr>
+              <a:t>快速</a:t>
+            </a:r>
+            <a:r>
+              <a:rPr kumimoji="0" lang="zh-CN" altLang="en-US" sz="2600" b="0" i="0" u="none" strike="noStrike" kern="1200" cap="none" spc="0" normalizeH="0" baseline="0" noProof="0" dirty="0" smtClean="0">
+                <a:ln>
+                  <a:noFill/>
+                </a:ln>
+                <a:solidFill>
+                  <a:schemeClr val="tx1"/>
+                </a:solidFill>
+                <a:effectLst/>
+                <a:uLnTx/>
+                <a:uFillTx/>
+                <a:latin typeface="+mn-lt"/>
+                <a:ea typeface="+mn-ea"/>
+                <a:cs typeface="+mn-cs"/>
+              </a:rPr>
+              <a:t>解决数据交互的解决方案</a:t>
+            </a:r>
+            <a:endParaRPr kumimoji="0" lang="en-US" altLang="zh-CN" sz="2600" b="0" i="0" u="none" strike="noStrike" kern="1200" cap="none" spc="0" normalizeH="0" baseline="0" noProof="0" dirty="0" smtClean="0">
+              <a:ln>
+                <a:noFill/>
+              </a:ln>
+              <a:solidFill>
+                <a:schemeClr val="tx1"/>
+              </a:solidFill>
+              <a:effectLst/>
+              <a:uLnTx/>
+              <a:uFillTx/>
+              <a:latin typeface="+mn-lt"/>
+              <a:ea typeface="+mn-ea"/>
+              <a:cs typeface="+mn-cs"/>
+            </a:endParaRPr>
+          </a:p>
+          <a:p>
+            <a:pPr marL="274320" marR="0" lvl="0" indent="-274320" algn="l" defTabSz="914400" rtl="0" eaLnBrk="1" fontAlgn="auto" latinLnBrk="0" hangingPunct="1">
+              <a:lnSpc>
+                <a:spcPct val="100000"/>
+              </a:lnSpc>
+              <a:spcBef>
+                <a:spcPts val="580"/>
+              </a:spcBef>
+              <a:spcAft>
+                <a:spcPts val="0"/>
+              </a:spcAft>
+              <a:buClr>
+                <a:schemeClr val="accent1"/>
+              </a:buClr>
+              <a:buSzPct val="85000"/>
+              <a:buFont typeface="Wingdings 2"/>
+              <a:buChar char=""/>
+              <a:tabLst/>
+              <a:defRPr/>
+            </a:pPr>
+            <a:r>
+              <a:rPr kumimoji="0" lang="zh-CN" altLang="en-US" sz="2600" b="0" i="0" u="none" strike="noStrike" kern="1200" cap="none" spc="0" normalizeH="0" baseline="0" noProof="0" dirty="0" smtClean="0">
+                <a:ln>
+                  <a:noFill/>
+                </a:ln>
+                <a:solidFill>
+                  <a:schemeClr val="tx1"/>
+                </a:solidFill>
+                <a:effectLst/>
+                <a:uLnTx/>
+                <a:uFillTx/>
+                <a:latin typeface="+mn-lt"/>
+                <a:ea typeface="+mn-ea"/>
+                <a:cs typeface="+mn-cs"/>
+              </a:rPr>
+              <a:t>移动应用开发者可以</a:t>
+            </a:r>
+            <a:r>
+              <a:rPr kumimoji="0" lang="zh-CN" altLang="en-US" sz="2600" b="1" i="0" u="none" strike="noStrike" kern="1200" cap="none" spc="0" normalizeH="0" baseline="0" noProof="0" dirty="0" smtClean="0">
+                <a:ln>
+                  <a:noFill/>
+                </a:ln>
+                <a:solidFill>
+                  <a:srgbClr val="FF0000"/>
+                </a:solidFill>
+                <a:effectLst/>
+                <a:uLnTx/>
+                <a:uFillTx/>
+                <a:latin typeface="+mn-lt"/>
+                <a:ea typeface="+mn-ea"/>
+                <a:cs typeface="+mn-cs"/>
+              </a:rPr>
+              <a:t>不需要写代码</a:t>
+            </a:r>
+            <a:r>
+              <a:rPr kumimoji="0" lang="zh-CN" altLang="en-US" sz="2600" b="0" i="0" u="none" strike="noStrike" kern="1200" cap="none" spc="0" normalizeH="0" baseline="0" noProof="0" dirty="0" smtClean="0">
+                <a:ln>
+                  <a:noFill/>
+                </a:ln>
+                <a:solidFill>
+                  <a:schemeClr val="tx1"/>
+                </a:solidFill>
+                <a:effectLst/>
+                <a:uLnTx/>
+                <a:uFillTx/>
+                <a:latin typeface="+mn-lt"/>
+                <a:ea typeface="+mn-ea"/>
+                <a:cs typeface="+mn-cs"/>
+              </a:rPr>
+              <a:t>，快速生成数据交互接口</a:t>
+            </a:r>
+            <a:endParaRPr kumimoji="0" lang="en-US" altLang="zh-CN" sz="2600" b="0" i="0" u="none" strike="noStrike" kern="1200" cap="none" spc="0" normalizeH="0" baseline="0" noProof="0" dirty="0" smtClean="0">
+              <a:ln>
+                <a:noFill/>
+              </a:ln>
+              <a:solidFill>
+                <a:schemeClr val="tx1"/>
+              </a:solidFill>
+              <a:effectLst/>
+              <a:uLnTx/>
+              <a:uFillTx/>
+              <a:latin typeface="+mn-lt"/>
+              <a:ea typeface="+mn-ea"/>
+              <a:cs typeface="+mn-cs"/>
+            </a:endParaRPr>
+          </a:p>
+          <a:p>
+            <a:pPr marL="274320" marR="0" lvl="0" indent="-274320" algn="l" defTabSz="914400" rtl="0" eaLnBrk="1" fontAlgn="auto" latinLnBrk="0" hangingPunct="1">
+              <a:lnSpc>
+                <a:spcPct val="100000"/>
+              </a:lnSpc>
+              <a:spcBef>
+                <a:spcPts val="580"/>
+              </a:spcBef>
+              <a:spcAft>
+                <a:spcPts val="0"/>
+              </a:spcAft>
+              <a:buClr>
+                <a:schemeClr val="accent1"/>
+              </a:buClr>
+              <a:buSzPct val="85000"/>
+              <a:buFont typeface="Wingdings 2"/>
+              <a:buChar char=""/>
+              <a:tabLst/>
+              <a:defRPr/>
+            </a:pPr>
+            <a:r>
+              <a:rPr kumimoji="0" lang="zh-CN" altLang="en-US" sz="2600" b="0" i="0" u="none" strike="noStrike" kern="1200" cap="none" spc="0" normalizeH="0" baseline="0" noProof="0" dirty="0" smtClean="0">
+                <a:ln>
+                  <a:noFill/>
+                </a:ln>
+                <a:solidFill>
+                  <a:schemeClr val="tx1"/>
+                </a:solidFill>
+                <a:effectLst/>
+                <a:uLnTx/>
+                <a:uFillTx/>
+                <a:latin typeface="+mn-lt"/>
+                <a:ea typeface="+mn-ea"/>
+                <a:cs typeface="+mn-cs"/>
+              </a:rPr>
+              <a:t>快速集成到主流移动终端平台</a:t>
+            </a:r>
+            <a:endParaRPr kumimoji="0" lang="en-US" altLang="zh-CN" sz="2600" b="0" i="0" u="none" strike="noStrike" kern="1200" cap="none" spc="0" normalizeH="0" baseline="0" noProof="0" dirty="0" smtClean="0">
+              <a:ln>
+                <a:noFill/>
+              </a:ln>
+              <a:solidFill>
+                <a:schemeClr val="tx1"/>
+              </a:solidFill>
+              <a:effectLst/>
+              <a:uLnTx/>
+              <a:uFillTx/>
+              <a:latin typeface="+mn-lt"/>
+              <a:ea typeface="+mn-ea"/>
+              <a:cs typeface="+mn-cs"/>
+            </a:endParaRPr>
+          </a:p>
+          <a:p>
+            <a:pPr marL="274320" marR="0" lvl="0" indent="-274320" algn="l" defTabSz="914400" rtl="0" eaLnBrk="1" fontAlgn="auto" latinLnBrk="0" hangingPunct="1">
+              <a:lnSpc>
+                <a:spcPct val="100000"/>
+              </a:lnSpc>
+              <a:spcBef>
+                <a:spcPts val="580"/>
+              </a:spcBef>
+              <a:spcAft>
+                <a:spcPts val="0"/>
+              </a:spcAft>
+              <a:buClr>
+                <a:schemeClr val="accent1"/>
+              </a:buClr>
+              <a:buSzPct val="85000"/>
+              <a:buFont typeface="Wingdings 2"/>
+              <a:buChar char=""/>
+              <a:tabLst/>
+              <a:defRPr/>
+            </a:pPr>
+            <a:r>
+              <a:rPr kumimoji="0" lang="zh-CN" altLang="en-US" sz="2600" b="0" i="0" u="none" strike="noStrike" kern="1200" cap="none" spc="0" normalizeH="0" baseline="0" noProof="0" dirty="0" smtClean="0">
+                <a:ln>
+                  <a:noFill/>
+                </a:ln>
+                <a:solidFill>
+                  <a:schemeClr val="tx1"/>
+                </a:solidFill>
+                <a:effectLst/>
+                <a:uLnTx/>
+                <a:uFillTx/>
+                <a:latin typeface="+mn-lt"/>
+                <a:ea typeface="+mn-ea"/>
+                <a:cs typeface="+mn-cs"/>
+              </a:rPr>
+              <a:t>快速集成到主流移动开发模式</a:t>
+            </a:r>
+            <a:endParaRPr kumimoji="0" lang="en-US" altLang="zh-CN" sz="2600" b="0" i="0" u="none" strike="noStrike" kern="1200" cap="none" spc="0" normalizeH="0" baseline="0" noProof="0" dirty="0" smtClean="0">
+              <a:ln>
+                <a:noFill/>
+              </a:ln>
+              <a:solidFill>
+                <a:schemeClr val="tx1"/>
+              </a:solidFill>
+              <a:effectLst/>
+              <a:uLnTx/>
+              <a:uFillTx/>
+              <a:latin typeface="+mn-lt"/>
+              <a:ea typeface="+mn-ea"/>
+              <a:cs typeface="+mn-cs"/>
+            </a:endParaRPr>
+          </a:p>
+          <a:p>
+            <a:pPr marL="274320" marR="0" lvl="0" indent="-274320" algn="l" defTabSz="914400" rtl="0" eaLnBrk="1" fontAlgn="auto" latinLnBrk="0" hangingPunct="1">
+              <a:lnSpc>
+                <a:spcPct val="100000"/>
+              </a:lnSpc>
+              <a:spcBef>
+                <a:spcPts val="580"/>
+              </a:spcBef>
+              <a:spcAft>
+                <a:spcPts val="0"/>
+              </a:spcAft>
+              <a:buClr>
+                <a:schemeClr val="accent1"/>
+              </a:buClr>
+              <a:buSzPct val="85000"/>
+              <a:buFont typeface="Wingdings 2"/>
+              <a:buChar char=""/>
+              <a:tabLst/>
+              <a:defRPr/>
+            </a:pPr>
+            <a:r>
+              <a:rPr kumimoji="0" lang="zh-CN" altLang="en-US" sz="2600" b="0" i="0" u="none" strike="noStrike" kern="1200" cap="none" spc="0" normalizeH="0" baseline="0" noProof="0" dirty="0" smtClean="0">
+                <a:ln>
+                  <a:noFill/>
+                </a:ln>
+                <a:solidFill>
+                  <a:schemeClr val="tx1"/>
+                </a:solidFill>
+                <a:effectLst/>
+                <a:uLnTx/>
+                <a:uFillTx/>
+                <a:latin typeface="+mn-lt"/>
+                <a:ea typeface="+mn-ea"/>
+                <a:cs typeface="+mn-cs"/>
+              </a:rPr>
+              <a:t>低成本</a:t>
+            </a:r>
+            <a:endParaRPr kumimoji="0" lang="en-US" altLang="zh-CN" sz="2600" b="0" i="0" u="none" strike="noStrike" kern="1200" cap="none" spc="0" normalizeH="0" baseline="0" noProof="0" dirty="0" smtClean="0">
+              <a:ln>
+                <a:noFill/>
+              </a:ln>
+              <a:solidFill>
+                <a:schemeClr val="tx1"/>
+              </a:solidFill>
+              <a:effectLst/>
+              <a:uLnTx/>
+              <a:uFillTx/>
+              <a:latin typeface="+mn-lt"/>
+              <a:ea typeface="+mn-ea"/>
+              <a:cs typeface="+mn-cs"/>
+            </a:endParaRPr>
+          </a:p>
+        </p:txBody>
+      </p:sp>
+    </p:spTree>
+  </p:cSld>
+  <p:clrMapOvr>
+    <a:masterClrMapping/>
+  </p:clrMapOvr>
+  <p:timing>
+    <p:tnLst>
+      <p:par>
+        <p:cTn id="1" dur="indefinite" restart="never" nodeType="tmRoot">
+          <p:childTnLst>
+            <p:seq concurrent="1" nextAc="seek">
+              <p:cTn id="2" dur="indefinite" nodeType="mainSeq">
+                <p:childTnLst>
+                  <p:par>
+                    <p:cTn id="3" fill="hold">
+                      <p:stCondLst>
+                        <p:cond delay="indefinite"/>
+                      </p:stCondLst>
+                      <p:childTnLst>
+                        <p:par>
+                          <p:cTn id="4" fill="hold">
+                            <p:stCondLst>
+                              <p:cond delay="0"/>
+                            </p:stCondLst>
+                            <p:childTnLst>
+                              <p:par>
+                                <p:cTn id="5" presetID="2" presetClass="entr" presetSubtype="4" fill="hold" grpId="0" nodeType="clickEffect">
+                                  <p:stCondLst>
+                                    <p:cond delay="0"/>
+                                  </p:stCondLst>
+                                  <p:childTnLst>
+                                    <p:set>
+                                      <p:cBhvr>
+                                        <p:cTn id="6" dur="1" fill="hold">
+                                          <p:stCondLst>
+                                            <p:cond delay="0"/>
+                                          </p:stCondLst>
+                                        </p:cTn>
+                                        <p:tgtEl>
+                                          <p:spTgt spid="4"/>
+                                        </p:tgtEl>
+                                        <p:attrNameLst>
+                                          <p:attrName>style.visibility</p:attrName>
+                                        </p:attrNameLst>
+                                      </p:cBhvr>
+                                      <p:to>
+                                        <p:strVal val="visible"/>
+                                      </p:to>
+                                    </p:set>
+                                    <p:anim calcmode="lin" valueType="num">
+                                      <p:cBhvr additive="base">
+                                        <p:cTn id="7" dur="500" fill="hold"/>
+                                        <p:tgtEl>
+                                          <p:spTgt spid="4"/>
+                                        </p:tgtEl>
+                                        <p:attrNameLst>
+                                          <p:attrName>ppt_x</p:attrName>
+                                        </p:attrNameLst>
+                                      </p:cBhvr>
+                                      <p:tavLst>
+                                        <p:tav tm="0">
+                                          <p:val>
+                                            <p:strVal val="#ppt_x"/>
+                                          </p:val>
+                                        </p:tav>
+                                        <p:tav tm="100000">
+                                          <p:val>
+                                            <p:strVal val="#ppt_x"/>
+                                          </p:val>
+                                        </p:tav>
+                                      </p:tavLst>
+                                    </p:anim>
+                                    <p:anim calcmode="lin" valueType="num">
+                                      <p:cBhvr additive="base">
+                                        <p:cTn id="8" dur="500" fill="hold"/>
+                                        <p:tgtEl>
+                                          <p:spTgt spid="4"/>
+                                        </p:tgtEl>
+                                        <p:attrNameLst>
+                                          <p:attrName>ppt_y</p:attrName>
+                                        </p:attrNameLst>
+                                      </p:cBhvr>
+                                      <p:tavLst>
+                                        <p:tav tm="0">
+                                          <p:val>
+                                            <p:strVal val="1+#ppt_h/2"/>
+                                          </p:val>
+                                        </p:tav>
+                                        <p:tav tm="100000">
+                                          <p:val>
+                                            <p:strVal val="#ppt_y"/>
+                                          </p:val>
+                                        </p:tav>
+                                      </p:tavLst>
+                                    </p:anim>
+                                  </p:childTnLst>
+                                </p:cTn>
+                              </p:par>
+                            </p:childTnLst>
+                          </p:cTn>
+                        </p:par>
+                      </p:childTnLst>
+                    </p:cTn>
+                  </p:par>
+                </p:childTnLst>
+              </p:cTn>
+              <p:prevCondLst>
+                <p:cond evt="onPrev" delay="0">
+                  <p:tgtEl>
+                    <p:sldTgt/>
+                  </p:tgtEl>
+                </p:cond>
+              </p:prevCondLst>
+              <p:nextCondLst>
+                <p:cond evt="onNext" delay="0">
+                  <p:tgtEl>
+                    <p:sldTgt/>
+                  </p:tgtEl>
+                </p:cond>
+              </p:nextCondLst>
+            </p:seq>
+          </p:childTnLst>
+        </p:cTn>
+      </p:par>
+    </p:tnLst>
+    <p:bldLst>
+      <p:bldP spid="4" grpId="0"/>
+    </p:bldLst>
+  </p:timing>
+</p:sld>
+</file>
+
+<file path=ppt/slides/slide20.xml><?xml version="1.0" encoding="utf-8"?>
+<p:sld xmlns:a="http://schemas.openxmlformats.org/drawingml/2006/main" xmlns:r="http://schemas.openxmlformats.org/officeDocument/2006/relationships" xmlns:p="http://schemas.openxmlformats.org/presentationml/2006/main">
+  <p:cSld>
+    <p:spTree>
+      <p:nvGrpSpPr>
+        <p:cNvPr id="1" name=""/>
+        <p:cNvGrpSpPr/>
+        <p:nvPr/>
+      </p:nvGrpSpPr>
+      <p:grpSpPr>
+        <a:xfrm>
+          <a:off x="0" y="0"/>
+          <a:ext cx="0" cy="0"/>
+          <a:chOff x="0" y="0"/>
+          <a:chExt cx="0" cy="0"/>
+        </a:xfrm>
+      </p:grpSpPr>
+      <p:sp>
+        <p:nvSpPr>
+          <p:cNvPr id="2" name="标题 1"/>
+          <p:cNvSpPr>
+            <a:spLocks noGrp="1"/>
+          </p:cNvSpPr>
+          <p:nvPr>
+            <p:ph type="title"/>
+          </p:nvPr>
+        </p:nvSpPr>
+        <p:spPr/>
+        <p:txBody>
+          <a:bodyPr>
+            <a:normAutofit fontScale="90000"/>
+          </a:bodyPr>
+          <a:lstStyle/>
+          <a:p>
+            <a:r>
+              <a:rPr lang="zh-CN" altLang="en-US" dirty="0" smtClean="0"/>
+              <a:t>总结</a:t>
+            </a:r>
+            <a:r>
+              <a:rPr lang="en-US" altLang="zh-CN" dirty="0" smtClean="0"/>
+              <a:t>-</a:t>
+            </a:r>
+            <a:r>
+              <a:rPr lang="zh-CN" altLang="en-US" dirty="0" smtClean="0"/>
+              <a:t>移动</a:t>
+            </a:r>
+            <a:r>
+              <a:rPr lang="zh-CN" altLang="en-US" dirty="0" smtClean="0"/>
+              <a:t>应用数据交互</a:t>
+            </a:r>
+            <a:r>
+              <a:rPr lang="zh-CN" altLang="en-US" dirty="0" smtClean="0"/>
+              <a:t>组件的优点</a:t>
+            </a:r>
+            <a:endParaRPr lang="zh-CN" altLang="en-US" dirty="0"/>
+          </a:p>
+        </p:txBody>
+      </p:sp>
+      <p:sp>
+        <p:nvSpPr>
+          <p:cNvPr id="3" name="内容占位符 2"/>
+          <p:cNvSpPr>
+            <a:spLocks noGrp="1"/>
+          </p:cNvSpPr>
+          <p:nvPr>
+            <p:ph sz="quarter" idx="1"/>
+          </p:nvPr>
+        </p:nvSpPr>
+        <p:spPr/>
+        <p:txBody>
+          <a:bodyPr>
+            <a:normAutofit/>
+          </a:bodyPr>
+          <a:lstStyle/>
+          <a:p>
+            <a:r>
+              <a:rPr lang="zh-CN" altLang="en-US" b="1" dirty="0" smtClean="0">
+                <a:solidFill>
+                  <a:srgbClr val="FF0000"/>
+                </a:solidFill>
+              </a:rPr>
+              <a:t>本地化存储</a:t>
+            </a:r>
+            <a:r>
+              <a:rPr lang="zh-CN" altLang="en-US" dirty="0" smtClean="0"/>
+              <a:t>到手机的</a:t>
+            </a:r>
+            <a:r>
+              <a:rPr lang="en-US" altLang="zh-CN" dirty="0" err="1" smtClean="0"/>
+              <a:t>Sqlite</a:t>
+            </a:r>
+            <a:r>
+              <a:rPr lang="zh-CN" altLang="en-US" dirty="0" smtClean="0"/>
+              <a:t>或者</a:t>
+            </a:r>
+            <a:r>
+              <a:rPr lang="en-US" altLang="zh-CN" dirty="0" smtClean="0"/>
+              <a:t>HTML5</a:t>
+            </a:r>
+            <a:r>
+              <a:rPr lang="zh-CN" altLang="en-US" dirty="0" smtClean="0"/>
+              <a:t>的</a:t>
+            </a:r>
+            <a:r>
+              <a:rPr lang="en-US" altLang="zh-CN" dirty="0" err="1" smtClean="0"/>
+              <a:t>LocalStorage</a:t>
+            </a:r>
+            <a:endParaRPr lang="en-US" altLang="zh-CN" dirty="0" smtClean="0"/>
+          </a:p>
+          <a:p>
+            <a:r>
+              <a:rPr lang="zh-CN" altLang="en-US" dirty="0" smtClean="0"/>
+              <a:t>安全稳定的远程</a:t>
+            </a:r>
+            <a:r>
+              <a:rPr lang="zh-CN" altLang="en-US" b="1" dirty="0" smtClean="0">
+                <a:solidFill>
+                  <a:srgbClr val="FF0000"/>
+                </a:solidFill>
+              </a:rPr>
+              <a:t>网络请求</a:t>
+            </a:r>
+            <a:r>
+              <a:rPr lang="zh-CN" altLang="en-US" dirty="0" smtClean="0"/>
+              <a:t>并解析为数据对象</a:t>
+            </a:r>
+            <a:endParaRPr lang="en-US" altLang="zh-CN" dirty="0" smtClean="0"/>
+          </a:p>
+          <a:p>
+            <a:r>
+              <a:rPr lang="zh-CN" altLang="en-US" dirty="0" smtClean="0">
+                <a:solidFill>
+                  <a:srgbClr val="0070C0"/>
+                </a:solidFill>
+              </a:rPr>
+              <a:t>自动生成</a:t>
+            </a:r>
+            <a:r>
+              <a:rPr lang="zh-CN" altLang="en-US" dirty="0" smtClean="0"/>
+              <a:t>相关字段的</a:t>
+            </a:r>
+            <a:r>
+              <a:rPr lang="zh-CN" altLang="en-US" dirty="0" smtClean="0">
+                <a:solidFill>
+                  <a:srgbClr val="0070C0"/>
+                </a:solidFill>
+              </a:rPr>
+              <a:t>业务数据对象</a:t>
+            </a:r>
+            <a:r>
+              <a:rPr lang="zh-CN" altLang="en-US" dirty="0" smtClean="0"/>
+              <a:t>，便于开发者基于面向对象进行核心代码的研发</a:t>
+            </a:r>
+            <a:endParaRPr lang="en-US" altLang="zh-CN" dirty="0" smtClean="0"/>
+          </a:p>
+          <a:p>
+            <a:r>
+              <a:rPr lang="zh-CN" altLang="en-US" dirty="0" smtClean="0">
+                <a:solidFill>
+                  <a:srgbClr val="0070C0"/>
+                </a:solidFill>
+              </a:rPr>
+              <a:t>自动生成</a:t>
+            </a:r>
+            <a:r>
+              <a:rPr lang="zh-CN" altLang="en-US" dirty="0" smtClean="0"/>
+              <a:t>相关字段的</a:t>
+            </a:r>
+            <a:r>
+              <a:rPr lang="zh-CN" altLang="en-US" dirty="0" smtClean="0">
+                <a:solidFill>
+                  <a:srgbClr val="0070C0"/>
+                </a:solidFill>
+              </a:rPr>
+              <a:t>数据访问对象</a:t>
+            </a:r>
+            <a:r>
+              <a:rPr lang="zh-CN" altLang="en-US" dirty="0" smtClean="0"/>
+              <a:t>以及数据库表，便于直接获取相关数据</a:t>
+            </a:r>
+            <a:endParaRPr lang="en-US" altLang="zh-CN" dirty="0" smtClean="0"/>
+          </a:p>
+          <a:p>
+            <a:r>
+              <a:rPr lang="zh-CN" altLang="en-US" dirty="0" smtClean="0">
+                <a:solidFill>
+                  <a:srgbClr val="0070C0"/>
+                </a:solidFill>
+              </a:rPr>
+              <a:t>自动生成</a:t>
+            </a:r>
+            <a:r>
+              <a:rPr lang="zh-CN" altLang="en-US" dirty="0" smtClean="0"/>
+              <a:t>相关的</a:t>
+            </a:r>
+            <a:r>
+              <a:rPr lang="zh-CN" altLang="en-US" dirty="0" smtClean="0">
+                <a:solidFill>
+                  <a:srgbClr val="0070C0"/>
+                </a:solidFill>
+              </a:rPr>
+              <a:t>远程数据加载对象</a:t>
+            </a:r>
+            <a:endParaRPr lang="en-US" altLang="zh-CN" dirty="0" smtClean="0">
+              <a:solidFill>
+                <a:srgbClr val="0070C0"/>
+              </a:solidFill>
+            </a:endParaRPr>
+          </a:p>
+          <a:p>
+            <a:r>
+              <a:rPr lang="zh-CN" altLang="en-US" dirty="0" smtClean="0"/>
+              <a:t>基于可继承性和可二次开发的原则</a:t>
+            </a:r>
+            <a:endParaRPr lang="en-US" altLang="zh-CN" dirty="0" smtClean="0"/>
+          </a:p>
+          <a:p>
+            <a:endParaRPr lang="en-US" altLang="zh-CN" dirty="0" smtClean="0"/>
+          </a:p>
+          <a:p>
+            <a:endParaRPr lang="en-US" altLang="zh-CN" dirty="0" smtClean="0"/>
+          </a:p>
+          <a:p>
+            <a:endParaRPr lang="en-US" altLang="zh-CN" dirty="0" smtClean="0"/>
+          </a:p>
+          <a:p>
+            <a:endParaRPr lang="en-US" altLang="zh-CN" dirty="0" smtClean="0"/>
+          </a:p>
+          <a:p>
+            <a:endParaRPr lang="en-US" altLang="zh-CN" dirty="0" smtClean="0"/>
+          </a:p>
+        </p:txBody>
+      </p:sp>
+      <p:sp>
+        <p:nvSpPr>
+          <p:cNvPr id="7170" name="Rectangle 2"/>
+          <p:cNvSpPr>
+            <a:spLocks noChangeArrowheads="1"/>
+          </p:cNvSpPr>
+          <p:nvPr/>
+        </p:nvSpPr>
+        <p:spPr bwMode="auto">
+          <a:xfrm>
+            <a:off x="0" y="0"/>
+            <a:ext cx="9144000" cy="0"/>
+          </a:xfrm>
+          <a:prstGeom prst="rect">
+            <a:avLst/>
+          </a:prstGeom>
+          <a:noFill/>
+          <a:ln w="9525">
+            <a:noFill/>
+            <a:miter lim="800000"/>
+            <a:headEnd/>
+            <a:tailEnd/>
+          </a:ln>
+          <a:effectLst/>
+        </p:spPr>
+        <p:txBody>
+          <a:bodyPr vert="horz" wrap="none" lIns="91440" tIns="45720" rIns="91440" bIns="45720" numCol="1" anchor="ctr" anchorCtr="0" compatLnSpc="1">
+            <a:prstTxWarp prst="textNoShape">
+              <a:avLst/>
+            </a:prstTxWarp>
+            <a:spAutoFit/>
+          </a:bodyPr>
+          <a:lstStyle/>
+          <a:p>
+            <a:endParaRPr lang="zh-CN" altLang="en-US"/>
+          </a:p>
+        </p:txBody>
+      </p:sp>
+    </p:spTree>
+  </p:cSld>
+  <p:clrMapOvr>
+    <a:masterClrMapping/>
+  </p:clrMapOvr>
+  <p:timing>
+    <p:tnLst>
+      <p:par>
+        <p:cTn id="1" dur="indefinite" restart="never" nodeType="tmRoot"/>
+      </p:par>
+    </p:tnLst>
+  </p:timing>
+</p:sld>
+</file>
+
+<file path=ppt/slides/slide21.xml><?xml version="1.0" encoding="utf-8"?>
+<p:sld xmlns:a="http://schemas.openxmlformats.org/drawingml/2006/main" xmlns:r="http://schemas.openxmlformats.org/officeDocument/2006/relationships" xmlns:p="http://schemas.openxmlformats.org/presentationml/2006/main">
+  <p:cSld>
+    <p:spTree>
+      <p:nvGrpSpPr>
+        <p:cNvPr id="1" name=""/>
+        <p:cNvGrpSpPr/>
+        <p:nvPr/>
+      </p:nvGrpSpPr>
+      <p:grpSpPr>
+        <a:xfrm>
+          <a:off x="0" y="0"/>
+          <a:ext cx="0" cy="0"/>
+          <a:chOff x="0" y="0"/>
+          <a:chExt cx="0" cy="0"/>
+        </a:xfrm>
+      </p:grpSpPr>
+      <p:sp>
+        <p:nvSpPr>
+          <p:cNvPr id="2" name="标题 1"/>
+          <p:cNvSpPr>
+            <a:spLocks noGrp="1"/>
+          </p:cNvSpPr>
+          <p:nvPr>
+            <p:ph type="title"/>
+          </p:nvPr>
+        </p:nvSpPr>
+        <p:spPr/>
+        <p:txBody>
+          <a:bodyPr/>
+          <a:lstStyle/>
+          <a:p>
+            <a:r>
+              <a:rPr lang="zh-CN" altLang="en-US" dirty="0" smtClean="0"/>
+              <a:t>未来展望</a:t>
+            </a:r>
+            <a:endParaRPr lang="zh-CN" altLang="en-US" dirty="0"/>
+          </a:p>
+        </p:txBody>
+      </p:sp>
+      <p:sp>
+        <p:nvSpPr>
+          <p:cNvPr id="3" name="内容占位符 2"/>
+          <p:cNvSpPr>
+            <a:spLocks noGrp="1"/>
+          </p:cNvSpPr>
+          <p:nvPr>
+            <p:ph sz="quarter" idx="1"/>
+          </p:nvPr>
+        </p:nvSpPr>
+        <p:spPr/>
+        <p:txBody>
+          <a:bodyPr/>
+          <a:lstStyle/>
+          <a:p>
+            <a:r>
+              <a:rPr lang="zh-CN" altLang="en-US" dirty="0" smtClean="0"/>
+              <a:t>直接以公有云的数据交互服务平台的方式为各种需要数据交互服务的</a:t>
+            </a:r>
+            <a:r>
+              <a:rPr lang="en-US" altLang="zh-CN" dirty="0" smtClean="0"/>
+              <a:t>APP</a:t>
+            </a:r>
+            <a:r>
+              <a:rPr lang="zh-CN" altLang="en-US" dirty="0" smtClean="0"/>
+              <a:t>以建立商业模式。</a:t>
+            </a:r>
+            <a:endParaRPr lang="en-US" altLang="zh-CN" dirty="0" smtClean="0"/>
+          </a:p>
+          <a:p>
+            <a:r>
+              <a:rPr lang="zh-CN" altLang="en-US" dirty="0" smtClean="0"/>
+              <a:t>一键生成</a:t>
+            </a:r>
+            <a:r>
+              <a:rPr lang="en-US" altLang="zh-CN" dirty="0" smtClean="0"/>
+              <a:t>APP</a:t>
+            </a:r>
+            <a:r>
+              <a:rPr lang="zh-CN" altLang="en-US" dirty="0" smtClean="0"/>
+              <a:t>，为非技术的移动应用创业者提供支持，只需要设计业务对象和录入数据即可。</a:t>
+            </a:r>
+            <a:endParaRPr lang="zh-CN" altLang="en-US" dirty="0"/>
+          </a:p>
+        </p:txBody>
+      </p:sp>
+    </p:spTree>
+  </p:cSld>
+  <p:clrMapOvr>
+    <a:masterClrMapping/>
+  </p:clrMapOvr>
+  <p:timing>
+    <p:tnLst>
+      <p:par>
+        <p:cTn id="1" dur="indefinite" restart="never" nodeType="tmRoot"/>
+      </p:par>
+    </p:tnLst>
+  </p:timing>
+</p:sld>
+</file>
+
+<file path=ppt/slides/slide22.xml><?xml version="1.0" encoding="utf-8"?>
+<p:sld xmlns:a="http://schemas.openxmlformats.org/drawingml/2006/main" xmlns:r="http://schemas.openxmlformats.org/officeDocument/2006/relationships" xmlns:p="http://schemas.openxmlformats.org/presentationml/2006/main">
+  <p:cSld>
+    <p:spTree>
+      <p:nvGrpSpPr>
+        <p:cNvPr id="1" name=""/>
+        <p:cNvGrpSpPr/>
+        <p:nvPr/>
+      </p:nvGrpSpPr>
+      <p:grpSpPr>
+        <a:xfrm>
+          <a:off x="0" y="0"/>
+          <a:ext cx="0" cy="0"/>
+          <a:chOff x="0" y="0"/>
+          <a:chExt cx="0" cy="0"/>
+        </a:xfrm>
+      </p:grpSpPr>
+      <p:sp>
+        <p:nvSpPr>
+          <p:cNvPr id="2" name="标题 1"/>
+          <p:cNvSpPr>
+            <a:spLocks noGrp="1"/>
+          </p:cNvSpPr>
+          <p:nvPr>
+            <p:ph type="title"/>
+          </p:nvPr>
+        </p:nvSpPr>
+        <p:spPr>
+          <a:xfrm>
+            <a:off x="928662" y="1142984"/>
+            <a:ext cx="7772400" cy="1143000"/>
+          </a:xfrm>
+        </p:spPr>
+        <p:txBody>
+          <a:bodyPr/>
+          <a:lstStyle/>
+          <a:p>
+            <a:pPr algn="ctr"/>
+            <a:r>
+              <a:rPr lang="zh-CN" altLang="en-US" dirty="0" smtClean="0"/>
+              <a:t>谢谢</a:t>
+            </a:r>
+            <a:endParaRPr lang="zh-CN" altLang="en-US" dirty="0"/>
+          </a:p>
+        </p:txBody>
+      </p:sp>
+      <p:sp>
+        <p:nvSpPr>
+          <p:cNvPr id="3" name="内容占位符 2"/>
+          <p:cNvSpPr>
+            <a:spLocks noGrp="1"/>
+          </p:cNvSpPr>
+          <p:nvPr>
+            <p:ph sz="quarter" idx="1"/>
+          </p:nvPr>
+        </p:nvSpPr>
+        <p:spPr>
+          <a:xfrm>
+            <a:off x="928662" y="3214686"/>
+            <a:ext cx="7772400" cy="3071834"/>
+          </a:xfrm>
+        </p:spPr>
+        <p:txBody>
+          <a:bodyPr/>
+          <a:lstStyle/>
+          <a:p>
+            <a:r>
+              <a:rPr lang="zh-CN" altLang="en-US" dirty="0" smtClean="0"/>
+              <a:t>感谢朱映映导师</a:t>
+            </a:r>
+            <a:endParaRPr lang="en-US" altLang="zh-CN" dirty="0" smtClean="0"/>
+          </a:p>
+          <a:p>
+            <a:r>
+              <a:rPr lang="zh-CN" altLang="en-US" dirty="0" smtClean="0"/>
+              <a:t>感谢使用此系统开发者提供的建议</a:t>
+            </a:r>
+            <a:endParaRPr lang="en-US" altLang="zh-CN" dirty="0" smtClean="0"/>
+          </a:p>
+          <a:p>
+            <a:r>
+              <a:rPr lang="zh-CN" altLang="en-US" dirty="0" smtClean="0"/>
+              <a:t>感谢使用此系统的用户提出的宝贵建议和测试</a:t>
+            </a:r>
+            <a:endParaRPr lang="zh-CN" altLang="en-US" dirty="0"/>
+          </a:p>
+        </p:txBody>
+      </p:sp>
+    </p:spTree>
+  </p:cSld>
+  <p:clrMapOvr>
+    <a:masterClrMapping/>
+  </p:clrMapOvr>
+  <p:timing>
+    <p:tnLst>
+      <p:par>
+        <p:cTn id="1" dur="indefinite" restart="never" nodeType="tmRoot"/>
+      </p:par>
+    </p:tnLst>
+  </p:timing>
+</p:sld>
+</file>
+
+<file path=ppt/slides/slide3.xml><?xml version="1.0" encoding="utf-8"?>
+<p:sld xmlns:a="http://schemas.openxmlformats.org/drawingml/2006/main" xmlns:r="http://schemas.openxmlformats.org/officeDocument/2006/relationships" xmlns:p="http://schemas.openxmlformats.org/presentationml/2006/main">
+  <p:cSld>
+    <p:spTree>
+      <p:nvGrpSpPr>
+        <p:cNvPr id="1" name=""/>
+        <p:cNvGrpSpPr/>
+        <p:nvPr/>
+      </p:nvGrpSpPr>
+      <p:grpSpPr>
+        <a:xfrm>
+          <a:off x="0" y="0"/>
+          <a:ext cx="0" cy="0"/>
+          <a:chOff x="0" y="0"/>
+          <a:chExt cx="0" cy="0"/>
+        </a:xfrm>
+      </p:grpSpPr>
+      <p:sp>
+        <p:nvSpPr>
+          <p:cNvPr id="2" name="标题 1"/>
+          <p:cNvSpPr>
+            <a:spLocks noGrp="1"/>
+          </p:cNvSpPr>
+          <p:nvPr>
+            <p:ph type="title"/>
+          </p:nvPr>
+        </p:nvSpPr>
+        <p:spPr/>
+        <p:txBody>
+          <a:bodyPr/>
+          <a:lstStyle/>
+          <a:p>
+            <a:r>
+              <a:rPr lang="zh-CN" altLang="en-US" dirty="0" smtClean="0"/>
+              <a:t>研究内容</a:t>
+            </a:r>
+            <a:endParaRPr lang="zh-CN" altLang="en-US" dirty="0"/>
+          </a:p>
+        </p:txBody>
+      </p:sp>
+      <p:sp>
+        <p:nvSpPr>
+          <p:cNvPr id="3" name="内容占位符 2"/>
+          <p:cNvSpPr>
+            <a:spLocks noGrp="1"/>
+          </p:cNvSpPr>
+          <p:nvPr>
+            <p:ph sz="quarter" idx="1"/>
+          </p:nvPr>
+        </p:nvSpPr>
+        <p:spPr/>
+        <p:txBody>
+          <a:bodyPr>
+            <a:normAutofit/>
+          </a:bodyPr>
+          <a:lstStyle/>
+          <a:p>
+            <a:r>
+              <a:rPr lang="zh-CN" altLang="en-US" dirty="0" smtClean="0"/>
+              <a:t>数据交互</a:t>
+            </a:r>
+            <a:r>
+              <a:rPr lang="zh-CN" altLang="en-US" dirty="0" smtClean="0"/>
+              <a:t>服务</a:t>
+            </a:r>
+            <a:r>
+              <a:rPr lang="zh-CN" altLang="en-US" dirty="0" smtClean="0"/>
+              <a:t>管理系统</a:t>
+            </a:r>
+            <a:endParaRPr lang="en-US" altLang="zh-CN" dirty="0" smtClean="0"/>
+          </a:p>
+          <a:p>
+            <a:pPr lvl="1">
+              <a:buNone/>
+            </a:pPr>
+            <a:r>
+              <a:rPr lang="zh-CN" altLang="en-US" sz="1800" b="1" dirty="0" smtClean="0">
+                <a:solidFill>
+                  <a:srgbClr val="0070C0"/>
+                </a:solidFill>
+              </a:rPr>
+              <a:t>根据</a:t>
+            </a:r>
+            <a:r>
+              <a:rPr lang="en-US" altLang="zh-CN" sz="1800" b="1" dirty="0" smtClean="0">
+                <a:solidFill>
+                  <a:srgbClr val="0070C0"/>
+                </a:solidFill>
+              </a:rPr>
+              <a:t>XML</a:t>
+            </a:r>
+            <a:r>
+              <a:rPr lang="zh-CN" altLang="en-US" sz="1800" b="1" dirty="0" smtClean="0">
+                <a:solidFill>
+                  <a:srgbClr val="0070C0"/>
+                </a:solidFill>
+              </a:rPr>
+              <a:t>格式业务模型自动生成内容管理系统</a:t>
+            </a:r>
+            <a:endParaRPr lang="en-US" altLang="zh-CN" sz="1800" b="1" dirty="0" smtClean="0">
+              <a:solidFill>
+                <a:srgbClr val="0070C0"/>
+              </a:solidFill>
+            </a:endParaRPr>
+          </a:p>
+          <a:p>
+            <a:pPr lvl="1">
+              <a:buNone/>
+            </a:pPr>
+            <a:r>
+              <a:rPr lang="zh-CN" altLang="en-US" sz="1800" b="1" dirty="0" smtClean="0">
+                <a:solidFill>
+                  <a:srgbClr val="0070C0"/>
+                </a:solidFill>
+              </a:rPr>
+              <a:t>内容管理系统供用户录入数据</a:t>
+            </a:r>
+            <a:endParaRPr lang="en-US" altLang="zh-CN" sz="1800" b="1" dirty="0" smtClean="0">
+              <a:solidFill>
+                <a:srgbClr val="0070C0"/>
+              </a:solidFill>
+            </a:endParaRPr>
+          </a:p>
+          <a:p>
+            <a:pPr lvl="1">
+              <a:buNone/>
+            </a:pPr>
+            <a:r>
+              <a:rPr lang="zh-CN" altLang="en-US" sz="1800" b="1" dirty="0" smtClean="0">
+                <a:solidFill>
+                  <a:srgbClr val="0070C0"/>
+                </a:solidFill>
+              </a:rPr>
+              <a:t>数据交互接口提供移动平台进入数据交互</a:t>
+            </a:r>
+            <a:endParaRPr lang="en-US" altLang="zh-CN" sz="1800" b="1" dirty="0" smtClean="0">
+              <a:solidFill>
+                <a:srgbClr val="0070C0"/>
+              </a:solidFill>
+            </a:endParaRPr>
+          </a:p>
+          <a:p>
+            <a:pPr lvl="1">
+              <a:buNone/>
+            </a:pPr>
+            <a:r>
+              <a:rPr lang="zh-CN" altLang="en-US" sz="1800" b="1" dirty="0" smtClean="0">
+                <a:solidFill>
+                  <a:srgbClr val="0070C0"/>
+                </a:solidFill>
+              </a:rPr>
+              <a:t>自动生成相关平台的数据交互开发包</a:t>
+            </a:r>
+            <a:endParaRPr lang="en-US" altLang="zh-CN" sz="1800" b="1" dirty="0" smtClean="0">
+              <a:solidFill>
+                <a:srgbClr val="0070C0"/>
+              </a:solidFill>
+            </a:endParaRPr>
+          </a:p>
+          <a:p>
+            <a:pPr lvl="1">
+              <a:buNone/>
+            </a:pPr>
+            <a:endParaRPr lang="en-US" altLang="zh-CN" b="1" dirty="0" smtClean="0">
+              <a:solidFill>
+                <a:srgbClr val="0070C0"/>
+              </a:solidFill>
+            </a:endParaRPr>
+          </a:p>
+          <a:p>
+            <a:r>
+              <a:rPr lang="zh-CN" altLang="en-US" dirty="0" smtClean="0"/>
+              <a:t>移动应用数据交互组件</a:t>
+            </a:r>
+            <a:endParaRPr lang="en-US" altLang="zh-CN" dirty="0" smtClean="0"/>
+          </a:p>
+          <a:p>
+            <a:pPr lvl="1">
+              <a:buNone/>
+            </a:pPr>
+            <a:r>
+              <a:rPr lang="zh-CN" altLang="en-US" sz="1800" b="1" dirty="0" smtClean="0">
+                <a:solidFill>
+                  <a:srgbClr val="0070C0"/>
+                </a:solidFill>
+              </a:rPr>
+              <a:t>支持</a:t>
+            </a:r>
+            <a:r>
+              <a:rPr lang="en-US" altLang="zh-CN" sz="1800" b="1" dirty="0" smtClean="0">
+                <a:solidFill>
+                  <a:srgbClr val="0070C0"/>
+                </a:solidFill>
+              </a:rPr>
+              <a:t>Android</a:t>
+            </a:r>
+            <a:r>
+              <a:rPr lang="zh-CN" altLang="en-US" sz="1800" b="1" dirty="0" smtClean="0">
+                <a:solidFill>
+                  <a:srgbClr val="0070C0"/>
+                </a:solidFill>
+              </a:rPr>
+              <a:t>原生开发模式的</a:t>
+            </a:r>
+            <a:r>
+              <a:rPr lang="en-US" altLang="zh-CN" sz="1800" b="1" dirty="0" smtClean="0">
+                <a:solidFill>
+                  <a:srgbClr val="0070C0"/>
+                </a:solidFill>
+              </a:rPr>
+              <a:t>Jar</a:t>
+            </a:r>
+            <a:r>
+              <a:rPr lang="zh-CN" altLang="en-US" sz="1800" b="1" dirty="0" smtClean="0">
+                <a:solidFill>
+                  <a:srgbClr val="0070C0"/>
+                </a:solidFill>
+              </a:rPr>
+              <a:t>包引入</a:t>
+            </a:r>
+            <a:endParaRPr lang="en-US" altLang="zh-CN" sz="1800" b="1" dirty="0" smtClean="0">
+              <a:solidFill>
+                <a:srgbClr val="0070C0"/>
+              </a:solidFill>
+            </a:endParaRPr>
+          </a:p>
+          <a:p>
+            <a:pPr lvl="1">
+              <a:buNone/>
+            </a:pPr>
+            <a:r>
+              <a:rPr lang="zh-CN" altLang="en-US" sz="1800" b="1" dirty="0" smtClean="0">
+                <a:solidFill>
+                  <a:srgbClr val="0070C0"/>
+                </a:solidFill>
+              </a:rPr>
+              <a:t>支持</a:t>
+            </a:r>
+            <a:r>
+              <a:rPr lang="en-US" altLang="zh-CN" sz="1800" b="1" dirty="0" smtClean="0">
+                <a:solidFill>
+                  <a:srgbClr val="0070C0"/>
+                </a:solidFill>
+              </a:rPr>
+              <a:t>Cordova</a:t>
+            </a:r>
+            <a:r>
+              <a:rPr lang="zh-CN" altLang="en-US" sz="1800" b="1" dirty="0" smtClean="0">
+                <a:solidFill>
+                  <a:srgbClr val="0070C0"/>
+                </a:solidFill>
+              </a:rPr>
+              <a:t>混合开发模式的</a:t>
+            </a:r>
+            <a:r>
+              <a:rPr lang="en-US" altLang="zh-CN" sz="1800" b="1" dirty="0" smtClean="0">
+                <a:solidFill>
+                  <a:srgbClr val="0070C0"/>
+                </a:solidFill>
+              </a:rPr>
+              <a:t>JS</a:t>
+            </a:r>
+            <a:r>
+              <a:rPr lang="zh-CN" altLang="en-US" sz="1800" b="1" dirty="0" smtClean="0">
+                <a:solidFill>
+                  <a:srgbClr val="0070C0"/>
+                </a:solidFill>
+              </a:rPr>
+              <a:t>组件</a:t>
+            </a:r>
+            <a:r>
+              <a:rPr lang="zh-CN" altLang="en-US" sz="1800" b="1" dirty="0" smtClean="0">
+                <a:solidFill>
+                  <a:srgbClr val="0070C0"/>
+                </a:solidFill>
+              </a:rPr>
+              <a:t>引入</a:t>
+            </a:r>
+            <a:endParaRPr lang="en-US" altLang="zh-CN" dirty="0" smtClean="0"/>
+          </a:p>
+          <a:p>
+            <a:endParaRPr lang="en-US" altLang="zh-CN" dirty="0" smtClean="0"/>
+          </a:p>
+          <a:p>
+            <a:r>
+              <a:rPr lang="zh-CN" altLang="en-US" dirty="0" smtClean="0"/>
+              <a:t>辅助管理</a:t>
+            </a:r>
+            <a:r>
+              <a:rPr lang="zh-CN" altLang="en-US" dirty="0" smtClean="0"/>
+              <a:t>工具</a:t>
+            </a:r>
+            <a:endParaRPr lang="en-US" altLang="zh-CN" dirty="0" smtClean="0"/>
+          </a:p>
+        </p:txBody>
+      </p:sp>
+      <p:sp>
+        <p:nvSpPr>
+          <p:cNvPr id="7170" name="Rectangle 2"/>
+          <p:cNvSpPr>
+            <a:spLocks noChangeArrowheads="1"/>
+          </p:cNvSpPr>
+          <p:nvPr/>
+        </p:nvSpPr>
+        <p:spPr bwMode="auto">
+          <a:xfrm>
+            <a:off x="0" y="0"/>
+            <a:ext cx="9144000" cy="0"/>
+          </a:xfrm>
+          <a:prstGeom prst="rect">
+            <a:avLst/>
+          </a:prstGeom>
+          <a:noFill/>
+          <a:ln w="9525">
+            <a:noFill/>
+            <a:miter lim="800000"/>
+            <a:headEnd/>
+            <a:tailEnd/>
+          </a:ln>
+          <a:effectLst/>
+        </p:spPr>
+        <p:txBody>
+          <a:bodyPr vert="horz" wrap="none" lIns="91440" tIns="45720" rIns="91440" bIns="45720" numCol="1" anchor="ctr" anchorCtr="0" compatLnSpc="1">
+            <a:prstTxWarp prst="textNoShape">
+              <a:avLst/>
+            </a:prstTxWarp>
+            <a:spAutoFit/>
+          </a:bodyPr>
+          <a:lstStyle/>
+          <a:p>
+            <a:endParaRPr lang="zh-CN" altLang="en-US"/>
+          </a:p>
+        </p:txBody>
+      </p:sp>
+    </p:spTree>
+  </p:cSld>
+  <p:clrMapOvr>
+    <a:masterClrMapping/>
+  </p:clrMapOvr>
+  <p:timing>
+    <p:tnLst>
+      <p:par>
+        <p:cTn id="1" dur="indefinite" restart="never" nodeType="tmRoot"/>
+      </p:par>
+    </p:tnLst>
+  </p:timing>
+</p:sld>
+</file>
+
+<file path=ppt/slides/slide4.xml><?xml version="1.0" encoding="utf-8"?>
+<p:sld xmlns:a="http://schemas.openxmlformats.org/drawingml/2006/main" xmlns:r="http://schemas.openxmlformats.org/officeDocument/2006/relationships" xmlns:p="http://schemas.openxmlformats.org/presentationml/2006/main">
+  <p:cSld>
+    <p:spTree>
+      <p:nvGrpSpPr>
+        <p:cNvPr id="1" name=""/>
+        <p:cNvGrpSpPr/>
+        <p:nvPr/>
+      </p:nvGrpSpPr>
+      <p:grpSpPr>
+        <a:xfrm>
+          <a:off x="0" y="0"/>
+          <a:ext cx="0" cy="0"/>
+          <a:chOff x="0" y="0"/>
+          <a:chExt cx="0" cy="0"/>
+        </a:xfrm>
+      </p:grpSpPr>
+      <p:sp>
+        <p:nvSpPr>
+          <p:cNvPr id="2" name="标题 1"/>
+          <p:cNvSpPr>
+            <a:spLocks noGrp="1"/>
+          </p:cNvSpPr>
+          <p:nvPr>
+            <p:ph type="title"/>
+          </p:nvPr>
+        </p:nvSpPr>
+        <p:spPr/>
+        <p:txBody>
+          <a:bodyPr/>
+          <a:lstStyle/>
+          <a:p>
+            <a:r>
+              <a:rPr lang="zh-CN" altLang="en-US" dirty="0" smtClean="0"/>
+              <a:t>管理系统业务模块控制器对象</a:t>
+            </a:r>
+            <a:endParaRPr lang="zh-CN" altLang="en-US" dirty="0"/>
+          </a:p>
+        </p:txBody>
+      </p:sp>
+      <p:sp>
+        <p:nvSpPr>
+          <p:cNvPr id="7170" name="Rectangle 2"/>
+          <p:cNvSpPr>
+            <a:spLocks noChangeArrowheads="1"/>
+          </p:cNvSpPr>
+          <p:nvPr/>
+        </p:nvSpPr>
+        <p:spPr bwMode="auto">
+          <a:xfrm>
+            <a:off x="0" y="0"/>
+            <a:ext cx="9144000" cy="0"/>
+          </a:xfrm>
+          <a:prstGeom prst="rect">
+            <a:avLst/>
+          </a:prstGeom>
+          <a:noFill/>
+          <a:ln w="9525">
+            <a:noFill/>
+            <a:miter lim="800000"/>
+            <a:headEnd/>
+            <a:tailEnd/>
+          </a:ln>
+          <a:effectLst/>
+        </p:spPr>
+        <p:txBody>
+          <a:bodyPr vert="horz" wrap="none" lIns="91440" tIns="45720" rIns="91440" bIns="45720" numCol="1" anchor="ctr" anchorCtr="0" compatLnSpc="1">
+            <a:prstTxWarp prst="textNoShape">
+              <a:avLst/>
+            </a:prstTxWarp>
+            <a:spAutoFit/>
+          </a:bodyPr>
+          <a:lstStyle/>
+          <a:p>
+            <a:endParaRPr lang="zh-CN" altLang="en-US"/>
+          </a:p>
+        </p:txBody>
+      </p:sp>
+      <p:sp>
+        <p:nvSpPr>
+          <p:cNvPr id="1026" name="Rectangle 2"/>
+          <p:cNvSpPr>
+            <a:spLocks noChangeArrowheads="1"/>
+          </p:cNvSpPr>
+          <p:nvPr/>
+        </p:nvSpPr>
+        <p:spPr bwMode="auto">
+          <a:xfrm>
+            <a:off x="0" y="0"/>
+            <a:ext cx="9144000" cy="0"/>
+          </a:xfrm>
+          <a:prstGeom prst="rect">
+            <a:avLst/>
+          </a:prstGeom>
+          <a:noFill/>
+          <a:ln w="9525">
+            <a:noFill/>
+            <a:miter lim="800000"/>
+            <a:headEnd/>
+            <a:tailEnd/>
+          </a:ln>
+          <a:effectLst/>
+        </p:spPr>
+        <p:txBody>
+          <a:bodyPr vert="horz" wrap="none" lIns="91440" tIns="45720" rIns="91440" bIns="45720" numCol="1" anchor="ctr" anchorCtr="0" compatLnSpc="1">
+            <a:prstTxWarp prst="textNoShape">
+              <a:avLst/>
+            </a:prstTxWarp>
+            <a:spAutoFit/>
+          </a:bodyPr>
+          <a:lstStyle/>
+          <a:p>
+            <a:endParaRPr lang="zh-CN" altLang="en-US"/>
+          </a:p>
+        </p:txBody>
+      </p:sp>
+      <p:sp>
+        <p:nvSpPr>
+          <p:cNvPr id="1028" name="Rectangle 4"/>
+          <p:cNvSpPr>
+            <a:spLocks noChangeArrowheads="1"/>
+          </p:cNvSpPr>
+          <p:nvPr/>
+        </p:nvSpPr>
+        <p:spPr bwMode="auto">
+          <a:xfrm>
+            <a:off x="0" y="0"/>
+            <a:ext cx="9144000" cy="0"/>
+          </a:xfrm>
+          <a:prstGeom prst="rect">
+            <a:avLst/>
+          </a:prstGeom>
+          <a:noFill/>
+          <a:ln w="9525">
+            <a:noFill/>
+            <a:miter lim="800000"/>
+            <a:headEnd/>
+            <a:tailEnd/>
+          </a:ln>
+          <a:effectLst/>
+        </p:spPr>
+        <p:txBody>
+          <a:bodyPr vert="horz" wrap="none" lIns="91440" tIns="45720" rIns="91440" bIns="45720" numCol="1" anchor="ctr" anchorCtr="0" compatLnSpc="1">
+            <a:prstTxWarp prst="textNoShape">
+              <a:avLst/>
+            </a:prstTxWarp>
+            <a:spAutoFit/>
+          </a:bodyPr>
+          <a:lstStyle/>
+          <a:p>
+            <a:endParaRPr lang="zh-CN" altLang="en-US"/>
+          </a:p>
+        </p:txBody>
+      </p:sp>
+      <p:graphicFrame>
+        <p:nvGraphicFramePr>
+          <p:cNvPr id="1027" name="Object 3"/>
+          <p:cNvGraphicFramePr>
+            <a:graphicFrameLocks noChangeAspect="1"/>
+          </p:cNvGraphicFramePr>
+          <p:nvPr/>
+        </p:nvGraphicFramePr>
+        <p:xfrm>
+          <a:off x="1763688" y="908720"/>
+          <a:ext cx="4392488" cy="5339888"/>
+        </p:xfrm>
+        <a:graphic>
+          <a:graphicData uri="http://schemas.openxmlformats.org/presentationml/2006/ole">
+            <p:oleObj spid="_x0000_s1027" name="Visio" r:id="rId3" imgW="1942898" imgH="2358828" progId="Visio.Drawing.11">
+              <p:embed/>
+            </p:oleObj>
+          </a:graphicData>
+        </a:graphic>
+      </p:graphicFrame>
+    </p:spTree>
+  </p:cSld>
+  <p:clrMapOvr>
+    <a:masterClrMapping/>
+  </p:clrMapOvr>
+  <p:timing>
+    <p:tnLst>
+      <p:par>
+        <p:cTn id="1" dur="indefinite" restart="never" nodeType="tmRoot">
+          <p:childTnLst>
+            <p:seq concurrent="1" nextAc="seek">
+              <p:cTn id="2" dur="indefinite" nodeType="mainSeq">
+                <p:childTnLst>
+                  <p:par>
+                    <p:cTn id="3" fill="hold">
+                      <p:stCondLst>
+                        <p:cond delay="indefinite"/>
+                      </p:stCondLst>
+                      <p:childTnLst>
+                        <p:par>
+                          <p:cTn id="4" fill="hold">
+                            <p:stCondLst>
+                              <p:cond delay="0"/>
+                            </p:stCondLst>
+                            <p:childTnLst>
+                              <p:par>
+                                <p:cTn id="5" presetID="2" presetClass="exit" presetSubtype="4" fill="hold" nodeType="clickEffect">
+                                  <p:stCondLst>
+                                    <p:cond delay="0"/>
+                                  </p:stCondLst>
+                                  <p:childTnLst>
+                                    <p:anim calcmode="lin" valueType="num">
+                                      <p:cBhvr additive="base">
+                                        <p:cTn id="6" dur="500"/>
+                                        <p:tgtEl>
+                                          <p:spTgt spid="1027"/>
+                                        </p:tgtEl>
+                                        <p:attrNameLst>
+                                          <p:attrName>ppt_x</p:attrName>
+                                        </p:attrNameLst>
+                                      </p:cBhvr>
+                                      <p:tavLst>
+                                        <p:tav tm="0">
+                                          <p:val>
+                                            <p:strVal val="ppt_x"/>
+                                          </p:val>
+                                        </p:tav>
+                                        <p:tav tm="100000">
+                                          <p:val>
+                                            <p:strVal val="ppt_x"/>
+                                          </p:val>
+                                        </p:tav>
+                                      </p:tavLst>
+                                    </p:anim>
+                                    <p:anim calcmode="lin" valueType="num">
+                                      <p:cBhvr additive="base">
+                                        <p:cTn id="7" dur="500"/>
+                                        <p:tgtEl>
+                                          <p:spTgt spid="1027"/>
+                                        </p:tgtEl>
+                                        <p:attrNameLst>
+                                          <p:attrName>ppt_y</p:attrName>
+                                        </p:attrNameLst>
+                                      </p:cBhvr>
+                                      <p:tavLst>
+                                        <p:tav tm="0">
+                                          <p:val>
+                                            <p:strVal val="ppt_y"/>
+                                          </p:val>
+                                        </p:tav>
+                                        <p:tav tm="100000">
+                                          <p:val>
+                                            <p:strVal val="1+ppt_h/2"/>
+                                          </p:val>
+                                        </p:tav>
+                                      </p:tavLst>
+                                    </p:anim>
+                                    <p:set>
+                                      <p:cBhvr>
+                                        <p:cTn id="8" dur="1" fill="hold">
+                                          <p:stCondLst>
+                                            <p:cond delay="499"/>
+                                          </p:stCondLst>
+                                        </p:cTn>
+                                        <p:tgtEl>
+                                          <p:spTgt spid="1027"/>
+                                        </p:tgtEl>
+                                        <p:attrNameLst>
+                                          <p:attrName>style.visibility</p:attrName>
+                                        </p:attrNameLst>
+                                      </p:cBhvr>
+                                      <p:to>
+                                        <p:strVal val="hidden"/>
+                                      </p:to>
+                                    </p:set>
+                                  </p:childTnLst>
+                                </p:cTn>
+                              </p:par>
+                            </p:childTnLst>
+                          </p:cTn>
+                        </p:par>
+                      </p:childTnLst>
+                    </p:cTn>
+                  </p:par>
+                </p:childTnLst>
+              </p:cTn>
+              <p:prevCondLst>
+                <p:cond evt="onPrev" delay="0">
+                  <p:tgtEl>
+                    <p:sldTgt/>
+                  </p:tgtEl>
+                </p:cond>
+              </p:prevCondLst>
+              <p:nextCondLst>
+                <p:cond evt="onNext" delay="0">
+                  <p:tgtEl>
+                    <p:sldTgt/>
+                  </p:tgtEl>
+                </p:cond>
+              </p:nextCondLst>
+            </p:seq>
+          </p:childTnLst>
+        </p:cTn>
+      </p:par>
+    </p:tnLst>
+  </p:timing>
+</p:sld>
+</file>
+
+<file path=ppt/slides/slide5.xml><?xml version="1.0" encoding="utf-8"?>
+<p:sld xmlns:a="http://schemas.openxmlformats.org/drawingml/2006/main" xmlns:r="http://schemas.openxmlformats.org/officeDocument/2006/relationships" xmlns:p="http://schemas.openxmlformats.org/presentationml/2006/main">
+  <p:cSld>
+    <p:spTree>
+      <p:nvGrpSpPr>
+        <p:cNvPr id="1" name=""/>
+        <p:cNvGrpSpPr/>
+        <p:nvPr/>
+      </p:nvGrpSpPr>
+      <p:grpSpPr>
+        <a:xfrm>
+          <a:off x="0" y="0"/>
+          <a:ext cx="0" cy="0"/>
+          <a:chOff x="0" y="0"/>
+          <a:chExt cx="0" cy="0"/>
+        </a:xfrm>
+      </p:grpSpPr>
+      <p:sp>
+        <p:nvSpPr>
+          <p:cNvPr id="2" name="标题 1"/>
+          <p:cNvSpPr>
+            <a:spLocks noGrp="1"/>
+          </p:cNvSpPr>
+          <p:nvPr>
+            <p:ph type="title"/>
+          </p:nvPr>
+        </p:nvSpPr>
+        <p:spPr/>
+        <p:txBody>
+          <a:bodyPr/>
+          <a:lstStyle/>
+          <a:p>
+            <a:r>
+              <a:rPr lang="zh-CN" altLang="en-US" dirty="0" smtClean="0"/>
+              <a:t>管理系统</a:t>
+            </a:r>
+            <a:r>
+              <a:rPr lang="en-US" altLang="zh-CN" dirty="0" smtClean="0"/>
+              <a:t>XML</a:t>
+            </a:r>
+            <a:r>
+              <a:rPr lang="zh-CN" altLang="en-US" dirty="0" smtClean="0"/>
+              <a:t>模型对象设计对象</a:t>
+            </a:r>
+            <a:endParaRPr lang="zh-CN" altLang="en-US" dirty="0"/>
+          </a:p>
+        </p:txBody>
+      </p:sp>
+      <p:sp>
+        <p:nvSpPr>
+          <p:cNvPr id="7170" name="Rectangle 2"/>
+          <p:cNvSpPr>
+            <a:spLocks noChangeArrowheads="1"/>
+          </p:cNvSpPr>
+          <p:nvPr/>
+        </p:nvSpPr>
+        <p:spPr bwMode="auto">
+          <a:xfrm>
+            <a:off x="0" y="0"/>
+            <a:ext cx="9144000" cy="0"/>
+          </a:xfrm>
+          <a:prstGeom prst="rect">
+            <a:avLst/>
+          </a:prstGeom>
+          <a:noFill/>
+          <a:ln w="9525">
+            <a:noFill/>
+            <a:miter lim="800000"/>
+            <a:headEnd/>
+            <a:tailEnd/>
+          </a:ln>
+          <a:effectLst/>
+        </p:spPr>
+        <p:txBody>
+          <a:bodyPr vert="horz" wrap="none" lIns="91440" tIns="45720" rIns="91440" bIns="45720" numCol="1" anchor="ctr" anchorCtr="0" compatLnSpc="1">
+            <a:prstTxWarp prst="textNoShape">
+              <a:avLst/>
+            </a:prstTxWarp>
+            <a:spAutoFit/>
+          </a:bodyPr>
+          <a:lstStyle/>
+          <a:p>
+            <a:endParaRPr lang="zh-CN" altLang="en-US"/>
+          </a:p>
+        </p:txBody>
+      </p:sp>
+      <p:sp>
+        <p:nvSpPr>
+          <p:cNvPr id="1026" name="Rectangle 2"/>
+          <p:cNvSpPr>
+            <a:spLocks noChangeArrowheads="1"/>
+          </p:cNvSpPr>
+          <p:nvPr/>
+        </p:nvSpPr>
+        <p:spPr bwMode="auto">
+          <a:xfrm>
+            <a:off x="0" y="0"/>
+            <a:ext cx="9144000" cy="0"/>
+          </a:xfrm>
+          <a:prstGeom prst="rect">
+            <a:avLst/>
+          </a:prstGeom>
+          <a:noFill/>
+          <a:ln w="9525">
+            <a:noFill/>
+            <a:miter lim="800000"/>
+            <a:headEnd/>
+            <a:tailEnd/>
+          </a:ln>
+          <a:effectLst/>
+        </p:spPr>
+        <p:txBody>
+          <a:bodyPr vert="horz" wrap="none" lIns="91440" tIns="45720" rIns="91440" bIns="45720" numCol="1" anchor="ctr" anchorCtr="0" compatLnSpc="1">
+            <a:prstTxWarp prst="textNoShape">
+              <a:avLst/>
+            </a:prstTxWarp>
+            <a:spAutoFit/>
+          </a:bodyPr>
+          <a:lstStyle/>
+          <a:p>
+            <a:endParaRPr lang="zh-CN" altLang="en-US"/>
+          </a:p>
+        </p:txBody>
+      </p:sp>
+      <p:sp>
+        <p:nvSpPr>
+          <p:cNvPr id="1028" name="Rectangle 4"/>
+          <p:cNvSpPr>
+            <a:spLocks noChangeArrowheads="1"/>
+          </p:cNvSpPr>
+          <p:nvPr/>
+        </p:nvSpPr>
+        <p:spPr bwMode="auto">
+          <a:xfrm>
+            <a:off x="0" y="0"/>
+            <a:ext cx="9144000" cy="0"/>
+          </a:xfrm>
+          <a:prstGeom prst="rect">
+            <a:avLst/>
+          </a:prstGeom>
+          <a:noFill/>
+          <a:ln w="9525">
+            <a:noFill/>
+            <a:miter lim="800000"/>
+            <a:headEnd/>
+            <a:tailEnd/>
+          </a:ln>
+          <a:effectLst/>
+        </p:spPr>
+        <p:txBody>
+          <a:bodyPr vert="horz" wrap="none" lIns="91440" tIns="45720" rIns="91440" bIns="45720" numCol="1" anchor="ctr" anchorCtr="0" compatLnSpc="1">
+            <a:prstTxWarp prst="textNoShape">
+              <a:avLst/>
+            </a:prstTxWarp>
+            <a:spAutoFit/>
+          </a:bodyPr>
+          <a:lstStyle/>
+          <a:p>
+            <a:endParaRPr lang="zh-CN" altLang="en-US"/>
+          </a:p>
+        </p:txBody>
+      </p:sp>
+      <p:graphicFrame>
+        <p:nvGraphicFramePr>
+          <p:cNvPr id="1029" name="Object 5"/>
+          <p:cNvGraphicFramePr>
+            <a:graphicFrameLocks noChangeAspect="1"/>
+          </p:cNvGraphicFramePr>
+          <p:nvPr/>
+        </p:nvGraphicFramePr>
+        <p:xfrm>
+          <a:off x="971600" y="1556792"/>
+          <a:ext cx="7344816" cy="4580638"/>
+        </p:xfrm>
+        <a:graphic>
+          <a:graphicData uri="http://schemas.openxmlformats.org/presentationml/2006/ole">
+            <p:oleObj spid="_x0000_s27651" name="Visio" r:id="rId3" imgW="3347405" imgH="2085541" progId="Visio.Drawing.11">
+              <p:embed/>
+            </p:oleObj>
+          </a:graphicData>
+        </a:graphic>
+      </p:graphicFrame>
+    </p:spTree>
+  </p:cSld>
+  <p:clrMapOvr>
+    <a:masterClrMapping/>
+  </p:clrMapOvr>
+  <p:timing>
+    <p:tnLst>
+      <p:par>
+        <p:cTn id="1" dur="indefinite" restart="never" nodeType="tmRoot"/>
+      </p:par>
+    </p:tnLst>
+  </p:timing>
+</p:sld>
+</file>
+
 <file path=ppt/slides/slide6.xml><?xml version="1.0" encoding="utf-8"?>
 <p:sld xmlns:a="http://schemas.openxmlformats.org/drawingml/2006/main" xmlns:r="http://schemas.openxmlformats.org/officeDocument/2006/relationships" xmlns:p="http://schemas.openxmlformats.org/presentationml/2006/main">
   <p:cSld>
@@ -5331,7 +8594,7 @@
           <a:p>
             <a:r>
               <a:rPr lang="zh-CN" altLang="en-US" dirty="0" smtClean="0"/>
-              <a:t>移动应用数据交互组件</a:t>
+              <a:t>二次开发接口设计</a:t>
             </a:r>
             <a:endParaRPr lang="zh-CN" altLang="en-US" dirty="0"/>
           </a:p>
@@ -5339,205 +8602,179 @@
       </p:sp>
       <p:sp>
         <p:nvSpPr>
-          <p:cNvPr id="3" name="内容占位符 2"/>
-          <p:cNvSpPr>
-            <a:spLocks noGrp="1"/>
-          </p:cNvSpPr>
-          <p:nvPr>
-            <p:ph sz="quarter" idx="1"/>
-          </p:nvPr>
-        </p:nvSpPr>
-        <p:spPr/>
-        <p:txBody>
-          <a:bodyPr>
-            <a:normAutofit lnSpcReduction="10000"/>
+          <p:cNvPr id="7170" name="Rectangle 2"/>
+          <p:cNvSpPr>
+            <a:spLocks noChangeArrowheads="1"/>
+          </p:cNvSpPr>
+          <p:nvPr/>
+        </p:nvSpPr>
+        <p:spPr bwMode="auto">
+          <a:xfrm>
+            <a:off x="0" y="0"/>
+            <a:ext cx="9144000" cy="0"/>
+          </a:xfrm>
+          <a:prstGeom prst="rect">
+            <a:avLst/>
+          </a:prstGeom>
+          <a:noFill/>
+          <a:ln w="9525">
+            <a:noFill/>
+            <a:miter lim="800000"/>
+            <a:headEnd/>
+            <a:tailEnd/>
+          </a:ln>
+          <a:effectLst/>
+        </p:spPr>
+        <p:txBody>
+          <a:bodyPr vert="horz" wrap="none" lIns="91440" tIns="45720" rIns="91440" bIns="45720" numCol="1" anchor="ctr" anchorCtr="0" compatLnSpc="1">
+            <a:prstTxWarp prst="textNoShape">
+              <a:avLst/>
+            </a:prstTxWarp>
+            <a:spAutoFit/>
           </a:bodyPr>
           <a:lstStyle/>
           <a:p>
-            <a:r>
-              <a:rPr lang="zh-CN" altLang="en-US" b="1" dirty="0" smtClean="0">
-                <a:solidFill>
-                  <a:srgbClr val="FF0000"/>
-                </a:solidFill>
-              </a:rPr>
-              <a:t>本地化存储</a:t>
-            </a:r>
-            <a:r>
-              <a:rPr lang="zh-CN" altLang="en-US" dirty="0" smtClean="0"/>
-              <a:t>到手机的</a:t>
-            </a:r>
-            <a:r>
-              <a:rPr lang="en-US" altLang="zh-CN" dirty="0" err="1" smtClean="0"/>
-              <a:t>Sqlite</a:t>
-            </a:r>
-            <a:r>
-              <a:rPr lang="zh-CN" altLang="en-US" dirty="0" smtClean="0"/>
-              <a:t>或者</a:t>
-            </a:r>
-            <a:r>
-              <a:rPr lang="en-US" altLang="zh-CN" dirty="0" smtClean="0"/>
-              <a:t>HTML5</a:t>
-            </a:r>
-            <a:r>
-              <a:rPr lang="zh-CN" altLang="en-US" dirty="0" smtClean="0"/>
-              <a:t>的</a:t>
-            </a:r>
-            <a:r>
-              <a:rPr lang="en-US" altLang="zh-CN" dirty="0" err="1" smtClean="0"/>
-              <a:t>LocalStorage</a:t>
-            </a:r>
-            <a:endParaRPr lang="en-US" altLang="zh-CN" dirty="0" smtClean="0"/>
-          </a:p>
-          <a:p>
-            <a:r>
-              <a:rPr lang="zh-CN" altLang="en-US" dirty="0" smtClean="0"/>
-              <a:t>安全稳定的远程</a:t>
-            </a:r>
-            <a:r>
-              <a:rPr lang="zh-CN" altLang="en-US" b="1" dirty="0" smtClean="0">
-                <a:solidFill>
-                  <a:srgbClr val="FF0000"/>
-                </a:solidFill>
-              </a:rPr>
-              <a:t>网络请求</a:t>
-            </a:r>
-            <a:r>
-              <a:rPr lang="zh-CN" altLang="en-US" dirty="0" smtClean="0"/>
-              <a:t>并解析为数据对象</a:t>
-            </a:r>
-            <a:endParaRPr lang="en-US" altLang="zh-CN" dirty="0" smtClean="0"/>
-          </a:p>
-          <a:p>
-            <a:r>
-              <a:rPr lang="zh-CN" altLang="en-US" dirty="0" smtClean="0">
-                <a:solidFill>
-                  <a:srgbClr val="0070C0"/>
-                </a:solidFill>
-              </a:rPr>
-              <a:t>自动生成</a:t>
-            </a:r>
-            <a:r>
-              <a:rPr lang="zh-CN" altLang="en-US" dirty="0" smtClean="0"/>
-              <a:t>相关字段的</a:t>
-            </a:r>
-            <a:r>
-              <a:rPr lang="zh-CN" altLang="en-US" dirty="0" smtClean="0">
-                <a:solidFill>
-                  <a:srgbClr val="0070C0"/>
-                </a:solidFill>
-              </a:rPr>
-              <a:t>业务数据对象</a:t>
-            </a:r>
-            <a:r>
-              <a:rPr lang="zh-CN" altLang="en-US" dirty="0" smtClean="0"/>
-              <a:t>，便于开发者基于面向对象进行核心代码的研发</a:t>
-            </a:r>
-            <a:endParaRPr lang="en-US" altLang="zh-CN" dirty="0" smtClean="0"/>
-          </a:p>
-          <a:p>
-            <a:r>
-              <a:rPr lang="zh-CN" altLang="en-US" dirty="0" smtClean="0">
-                <a:solidFill>
-                  <a:srgbClr val="0070C0"/>
-                </a:solidFill>
-              </a:rPr>
-              <a:t>自动生成</a:t>
-            </a:r>
-            <a:r>
-              <a:rPr lang="zh-CN" altLang="en-US" dirty="0" smtClean="0"/>
-              <a:t>相关字段</a:t>
-            </a:r>
-            <a:r>
-              <a:rPr lang="zh-CN" altLang="en-US" dirty="0" smtClean="0"/>
-              <a:t>的</a:t>
-            </a:r>
-            <a:r>
-              <a:rPr lang="zh-CN" altLang="en-US" dirty="0" smtClean="0">
-                <a:solidFill>
-                  <a:srgbClr val="0070C0"/>
-                </a:solidFill>
-              </a:rPr>
-              <a:t>数据访问对象</a:t>
-            </a:r>
-            <a:r>
-              <a:rPr lang="zh-CN" altLang="en-US" dirty="0" smtClean="0"/>
-              <a:t>以及数据库表，便于直接获取相关数据</a:t>
-            </a:r>
-            <a:endParaRPr lang="en-US" altLang="zh-CN" dirty="0" smtClean="0"/>
-          </a:p>
-          <a:p>
-            <a:r>
-              <a:rPr lang="zh-CN" altLang="en-US" dirty="0" smtClean="0">
-                <a:solidFill>
-                  <a:srgbClr val="0070C0"/>
-                </a:solidFill>
-              </a:rPr>
-              <a:t>自动生成</a:t>
-            </a:r>
-            <a:r>
-              <a:rPr lang="zh-CN" altLang="en-US" dirty="0" smtClean="0"/>
-              <a:t>相关的</a:t>
-            </a:r>
-            <a:r>
-              <a:rPr lang="zh-CN" altLang="en-US" dirty="0" smtClean="0">
-                <a:solidFill>
-                  <a:srgbClr val="0070C0"/>
-                </a:solidFill>
-              </a:rPr>
-              <a:t>远程数据加载对象</a:t>
-            </a:r>
-            <a:endParaRPr lang="en-US" altLang="zh-CN" dirty="0" smtClean="0">
-              <a:solidFill>
-                <a:srgbClr val="0070C0"/>
-              </a:solidFill>
-            </a:endParaRPr>
-          </a:p>
-          <a:p>
-            <a:r>
-              <a:rPr lang="zh-CN" altLang="en-US" dirty="0" smtClean="0"/>
-              <a:t>基于可继承性和可二次开发的原则</a:t>
-            </a:r>
-            <a:endParaRPr lang="en-US" altLang="zh-CN" dirty="0" smtClean="0"/>
-          </a:p>
-          <a:p>
-            <a:endParaRPr lang="en-US" altLang="zh-CN" dirty="0" smtClean="0"/>
-          </a:p>
-          <a:p>
-            <a:r>
-              <a:rPr lang="zh-CN" altLang="en-US" dirty="0" smtClean="0"/>
-              <a:t>相关技术：</a:t>
-            </a:r>
-            <a:r>
-              <a:rPr lang="en-US" altLang="zh-CN" dirty="0" smtClean="0"/>
-              <a:t>Android</a:t>
-            </a:r>
-            <a:r>
-              <a:rPr lang="zh-CN" altLang="en-US" dirty="0" smtClean="0"/>
-              <a:t>，</a:t>
-            </a:r>
-            <a:r>
-              <a:rPr lang="en-US" altLang="zh-CN" dirty="0" err="1" smtClean="0"/>
-              <a:t>Javascript</a:t>
-            </a:r>
-            <a:endParaRPr lang="en-US" altLang="zh-CN" dirty="0" smtClean="0"/>
-          </a:p>
-          <a:p>
-            <a:endParaRPr lang="en-US" altLang="zh-CN" dirty="0" smtClean="0"/>
-          </a:p>
-          <a:p>
-            <a:endParaRPr lang="en-US" altLang="zh-CN" dirty="0" smtClean="0"/>
-          </a:p>
-          <a:p>
-            <a:endParaRPr lang="en-US" altLang="zh-CN" dirty="0" smtClean="0"/>
-          </a:p>
-          <a:p>
-            <a:endParaRPr lang="en-US" altLang="zh-CN" dirty="0" smtClean="0"/>
-          </a:p>
-        </p:txBody>
-      </p:sp>
-      <p:sp>
-        <p:nvSpPr>
-          <p:cNvPr id="7170" name="Rectangle 2"/>
+            <a:endParaRPr lang="zh-CN" altLang="en-US"/>
+          </a:p>
+        </p:txBody>
+      </p:sp>
+      <p:sp>
+        <p:nvSpPr>
+          <p:cNvPr id="1026" name="Rectangle 2"/>
+          <p:cNvSpPr>
+            <a:spLocks noChangeArrowheads="1"/>
+          </p:cNvSpPr>
+          <p:nvPr/>
+        </p:nvSpPr>
+        <p:spPr bwMode="auto">
+          <a:xfrm>
+            <a:off x="0" y="0"/>
+            <a:ext cx="9144000" cy="0"/>
+          </a:xfrm>
+          <a:prstGeom prst="rect">
+            <a:avLst/>
+          </a:prstGeom>
+          <a:noFill/>
+          <a:ln w="9525">
+            <a:noFill/>
+            <a:miter lim="800000"/>
+            <a:headEnd/>
+            <a:tailEnd/>
+          </a:ln>
+          <a:effectLst/>
+        </p:spPr>
+        <p:txBody>
+          <a:bodyPr vert="horz" wrap="none" lIns="91440" tIns="45720" rIns="91440" bIns="45720" numCol="1" anchor="ctr" anchorCtr="0" compatLnSpc="1">
+            <a:prstTxWarp prst="textNoShape">
+              <a:avLst/>
+            </a:prstTxWarp>
+            <a:spAutoFit/>
+          </a:bodyPr>
+          <a:lstStyle/>
+          <a:p>
+            <a:endParaRPr lang="zh-CN" altLang="en-US"/>
+          </a:p>
+        </p:txBody>
+      </p:sp>
+      <p:sp>
+        <p:nvSpPr>
+          <p:cNvPr id="1028" name="Rectangle 4"/>
+          <p:cNvSpPr>
+            <a:spLocks noChangeArrowheads="1"/>
+          </p:cNvSpPr>
+          <p:nvPr/>
+        </p:nvSpPr>
+        <p:spPr bwMode="auto">
+          <a:xfrm>
+            <a:off x="0" y="0"/>
+            <a:ext cx="9144000" cy="0"/>
+          </a:xfrm>
+          <a:prstGeom prst="rect">
+            <a:avLst/>
+          </a:prstGeom>
+          <a:noFill/>
+          <a:ln w="9525">
+            <a:noFill/>
+            <a:miter lim="800000"/>
+            <a:headEnd/>
+            <a:tailEnd/>
+          </a:ln>
+          <a:effectLst/>
+        </p:spPr>
+        <p:txBody>
+          <a:bodyPr vert="horz" wrap="none" lIns="91440" tIns="45720" rIns="91440" bIns="45720" numCol="1" anchor="ctr" anchorCtr="0" compatLnSpc="1">
+            <a:prstTxWarp prst="textNoShape">
+              <a:avLst/>
+            </a:prstTxWarp>
+            <a:spAutoFit/>
+          </a:bodyPr>
+          <a:lstStyle/>
+          <a:p>
+            <a:endParaRPr lang="zh-CN" altLang="en-US"/>
+          </a:p>
+        </p:txBody>
+      </p:sp>
+      <p:sp>
+        <p:nvSpPr>
+          <p:cNvPr id="26628" name="Rectangle 4"/>
+          <p:cNvSpPr>
+            <a:spLocks noChangeArrowheads="1"/>
+          </p:cNvSpPr>
+          <p:nvPr/>
+        </p:nvSpPr>
+        <p:spPr bwMode="auto">
+          <a:xfrm>
+            <a:off x="0" y="0"/>
+            <a:ext cx="9144000" cy="0"/>
+          </a:xfrm>
+          <a:prstGeom prst="rect">
+            <a:avLst/>
+          </a:prstGeom>
+          <a:noFill/>
+          <a:ln w="9525">
+            <a:noFill/>
+            <a:miter lim="800000"/>
+            <a:headEnd/>
+            <a:tailEnd/>
+          </a:ln>
+          <a:effectLst/>
+        </p:spPr>
+        <p:txBody>
+          <a:bodyPr vert="horz" wrap="none" lIns="91440" tIns="45720" rIns="91440" bIns="45720" numCol="1" anchor="ctr" anchorCtr="0" compatLnSpc="1">
+            <a:prstTxWarp prst="textNoShape">
+              <a:avLst/>
+            </a:prstTxWarp>
+            <a:spAutoFit/>
+          </a:bodyPr>
+          <a:lstStyle/>
+          <a:p>
+            <a:endParaRPr lang="zh-CN" altLang="en-US"/>
+          </a:p>
+        </p:txBody>
+      </p:sp>
+      <p:graphicFrame>
+        <p:nvGraphicFramePr>
+          <p:cNvPr id="26627" name="Object 3"/>
+          <p:cNvGraphicFramePr>
+            <a:graphicFrameLocks noChangeAspect="1"/>
+          </p:cNvGraphicFramePr>
+          <p:nvPr/>
+        </p:nvGraphicFramePr>
+        <p:xfrm>
+          <a:off x="1043608" y="1412776"/>
+          <a:ext cx="6768752" cy="5265879"/>
+        </p:xfrm>
+        <a:graphic>
+          <a:graphicData uri="http://schemas.openxmlformats.org/presentationml/2006/ole">
+            <p:oleObj spid="_x0000_s26627" name="Visio" r:id="rId3" imgW="5534143" imgH="4302121" progId="Visio.Drawing.11">
+              <p:embed/>
+            </p:oleObj>
+          </a:graphicData>
+        </a:graphic>
+      </p:graphicFrame>
+      <p:sp>
+        <p:nvSpPr>
+          <p:cNvPr id="26630" name="Rectangle 6"/>
           <p:cNvSpPr>
             <a:spLocks noChangeArrowheads="1"/>
           </p:cNvSpPr>
@@ -5622,39 +8859,9 @@
           <a:p>
             <a:r>
               <a:rPr lang="zh-CN" altLang="en-US" dirty="0" smtClean="0"/>
-              <a:t>移动应用数据交互组件</a:t>
+              <a:t>业务对象生成流程图</a:t>
             </a:r>
             <a:endParaRPr lang="zh-CN" altLang="en-US" dirty="0"/>
-          </a:p>
-        </p:txBody>
-      </p:sp>
-      <p:sp>
-        <p:nvSpPr>
-          <p:cNvPr id="3" name="内容占位符 2"/>
-          <p:cNvSpPr>
-            <a:spLocks noGrp="1"/>
-          </p:cNvSpPr>
-          <p:nvPr>
-            <p:ph sz="quarter" idx="1"/>
-          </p:nvPr>
-        </p:nvSpPr>
-        <p:spPr/>
-        <p:txBody>
-          <a:bodyPr>
-            <a:normAutofit/>
-          </a:bodyPr>
-          <a:lstStyle/>
-          <a:p>
-            <a:endParaRPr lang="en-US" altLang="zh-CN" dirty="0" smtClean="0"/>
-          </a:p>
-          <a:p>
-            <a:endParaRPr lang="en-US" altLang="zh-CN" dirty="0" smtClean="0"/>
-          </a:p>
-          <a:p>
-            <a:endParaRPr lang="en-US" altLang="zh-CN" dirty="0" smtClean="0"/>
-          </a:p>
-          <a:p>
-            <a:endParaRPr lang="en-US" altLang="zh-CN" dirty="0" smtClean="0"/>
           </a:p>
         </p:txBody>
       </p:sp>
@@ -5696,25 +8903,18 @@
           </a:p>
         </p:txBody>
       </p:sp>
-      <p:pic>
-        <p:nvPicPr>
-          <p:cNvPr id="29698" name="Picture 1"/>
-          <p:cNvPicPr>
-            <a:picLocks noChangeAspect="1" noChangeArrowheads="1"/>
-          </p:cNvPicPr>
+      <p:sp>
+        <p:nvSpPr>
+          <p:cNvPr id="1026" name="Rectangle 2"/>
+          <p:cNvSpPr>
+            <a:spLocks noChangeArrowheads="1"/>
+          </p:cNvSpPr>
           <p:nvPr/>
-        </p:nvPicPr>
-        <p:blipFill>
-          <a:blip r:embed="rId2" cstate="print"/>
-          <a:srcRect/>
-          <a:stretch>
-            <a:fillRect/>
-          </a:stretch>
-        </p:blipFill>
+        </p:nvSpPr>
         <p:spPr bwMode="auto">
           <a:xfrm>
-            <a:off x="1043608" y="1556792"/>
-            <a:ext cx="3186479" cy="4509120"/>
+            <a:off x="0" y="0"/>
+            <a:ext cx="9144000" cy="0"/>
           </a:xfrm>
           <a:prstGeom prst="rect">
             <a:avLst/>
@@ -5726,27 +8926,33 @@
             <a:headEnd/>
             <a:tailEnd/>
           </a:ln>
-        </p:spPr>
-      </p:pic>
-      <p:pic>
-        <p:nvPicPr>
-          <p:cNvPr id="29699" name="Picture 1"/>
-          <p:cNvPicPr>
-            <a:picLocks noChangeAspect="1" noChangeArrowheads="1"/>
-          </p:cNvPicPr>
+          <a:effectLst/>
+        </p:spPr>
+        <p:txBody>
+          <a:bodyPr vert="horz" wrap="none" lIns="91440" tIns="45720" rIns="91440" bIns="45720" numCol="1" anchor="ctr" anchorCtr="0" compatLnSpc="1">
+            <a:prstTxWarp prst="textNoShape">
+              <a:avLst/>
+            </a:prstTxWarp>
+            <a:spAutoFit/>
+          </a:bodyPr>
+          <a:lstStyle/>
+          <a:p>
+            <a:endParaRPr lang="zh-CN" altLang="en-US"/>
+          </a:p>
+        </p:txBody>
+      </p:sp>
+      <p:sp>
+        <p:nvSpPr>
+          <p:cNvPr id="1028" name="Rectangle 4"/>
+          <p:cNvSpPr>
+            <a:spLocks noChangeArrowheads="1"/>
+          </p:cNvSpPr>
           <p:nvPr/>
-        </p:nvPicPr>
-        <p:blipFill>
-          <a:blip r:embed="rId3" cstate="print"/>
-          <a:srcRect/>
-          <a:stretch>
-            <a:fillRect/>
-          </a:stretch>
-        </p:blipFill>
+        </p:nvSpPr>
         <p:spPr bwMode="auto">
           <a:xfrm>
-            <a:off x="4788024" y="1340768"/>
-            <a:ext cx="3530694" cy="2780928"/>
+            <a:off x="0" y="0"/>
+            <a:ext cx="9144000" cy="0"/>
           </a:xfrm>
           <a:prstGeom prst="rect">
             <a:avLst/>
@@ -5758,27 +8964,33 @@
             <a:headEnd/>
             <a:tailEnd/>
           </a:ln>
-        </p:spPr>
-      </p:pic>
-      <p:pic>
-        <p:nvPicPr>
-          <p:cNvPr id="29700" name="Picture 1"/>
-          <p:cNvPicPr>
-            <a:picLocks noChangeAspect="1" noChangeArrowheads="1"/>
-          </p:cNvPicPr>
+          <a:effectLst/>
+        </p:spPr>
+        <p:txBody>
+          <a:bodyPr vert="horz" wrap="none" lIns="91440" tIns="45720" rIns="91440" bIns="45720" numCol="1" anchor="ctr" anchorCtr="0" compatLnSpc="1">
+            <a:prstTxWarp prst="textNoShape">
+              <a:avLst/>
+            </a:prstTxWarp>
+            <a:spAutoFit/>
+          </a:bodyPr>
+          <a:lstStyle/>
+          <a:p>
+            <a:endParaRPr lang="zh-CN" altLang="en-US"/>
+          </a:p>
+        </p:txBody>
+      </p:sp>
+      <p:sp>
+        <p:nvSpPr>
+          <p:cNvPr id="26628" name="Rectangle 4"/>
+          <p:cNvSpPr>
+            <a:spLocks noChangeArrowheads="1"/>
+          </p:cNvSpPr>
           <p:nvPr/>
-        </p:nvPicPr>
-        <p:blipFill>
-          <a:blip r:embed="rId4" cstate="print"/>
-          <a:srcRect/>
-          <a:stretch>
-            <a:fillRect/>
-          </a:stretch>
-        </p:blipFill>
+        </p:nvSpPr>
         <p:spPr bwMode="auto">
           <a:xfrm>
-            <a:off x="4788024" y="4149080"/>
-            <a:ext cx="3925888" cy="2327275"/>
+            <a:off x="0" y="0"/>
+            <a:ext cx="9144000" cy="0"/>
           </a:xfrm>
           <a:prstGeom prst="rect">
             <a:avLst/>
@@ -5790,8 +9002,175 @@
             <a:headEnd/>
             <a:tailEnd/>
           </a:ln>
-        </p:spPr>
-      </p:pic>
+          <a:effectLst/>
+        </p:spPr>
+        <p:txBody>
+          <a:bodyPr vert="horz" wrap="none" lIns="91440" tIns="45720" rIns="91440" bIns="45720" numCol="1" anchor="ctr" anchorCtr="0" compatLnSpc="1">
+            <a:prstTxWarp prst="textNoShape">
+              <a:avLst/>
+            </a:prstTxWarp>
+            <a:spAutoFit/>
+          </a:bodyPr>
+          <a:lstStyle/>
+          <a:p>
+            <a:endParaRPr lang="zh-CN" altLang="en-US"/>
+          </a:p>
+        </p:txBody>
+      </p:sp>
+      <p:sp>
+        <p:nvSpPr>
+          <p:cNvPr id="26630" name="Rectangle 6"/>
+          <p:cNvSpPr>
+            <a:spLocks noChangeArrowheads="1"/>
+          </p:cNvSpPr>
+          <p:nvPr/>
+        </p:nvSpPr>
+        <p:spPr bwMode="auto">
+          <a:xfrm>
+            <a:off x="0" y="0"/>
+            <a:ext cx="9144000" cy="0"/>
+          </a:xfrm>
+          <a:prstGeom prst="rect">
+            <a:avLst/>
+          </a:prstGeom>
+          <a:noFill/>
+          <a:ln w="9525">
+            <a:noFill/>
+            <a:miter lim="800000"/>
+            <a:headEnd/>
+            <a:tailEnd/>
+          </a:ln>
+          <a:effectLst/>
+        </p:spPr>
+        <p:txBody>
+          <a:bodyPr vert="horz" wrap="none" lIns="91440" tIns="45720" rIns="91440" bIns="45720" numCol="1" anchor="ctr" anchorCtr="0" compatLnSpc="1">
+            <a:prstTxWarp prst="textNoShape">
+              <a:avLst/>
+            </a:prstTxWarp>
+            <a:spAutoFit/>
+          </a:bodyPr>
+          <a:lstStyle/>
+          <a:p>
+            <a:endParaRPr lang="zh-CN" altLang="en-US"/>
+          </a:p>
+        </p:txBody>
+      </p:sp>
+      <p:sp>
+        <p:nvSpPr>
+          <p:cNvPr id="28676" name="Rectangle 4"/>
+          <p:cNvSpPr>
+            <a:spLocks noChangeArrowheads="1"/>
+          </p:cNvSpPr>
+          <p:nvPr/>
+        </p:nvSpPr>
+        <p:spPr bwMode="auto">
+          <a:xfrm>
+            <a:off x="0" y="0"/>
+            <a:ext cx="9144000" cy="0"/>
+          </a:xfrm>
+          <a:prstGeom prst="rect">
+            <a:avLst/>
+          </a:prstGeom>
+          <a:noFill/>
+          <a:ln w="9525">
+            <a:noFill/>
+            <a:miter lim="800000"/>
+            <a:headEnd/>
+            <a:tailEnd/>
+          </a:ln>
+          <a:effectLst/>
+        </p:spPr>
+        <p:txBody>
+          <a:bodyPr vert="horz" wrap="none" lIns="91440" tIns="45720" rIns="91440" bIns="45720" numCol="1" anchor="ctr" anchorCtr="0" compatLnSpc="1">
+            <a:prstTxWarp prst="textNoShape">
+              <a:avLst/>
+            </a:prstTxWarp>
+            <a:spAutoFit/>
+          </a:bodyPr>
+          <a:lstStyle/>
+          <a:p>
+            <a:endParaRPr lang="zh-CN" altLang="en-US"/>
+          </a:p>
+        </p:txBody>
+      </p:sp>
+      <p:graphicFrame>
+        <p:nvGraphicFramePr>
+          <p:cNvPr id="28675" name="Object 3"/>
+          <p:cNvGraphicFramePr>
+            <a:graphicFrameLocks noChangeAspect="1"/>
+          </p:cNvGraphicFramePr>
+          <p:nvPr/>
+        </p:nvGraphicFramePr>
+        <p:xfrm>
+          <a:off x="539552" y="1340768"/>
+          <a:ext cx="8344656" cy="5256584"/>
+        </p:xfrm>
+        <a:graphic>
+          <a:graphicData uri="http://schemas.openxmlformats.org/presentationml/2006/ole">
+            <p:oleObj spid="_x0000_s28675" name="Visio" r:id="rId3" imgW="8106331" imgH="5092857" progId="Visio.Drawing.11">
+              <p:embed/>
+            </p:oleObj>
+          </a:graphicData>
+        </a:graphic>
+      </p:graphicFrame>
+      <p:sp>
+        <p:nvSpPr>
+          <p:cNvPr id="28678" name="Rectangle 6"/>
+          <p:cNvSpPr>
+            <a:spLocks noChangeArrowheads="1"/>
+          </p:cNvSpPr>
+          <p:nvPr/>
+        </p:nvSpPr>
+        <p:spPr bwMode="auto">
+          <a:xfrm>
+            <a:off x="0" y="0"/>
+            <a:ext cx="9144000" cy="0"/>
+          </a:xfrm>
+          <a:prstGeom prst="rect">
+            <a:avLst/>
+          </a:prstGeom>
+          <a:noFill/>
+          <a:ln w="9525">
+            <a:noFill/>
+            <a:miter lim="800000"/>
+            <a:headEnd/>
+            <a:tailEnd/>
+          </a:ln>
+          <a:effectLst/>
+        </p:spPr>
+        <p:txBody>
+          <a:bodyPr vert="horz" wrap="none" lIns="91440" tIns="45720" rIns="91440" bIns="45720" numCol="1" anchor="ctr" anchorCtr="0" compatLnSpc="1">
+            <a:prstTxWarp prst="textNoShape">
+              <a:avLst/>
+            </a:prstTxWarp>
+            <a:spAutoFit/>
+          </a:bodyPr>
+          <a:lstStyle/>
+          <a:p>
+            <a:endParaRPr lang="zh-CN" altLang="en-US"/>
+          </a:p>
+        </p:txBody>
+      </p:sp>
+      <p:graphicFrame>
+        <p:nvGraphicFramePr>
+          <p:cNvPr id="28677" name="Object 5"/>
+          <p:cNvGraphicFramePr>
+            <a:graphicFrameLocks noChangeAspect="1"/>
+          </p:cNvGraphicFramePr>
+          <p:nvPr/>
+        </p:nvGraphicFramePr>
+        <p:xfrm>
+          <a:off x="467544" y="1340767"/>
+          <a:ext cx="5832648" cy="5376597"/>
+        </p:xfrm>
+        <a:graphic>
+          <a:graphicData uri="http://schemas.openxmlformats.org/presentationml/2006/ole">
+            <p:oleObj spid="_x0000_s28677" name="Visio" r:id="rId4" imgW="4624598" imgH="4264566" progId="Visio.Drawing.11">
+              <p:embed/>
+            </p:oleObj>
+          </a:graphicData>
+        </a:graphic>
+      </p:graphicFrame>
     </p:spTree>
   </p:cSld>
   <p:clrMapOvr>
@@ -5800,7 +9179,212 @@
   <p:timing>
     <p:tnLst>
       <p:par>
-        <p:cTn id="1" dur="indefinite" restart="never" nodeType="tmRoot"/>
+        <p:cTn id="1" dur="indefinite" restart="never" nodeType="tmRoot">
+          <p:childTnLst>
+            <p:seq concurrent="1" nextAc="seek">
+              <p:cTn id="2" dur="indefinite" nodeType="mainSeq">
+                <p:childTnLst>
+                  <p:par>
+                    <p:cTn id="3" fill="hold">
+                      <p:stCondLst>
+                        <p:cond delay="indefinite"/>
+                      </p:stCondLst>
+                      <p:childTnLst>
+                        <p:par>
+                          <p:cTn id="4" fill="hold">
+                            <p:stCondLst>
+                              <p:cond delay="0"/>
+                            </p:stCondLst>
+                            <p:childTnLst>
+                              <p:par>
+                                <p:cTn id="5" presetID="2" presetClass="exit" presetSubtype="4" fill="hold" nodeType="clickEffect">
+                                  <p:stCondLst>
+                                    <p:cond delay="0"/>
+                                  </p:stCondLst>
+                                  <p:childTnLst>
+                                    <p:anim calcmode="lin" valueType="num">
+                                      <p:cBhvr additive="base">
+                                        <p:cTn id="6" dur="500"/>
+                                        <p:tgtEl>
+                                          <p:spTgt spid="28675"/>
+                                        </p:tgtEl>
+                                        <p:attrNameLst>
+                                          <p:attrName>ppt_x</p:attrName>
+                                        </p:attrNameLst>
+                                      </p:cBhvr>
+                                      <p:tavLst>
+                                        <p:tav tm="0">
+                                          <p:val>
+                                            <p:strVal val="ppt_x"/>
+                                          </p:val>
+                                        </p:tav>
+                                        <p:tav tm="100000">
+                                          <p:val>
+                                            <p:strVal val="ppt_x"/>
+                                          </p:val>
+                                        </p:tav>
+                                      </p:tavLst>
+                                    </p:anim>
+                                    <p:anim calcmode="lin" valueType="num">
+                                      <p:cBhvr additive="base">
+                                        <p:cTn id="7" dur="500"/>
+                                        <p:tgtEl>
+                                          <p:spTgt spid="28675"/>
+                                        </p:tgtEl>
+                                        <p:attrNameLst>
+                                          <p:attrName>ppt_y</p:attrName>
+                                        </p:attrNameLst>
+                                      </p:cBhvr>
+                                      <p:tavLst>
+                                        <p:tav tm="0">
+                                          <p:val>
+                                            <p:strVal val="ppt_y"/>
+                                          </p:val>
+                                        </p:tav>
+                                        <p:tav tm="100000">
+                                          <p:val>
+                                            <p:strVal val="1+ppt_h/2"/>
+                                          </p:val>
+                                        </p:tav>
+                                      </p:tavLst>
+                                    </p:anim>
+                                    <p:set>
+                                      <p:cBhvr>
+                                        <p:cTn id="8" dur="1" fill="hold">
+                                          <p:stCondLst>
+                                            <p:cond delay="499"/>
+                                          </p:stCondLst>
+                                        </p:cTn>
+                                        <p:tgtEl>
+                                          <p:spTgt spid="28675"/>
+                                        </p:tgtEl>
+                                        <p:attrNameLst>
+                                          <p:attrName>style.visibility</p:attrName>
+                                        </p:attrNameLst>
+                                      </p:cBhvr>
+                                      <p:to>
+                                        <p:strVal val="hidden"/>
+                                      </p:to>
+                                    </p:set>
+                                  </p:childTnLst>
+                                </p:cTn>
+                              </p:par>
+                            </p:childTnLst>
+                          </p:cTn>
+                        </p:par>
+                      </p:childTnLst>
+                    </p:cTn>
+                  </p:par>
+                  <p:par>
+                    <p:cTn id="9" fill="hold">
+                      <p:stCondLst>
+                        <p:cond delay="indefinite"/>
+                      </p:stCondLst>
+                      <p:childTnLst>
+                        <p:par>
+                          <p:cTn id="10" fill="hold">
+                            <p:stCondLst>
+                              <p:cond delay="0"/>
+                            </p:stCondLst>
+                            <p:childTnLst>
+                              <p:par>
+                                <p:cTn id="11" presetID="2" presetClass="entr" presetSubtype="4" fill="hold" nodeType="clickEffect">
+                                  <p:stCondLst>
+                                    <p:cond delay="0"/>
+                                  </p:stCondLst>
+                                  <p:childTnLst>
+                                    <p:set>
+                                      <p:cBhvr>
+                                        <p:cTn id="12" dur="1" fill="hold">
+                                          <p:stCondLst>
+                                            <p:cond delay="0"/>
+                                          </p:stCondLst>
+                                        </p:cTn>
+                                        <p:tgtEl>
+                                          <p:spTgt spid="28677"/>
+                                        </p:tgtEl>
+                                        <p:attrNameLst>
+                                          <p:attrName>style.visibility</p:attrName>
+                                        </p:attrNameLst>
+                                      </p:cBhvr>
+                                      <p:to>
+                                        <p:strVal val="visible"/>
+                                      </p:to>
+                                    </p:set>
+                                    <p:anim calcmode="lin" valueType="num">
+                                      <p:cBhvr additive="base">
+                                        <p:cTn id="13" dur="500" fill="hold"/>
+                                        <p:tgtEl>
+                                          <p:spTgt spid="28677"/>
+                                        </p:tgtEl>
+                                        <p:attrNameLst>
+                                          <p:attrName>ppt_x</p:attrName>
+                                        </p:attrNameLst>
+                                      </p:cBhvr>
+                                      <p:tavLst>
+                                        <p:tav tm="0">
+                                          <p:val>
+                                            <p:strVal val="#ppt_x"/>
+                                          </p:val>
+                                        </p:tav>
+                                        <p:tav tm="100000">
+                                          <p:val>
+                                            <p:strVal val="#ppt_x"/>
+                                          </p:val>
+                                        </p:tav>
+                                      </p:tavLst>
+                                    </p:anim>
+                                    <p:anim calcmode="lin" valueType="num">
+                                      <p:cBhvr additive="base">
+                                        <p:cTn id="14" dur="500" fill="hold"/>
+                                        <p:tgtEl>
+                                          <p:spTgt spid="28677"/>
+                                        </p:tgtEl>
+                                        <p:attrNameLst>
+                                          <p:attrName>ppt_y</p:attrName>
+                                        </p:attrNameLst>
+                                      </p:cBhvr>
+                                      <p:tavLst>
+                                        <p:tav tm="0">
+                                          <p:val>
+                                            <p:strVal val="1+#ppt_h/2"/>
+                                          </p:val>
+                                        </p:tav>
+                                        <p:tav tm="100000">
+                                          <p:val>
+                                            <p:strVal val="#ppt_y"/>
+                                          </p:val>
+                                        </p:tav>
+                                      </p:tavLst>
+                                    </p:anim>
+                                  </p:childTnLst>
+                                </p:cTn>
+                              </p:par>
+                            </p:childTnLst>
+                          </p:cTn>
+                        </p:par>
+                      </p:childTnLst>
+                    </p:cTn>
+                  </p:par>
+                </p:childTnLst>
+              </p:cTn>
+              <p:prevCondLst>
+                <p:cond evt="onPrev" delay="0">
+                  <p:tgtEl>
+                    <p:sldTgt/>
+                  </p:tgtEl>
+                </p:cond>
+              </p:prevCondLst>
+              <p:nextCondLst>
+                <p:cond evt="onNext" delay="0">
+                  <p:tgtEl>
+                    <p:sldTgt/>
+                  </p:tgtEl>
+                </p:cond>
+              </p:nextCondLst>
+            </p:seq>
+          </p:childTnLst>
+        </p:cTn>
       </p:par>
     </p:tnLst>
   </p:timing>
@@ -5841,15 +9425,7 @@
           <a:p>
             <a:r>
               <a:rPr lang="zh-CN" altLang="en-US" dirty="0" smtClean="0"/>
-              <a:t>应用</a:t>
-            </a:r>
-            <a:r>
-              <a:rPr lang="en-US" altLang="zh-CN" dirty="0" smtClean="0"/>
-              <a:t>-</a:t>
-            </a:r>
-            <a:r>
-              <a:rPr lang="zh-CN" altLang="en-US" dirty="0" smtClean="0"/>
-              <a:t>新闻发布客户端</a:t>
+              <a:t>以搜索列表数据为例子</a:t>
             </a:r>
             <a:endParaRPr lang="zh-CN" altLang="en-US" dirty="0"/>
           </a:p>
@@ -5857,54 +9433,16 @@
       </p:sp>
       <p:sp>
         <p:nvSpPr>
-          <p:cNvPr id="3" name="内容占位符 2"/>
-          <p:cNvSpPr>
-            <a:spLocks noGrp="1"/>
-          </p:cNvSpPr>
-          <p:nvPr>
-            <p:ph sz="quarter" idx="1"/>
-          </p:nvPr>
-        </p:nvSpPr>
-        <p:spPr/>
-        <p:txBody>
-          <a:bodyPr/>
-          <a:lstStyle/>
-          <a:p>
-            <a:r>
-              <a:rPr lang="zh-CN" altLang="en-US" dirty="0" smtClean="0">
-                <a:solidFill>
-                  <a:srgbClr val="FF0000"/>
-                </a:solidFill>
-              </a:rPr>
-              <a:t>如果有需要</a:t>
-            </a:r>
-            <a:r>
-              <a:rPr lang="zh-CN" altLang="en-US" dirty="0" smtClean="0"/>
-              <a:t>，可以重写控制器或者业务模型对象和前端交互。</a:t>
-            </a:r>
-            <a:endParaRPr lang="zh-CN" altLang="en-US" dirty="0"/>
-          </a:p>
-        </p:txBody>
-      </p:sp>
-      <p:pic>
-        <p:nvPicPr>
-          <p:cNvPr id="6147" name="Picture 1"/>
-          <p:cNvPicPr>
-            <a:picLocks noChangeAspect="1" noChangeArrowheads="1"/>
-          </p:cNvPicPr>
+          <p:cNvPr id="7170" name="Rectangle 2"/>
+          <p:cNvSpPr>
+            <a:spLocks noChangeArrowheads="1"/>
+          </p:cNvSpPr>
           <p:nvPr/>
-        </p:nvPicPr>
-        <p:blipFill>
-          <a:blip r:embed="rId2" cstate="print"/>
-          <a:srcRect/>
-          <a:stretch>
-            <a:fillRect/>
-          </a:stretch>
-        </p:blipFill>
+        </p:nvSpPr>
         <p:spPr bwMode="auto">
           <a:xfrm>
-            <a:off x="1043608" y="2348880"/>
-            <a:ext cx="4784725" cy="1597025"/>
+            <a:off x="0" y="0"/>
+            <a:ext cx="9144000" cy="0"/>
           </a:xfrm>
           <a:prstGeom prst="rect">
             <a:avLst/>
@@ -5916,27 +9454,33 @@
             <a:headEnd/>
             <a:tailEnd/>
           </a:ln>
-        </p:spPr>
-      </p:pic>
-      <p:pic>
-        <p:nvPicPr>
-          <p:cNvPr id="6148" name="Picture 1"/>
-          <p:cNvPicPr>
-            <a:picLocks noChangeAspect="1" noChangeArrowheads="1"/>
-          </p:cNvPicPr>
+          <a:effectLst/>
+        </p:spPr>
+        <p:txBody>
+          <a:bodyPr vert="horz" wrap="none" lIns="91440" tIns="45720" rIns="91440" bIns="45720" numCol="1" anchor="ctr" anchorCtr="0" compatLnSpc="1">
+            <a:prstTxWarp prst="textNoShape">
+              <a:avLst/>
+            </a:prstTxWarp>
+            <a:spAutoFit/>
+          </a:bodyPr>
+          <a:lstStyle/>
+          <a:p>
+            <a:endParaRPr lang="zh-CN" altLang="en-US"/>
+          </a:p>
+        </p:txBody>
+      </p:sp>
+      <p:sp>
+        <p:nvSpPr>
+          <p:cNvPr id="1026" name="Rectangle 2"/>
+          <p:cNvSpPr>
+            <a:spLocks noChangeArrowheads="1"/>
+          </p:cNvSpPr>
           <p:nvPr/>
-        </p:nvPicPr>
-        <p:blipFill>
-          <a:blip r:embed="rId3" cstate="print"/>
-          <a:srcRect/>
-          <a:stretch>
-            <a:fillRect/>
-          </a:stretch>
-        </p:blipFill>
+        </p:nvSpPr>
         <p:spPr bwMode="auto">
           <a:xfrm>
-            <a:off x="4283968" y="4077072"/>
-            <a:ext cx="4118248" cy="2578671"/>
+            <a:off x="0" y="0"/>
+            <a:ext cx="9144000" cy="0"/>
           </a:xfrm>
           <a:prstGeom prst="rect">
             <a:avLst/>
@@ -5948,8 +9492,269 @@
             <a:headEnd/>
             <a:tailEnd/>
           </a:ln>
-        </p:spPr>
-      </p:pic>
+          <a:effectLst/>
+        </p:spPr>
+        <p:txBody>
+          <a:bodyPr vert="horz" wrap="none" lIns="91440" tIns="45720" rIns="91440" bIns="45720" numCol="1" anchor="ctr" anchorCtr="0" compatLnSpc="1">
+            <a:prstTxWarp prst="textNoShape">
+              <a:avLst/>
+            </a:prstTxWarp>
+            <a:spAutoFit/>
+          </a:bodyPr>
+          <a:lstStyle/>
+          <a:p>
+            <a:endParaRPr lang="zh-CN" altLang="en-US"/>
+          </a:p>
+        </p:txBody>
+      </p:sp>
+      <p:sp>
+        <p:nvSpPr>
+          <p:cNvPr id="1028" name="Rectangle 4"/>
+          <p:cNvSpPr>
+            <a:spLocks noChangeArrowheads="1"/>
+          </p:cNvSpPr>
+          <p:nvPr/>
+        </p:nvSpPr>
+        <p:spPr bwMode="auto">
+          <a:xfrm>
+            <a:off x="0" y="0"/>
+            <a:ext cx="9144000" cy="0"/>
+          </a:xfrm>
+          <a:prstGeom prst="rect">
+            <a:avLst/>
+          </a:prstGeom>
+          <a:noFill/>
+          <a:ln w="9525">
+            <a:noFill/>
+            <a:miter lim="800000"/>
+            <a:headEnd/>
+            <a:tailEnd/>
+          </a:ln>
+          <a:effectLst/>
+        </p:spPr>
+        <p:txBody>
+          <a:bodyPr vert="horz" wrap="none" lIns="91440" tIns="45720" rIns="91440" bIns="45720" numCol="1" anchor="ctr" anchorCtr="0" compatLnSpc="1">
+            <a:prstTxWarp prst="textNoShape">
+              <a:avLst/>
+            </a:prstTxWarp>
+            <a:spAutoFit/>
+          </a:bodyPr>
+          <a:lstStyle/>
+          <a:p>
+            <a:endParaRPr lang="zh-CN" altLang="en-US"/>
+          </a:p>
+        </p:txBody>
+      </p:sp>
+      <p:sp>
+        <p:nvSpPr>
+          <p:cNvPr id="26628" name="Rectangle 4"/>
+          <p:cNvSpPr>
+            <a:spLocks noChangeArrowheads="1"/>
+          </p:cNvSpPr>
+          <p:nvPr/>
+        </p:nvSpPr>
+        <p:spPr bwMode="auto">
+          <a:xfrm>
+            <a:off x="0" y="0"/>
+            <a:ext cx="9144000" cy="0"/>
+          </a:xfrm>
+          <a:prstGeom prst="rect">
+            <a:avLst/>
+          </a:prstGeom>
+          <a:noFill/>
+          <a:ln w="9525">
+            <a:noFill/>
+            <a:miter lim="800000"/>
+            <a:headEnd/>
+            <a:tailEnd/>
+          </a:ln>
+          <a:effectLst/>
+        </p:spPr>
+        <p:txBody>
+          <a:bodyPr vert="horz" wrap="none" lIns="91440" tIns="45720" rIns="91440" bIns="45720" numCol="1" anchor="ctr" anchorCtr="0" compatLnSpc="1">
+            <a:prstTxWarp prst="textNoShape">
+              <a:avLst/>
+            </a:prstTxWarp>
+            <a:spAutoFit/>
+          </a:bodyPr>
+          <a:lstStyle/>
+          <a:p>
+            <a:endParaRPr lang="zh-CN" altLang="en-US"/>
+          </a:p>
+        </p:txBody>
+      </p:sp>
+      <p:sp>
+        <p:nvSpPr>
+          <p:cNvPr id="26630" name="Rectangle 6"/>
+          <p:cNvSpPr>
+            <a:spLocks noChangeArrowheads="1"/>
+          </p:cNvSpPr>
+          <p:nvPr/>
+        </p:nvSpPr>
+        <p:spPr bwMode="auto">
+          <a:xfrm>
+            <a:off x="0" y="0"/>
+            <a:ext cx="9144000" cy="0"/>
+          </a:xfrm>
+          <a:prstGeom prst="rect">
+            <a:avLst/>
+          </a:prstGeom>
+          <a:noFill/>
+          <a:ln w="9525">
+            <a:noFill/>
+            <a:miter lim="800000"/>
+            <a:headEnd/>
+            <a:tailEnd/>
+          </a:ln>
+          <a:effectLst/>
+        </p:spPr>
+        <p:txBody>
+          <a:bodyPr vert="horz" wrap="none" lIns="91440" tIns="45720" rIns="91440" bIns="45720" numCol="1" anchor="ctr" anchorCtr="0" compatLnSpc="1">
+            <a:prstTxWarp prst="textNoShape">
+              <a:avLst/>
+            </a:prstTxWarp>
+            <a:spAutoFit/>
+          </a:bodyPr>
+          <a:lstStyle/>
+          <a:p>
+            <a:endParaRPr lang="zh-CN" altLang="en-US"/>
+          </a:p>
+        </p:txBody>
+      </p:sp>
+      <p:sp>
+        <p:nvSpPr>
+          <p:cNvPr id="28676" name="Rectangle 4"/>
+          <p:cNvSpPr>
+            <a:spLocks noChangeArrowheads="1"/>
+          </p:cNvSpPr>
+          <p:nvPr/>
+        </p:nvSpPr>
+        <p:spPr bwMode="auto">
+          <a:xfrm>
+            <a:off x="0" y="0"/>
+            <a:ext cx="9144000" cy="0"/>
+          </a:xfrm>
+          <a:prstGeom prst="rect">
+            <a:avLst/>
+          </a:prstGeom>
+          <a:noFill/>
+          <a:ln w="9525">
+            <a:noFill/>
+            <a:miter lim="800000"/>
+            <a:headEnd/>
+            <a:tailEnd/>
+          </a:ln>
+          <a:effectLst/>
+        </p:spPr>
+        <p:txBody>
+          <a:bodyPr vert="horz" wrap="none" lIns="91440" tIns="45720" rIns="91440" bIns="45720" numCol="1" anchor="ctr" anchorCtr="0" compatLnSpc="1">
+            <a:prstTxWarp prst="textNoShape">
+              <a:avLst/>
+            </a:prstTxWarp>
+            <a:spAutoFit/>
+          </a:bodyPr>
+          <a:lstStyle/>
+          <a:p>
+            <a:endParaRPr lang="zh-CN" altLang="en-US"/>
+          </a:p>
+        </p:txBody>
+      </p:sp>
+      <p:sp>
+        <p:nvSpPr>
+          <p:cNvPr id="28678" name="Rectangle 6"/>
+          <p:cNvSpPr>
+            <a:spLocks noChangeArrowheads="1"/>
+          </p:cNvSpPr>
+          <p:nvPr/>
+        </p:nvSpPr>
+        <p:spPr bwMode="auto">
+          <a:xfrm>
+            <a:off x="0" y="0"/>
+            <a:ext cx="9144000" cy="0"/>
+          </a:xfrm>
+          <a:prstGeom prst="rect">
+            <a:avLst/>
+          </a:prstGeom>
+          <a:noFill/>
+          <a:ln w="9525">
+            <a:noFill/>
+            <a:miter lim="800000"/>
+            <a:headEnd/>
+            <a:tailEnd/>
+          </a:ln>
+          <a:effectLst/>
+        </p:spPr>
+        <p:txBody>
+          <a:bodyPr vert="horz" wrap="none" lIns="91440" tIns="45720" rIns="91440" bIns="45720" numCol="1" anchor="ctr" anchorCtr="0" compatLnSpc="1">
+            <a:prstTxWarp prst="textNoShape">
+              <a:avLst/>
+            </a:prstTxWarp>
+            <a:spAutoFit/>
+          </a:bodyPr>
+          <a:lstStyle/>
+          <a:p>
+            <a:endParaRPr lang="zh-CN" altLang="en-US"/>
+          </a:p>
+        </p:txBody>
+      </p:sp>
+      <p:sp>
+        <p:nvSpPr>
+          <p:cNvPr id="29701" name="Rectangle 5"/>
+          <p:cNvSpPr>
+            <a:spLocks noChangeArrowheads="1"/>
+          </p:cNvSpPr>
+          <p:nvPr/>
+        </p:nvSpPr>
+        <p:spPr bwMode="auto">
+          <a:xfrm>
+            <a:off x="0" y="0"/>
+            <a:ext cx="9144000" cy="0"/>
+          </a:xfrm>
+          <a:prstGeom prst="rect">
+            <a:avLst/>
+          </a:prstGeom>
+          <a:noFill/>
+          <a:ln w="9525">
+            <a:noFill/>
+            <a:miter lim="800000"/>
+            <a:headEnd/>
+            <a:tailEnd/>
+          </a:ln>
+          <a:effectLst/>
+        </p:spPr>
+        <p:txBody>
+          <a:bodyPr vert="horz" wrap="none" lIns="91440" tIns="45720" rIns="91440" bIns="45720" numCol="1" anchor="ctr" anchorCtr="0" compatLnSpc="1">
+            <a:prstTxWarp prst="textNoShape">
+              <a:avLst/>
+            </a:prstTxWarp>
+            <a:spAutoFit/>
+          </a:bodyPr>
+          <a:lstStyle/>
+          <a:p>
+            <a:endParaRPr lang="zh-CN" altLang="en-US"/>
+          </a:p>
+        </p:txBody>
+      </p:sp>
+      <p:graphicFrame>
+        <p:nvGraphicFramePr>
+          <p:cNvPr id="29700" name="Object 4"/>
+          <p:cNvGraphicFramePr>
+            <a:graphicFrameLocks noChangeAspect="1"/>
+          </p:cNvGraphicFramePr>
+          <p:nvPr/>
+        </p:nvGraphicFramePr>
+        <p:xfrm>
+          <a:off x="251520" y="1628800"/>
+          <a:ext cx="8614824" cy="4464496"/>
+        </p:xfrm>
+        <a:graphic>
+          <a:graphicData uri="http://schemas.openxmlformats.org/presentationml/2006/ole">
+            <p:oleObj spid="_x0000_s29700" name="Visio" r:id="rId3" imgW="4966622" imgH="2572681" progId="Visio.Drawing.11">
+              <p:embed/>
+            </p:oleObj>
+          </a:graphicData>
+        </a:graphic>
+      </p:graphicFrame>
     </p:spTree>
   </p:cSld>
   <p:clrMapOvr>
@@ -5999,15 +9804,7 @@
           <a:p>
             <a:r>
               <a:rPr lang="zh-CN" altLang="en-US" dirty="0" smtClean="0"/>
-              <a:t>应用</a:t>
-            </a:r>
-            <a:r>
-              <a:rPr lang="en-US" altLang="zh-CN" dirty="0" smtClean="0"/>
-              <a:t>-</a:t>
-            </a:r>
-            <a:r>
-              <a:rPr lang="zh-CN" altLang="en-US" dirty="0" smtClean="0"/>
-              <a:t>新闻发布客户端</a:t>
+              <a:t>效果图</a:t>
             </a:r>
             <a:endParaRPr lang="zh-CN" altLang="en-US" dirty="0"/>
           </a:p>
@@ -6015,54 +9812,311 @@
       </p:sp>
       <p:sp>
         <p:nvSpPr>
-          <p:cNvPr id="3" name="内容占位符 2"/>
-          <p:cNvSpPr>
-            <a:spLocks noGrp="1"/>
-          </p:cNvSpPr>
-          <p:nvPr>
-            <p:ph sz="quarter" idx="1"/>
-          </p:nvPr>
-        </p:nvSpPr>
-        <p:spPr/>
-        <p:txBody>
-          <a:bodyPr/>
-          <a:lstStyle/>
-          <a:p>
-            <a:r>
-              <a:rPr lang="zh-CN" altLang="en-US" dirty="0" smtClean="0"/>
-              <a:t>下载自动生成的源代码和</a:t>
-            </a:r>
-            <a:r>
-              <a:rPr lang="en-US" altLang="zh-CN" dirty="0" smtClean="0"/>
-              <a:t>JAR</a:t>
-            </a:r>
-            <a:r>
-              <a:rPr lang="zh-CN" altLang="en-US" dirty="0" smtClean="0"/>
-              <a:t>包，在自己的</a:t>
-            </a:r>
-            <a:r>
-              <a:rPr lang="en-US" altLang="zh-CN" dirty="0" smtClean="0"/>
-              <a:t>APP</a:t>
-            </a:r>
-            <a:r>
-              <a:rPr lang="zh-CN" altLang="en-US" dirty="0" smtClean="0"/>
-              <a:t>中添加引用并</a:t>
-            </a:r>
-            <a:r>
-              <a:rPr lang="en-US" altLang="zh-CN" dirty="0" smtClean="0"/>
-              <a:t>Copy</a:t>
-            </a:r>
-            <a:r>
-              <a:rPr lang="zh-CN" altLang="en-US" dirty="0" smtClean="0"/>
-              <a:t>生成的源代码，如有需要，可重写。</a:t>
-            </a:r>
-            <a:endParaRPr lang="zh-CN" altLang="en-US" dirty="0"/>
+          <p:cNvPr id="7170" name="Rectangle 2"/>
+          <p:cNvSpPr>
+            <a:spLocks noChangeArrowheads="1"/>
+          </p:cNvSpPr>
+          <p:nvPr/>
+        </p:nvSpPr>
+        <p:spPr bwMode="auto">
+          <a:xfrm>
+            <a:off x="0" y="0"/>
+            <a:ext cx="9144000" cy="0"/>
+          </a:xfrm>
+          <a:prstGeom prst="rect">
+            <a:avLst/>
+          </a:prstGeom>
+          <a:noFill/>
+          <a:ln w="9525">
+            <a:noFill/>
+            <a:miter lim="800000"/>
+            <a:headEnd/>
+            <a:tailEnd/>
+          </a:ln>
+          <a:effectLst/>
+        </p:spPr>
+        <p:txBody>
+          <a:bodyPr vert="horz" wrap="none" lIns="91440" tIns="45720" rIns="91440" bIns="45720" numCol="1" anchor="ctr" anchorCtr="0" compatLnSpc="1">
+            <a:prstTxWarp prst="textNoShape">
+              <a:avLst/>
+            </a:prstTxWarp>
+            <a:spAutoFit/>
+          </a:bodyPr>
+          <a:lstStyle/>
+          <a:p>
+            <a:endParaRPr lang="zh-CN" altLang="en-US"/>
+          </a:p>
+        </p:txBody>
+      </p:sp>
+      <p:sp>
+        <p:nvSpPr>
+          <p:cNvPr id="1026" name="Rectangle 2"/>
+          <p:cNvSpPr>
+            <a:spLocks noChangeArrowheads="1"/>
+          </p:cNvSpPr>
+          <p:nvPr/>
+        </p:nvSpPr>
+        <p:spPr bwMode="auto">
+          <a:xfrm>
+            <a:off x="0" y="0"/>
+            <a:ext cx="9144000" cy="0"/>
+          </a:xfrm>
+          <a:prstGeom prst="rect">
+            <a:avLst/>
+          </a:prstGeom>
+          <a:noFill/>
+          <a:ln w="9525">
+            <a:noFill/>
+            <a:miter lim="800000"/>
+            <a:headEnd/>
+            <a:tailEnd/>
+          </a:ln>
+          <a:effectLst/>
+        </p:spPr>
+        <p:txBody>
+          <a:bodyPr vert="horz" wrap="none" lIns="91440" tIns="45720" rIns="91440" bIns="45720" numCol="1" anchor="ctr" anchorCtr="0" compatLnSpc="1">
+            <a:prstTxWarp prst="textNoShape">
+              <a:avLst/>
+            </a:prstTxWarp>
+            <a:spAutoFit/>
+          </a:bodyPr>
+          <a:lstStyle/>
+          <a:p>
+            <a:endParaRPr lang="zh-CN" altLang="en-US"/>
+          </a:p>
+        </p:txBody>
+      </p:sp>
+      <p:sp>
+        <p:nvSpPr>
+          <p:cNvPr id="1028" name="Rectangle 4"/>
+          <p:cNvSpPr>
+            <a:spLocks noChangeArrowheads="1"/>
+          </p:cNvSpPr>
+          <p:nvPr/>
+        </p:nvSpPr>
+        <p:spPr bwMode="auto">
+          <a:xfrm>
+            <a:off x="0" y="0"/>
+            <a:ext cx="9144000" cy="0"/>
+          </a:xfrm>
+          <a:prstGeom prst="rect">
+            <a:avLst/>
+          </a:prstGeom>
+          <a:noFill/>
+          <a:ln w="9525">
+            <a:noFill/>
+            <a:miter lim="800000"/>
+            <a:headEnd/>
+            <a:tailEnd/>
+          </a:ln>
+          <a:effectLst/>
+        </p:spPr>
+        <p:txBody>
+          <a:bodyPr vert="horz" wrap="none" lIns="91440" tIns="45720" rIns="91440" bIns="45720" numCol="1" anchor="ctr" anchorCtr="0" compatLnSpc="1">
+            <a:prstTxWarp prst="textNoShape">
+              <a:avLst/>
+            </a:prstTxWarp>
+            <a:spAutoFit/>
+          </a:bodyPr>
+          <a:lstStyle/>
+          <a:p>
+            <a:endParaRPr lang="zh-CN" altLang="en-US"/>
+          </a:p>
+        </p:txBody>
+      </p:sp>
+      <p:sp>
+        <p:nvSpPr>
+          <p:cNvPr id="26628" name="Rectangle 4"/>
+          <p:cNvSpPr>
+            <a:spLocks noChangeArrowheads="1"/>
+          </p:cNvSpPr>
+          <p:nvPr/>
+        </p:nvSpPr>
+        <p:spPr bwMode="auto">
+          <a:xfrm>
+            <a:off x="0" y="0"/>
+            <a:ext cx="9144000" cy="0"/>
+          </a:xfrm>
+          <a:prstGeom prst="rect">
+            <a:avLst/>
+          </a:prstGeom>
+          <a:noFill/>
+          <a:ln w="9525">
+            <a:noFill/>
+            <a:miter lim="800000"/>
+            <a:headEnd/>
+            <a:tailEnd/>
+          </a:ln>
+          <a:effectLst/>
+        </p:spPr>
+        <p:txBody>
+          <a:bodyPr vert="horz" wrap="none" lIns="91440" tIns="45720" rIns="91440" bIns="45720" numCol="1" anchor="ctr" anchorCtr="0" compatLnSpc="1">
+            <a:prstTxWarp prst="textNoShape">
+              <a:avLst/>
+            </a:prstTxWarp>
+            <a:spAutoFit/>
+          </a:bodyPr>
+          <a:lstStyle/>
+          <a:p>
+            <a:endParaRPr lang="zh-CN" altLang="en-US"/>
+          </a:p>
+        </p:txBody>
+      </p:sp>
+      <p:sp>
+        <p:nvSpPr>
+          <p:cNvPr id="26630" name="Rectangle 6"/>
+          <p:cNvSpPr>
+            <a:spLocks noChangeArrowheads="1"/>
+          </p:cNvSpPr>
+          <p:nvPr/>
+        </p:nvSpPr>
+        <p:spPr bwMode="auto">
+          <a:xfrm>
+            <a:off x="0" y="0"/>
+            <a:ext cx="9144000" cy="0"/>
+          </a:xfrm>
+          <a:prstGeom prst="rect">
+            <a:avLst/>
+          </a:prstGeom>
+          <a:noFill/>
+          <a:ln w="9525">
+            <a:noFill/>
+            <a:miter lim="800000"/>
+            <a:headEnd/>
+            <a:tailEnd/>
+          </a:ln>
+          <a:effectLst/>
+        </p:spPr>
+        <p:txBody>
+          <a:bodyPr vert="horz" wrap="none" lIns="91440" tIns="45720" rIns="91440" bIns="45720" numCol="1" anchor="ctr" anchorCtr="0" compatLnSpc="1">
+            <a:prstTxWarp prst="textNoShape">
+              <a:avLst/>
+            </a:prstTxWarp>
+            <a:spAutoFit/>
+          </a:bodyPr>
+          <a:lstStyle/>
+          <a:p>
+            <a:endParaRPr lang="zh-CN" altLang="en-US"/>
+          </a:p>
+        </p:txBody>
+      </p:sp>
+      <p:sp>
+        <p:nvSpPr>
+          <p:cNvPr id="28676" name="Rectangle 4"/>
+          <p:cNvSpPr>
+            <a:spLocks noChangeArrowheads="1"/>
+          </p:cNvSpPr>
+          <p:nvPr/>
+        </p:nvSpPr>
+        <p:spPr bwMode="auto">
+          <a:xfrm>
+            <a:off x="0" y="0"/>
+            <a:ext cx="9144000" cy="0"/>
+          </a:xfrm>
+          <a:prstGeom prst="rect">
+            <a:avLst/>
+          </a:prstGeom>
+          <a:noFill/>
+          <a:ln w="9525">
+            <a:noFill/>
+            <a:miter lim="800000"/>
+            <a:headEnd/>
+            <a:tailEnd/>
+          </a:ln>
+          <a:effectLst/>
+        </p:spPr>
+        <p:txBody>
+          <a:bodyPr vert="horz" wrap="none" lIns="91440" tIns="45720" rIns="91440" bIns="45720" numCol="1" anchor="ctr" anchorCtr="0" compatLnSpc="1">
+            <a:prstTxWarp prst="textNoShape">
+              <a:avLst/>
+            </a:prstTxWarp>
+            <a:spAutoFit/>
+          </a:bodyPr>
+          <a:lstStyle/>
+          <a:p>
+            <a:endParaRPr lang="zh-CN" altLang="en-US"/>
+          </a:p>
+        </p:txBody>
+      </p:sp>
+      <p:sp>
+        <p:nvSpPr>
+          <p:cNvPr id="28678" name="Rectangle 6"/>
+          <p:cNvSpPr>
+            <a:spLocks noChangeArrowheads="1"/>
+          </p:cNvSpPr>
+          <p:nvPr/>
+        </p:nvSpPr>
+        <p:spPr bwMode="auto">
+          <a:xfrm>
+            <a:off x="0" y="0"/>
+            <a:ext cx="9144000" cy="0"/>
+          </a:xfrm>
+          <a:prstGeom prst="rect">
+            <a:avLst/>
+          </a:prstGeom>
+          <a:noFill/>
+          <a:ln w="9525">
+            <a:noFill/>
+            <a:miter lim="800000"/>
+            <a:headEnd/>
+            <a:tailEnd/>
+          </a:ln>
+          <a:effectLst/>
+        </p:spPr>
+        <p:txBody>
+          <a:bodyPr vert="horz" wrap="none" lIns="91440" tIns="45720" rIns="91440" bIns="45720" numCol="1" anchor="ctr" anchorCtr="0" compatLnSpc="1">
+            <a:prstTxWarp prst="textNoShape">
+              <a:avLst/>
+            </a:prstTxWarp>
+            <a:spAutoFit/>
+          </a:bodyPr>
+          <a:lstStyle/>
+          <a:p>
+            <a:endParaRPr lang="zh-CN" altLang="en-US"/>
+          </a:p>
+        </p:txBody>
+      </p:sp>
+      <p:sp>
+        <p:nvSpPr>
+          <p:cNvPr id="29701" name="Rectangle 5"/>
+          <p:cNvSpPr>
+            <a:spLocks noChangeArrowheads="1"/>
+          </p:cNvSpPr>
+          <p:nvPr/>
+        </p:nvSpPr>
+        <p:spPr bwMode="auto">
+          <a:xfrm>
+            <a:off x="0" y="0"/>
+            <a:ext cx="9144000" cy="0"/>
+          </a:xfrm>
+          <a:prstGeom prst="rect">
+            <a:avLst/>
+          </a:prstGeom>
+          <a:noFill/>
+          <a:ln w="9525">
+            <a:noFill/>
+            <a:miter lim="800000"/>
+            <a:headEnd/>
+            <a:tailEnd/>
+          </a:ln>
+          <a:effectLst/>
+        </p:spPr>
+        <p:txBody>
+          <a:bodyPr vert="horz" wrap="none" lIns="91440" tIns="45720" rIns="91440" bIns="45720" numCol="1" anchor="ctr" anchorCtr="0" compatLnSpc="1">
+            <a:prstTxWarp prst="textNoShape">
+              <a:avLst/>
+            </a:prstTxWarp>
+            <a:spAutoFit/>
+          </a:bodyPr>
+          <a:lstStyle/>
+          <a:p>
+            <a:endParaRPr lang="zh-CN" altLang="en-US"/>
           </a:p>
         </p:txBody>
       </p:sp>
       <p:pic>
         <p:nvPicPr>
-          <p:cNvPr id="5" name="Picture 1"/>
+          <p:cNvPr id="12" name="Picture 1"/>
           <p:cNvPicPr>
             <a:picLocks noChangeAspect="1" noChangeArrowheads="1"/>
           </p:cNvPicPr>
@@ -6077,8 +10131,8 @@
         </p:blipFill>
         <p:spPr bwMode="auto">
           <a:xfrm>
-            <a:off x="1171681" y="2718444"/>
-            <a:ext cx="2372300" cy="3356992"/>
+            <a:off x="683568" y="1412776"/>
+            <a:ext cx="6264696" cy="3438695"/>
           </a:xfrm>
           <a:prstGeom prst="rect">
             <a:avLst/>
@@ -6094,7 +10148,7 @@
       </p:pic>
       <p:pic>
         <p:nvPicPr>
-          <p:cNvPr id="6" name="Picture 1"/>
+          <p:cNvPr id="13" name="Picture 1"/>
           <p:cNvPicPr>
             <a:picLocks noChangeAspect="1" noChangeArrowheads="1"/>
           </p:cNvPicPr>
@@ -6109,8 +10163,8 @@
         </p:blipFill>
         <p:spPr bwMode="auto">
           <a:xfrm>
-            <a:off x="3851920" y="2420888"/>
-            <a:ext cx="2628564" cy="2070371"/>
+            <a:off x="755576" y="3573016"/>
+            <a:ext cx="7261677" cy="2664296"/>
           </a:xfrm>
           <a:prstGeom prst="rect">
             <a:avLst/>
@@ -6126,7 +10180,7 @@
       </p:pic>
       <p:pic>
         <p:nvPicPr>
-          <p:cNvPr id="7" name="Picture 1"/>
+          <p:cNvPr id="14" name="Picture 2"/>
           <p:cNvPicPr>
             <a:picLocks noChangeAspect="1" noChangeArrowheads="1"/>
           </p:cNvPicPr>
@@ -6141,8 +10195,8 @@
         </p:blipFill>
         <p:spPr bwMode="auto">
           <a:xfrm>
-            <a:off x="3851920" y="4725144"/>
-            <a:ext cx="2922783" cy="1732632"/>
+            <a:off x="467544" y="1340768"/>
+            <a:ext cx="8411340" cy="4176464"/>
           </a:xfrm>
           <a:prstGeom prst="rect">
             <a:avLst/>
@@ -6164,7 +10218,121 @@
   <p:timing>
     <p:tnLst>
       <p:par>
-        <p:cTn id="1" dur="indefinite" restart="never" nodeType="tmRoot"/>
+        <p:cTn id="1" dur="indefinite" restart="never" nodeType="tmRoot">
+          <p:childTnLst>
+            <p:seq concurrent="1" nextAc="seek">
+              <p:cTn id="2" dur="indefinite" nodeType="mainSeq">
+                <p:childTnLst>
+                  <p:par>
+                    <p:cTn id="3" fill="hold">
+                      <p:stCondLst>
+                        <p:cond delay="indefinite"/>
+                      </p:stCondLst>
+                      <p:childTnLst>
+                        <p:par>
+                          <p:cTn id="4" fill="hold">
+                            <p:stCondLst>
+                              <p:cond delay="0"/>
+                            </p:stCondLst>
+                            <p:childTnLst>
+                              <p:par>
+                                <p:cTn id="5" presetID="2" presetClass="entr" presetSubtype="4" fill="hold" nodeType="clickEffect">
+                                  <p:stCondLst>
+                                    <p:cond delay="0"/>
+                                  </p:stCondLst>
+                                  <p:childTnLst>
+                                    <p:set>
+                                      <p:cBhvr>
+                                        <p:cTn id="6" dur="1" fill="hold">
+                                          <p:stCondLst>
+                                            <p:cond delay="0"/>
+                                          </p:stCondLst>
+                                        </p:cTn>
+                                        <p:tgtEl>
+                                          <p:spTgt spid="14"/>
+                                        </p:tgtEl>
+                                        <p:attrNameLst>
+                                          <p:attrName>style.visibility</p:attrName>
+                                        </p:attrNameLst>
+                                      </p:cBhvr>
+                                      <p:to>
+                                        <p:strVal val="visible"/>
+                                      </p:to>
+                                    </p:set>
+                                    <p:anim calcmode="lin" valueType="num">
+                                      <p:cBhvr additive="base">
+                                        <p:cTn id="7" dur="500" fill="hold"/>
+                                        <p:tgtEl>
+                                          <p:spTgt spid="14"/>
+                                        </p:tgtEl>
+                                        <p:attrNameLst>
+                                          <p:attrName>ppt_x</p:attrName>
+                                        </p:attrNameLst>
+                                      </p:cBhvr>
+                                      <p:tavLst>
+                                        <p:tav tm="0">
+                                          <p:val>
+                                            <p:strVal val="#ppt_x"/>
+                                          </p:val>
+                                        </p:tav>
+                                        <p:tav tm="100000">
+                                          <p:val>
+                                            <p:strVal val="#ppt_x"/>
+                                          </p:val>
+                                        </p:tav>
+                                      </p:tavLst>
+                                    </p:anim>
+                                    <p:anim calcmode="lin" valueType="num">
+                                      <p:cBhvr additive="base">
+                                        <p:cTn id="8" dur="500" fill="hold"/>
+                                        <p:tgtEl>
+                                          <p:spTgt spid="14"/>
+                                        </p:tgtEl>
+                                        <p:attrNameLst>
+                                          <p:attrName>ppt_y</p:attrName>
+                                        </p:attrNameLst>
+                                      </p:cBhvr>
+                                      <p:tavLst>
+                                        <p:tav tm="0">
+                                          <p:val>
+                                            <p:strVal val="1+#ppt_h/2"/>
+                                          </p:val>
+                                        </p:tav>
+                                        <p:tav tm="100000">
+                                          <p:val>
+                                            <p:strVal val="#ppt_y"/>
+                                          </p:val>
+                                        </p:tav>
+                                      </p:tavLst>
+                                    </p:anim>
+                                  </p:childTnLst>
+                                </p:cTn>
+                              </p:par>
+                            </p:childTnLst>
+                          </p:cTn>
+                        </p:par>
+                      </p:childTnLst>
+                    </p:cTn>
+                  </p:par>
+                </p:childTnLst>
+              </p:cTn>
+              <p:prevCondLst>
+                <p:cond evt="onPrev" delay="0">
+                  <p:tgtEl>
+                    <p:sldTgt/>
+                  </p:tgtEl>
+                </p:cond>
+              </p:prevCondLst>
+              <p:nextCondLst>
+                <p:cond evt="onNext" delay="0">
+                  <p:tgtEl>
+                    <p:sldTgt/>
+                  </p:tgtEl>
+                </p:cond>
+              </p:nextCondLst>
+            </p:seq>
+          </p:childTnLst>
+        </p:cTn>
       </p:par>
     </p:tnLst>
   </p:timing>

--- a/论文PPT.pptx
+++ b/论文PPT.pptx
@@ -2710,6 +2710,13 @@
         </dgm:presLayoutVars>
       </dgm:prSet>
       <dgm:spPr/>
+      <dgm:t>
+        <a:bodyPr/>
+        <a:lstStyle/>
+        <a:p>
+          <a:endParaRPr lang="zh-CN" altLang="en-US"/>
+        </a:p>
+      </dgm:t>
     </dgm:pt>
     <dgm:pt modelId="{02A8F818-0DB1-4F00-83F2-C80EC34E4626}" type="pres">
       <dgm:prSet presAssocID="{52842D7D-0736-4A58-B956-F7120E32AD6F}" presName="centerShape" presStyleLbl="node0" presStyleIdx="0" presStyleCnt="1"/>
@@ -2725,6 +2732,13 @@
     <dgm:pt modelId="{A7C679A2-1DAC-401A-A059-E2B0BA1760C8}" type="pres">
       <dgm:prSet presAssocID="{23CE340D-0D10-448E-8068-D7A933BFD155}" presName="parTrans" presStyleLbl="bgSibTrans2D1" presStyleIdx="0" presStyleCnt="3" custAng="17088023" custFlipHor="1" custScaleX="32418" custLinFactNeighborX="28386" custLinFactNeighborY="73033"/>
       <dgm:spPr/>
+      <dgm:t>
+        <a:bodyPr/>
+        <a:lstStyle/>
+        <a:p>
+          <a:endParaRPr lang="zh-CN" altLang="en-US"/>
+        </a:p>
+      </dgm:t>
     </dgm:pt>
     <dgm:pt modelId="{C4703476-99E0-4FF9-87D8-1934A9445F50}" type="pres">
       <dgm:prSet presAssocID="{EE4D6FD4-3BDE-4CAF-BD7D-3E7982FD00FD}" presName="node" presStyleLbl="node1" presStyleIdx="0" presStyleCnt="3">
@@ -2744,6 +2758,13 @@
     <dgm:pt modelId="{BE8DEC34-68E8-42E9-BF72-71E7BDE98429}" type="pres">
       <dgm:prSet presAssocID="{15DD97CF-D86D-4DA3-9E02-9364AF0E07EF}" presName="parTrans" presStyleLbl="bgSibTrans2D1" presStyleIdx="1" presStyleCnt="3" custAng="10800000" custFlipHor="1" custScaleX="52901" custLinFactNeighborX="590" custLinFactNeighborY="76894"/>
       <dgm:spPr/>
+      <dgm:t>
+        <a:bodyPr/>
+        <a:lstStyle/>
+        <a:p>
+          <a:endParaRPr lang="zh-CN" altLang="en-US"/>
+        </a:p>
+      </dgm:t>
     </dgm:pt>
     <dgm:pt modelId="{CB57229B-EA1A-43E5-9C02-1ED91E236DAD}" type="pres">
       <dgm:prSet presAssocID="{FB04CCA0-C5EC-4D57-8732-BEAF194BB8A7}" presName="node" presStyleLbl="node1" presStyleIdx="1" presStyleCnt="3">
@@ -2763,6 +2784,13 @@
     <dgm:pt modelId="{6F96541D-CEAF-4313-8B3B-45678BE28E56}" type="pres">
       <dgm:prSet presAssocID="{C0038A10-872E-4481-952E-FD48FE6CE1E8}" presName="parTrans" presStyleLbl="bgSibTrans2D1" presStyleIdx="2" presStyleCnt="3" custAng="10749290" custScaleX="41659" custLinFactNeighborX="-28206" custLinFactNeighborY="55998"/>
       <dgm:spPr/>
+      <dgm:t>
+        <a:bodyPr/>
+        <a:lstStyle/>
+        <a:p>
+          <a:endParaRPr lang="zh-CN" altLang="en-US"/>
+        </a:p>
+      </dgm:t>
     </dgm:pt>
     <dgm:pt modelId="{4FD2ECBC-38F8-4DD8-8947-5BD63A39E32F}" type="pres">
       <dgm:prSet presAssocID="{8C70F0ED-C2CE-416A-AF3B-5222B8861819}" presName="node" presStyleLbl="node1" presStyleIdx="2" presStyleCnt="3">
@@ -3074,6 +3102,13 @@
         </dgm:presLayoutVars>
       </dgm:prSet>
       <dgm:spPr/>
+      <dgm:t>
+        <a:bodyPr/>
+        <a:lstStyle/>
+        <a:p>
+          <a:endParaRPr lang="zh-CN" altLang="en-US"/>
+        </a:p>
+      </dgm:t>
     </dgm:pt>
     <dgm:pt modelId="{B1758626-A23C-42D4-86C2-85BAD78C2664}" type="pres">
       <dgm:prSet presAssocID="{923540E0-106A-4113-92A4-EE114DD5BE9A}" presName="dummyMaxCanvas" presStyleCnt="0">
@@ -3133,6 +3168,13 @@
         </dgm:presLayoutVars>
       </dgm:prSet>
       <dgm:spPr/>
+      <dgm:t>
+        <a:bodyPr/>
+        <a:lstStyle/>
+        <a:p>
+          <a:endParaRPr lang="zh-CN" altLang="en-US"/>
+        </a:p>
+      </dgm:t>
     </dgm:pt>
     <dgm:pt modelId="{67F047E0-4DCD-46C8-890A-43BC0C40B153}" type="pres">
       <dgm:prSet presAssocID="{923540E0-106A-4113-92A4-EE114DD5BE9A}" presName="ThreeConn_2-3" presStyleLbl="fgAccFollowNode1" presStyleIdx="1" presStyleCnt="2">
@@ -3141,6 +3183,13 @@
         </dgm:presLayoutVars>
       </dgm:prSet>
       <dgm:spPr/>
+      <dgm:t>
+        <a:bodyPr/>
+        <a:lstStyle/>
+        <a:p>
+          <a:endParaRPr lang="zh-CN" altLang="en-US"/>
+        </a:p>
+      </dgm:t>
     </dgm:pt>
     <dgm:pt modelId="{3CA5F7F6-7497-4117-9A70-10F209485DAD}" type="pres">
       <dgm:prSet presAssocID="{923540E0-106A-4113-92A4-EE114DD5BE9A}" presName="ThreeNodes_1_text" presStyleLbl="node1" presStyleIdx="2" presStyleCnt="3">
@@ -3193,8 +3242,8 @@
     <dgm:cxn modelId="{808087A5-1F2E-4D95-BF00-D47197F94420}" type="presOf" srcId="{F2A016CE-B69A-4DDA-B2BC-84B133A1854B}" destId="{60F9A21F-CB19-41E9-B0C5-3328BD7FE51D}" srcOrd="0" destOrd="0" presId="urn:microsoft.com/office/officeart/2005/8/layout/vProcess5"/>
     <dgm:cxn modelId="{ABE0B113-5911-406D-B892-CF84D15F1217}" type="presOf" srcId="{AB9B2CDA-1D1F-41CA-832C-728449119647}" destId="{06292878-428E-43E5-B926-778003ACA46E}" srcOrd="0" destOrd="0" presId="urn:microsoft.com/office/officeart/2005/8/layout/vProcess5"/>
     <dgm:cxn modelId="{87CB6322-37C6-4DA4-8E3B-AB76170A98F7}" type="presOf" srcId="{2E24C732-6A95-4388-B267-A9C19C89A0ED}" destId="{67F047E0-4DCD-46C8-890A-43BC0C40B153}" srcOrd="0" destOrd="0" presId="urn:microsoft.com/office/officeart/2005/8/layout/vProcess5"/>
+    <dgm:cxn modelId="{CAA8737E-0C70-4AED-9FB4-95A17887F930}" type="presOf" srcId="{626B890F-B039-4B7B-AD22-F0ABB8FC1237}" destId="{28CAE78F-E50E-4581-B681-6BC198117780}" srcOrd="1" destOrd="0" presId="urn:microsoft.com/office/officeart/2005/8/layout/vProcess5"/>
     <dgm:cxn modelId="{CB2D9265-2052-4AA5-95E1-705400DF0F59}" srcId="{923540E0-106A-4113-92A4-EE114DD5BE9A}" destId="{ED5B9939-B946-4CC8-98A4-1A904FDD6969}" srcOrd="1" destOrd="0" parTransId="{E9C28C80-850C-4C72-AB50-A67BAF12BC68}" sibTransId="{2E24C732-6A95-4388-B267-A9C19C89A0ED}"/>
-    <dgm:cxn modelId="{CAA8737E-0C70-4AED-9FB4-95A17887F930}" type="presOf" srcId="{626B890F-B039-4B7B-AD22-F0ABB8FC1237}" destId="{28CAE78F-E50E-4581-B681-6BC198117780}" srcOrd="1" destOrd="0" presId="urn:microsoft.com/office/officeart/2005/8/layout/vProcess5"/>
     <dgm:cxn modelId="{0F97CBEE-708A-43D2-87F9-B48B33F473BE}" type="presOf" srcId="{923540E0-106A-4113-92A4-EE114DD5BE9A}" destId="{1D4F47EC-4B66-4BA5-A3DE-7FF6533CE93D}" srcOrd="0" destOrd="0" presId="urn:microsoft.com/office/officeart/2005/8/layout/vProcess5"/>
     <dgm:cxn modelId="{A23A5E21-5DB6-421A-8B5B-74A4A1E3D6D0}" srcId="{923540E0-106A-4113-92A4-EE114DD5BE9A}" destId="{F2A016CE-B69A-4DDA-B2BC-84B133A1854B}" srcOrd="0" destOrd="0" parTransId="{BC1B22A9-90DC-415F-BCEB-6278CAD41EB6}" sibTransId="{AB9B2CDA-1D1F-41CA-832C-728449119647}"/>
     <dgm:cxn modelId="{6A7E2BEF-5053-4002-AEF4-9D0B9D764261}" srcId="{923540E0-106A-4113-92A4-EE114DD5BE9A}" destId="{626B890F-B039-4B7B-AD22-F0ABB8FC1237}" srcOrd="2" destOrd="0" parTransId="{E009DC7D-661C-451B-AE45-DD71E9B07CD4}" sibTransId="{D54235CB-C01C-4703-80B9-92A94363BC4D}"/>
@@ -3812,6 +3861,13 @@
         </dgm:presLayoutVars>
       </dgm:prSet>
       <dgm:spPr/>
+      <dgm:t>
+        <a:bodyPr/>
+        <a:lstStyle/>
+        <a:p>
+          <a:endParaRPr lang="zh-CN" altLang="en-US"/>
+        </a:p>
+      </dgm:t>
     </dgm:pt>
     <dgm:pt modelId="{FD170419-7D18-491B-8212-B84A0D5B5B04}" type="pres">
       <dgm:prSet presAssocID="{130F2687-4C39-4FE2-B59A-ADCFB7C0F26A}" presName="circle1" presStyleLbl="node1" presStyleIdx="0" presStyleCnt="2"/>
@@ -3824,6 +3880,13 @@
     <dgm:pt modelId="{ACAC7D86-B4FC-4AF4-9A1A-AA42BBF2761A}" type="pres">
       <dgm:prSet presAssocID="{130F2687-4C39-4FE2-B59A-ADCFB7C0F26A}" presName="rect1" presStyleLbl="alignAcc1" presStyleIdx="0" presStyleCnt="2"/>
       <dgm:spPr/>
+      <dgm:t>
+        <a:bodyPr/>
+        <a:lstStyle/>
+        <a:p>
+          <a:endParaRPr lang="zh-CN" altLang="en-US"/>
+        </a:p>
+      </dgm:t>
     </dgm:pt>
     <dgm:pt modelId="{49961229-B8AC-4062-98E2-3F26BF9FC422}" type="pres">
       <dgm:prSet presAssocID="{96553ABA-8B95-4F2D-98B2-2B8C0BC0052E}" presName="vertSpace2" presStyleLbl="node1" presStyleIdx="0" presStyleCnt="2"/>
@@ -3836,6 +3899,13 @@
     <dgm:pt modelId="{EFC8429E-EE54-49F7-9101-FFEABDC5760B}" type="pres">
       <dgm:prSet presAssocID="{96553ABA-8B95-4F2D-98B2-2B8C0BC0052E}" presName="rect2" presStyleLbl="alignAcc1" presStyleIdx="1" presStyleCnt="2"/>
       <dgm:spPr/>
+      <dgm:t>
+        <a:bodyPr/>
+        <a:lstStyle/>
+        <a:p>
+          <a:endParaRPr lang="zh-CN" altLang="en-US"/>
+        </a:p>
+      </dgm:t>
     </dgm:pt>
     <dgm:pt modelId="{CFA00E26-19F5-4545-A92F-4653019259E8}" type="pres">
       <dgm:prSet presAssocID="{130F2687-4C39-4FE2-B59A-ADCFB7C0F26A}" presName="rect1ParTx" presStyleLbl="alignAcc1" presStyleIdx="1" presStyleCnt="2">
@@ -3845,6 +3915,13 @@
         </dgm:presLayoutVars>
       </dgm:prSet>
       <dgm:spPr/>
+      <dgm:t>
+        <a:bodyPr/>
+        <a:lstStyle/>
+        <a:p>
+          <a:endParaRPr lang="zh-CN" altLang="en-US"/>
+        </a:p>
+      </dgm:t>
     </dgm:pt>
     <dgm:pt modelId="{23640AAC-B749-4ADC-A4AA-9A59DE889370}" type="pres">
       <dgm:prSet presAssocID="{130F2687-4C39-4FE2-B59A-ADCFB7C0F26A}" presName="rect1ChTx" presStyleLbl="alignAcc1" presStyleIdx="1" presStyleCnt="2">
@@ -3869,6 +3946,13 @@
         </dgm:presLayoutVars>
       </dgm:prSet>
       <dgm:spPr/>
+      <dgm:t>
+        <a:bodyPr/>
+        <a:lstStyle/>
+        <a:p>
+          <a:endParaRPr lang="zh-CN" altLang="en-US"/>
+        </a:p>
+      </dgm:t>
     </dgm:pt>
     <dgm:pt modelId="{550A9515-DB73-4908-9A85-1A2920082CAA}" type="pres">
       <dgm:prSet presAssocID="{96553ABA-8B95-4F2D-98B2-2B8C0BC0052E}" presName="rect2ChTx" presStyleLbl="alignAcc1" presStyleIdx="1" presStyleCnt="2">
@@ -3877,42 +3961,49 @@
         </dgm:presLayoutVars>
       </dgm:prSet>
       <dgm:spPr/>
+      <dgm:t>
+        <a:bodyPr/>
+        <a:lstStyle/>
+        <a:p>
+          <a:endParaRPr lang="zh-CN" altLang="en-US"/>
+        </a:p>
+      </dgm:t>
     </dgm:pt>
   </dgm:ptLst>
   <dgm:cxnLst>
-    <dgm:cxn modelId="{133D8803-6517-4C42-A79F-65E658667258}" srcId="{96553ABA-8B95-4F2D-98B2-2B8C0BC0052E}" destId="{A498F688-A88E-44BA-9E21-748EB229D76F}" srcOrd="2" destOrd="0" parTransId="{AA52C80B-0BF2-44D3-B151-98DA11A82594}" sibTransId="{F7A53BE0-7DA5-45E7-8851-7AD080E301DB}"/>
-    <dgm:cxn modelId="{599EB033-2F9E-444E-B04C-16D59E808E87}" type="presOf" srcId="{8D675B64-7674-40C8-AFC7-E1190284C585}" destId="{23640AAC-B749-4ADC-A4AA-9A59DE889370}" srcOrd="0" destOrd="3" presId="urn:microsoft.com/office/officeart/2005/8/layout/target3"/>
-    <dgm:cxn modelId="{5A6C3F51-16A6-4234-B520-76A8D05A2CB4}" type="presOf" srcId="{96553ABA-8B95-4F2D-98B2-2B8C0BC0052E}" destId="{EFC8429E-EE54-49F7-9101-FFEABDC5760B}" srcOrd="0" destOrd="0" presId="urn:microsoft.com/office/officeart/2005/8/layout/target3"/>
-    <dgm:cxn modelId="{C5EE1799-F651-4F0B-B39D-B404D6AE4863}" type="presOf" srcId="{028F6055-22A1-4F6F-9732-054B59F953C1}" destId="{23640AAC-B749-4ADC-A4AA-9A59DE889370}" srcOrd="0" destOrd="2" presId="urn:microsoft.com/office/officeart/2005/8/layout/target3"/>
+    <dgm:cxn modelId="{054F17D8-0853-4F93-BC5D-B1E0C17B49DE}" srcId="{130F2687-4C39-4FE2-B59A-ADCFB7C0F26A}" destId="{F478DAD9-FB27-49B1-B978-DD72D8F4F6A1}" srcOrd="0" destOrd="0" parTransId="{DE784E94-F44F-4D5E-B1E8-2AA50C300C2E}" sibTransId="{82B87C6F-FBCE-449C-8E6F-8EA2E0D952F4}"/>
+    <dgm:cxn modelId="{268C7263-79AC-4388-8325-951BD631AF97}" srcId="{96553ABA-8B95-4F2D-98B2-2B8C0BC0052E}" destId="{8B7F4A8F-E033-4B94-AD6F-1B324A9BABA1}" srcOrd="0" destOrd="0" parTransId="{C6500BA1-756C-440C-9DF2-B1F994A7144D}" sibTransId="{C292EEEA-A680-4321-9CFE-4E277D5716D9}"/>
+    <dgm:cxn modelId="{73BDC13D-B238-4190-A849-26B16A74D05F}" type="presOf" srcId="{A498F688-A88E-44BA-9E21-748EB229D76F}" destId="{550A9515-DB73-4908-9A85-1A2920082CAA}" srcOrd="0" destOrd="2" presId="urn:microsoft.com/office/officeart/2005/8/layout/target3"/>
+    <dgm:cxn modelId="{2710513A-5C95-47E3-9C21-DBD7AABAABE7}" type="presOf" srcId="{64C18FFF-EC50-4701-BDCF-B6B9BFF5EC2C}" destId="{550A9515-DB73-4908-9A85-1A2920082CAA}" srcOrd="0" destOrd="1" presId="urn:microsoft.com/office/officeart/2005/8/layout/target3"/>
     <dgm:cxn modelId="{BFFBC673-902D-4C07-8B7A-B238C7342D26}" type="presOf" srcId="{DDD302F0-C2A1-42C6-B1D4-5E813E37E8FC}" destId="{550A9515-DB73-4908-9A85-1A2920082CAA}" srcOrd="0" destOrd="3" presId="urn:microsoft.com/office/officeart/2005/8/layout/target3"/>
     <dgm:cxn modelId="{DA00CB3A-7D78-40EC-826B-74A1BC08742B}" srcId="{96553ABA-8B95-4F2D-98B2-2B8C0BC0052E}" destId="{DDD302F0-C2A1-42C6-B1D4-5E813E37E8FC}" srcOrd="3" destOrd="0" parTransId="{81C16A6D-9D03-4085-9658-B62084371B8B}" sibTransId="{B18C1DED-BFA4-458B-BF34-00E00644B591}"/>
-    <dgm:cxn modelId="{2710513A-5C95-47E3-9C21-DBD7AABAABE7}" type="presOf" srcId="{64C18FFF-EC50-4701-BDCF-B6B9BFF5EC2C}" destId="{550A9515-DB73-4908-9A85-1A2920082CAA}" srcOrd="0" destOrd="1" presId="urn:microsoft.com/office/officeart/2005/8/layout/target3"/>
+    <dgm:cxn modelId="{31C3281D-12BA-4E07-9424-2BDEF6ABBC2C}" type="presOf" srcId="{7FCBCC70-08BD-4E5D-943F-B30CE04B5663}" destId="{23640AAC-B749-4ADC-A4AA-9A59DE889370}" srcOrd="0" destOrd="4" presId="urn:microsoft.com/office/officeart/2005/8/layout/target3"/>
+    <dgm:cxn modelId="{292BEAEB-76D8-4832-A568-4DC9371A8BCF}" srcId="{130F2687-4C39-4FE2-B59A-ADCFB7C0F26A}" destId="{D4F4FEB1-3401-4AAB-A0C9-830940430BC1}" srcOrd="5" destOrd="0" parTransId="{2CBC33F1-1370-4C87-9942-A06D81C3B9A9}" sibTransId="{2D057159-8CEB-461A-BBF4-B0188F6E5CCF}"/>
+    <dgm:cxn modelId="{24276798-1038-4BEB-A1B6-05671E1C9087}" type="presOf" srcId="{BB641820-C16C-45ED-A018-6F6025362257}" destId="{DC5EC845-C56D-418D-8085-87081E6E0DEB}" srcOrd="0" destOrd="0" presId="urn:microsoft.com/office/officeart/2005/8/layout/target3"/>
+    <dgm:cxn modelId="{9B9CCA0D-B96E-4F23-A05B-8D460105CD31}" srcId="{130F2687-4C39-4FE2-B59A-ADCFB7C0F26A}" destId="{7FCBCC70-08BD-4E5D-943F-B30CE04B5663}" srcOrd="4" destOrd="0" parTransId="{0099ECE6-F073-49B8-AAD2-972F9C39A57A}" sibTransId="{FC499734-F1E2-4EE2-8B5F-0B26C29F9ADA}"/>
+    <dgm:cxn modelId="{5A6C3F51-16A6-4234-B520-76A8D05A2CB4}" type="presOf" srcId="{96553ABA-8B95-4F2D-98B2-2B8C0BC0052E}" destId="{EFC8429E-EE54-49F7-9101-FFEABDC5760B}" srcOrd="0" destOrd="0" presId="urn:microsoft.com/office/officeart/2005/8/layout/target3"/>
     <dgm:cxn modelId="{94E3CC56-1CAE-4C8B-A241-AE7E52838C79}" type="presOf" srcId="{130F2687-4C39-4FE2-B59A-ADCFB7C0F26A}" destId="{CFA00E26-19F5-4545-A92F-4653019259E8}" srcOrd="1" destOrd="0" presId="urn:microsoft.com/office/officeart/2005/8/layout/target3"/>
+    <dgm:cxn modelId="{E350B664-FD58-4A54-9B69-6AD33B0F9768}" type="presOf" srcId="{14F4DC85-1716-46D7-AFF1-FD224A292CF5}" destId="{23640AAC-B749-4ADC-A4AA-9A59DE889370}" srcOrd="0" destOrd="1" presId="urn:microsoft.com/office/officeart/2005/8/layout/target3"/>
+    <dgm:cxn modelId="{390BBE26-4138-4433-AC09-BE992815C9DC}" srcId="{BB641820-C16C-45ED-A018-6F6025362257}" destId="{96553ABA-8B95-4F2D-98B2-2B8C0BC0052E}" srcOrd="1" destOrd="0" parTransId="{99C52DFF-4312-4C7C-9187-0B85960AB0B3}" sibTransId="{9C011ED8-016D-4EC3-A343-C364149C4CB7}"/>
+    <dgm:cxn modelId="{599EB033-2F9E-444E-B04C-16D59E808E87}" type="presOf" srcId="{8D675B64-7674-40C8-AFC7-E1190284C585}" destId="{23640AAC-B749-4ADC-A4AA-9A59DE889370}" srcOrd="0" destOrd="3" presId="urn:microsoft.com/office/officeart/2005/8/layout/target3"/>
+    <dgm:cxn modelId="{F42D5448-E95D-43BC-8457-0943586E3208}" srcId="{96553ABA-8B95-4F2D-98B2-2B8C0BC0052E}" destId="{64C18FFF-EC50-4701-BDCF-B6B9BFF5EC2C}" srcOrd="1" destOrd="0" parTransId="{C5A31493-8785-4462-BC4A-89F77F7EE584}" sibTransId="{3712FEC3-6789-4548-A27C-7E0155854341}"/>
+    <dgm:cxn modelId="{29B3E02B-7A3A-4663-B7A6-0186F50B9077}" srcId="{130F2687-4C39-4FE2-B59A-ADCFB7C0F26A}" destId="{E9916247-BF26-4436-B986-0C279384AE4A}" srcOrd="6" destOrd="0" parTransId="{552BDFD3-055F-4E0B-B223-A63E6BB2503E}" sibTransId="{845C0398-1DEF-411B-91EE-6FD931BBF869}"/>
+    <dgm:cxn modelId="{6629AA1A-AD99-4337-B542-49331D3963E2}" type="presOf" srcId="{F478DAD9-FB27-49B1-B978-DD72D8F4F6A1}" destId="{23640AAC-B749-4ADC-A4AA-9A59DE889370}" srcOrd="0" destOrd="0" presId="urn:microsoft.com/office/officeart/2005/8/layout/target3"/>
+    <dgm:cxn modelId="{54F8C138-F19E-47D0-A1F1-AE486F82940B}" type="presOf" srcId="{6362BDBA-EB27-4F90-866F-633BA377378A}" destId="{23640AAC-B749-4ADC-A4AA-9A59DE889370}" srcOrd="0" destOrd="7" presId="urn:microsoft.com/office/officeart/2005/8/layout/target3"/>
+    <dgm:cxn modelId="{1C2D3F94-1ECD-46E6-9A85-DD83E405890A}" srcId="{130F2687-4C39-4FE2-B59A-ADCFB7C0F26A}" destId="{6362BDBA-EB27-4F90-866F-633BA377378A}" srcOrd="7" destOrd="0" parTransId="{51ED41D1-54BF-4D9E-951F-76AB6139513F}" sibTransId="{CCDCE786-BBC9-4BB9-B048-C65C3E77722F}"/>
+    <dgm:cxn modelId="{8100D40B-AF23-4399-94B4-9B7A021EB9AC}" srcId="{96553ABA-8B95-4F2D-98B2-2B8C0BC0052E}" destId="{0C45F4AD-B8F6-427D-B8C6-F8C2284A72BE}" srcOrd="4" destOrd="0" parTransId="{53263FC2-CA4C-4FFF-A960-CFBCFF1E1269}" sibTransId="{66329268-C605-44E5-943C-BBB38FAB3295}"/>
+    <dgm:cxn modelId="{12C1BE02-CBC6-40F3-964F-A6D522B26FC9}" type="presOf" srcId="{8B7F4A8F-E033-4B94-AD6F-1B324A9BABA1}" destId="{550A9515-DB73-4908-9A85-1A2920082CAA}" srcOrd="0" destOrd="0" presId="urn:microsoft.com/office/officeart/2005/8/layout/target3"/>
+    <dgm:cxn modelId="{6FF470D2-40FD-4A59-BE93-D6D12301C0D7}" type="presOf" srcId="{D4F4FEB1-3401-4AAB-A0C9-830940430BC1}" destId="{23640AAC-B749-4ADC-A4AA-9A59DE889370}" srcOrd="0" destOrd="5" presId="urn:microsoft.com/office/officeart/2005/8/layout/target3"/>
+    <dgm:cxn modelId="{53F4F369-529F-4BD0-A0F8-F4D0AC0EB1C1}" srcId="{130F2687-4C39-4FE2-B59A-ADCFB7C0F26A}" destId="{028F6055-22A1-4F6F-9732-054B59F953C1}" srcOrd="2" destOrd="0" parTransId="{F1574B66-F1A7-40C7-B438-2722D2D6D99F}" sibTransId="{B60B2F0D-16E4-4F66-B12A-D9E0C41130D9}"/>
+    <dgm:cxn modelId="{2EB44AAE-F99F-47CA-B1FE-3C763726F7EE}" type="presOf" srcId="{0C45F4AD-B8F6-427D-B8C6-F8C2284A72BE}" destId="{550A9515-DB73-4908-9A85-1A2920082CAA}" srcOrd="0" destOrd="4" presId="urn:microsoft.com/office/officeart/2005/8/layout/target3"/>
     <dgm:cxn modelId="{750776E5-5FA0-4F37-85A0-09CA64733D8D}" srcId="{BB641820-C16C-45ED-A018-6F6025362257}" destId="{130F2687-4C39-4FE2-B59A-ADCFB7C0F26A}" srcOrd="0" destOrd="0" parTransId="{E4BBD92B-3C90-4E4B-AE6B-D58029F2D61D}" sibTransId="{9397C6BC-CBD2-406C-8C89-3FCC458B1E24}"/>
-    <dgm:cxn modelId="{31C3281D-12BA-4E07-9424-2BDEF6ABBC2C}" type="presOf" srcId="{7FCBCC70-08BD-4E5D-943F-B30CE04B5663}" destId="{23640AAC-B749-4ADC-A4AA-9A59DE889370}" srcOrd="0" destOrd="4" presId="urn:microsoft.com/office/officeart/2005/8/layout/target3"/>
-    <dgm:cxn modelId="{268C7263-79AC-4388-8325-951BD631AF97}" srcId="{96553ABA-8B95-4F2D-98B2-2B8C0BC0052E}" destId="{8B7F4A8F-E033-4B94-AD6F-1B324A9BABA1}" srcOrd="0" destOrd="0" parTransId="{C6500BA1-756C-440C-9DF2-B1F994A7144D}" sibTransId="{C292EEEA-A680-4321-9CFE-4E277D5716D9}"/>
-    <dgm:cxn modelId="{29B3E02B-7A3A-4663-B7A6-0186F50B9077}" srcId="{130F2687-4C39-4FE2-B59A-ADCFB7C0F26A}" destId="{E9916247-BF26-4436-B986-0C279384AE4A}" srcOrd="6" destOrd="0" parTransId="{552BDFD3-055F-4E0B-B223-A63E6BB2503E}" sibTransId="{845C0398-1DEF-411B-91EE-6FD931BBF869}"/>
-    <dgm:cxn modelId="{054F17D8-0853-4F93-BC5D-B1E0C17B49DE}" srcId="{130F2687-4C39-4FE2-B59A-ADCFB7C0F26A}" destId="{F478DAD9-FB27-49B1-B978-DD72D8F4F6A1}" srcOrd="0" destOrd="0" parTransId="{DE784E94-F44F-4D5E-B1E8-2AA50C300C2E}" sibTransId="{82B87C6F-FBCE-449C-8E6F-8EA2E0D952F4}"/>
-    <dgm:cxn modelId="{390BBE26-4138-4433-AC09-BE992815C9DC}" srcId="{BB641820-C16C-45ED-A018-6F6025362257}" destId="{96553ABA-8B95-4F2D-98B2-2B8C0BC0052E}" srcOrd="1" destOrd="0" parTransId="{99C52DFF-4312-4C7C-9187-0B85960AB0B3}" sibTransId="{9C011ED8-016D-4EC3-A343-C364149C4CB7}"/>
-    <dgm:cxn modelId="{8100D40B-AF23-4399-94B4-9B7A021EB9AC}" srcId="{96553ABA-8B95-4F2D-98B2-2B8C0BC0052E}" destId="{0C45F4AD-B8F6-427D-B8C6-F8C2284A72BE}" srcOrd="4" destOrd="0" parTransId="{53263FC2-CA4C-4FFF-A960-CFBCFF1E1269}" sibTransId="{66329268-C605-44E5-943C-BBB38FAB3295}"/>
+    <dgm:cxn modelId="{FD6E49BC-D05D-4E6E-89B4-5AD761A6D3F2}" type="presOf" srcId="{E9916247-BF26-4436-B986-0C279384AE4A}" destId="{23640AAC-B749-4ADC-A4AA-9A59DE889370}" srcOrd="0" destOrd="6" presId="urn:microsoft.com/office/officeart/2005/8/layout/target3"/>
+    <dgm:cxn modelId="{5200579E-92BC-4931-BB0C-BED3B7348555}" type="presOf" srcId="{96553ABA-8B95-4F2D-98B2-2B8C0BC0052E}" destId="{BE256B9D-6F8C-4E2E-88C1-8BB79C57BFF8}" srcOrd="1" destOrd="0" presId="urn:microsoft.com/office/officeart/2005/8/layout/target3"/>
+    <dgm:cxn modelId="{C5EE1799-F651-4F0B-B39D-B404D6AE4863}" type="presOf" srcId="{028F6055-22A1-4F6F-9732-054B59F953C1}" destId="{23640AAC-B749-4ADC-A4AA-9A59DE889370}" srcOrd="0" destOrd="2" presId="urn:microsoft.com/office/officeart/2005/8/layout/target3"/>
     <dgm:cxn modelId="{458ED32A-80CF-43A3-B004-7CE6085F34A6}" srcId="{130F2687-4C39-4FE2-B59A-ADCFB7C0F26A}" destId="{14F4DC85-1716-46D7-AFF1-FD224A292CF5}" srcOrd="1" destOrd="0" parTransId="{F2065F18-E71B-409D-BCFF-FF6AD093184E}" sibTransId="{2BBD9A55-91A4-455F-AE2A-2219737BC3DF}"/>
-    <dgm:cxn modelId="{FD6E49BC-D05D-4E6E-89B4-5AD761A6D3F2}" type="presOf" srcId="{E9916247-BF26-4436-B986-0C279384AE4A}" destId="{23640AAC-B749-4ADC-A4AA-9A59DE889370}" srcOrd="0" destOrd="6" presId="urn:microsoft.com/office/officeart/2005/8/layout/target3"/>
-    <dgm:cxn modelId="{6629AA1A-AD99-4337-B542-49331D3963E2}" type="presOf" srcId="{F478DAD9-FB27-49B1-B978-DD72D8F4F6A1}" destId="{23640AAC-B749-4ADC-A4AA-9A59DE889370}" srcOrd="0" destOrd="0" presId="urn:microsoft.com/office/officeart/2005/8/layout/target3"/>
     <dgm:cxn modelId="{1B69F2EE-E7F3-408A-99C6-5A94BDE66D74}" type="presOf" srcId="{130F2687-4C39-4FE2-B59A-ADCFB7C0F26A}" destId="{ACAC7D86-B4FC-4AF4-9A1A-AA42BBF2761A}" srcOrd="0" destOrd="0" presId="urn:microsoft.com/office/officeart/2005/8/layout/target3"/>
-    <dgm:cxn modelId="{12C1BE02-CBC6-40F3-964F-A6D522B26FC9}" type="presOf" srcId="{8B7F4A8F-E033-4B94-AD6F-1B324A9BABA1}" destId="{550A9515-DB73-4908-9A85-1A2920082CAA}" srcOrd="0" destOrd="0" presId="urn:microsoft.com/office/officeart/2005/8/layout/target3"/>
-    <dgm:cxn modelId="{2EB44AAE-F99F-47CA-B1FE-3C763726F7EE}" type="presOf" srcId="{0C45F4AD-B8F6-427D-B8C6-F8C2284A72BE}" destId="{550A9515-DB73-4908-9A85-1A2920082CAA}" srcOrd="0" destOrd="4" presId="urn:microsoft.com/office/officeart/2005/8/layout/target3"/>
-    <dgm:cxn modelId="{F42D5448-E95D-43BC-8457-0943586E3208}" srcId="{96553ABA-8B95-4F2D-98B2-2B8C0BC0052E}" destId="{64C18FFF-EC50-4701-BDCF-B6B9BFF5EC2C}" srcOrd="1" destOrd="0" parTransId="{C5A31493-8785-4462-BC4A-89F77F7EE584}" sibTransId="{3712FEC3-6789-4548-A27C-7E0155854341}"/>
-    <dgm:cxn modelId="{6FF470D2-40FD-4A59-BE93-D6D12301C0D7}" type="presOf" srcId="{D4F4FEB1-3401-4AAB-A0C9-830940430BC1}" destId="{23640AAC-B749-4ADC-A4AA-9A59DE889370}" srcOrd="0" destOrd="5" presId="urn:microsoft.com/office/officeart/2005/8/layout/target3"/>
-    <dgm:cxn modelId="{5200579E-92BC-4931-BB0C-BED3B7348555}" type="presOf" srcId="{96553ABA-8B95-4F2D-98B2-2B8C0BC0052E}" destId="{BE256B9D-6F8C-4E2E-88C1-8BB79C57BFF8}" srcOrd="1" destOrd="0" presId="urn:microsoft.com/office/officeart/2005/8/layout/target3"/>
-    <dgm:cxn modelId="{1C2D3F94-1ECD-46E6-9A85-DD83E405890A}" srcId="{130F2687-4C39-4FE2-B59A-ADCFB7C0F26A}" destId="{6362BDBA-EB27-4F90-866F-633BA377378A}" srcOrd="7" destOrd="0" parTransId="{51ED41D1-54BF-4D9E-951F-76AB6139513F}" sibTransId="{CCDCE786-BBC9-4BB9-B048-C65C3E77722F}"/>
-    <dgm:cxn modelId="{24276798-1038-4BEB-A1B6-05671E1C9087}" type="presOf" srcId="{BB641820-C16C-45ED-A018-6F6025362257}" destId="{DC5EC845-C56D-418D-8085-87081E6E0DEB}" srcOrd="0" destOrd="0" presId="urn:microsoft.com/office/officeart/2005/8/layout/target3"/>
     <dgm:cxn modelId="{F7C0AE2D-598D-4DB3-A71E-B217242F2FC4}" srcId="{130F2687-4C39-4FE2-B59A-ADCFB7C0F26A}" destId="{8D675B64-7674-40C8-AFC7-E1190284C585}" srcOrd="3" destOrd="0" parTransId="{97CB517A-AEFB-428E-BD75-8B5CB211FA0B}" sibTransId="{99CB8170-7535-4371-8FAE-5A30F6ECB195}"/>
-    <dgm:cxn modelId="{E350B664-FD58-4A54-9B69-6AD33B0F9768}" type="presOf" srcId="{14F4DC85-1716-46D7-AFF1-FD224A292CF5}" destId="{23640AAC-B749-4ADC-A4AA-9A59DE889370}" srcOrd="0" destOrd="1" presId="urn:microsoft.com/office/officeart/2005/8/layout/target3"/>
-    <dgm:cxn modelId="{292BEAEB-76D8-4832-A568-4DC9371A8BCF}" srcId="{130F2687-4C39-4FE2-B59A-ADCFB7C0F26A}" destId="{D4F4FEB1-3401-4AAB-A0C9-830940430BC1}" srcOrd="5" destOrd="0" parTransId="{2CBC33F1-1370-4C87-9942-A06D81C3B9A9}" sibTransId="{2D057159-8CEB-461A-BBF4-B0188F6E5CCF}"/>
-    <dgm:cxn modelId="{53F4F369-529F-4BD0-A0F8-F4D0AC0EB1C1}" srcId="{130F2687-4C39-4FE2-B59A-ADCFB7C0F26A}" destId="{028F6055-22A1-4F6F-9732-054B59F953C1}" srcOrd="2" destOrd="0" parTransId="{F1574B66-F1A7-40C7-B438-2722D2D6D99F}" sibTransId="{B60B2F0D-16E4-4F66-B12A-D9E0C41130D9}"/>
-    <dgm:cxn modelId="{73BDC13D-B238-4190-A849-26B16A74D05F}" type="presOf" srcId="{A498F688-A88E-44BA-9E21-748EB229D76F}" destId="{550A9515-DB73-4908-9A85-1A2920082CAA}" srcOrd="0" destOrd="2" presId="urn:microsoft.com/office/officeart/2005/8/layout/target3"/>
-    <dgm:cxn modelId="{9B9CCA0D-B96E-4F23-A05B-8D460105CD31}" srcId="{130F2687-4C39-4FE2-B59A-ADCFB7C0F26A}" destId="{7FCBCC70-08BD-4E5D-943F-B30CE04B5663}" srcOrd="4" destOrd="0" parTransId="{0099ECE6-F073-49B8-AAD2-972F9C39A57A}" sibTransId="{FC499734-F1E2-4EE2-8B5F-0B26C29F9ADA}"/>
-    <dgm:cxn modelId="{54F8C138-F19E-47D0-A1F1-AE486F82940B}" type="presOf" srcId="{6362BDBA-EB27-4F90-866F-633BA377378A}" destId="{23640AAC-B749-4ADC-A4AA-9A59DE889370}" srcOrd="0" destOrd="7" presId="urn:microsoft.com/office/officeart/2005/8/layout/target3"/>
+    <dgm:cxn modelId="{133D8803-6517-4C42-A79F-65E658667258}" srcId="{96553ABA-8B95-4F2D-98B2-2B8C0BC0052E}" destId="{A498F688-A88E-44BA-9E21-748EB229D76F}" srcOrd="2" destOrd="0" parTransId="{AA52C80B-0BF2-44D3-B151-98DA11A82594}" sibTransId="{F7A53BE0-7DA5-45E7-8851-7AD080E301DB}"/>
     <dgm:cxn modelId="{77B1B062-37A3-4239-982A-93EC1B5E2416}" type="presParOf" srcId="{DC5EC845-C56D-418D-8085-87081E6E0DEB}" destId="{FD170419-7D18-491B-8212-B84A0D5B5B04}" srcOrd="0" destOrd="0" presId="urn:microsoft.com/office/officeart/2005/8/layout/target3"/>
     <dgm:cxn modelId="{9CC02697-68C7-4FAD-8940-4DA76AF675B6}" type="presParOf" srcId="{DC5EC845-C56D-418D-8085-87081E6E0DEB}" destId="{EE1602C9-8689-465D-8FC9-9D4CE09B3AC9}" srcOrd="1" destOrd="0" presId="urn:microsoft.com/office/officeart/2005/8/layout/target3"/>
     <dgm:cxn modelId="{28E455FA-280D-472F-8715-B583CB836FDC}" type="presParOf" srcId="{DC5EC845-C56D-418D-8085-87081E6E0DEB}" destId="{ACAC7D86-B4FC-4AF4-9A1A-AA42BBF2761A}" srcOrd="2" destOrd="0" presId="urn:microsoft.com/office/officeart/2005/8/layout/target3"/>
@@ -12994,7 +13085,7 @@
             <a:fld id="{530820CF-B880-4189-942D-D702A7CBA730}" type="datetimeFigureOut">
               <a:rPr lang="zh-CN" altLang="en-US" smtClean="0"/>
               <a:pPr/>
-              <a:t>2016/10/21</a:t>
+              <a:t>2016/11/7</a:t>
             </a:fld>
             <a:endParaRPr lang="zh-CN" altLang="en-US"/>
           </a:p>
@@ -13349,7 +13440,7 @@
             <a:fld id="{530820CF-B880-4189-942D-D702A7CBA730}" type="datetimeFigureOut">
               <a:rPr lang="zh-CN" altLang="en-US" smtClean="0"/>
               <a:pPr/>
-              <a:t>2016/10/21</a:t>
+              <a:t>2016/11/7</a:t>
             </a:fld>
             <a:endParaRPr lang="zh-CN" altLang="en-US"/>
           </a:p>
@@ -13526,7 +13617,7 @@
             <a:fld id="{530820CF-B880-4189-942D-D702A7CBA730}" type="datetimeFigureOut">
               <a:rPr lang="zh-CN" altLang="en-US" smtClean="0"/>
               <a:pPr/>
-              <a:t>2016/10/21</a:t>
+              <a:t>2016/11/7</a:t>
             </a:fld>
             <a:endParaRPr lang="zh-CN" altLang="en-US"/>
           </a:p>
@@ -13641,7 +13732,7 @@
             <a:fld id="{530820CF-B880-4189-942D-D702A7CBA730}" type="datetimeFigureOut">
               <a:rPr lang="zh-CN" altLang="en-US" smtClean="0"/>
               <a:pPr/>
-              <a:t>2016/10/21</a:t>
+              <a:t>2016/11/7</a:t>
             </a:fld>
             <a:endParaRPr lang="zh-CN" altLang="en-US"/>
           </a:p>
@@ -14001,7 +14092,7 @@
             <a:fld id="{530820CF-B880-4189-942D-D702A7CBA730}" type="datetimeFigureOut">
               <a:rPr lang="zh-CN" altLang="en-US" smtClean="0"/>
               <a:pPr/>
-              <a:t>2016/10/21</a:t>
+              <a:t>2016/11/7</a:t>
             </a:fld>
             <a:endParaRPr lang="zh-CN" altLang="en-US"/>
           </a:p>
@@ -14268,7 +14359,7 @@
             <a:fld id="{530820CF-B880-4189-942D-D702A7CBA730}" type="datetimeFigureOut">
               <a:rPr lang="zh-CN" altLang="en-US" smtClean="0"/>
               <a:pPr/>
-              <a:t>2016/10/21</a:t>
+              <a:t>2016/11/7</a:t>
             </a:fld>
             <a:endParaRPr lang="zh-CN" altLang="en-US"/>
           </a:p>
@@ -14632,7 +14723,7 @@
             <a:fld id="{530820CF-B880-4189-942D-D702A7CBA730}" type="datetimeFigureOut">
               <a:rPr lang="zh-CN" altLang="en-US" smtClean="0"/>
               <a:pPr/>
-              <a:t>2016/10/21</a:t>
+              <a:t>2016/11/7</a:t>
             </a:fld>
             <a:endParaRPr lang="zh-CN" altLang="en-US"/>
           </a:p>
@@ -14861,7 +14952,7 @@
             <a:fld id="{530820CF-B880-4189-942D-D702A7CBA730}" type="datetimeFigureOut">
               <a:rPr lang="zh-CN" altLang="en-US" smtClean="0"/>
               <a:pPr/>
-              <a:t>2016/10/21</a:t>
+              <a:t>2016/11/7</a:t>
             </a:fld>
             <a:endParaRPr lang="zh-CN" altLang="en-US"/>
           </a:p>
@@ -14953,7 +15044,7 @@
             <a:fld id="{530820CF-B880-4189-942D-D702A7CBA730}" type="datetimeFigureOut">
               <a:rPr lang="zh-CN" altLang="en-US" smtClean="0"/>
               <a:pPr/>
-              <a:t>2016/10/21</a:t>
+              <a:t>2016/11/7</a:t>
             </a:fld>
             <a:endParaRPr lang="zh-CN" altLang="en-US"/>
           </a:p>
@@ -15222,7 +15313,7 @@
             <a:fld id="{530820CF-B880-4189-942D-D702A7CBA730}" type="datetimeFigureOut">
               <a:rPr lang="zh-CN" altLang="en-US" smtClean="0"/>
               <a:pPr/>
-              <a:t>2016/10/21</a:t>
+              <a:t>2016/11/7</a:t>
             </a:fld>
             <a:endParaRPr lang="zh-CN" altLang="en-US"/>
           </a:p>
@@ -15452,7 +15543,7 @@
             <a:fld id="{530820CF-B880-4189-942D-D702A7CBA730}" type="datetimeFigureOut">
               <a:rPr lang="zh-CN" altLang="en-US" smtClean="0"/>
               <a:pPr/>
-              <a:t>2016/10/21</a:t>
+              <a:t>2016/11/7</a:t>
             </a:fld>
             <a:endParaRPr lang="zh-CN" altLang="en-US"/>
           </a:p>
@@ -15953,7 +16044,7 @@
             <a:fld id="{530820CF-B880-4189-942D-D702A7CBA730}" type="datetimeFigureOut">
               <a:rPr lang="zh-CN" altLang="en-US" smtClean="0"/>
               <a:pPr/>
-              <a:t>2016/10/21</a:t>
+              <a:t>2016/11/7</a:t>
             </a:fld>
             <a:endParaRPr lang="zh-CN" altLang="en-US"/>
           </a:p>
@@ -18474,15 +18565,7 @@
                   <a:srgbClr val="FF0000"/>
                 </a:solidFill>
               </a:rPr>
-              <a:t>一键</a:t>
-            </a:r>
-            <a:r>
-              <a:rPr lang="zh-CN" altLang="en-US" b="1" dirty="0" smtClean="0">
-                <a:solidFill>
-                  <a:srgbClr val="FF0000"/>
-                </a:solidFill>
-              </a:rPr>
-              <a:t>生成</a:t>
+              <a:t>一键生成</a:t>
             </a:r>
             <a:r>
               <a:rPr lang="zh-CN" altLang="en-US" dirty="0" smtClean="0"/>
@@ -18550,15 +18633,7 @@
                   <a:srgbClr val="FF0000"/>
                 </a:solidFill>
               </a:rPr>
-              <a:t>多种</a:t>
-            </a:r>
-            <a:r>
-              <a:rPr lang="zh-CN" altLang="en-US" b="1" dirty="0" smtClean="0">
-                <a:solidFill>
-                  <a:srgbClr val="FF0000"/>
-                </a:solidFill>
-              </a:rPr>
-              <a:t>数据库</a:t>
+              <a:t>多种数据库</a:t>
             </a:r>
             <a:endParaRPr lang="en-US" altLang="zh-CN" b="1" dirty="0" smtClean="0">
               <a:solidFill>
@@ -19071,15 +19146,7 @@
           <a:p>
             <a:r>
               <a:rPr lang="zh-CN" altLang="en-US" dirty="0" smtClean="0"/>
-              <a:t>直接</a:t>
-            </a:r>
-            <a:r>
-              <a:rPr lang="zh-CN" altLang="en-US" dirty="0" smtClean="0"/>
-              <a:t>以私有</a:t>
-            </a:r>
-            <a:r>
-              <a:rPr lang="zh-CN" altLang="en-US" dirty="0" smtClean="0"/>
-              <a:t>云的数据交互服务平台的方式为各种需要数据交互服务的</a:t>
+              <a:t>直接以私有云的数据交互服务平台的方式为各种需要数据交互服务的</a:t>
             </a:r>
             <a:r>
               <a:rPr lang="en-US" altLang="zh-CN" dirty="0" smtClean="0"/>
@@ -19087,11 +19154,7 @@
             </a:r>
             <a:r>
               <a:rPr lang="zh-CN" altLang="en-US" dirty="0" smtClean="0"/>
-              <a:t>以建立商业模式</a:t>
-            </a:r>
-            <a:r>
-              <a:rPr lang="zh-CN" altLang="en-US" dirty="0" smtClean="0"/>
-              <a:t>。</a:t>
+              <a:t>以建立商业模式。</a:t>
             </a:r>
             <a:endParaRPr lang="en-US" altLang="zh-CN" dirty="0" smtClean="0"/>
           </a:p>
@@ -19266,11 +19329,7 @@
             </a:r>
             <a:r>
               <a:rPr lang="zh-CN" altLang="en-US" dirty="0" smtClean="0"/>
-              <a:t>概念的</a:t>
-            </a:r>
-            <a:r>
-              <a:rPr lang="zh-CN" altLang="en-US" dirty="0" smtClean="0"/>
-              <a:t>提出</a:t>
+              <a:t>概念的提出</a:t>
             </a:r>
             <a:endParaRPr lang="en-US" altLang="zh-CN" dirty="0" smtClean="0"/>
           </a:p>
@@ -19376,15 +19435,11 @@
           <a:p>
             <a:r>
               <a:rPr lang="zh-CN" altLang="en-US" dirty="0" smtClean="0"/>
-              <a:t>课题</a:t>
+              <a:t>课题研究</a:t>
             </a:r>
             <a:r>
               <a:rPr lang="zh-CN" altLang="en-US" dirty="0" smtClean="0"/>
-              <a:t>研究</a:t>
-            </a:r>
-            <a:r>
-              <a:rPr lang="zh-CN" altLang="en-US" dirty="0" smtClean="0"/>
-              <a:t>目标</a:t>
+              <a:t>目标和现状</a:t>
             </a:r>
             <a:endParaRPr lang="zh-CN" altLang="en-US" dirty="0"/>
           </a:p>
@@ -19409,7 +19464,7 @@
         </p:spPr>
         <p:txBody>
           <a:bodyPr vert="horz">
-            <a:normAutofit/>
+            <a:normAutofit fontScale="92500" lnSpcReduction="10000"/>
           </a:bodyPr>
           <a:lstStyle/>
           <a:p>
@@ -19481,24 +19536,7 @@
                 <a:ea typeface="+mn-ea"/>
                 <a:cs typeface="+mn-cs"/>
               </a:rPr>
-              <a:t>解决数据交互的解决</a:t>
-            </a:r>
-            <a:r>
-              <a:rPr kumimoji="0" lang="zh-CN" altLang="en-US" sz="2600" b="0" i="0" u="none" strike="noStrike" kern="1200" cap="none" spc="0" normalizeH="0" baseline="0" noProof="0" dirty="0" smtClean="0">
-                <a:ln>
-                  <a:noFill/>
-                </a:ln>
-                <a:solidFill>
-                  <a:schemeClr val="tx1"/>
-                </a:solidFill>
-                <a:effectLst/>
-                <a:uLnTx/>
-                <a:uFillTx/>
-                <a:latin typeface="+mn-lt"/>
-                <a:ea typeface="+mn-ea"/>
-                <a:cs typeface="+mn-cs"/>
-              </a:rPr>
-              <a:t>方案</a:t>
+              <a:t>解决数据交互的解决方案</a:t>
             </a:r>
             <a:endParaRPr kumimoji="0" lang="en-US" altLang="zh-CN" sz="2600" b="0" i="0" u="none" strike="noStrike" kern="1200" cap="none" spc="0" normalizeH="0" baseline="0" noProof="0" dirty="0" smtClean="0">
               <a:ln>
@@ -19550,7 +19588,28 @@
                 <a:ea typeface="+mn-ea"/>
                 <a:cs typeface="+mn-cs"/>
               </a:rPr>
-              <a:t>移动应用开发者可以</a:t>
+              <a:t>移动应用开发者</a:t>
+            </a:r>
+            <a:r>
+              <a:rPr kumimoji="0" lang="zh-CN" altLang="en-US" sz="2600" b="0" i="0" u="none" strike="noStrike" kern="1200" cap="none" spc="0" normalizeH="0" baseline="0" noProof="0" dirty="0" smtClean="0">
+                <a:ln>
+                  <a:noFill/>
+                </a:ln>
+                <a:solidFill>
+                  <a:schemeClr val="tx1"/>
+                </a:solidFill>
+                <a:effectLst/>
+                <a:uLnTx/>
+                <a:uFillTx/>
+                <a:latin typeface="+mn-lt"/>
+                <a:ea typeface="+mn-ea"/>
+                <a:cs typeface="+mn-cs"/>
+              </a:rPr>
+              <a:t>可以</a:t>
+            </a:r>
+            <a:r>
+              <a:rPr lang="zh-CN" altLang="en-US" sz="2600" dirty="0" smtClean="0"/>
+              <a:t>尽可能</a:t>
             </a:r>
             <a:r>
               <a:rPr kumimoji="0" lang="zh-CN" altLang="en-US" sz="2600" b="1" i="0" u="none" strike="noStrike" kern="1200" cap="none" spc="0" normalizeH="0" baseline="0" noProof="0" dirty="0" smtClean="0">
@@ -19567,7 +19626,24 @@
                 <a:ea typeface="+mn-ea"/>
                 <a:cs typeface="+mn-cs"/>
               </a:rPr>
-              <a:t>不需要写代码</a:t>
+              <a:t>不</a:t>
+            </a:r>
+            <a:r>
+              <a:rPr kumimoji="0" lang="zh-CN" altLang="en-US" sz="2600" b="1" i="0" u="none" strike="noStrike" kern="1200" cap="none" spc="0" normalizeH="0" baseline="0" noProof="0" dirty="0" smtClean="0">
+                <a:ln>
+                  <a:noFill/>
+                </a:ln>
+                <a:solidFill>
+                  <a:srgbClr val="FF0000"/>
+                </a:solidFill>
+                <a:effectLst/>
+                <a:uLnTx/>
+                <a:uFillTx/>
+                <a:latin typeface="+mn-lt"/>
+                <a:ea typeface="+mn-ea"/>
+                <a:cs typeface="+mn-cs"/>
+              </a:rPr>
+              <a:t>需要写代码</a:t>
             </a:r>
             <a:r>
               <a:rPr kumimoji="0" lang="zh-CN" altLang="en-US" sz="2600" b="0" i="0" u="none" strike="noStrike" kern="1200" cap="none" spc="0" normalizeH="0" baseline="0" noProof="0" dirty="0" smtClean="0">
@@ -19584,24 +19660,7 @@
                 <a:ea typeface="+mn-ea"/>
                 <a:cs typeface="+mn-cs"/>
               </a:rPr>
-              <a:t>，快速生成数据交互</a:t>
-            </a:r>
-            <a:r>
-              <a:rPr kumimoji="0" lang="zh-CN" altLang="en-US" sz="2600" b="0" i="0" u="none" strike="noStrike" kern="1200" cap="none" spc="0" normalizeH="0" baseline="0" noProof="0" dirty="0" smtClean="0">
-                <a:ln>
-                  <a:noFill/>
-                </a:ln>
-                <a:solidFill>
-                  <a:schemeClr val="tx1"/>
-                </a:solidFill>
-                <a:effectLst/>
-                <a:uLnTx/>
-                <a:uFillTx/>
-                <a:latin typeface="+mn-lt"/>
-                <a:ea typeface="+mn-ea"/>
-                <a:cs typeface="+mn-cs"/>
-              </a:rPr>
-              <a:t>接口</a:t>
+              <a:t>，快速生成数据交互接口</a:t>
             </a:r>
             <a:endParaRPr kumimoji="0" lang="en-US" altLang="zh-CN" sz="2600" b="0" i="0" u="none" strike="noStrike" kern="1200" cap="none" spc="0" normalizeH="0" baseline="0" noProof="0" dirty="0" smtClean="0">
               <a:ln>
@@ -19653,24 +19712,7 @@
                 <a:ea typeface="+mn-ea"/>
                 <a:cs typeface="+mn-cs"/>
               </a:rPr>
-              <a:t>快速集成到主流移动终端</a:t>
-            </a:r>
-            <a:r>
-              <a:rPr kumimoji="0" lang="zh-CN" altLang="en-US" sz="2600" b="0" i="0" u="none" strike="noStrike" kern="1200" cap="none" spc="0" normalizeH="0" baseline="0" noProof="0" dirty="0" smtClean="0">
-                <a:ln>
-                  <a:noFill/>
-                </a:ln>
-                <a:solidFill>
-                  <a:schemeClr val="tx1"/>
-                </a:solidFill>
-                <a:effectLst/>
-                <a:uLnTx/>
-                <a:uFillTx/>
-                <a:latin typeface="+mn-lt"/>
-                <a:ea typeface="+mn-ea"/>
-                <a:cs typeface="+mn-cs"/>
-              </a:rPr>
-              <a:t>平台</a:t>
+              <a:t>快速集成到主流移动终端平台</a:t>
             </a:r>
             <a:endParaRPr kumimoji="0" lang="en-US" altLang="zh-CN" sz="2600" b="0" i="0" u="none" strike="noStrike" kern="1200" cap="none" spc="0" normalizeH="0" baseline="0" noProof="0" dirty="0" smtClean="0">
               <a:ln>
@@ -19722,24 +19764,7 @@
                 <a:ea typeface="+mn-ea"/>
                 <a:cs typeface="+mn-cs"/>
               </a:rPr>
-              <a:t>快速集成到主流移动开发</a:t>
-            </a:r>
-            <a:r>
-              <a:rPr kumimoji="0" lang="zh-CN" altLang="en-US" sz="2600" b="0" i="0" u="none" strike="noStrike" kern="1200" cap="none" spc="0" normalizeH="0" baseline="0" noProof="0" dirty="0" smtClean="0">
-                <a:ln>
-                  <a:noFill/>
-                </a:ln>
-                <a:solidFill>
-                  <a:schemeClr val="tx1"/>
-                </a:solidFill>
-                <a:effectLst/>
-                <a:uLnTx/>
-                <a:uFillTx/>
-                <a:latin typeface="+mn-lt"/>
-                <a:ea typeface="+mn-ea"/>
-                <a:cs typeface="+mn-cs"/>
-              </a:rPr>
-              <a:t>模式</a:t>
+              <a:t>快速集成到主流移动开发模式</a:t>
             </a:r>
             <a:endParaRPr kumimoji="0" lang="en-US" altLang="zh-CN" sz="2600" b="0" i="0" u="none" strike="noStrike" kern="1200" cap="none" spc="0" normalizeH="0" baseline="0" noProof="0" dirty="0" smtClean="0">
               <a:ln>
@@ -19799,6 +19824,49 @@
               </a:ln>
               <a:solidFill>
                 <a:schemeClr val="tx1"/>
+              </a:solidFill>
+              <a:effectLst/>
+              <a:uLnTx/>
+              <a:uFillTx/>
+              <a:latin typeface="+mn-lt"/>
+              <a:ea typeface="+mn-ea"/>
+              <a:cs typeface="+mn-cs"/>
+            </a:endParaRPr>
+          </a:p>
+          <a:p>
+            <a:pPr marL="274320" marR="0" lvl="0" indent="-274320" algn="l" defTabSz="914400" rtl="0" eaLnBrk="1" fontAlgn="auto" latinLnBrk="0" hangingPunct="1">
+              <a:lnSpc>
+                <a:spcPct val="200000"/>
+              </a:lnSpc>
+              <a:spcBef>
+                <a:spcPts val="580"/>
+              </a:spcBef>
+              <a:spcAft>
+                <a:spcPts val="0"/>
+              </a:spcAft>
+              <a:buClr>
+                <a:schemeClr val="accent1"/>
+              </a:buClr>
+              <a:buSzPct val="85000"/>
+              <a:buFont typeface="Wingdings 2"/>
+              <a:buChar char=""/>
+              <a:tabLst/>
+              <a:defRPr/>
+            </a:pPr>
+            <a:r>
+              <a:rPr lang="zh-CN" altLang="en-US" sz="2600" b="1" dirty="0" smtClean="0">
+                <a:solidFill>
+                  <a:srgbClr val="FF0000"/>
+                </a:solidFill>
+              </a:rPr>
+              <a:t>移动应用开发依然缺少针对数据交互的成熟框架</a:t>
+            </a:r>
+            <a:endParaRPr kumimoji="0" lang="en-US" altLang="zh-CN" sz="2600" b="1" i="0" u="none" strike="noStrike" kern="1200" cap="none" spc="0" normalizeH="0" baseline="0" noProof="0" dirty="0" smtClean="0">
+              <a:ln>
+                <a:noFill/>
+              </a:ln>
+              <a:solidFill>
+                <a:srgbClr val="FF0000"/>
               </a:solidFill>
               <a:effectLst/>
               <a:uLnTx/>
@@ -19976,11 +20044,7 @@
           <a:p>
             <a:r>
               <a:rPr lang="zh-CN" altLang="en-US" dirty="0" smtClean="0"/>
-              <a:t>课题研究</a:t>
-            </a:r>
-            <a:r>
-              <a:rPr lang="zh-CN" altLang="en-US" dirty="0" smtClean="0"/>
-              <a:t>内容</a:t>
+              <a:t>课题研究内容</a:t>
             </a:r>
             <a:endParaRPr lang="zh-CN" altLang="en-US" dirty="0"/>
           </a:p>
@@ -21949,15 +22013,7 @@
           <a:p>
             <a:r>
               <a:rPr lang="zh-CN" altLang="en-US" dirty="0" smtClean="0"/>
-              <a:t>移动应用数据</a:t>
-            </a:r>
-            <a:r>
-              <a:rPr lang="zh-CN" altLang="en-US" dirty="0" smtClean="0"/>
-              <a:t>交互</a:t>
-            </a:r>
-            <a:r>
-              <a:rPr lang="zh-CN" altLang="en-US" dirty="0" smtClean="0"/>
-              <a:t>模块</a:t>
+              <a:t>移动应用数据交互模块</a:t>
             </a:r>
             <a:endParaRPr lang="en-US" altLang="zh-CN" dirty="0" smtClean="0"/>
           </a:p>

--- a/论文PPT.pptx
+++ b/论文PPT.pptx
@@ -9,21 +9,22 @@
     <p:sldId id="257" r:id="rId3"/>
     <p:sldId id="294" r:id="rId4"/>
     <p:sldId id="272" r:id="rId5"/>
-    <p:sldId id="295" r:id="rId6"/>
-    <p:sldId id="282" r:id="rId7"/>
-    <p:sldId id="283" r:id="rId8"/>
-    <p:sldId id="284" r:id="rId9"/>
-    <p:sldId id="285" r:id="rId10"/>
-    <p:sldId id="288" r:id="rId11"/>
-    <p:sldId id="286" r:id="rId12"/>
-    <p:sldId id="274" r:id="rId13"/>
-    <p:sldId id="259" r:id="rId14"/>
-    <p:sldId id="292" r:id="rId15"/>
-    <p:sldId id="293" r:id="rId16"/>
-    <p:sldId id="290" r:id="rId17"/>
-    <p:sldId id="291" r:id="rId18"/>
-    <p:sldId id="278" r:id="rId19"/>
-    <p:sldId id="270" r:id="rId20"/>
+    <p:sldId id="296" r:id="rId6"/>
+    <p:sldId id="295" r:id="rId7"/>
+    <p:sldId id="282" r:id="rId8"/>
+    <p:sldId id="283" r:id="rId9"/>
+    <p:sldId id="284" r:id="rId10"/>
+    <p:sldId id="285" r:id="rId11"/>
+    <p:sldId id="288" r:id="rId12"/>
+    <p:sldId id="286" r:id="rId13"/>
+    <p:sldId id="274" r:id="rId14"/>
+    <p:sldId id="259" r:id="rId15"/>
+    <p:sldId id="292" r:id="rId16"/>
+    <p:sldId id="293" r:id="rId17"/>
+    <p:sldId id="290" r:id="rId18"/>
+    <p:sldId id="291" r:id="rId19"/>
+    <p:sldId id="278" r:id="rId20"/>
+    <p:sldId id="270" r:id="rId21"/>
   </p:sldIdLst>
   <p:sldSz cx="9144000" cy="6858000" type="screen4x3"/>
   <p:notesSz cx="6858000" cy="9144000"/>
@@ -1690,6 +1691,1570 @@
 </file>
 
 <file path=ppt/diagrams/colors3.xml><?xml version="1.0" encoding="utf-8"?>
+<dgm:colorsDef xmlns:dgm="http://schemas.openxmlformats.org/drawingml/2006/diagram" xmlns:a="http://schemas.openxmlformats.org/drawingml/2006/main" uniqueId="urn:microsoft.com/office/officeart/2005/8/colors/colorful4">
+  <dgm:title val=""/>
+  <dgm:desc val=""/>
+  <dgm:catLst>
+    <dgm:cat type="colorful" pri="10400"/>
+  </dgm:catLst>
+  <dgm:styleLbl name="node0">
+    <dgm:fillClrLst meth="repeat">
+      <a:schemeClr val="accent3"/>
+    </dgm:fillClrLst>
+    <dgm:linClrLst meth="repeat">
+      <a:schemeClr val="lt1"/>
+    </dgm:linClrLst>
+    <dgm:effectClrLst/>
+    <dgm:txLinClrLst/>
+    <dgm:txFillClrLst/>
+    <dgm:txEffectClrLst/>
+  </dgm:styleLbl>
+  <dgm:styleLbl name="node1">
+    <dgm:fillClrLst>
+      <a:schemeClr val="accent4"/>
+      <a:schemeClr val="accent5"/>
+    </dgm:fillClrLst>
+    <dgm:linClrLst meth="repeat">
+      <a:schemeClr val="lt1"/>
+    </dgm:linClrLst>
+    <dgm:effectClrLst/>
+    <dgm:txLinClrLst/>
+    <dgm:txFillClrLst/>
+    <dgm:txEffectClrLst/>
+  </dgm:styleLbl>
+  <dgm:styleLbl name="alignNode1">
+    <dgm:fillClrLst>
+      <a:schemeClr val="accent4"/>
+      <a:schemeClr val="accent5"/>
+    </dgm:fillClrLst>
+    <dgm:linClrLst>
+      <a:schemeClr val="accent4"/>
+      <a:schemeClr val="accent5"/>
+    </dgm:linClrLst>
+    <dgm:effectClrLst/>
+    <dgm:txLinClrLst/>
+    <dgm:txFillClrLst/>
+    <dgm:txEffectClrLst/>
+  </dgm:styleLbl>
+  <dgm:styleLbl name="lnNode1">
+    <dgm:fillClrLst>
+      <a:schemeClr val="accent4"/>
+      <a:schemeClr val="accent5"/>
+    </dgm:fillClrLst>
+    <dgm:linClrLst meth="repeat">
+      <a:schemeClr val="lt1"/>
+    </dgm:linClrLst>
+    <dgm:effectClrLst/>
+    <dgm:txLinClrLst/>
+    <dgm:txFillClrLst/>
+    <dgm:txEffectClrLst/>
+  </dgm:styleLbl>
+  <dgm:styleLbl name="vennNode1">
+    <dgm:fillClrLst>
+      <a:schemeClr val="accent4">
+        <a:alpha val="50000"/>
+      </a:schemeClr>
+      <a:schemeClr val="accent5">
+        <a:alpha val="50000"/>
+      </a:schemeClr>
+    </dgm:fillClrLst>
+    <dgm:linClrLst meth="repeat">
+      <a:schemeClr val="lt1"/>
+    </dgm:linClrLst>
+    <dgm:effectClrLst/>
+    <dgm:txLinClrLst/>
+    <dgm:txFillClrLst/>
+    <dgm:txEffectClrLst/>
+  </dgm:styleLbl>
+  <dgm:styleLbl name="node2">
+    <dgm:fillClrLst>
+      <a:schemeClr val="accent5"/>
+    </dgm:fillClrLst>
+    <dgm:linClrLst meth="repeat">
+      <a:schemeClr val="lt1"/>
+    </dgm:linClrLst>
+    <dgm:effectClrLst/>
+    <dgm:txLinClrLst/>
+    <dgm:txFillClrLst/>
+    <dgm:txEffectClrLst/>
+  </dgm:styleLbl>
+  <dgm:styleLbl name="node3">
+    <dgm:fillClrLst>
+      <a:schemeClr val="accent6"/>
+    </dgm:fillClrLst>
+    <dgm:linClrLst meth="repeat">
+      <a:schemeClr val="lt1"/>
+    </dgm:linClrLst>
+    <dgm:effectClrLst/>
+    <dgm:txLinClrLst/>
+    <dgm:txFillClrLst/>
+    <dgm:txEffectClrLst/>
+  </dgm:styleLbl>
+  <dgm:styleLbl name="node4">
+    <dgm:fillClrLst>
+      <a:schemeClr val="accent1"/>
+    </dgm:fillClrLst>
+    <dgm:linClrLst meth="repeat">
+      <a:schemeClr val="lt1"/>
+    </dgm:linClrLst>
+    <dgm:effectClrLst/>
+    <dgm:txLinClrLst/>
+    <dgm:txFillClrLst/>
+    <dgm:txEffectClrLst/>
+  </dgm:styleLbl>
+  <dgm:styleLbl name="fgImgPlace1">
+    <dgm:fillClrLst>
+      <a:schemeClr val="accent4">
+        <a:tint val="50000"/>
+      </a:schemeClr>
+      <a:schemeClr val="accent5">
+        <a:tint val="50000"/>
+      </a:schemeClr>
+    </dgm:fillClrLst>
+    <dgm:linClrLst meth="repeat">
+      <a:schemeClr val="lt1"/>
+    </dgm:linClrLst>
+    <dgm:effectClrLst/>
+    <dgm:txLinClrLst/>
+    <dgm:txFillClrLst meth="repeat">
+      <a:schemeClr val="lt1"/>
+    </dgm:txFillClrLst>
+    <dgm:txEffectClrLst/>
+  </dgm:styleLbl>
+  <dgm:styleLbl name="alignImgPlace1">
+    <dgm:fillClrLst>
+      <a:schemeClr val="accent4">
+        <a:tint val="50000"/>
+      </a:schemeClr>
+      <a:schemeClr val="accent5">
+        <a:tint val="20000"/>
+      </a:schemeClr>
+    </dgm:fillClrLst>
+    <dgm:linClrLst meth="repeat">
+      <a:schemeClr val="lt1"/>
+    </dgm:linClrLst>
+    <dgm:effectClrLst/>
+    <dgm:txLinClrLst/>
+    <dgm:txFillClrLst meth="repeat">
+      <a:schemeClr val="lt1"/>
+    </dgm:txFillClrLst>
+    <dgm:txEffectClrLst/>
+  </dgm:styleLbl>
+  <dgm:styleLbl name="bgImgPlace1">
+    <dgm:fillClrLst>
+      <a:schemeClr val="accent4">
+        <a:tint val="50000"/>
+      </a:schemeClr>
+      <a:schemeClr val="accent5">
+        <a:tint val="20000"/>
+      </a:schemeClr>
+    </dgm:fillClrLst>
+    <dgm:linClrLst meth="repeat">
+      <a:schemeClr val="lt1"/>
+    </dgm:linClrLst>
+    <dgm:effectClrLst/>
+    <dgm:txLinClrLst/>
+    <dgm:txFillClrLst meth="repeat">
+      <a:schemeClr val="lt1"/>
+    </dgm:txFillClrLst>
+    <dgm:txEffectClrLst/>
+  </dgm:styleLbl>
+  <dgm:styleLbl name="sibTrans2D1">
+    <dgm:fillClrLst>
+      <a:schemeClr val="accent4"/>
+      <a:schemeClr val="accent5"/>
+    </dgm:fillClrLst>
+    <dgm:linClrLst meth="repeat">
+      <a:schemeClr val="lt1"/>
+    </dgm:linClrLst>
+    <dgm:effectClrLst/>
+    <dgm:txLinClrLst/>
+    <dgm:txFillClrLst/>
+    <dgm:txEffectClrLst/>
+  </dgm:styleLbl>
+  <dgm:styleLbl name="fgSibTrans2D1">
+    <dgm:fillClrLst>
+      <a:schemeClr val="accent4"/>
+      <a:schemeClr val="accent5"/>
+    </dgm:fillClrLst>
+    <dgm:linClrLst meth="repeat">
+      <a:schemeClr val="lt1"/>
+    </dgm:linClrLst>
+    <dgm:effectClrLst/>
+    <dgm:txLinClrLst/>
+    <dgm:txFillClrLst meth="repeat">
+      <a:schemeClr val="lt1"/>
+    </dgm:txFillClrLst>
+    <dgm:txEffectClrLst/>
+  </dgm:styleLbl>
+  <dgm:styleLbl name="bgSibTrans2D1">
+    <dgm:fillClrLst>
+      <a:schemeClr val="accent4"/>
+      <a:schemeClr val="accent5"/>
+    </dgm:fillClrLst>
+    <dgm:linClrLst meth="repeat">
+      <a:schemeClr val="lt1"/>
+    </dgm:linClrLst>
+    <dgm:effectClrLst/>
+    <dgm:txLinClrLst/>
+    <dgm:txFillClrLst meth="repeat">
+      <a:schemeClr val="lt1"/>
+    </dgm:txFillClrLst>
+    <dgm:txEffectClrLst/>
+  </dgm:styleLbl>
+  <dgm:styleLbl name="sibTrans1D1">
+    <dgm:fillClrLst/>
+    <dgm:linClrLst>
+      <a:schemeClr val="accent4"/>
+      <a:schemeClr val="accent5"/>
+    </dgm:linClrLst>
+    <dgm:effectClrLst/>
+    <dgm:txLinClrLst/>
+    <dgm:txFillClrLst meth="repeat">
+      <a:schemeClr val="tx1"/>
+    </dgm:txFillClrLst>
+    <dgm:txEffectClrLst/>
+  </dgm:styleLbl>
+  <dgm:styleLbl name="callout">
+    <dgm:fillClrLst meth="repeat">
+      <a:schemeClr val="accent4"/>
+    </dgm:fillClrLst>
+    <dgm:linClrLst meth="repeat">
+      <a:schemeClr val="accent4">
+        <a:tint val="50000"/>
+      </a:schemeClr>
+    </dgm:linClrLst>
+    <dgm:effectClrLst/>
+    <dgm:txLinClrLst/>
+    <dgm:txFillClrLst meth="repeat">
+      <a:schemeClr val="tx1"/>
+    </dgm:txFillClrLst>
+    <dgm:txEffectClrLst/>
+  </dgm:styleLbl>
+  <dgm:styleLbl name="asst0">
+    <dgm:fillClrLst meth="repeat">
+      <a:schemeClr val="accent4"/>
+    </dgm:fillClrLst>
+    <dgm:linClrLst meth="repeat">
+      <a:schemeClr val="lt1">
+        <a:shade val="80000"/>
+      </a:schemeClr>
+    </dgm:linClrLst>
+    <dgm:effectClrLst/>
+    <dgm:txLinClrLst/>
+    <dgm:txFillClrLst/>
+    <dgm:txEffectClrLst/>
+  </dgm:styleLbl>
+  <dgm:styleLbl name="asst1">
+    <dgm:fillClrLst meth="repeat">
+      <a:schemeClr val="accent5"/>
+    </dgm:fillClrLst>
+    <dgm:linClrLst meth="repeat">
+      <a:schemeClr val="lt1">
+        <a:shade val="80000"/>
+      </a:schemeClr>
+    </dgm:linClrLst>
+    <dgm:effectClrLst/>
+    <dgm:txLinClrLst/>
+    <dgm:txFillClrLst/>
+    <dgm:txEffectClrLst/>
+  </dgm:styleLbl>
+  <dgm:styleLbl name="asst2">
+    <dgm:fillClrLst>
+      <a:schemeClr val="accent6"/>
+    </dgm:fillClrLst>
+    <dgm:linClrLst meth="repeat">
+      <a:schemeClr val="lt1"/>
+    </dgm:linClrLst>
+    <dgm:effectClrLst/>
+    <dgm:txLinClrLst/>
+    <dgm:txFillClrLst/>
+    <dgm:txEffectClrLst/>
+  </dgm:styleLbl>
+  <dgm:styleLbl name="asst3">
+    <dgm:fillClrLst>
+      <a:schemeClr val="accent1"/>
+    </dgm:fillClrLst>
+    <dgm:linClrLst meth="repeat">
+      <a:schemeClr val="lt1"/>
+    </dgm:linClrLst>
+    <dgm:effectClrLst/>
+    <dgm:txLinClrLst/>
+    <dgm:txFillClrLst/>
+    <dgm:txEffectClrLst/>
+  </dgm:styleLbl>
+  <dgm:styleLbl name="asst4">
+    <dgm:fillClrLst>
+      <a:schemeClr val="accent2"/>
+    </dgm:fillClrLst>
+    <dgm:linClrLst meth="repeat">
+      <a:schemeClr val="lt1"/>
+    </dgm:linClrLst>
+    <dgm:effectClrLst/>
+    <dgm:txLinClrLst/>
+    <dgm:txFillClrLst/>
+    <dgm:txEffectClrLst/>
+  </dgm:styleLbl>
+  <dgm:styleLbl name="parChTrans2D1">
+    <dgm:fillClrLst meth="repeat">
+      <a:schemeClr val="accent4"/>
+    </dgm:fillClrLst>
+    <dgm:linClrLst meth="repeat">
+      <a:schemeClr val="lt1"/>
+    </dgm:linClrLst>
+    <dgm:effectClrLst/>
+    <dgm:txLinClrLst/>
+    <dgm:txFillClrLst meth="repeat">
+      <a:schemeClr val="lt1"/>
+    </dgm:txFillClrLst>
+    <dgm:txEffectClrLst/>
+  </dgm:styleLbl>
+  <dgm:styleLbl name="parChTrans2D2">
+    <dgm:fillClrLst meth="repeat">
+      <a:schemeClr val="accent5"/>
+    </dgm:fillClrLst>
+    <dgm:linClrLst meth="repeat">
+      <a:schemeClr val="lt1"/>
+    </dgm:linClrLst>
+    <dgm:effectClrLst/>
+    <dgm:txLinClrLst/>
+    <dgm:txFillClrLst/>
+    <dgm:txEffectClrLst/>
+  </dgm:styleLbl>
+  <dgm:styleLbl name="parChTrans2D3">
+    <dgm:fillClrLst meth="repeat">
+      <a:schemeClr val="accent5"/>
+    </dgm:fillClrLst>
+    <dgm:linClrLst meth="repeat">
+      <a:schemeClr val="lt1"/>
+    </dgm:linClrLst>
+    <dgm:effectClrLst/>
+    <dgm:txLinClrLst/>
+    <dgm:txFillClrLst/>
+    <dgm:txEffectClrLst/>
+  </dgm:styleLbl>
+  <dgm:styleLbl name="parChTrans2D4">
+    <dgm:fillClrLst meth="repeat">
+      <a:schemeClr val="accent6"/>
+    </dgm:fillClrLst>
+    <dgm:linClrLst meth="repeat">
+      <a:schemeClr val="lt1"/>
+    </dgm:linClrLst>
+    <dgm:effectClrLst/>
+    <dgm:txLinClrLst/>
+    <dgm:txFillClrLst meth="repeat">
+      <a:schemeClr val="lt1"/>
+    </dgm:txFillClrLst>
+    <dgm:txEffectClrLst/>
+  </dgm:styleLbl>
+  <dgm:styleLbl name="parChTrans1D1">
+    <dgm:fillClrLst meth="repeat">
+      <a:schemeClr val="accent4"/>
+    </dgm:fillClrLst>
+    <dgm:linClrLst meth="repeat">
+      <a:schemeClr val="accent4"/>
+    </dgm:linClrLst>
+    <dgm:effectClrLst/>
+    <dgm:txLinClrLst/>
+    <dgm:txFillClrLst meth="repeat">
+      <a:schemeClr val="tx1"/>
+    </dgm:txFillClrLst>
+    <dgm:txEffectClrLst/>
+  </dgm:styleLbl>
+  <dgm:styleLbl name="parChTrans1D2">
+    <dgm:fillClrLst meth="repeat">
+      <a:schemeClr val="accent4">
+        <a:tint val="90000"/>
+      </a:schemeClr>
+    </dgm:fillClrLst>
+    <dgm:linClrLst meth="repeat">
+      <a:schemeClr val="accent5"/>
+    </dgm:linClrLst>
+    <dgm:effectClrLst/>
+    <dgm:txLinClrLst/>
+    <dgm:txFillClrLst meth="repeat">
+      <a:schemeClr val="tx1"/>
+    </dgm:txFillClrLst>
+    <dgm:txEffectClrLst/>
+  </dgm:styleLbl>
+  <dgm:styleLbl name="parChTrans1D3">
+    <dgm:fillClrLst meth="repeat">
+      <a:schemeClr val="accent4">
+        <a:tint val="70000"/>
+      </a:schemeClr>
+    </dgm:fillClrLst>
+    <dgm:linClrLst meth="repeat">
+      <a:schemeClr val="accent6"/>
+    </dgm:linClrLst>
+    <dgm:effectClrLst/>
+    <dgm:txLinClrLst/>
+    <dgm:txFillClrLst meth="repeat">
+      <a:schemeClr val="tx1"/>
+    </dgm:txFillClrLst>
+    <dgm:txEffectClrLst/>
+  </dgm:styleLbl>
+  <dgm:styleLbl name="parChTrans1D4">
+    <dgm:fillClrLst meth="repeat">
+      <a:schemeClr val="accent4">
+        <a:tint val="50000"/>
+      </a:schemeClr>
+    </dgm:fillClrLst>
+    <dgm:linClrLst meth="repeat">
+      <a:schemeClr val="accent1"/>
+    </dgm:linClrLst>
+    <dgm:effectClrLst/>
+    <dgm:txLinClrLst/>
+    <dgm:txFillClrLst meth="repeat">
+      <a:schemeClr val="tx1"/>
+    </dgm:txFillClrLst>
+    <dgm:txEffectClrLst/>
+  </dgm:styleLbl>
+  <dgm:styleLbl name="fgAcc1">
+    <dgm:fillClrLst meth="repeat">
+      <a:schemeClr val="lt1">
+        <a:alpha val="90000"/>
+      </a:schemeClr>
+    </dgm:fillClrLst>
+    <dgm:linClrLst>
+      <a:schemeClr val="accent4"/>
+      <a:schemeClr val="accent5"/>
+    </dgm:linClrLst>
+    <dgm:effectClrLst/>
+    <dgm:txLinClrLst/>
+    <dgm:txFillClrLst meth="repeat">
+      <a:schemeClr val="dk1"/>
+    </dgm:txFillClrLst>
+    <dgm:txEffectClrLst/>
+  </dgm:styleLbl>
+  <dgm:styleLbl name="conFgAcc1">
+    <dgm:fillClrLst meth="repeat">
+      <a:schemeClr val="lt1">
+        <a:alpha val="90000"/>
+      </a:schemeClr>
+    </dgm:fillClrLst>
+    <dgm:linClrLst>
+      <a:schemeClr val="accent4"/>
+      <a:schemeClr val="accent5"/>
+    </dgm:linClrLst>
+    <dgm:effectClrLst/>
+    <dgm:txLinClrLst/>
+    <dgm:txFillClrLst meth="repeat">
+      <a:schemeClr val="dk1"/>
+    </dgm:txFillClrLst>
+    <dgm:txEffectClrLst/>
+  </dgm:styleLbl>
+  <dgm:styleLbl name="alignAcc1">
+    <dgm:fillClrLst meth="repeat">
+      <a:schemeClr val="lt1">
+        <a:alpha val="90000"/>
+      </a:schemeClr>
+    </dgm:fillClrLst>
+    <dgm:linClrLst>
+      <a:schemeClr val="accent4"/>
+      <a:schemeClr val="accent5"/>
+    </dgm:linClrLst>
+    <dgm:effectClrLst/>
+    <dgm:txLinClrLst/>
+    <dgm:txFillClrLst meth="repeat">
+      <a:schemeClr val="dk1"/>
+    </dgm:txFillClrLst>
+    <dgm:txEffectClrLst/>
+  </dgm:styleLbl>
+  <dgm:styleLbl name="trAlignAcc1">
+    <dgm:fillClrLst meth="repeat">
+      <a:schemeClr val="lt1">
+        <a:alpha val="40000"/>
+      </a:schemeClr>
+    </dgm:fillClrLst>
+    <dgm:linClrLst meth="repeat">
+      <a:schemeClr val="accent4"/>
+    </dgm:linClrLst>
+    <dgm:effectClrLst/>
+    <dgm:txLinClrLst/>
+    <dgm:txFillClrLst meth="repeat">
+      <a:schemeClr val="dk1"/>
+    </dgm:txFillClrLst>
+    <dgm:txEffectClrLst/>
+  </dgm:styleLbl>
+  <dgm:styleLbl name="bgAcc1">
+    <dgm:fillClrLst meth="repeat">
+      <a:schemeClr val="lt1">
+        <a:alpha val="90000"/>
+      </a:schemeClr>
+    </dgm:fillClrLst>
+    <dgm:linClrLst>
+      <a:schemeClr val="accent4"/>
+      <a:schemeClr val="accent5"/>
+    </dgm:linClrLst>
+    <dgm:effectClrLst/>
+    <dgm:txLinClrLst/>
+    <dgm:txFillClrLst meth="repeat">
+      <a:schemeClr val="dk1"/>
+    </dgm:txFillClrLst>
+    <dgm:txEffectClrLst/>
+  </dgm:styleLbl>
+  <dgm:styleLbl name="solidFgAcc1">
+    <dgm:fillClrLst meth="repeat">
+      <a:schemeClr val="lt1"/>
+    </dgm:fillClrLst>
+    <dgm:linClrLst>
+      <a:schemeClr val="accent4"/>
+      <a:schemeClr val="accent5"/>
+    </dgm:linClrLst>
+    <dgm:effectClrLst/>
+    <dgm:txLinClrLst/>
+    <dgm:txFillClrLst meth="repeat">
+      <a:schemeClr val="dk1"/>
+    </dgm:txFillClrLst>
+    <dgm:txEffectClrLst/>
+  </dgm:styleLbl>
+  <dgm:styleLbl name="solidAlignAcc1">
+    <dgm:fillClrLst meth="repeat">
+      <a:schemeClr val="lt1"/>
+    </dgm:fillClrLst>
+    <dgm:linClrLst>
+      <a:schemeClr val="accent4"/>
+      <a:schemeClr val="accent5"/>
+    </dgm:linClrLst>
+    <dgm:effectClrLst/>
+    <dgm:txLinClrLst/>
+    <dgm:txFillClrLst meth="repeat">
+      <a:schemeClr val="dk1"/>
+    </dgm:txFillClrLst>
+    <dgm:txEffectClrLst/>
+  </dgm:styleLbl>
+  <dgm:styleLbl name="solidBgAcc1">
+    <dgm:fillClrLst meth="repeat">
+      <a:schemeClr val="lt1"/>
+    </dgm:fillClrLst>
+    <dgm:linClrLst>
+      <a:schemeClr val="accent4"/>
+      <a:schemeClr val="accent5"/>
+    </dgm:linClrLst>
+    <dgm:effectClrLst/>
+    <dgm:txLinClrLst/>
+    <dgm:txFillClrLst meth="repeat">
+      <a:schemeClr val="dk1"/>
+    </dgm:txFillClrLst>
+    <dgm:txEffectClrLst/>
+  </dgm:styleLbl>
+  <dgm:styleLbl name="fgAccFollowNode1">
+    <dgm:fillClrLst>
+      <a:schemeClr val="accent4">
+        <a:tint val="40000"/>
+        <a:alpha val="90000"/>
+      </a:schemeClr>
+      <a:schemeClr val="accent5">
+        <a:tint val="40000"/>
+        <a:alpha val="90000"/>
+      </a:schemeClr>
+    </dgm:fillClrLst>
+    <dgm:linClrLst>
+      <a:schemeClr val="accent4">
+        <a:tint val="40000"/>
+        <a:alpha val="90000"/>
+      </a:schemeClr>
+      <a:schemeClr val="accent5">
+        <a:tint val="40000"/>
+        <a:alpha val="90000"/>
+      </a:schemeClr>
+    </dgm:linClrLst>
+    <dgm:effectClrLst/>
+    <dgm:txLinClrLst/>
+    <dgm:txFillClrLst meth="repeat">
+      <a:schemeClr val="dk1"/>
+    </dgm:txFillClrLst>
+    <dgm:txEffectClrLst/>
+  </dgm:styleLbl>
+  <dgm:styleLbl name="alignAccFollowNode1">
+    <dgm:fillClrLst>
+      <a:schemeClr val="accent4">
+        <a:tint val="40000"/>
+        <a:alpha val="90000"/>
+      </a:schemeClr>
+      <a:schemeClr val="accent5">
+        <a:tint val="40000"/>
+        <a:alpha val="90000"/>
+      </a:schemeClr>
+    </dgm:fillClrLst>
+    <dgm:linClrLst>
+      <a:schemeClr val="accent4">
+        <a:tint val="40000"/>
+        <a:alpha val="90000"/>
+      </a:schemeClr>
+      <a:schemeClr val="accent5">
+        <a:tint val="40000"/>
+        <a:alpha val="90000"/>
+      </a:schemeClr>
+    </dgm:linClrLst>
+    <dgm:effectClrLst/>
+    <dgm:txLinClrLst/>
+    <dgm:txFillClrLst meth="repeat">
+      <a:schemeClr val="dk1"/>
+    </dgm:txFillClrLst>
+    <dgm:txEffectClrLst/>
+  </dgm:styleLbl>
+  <dgm:styleLbl name="bgAccFollowNode1">
+    <dgm:fillClrLst>
+      <a:schemeClr val="accent4">
+        <a:tint val="40000"/>
+        <a:alpha val="90000"/>
+      </a:schemeClr>
+      <a:schemeClr val="accent5">
+        <a:tint val="40000"/>
+        <a:alpha val="90000"/>
+      </a:schemeClr>
+    </dgm:fillClrLst>
+    <dgm:linClrLst>
+      <a:schemeClr val="accent4">
+        <a:tint val="40000"/>
+        <a:alpha val="90000"/>
+      </a:schemeClr>
+      <a:schemeClr val="accent5">
+        <a:tint val="40000"/>
+        <a:alpha val="90000"/>
+      </a:schemeClr>
+    </dgm:linClrLst>
+    <dgm:effectClrLst/>
+    <dgm:txLinClrLst/>
+    <dgm:txFillClrLst meth="repeat">
+      <a:schemeClr val="dk1"/>
+    </dgm:txFillClrLst>
+    <dgm:txEffectClrLst/>
+  </dgm:styleLbl>
+  <dgm:styleLbl name="fgAcc0">
+    <dgm:fillClrLst meth="repeat">
+      <a:schemeClr val="lt1">
+        <a:alpha val="90000"/>
+      </a:schemeClr>
+    </dgm:fillClrLst>
+    <dgm:linClrLst>
+      <a:schemeClr val="accent3"/>
+    </dgm:linClrLst>
+    <dgm:effectClrLst/>
+    <dgm:txLinClrLst/>
+    <dgm:txFillClrLst meth="repeat">
+      <a:schemeClr val="dk1"/>
+    </dgm:txFillClrLst>
+    <dgm:txEffectClrLst/>
+  </dgm:styleLbl>
+  <dgm:styleLbl name="fgAcc2">
+    <dgm:fillClrLst meth="repeat">
+      <a:schemeClr val="lt1">
+        <a:alpha val="90000"/>
+      </a:schemeClr>
+    </dgm:fillClrLst>
+    <dgm:linClrLst>
+      <a:schemeClr val="accent5"/>
+    </dgm:linClrLst>
+    <dgm:effectClrLst/>
+    <dgm:txLinClrLst/>
+    <dgm:txFillClrLst meth="repeat">
+      <a:schemeClr val="dk1"/>
+    </dgm:txFillClrLst>
+    <dgm:txEffectClrLst/>
+  </dgm:styleLbl>
+  <dgm:styleLbl name="fgAcc3">
+    <dgm:fillClrLst meth="repeat">
+      <a:schemeClr val="lt1">
+        <a:alpha val="90000"/>
+      </a:schemeClr>
+    </dgm:fillClrLst>
+    <dgm:linClrLst>
+      <a:schemeClr val="accent6"/>
+    </dgm:linClrLst>
+    <dgm:effectClrLst/>
+    <dgm:txLinClrLst/>
+    <dgm:txFillClrLst meth="repeat">
+      <a:schemeClr val="dk1"/>
+    </dgm:txFillClrLst>
+    <dgm:txEffectClrLst/>
+  </dgm:styleLbl>
+  <dgm:styleLbl name="fgAcc4">
+    <dgm:fillClrLst meth="repeat">
+      <a:schemeClr val="lt1">
+        <a:alpha val="90000"/>
+      </a:schemeClr>
+    </dgm:fillClrLst>
+    <dgm:linClrLst>
+      <a:schemeClr val="accent1"/>
+    </dgm:linClrLst>
+    <dgm:effectClrLst/>
+    <dgm:txLinClrLst/>
+    <dgm:txFillClrLst meth="repeat">
+      <a:schemeClr val="dk1"/>
+    </dgm:txFillClrLst>
+    <dgm:txEffectClrLst/>
+  </dgm:styleLbl>
+  <dgm:styleLbl name="bgShp">
+    <dgm:fillClrLst meth="repeat">
+      <a:schemeClr val="accent4">
+        <a:tint val="40000"/>
+      </a:schemeClr>
+    </dgm:fillClrLst>
+    <dgm:linClrLst meth="repeat">
+      <a:schemeClr val="dk1"/>
+    </dgm:linClrLst>
+    <dgm:effectClrLst/>
+    <dgm:txLinClrLst/>
+    <dgm:txFillClrLst meth="repeat">
+      <a:schemeClr val="dk1"/>
+    </dgm:txFillClrLst>
+    <dgm:txEffectClrLst/>
+  </dgm:styleLbl>
+  <dgm:styleLbl name="dkBgShp">
+    <dgm:fillClrLst meth="repeat">
+      <a:schemeClr val="accent4">
+        <a:shade val="90000"/>
+      </a:schemeClr>
+    </dgm:fillClrLst>
+    <dgm:linClrLst meth="repeat">
+      <a:schemeClr val="dk1"/>
+    </dgm:linClrLst>
+    <dgm:effectClrLst/>
+    <dgm:txLinClrLst/>
+    <dgm:txFillClrLst meth="repeat">
+      <a:schemeClr val="lt1"/>
+    </dgm:txFillClrLst>
+    <dgm:txEffectClrLst/>
+  </dgm:styleLbl>
+  <dgm:styleLbl name="trBgShp">
+    <dgm:fillClrLst meth="repeat">
+      <a:schemeClr val="accent4">
+        <a:tint val="50000"/>
+        <a:alpha val="40000"/>
+      </a:schemeClr>
+    </dgm:fillClrLst>
+    <dgm:linClrLst meth="repeat">
+      <a:schemeClr val="accent4"/>
+    </dgm:linClrLst>
+    <dgm:effectClrLst/>
+    <dgm:txLinClrLst/>
+    <dgm:txFillClrLst meth="repeat">
+      <a:schemeClr val="lt1"/>
+    </dgm:txFillClrLst>
+    <dgm:txEffectClrLst/>
+  </dgm:styleLbl>
+  <dgm:styleLbl name="fgShp">
+    <dgm:fillClrLst meth="repeat">
+      <a:schemeClr val="accent4">
+        <a:tint val="40000"/>
+      </a:schemeClr>
+    </dgm:fillClrLst>
+    <dgm:linClrLst meth="repeat">
+      <a:schemeClr val="lt1"/>
+    </dgm:linClrLst>
+    <dgm:effectClrLst/>
+    <dgm:txLinClrLst/>
+    <dgm:txFillClrLst meth="repeat">
+      <a:schemeClr val="dk1"/>
+    </dgm:txFillClrLst>
+    <dgm:txEffectClrLst/>
+  </dgm:styleLbl>
+  <dgm:styleLbl name="revTx">
+    <dgm:fillClrLst meth="repeat">
+      <a:schemeClr val="lt1">
+        <a:alpha val="0"/>
+      </a:schemeClr>
+    </dgm:fillClrLst>
+    <dgm:linClrLst meth="repeat">
+      <a:schemeClr val="dk1">
+        <a:alpha val="0"/>
+      </a:schemeClr>
+    </dgm:linClrLst>
+    <dgm:effectClrLst/>
+    <dgm:txLinClrLst/>
+    <dgm:txFillClrLst meth="repeat">
+      <a:schemeClr val="tx1"/>
+    </dgm:txFillClrLst>
+    <dgm:txEffectClrLst/>
+  </dgm:styleLbl>
+</dgm:colorsDef>
+</file>
+
+<file path=ppt/diagrams/colors4.xml><?xml version="1.0" encoding="utf-8"?>
+<dgm:colorsDef xmlns:dgm="http://schemas.openxmlformats.org/drawingml/2006/diagram" xmlns:a="http://schemas.openxmlformats.org/drawingml/2006/main" uniqueId="urn:microsoft.com/office/officeart/2005/8/colors/colorful4">
+  <dgm:title val=""/>
+  <dgm:desc val=""/>
+  <dgm:catLst>
+    <dgm:cat type="colorful" pri="10400"/>
+  </dgm:catLst>
+  <dgm:styleLbl name="node0">
+    <dgm:fillClrLst meth="repeat">
+      <a:schemeClr val="accent3"/>
+    </dgm:fillClrLst>
+    <dgm:linClrLst meth="repeat">
+      <a:schemeClr val="lt1"/>
+    </dgm:linClrLst>
+    <dgm:effectClrLst/>
+    <dgm:txLinClrLst/>
+    <dgm:txFillClrLst/>
+    <dgm:txEffectClrLst/>
+  </dgm:styleLbl>
+  <dgm:styleLbl name="node1">
+    <dgm:fillClrLst>
+      <a:schemeClr val="accent4"/>
+      <a:schemeClr val="accent5"/>
+    </dgm:fillClrLst>
+    <dgm:linClrLst meth="repeat">
+      <a:schemeClr val="lt1"/>
+    </dgm:linClrLst>
+    <dgm:effectClrLst/>
+    <dgm:txLinClrLst/>
+    <dgm:txFillClrLst/>
+    <dgm:txEffectClrLst/>
+  </dgm:styleLbl>
+  <dgm:styleLbl name="alignNode1">
+    <dgm:fillClrLst>
+      <a:schemeClr val="accent4"/>
+      <a:schemeClr val="accent5"/>
+    </dgm:fillClrLst>
+    <dgm:linClrLst>
+      <a:schemeClr val="accent4"/>
+      <a:schemeClr val="accent5"/>
+    </dgm:linClrLst>
+    <dgm:effectClrLst/>
+    <dgm:txLinClrLst/>
+    <dgm:txFillClrLst/>
+    <dgm:txEffectClrLst/>
+  </dgm:styleLbl>
+  <dgm:styleLbl name="lnNode1">
+    <dgm:fillClrLst>
+      <a:schemeClr val="accent4"/>
+      <a:schemeClr val="accent5"/>
+    </dgm:fillClrLst>
+    <dgm:linClrLst meth="repeat">
+      <a:schemeClr val="lt1"/>
+    </dgm:linClrLst>
+    <dgm:effectClrLst/>
+    <dgm:txLinClrLst/>
+    <dgm:txFillClrLst/>
+    <dgm:txEffectClrLst/>
+  </dgm:styleLbl>
+  <dgm:styleLbl name="vennNode1">
+    <dgm:fillClrLst>
+      <a:schemeClr val="accent4">
+        <a:alpha val="50000"/>
+      </a:schemeClr>
+      <a:schemeClr val="accent5">
+        <a:alpha val="50000"/>
+      </a:schemeClr>
+    </dgm:fillClrLst>
+    <dgm:linClrLst meth="repeat">
+      <a:schemeClr val="lt1"/>
+    </dgm:linClrLst>
+    <dgm:effectClrLst/>
+    <dgm:txLinClrLst/>
+    <dgm:txFillClrLst/>
+    <dgm:txEffectClrLst/>
+  </dgm:styleLbl>
+  <dgm:styleLbl name="node2">
+    <dgm:fillClrLst>
+      <a:schemeClr val="accent5"/>
+    </dgm:fillClrLst>
+    <dgm:linClrLst meth="repeat">
+      <a:schemeClr val="lt1"/>
+    </dgm:linClrLst>
+    <dgm:effectClrLst/>
+    <dgm:txLinClrLst/>
+    <dgm:txFillClrLst/>
+    <dgm:txEffectClrLst/>
+  </dgm:styleLbl>
+  <dgm:styleLbl name="node3">
+    <dgm:fillClrLst>
+      <a:schemeClr val="accent6"/>
+    </dgm:fillClrLst>
+    <dgm:linClrLst meth="repeat">
+      <a:schemeClr val="lt1"/>
+    </dgm:linClrLst>
+    <dgm:effectClrLst/>
+    <dgm:txLinClrLst/>
+    <dgm:txFillClrLst/>
+    <dgm:txEffectClrLst/>
+  </dgm:styleLbl>
+  <dgm:styleLbl name="node4">
+    <dgm:fillClrLst>
+      <a:schemeClr val="accent1"/>
+    </dgm:fillClrLst>
+    <dgm:linClrLst meth="repeat">
+      <a:schemeClr val="lt1"/>
+    </dgm:linClrLst>
+    <dgm:effectClrLst/>
+    <dgm:txLinClrLst/>
+    <dgm:txFillClrLst/>
+    <dgm:txEffectClrLst/>
+  </dgm:styleLbl>
+  <dgm:styleLbl name="fgImgPlace1">
+    <dgm:fillClrLst>
+      <a:schemeClr val="accent4">
+        <a:tint val="50000"/>
+      </a:schemeClr>
+      <a:schemeClr val="accent5">
+        <a:tint val="50000"/>
+      </a:schemeClr>
+    </dgm:fillClrLst>
+    <dgm:linClrLst meth="repeat">
+      <a:schemeClr val="lt1"/>
+    </dgm:linClrLst>
+    <dgm:effectClrLst/>
+    <dgm:txLinClrLst/>
+    <dgm:txFillClrLst meth="repeat">
+      <a:schemeClr val="lt1"/>
+    </dgm:txFillClrLst>
+    <dgm:txEffectClrLst/>
+  </dgm:styleLbl>
+  <dgm:styleLbl name="alignImgPlace1">
+    <dgm:fillClrLst>
+      <a:schemeClr val="accent4">
+        <a:tint val="50000"/>
+      </a:schemeClr>
+      <a:schemeClr val="accent5">
+        <a:tint val="20000"/>
+      </a:schemeClr>
+    </dgm:fillClrLst>
+    <dgm:linClrLst meth="repeat">
+      <a:schemeClr val="lt1"/>
+    </dgm:linClrLst>
+    <dgm:effectClrLst/>
+    <dgm:txLinClrLst/>
+    <dgm:txFillClrLst meth="repeat">
+      <a:schemeClr val="lt1"/>
+    </dgm:txFillClrLst>
+    <dgm:txEffectClrLst/>
+  </dgm:styleLbl>
+  <dgm:styleLbl name="bgImgPlace1">
+    <dgm:fillClrLst>
+      <a:schemeClr val="accent4">
+        <a:tint val="50000"/>
+      </a:schemeClr>
+      <a:schemeClr val="accent5">
+        <a:tint val="20000"/>
+      </a:schemeClr>
+    </dgm:fillClrLst>
+    <dgm:linClrLst meth="repeat">
+      <a:schemeClr val="lt1"/>
+    </dgm:linClrLst>
+    <dgm:effectClrLst/>
+    <dgm:txLinClrLst/>
+    <dgm:txFillClrLst meth="repeat">
+      <a:schemeClr val="lt1"/>
+    </dgm:txFillClrLst>
+    <dgm:txEffectClrLst/>
+  </dgm:styleLbl>
+  <dgm:styleLbl name="sibTrans2D1">
+    <dgm:fillClrLst>
+      <a:schemeClr val="accent4"/>
+      <a:schemeClr val="accent5"/>
+    </dgm:fillClrLst>
+    <dgm:linClrLst meth="repeat">
+      <a:schemeClr val="lt1"/>
+    </dgm:linClrLst>
+    <dgm:effectClrLst/>
+    <dgm:txLinClrLst/>
+    <dgm:txFillClrLst/>
+    <dgm:txEffectClrLst/>
+  </dgm:styleLbl>
+  <dgm:styleLbl name="fgSibTrans2D1">
+    <dgm:fillClrLst>
+      <a:schemeClr val="accent4"/>
+      <a:schemeClr val="accent5"/>
+    </dgm:fillClrLst>
+    <dgm:linClrLst meth="repeat">
+      <a:schemeClr val="lt1"/>
+    </dgm:linClrLst>
+    <dgm:effectClrLst/>
+    <dgm:txLinClrLst/>
+    <dgm:txFillClrLst meth="repeat">
+      <a:schemeClr val="lt1"/>
+    </dgm:txFillClrLst>
+    <dgm:txEffectClrLst/>
+  </dgm:styleLbl>
+  <dgm:styleLbl name="bgSibTrans2D1">
+    <dgm:fillClrLst>
+      <a:schemeClr val="accent4"/>
+      <a:schemeClr val="accent5"/>
+    </dgm:fillClrLst>
+    <dgm:linClrLst meth="repeat">
+      <a:schemeClr val="lt1"/>
+    </dgm:linClrLst>
+    <dgm:effectClrLst/>
+    <dgm:txLinClrLst/>
+    <dgm:txFillClrLst meth="repeat">
+      <a:schemeClr val="lt1"/>
+    </dgm:txFillClrLst>
+    <dgm:txEffectClrLst/>
+  </dgm:styleLbl>
+  <dgm:styleLbl name="sibTrans1D1">
+    <dgm:fillClrLst/>
+    <dgm:linClrLst>
+      <a:schemeClr val="accent4"/>
+      <a:schemeClr val="accent5"/>
+    </dgm:linClrLst>
+    <dgm:effectClrLst/>
+    <dgm:txLinClrLst/>
+    <dgm:txFillClrLst meth="repeat">
+      <a:schemeClr val="tx1"/>
+    </dgm:txFillClrLst>
+    <dgm:txEffectClrLst/>
+  </dgm:styleLbl>
+  <dgm:styleLbl name="callout">
+    <dgm:fillClrLst meth="repeat">
+      <a:schemeClr val="accent4"/>
+    </dgm:fillClrLst>
+    <dgm:linClrLst meth="repeat">
+      <a:schemeClr val="accent4">
+        <a:tint val="50000"/>
+      </a:schemeClr>
+    </dgm:linClrLst>
+    <dgm:effectClrLst/>
+    <dgm:txLinClrLst/>
+    <dgm:txFillClrLst meth="repeat">
+      <a:schemeClr val="tx1"/>
+    </dgm:txFillClrLst>
+    <dgm:txEffectClrLst/>
+  </dgm:styleLbl>
+  <dgm:styleLbl name="asst0">
+    <dgm:fillClrLst meth="repeat">
+      <a:schemeClr val="accent4"/>
+    </dgm:fillClrLst>
+    <dgm:linClrLst meth="repeat">
+      <a:schemeClr val="lt1">
+        <a:shade val="80000"/>
+      </a:schemeClr>
+    </dgm:linClrLst>
+    <dgm:effectClrLst/>
+    <dgm:txLinClrLst/>
+    <dgm:txFillClrLst/>
+    <dgm:txEffectClrLst/>
+  </dgm:styleLbl>
+  <dgm:styleLbl name="asst1">
+    <dgm:fillClrLst meth="repeat">
+      <a:schemeClr val="accent5"/>
+    </dgm:fillClrLst>
+    <dgm:linClrLst meth="repeat">
+      <a:schemeClr val="lt1">
+        <a:shade val="80000"/>
+      </a:schemeClr>
+    </dgm:linClrLst>
+    <dgm:effectClrLst/>
+    <dgm:txLinClrLst/>
+    <dgm:txFillClrLst/>
+    <dgm:txEffectClrLst/>
+  </dgm:styleLbl>
+  <dgm:styleLbl name="asst2">
+    <dgm:fillClrLst>
+      <a:schemeClr val="accent6"/>
+    </dgm:fillClrLst>
+    <dgm:linClrLst meth="repeat">
+      <a:schemeClr val="lt1"/>
+    </dgm:linClrLst>
+    <dgm:effectClrLst/>
+    <dgm:txLinClrLst/>
+    <dgm:txFillClrLst/>
+    <dgm:txEffectClrLst/>
+  </dgm:styleLbl>
+  <dgm:styleLbl name="asst3">
+    <dgm:fillClrLst>
+      <a:schemeClr val="accent1"/>
+    </dgm:fillClrLst>
+    <dgm:linClrLst meth="repeat">
+      <a:schemeClr val="lt1"/>
+    </dgm:linClrLst>
+    <dgm:effectClrLst/>
+    <dgm:txLinClrLst/>
+    <dgm:txFillClrLst/>
+    <dgm:txEffectClrLst/>
+  </dgm:styleLbl>
+  <dgm:styleLbl name="asst4">
+    <dgm:fillClrLst>
+      <a:schemeClr val="accent2"/>
+    </dgm:fillClrLst>
+    <dgm:linClrLst meth="repeat">
+      <a:schemeClr val="lt1"/>
+    </dgm:linClrLst>
+    <dgm:effectClrLst/>
+    <dgm:txLinClrLst/>
+    <dgm:txFillClrLst/>
+    <dgm:txEffectClrLst/>
+  </dgm:styleLbl>
+  <dgm:styleLbl name="parChTrans2D1">
+    <dgm:fillClrLst meth="repeat">
+      <a:schemeClr val="accent4"/>
+    </dgm:fillClrLst>
+    <dgm:linClrLst meth="repeat">
+      <a:schemeClr val="lt1"/>
+    </dgm:linClrLst>
+    <dgm:effectClrLst/>
+    <dgm:txLinClrLst/>
+    <dgm:txFillClrLst meth="repeat">
+      <a:schemeClr val="lt1"/>
+    </dgm:txFillClrLst>
+    <dgm:txEffectClrLst/>
+  </dgm:styleLbl>
+  <dgm:styleLbl name="parChTrans2D2">
+    <dgm:fillClrLst meth="repeat">
+      <a:schemeClr val="accent5"/>
+    </dgm:fillClrLst>
+    <dgm:linClrLst meth="repeat">
+      <a:schemeClr val="lt1"/>
+    </dgm:linClrLst>
+    <dgm:effectClrLst/>
+    <dgm:txLinClrLst/>
+    <dgm:txFillClrLst/>
+    <dgm:txEffectClrLst/>
+  </dgm:styleLbl>
+  <dgm:styleLbl name="parChTrans2D3">
+    <dgm:fillClrLst meth="repeat">
+      <a:schemeClr val="accent5"/>
+    </dgm:fillClrLst>
+    <dgm:linClrLst meth="repeat">
+      <a:schemeClr val="lt1"/>
+    </dgm:linClrLst>
+    <dgm:effectClrLst/>
+    <dgm:txLinClrLst/>
+    <dgm:txFillClrLst/>
+    <dgm:txEffectClrLst/>
+  </dgm:styleLbl>
+  <dgm:styleLbl name="parChTrans2D4">
+    <dgm:fillClrLst meth="repeat">
+      <a:schemeClr val="accent6"/>
+    </dgm:fillClrLst>
+    <dgm:linClrLst meth="repeat">
+      <a:schemeClr val="lt1"/>
+    </dgm:linClrLst>
+    <dgm:effectClrLst/>
+    <dgm:txLinClrLst/>
+    <dgm:txFillClrLst meth="repeat">
+      <a:schemeClr val="lt1"/>
+    </dgm:txFillClrLst>
+    <dgm:txEffectClrLst/>
+  </dgm:styleLbl>
+  <dgm:styleLbl name="parChTrans1D1">
+    <dgm:fillClrLst meth="repeat">
+      <a:schemeClr val="accent4"/>
+    </dgm:fillClrLst>
+    <dgm:linClrLst meth="repeat">
+      <a:schemeClr val="accent4"/>
+    </dgm:linClrLst>
+    <dgm:effectClrLst/>
+    <dgm:txLinClrLst/>
+    <dgm:txFillClrLst meth="repeat">
+      <a:schemeClr val="tx1"/>
+    </dgm:txFillClrLst>
+    <dgm:txEffectClrLst/>
+  </dgm:styleLbl>
+  <dgm:styleLbl name="parChTrans1D2">
+    <dgm:fillClrLst meth="repeat">
+      <a:schemeClr val="accent4">
+        <a:tint val="90000"/>
+      </a:schemeClr>
+    </dgm:fillClrLst>
+    <dgm:linClrLst meth="repeat">
+      <a:schemeClr val="accent5"/>
+    </dgm:linClrLst>
+    <dgm:effectClrLst/>
+    <dgm:txLinClrLst/>
+    <dgm:txFillClrLst meth="repeat">
+      <a:schemeClr val="tx1"/>
+    </dgm:txFillClrLst>
+    <dgm:txEffectClrLst/>
+  </dgm:styleLbl>
+  <dgm:styleLbl name="parChTrans1D3">
+    <dgm:fillClrLst meth="repeat">
+      <a:schemeClr val="accent4">
+        <a:tint val="70000"/>
+      </a:schemeClr>
+    </dgm:fillClrLst>
+    <dgm:linClrLst meth="repeat">
+      <a:schemeClr val="accent6"/>
+    </dgm:linClrLst>
+    <dgm:effectClrLst/>
+    <dgm:txLinClrLst/>
+    <dgm:txFillClrLst meth="repeat">
+      <a:schemeClr val="tx1"/>
+    </dgm:txFillClrLst>
+    <dgm:txEffectClrLst/>
+  </dgm:styleLbl>
+  <dgm:styleLbl name="parChTrans1D4">
+    <dgm:fillClrLst meth="repeat">
+      <a:schemeClr val="accent4">
+        <a:tint val="50000"/>
+      </a:schemeClr>
+    </dgm:fillClrLst>
+    <dgm:linClrLst meth="repeat">
+      <a:schemeClr val="accent1"/>
+    </dgm:linClrLst>
+    <dgm:effectClrLst/>
+    <dgm:txLinClrLst/>
+    <dgm:txFillClrLst meth="repeat">
+      <a:schemeClr val="tx1"/>
+    </dgm:txFillClrLst>
+    <dgm:txEffectClrLst/>
+  </dgm:styleLbl>
+  <dgm:styleLbl name="fgAcc1">
+    <dgm:fillClrLst meth="repeat">
+      <a:schemeClr val="lt1">
+        <a:alpha val="90000"/>
+      </a:schemeClr>
+    </dgm:fillClrLst>
+    <dgm:linClrLst>
+      <a:schemeClr val="accent4"/>
+      <a:schemeClr val="accent5"/>
+    </dgm:linClrLst>
+    <dgm:effectClrLst/>
+    <dgm:txLinClrLst/>
+    <dgm:txFillClrLst meth="repeat">
+      <a:schemeClr val="dk1"/>
+    </dgm:txFillClrLst>
+    <dgm:txEffectClrLst/>
+  </dgm:styleLbl>
+  <dgm:styleLbl name="conFgAcc1">
+    <dgm:fillClrLst meth="repeat">
+      <a:schemeClr val="lt1">
+        <a:alpha val="90000"/>
+      </a:schemeClr>
+    </dgm:fillClrLst>
+    <dgm:linClrLst>
+      <a:schemeClr val="accent4"/>
+      <a:schemeClr val="accent5"/>
+    </dgm:linClrLst>
+    <dgm:effectClrLst/>
+    <dgm:txLinClrLst/>
+    <dgm:txFillClrLst meth="repeat">
+      <a:schemeClr val="dk1"/>
+    </dgm:txFillClrLst>
+    <dgm:txEffectClrLst/>
+  </dgm:styleLbl>
+  <dgm:styleLbl name="alignAcc1">
+    <dgm:fillClrLst meth="repeat">
+      <a:schemeClr val="lt1">
+        <a:alpha val="90000"/>
+      </a:schemeClr>
+    </dgm:fillClrLst>
+    <dgm:linClrLst>
+      <a:schemeClr val="accent4"/>
+      <a:schemeClr val="accent5"/>
+    </dgm:linClrLst>
+    <dgm:effectClrLst/>
+    <dgm:txLinClrLst/>
+    <dgm:txFillClrLst meth="repeat">
+      <a:schemeClr val="dk1"/>
+    </dgm:txFillClrLst>
+    <dgm:txEffectClrLst/>
+  </dgm:styleLbl>
+  <dgm:styleLbl name="trAlignAcc1">
+    <dgm:fillClrLst meth="repeat">
+      <a:schemeClr val="lt1">
+        <a:alpha val="40000"/>
+      </a:schemeClr>
+    </dgm:fillClrLst>
+    <dgm:linClrLst meth="repeat">
+      <a:schemeClr val="accent4"/>
+    </dgm:linClrLst>
+    <dgm:effectClrLst/>
+    <dgm:txLinClrLst/>
+    <dgm:txFillClrLst meth="repeat">
+      <a:schemeClr val="dk1"/>
+    </dgm:txFillClrLst>
+    <dgm:txEffectClrLst/>
+  </dgm:styleLbl>
+  <dgm:styleLbl name="bgAcc1">
+    <dgm:fillClrLst meth="repeat">
+      <a:schemeClr val="lt1">
+        <a:alpha val="90000"/>
+      </a:schemeClr>
+    </dgm:fillClrLst>
+    <dgm:linClrLst>
+      <a:schemeClr val="accent4"/>
+      <a:schemeClr val="accent5"/>
+    </dgm:linClrLst>
+    <dgm:effectClrLst/>
+    <dgm:txLinClrLst/>
+    <dgm:txFillClrLst meth="repeat">
+      <a:schemeClr val="dk1"/>
+    </dgm:txFillClrLst>
+    <dgm:txEffectClrLst/>
+  </dgm:styleLbl>
+  <dgm:styleLbl name="solidFgAcc1">
+    <dgm:fillClrLst meth="repeat">
+      <a:schemeClr val="lt1"/>
+    </dgm:fillClrLst>
+    <dgm:linClrLst>
+      <a:schemeClr val="accent4"/>
+      <a:schemeClr val="accent5"/>
+    </dgm:linClrLst>
+    <dgm:effectClrLst/>
+    <dgm:txLinClrLst/>
+    <dgm:txFillClrLst meth="repeat">
+      <a:schemeClr val="dk1"/>
+    </dgm:txFillClrLst>
+    <dgm:txEffectClrLst/>
+  </dgm:styleLbl>
+  <dgm:styleLbl name="solidAlignAcc1">
+    <dgm:fillClrLst meth="repeat">
+      <a:schemeClr val="lt1"/>
+    </dgm:fillClrLst>
+    <dgm:linClrLst>
+      <a:schemeClr val="accent4"/>
+      <a:schemeClr val="accent5"/>
+    </dgm:linClrLst>
+    <dgm:effectClrLst/>
+    <dgm:txLinClrLst/>
+    <dgm:txFillClrLst meth="repeat">
+      <a:schemeClr val="dk1"/>
+    </dgm:txFillClrLst>
+    <dgm:txEffectClrLst/>
+  </dgm:styleLbl>
+  <dgm:styleLbl name="solidBgAcc1">
+    <dgm:fillClrLst meth="repeat">
+      <a:schemeClr val="lt1"/>
+    </dgm:fillClrLst>
+    <dgm:linClrLst>
+      <a:schemeClr val="accent4"/>
+      <a:schemeClr val="accent5"/>
+    </dgm:linClrLst>
+    <dgm:effectClrLst/>
+    <dgm:txLinClrLst/>
+    <dgm:txFillClrLst meth="repeat">
+      <a:schemeClr val="dk1"/>
+    </dgm:txFillClrLst>
+    <dgm:txEffectClrLst/>
+  </dgm:styleLbl>
+  <dgm:styleLbl name="fgAccFollowNode1">
+    <dgm:fillClrLst>
+      <a:schemeClr val="accent4">
+        <a:tint val="40000"/>
+        <a:alpha val="90000"/>
+      </a:schemeClr>
+      <a:schemeClr val="accent5">
+        <a:tint val="40000"/>
+        <a:alpha val="90000"/>
+      </a:schemeClr>
+    </dgm:fillClrLst>
+    <dgm:linClrLst>
+      <a:schemeClr val="accent4">
+        <a:tint val="40000"/>
+        <a:alpha val="90000"/>
+      </a:schemeClr>
+      <a:schemeClr val="accent5">
+        <a:tint val="40000"/>
+        <a:alpha val="90000"/>
+      </a:schemeClr>
+    </dgm:linClrLst>
+    <dgm:effectClrLst/>
+    <dgm:txLinClrLst/>
+    <dgm:txFillClrLst meth="repeat">
+      <a:schemeClr val="dk1"/>
+    </dgm:txFillClrLst>
+    <dgm:txEffectClrLst/>
+  </dgm:styleLbl>
+  <dgm:styleLbl name="alignAccFollowNode1">
+    <dgm:fillClrLst>
+      <a:schemeClr val="accent4">
+        <a:tint val="40000"/>
+        <a:alpha val="90000"/>
+      </a:schemeClr>
+      <a:schemeClr val="accent5">
+        <a:tint val="40000"/>
+        <a:alpha val="90000"/>
+      </a:schemeClr>
+    </dgm:fillClrLst>
+    <dgm:linClrLst>
+      <a:schemeClr val="accent4">
+        <a:tint val="40000"/>
+        <a:alpha val="90000"/>
+      </a:schemeClr>
+      <a:schemeClr val="accent5">
+        <a:tint val="40000"/>
+        <a:alpha val="90000"/>
+      </a:schemeClr>
+    </dgm:linClrLst>
+    <dgm:effectClrLst/>
+    <dgm:txLinClrLst/>
+    <dgm:txFillClrLst meth="repeat">
+      <a:schemeClr val="dk1"/>
+    </dgm:txFillClrLst>
+    <dgm:txEffectClrLst/>
+  </dgm:styleLbl>
+  <dgm:styleLbl name="bgAccFollowNode1">
+    <dgm:fillClrLst>
+      <a:schemeClr val="accent4">
+        <a:tint val="40000"/>
+        <a:alpha val="90000"/>
+      </a:schemeClr>
+      <a:schemeClr val="accent5">
+        <a:tint val="40000"/>
+        <a:alpha val="90000"/>
+      </a:schemeClr>
+    </dgm:fillClrLst>
+    <dgm:linClrLst>
+      <a:schemeClr val="accent4">
+        <a:tint val="40000"/>
+        <a:alpha val="90000"/>
+      </a:schemeClr>
+      <a:schemeClr val="accent5">
+        <a:tint val="40000"/>
+        <a:alpha val="90000"/>
+      </a:schemeClr>
+    </dgm:linClrLst>
+    <dgm:effectClrLst/>
+    <dgm:txLinClrLst/>
+    <dgm:txFillClrLst meth="repeat">
+      <a:schemeClr val="dk1"/>
+    </dgm:txFillClrLst>
+    <dgm:txEffectClrLst/>
+  </dgm:styleLbl>
+  <dgm:styleLbl name="fgAcc0">
+    <dgm:fillClrLst meth="repeat">
+      <a:schemeClr val="lt1">
+        <a:alpha val="90000"/>
+      </a:schemeClr>
+    </dgm:fillClrLst>
+    <dgm:linClrLst>
+      <a:schemeClr val="accent3"/>
+    </dgm:linClrLst>
+    <dgm:effectClrLst/>
+    <dgm:txLinClrLst/>
+    <dgm:txFillClrLst meth="repeat">
+      <a:schemeClr val="dk1"/>
+    </dgm:txFillClrLst>
+    <dgm:txEffectClrLst/>
+  </dgm:styleLbl>
+  <dgm:styleLbl name="fgAcc2">
+    <dgm:fillClrLst meth="repeat">
+      <a:schemeClr val="lt1">
+        <a:alpha val="90000"/>
+      </a:schemeClr>
+    </dgm:fillClrLst>
+    <dgm:linClrLst>
+      <a:schemeClr val="accent5"/>
+    </dgm:linClrLst>
+    <dgm:effectClrLst/>
+    <dgm:txLinClrLst/>
+    <dgm:txFillClrLst meth="repeat">
+      <a:schemeClr val="dk1"/>
+    </dgm:txFillClrLst>
+    <dgm:txEffectClrLst/>
+  </dgm:styleLbl>
+  <dgm:styleLbl name="fgAcc3">
+    <dgm:fillClrLst meth="repeat">
+      <a:schemeClr val="lt1">
+        <a:alpha val="90000"/>
+      </a:schemeClr>
+    </dgm:fillClrLst>
+    <dgm:linClrLst>
+      <a:schemeClr val="accent6"/>
+    </dgm:linClrLst>
+    <dgm:effectClrLst/>
+    <dgm:txLinClrLst/>
+    <dgm:txFillClrLst meth="repeat">
+      <a:schemeClr val="dk1"/>
+    </dgm:txFillClrLst>
+    <dgm:txEffectClrLst/>
+  </dgm:styleLbl>
+  <dgm:styleLbl name="fgAcc4">
+    <dgm:fillClrLst meth="repeat">
+      <a:schemeClr val="lt1">
+        <a:alpha val="90000"/>
+      </a:schemeClr>
+    </dgm:fillClrLst>
+    <dgm:linClrLst>
+      <a:schemeClr val="accent1"/>
+    </dgm:linClrLst>
+    <dgm:effectClrLst/>
+    <dgm:txLinClrLst/>
+    <dgm:txFillClrLst meth="repeat">
+      <a:schemeClr val="dk1"/>
+    </dgm:txFillClrLst>
+    <dgm:txEffectClrLst/>
+  </dgm:styleLbl>
+  <dgm:styleLbl name="bgShp">
+    <dgm:fillClrLst meth="repeat">
+      <a:schemeClr val="accent4">
+        <a:tint val="40000"/>
+      </a:schemeClr>
+    </dgm:fillClrLst>
+    <dgm:linClrLst meth="repeat">
+      <a:schemeClr val="dk1"/>
+    </dgm:linClrLst>
+    <dgm:effectClrLst/>
+    <dgm:txLinClrLst/>
+    <dgm:txFillClrLst meth="repeat">
+      <a:schemeClr val="dk1"/>
+    </dgm:txFillClrLst>
+    <dgm:txEffectClrLst/>
+  </dgm:styleLbl>
+  <dgm:styleLbl name="dkBgShp">
+    <dgm:fillClrLst meth="repeat">
+      <a:schemeClr val="accent4">
+        <a:shade val="90000"/>
+      </a:schemeClr>
+    </dgm:fillClrLst>
+    <dgm:linClrLst meth="repeat">
+      <a:schemeClr val="dk1"/>
+    </dgm:linClrLst>
+    <dgm:effectClrLst/>
+    <dgm:txLinClrLst/>
+    <dgm:txFillClrLst meth="repeat">
+      <a:schemeClr val="lt1"/>
+    </dgm:txFillClrLst>
+    <dgm:txEffectClrLst/>
+  </dgm:styleLbl>
+  <dgm:styleLbl name="trBgShp">
+    <dgm:fillClrLst meth="repeat">
+      <a:schemeClr val="accent4">
+        <a:tint val="50000"/>
+        <a:alpha val="40000"/>
+      </a:schemeClr>
+    </dgm:fillClrLst>
+    <dgm:linClrLst meth="repeat">
+      <a:schemeClr val="accent4"/>
+    </dgm:linClrLst>
+    <dgm:effectClrLst/>
+    <dgm:txLinClrLst/>
+    <dgm:txFillClrLst meth="repeat">
+      <a:schemeClr val="lt1"/>
+    </dgm:txFillClrLst>
+    <dgm:txEffectClrLst/>
+  </dgm:styleLbl>
+  <dgm:styleLbl name="fgShp">
+    <dgm:fillClrLst meth="repeat">
+      <a:schemeClr val="accent4">
+        <a:tint val="40000"/>
+      </a:schemeClr>
+    </dgm:fillClrLst>
+    <dgm:linClrLst meth="repeat">
+      <a:schemeClr val="lt1"/>
+    </dgm:linClrLst>
+    <dgm:effectClrLst/>
+    <dgm:txLinClrLst/>
+    <dgm:txFillClrLst meth="repeat">
+      <a:schemeClr val="dk1"/>
+    </dgm:txFillClrLst>
+    <dgm:txEffectClrLst/>
+  </dgm:styleLbl>
+  <dgm:styleLbl name="revTx">
+    <dgm:fillClrLst meth="repeat">
+      <a:schemeClr val="lt1">
+        <a:alpha val="0"/>
+      </a:schemeClr>
+    </dgm:fillClrLst>
+    <dgm:linClrLst meth="repeat">
+      <a:schemeClr val="dk1">
+        <a:alpha val="0"/>
+      </a:schemeClr>
+    </dgm:linClrLst>
+    <dgm:effectClrLst/>
+    <dgm:txLinClrLst/>
+    <dgm:txFillClrLst meth="repeat">
+      <a:schemeClr val="tx1"/>
+    </dgm:txFillClrLst>
+    <dgm:txEffectClrLst/>
+  </dgm:styleLbl>
+</dgm:colorsDef>
+</file>
+
+<file path=ppt/diagrams/colors5.xml><?xml version="1.0" encoding="utf-8"?>
 <dgm:colorsDef xmlns:dgm="http://schemas.openxmlformats.org/drawingml/2006/diagram" xmlns:a="http://schemas.openxmlformats.org/drawingml/2006/main" uniqueId="urn:microsoft.com/office/officeart/2005/8/colors/accent1_2">
   <dgm:title val=""/>
   <dgm:desc val=""/>
@@ -2437,6 +4002,594 @@
 </file>
 
 <file path=ppt/diagrams/data1.xml><?xml version="1.0" encoding="utf-8"?>
+<dgm:dataModel xmlns:dgm="http://schemas.openxmlformats.org/drawingml/2006/diagram" xmlns:a="http://schemas.openxmlformats.org/drawingml/2006/main">
+  <dgm:ptLst>
+    <dgm:pt modelId="{D388E4D6-15FC-49D9-9C2E-189AF71EB9F8}" type="doc">
+      <dgm:prSet loTypeId="urn:microsoft.com/office/officeart/2005/8/layout/process2" loCatId="process" qsTypeId="urn:microsoft.com/office/officeart/2005/8/quickstyle/simple1" qsCatId="simple" csTypeId="urn:microsoft.com/office/officeart/2005/8/colors/colorful4" csCatId="colorful" phldr="1"/>
+      <dgm:spPr/>
+    </dgm:pt>
+    <dgm:pt modelId="{486A6EEA-E169-4F57-BDC0-987FFA5575AC}">
+      <dgm:prSet phldrT="[文本]"/>
+      <dgm:spPr/>
+      <dgm:t>
+        <a:bodyPr/>
+        <a:lstStyle/>
+        <a:p>
+          <a:r>
+            <a:rPr lang="zh-CN" altLang="en-US" dirty="0" smtClean="0"/>
+            <a:t>数据库表设计</a:t>
+          </a:r>
+          <a:endParaRPr lang="zh-CN" altLang="en-US" dirty="0"/>
+        </a:p>
+      </dgm:t>
+    </dgm:pt>
+    <dgm:pt modelId="{6C40A278-351A-47CF-822B-1811B40DED8A}" type="parTrans" cxnId="{5850C1E3-9398-4697-AD9B-2DC2888BD050}">
+      <dgm:prSet/>
+      <dgm:spPr/>
+      <dgm:t>
+        <a:bodyPr/>
+        <a:lstStyle/>
+        <a:p>
+          <a:endParaRPr lang="zh-CN" altLang="en-US"/>
+        </a:p>
+      </dgm:t>
+    </dgm:pt>
+    <dgm:pt modelId="{64C298F0-1E35-44E1-B8FE-1DB5B79B7B6B}" type="sibTrans" cxnId="{5850C1E3-9398-4697-AD9B-2DC2888BD050}">
+      <dgm:prSet/>
+      <dgm:spPr/>
+      <dgm:t>
+        <a:bodyPr/>
+        <a:lstStyle/>
+        <a:p>
+          <a:endParaRPr lang="zh-CN" altLang="en-US"/>
+        </a:p>
+      </dgm:t>
+    </dgm:pt>
+    <dgm:pt modelId="{5F2DB3B5-0D57-49B8-9847-A861DFFADA0F}">
+      <dgm:prSet phldrT="[文本]"/>
+      <dgm:spPr/>
+      <dgm:t>
+        <a:bodyPr/>
+        <a:lstStyle/>
+        <a:p>
+          <a:r>
+            <a:rPr lang="zh-CN" altLang="en-US" dirty="0" smtClean="0"/>
+            <a:t>前端界面设计编码</a:t>
+          </a:r>
+          <a:endParaRPr lang="zh-CN" altLang="en-US" dirty="0"/>
+        </a:p>
+      </dgm:t>
+    </dgm:pt>
+    <dgm:pt modelId="{7A431B43-CCD5-4471-9071-1EA0B6FCAB75}" type="parTrans" cxnId="{1C04DED0-8846-4065-A323-C6693680A30A}">
+      <dgm:prSet/>
+      <dgm:spPr/>
+      <dgm:t>
+        <a:bodyPr/>
+        <a:lstStyle/>
+        <a:p>
+          <a:endParaRPr lang="zh-CN" altLang="en-US"/>
+        </a:p>
+      </dgm:t>
+    </dgm:pt>
+    <dgm:pt modelId="{55F339B8-D436-4DB4-9164-A1ADB6BA2C91}" type="sibTrans" cxnId="{1C04DED0-8846-4065-A323-C6693680A30A}">
+      <dgm:prSet/>
+      <dgm:spPr/>
+      <dgm:t>
+        <a:bodyPr/>
+        <a:lstStyle/>
+        <a:p>
+          <a:endParaRPr lang="zh-CN" altLang="en-US"/>
+        </a:p>
+      </dgm:t>
+    </dgm:pt>
+    <dgm:pt modelId="{DD9C489C-7613-40F7-92F0-BD2326D792CC}">
+      <dgm:prSet phldrT="[文本]"/>
+      <dgm:spPr/>
+      <dgm:t>
+        <a:bodyPr/>
+        <a:lstStyle/>
+        <a:p>
+          <a:r>
+            <a:rPr lang="zh-CN" altLang="en-US" dirty="0" smtClean="0"/>
+            <a:t>后端响应行为服务编码</a:t>
+          </a:r>
+          <a:endParaRPr lang="zh-CN" altLang="en-US" dirty="0"/>
+        </a:p>
+      </dgm:t>
+    </dgm:pt>
+    <dgm:pt modelId="{26C2CE16-53B0-41B7-8983-54E67287543D}" type="parTrans" cxnId="{4889C9AD-558D-4E99-BD45-E355BF6AEFB9}">
+      <dgm:prSet/>
+      <dgm:spPr/>
+      <dgm:t>
+        <a:bodyPr/>
+        <a:lstStyle/>
+        <a:p>
+          <a:endParaRPr lang="zh-CN" altLang="en-US"/>
+        </a:p>
+      </dgm:t>
+    </dgm:pt>
+    <dgm:pt modelId="{69A1DCFF-44C1-4D82-8CC1-FCF5DBA18A45}" type="sibTrans" cxnId="{4889C9AD-558D-4E99-BD45-E355BF6AEFB9}">
+      <dgm:prSet/>
+      <dgm:spPr/>
+      <dgm:t>
+        <a:bodyPr/>
+        <a:lstStyle/>
+        <a:p>
+          <a:endParaRPr lang="zh-CN" altLang="en-US"/>
+        </a:p>
+      </dgm:t>
+    </dgm:pt>
+    <dgm:pt modelId="{C07F8285-1461-4734-B774-9FA3925BDB35}">
+      <dgm:prSet phldrT="[文本]"/>
+      <dgm:spPr/>
+      <dgm:t>
+        <a:bodyPr/>
+        <a:lstStyle/>
+        <a:p>
+          <a:r>
+            <a:rPr lang="zh-CN" altLang="en-US" dirty="0" smtClean="0"/>
+            <a:t>数据交互接口编码</a:t>
+          </a:r>
+          <a:endParaRPr lang="zh-CN" altLang="en-US" dirty="0"/>
+        </a:p>
+      </dgm:t>
+    </dgm:pt>
+    <dgm:pt modelId="{C56521BA-7AF6-4A2D-B6AF-FDED911EAF54}" type="parTrans" cxnId="{659857F6-1882-469B-8502-3316F457AF2E}">
+      <dgm:prSet/>
+      <dgm:spPr/>
+      <dgm:t>
+        <a:bodyPr/>
+        <a:lstStyle/>
+        <a:p>
+          <a:endParaRPr lang="zh-CN" altLang="en-US"/>
+        </a:p>
+      </dgm:t>
+    </dgm:pt>
+    <dgm:pt modelId="{A9C647F6-56DD-4215-AF5D-8C9F82AC1069}" type="sibTrans" cxnId="{659857F6-1882-469B-8502-3316F457AF2E}">
+      <dgm:prSet/>
+      <dgm:spPr/>
+      <dgm:t>
+        <a:bodyPr/>
+        <a:lstStyle/>
+        <a:p>
+          <a:endParaRPr lang="zh-CN" altLang="en-US"/>
+        </a:p>
+      </dgm:t>
+    </dgm:pt>
+    <dgm:pt modelId="{B45CA829-12F8-42A9-881D-C1B89CBFF4CA}" type="pres">
+      <dgm:prSet presAssocID="{D388E4D6-15FC-49D9-9C2E-189AF71EB9F8}" presName="linearFlow" presStyleCnt="0">
+        <dgm:presLayoutVars>
+          <dgm:resizeHandles val="exact"/>
+        </dgm:presLayoutVars>
+      </dgm:prSet>
+      <dgm:spPr/>
+    </dgm:pt>
+    <dgm:pt modelId="{C010418B-CAFF-4F5C-B03E-6A963E3A8BC3}" type="pres">
+      <dgm:prSet presAssocID="{486A6EEA-E169-4F57-BDC0-987FFA5575AC}" presName="node" presStyleLbl="node1" presStyleIdx="0" presStyleCnt="4" custLinFactNeighborX="-554" custLinFactNeighborY="-538">
+        <dgm:presLayoutVars>
+          <dgm:bulletEnabled val="1"/>
+        </dgm:presLayoutVars>
+      </dgm:prSet>
+      <dgm:spPr/>
+    </dgm:pt>
+    <dgm:pt modelId="{F4222460-DA3F-4D91-8B7F-249866513908}" type="pres">
+      <dgm:prSet presAssocID="{64C298F0-1E35-44E1-B8FE-1DB5B79B7B6B}" presName="sibTrans" presStyleLbl="sibTrans2D1" presStyleIdx="0" presStyleCnt="3"/>
+      <dgm:spPr/>
+    </dgm:pt>
+    <dgm:pt modelId="{9A15A386-30A2-4E2E-A515-34FBC787EE36}" type="pres">
+      <dgm:prSet presAssocID="{64C298F0-1E35-44E1-B8FE-1DB5B79B7B6B}" presName="connectorText" presStyleLbl="sibTrans2D1" presStyleIdx="0" presStyleCnt="3"/>
+      <dgm:spPr/>
+    </dgm:pt>
+    <dgm:pt modelId="{9324DF2E-1641-47A8-8298-A4EBCA7FFF4D}" type="pres">
+      <dgm:prSet presAssocID="{5F2DB3B5-0D57-49B8-9847-A861DFFADA0F}" presName="node" presStyleLbl="node1" presStyleIdx="1" presStyleCnt="4">
+        <dgm:presLayoutVars>
+          <dgm:bulletEnabled val="1"/>
+        </dgm:presLayoutVars>
+      </dgm:prSet>
+      <dgm:spPr/>
+    </dgm:pt>
+    <dgm:pt modelId="{4BC20CCD-7B25-4DCE-8310-806E0883CCC1}" type="pres">
+      <dgm:prSet presAssocID="{55F339B8-D436-4DB4-9164-A1ADB6BA2C91}" presName="sibTrans" presStyleLbl="sibTrans2D1" presStyleIdx="1" presStyleCnt="3"/>
+      <dgm:spPr/>
+    </dgm:pt>
+    <dgm:pt modelId="{1B3DD853-B707-4257-A156-6C99DA26A71B}" type="pres">
+      <dgm:prSet presAssocID="{55F339B8-D436-4DB4-9164-A1ADB6BA2C91}" presName="connectorText" presStyleLbl="sibTrans2D1" presStyleIdx="1" presStyleCnt="3"/>
+      <dgm:spPr/>
+    </dgm:pt>
+    <dgm:pt modelId="{D699FBF6-99F4-47E3-818C-BA1AF90285A3}" type="pres">
+      <dgm:prSet presAssocID="{DD9C489C-7613-40F7-92F0-BD2326D792CC}" presName="node" presStyleLbl="node1" presStyleIdx="2" presStyleCnt="4">
+        <dgm:presLayoutVars>
+          <dgm:bulletEnabled val="1"/>
+        </dgm:presLayoutVars>
+      </dgm:prSet>
+      <dgm:spPr/>
+    </dgm:pt>
+    <dgm:pt modelId="{A77E9F03-1D58-412A-950B-EF37680BC9FE}" type="pres">
+      <dgm:prSet presAssocID="{69A1DCFF-44C1-4D82-8CC1-FCF5DBA18A45}" presName="sibTrans" presStyleLbl="sibTrans2D1" presStyleIdx="2" presStyleCnt="3"/>
+      <dgm:spPr/>
+    </dgm:pt>
+    <dgm:pt modelId="{3FA72500-A990-45C2-8106-ADEA5E065F85}" type="pres">
+      <dgm:prSet presAssocID="{69A1DCFF-44C1-4D82-8CC1-FCF5DBA18A45}" presName="connectorText" presStyleLbl="sibTrans2D1" presStyleIdx="2" presStyleCnt="3"/>
+      <dgm:spPr/>
+    </dgm:pt>
+    <dgm:pt modelId="{EBEC3436-91D9-46A5-BCE2-272014E51229}" type="pres">
+      <dgm:prSet presAssocID="{C07F8285-1461-4734-B774-9FA3925BDB35}" presName="node" presStyleLbl="node1" presStyleIdx="3" presStyleCnt="4">
+        <dgm:presLayoutVars>
+          <dgm:bulletEnabled val="1"/>
+        </dgm:presLayoutVars>
+      </dgm:prSet>
+      <dgm:spPr/>
+      <dgm:t>
+        <a:bodyPr/>
+        <a:lstStyle/>
+        <a:p>
+          <a:endParaRPr lang="zh-CN" altLang="en-US"/>
+        </a:p>
+      </dgm:t>
+    </dgm:pt>
+  </dgm:ptLst>
+  <dgm:cxnLst>
+    <dgm:cxn modelId="{659857F6-1882-469B-8502-3316F457AF2E}" srcId="{D388E4D6-15FC-49D9-9C2E-189AF71EB9F8}" destId="{C07F8285-1461-4734-B774-9FA3925BDB35}" srcOrd="3" destOrd="0" parTransId="{C56521BA-7AF6-4A2D-B6AF-FDED911EAF54}" sibTransId="{A9C647F6-56DD-4215-AF5D-8C9F82AC1069}"/>
+    <dgm:cxn modelId="{211540E4-84CD-492A-B792-E95EEC12AEC0}" type="presOf" srcId="{DD9C489C-7613-40F7-92F0-BD2326D792CC}" destId="{D699FBF6-99F4-47E3-818C-BA1AF90285A3}" srcOrd="0" destOrd="0" presId="urn:microsoft.com/office/officeart/2005/8/layout/process2"/>
+    <dgm:cxn modelId="{1C04DED0-8846-4065-A323-C6693680A30A}" srcId="{D388E4D6-15FC-49D9-9C2E-189AF71EB9F8}" destId="{5F2DB3B5-0D57-49B8-9847-A861DFFADA0F}" srcOrd="1" destOrd="0" parTransId="{7A431B43-CCD5-4471-9071-1EA0B6FCAB75}" sibTransId="{55F339B8-D436-4DB4-9164-A1ADB6BA2C91}"/>
+    <dgm:cxn modelId="{7974FDA1-8128-407E-A73D-D16669FB4C4D}" type="presOf" srcId="{C07F8285-1461-4734-B774-9FA3925BDB35}" destId="{EBEC3436-91D9-46A5-BCE2-272014E51229}" srcOrd="0" destOrd="0" presId="urn:microsoft.com/office/officeart/2005/8/layout/process2"/>
+    <dgm:cxn modelId="{E4829F05-BB90-4DAD-B289-BA62925269C9}" type="presOf" srcId="{486A6EEA-E169-4F57-BDC0-987FFA5575AC}" destId="{C010418B-CAFF-4F5C-B03E-6A963E3A8BC3}" srcOrd="0" destOrd="0" presId="urn:microsoft.com/office/officeart/2005/8/layout/process2"/>
+    <dgm:cxn modelId="{3C84FD7C-250A-46B4-A82D-0C0E39424CFB}" type="presOf" srcId="{69A1DCFF-44C1-4D82-8CC1-FCF5DBA18A45}" destId="{3FA72500-A990-45C2-8106-ADEA5E065F85}" srcOrd="1" destOrd="0" presId="urn:microsoft.com/office/officeart/2005/8/layout/process2"/>
+    <dgm:cxn modelId="{DE69248E-54B4-428C-923B-BFE94C747836}" type="presOf" srcId="{64C298F0-1E35-44E1-B8FE-1DB5B79B7B6B}" destId="{F4222460-DA3F-4D91-8B7F-249866513908}" srcOrd="0" destOrd="0" presId="urn:microsoft.com/office/officeart/2005/8/layout/process2"/>
+    <dgm:cxn modelId="{FFBAED7F-058D-424D-BA7C-27E72EE370F0}" type="presOf" srcId="{69A1DCFF-44C1-4D82-8CC1-FCF5DBA18A45}" destId="{A77E9F03-1D58-412A-950B-EF37680BC9FE}" srcOrd="0" destOrd="0" presId="urn:microsoft.com/office/officeart/2005/8/layout/process2"/>
+    <dgm:cxn modelId="{5850C1E3-9398-4697-AD9B-2DC2888BD050}" srcId="{D388E4D6-15FC-49D9-9C2E-189AF71EB9F8}" destId="{486A6EEA-E169-4F57-BDC0-987FFA5575AC}" srcOrd="0" destOrd="0" parTransId="{6C40A278-351A-47CF-822B-1811B40DED8A}" sibTransId="{64C298F0-1E35-44E1-B8FE-1DB5B79B7B6B}"/>
+    <dgm:cxn modelId="{7E795940-7589-4078-9B49-5E95585DA932}" type="presOf" srcId="{55F339B8-D436-4DB4-9164-A1ADB6BA2C91}" destId="{4BC20CCD-7B25-4DCE-8310-806E0883CCC1}" srcOrd="0" destOrd="0" presId="urn:microsoft.com/office/officeart/2005/8/layout/process2"/>
+    <dgm:cxn modelId="{0EABDD80-781C-4DD3-826D-3889F14BA547}" type="presOf" srcId="{64C298F0-1E35-44E1-B8FE-1DB5B79B7B6B}" destId="{9A15A386-30A2-4E2E-A515-34FBC787EE36}" srcOrd="1" destOrd="0" presId="urn:microsoft.com/office/officeart/2005/8/layout/process2"/>
+    <dgm:cxn modelId="{9F6189EE-2B6F-4A9E-930D-2524DA03CC81}" type="presOf" srcId="{55F339B8-D436-4DB4-9164-A1ADB6BA2C91}" destId="{1B3DD853-B707-4257-A156-6C99DA26A71B}" srcOrd="1" destOrd="0" presId="urn:microsoft.com/office/officeart/2005/8/layout/process2"/>
+    <dgm:cxn modelId="{4889C9AD-558D-4E99-BD45-E355BF6AEFB9}" srcId="{D388E4D6-15FC-49D9-9C2E-189AF71EB9F8}" destId="{DD9C489C-7613-40F7-92F0-BD2326D792CC}" srcOrd="2" destOrd="0" parTransId="{26C2CE16-53B0-41B7-8983-54E67287543D}" sibTransId="{69A1DCFF-44C1-4D82-8CC1-FCF5DBA18A45}"/>
+    <dgm:cxn modelId="{25B42FFA-2B9C-4BCA-A858-5FCC1DBEB766}" type="presOf" srcId="{5F2DB3B5-0D57-49B8-9847-A861DFFADA0F}" destId="{9324DF2E-1641-47A8-8298-A4EBCA7FFF4D}" srcOrd="0" destOrd="0" presId="urn:microsoft.com/office/officeart/2005/8/layout/process2"/>
+    <dgm:cxn modelId="{8064169A-E75C-454F-A290-A344868F9131}" type="presOf" srcId="{D388E4D6-15FC-49D9-9C2E-189AF71EB9F8}" destId="{B45CA829-12F8-42A9-881D-C1B89CBFF4CA}" srcOrd="0" destOrd="0" presId="urn:microsoft.com/office/officeart/2005/8/layout/process2"/>
+    <dgm:cxn modelId="{40D27144-0F67-4899-A764-B8DB665F089D}" type="presParOf" srcId="{B45CA829-12F8-42A9-881D-C1B89CBFF4CA}" destId="{C010418B-CAFF-4F5C-B03E-6A963E3A8BC3}" srcOrd="0" destOrd="0" presId="urn:microsoft.com/office/officeart/2005/8/layout/process2"/>
+    <dgm:cxn modelId="{A75AA567-BFCD-4425-A5D4-BD04E5A3BC57}" type="presParOf" srcId="{B45CA829-12F8-42A9-881D-C1B89CBFF4CA}" destId="{F4222460-DA3F-4D91-8B7F-249866513908}" srcOrd="1" destOrd="0" presId="urn:microsoft.com/office/officeart/2005/8/layout/process2"/>
+    <dgm:cxn modelId="{230F71A2-16A9-4F51-B64F-B6330CB1E93A}" type="presParOf" srcId="{F4222460-DA3F-4D91-8B7F-249866513908}" destId="{9A15A386-30A2-4E2E-A515-34FBC787EE36}" srcOrd="0" destOrd="0" presId="urn:microsoft.com/office/officeart/2005/8/layout/process2"/>
+    <dgm:cxn modelId="{2655C6BA-087B-4410-9FEC-76DAF9E51846}" type="presParOf" srcId="{B45CA829-12F8-42A9-881D-C1B89CBFF4CA}" destId="{9324DF2E-1641-47A8-8298-A4EBCA7FFF4D}" srcOrd="2" destOrd="0" presId="urn:microsoft.com/office/officeart/2005/8/layout/process2"/>
+    <dgm:cxn modelId="{4875B356-B59B-45BF-A033-FABE866956E4}" type="presParOf" srcId="{B45CA829-12F8-42A9-881D-C1B89CBFF4CA}" destId="{4BC20CCD-7B25-4DCE-8310-806E0883CCC1}" srcOrd="3" destOrd="0" presId="urn:microsoft.com/office/officeart/2005/8/layout/process2"/>
+    <dgm:cxn modelId="{33DAA036-13BC-446F-BA47-12D0F1DA9D24}" type="presParOf" srcId="{4BC20CCD-7B25-4DCE-8310-806E0883CCC1}" destId="{1B3DD853-B707-4257-A156-6C99DA26A71B}" srcOrd="0" destOrd="0" presId="urn:microsoft.com/office/officeart/2005/8/layout/process2"/>
+    <dgm:cxn modelId="{03F9C10C-7888-4A35-9B0E-9F3856BABBB4}" type="presParOf" srcId="{B45CA829-12F8-42A9-881D-C1B89CBFF4CA}" destId="{D699FBF6-99F4-47E3-818C-BA1AF90285A3}" srcOrd="4" destOrd="0" presId="urn:microsoft.com/office/officeart/2005/8/layout/process2"/>
+    <dgm:cxn modelId="{5F3DB620-6B0E-48F8-8603-1EE2B03CFCC3}" type="presParOf" srcId="{B45CA829-12F8-42A9-881D-C1B89CBFF4CA}" destId="{A77E9F03-1D58-412A-950B-EF37680BC9FE}" srcOrd="5" destOrd="0" presId="urn:microsoft.com/office/officeart/2005/8/layout/process2"/>
+    <dgm:cxn modelId="{C5A1395E-7DBE-4D97-A404-7548777868B6}" type="presParOf" srcId="{A77E9F03-1D58-412A-950B-EF37680BC9FE}" destId="{3FA72500-A990-45C2-8106-ADEA5E065F85}" srcOrd="0" destOrd="0" presId="urn:microsoft.com/office/officeart/2005/8/layout/process2"/>
+    <dgm:cxn modelId="{8ED189AF-EEFA-414E-AA54-BB74C35BE607}" type="presParOf" srcId="{B45CA829-12F8-42A9-881D-C1B89CBFF4CA}" destId="{EBEC3436-91D9-46A5-BCE2-272014E51229}" srcOrd="6" destOrd="0" presId="urn:microsoft.com/office/officeart/2005/8/layout/process2"/>
+  </dgm:cxnLst>
+  <dgm:bg/>
+  <dgm:whole/>
+  <dgm:extLst>
+    <a:ext uri="http://schemas.microsoft.com/office/drawing/2008/diagram">
+      <dsp:dataModelExt xmlns:dsp="http://schemas.microsoft.com/office/drawing/2008/diagram" xmlns="" relId="rId6" minVer="http://schemas.openxmlformats.org/drawingml/2006/diagram"/>
+    </a:ext>
+  </dgm:extLst>
+</dgm:dataModel>
+</file>
+
+<file path=ppt/diagrams/data2.xml><?xml version="1.0" encoding="utf-8"?>
+<dgm:dataModel xmlns:dgm="http://schemas.openxmlformats.org/drawingml/2006/diagram" xmlns:a="http://schemas.openxmlformats.org/drawingml/2006/main">
+  <dgm:ptLst>
+    <dgm:pt modelId="{C13E7ED9-80F9-42F5-9258-76A386448B1E}" type="doc">
+      <dgm:prSet loTypeId="urn:microsoft.com/office/officeart/2005/8/layout/matrix1" loCatId="matrix" qsTypeId="urn:microsoft.com/office/officeart/2005/8/quickstyle/simple1" qsCatId="simple" csTypeId="urn:microsoft.com/office/officeart/2005/8/colors/colorful4" csCatId="colorful" phldr="1"/>
+      <dgm:spPr/>
+      <dgm:t>
+        <a:bodyPr/>
+        <a:lstStyle/>
+        <a:p>
+          <a:endParaRPr lang="zh-CN" altLang="en-US"/>
+        </a:p>
+      </dgm:t>
+    </dgm:pt>
+    <dgm:pt modelId="{0B3421B8-0F58-40C1-BEB6-57C1C9414F56}">
+      <dgm:prSet phldrT="[文本]"/>
+      <dgm:spPr/>
+      <dgm:t>
+        <a:bodyPr/>
+        <a:lstStyle/>
+        <a:p>
+          <a:r>
+            <a:rPr lang="zh-CN" altLang="en-US" dirty="0" smtClean="0"/>
+            <a:t>业务模型</a:t>
+          </a:r>
+          <a:endParaRPr lang="zh-CN" altLang="en-US" dirty="0"/>
+        </a:p>
+      </dgm:t>
+    </dgm:pt>
+    <dgm:pt modelId="{8C70F200-6846-480B-8DDD-846CE02BEA75}" type="parTrans" cxnId="{EDA43A23-EFAB-433D-831C-2A15EB76918C}">
+      <dgm:prSet/>
+      <dgm:spPr/>
+      <dgm:t>
+        <a:bodyPr/>
+        <a:lstStyle/>
+        <a:p>
+          <a:endParaRPr lang="zh-CN" altLang="en-US"/>
+        </a:p>
+      </dgm:t>
+    </dgm:pt>
+    <dgm:pt modelId="{09704B69-8081-4834-A2BA-E362CFACCA3E}" type="sibTrans" cxnId="{EDA43A23-EFAB-433D-831C-2A15EB76918C}">
+      <dgm:prSet/>
+      <dgm:spPr/>
+      <dgm:t>
+        <a:bodyPr/>
+        <a:lstStyle/>
+        <a:p>
+          <a:endParaRPr lang="zh-CN" altLang="en-US"/>
+        </a:p>
+      </dgm:t>
+    </dgm:pt>
+    <dgm:pt modelId="{D0B3E592-6ECC-499D-92B6-DC83273B6033}">
+      <dgm:prSet phldrT="[文本]"/>
+      <dgm:spPr/>
+      <dgm:t>
+        <a:bodyPr/>
+        <a:lstStyle/>
+        <a:p>
+          <a:r>
+            <a:rPr lang="zh-CN" altLang="en-US" dirty="0" smtClean="0"/>
+            <a:t>数据库表自动生成</a:t>
+          </a:r>
+          <a:endParaRPr lang="zh-CN" altLang="en-US" dirty="0"/>
+        </a:p>
+      </dgm:t>
+    </dgm:pt>
+    <dgm:pt modelId="{60BF9C75-5CF3-49D4-B604-57E7213DB692}" type="parTrans" cxnId="{12BA79F2-0E9A-41B1-82E5-5CB3439A128C}">
+      <dgm:prSet/>
+      <dgm:spPr/>
+      <dgm:t>
+        <a:bodyPr/>
+        <a:lstStyle/>
+        <a:p>
+          <a:endParaRPr lang="zh-CN" altLang="en-US"/>
+        </a:p>
+      </dgm:t>
+    </dgm:pt>
+    <dgm:pt modelId="{FEF8343F-9AB9-4A18-9D4B-12A1ADA565A4}" type="sibTrans" cxnId="{12BA79F2-0E9A-41B1-82E5-5CB3439A128C}">
+      <dgm:prSet/>
+      <dgm:spPr/>
+      <dgm:t>
+        <a:bodyPr/>
+        <a:lstStyle/>
+        <a:p>
+          <a:endParaRPr lang="zh-CN" altLang="en-US"/>
+        </a:p>
+      </dgm:t>
+    </dgm:pt>
+    <dgm:pt modelId="{6B1E3087-13F3-470C-8A88-0AC6772036B2}">
+      <dgm:prSet phldrT="[文本]"/>
+      <dgm:spPr/>
+      <dgm:t>
+        <a:bodyPr/>
+        <a:lstStyle/>
+        <a:p>
+          <a:r>
+            <a:rPr lang="zh-CN" altLang="en-US" dirty="0" smtClean="0"/>
+            <a:t>前端操作界面自动生成</a:t>
+          </a:r>
+          <a:endParaRPr lang="zh-CN" altLang="en-US" dirty="0"/>
+        </a:p>
+      </dgm:t>
+    </dgm:pt>
+    <dgm:pt modelId="{33652FFC-3953-421F-89CF-B39A3CAD9797}" type="parTrans" cxnId="{0C47143A-2ADA-45EA-9983-192A87EE995A}">
+      <dgm:prSet/>
+      <dgm:spPr/>
+      <dgm:t>
+        <a:bodyPr/>
+        <a:lstStyle/>
+        <a:p>
+          <a:endParaRPr lang="zh-CN" altLang="en-US"/>
+        </a:p>
+      </dgm:t>
+    </dgm:pt>
+    <dgm:pt modelId="{F9FBE4E5-2525-4337-AB01-A3B0CC2A0790}" type="sibTrans" cxnId="{0C47143A-2ADA-45EA-9983-192A87EE995A}">
+      <dgm:prSet/>
+      <dgm:spPr/>
+      <dgm:t>
+        <a:bodyPr/>
+        <a:lstStyle/>
+        <a:p>
+          <a:endParaRPr lang="zh-CN" altLang="en-US"/>
+        </a:p>
+      </dgm:t>
+    </dgm:pt>
+    <dgm:pt modelId="{6A04E2C9-EA36-4E73-AE8F-3FB5F98A674F}">
+      <dgm:prSet phldrT="[文本]"/>
+      <dgm:spPr/>
+      <dgm:t>
+        <a:bodyPr/>
+        <a:lstStyle/>
+        <a:p>
+          <a:r>
+            <a:rPr lang="zh-CN" altLang="en-US" dirty="0" smtClean="0"/>
+            <a:t>后端响应服务自动生成</a:t>
+          </a:r>
+          <a:endParaRPr lang="zh-CN" altLang="en-US" dirty="0"/>
+        </a:p>
+      </dgm:t>
+    </dgm:pt>
+    <dgm:pt modelId="{31E536F7-7E6E-4CC0-BDB2-A4EE4F8649FC}" type="parTrans" cxnId="{4A0E8935-18D7-4EEE-96FE-2080288C6340}">
+      <dgm:prSet/>
+      <dgm:spPr/>
+      <dgm:t>
+        <a:bodyPr/>
+        <a:lstStyle/>
+        <a:p>
+          <a:endParaRPr lang="zh-CN" altLang="en-US"/>
+        </a:p>
+      </dgm:t>
+    </dgm:pt>
+    <dgm:pt modelId="{9678FD3A-42F0-419C-9F24-0E40F66704CC}" type="sibTrans" cxnId="{4A0E8935-18D7-4EEE-96FE-2080288C6340}">
+      <dgm:prSet/>
+      <dgm:spPr/>
+      <dgm:t>
+        <a:bodyPr/>
+        <a:lstStyle/>
+        <a:p>
+          <a:endParaRPr lang="zh-CN" altLang="en-US"/>
+        </a:p>
+      </dgm:t>
+    </dgm:pt>
+    <dgm:pt modelId="{C6329508-2AD1-4553-BDFF-03C41BA648BA}">
+      <dgm:prSet phldrT="[文本]"/>
+      <dgm:spPr/>
+      <dgm:t>
+        <a:bodyPr/>
+        <a:lstStyle/>
+        <a:p>
+          <a:r>
+            <a:rPr lang="zh-CN" altLang="en-US" dirty="0" smtClean="0"/>
+            <a:t>数据交互接口自动生成</a:t>
+          </a:r>
+          <a:endParaRPr lang="zh-CN" altLang="en-US" dirty="0"/>
+        </a:p>
+      </dgm:t>
+    </dgm:pt>
+    <dgm:pt modelId="{16E5F542-65EB-4937-B040-AFC7DF04898F}" type="parTrans" cxnId="{6F28BB5B-A5F2-410E-BFC6-512D8A2E7540}">
+      <dgm:prSet/>
+      <dgm:spPr/>
+      <dgm:t>
+        <a:bodyPr/>
+        <a:lstStyle/>
+        <a:p>
+          <a:endParaRPr lang="zh-CN" altLang="en-US"/>
+        </a:p>
+      </dgm:t>
+    </dgm:pt>
+    <dgm:pt modelId="{C4B949E9-C36E-4090-95B5-DF832CF8788B}" type="sibTrans" cxnId="{6F28BB5B-A5F2-410E-BFC6-512D8A2E7540}">
+      <dgm:prSet/>
+      <dgm:spPr/>
+      <dgm:t>
+        <a:bodyPr/>
+        <a:lstStyle/>
+        <a:p>
+          <a:endParaRPr lang="zh-CN" altLang="en-US"/>
+        </a:p>
+      </dgm:t>
+    </dgm:pt>
+    <dgm:pt modelId="{8E8304F0-1DD9-4996-8AD4-8252E3420191}" type="pres">
+      <dgm:prSet presAssocID="{C13E7ED9-80F9-42F5-9258-76A386448B1E}" presName="diagram" presStyleCnt="0">
+        <dgm:presLayoutVars>
+          <dgm:chMax val="1"/>
+          <dgm:dir/>
+          <dgm:animLvl val="ctr"/>
+          <dgm:resizeHandles val="exact"/>
+        </dgm:presLayoutVars>
+      </dgm:prSet>
+      <dgm:spPr/>
+    </dgm:pt>
+    <dgm:pt modelId="{885F99C4-AF98-458D-A68A-1EC3F87EC047}" type="pres">
+      <dgm:prSet presAssocID="{C13E7ED9-80F9-42F5-9258-76A386448B1E}" presName="matrix" presStyleCnt="0"/>
+      <dgm:spPr/>
+    </dgm:pt>
+    <dgm:pt modelId="{0B7295E5-6B7F-4C3A-BAF6-ADDF5087D8DA}" type="pres">
+      <dgm:prSet presAssocID="{C13E7ED9-80F9-42F5-9258-76A386448B1E}" presName="tile1" presStyleLbl="node1" presStyleIdx="0" presStyleCnt="4"/>
+      <dgm:spPr/>
+    </dgm:pt>
+    <dgm:pt modelId="{1AEB1115-06D4-4635-9124-4CFA5EA84DD7}" type="pres">
+      <dgm:prSet presAssocID="{C13E7ED9-80F9-42F5-9258-76A386448B1E}" presName="tile1text" presStyleLbl="node1" presStyleIdx="0" presStyleCnt="4">
+        <dgm:presLayoutVars>
+          <dgm:chMax val="0"/>
+          <dgm:chPref val="0"/>
+          <dgm:bulletEnabled val="1"/>
+        </dgm:presLayoutVars>
+      </dgm:prSet>
+      <dgm:spPr/>
+    </dgm:pt>
+    <dgm:pt modelId="{6ACA934D-A4DF-4903-85B8-4598A50D8F04}" type="pres">
+      <dgm:prSet presAssocID="{C13E7ED9-80F9-42F5-9258-76A386448B1E}" presName="tile2" presStyleLbl="node1" presStyleIdx="1" presStyleCnt="4"/>
+      <dgm:spPr/>
+    </dgm:pt>
+    <dgm:pt modelId="{B641D4D4-AAEE-4480-95A6-BC5E2B2D055E}" type="pres">
+      <dgm:prSet presAssocID="{C13E7ED9-80F9-42F5-9258-76A386448B1E}" presName="tile2text" presStyleLbl="node1" presStyleIdx="1" presStyleCnt="4">
+        <dgm:presLayoutVars>
+          <dgm:chMax val="0"/>
+          <dgm:chPref val="0"/>
+          <dgm:bulletEnabled val="1"/>
+        </dgm:presLayoutVars>
+      </dgm:prSet>
+      <dgm:spPr/>
+    </dgm:pt>
+    <dgm:pt modelId="{938BBBA7-9E14-451B-A712-386CEE300302}" type="pres">
+      <dgm:prSet presAssocID="{C13E7ED9-80F9-42F5-9258-76A386448B1E}" presName="tile3" presStyleLbl="node1" presStyleIdx="2" presStyleCnt="4"/>
+      <dgm:spPr/>
+    </dgm:pt>
+    <dgm:pt modelId="{939A0680-A0AA-4A30-B7C9-EDBB2F6A903B}" type="pres">
+      <dgm:prSet presAssocID="{C13E7ED9-80F9-42F5-9258-76A386448B1E}" presName="tile3text" presStyleLbl="node1" presStyleIdx="2" presStyleCnt="4">
+        <dgm:presLayoutVars>
+          <dgm:chMax val="0"/>
+          <dgm:chPref val="0"/>
+          <dgm:bulletEnabled val="1"/>
+        </dgm:presLayoutVars>
+      </dgm:prSet>
+      <dgm:spPr/>
+    </dgm:pt>
+    <dgm:pt modelId="{57E9D70F-59FF-4C3E-8C4E-9312049A8B6C}" type="pres">
+      <dgm:prSet presAssocID="{C13E7ED9-80F9-42F5-9258-76A386448B1E}" presName="tile4" presStyleLbl="node1" presStyleIdx="3" presStyleCnt="4"/>
+      <dgm:spPr/>
+    </dgm:pt>
+    <dgm:pt modelId="{2BD6C5D7-91CF-4A2C-9A7C-D6247BFED4CC}" type="pres">
+      <dgm:prSet presAssocID="{C13E7ED9-80F9-42F5-9258-76A386448B1E}" presName="tile4text" presStyleLbl="node1" presStyleIdx="3" presStyleCnt="4">
+        <dgm:presLayoutVars>
+          <dgm:chMax val="0"/>
+          <dgm:chPref val="0"/>
+          <dgm:bulletEnabled val="1"/>
+        </dgm:presLayoutVars>
+      </dgm:prSet>
+      <dgm:spPr/>
+    </dgm:pt>
+    <dgm:pt modelId="{54660845-72B4-4189-BBC5-2FE29AB7D5EC}" type="pres">
+      <dgm:prSet presAssocID="{C13E7ED9-80F9-42F5-9258-76A386448B1E}" presName="centerTile" presStyleLbl="fgShp" presStyleIdx="0" presStyleCnt="1">
+        <dgm:presLayoutVars>
+          <dgm:chMax val="0"/>
+          <dgm:chPref val="0"/>
+        </dgm:presLayoutVars>
+      </dgm:prSet>
+      <dgm:spPr/>
+      <dgm:t>
+        <a:bodyPr/>
+        <a:lstStyle/>
+        <a:p>
+          <a:endParaRPr lang="zh-CN" altLang="en-US"/>
+        </a:p>
+      </dgm:t>
+    </dgm:pt>
+  </dgm:ptLst>
+  <dgm:cxnLst>
+    <dgm:cxn modelId="{4279B33C-9876-4B45-A618-C83565AE9F29}" type="presOf" srcId="{D0B3E592-6ECC-499D-92B6-DC83273B6033}" destId="{1AEB1115-06D4-4635-9124-4CFA5EA84DD7}" srcOrd="1" destOrd="0" presId="urn:microsoft.com/office/officeart/2005/8/layout/matrix1"/>
+    <dgm:cxn modelId="{12BA79F2-0E9A-41B1-82E5-5CB3439A128C}" srcId="{0B3421B8-0F58-40C1-BEB6-57C1C9414F56}" destId="{D0B3E592-6ECC-499D-92B6-DC83273B6033}" srcOrd="0" destOrd="0" parTransId="{60BF9C75-5CF3-49D4-B604-57E7213DB692}" sibTransId="{FEF8343F-9AB9-4A18-9D4B-12A1ADA565A4}"/>
+    <dgm:cxn modelId="{BE6F14DB-B7C6-4C5C-83EC-92B6281AC574}" type="presOf" srcId="{C6329508-2AD1-4553-BDFF-03C41BA648BA}" destId="{2BD6C5D7-91CF-4A2C-9A7C-D6247BFED4CC}" srcOrd="1" destOrd="0" presId="urn:microsoft.com/office/officeart/2005/8/layout/matrix1"/>
+    <dgm:cxn modelId="{47FDF9E6-0B01-4BE6-8152-3BA7CF16924C}" type="presOf" srcId="{0B3421B8-0F58-40C1-BEB6-57C1C9414F56}" destId="{54660845-72B4-4189-BBC5-2FE29AB7D5EC}" srcOrd="0" destOrd="0" presId="urn:microsoft.com/office/officeart/2005/8/layout/matrix1"/>
+    <dgm:cxn modelId="{0C47143A-2ADA-45EA-9983-192A87EE995A}" srcId="{0B3421B8-0F58-40C1-BEB6-57C1C9414F56}" destId="{6B1E3087-13F3-470C-8A88-0AC6772036B2}" srcOrd="1" destOrd="0" parTransId="{33652FFC-3953-421F-89CF-B39A3CAD9797}" sibTransId="{F9FBE4E5-2525-4337-AB01-A3B0CC2A0790}"/>
+    <dgm:cxn modelId="{E4BD2678-55A8-43E9-B33F-FC27FD564D50}" type="presOf" srcId="{6B1E3087-13F3-470C-8A88-0AC6772036B2}" destId="{6ACA934D-A4DF-4903-85B8-4598A50D8F04}" srcOrd="0" destOrd="0" presId="urn:microsoft.com/office/officeart/2005/8/layout/matrix1"/>
+    <dgm:cxn modelId="{94484E21-D2D4-4346-8466-5C33B10DA156}" type="presOf" srcId="{D0B3E592-6ECC-499D-92B6-DC83273B6033}" destId="{0B7295E5-6B7F-4C3A-BAF6-ADDF5087D8DA}" srcOrd="0" destOrd="0" presId="urn:microsoft.com/office/officeart/2005/8/layout/matrix1"/>
+    <dgm:cxn modelId="{2202B85A-C835-4C0B-B190-4B2DEEF4CC56}" type="presOf" srcId="{6A04E2C9-EA36-4E73-AE8F-3FB5F98A674F}" destId="{939A0680-A0AA-4A30-B7C9-EDBB2F6A903B}" srcOrd="1" destOrd="0" presId="urn:microsoft.com/office/officeart/2005/8/layout/matrix1"/>
+    <dgm:cxn modelId="{EDA43A23-EFAB-433D-831C-2A15EB76918C}" srcId="{C13E7ED9-80F9-42F5-9258-76A386448B1E}" destId="{0B3421B8-0F58-40C1-BEB6-57C1C9414F56}" srcOrd="0" destOrd="0" parTransId="{8C70F200-6846-480B-8DDD-846CE02BEA75}" sibTransId="{09704B69-8081-4834-A2BA-E362CFACCA3E}"/>
+    <dgm:cxn modelId="{795B5F0B-48CF-4D27-9599-EC9D336E4349}" type="presOf" srcId="{C13E7ED9-80F9-42F5-9258-76A386448B1E}" destId="{8E8304F0-1DD9-4996-8AD4-8252E3420191}" srcOrd="0" destOrd="0" presId="urn:microsoft.com/office/officeart/2005/8/layout/matrix1"/>
+    <dgm:cxn modelId="{6F28BB5B-A5F2-410E-BFC6-512D8A2E7540}" srcId="{0B3421B8-0F58-40C1-BEB6-57C1C9414F56}" destId="{C6329508-2AD1-4553-BDFF-03C41BA648BA}" srcOrd="3" destOrd="0" parTransId="{16E5F542-65EB-4937-B040-AFC7DF04898F}" sibTransId="{C4B949E9-C36E-4090-95B5-DF832CF8788B}"/>
+    <dgm:cxn modelId="{4A0E8935-18D7-4EEE-96FE-2080288C6340}" srcId="{0B3421B8-0F58-40C1-BEB6-57C1C9414F56}" destId="{6A04E2C9-EA36-4E73-AE8F-3FB5F98A674F}" srcOrd="2" destOrd="0" parTransId="{31E536F7-7E6E-4CC0-BDB2-A4EE4F8649FC}" sibTransId="{9678FD3A-42F0-419C-9F24-0E40F66704CC}"/>
+    <dgm:cxn modelId="{5BFD1182-297C-4232-A6A8-7E8C4CF4C92D}" type="presOf" srcId="{6A04E2C9-EA36-4E73-AE8F-3FB5F98A674F}" destId="{938BBBA7-9E14-451B-A712-386CEE300302}" srcOrd="0" destOrd="0" presId="urn:microsoft.com/office/officeart/2005/8/layout/matrix1"/>
+    <dgm:cxn modelId="{3BBD7C97-7228-4EC6-9675-25A33D9C8846}" type="presOf" srcId="{C6329508-2AD1-4553-BDFF-03C41BA648BA}" destId="{57E9D70F-59FF-4C3E-8C4E-9312049A8B6C}" srcOrd="0" destOrd="0" presId="urn:microsoft.com/office/officeart/2005/8/layout/matrix1"/>
+    <dgm:cxn modelId="{B1FF028E-1B6C-4EE2-B16C-CE7691E23F47}" type="presOf" srcId="{6B1E3087-13F3-470C-8A88-0AC6772036B2}" destId="{B641D4D4-AAEE-4480-95A6-BC5E2B2D055E}" srcOrd="1" destOrd="0" presId="urn:microsoft.com/office/officeart/2005/8/layout/matrix1"/>
+    <dgm:cxn modelId="{901DCE53-04C0-43AD-A4B2-655062FDEE5F}" type="presParOf" srcId="{8E8304F0-1DD9-4996-8AD4-8252E3420191}" destId="{885F99C4-AF98-458D-A68A-1EC3F87EC047}" srcOrd="0" destOrd="0" presId="urn:microsoft.com/office/officeart/2005/8/layout/matrix1"/>
+    <dgm:cxn modelId="{8E1C9A01-8272-4438-B4CF-438D4E579B87}" type="presParOf" srcId="{885F99C4-AF98-458D-A68A-1EC3F87EC047}" destId="{0B7295E5-6B7F-4C3A-BAF6-ADDF5087D8DA}" srcOrd="0" destOrd="0" presId="urn:microsoft.com/office/officeart/2005/8/layout/matrix1"/>
+    <dgm:cxn modelId="{EF1BDC26-8A17-4C6A-A328-5875FBC63501}" type="presParOf" srcId="{885F99C4-AF98-458D-A68A-1EC3F87EC047}" destId="{1AEB1115-06D4-4635-9124-4CFA5EA84DD7}" srcOrd="1" destOrd="0" presId="urn:microsoft.com/office/officeart/2005/8/layout/matrix1"/>
+    <dgm:cxn modelId="{1D9760F3-9446-4FCE-91E5-2E216B9BE7C3}" type="presParOf" srcId="{885F99C4-AF98-458D-A68A-1EC3F87EC047}" destId="{6ACA934D-A4DF-4903-85B8-4598A50D8F04}" srcOrd="2" destOrd="0" presId="urn:microsoft.com/office/officeart/2005/8/layout/matrix1"/>
+    <dgm:cxn modelId="{ED4C11D2-02C0-4897-9ABB-792A63C59129}" type="presParOf" srcId="{885F99C4-AF98-458D-A68A-1EC3F87EC047}" destId="{B641D4D4-AAEE-4480-95A6-BC5E2B2D055E}" srcOrd="3" destOrd="0" presId="urn:microsoft.com/office/officeart/2005/8/layout/matrix1"/>
+    <dgm:cxn modelId="{943597C0-74AE-4966-BFF6-3FA985503015}" type="presParOf" srcId="{885F99C4-AF98-458D-A68A-1EC3F87EC047}" destId="{938BBBA7-9E14-451B-A712-386CEE300302}" srcOrd="4" destOrd="0" presId="urn:microsoft.com/office/officeart/2005/8/layout/matrix1"/>
+    <dgm:cxn modelId="{55E45A39-3A7F-491D-862C-4E31FF6B8E9C}" type="presParOf" srcId="{885F99C4-AF98-458D-A68A-1EC3F87EC047}" destId="{939A0680-A0AA-4A30-B7C9-EDBB2F6A903B}" srcOrd="5" destOrd="0" presId="urn:microsoft.com/office/officeart/2005/8/layout/matrix1"/>
+    <dgm:cxn modelId="{1C360040-42D1-482F-AE41-9B9CFE3B2B40}" type="presParOf" srcId="{885F99C4-AF98-458D-A68A-1EC3F87EC047}" destId="{57E9D70F-59FF-4C3E-8C4E-9312049A8B6C}" srcOrd="6" destOrd="0" presId="urn:microsoft.com/office/officeart/2005/8/layout/matrix1"/>
+    <dgm:cxn modelId="{BF8D8BC8-6D07-4779-9E47-A14DFE784E08}" type="presParOf" srcId="{885F99C4-AF98-458D-A68A-1EC3F87EC047}" destId="{2BD6C5D7-91CF-4A2C-9A7C-D6247BFED4CC}" srcOrd="7" destOrd="0" presId="urn:microsoft.com/office/officeart/2005/8/layout/matrix1"/>
+    <dgm:cxn modelId="{3AF5E2E2-BDCF-49AA-9CEB-BDDA7703BB6E}" type="presParOf" srcId="{8E8304F0-1DD9-4996-8AD4-8252E3420191}" destId="{54660845-72B4-4189-BBC5-2FE29AB7D5EC}" srcOrd="1" destOrd="0" presId="urn:microsoft.com/office/officeart/2005/8/layout/matrix1"/>
+  </dgm:cxnLst>
+  <dgm:bg/>
+  <dgm:whole/>
+  <dgm:extLst>
+    <a:ext uri="http://schemas.microsoft.com/office/drawing/2008/diagram">
+      <dsp:dataModelExt xmlns:dsp="http://schemas.microsoft.com/office/drawing/2008/diagram" xmlns="" relId="rId11" minVer="http://schemas.openxmlformats.org/drawingml/2006/diagram"/>
+    </a:ext>
+  </dgm:extLst>
+</dgm:dataModel>
+</file>
+
+<file path=ppt/diagrams/data3.xml><?xml version="1.0" encoding="utf-8"?>
 <dgm:dataModel xmlns:dgm="http://schemas.openxmlformats.org/drawingml/2006/diagram" xmlns:a="http://schemas.openxmlformats.org/drawingml/2006/main">
   <dgm:ptLst>
     <dgm:pt modelId="{44D828B4-B1D7-4D2B-8486-3ED73E1A252F}" type="doc">
@@ -2839,7 +4992,7 @@
 </dgm:dataModel>
 </file>
 
-<file path=ppt/diagrams/data2.xml><?xml version="1.0" encoding="utf-8"?>
+<file path=ppt/diagrams/data4.xml><?xml version="1.0" encoding="utf-8"?>
 <dgm:dataModel xmlns:dgm="http://schemas.openxmlformats.org/drawingml/2006/diagram" xmlns:a="http://schemas.openxmlformats.org/drawingml/2006/main">
   <dgm:ptLst>
     <dgm:pt modelId="{923540E0-106A-4113-92A4-EE114DD5BE9A}" type="doc">
@@ -3270,7 +5423,7 @@
 </dgm:dataModel>
 </file>
 
-<file path=ppt/diagrams/data3.xml><?xml version="1.0" encoding="utf-8"?>
+<file path=ppt/diagrams/data5.xml><?xml version="1.0" encoding="utf-8"?>
 <dgm:dataModel xmlns:dgm="http://schemas.openxmlformats.org/drawingml/2006/diagram" xmlns:a="http://schemas.openxmlformats.org/drawingml/2006/main">
   <dgm:ptLst>
     <dgm:pt modelId="{BB641820-C16C-45ED-A018-6F6025362257}" type="doc">
@@ -4033,6 +6186,934 @@
       <dsp:cNvGrpSpPr/>
     </dsp:nvGrpSpPr>
     <dsp:grpSpPr/>
+    <dsp:sp modelId="{C010418B-CAFF-4F5C-B03E-6A963E3A8BC3}">
+      <dsp:nvSpPr>
+        <dsp:cNvPr id="0" name=""/>
+        <dsp:cNvSpPr/>
+      </dsp:nvSpPr>
+      <dsp:spPr>
+        <a:xfrm>
+          <a:off x="2376270" y="0"/>
+          <a:ext cx="1328737" cy="738187"/>
+        </a:xfrm>
+        <a:prstGeom prst="roundRect">
+          <a:avLst>
+            <a:gd name="adj" fmla="val 10000"/>
+          </a:avLst>
+        </a:prstGeom>
+        <a:solidFill>
+          <a:schemeClr val="accent4">
+            <a:hueOff val="0"/>
+            <a:satOff val="0"/>
+            <a:lumOff val="0"/>
+            <a:alphaOff val="0"/>
+          </a:schemeClr>
+        </a:solidFill>
+        <a:ln w="12700" cap="flat" cmpd="sng" algn="ctr">
+          <a:solidFill>
+            <a:schemeClr val="lt1">
+              <a:hueOff val="0"/>
+              <a:satOff val="0"/>
+              <a:lumOff val="0"/>
+              <a:alphaOff val="0"/>
+            </a:schemeClr>
+          </a:solidFill>
+          <a:prstDash val="solid"/>
+        </a:ln>
+        <a:effectLst/>
+      </dsp:spPr>
+      <dsp:style>
+        <a:lnRef idx="2">
+          <a:scrgbClr r="0" g="0" b="0"/>
+        </a:lnRef>
+        <a:fillRef idx="1">
+          <a:scrgbClr r="0" g="0" b="0"/>
+        </a:fillRef>
+        <a:effectRef idx="0">
+          <a:scrgbClr r="0" g="0" b="0"/>
+        </a:effectRef>
+        <a:fontRef idx="minor">
+          <a:schemeClr val="lt1"/>
+        </a:fontRef>
+      </dsp:style>
+      <dsp:txBody>
+        <a:bodyPr spcFirstLastPara="0" vert="horz" wrap="square" lIns="68580" tIns="68580" rIns="68580" bIns="68580" numCol="1" spcCol="1270" anchor="ctr" anchorCtr="0">
+          <a:noAutofit/>
+        </a:bodyPr>
+        <a:lstStyle/>
+        <a:p>
+          <a:pPr lvl="0" algn="ctr" defTabSz="800100">
+            <a:lnSpc>
+              <a:spcPct val="90000"/>
+            </a:lnSpc>
+            <a:spcBef>
+              <a:spcPct val="0"/>
+            </a:spcBef>
+            <a:spcAft>
+              <a:spcPct val="35000"/>
+            </a:spcAft>
+          </a:pPr>
+          <a:r>
+            <a:rPr lang="zh-CN" altLang="en-US" sz="1800" kern="1200" dirty="0" smtClean="0"/>
+            <a:t>数据库表设计</a:t>
+          </a:r>
+          <a:endParaRPr lang="zh-CN" altLang="en-US" sz="1800" kern="1200" dirty="0"/>
+        </a:p>
+      </dsp:txBody>
+      <dsp:txXfrm>
+        <a:off x="2376270" y="0"/>
+        <a:ext cx="1328737" cy="738187"/>
+      </dsp:txXfrm>
+    </dsp:sp>
+    <dsp:sp modelId="{F4222460-DA3F-4D91-8B7F-249866513908}">
+      <dsp:nvSpPr>
+        <dsp:cNvPr id="0" name=""/>
+        <dsp:cNvSpPr/>
+      </dsp:nvSpPr>
+      <dsp:spPr>
+        <a:xfrm rot="5377187">
+          <a:off x="2905162" y="757634"/>
+          <a:ext cx="278314" cy="332184"/>
+        </a:xfrm>
+        <a:prstGeom prst="rightArrow">
+          <a:avLst>
+            <a:gd name="adj1" fmla="val 60000"/>
+            <a:gd name="adj2" fmla="val 50000"/>
+          </a:avLst>
+        </a:prstGeom>
+        <a:solidFill>
+          <a:schemeClr val="accent4">
+            <a:hueOff val="0"/>
+            <a:satOff val="0"/>
+            <a:lumOff val="0"/>
+            <a:alphaOff val="0"/>
+          </a:schemeClr>
+        </a:solidFill>
+        <a:ln>
+          <a:noFill/>
+        </a:ln>
+        <a:effectLst/>
+      </dsp:spPr>
+      <dsp:style>
+        <a:lnRef idx="0">
+          <a:scrgbClr r="0" g="0" b="0"/>
+        </a:lnRef>
+        <a:fillRef idx="1">
+          <a:scrgbClr r="0" g="0" b="0"/>
+        </a:fillRef>
+        <a:effectRef idx="0">
+          <a:scrgbClr r="0" g="0" b="0"/>
+        </a:effectRef>
+        <a:fontRef idx="minor">
+          <a:schemeClr val="lt1"/>
+        </a:fontRef>
+      </dsp:style>
+      <dsp:txBody>
+        <a:bodyPr spcFirstLastPara="0" vert="horz" wrap="square" lIns="0" tIns="0" rIns="0" bIns="0" numCol="1" spcCol="1270" anchor="ctr" anchorCtr="0">
+          <a:noAutofit/>
+        </a:bodyPr>
+        <a:lstStyle/>
+        <a:p>
+          <a:pPr lvl="0" algn="ctr" defTabSz="622300">
+            <a:lnSpc>
+              <a:spcPct val="90000"/>
+            </a:lnSpc>
+            <a:spcBef>
+              <a:spcPct val="0"/>
+            </a:spcBef>
+            <a:spcAft>
+              <a:spcPct val="35000"/>
+            </a:spcAft>
+          </a:pPr>
+          <a:endParaRPr lang="zh-CN" altLang="en-US" sz="1400" kern="1200"/>
+        </a:p>
+      </dsp:txBody>
+      <dsp:txXfrm rot="5377187">
+        <a:off x="2905162" y="757634"/>
+        <a:ext cx="278314" cy="332184"/>
+      </dsp:txXfrm>
+    </dsp:sp>
+    <dsp:sp modelId="{9324DF2E-1641-47A8-8298-A4EBCA7FFF4D}">
+      <dsp:nvSpPr>
+        <dsp:cNvPr id="0" name=""/>
+        <dsp:cNvSpPr/>
+      </dsp:nvSpPr>
+      <dsp:spPr>
+        <a:xfrm>
+          <a:off x="2383631" y="1109265"/>
+          <a:ext cx="1328737" cy="738187"/>
+        </a:xfrm>
+        <a:prstGeom prst="roundRect">
+          <a:avLst>
+            <a:gd name="adj" fmla="val 10000"/>
+          </a:avLst>
+        </a:prstGeom>
+        <a:solidFill>
+          <a:schemeClr val="accent4">
+            <a:hueOff val="6807679"/>
+            <a:satOff val="-7995"/>
+            <a:lumOff val="3072"/>
+            <a:alphaOff val="0"/>
+          </a:schemeClr>
+        </a:solidFill>
+        <a:ln w="12700" cap="flat" cmpd="sng" algn="ctr">
+          <a:solidFill>
+            <a:schemeClr val="lt1">
+              <a:hueOff val="0"/>
+              <a:satOff val="0"/>
+              <a:lumOff val="0"/>
+              <a:alphaOff val="0"/>
+            </a:schemeClr>
+          </a:solidFill>
+          <a:prstDash val="solid"/>
+        </a:ln>
+        <a:effectLst/>
+      </dsp:spPr>
+      <dsp:style>
+        <a:lnRef idx="2">
+          <a:scrgbClr r="0" g="0" b="0"/>
+        </a:lnRef>
+        <a:fillRef idx="1">
+          <a:scrgbClr r="0" g="0" b="0"/>
+        </a:fillRef>
+        <a:effectRef idx="0">
+          <a:scrgbClr r="0" g="0" b="0"/>
+        </a:effectRef>
+        <a:fontRef idx="minor">
+          <a:schemeClr val="lt1"/>
+        </a:fontRef>
+      </dsp:style>
+      <dsp:txBody>
+        <a:bodyPr spcFirstLastPara="0" vert="horz" wrap="square" lIns="68580" tIns="68580" rIns="68580" bIns="68580" numCol="1" spcCol="1270" anchor="ctr" anchorCtr="0">
+          <a:noAutofit/>
+        </a:bodyPr>
+        <a:lstStyle/>
+        <a:p>
+          <a:pPr lvl="0" algn="ctr" defTabSz="800100">
+            <a:lnSpc>
+              <a:spcPct val="90000"/>
+            </a:lnSpc>
+            <a:spcBef>
+              <a:spcPct val="0"/>
+            </a:spcBef>
+            <a:spcAft>
+              <a:spcPct val="35000"/>
+            </a:spcAft>
+          </a:pPr>
+          <a:r>
+            <a:rPr lang="zh-CN" altLang="en-US" sz="1800" kern="1200" dirty="0" smtClean="0"/>
+            <a:t>前端界面设计编码</a:t>
+          </a:r>
+          <a:endParaRPr lang="zh-CN" altLang="en-US" sz="1800" kern="1200" dirty="0"/>
+        </a:p>
+      </dsp:txBody>
+      <dsp:txXfrm>
+        <a:off x="2383631" y="1109265"/>
+        <a:ext cx="1328737" cy="738187"/>
+      </dsp:txXfrm>
+    </dsp:sp>
+    <dsp:sp modelId="{4BC20CCD-7B25-4DCE-8310-806E0883CCC1}">
+      <dsp:nvSpPr>
+        <dsp:cNvPr id="0" name=""/>
+        <dsp:cNvSpPr/>
+      </dsp:nvSpPr>
+      <dsp:spPr>
+        <a:xfrm rot="5400000">
+          <a:off x="2909589" y="1865907"/>
+          <a:ext cx="276820" cy="332184"/>
+        </a:xfrm>
+        <a:prstGeom prst="rightArrow">
+          <a:avLst>
+            <a:gd name="adj1" fmla="val 60000"/>
+            <a:gd name="adj2" fmla="val 50000"/>
+          </a:avLst>
+        </a:prstGeom>
+        <a:solidFill>
+          <a:schemeClr val="accent4">
+            <a:hueOff val="10211518"/>
+            <a:satOff val="-11993"/>
+            <a:lumOff val="4608"/>
+            <a:alphaOff val="0"/>
+          </a:schemeClr>
+        </a:solidFill>
+        <a:ln>
+          <a:noFill/>
+        </a:ln>
+        <a:effectLst/>
+      </dsp:spPr>
+      <dsp:style>
+        <a:lnRef idx="0">
+          <a:scrgbClr r="0" g="0" b="0"/>
+        </a:lnRef>
+        <a:fillRef idx="1">
+          <a:scrgbClr r="0" g="0" b="0"/>
+        </a:fillRef>
+        <a:effectRef idx="0">
+          <a:scrgbClr r="0" g="0" b="0"/>
+        </a:effectRef>
+        <a:fontRef idx="minor">
+          <a:schemeClr val="lt1"/>
+        </a:fontRef>
+      </dsp:style>
+      <dsp:txBody>
+        <a:bodyPr spcFirstLastPara="0" vert="horz" wrap="square" lIns="0" tIns="0" rIns="0" bIns="0" numCol="1" spcCol="1270" anchor="ctr" anchorCtr="0">
+          <a:noAutofit/>
+        </a:bodyPr>
+        <a:lstStyle/>
+        <a:p>
+          <a:pPr lvl="0" algn="ctr" defTabSz="622300">
+            <a:lnSpc>
+              <a:spcPct val="90000"/>
+            </a:lnSpc>
+            <a:spcBef>
+              <a:spcPct val="0"/>
+            </a:spcBef>
+            <a:spcAft>
+              <a:spcPct val="35000"/>
+            </a:spcAft>
+          </a:pPr>
+          <a:endParaRPr lang="zh-CN" altLang="en-US" sz="1400" kern="1200"/>
+        </a:p>
+      </dsp:txBody>
+      <dsp:txXfrm rot="5400000">
+        <a:off x="2909589" y="1865907"/>
+        <a:ext cx="276820" cy="332184"/>
+      </dsp:txXfrm>
+    </dsp:sp>
+    <dsp:sp modelId="{D699FBF6-99F4-47E3-818C-BA1AF90285A3}">
+      <dsp:nvSpPr>
+        <dsp:cNvPr id="0" name=""/>
+        <dsp:cNvSpPr/>
+      </dsp:nvSpPr>
+      <dsp:spPr>
+        <a:xfrm>
+          <a:off x="2383631" y="2216546"/>
+          <a:ext cx="1328737" cy="738187"/>
+        </a:xfrm>
+        <a:prstGeom prst="roundRect">
+          <a:avLst>
+            <a:gd name="adj" fmla="val 10000"/>
+          </a:avLst>
+        </a:prstGeom>
+        <a:solidFill>
+          <a:schemeClr val="accent4">
+            <a:hueOff val="13615358"/>
+            <a:satOff val="-15991"/>
+            <a:lumOff val="6144"/>
+            <a:alphaOff val="0"/>
+          </a:schemeClr>
+        </a:solidFill>
+        <a:ln w="12700" cap="flat" cmpd="sng" algn="ctr">
+          <a:solidFill>
+            <a:schemeClr val="lt1">
+              <a:hueOff val="0"/>
+              <a:satOff val="0"/>
+              <a:lumOff val="0"/>
+              <a:alphaOff val="0"/>
+            </a:schemeClr>
+          </a:solidFill>
+          <a:prstDash val="solid"/>
+        </a:ln>
+        <a:effectLst/>
+      </dsp:spPr>
+      <dsp:style>
+        <a:lnRef idx="2">
+          <a:scrgbClr r="0" g="0" b="0"/>
+        </a:lnRef>
+        <a:fillRef idx="1">
+          <a:scrgbClr r="0" g="0" b="0"/>
+        </a:fillRef>
+        <a:effectRef idx="0">
+          <a:scrgbClr r="0" g="0" b="0"/>
+        </a:effectRef>
+        <a:fontRef idx="minor">
+          <a:schemeClr val="lt1"/>
+        </a:fontRef>
+      </dsp:style>
+      <dsp:txBody>
+        <a:bodyPr spcFirstLastPara="0" vert="horz" wrap="square" lIns="68580" tIns="68580" rIns="68580" bIns="68580" numCol="1" spcCol="1270" anchor="ctr" anchorCtr="0">
+          <a:noAutofit/>
+        </a:bodyPr>
+        <a:lstStyle/>
+        <a:p>
+          <a:pPr lvl="0" algn="ctr" defTabSz="800100">
+            <a:lnSpc>
+              <a:spcPct val="90000"/>
+            </a:lnSpc>
+            <a:spcBef>
+              <a:spcPct val="0"/>
+            </a:spcBef>
+            <a:spcAft>
+              <a:spcPct val="35000"/>
+            </a:spcAft>
+          </a:pPr>
+          <a:r>
+            <a:rPr lang="zh-CN" altLang="en-US" sz="1800" kern="1200" dirty="0" smtClean="0"/>
+            <a:t>后端响应行为服务编码</a:t>
+          </a:r>
+          <a:endParaRPr lang="zh-CN" altLang="en-US" sz="1800" kern="1200" dirty="0"/>
+        </a:p>
+      </dsp:txBody>
+      <dsp:txXfrm>
+        <a:off x="2383631" y="2216546"/>
+        <a:ext cx="1328737" cy="738187"/>
+      </dsp:txXfrm>
+    </dsp:sp>
+    <dsp:sp modelId="{A77E9F03-1D58-412A-950B-EF37680BC9FE}">
+      <dsp:nvSpPr>
+        <dsp:cNvPr id="0" name=""/>
+        <dsp:cNvSpPr/>
+      </dsp:nvSpPr>
+      <dsp:spPr>
+        <a:xfrm rot="5400000">
+          <a:off x="2909589" y="2973189"/>
+          <a:ext cx="276820" cy="332184"/>
+        </a:xfrm>
+        <a:prstGeom prst="rightArrow">
+          <a:avLst>
+            <a:gd name="adj1" fmla="val 60000"/>
+            <a:gd name="adj2" fmla="val 50000"/>
+          </a:avLst>
+        </a:prstGeom>
+        <a:solidFill>
+          <a:schemeClr val="accent4">
+            <a:hueOff val="20423036"/>
+            <a:satOff val="-23986"/>
+            <a:lumOff val="9216"/>
+            <a:alphaOff val="0"/>
+          </a:schemeClr>
+        </a:solidFill>
+        <a:ln>
+          <a:noFill/>
+        </a:ln>
+        <a:effectLst/>
+      </dsp:spPr>
+      <dsp:style>
+        <a:lnRef idx="0">
+          <a:scrgbClr r="0" g="0" b="0"/>
+        </a:lnRef>
+        <a:fillRef idx="1">
+          <a:scrgbClr r="0" g="0" b="0"/>
+        </a:fillRef>
+        <a:effectRef idx="0">
+          <a:scrgbClr r="0" g="0" b="0"/>
+        </a:effectRef>
+        <a:fontRef idx="minor">
+          <a:schemeClr val="lt1"/>
+        </a:fontRef>
+      </dsp:style>
+      <dsp:txBody>
+        <a:bodyPr spcFirstLastPara="0" vert="horz" wrap="square" lIns="0" tIns="0" rIns="0" bIns="0" numCol="1" spcCol="1270" anchor="ctr" anchorCtr="0">
+          <a:noAutofit/>
+        </a:bodyPr>
+        <a:lstStyle/>
+        <a:p>
+          <a:pPr lvl="0" algn="ctr" defTabSz="622300">
+            <a:lnSpc>
+              <a:spcPct val="90000"/>
+            </a:lnSpc>
+            <a:spcBef>
+              <a:spcPct val="0"/>
+            </a:spcBef>
+            <a:spcAft>
+              <a:spcPct val="35000"/>
+            </a:spcAft>
+          </a:pPr>
+          <a:endParaRPr lang="zh-CN" altLang="en-US" sz="1400" kern="1200"/>
+        </a:p>
+      </dsp:txBody>
+      <dsp:txXfrm rot="5400000">
+        <a:off x="2909589" y="2973189"/>
+        <a:ext cx="276820" cy="332184"/>
+      </dsp:txXfrm>
+    </dsp:sp>
+    <dsp:sp modelId="{EBEC3436-91D9-46A5-BCE2-272014E51229}">
+      <dsp:nvSpPr>
+        <dsp:cNvPr id="0" name=""/>
+        <dsp:cNvSpPr/>
+      </dsp:nvSpPr>
+      <dsp:spPr>
+        <a:xfrm>
+          <a:off x="2383631" y="3323828"/>
+          <a:ext cx="1328737" cy="738187"/>
+        </a:xfrm>
+        <a:prstGeom prst="roundRect">
+          <a:avLst>
+            <a:gd name="adj" fmla="val 10000"/>
+          </a:avLst>
+        </a:prstGeom>
+        <a:solidFill>
+          <a:schemeClr val="accent4">
+            <a:hueOff val="20423036"/>
+            <a:satOff val="-23986"/>
+            <a:lumOff val="9216"/>
+            <a:alphaOff val="0"/>
+          </a:schemeClr>
+        </a:solidFill>
+        <a:ln w="12700" cap="flat" cmpd="sng" algn="ctr">
+          <a:solidFill>
+            <a:schemeClr val="lt1">
+              <a:hueOff val="0"/>
+              <a:satOff val="0"/>
+              <a:lumOff val="0"/>
+              <a:alphaOff val="0"/>
+            </a:schemeClr>
+          </a:solidFill>
+          <a:prstDash val="solid"/>
+        </a:ln>
+        <a:effectLst/>
+      </dsp:spPr>
+      <dsp:style>
+        <a:lnRef idx="2">
+          <a:scrgbClr r="0" g="0" b="0"/>
+        </a:lnRef>
+        <a:fillRef idx="1">
+          <a:scrgbClr r="0" g="0" b="0"/>
+        </a:fillRef>
+        <a:effectRef idx="0">
+          <a:scrgbClr r="0" g="0" b="0"/>
+        </a:effectRef>
+        <a:fontRef idx="minor">
+          <a:schemeClr val="lt1"/>
+        </a:fontRef>
+      </dsp:style>
+      <dsp:txBody>
+        <a:bodyPr spcFirstLastPara="0" vert="horz" wrap="square" lIns="68580" tIns="68580" rIns="68580" bIns="68580" numCol="1" spcCol="1270" anchor="ctr" anchorCtr="0">
+          <a:noAutofit/>
+        </a:bodyPr>
+        <a:lstStyle/>
+        <a:p>
+          <a:pPr lvl="0" algn="ctr" defTabSz="800100">
+            <a:lnSpc>
+              <a:spcPct val="90000"/>
+            </a:lnSpc>
+            <a:spcBef>
+              <a:spcPct val="0"/>
+            </a:spcBef>
+            <a:spcAft>
+              <a:spcPct val="35000"/>
+            </a:spcAft>
+          </a:pPr>
+          <a:r>
+            <a:rPr lang="zh-CN" altLang="en-US" sz="1800" kern="1200" dirty="0" smtClean="0"/>
+            <a:t>数据交互接口编码</a:t>
+          </a:r>
+          <a:endParaRPr lang="zh-CN" altLang="en-US" sz="1800" kern="1200" dirty="0"/>
+        </a:p>
+      </dsp:txBody>
+      <dsp:txXfrm>
+        <a:off x="2383631" y="3323828"/>
+        <a:ext cx="1328737" cy="738187"/>
+      </dsp:txXfrm>
+    </dsp:sp>
+  </dsp:spTree>
+</dsp:drawing>
+</file>
+
+<file path=ppt/diagrams/drawing2.xml><?xml version="1.0" encoding="utf-8"?>
+<dsp:drawing xmlns:dgm="http://schemas.openxmlformats.org/drawingml/2006/diagram" xmlns:a="http://schemas.openxmlformats.org/drawingml/2006/main" xmlns:dsp="http://schemas.microsoft.com/office/drawing/2008/diagram">
+  <dsp:spTree>
+    <dsp:nvGrpSpPr>
+      <dsp:cNvPr id="0" name=""/>
+      <dsp:cNvGrpSpPr/>
+    </dsp:nvGrpSpPr>
+    <dsp:grpSpPr/>
+    <dsp:sp modelId="{0B7295E5-6B7F-4C3A-BAF6-ADDF5087D8DA}">
+      <dsp:nvSpPr>
+        <dsp:cNvPr id="0" name=""/>
+        <dsp:cNvSpPr/>
+      </dsp:nvSpPr>
+      <dsp:spPr>
+        <a:xfrm rot="16200000">
+          <a:off x="399988" y="-399988"/>
+          <a:ext cx="1743968" cy="2543944"/>
+        </a:xfrm>
+        <a:prstGeom prst="round1Rect">
+          <a:avLst/>
+        </a:prstGeom>
+        <a:solidFill>
+          <a:schemeClr val="accent4">
+            <a:hueOff val="0"/>
+            <a:satOff val="0"/>
+            <a:lumOff val="0"/>
+            <a:alphaOff val="0"/>
+          </a:schemeClr>
+        </a:solidFill>
+        <a:ln w="12700" cap="flat" cmpd="sng" algn="ctr">
+          <a:solidFill>
+            <a:schemeClr val="lt1">
+              <a:hueOff val="0"/>
+              <a:satOff val="0"/>
+              <a:lumOff val="0"/>
+              <a:alphaOff val="0"/>
+            </a:schemeClr>
+          </a:solidFill>
+          <a:prstDash val="solid"/>
+        </a:ln>
+        <a:effectLst/>
+      </dsp:spPr>
+      <dsp:style>
+        <a:lnRef idx="2">
+          <a:scrgbClr r="0" g="0" b="0"/>
+        </a:lnRef>
+        <a:fillRef idx="1">
+          <a:scrgbClr r="0" g="0" b="0"/>
+        </a:fillRef>
+        <a:effectRef idx="0">
+          <a:scrgbClr r="0" g="0" b="0"/>
+        </a:effectRef>
+        <a:fontRef idx="minor">
+          <a:schemeClr val="lt1"/>
+        </a:fontRef>
+      </dsp:style>
+      <dsp:txBody>
+        <a:bodyPr spcFirstLastPara="0" vert="horz" wrap="square" lIns="170688" tIns="170688" rIns="170688" bIns="170688" numCol="1" spcCol="1270" anchor="ctr" anchorCtr="0">
+          <a:noAutofit/>
+        </a:bodyPr>
+        <a:lstStyle/>
+        <a:p>
+          <a:pPr lvl="0" algn="ctr" defTabSz="1066800">
+            <a:lnSpc>
+              <a:spcPct val="90000"/>
+            </a:lnSpc>
+            <a:spcBef>
+              <a:spcPct val="0"/>
+            </a:spcBef>
+            <a:spcAft>
+              <a:spcPct val="35000"/>
+            </a:spcAft>
+          </a:pPr>
+          <a:r>
+            <a:rPr lang="zh-CN" altLang="en-US" sz="2400" kern="1200" dirty="0" smtClean="0"/>
+            <a:t>数据库表自动生成</a:t>
+          </a:r>
+          <a:endParaRPr lang="zh-CN" altLang="en-US" sz="2400" kern="1200" dirty="0"/>
+        </a:p>
+      </dsp:txBody>
+      <dsp:txXfrm rot="16200000">
+        <a:off x="617983" y="-617983"/>
+        <a:ext cx="1307976" cy="2543944"/>
+      </dsp:txXfrm>
+    </dsp:sp>
+    <dsp:sp modelId="{6ACA934D-A4DF-4903-85B8-4598A50D8F04}">
+      <dsp:nvSpPr>
+        <dsp:cNvPr id="0" name=""/>
+        <dsp:cNvSpPr/>
+      </dsp:nvSpPr>
+      <dsp:spPr>
+        <a:xfrm>
+          <a:off x="2543944" y="0"/>
+          <a:ext cx="2543944" cy="1743968"/>
+        </a:xfrm>
+        <a:prstGeom prst="round1Rect">
+          <a:avLst/>
+        </a:prstGeom>
+        <a:solidFill>
+          <a:schemeClr val="accent4">
+            <a:hueOff val="6807679"/>
+            <a:satOff val="-7995"/>
+            <a:lumOff val="3072"/>
+            <a:alphaOff val="0"/>
+          </a:schemeClr>
+        </a:solidFill>
+        <a:ln w="12700" cap="flat" cmpd="sng" algn="ctr">
+          <a:solidFill>
+            <a:schemeClr val="lt1">
+              <a:hueOff val="0"/>
+              <a:satOff val="0"/>
+              <a:lumOff val="0"/>
+              <a:alphaOff val="0"/>
+            </a:schemeClr>
+          </a:solidFill>
+          <a:prstDash val="solid"/>
+        </a:ln>
+        <a:effectLst/>
+      </dsp:spPr>
+      <dsp:style>
+        <a:lnRef idx="2">
+          <a:scrgbClr r="0" g="0" b="0"/>
+        </a:lnRef>
+        <a:fillRef idx="1">
+          <a:scrgbClr r="0" g="0" b="0"/>
+        </a:fillRef>
+        <a:effectRef idx="0">
+          <a:scrgbClr r="0" g="0" b="0"/>
+        </a:effectRef>
+        <a:fontRef idx="minor">
+          <a:schemeClr val="lt1"/>
+        </a:fontRef>
+      </dsp:style>
+      <dsp:txBody>
+        <a:bodyPr spcFirstLastPara="0" vert="horz" wrap="square" lIns="170688" tIns="170688" rIns="170688" bIns="170688" numCol="1" spcCol="1270" anchor="ctr" anchorCtr="0">
+          <a:noAutofit/>
+        </a:bodyPr>
+        <a:lstStyle/>
+        <a:p>
+          <a:pPr lvl="0" algn="ctr" defTabSz="1066800">
+            <a:lnSpc>
+              <a:spcPct val="90000"/>
+            </a:lnSpc>
+            <a:spcBef>
+              <a:spcPct val="0"/>
+            </a:spcBef>
+            <a:spcAft>
+              <a:spcPct val="35000"/>
+            </a:spcAft>
+          </a:pPr>
+          <a:r>
+            <a:rPr lang="zh-CN" altLang="en-US" sz="2400" kern="1200" dirty="0" smtClean="0"/>
+            <a:t>前端操作界面自动生成</a:t>
+          </a:r>
+          <a:endParaRPr lang="zh-CN" altLang="en-US" sz="2400" kern="1200" dirty="0"/>
+        </a:p>
+      </dsp:txBody>
+      <dsp:txXfrm>
+        <a:off x="2543944" y="0"/>
+        <a:ext cx="2543944" cy="1307976"/>
+      </dsp:txXfrm>
+    </dsp:sp>
+    <dsp:sp modelId="{938BBBA7-9E14-451B-A712-386CEE300302}">
+      <dsp:nvSpPr>
+        <dsp:cNvPr id="0" name=""/>
+        <dsp:cNvSpPr/>
+      </dsp:nvSpPr>
+      <dsp:spPr>
+        <a:xfrm rot="10800000">
+          <a:off x="0" y="1743968"/>
+          <a:ext cx="2543944" cy="1743968"/>
+        </a:xfrm>
+        <a:prstGeom prst="round1Rect">
+          <a:avLst/>
+        </a:prstGeom>
+        <a:solidFill>
+          <a:schemeClr val="accent4">
+            <a:hueOff val="13615358"/>
+            <a:satOff val="-15991"/>
+            <a:lumOff val="6144"/>
+            <a:alphaOff val="0"/>
+          </a:schemeClr>
+        </a:solidFill>
+        <a:ln w="12700" cap="flat" cmpd="sng" algn="ctr">
+          <a:solidFill>
+            <a:schemeClr val="lt1">
+              <a:hueOff val="0"/>
+              <a:satOff val="0"/>
+              <a:lumOff val="0"/>
+              <a:alphaOff val="0"/>
+            </a:schemeClr>
+          </a:solidFill>
+          <a:prstDash val="solid"/>
+        </a:ln>
+        <a:effectLst/>
+      </dsp:spPr>
+      <dsp:style>
+        <a:lnRef idx="2">
+          <a:scrgbClr r="0" g="0" b="0"/>
+        </a:lnRef>
+        <a:fillRef idx="1">
+          <a:scrgbClr r="0" g="0" b="0"/>
+        </a:fillRef>
+        <a:effectRef idx="0">
+          <a:scrgbClr r="0" g="0" b="0"/>
+        </a:effectRef>
+        <a:fontRef idx="minor">
+          <a:schemeClr val="lt1"/>
+        </a:fontRef>
+      </dsp:style>
+      <dsp:txBody>
+        <a:bodyPr spcFirstLastPara="0" vert="horz" wrap="square" lIns="170688" tIns="170688" rIns="170688" bIns="170688" numCol="1" spcCol="1270" anchor="ctr" anchorCtr="0">
+          <a:noAutofit/>
+        </a:bodyPr>
+        <a:lstStyle/>
+        <a:p>
+          <a:pPr lvl="0" algn="ctr" defTabSz="1066800">
+            <a:lnSpc>
+              <a:spcPct val="90000"/>
+            </a:lnSpc>
+            <a:spcBef>
+              <a:spcPct val="0"/>
+            </a:spcBef>
+            <a:spcAft>
+              <a:spcPct val="35000"/>
+            </a:spcAft>
+          </a:pPr>
+          <a:r>
+            <a:rPr lang="zh-CN" altLang="en-US" sz="2400" kern="1200" dirty="0" smtClean="0"/>
+            <a:t>后端响应服务自动生成</a:t>
+          </a:r>
+          <a:endParaRPr lang="zh-CN" altLang="en-US" sz="2400" kern="1200" dirty="0"/>
+        </a:p>
+      </dsp:txBody>
+      <dsp:txXfrm rot="10800000">
+        <a:off x="0" y="2179959"/>
+        <a:ext cx="2543944" cy="1307976"/>
+      </dsp:txXfrm>
+    </dsp:sp>
+    <dsp:sp modelId="{57E9D70F-59FF-4C3E-8C4E-9312049A8B6C}">
+      <dsp:nvSpPr>
+        <dsp:cNvPr id="0" name=""/>
+        <dsp:cNvSpPr/>
+      </dsp:nvSpPr>
+      <dsp:spPr>
+        <a:xfrm rot="5400000">
+          <a:off x="2943932" y="1343980"/>
+          <a:ext cx="1743968" cy="2543944"/>
+        </a:xfrm>
+        <a:prstGeom prst="round1Rect">
+          <a:avLst/>
+        </a:prstGeom>
+        <a:solidFill>
+          <a:schemeClr val="accent4">
+            <a:hueOff val="20423036"/>
+            <a:satOff val="-23986"/>
+            <a:lumOff val="9216"/>
+            <a:alphaOff val="0"/>
+          </a:schemeClr>
+        </a:solidFill>
+        <a:ln w="12700" cap="flat" cmpd="sng" algn="ctr">
+          <a:solidFill>
+            <a:schemeClr val="lt1">
+              <a:hueOff val="0"/>
+              <a:satOff val="0"/>
+              <a:lumOff val="0"/>
+              <a:alphaOff val="0"/>
+            </a:schemeClr>
+          </a:solidFill>
+          <a:prstDash val="solid"/>
+        </a:ln>
+        <a:effectLst/>
+      </dsp:spPr>
+      <dsp:style>
+        <a:lnRef idx="2">
+          <a:scrgbClr r="0" g="0" b="0"/>
+        </a:lnRef>
+        <a:fillRef idx="1">
+          <a:scrgbClr r="0" g="0" b="0"/>
+        </a:fillRef>
+        <a:effectRef idx="0">
+          <a:scrgbClr r="0" g="0" b="0"/>
+        </a:effectRef>
+        <a:fontRef idx="minor">
+          <a:schemeClr val="lt1"/>
+        </a:fontRef>
+      </dsp:style>
+      <dsp:txBody>
+        <a:bodyPr spcFirstLastPara="0" vert="horz" wrap="square" lIns="170688" tIns="170688" rIns="170688" bIns="170688" numCol="1" spcCol="1270" anchor="ctr" anchorCtr="0">
+          <a:noAutofit/>
+        </a:bodyPr>
+        <a:lstStyle/>
+        <a:p>
+          <a:pPr lvl="0" algn="ctr" defTabSz="1066800">
+            <a:lnSpc>
+              <a:spcPct val="90000"/>
+            </a:lnSpc>
+            <a:spcBef>
+              <a:spcPct val="0"/>
+            </a:spcBef>
+            <a:spcAft>
+              <a:spcPct val="35000"/>
+            </a:spcAft>
+          </a:pPr>
+          <a:r>
+            <a:rPr lang="zh-CN" altLang="en-US" sz="2400" kern="1200" dirty="0" smtClean="0"/>
+            <a:t>数据交互接口自动生成</a:t>
+          </a:r>
+          <a:endParaRPr lang="zh-CN" altLang="en-US" sz="2400" kern="1200" dirty="0"/>
+        </a:p>
+      </dsp:txBody>
+      <dsp:txXfrm rot="5400000">
+        <a:off x="3161928" y="1561975"/>
+        <a:ext cx="1307976" cy="2543944"/>
+      </dsp:txXfrm>
+    </dsp:sp>
+    <dsp:sp modelId="{54660845-72B4-4189-BBC5-2FE29AB7D5EC}">
+      <dsp:nvSpPr>
+        <dsp:cNvPr id="0" name=""/>
+        <dsp:cNvSpPr/>
+      </dsp:nvSpPr>
+      <dsp:spPr>
+        <a:xfrm>
+          <a:off x="1780760" y="1307976"/>
+          <a:ext cx="1526366" cy="871984"/>
+        </a:xfrm>
+        <a:prstGeom prst="roundRect">
+          <a:avLst/>
+        </a:prstGeom>
+        <a:solidFill>
+          <a:schemeClr val="accent4">
+            <a:tint val="40000"/>
+            <a:hueOff val="0"/>
+            <a:satOff val="0"/>
+            <a:lumOff val="0"/>
+            <a:alphaOff val="0"/>
+          </a:schemeClr>
+        </a:solidFill>
+        <a:ln w="12700" cap="flat" cmpd="sng" algn="ctr">
+          <a:solidFill>
+            <a:schemeClr val="lt1">
+              <a:hueOff val="0"/>
+              <a:satOff val="0"/>
+              <a:lumOff val="0"/>
+              <a:alphaOff val="0"/>
+            </a:schemeClr>
+          </a:solidFill>
+          <a:prstDash val="solid"/>
+        </a:ln>
+        <a:effectLst/>
+      </dsp:spPr>
+      <dsp:style>
+        <a:lnRef idx="2">
+          <a:scrgbClr r="0" g="0" b="0"/>
+        </a:lnRef>
+        <a:fillRef idx="1">
+          <a:scrgbClr r="0" g="0" b="0"/>
+        </a:fillRef>
+        <a:effectRef idx="0">
+          <a:scrgbClr r="0" g="0" b="0"/>
+        </a:effectRef>
+        <a:fontRef idx="minor"/>
+      </dsp:style>
+      <dsp:txBody>
+        <a:bodyPr spcFirstLastPara="0" vert="horz" wrap="square" lIns="91440" tIns="91440" rIns="91440" bIns="91440" numCol="1" spcCol="1270" anchor="ctr" anchorCtr="0">
+          <a:noAutofit/>
+        </a:bodyPr>
+        <a:lstStyle/>
+        <a:p>
+          <a:pPr lvl="0" algn="ctr" defTabSz="1066800">
+            <a:lnSpc>
+              <a:spcPct val="90000"/>
+            </a:lnSpc>
+            <a:spcBef>
+              <a:spcPct val="0"/>
+            </a:spcBef>
+            <a:spcAft>
+              <a:spcPct val="35000"/>
+            </a:spcAft>
+          </a:pPr>
+          <a:r>
+            <a:rPr lang="zh-CN" altLang="en-US" sz="2400" kern="1200" dirty="0" smtClean="0"/>
+            <a:t>业务模型</a:t>
+          </a:r>
+          <a:endParaRPr lang="zh-CN" altLang="en-US" sz="2400" kern="1200" dirty="0"/>
+        </a:p>
+      </dsp:txBody>
+      <dsp:txXfrm>
+        <a:off x="1780760" y="1307976"/>
+        <a:ext cx="1526366" cy="871984"/>
+      </dsp:txXfrm>
+    </dsp:sp>
+  </dsp:spTree>
+</dsp:drawing>
+</file>
+
+<file path=ppt/diagrams/drawing3.xml><?xml version="1.0" encoding="utf-8"?>
+<dsp:drawing xmlns:dgm="http://schemas.openxmlformats.org/drawingml/2006/diagram" xmlns:a="http://schemas.openxmlformats.org/drawingml/2006/main" xmlns:dsp="http://schemas.microsoft.com/office/drawing/2008/diagram">
+  <dsp:spTree>
+    <dsp:nvGrpSpPr>
+      <dsp:cNvPr id="0" name=""/>
+      <dsp:cNvGrpSpPr/>
+    </dsp:nvGrpSpPr>
+    <dsp:grpSpPr/>
     <dsp:sp modelId="{02A8F818-0DB1-4F00-83F2-C80EC34E4626}">
       <dsp:nvSpPr>
         <dsp:cNvPr id="0" name=""/>
@@ -4607,7 +7688,7 @@
 </dsp:drawing>
 </file>
 
-<file path=ppt/diagrams/drawing2.xml><?xml version="1.0" encoding="utf-8"?>
+<file path=ppt/diagrams/drawing4.xml><?xml version="1.0" encoding="utf-8"?>
 <dsp:drawing xmlns:dgm="http://schemas.openxmlformats.org/drawingml/2006/diagram" xmlns:a="http://schemas.openxmlformats.org/drawingml/2006/main" xmlns:dsp="http://schemas.microsoft.com/office/drawing/2008/diagram">
   <dsp:spTree>
     <dsp:nvGrpSpPr>
@@ -5174,7 +8255,7 @@
 </dsp:drawing>
 </file>
 
-<file path=ppt/diagrams/drawing3.xml><?xml version="1.0" encoding="utf-8"?>
+<file path=ppt/diagrams/drawing5.xml><?xml version="1.0" encoding="utf-8"?>
 <dsp:drawing xmlns:dgm="http://schemas.openxmlformats.org/drawingml/2006/diagram" xmlns:a="http://schemas.openxmlformats.org/drawingml/2006/main" xmlns:dsp="http://schemas.microsoft.com/office/drawing/2008/diagram">
   <dsp:spTree>
     <dsp:nvGrpSpPr>
@@ -5182,614 +8263,537 @@
       <dsp:cNvGrpSpPr/>
     </dsp:nvGrpSpPr>
     <dsp:grpSpPr/>
-    <dsp:sp modelId="{FD170419-7D18-491B-8212-B84A0D5B5B04}">
-      <dsp:nvSpPr>
-        <dsp:cNvPr id="0" name=""/>
-        <dsp:cNvSpPr/>
-      </dsp:nvSpPr>
-      <dsp:spPr>
-        <a:xfrm>
-          <a:off x="0" y="43204"/>
-          <a:ext cx="4882142" cy="4882142"/>
-        </a:xfrm>
-        <a:prstGeom prst="pie">
-          <a:avLst>
-            <a:gd name="adj1" fmla="val 5400000"/>
-            <a:gd name="adj2" fmla="val 16200000"/>
-          </a:avLst>
-        </a:prstGeom>
-        <a:solidFill>
-          <a:schemeClr val="accent1">
-            <a:hueOff val="0"/>
-            <a:satOff val="0"/>
-            <a:lumOff val="0"/>
-            <a:alphaOff val="0"/>
-          </a:schemeClr>
-        </a:solidFill>
-        <a:ln w="12700" cap="flat" cmpd="sng" algn="ctr">
-          <a:solidFill>
-            <a:schemeClr val="lt1">
-              <a:hueOff val="0"/>
-              <a:satOff val="0"/>
-              <a:lumOff val="0"/>
-              <a:alphaOff val="0"/>
-            </a:schemeClr>
-          </a:solidFill>
-          <a:prstDash val="solid"/>
-        </a:ln>
-        <a:effectLst/>
-      </dsp:spPr>
-      <dsp:style>
-        <a:lnRef idx="2">
-          <a:scrgbClr r="0" g="0" b="0"/>
-        </a:lnRef>
-        <a:fillRef idx="1">
-          <a:scrgbClr r="0" g="0" b="0"/>
-        </a:fillRef>
-        <a:effectRef idx="0">
-          <a:scrgbClr r="0" g="0" b="0"/>
-        </a:effectRef>
-        <a:fontRef idx="minor">
-          <a:schemeClr val="lt1"/>
-        </a:fontRef>
-      </dsp:style>
-    </dsp:sp>
-    <dsp:sp modelId="{ACAC7D86-B4FC-4AF4-9A1A-AA42BBF2761A}">
-      <dsp:nvSpPr>
-        <dsp:cNvPr id="0" name=""/>
-        <dsp:cNvSpPr/>
-      </dsp:nvSpPr>
-      <dsp:spPr>
-        <a:xfrm>
-          <a:off x="2441071" y="43204"/>
-          <a:ext cx="5695832" cy="4882142"/>
-        </a:xfrm>
-        <a:prstGeom prst="rect">
-          <a:avLst/>
-        </a:prstGeom>
-        <a:solidFill>
-          <a:schemeClr val="lt1">
-            <a:alpha val="90000"/>
-            <a:hueOff val="0"/>
-            <a:satOff val="0"/>
-            <a:lumOff val="0"/>
-            <a:alphaOff val="0"/>
-          </a:schemeClr>
-        </a:solidFill>
-        <a:ln w="12700" cap="flat" cmpd="sng" algn="ctr">
-          <a:solidFill>
-            <a:schemeClr val="accent1">
-              <a:hueOff val="0"/>
-              <a:satOff val="0"/>
-              <a:lumOff val="0"/>
-              <a:alphaOff val="0"/>
-            </a:schemeClr>
-          </a:solidFill>
-          <a:prstDash val="solid"/>
-        </a:ln>
-        <a:effectLst/>
-      </dsp:spPr>
-      <dsp:style>
-        <a:lnRef idx="2">
-          <a:scrgbClr r="0" g="0" b="0"/>
-        </a:lnRef>
-        <a:fillRef idx="1">
-          <a:scrgbClr r="0" g="0" b="0"/>
-        </a:fillRef>
-        <a:effectRef idx="0">
-          <a:scrgbClr r="0" g="0" b="0"/>
-        </a:effectRef>
-        <a:fontRef idx="minor"/>
-      </dsp:style>
-      <dsp:txBody>
-        <a:bodyPr spcFirstLastPara="0" vert="horz" wrap="square" lIns="152400" tIns="152400" rIns="152400" bIns="152400" numCol="1" spcCol="1270" anchor="ctr" anchorCtr="0">
-          <a:noAutofit/>
-        </a:bodyPr>
-        <a:lstStyle/>
-        <a:p>
-          <a:pPr lvl="0" algn="ctr" defTabSz="1778000">
-            <a:lnSpc>
-              <a:spcPct val="90000"/>
-            </a:lnSpc>
-            <a:spcBef>
-              <a:spcPct val="0"/>
-            </a:spcBef>
-            <a:spcAft>
-              <a:spcPct val="35000"/>
-            </a:spcAft>
-          </a:pPr>
-          <a:r>
-            <a:rPr lang="zh-CN" altLang="en-US" sz="4000" kern="1200" dirty="0" smtClean="0"/>
-            <a:t>远程数据交互</a:t>
-          </a:r>
-          <a:endParaRPr lang="zh-CN" altLang="en-US" sz="4000" kern="1200" dirty="0"/>
-        </a:p>
-      </dsp:txBody>
-      <dsp:txXfrm>
-        <a:off x="2441071" y="43204"/>
-        <a:ext cx="2847916" cy="2319017"/>
-      </dsp:txXfrm>
-    </dsp:sp>
-    <dsp:sp modelId="{5909D035-F6E2-4096-A89D-38EA1C02A33E}">
-      <dsp:nvSpPr>
-        <dsp:cNvPr id="0" name=""/>
-        <dsp:cNvSpPr/>
-      </dsp:nvSpPr>
-      <dsp:spPr>
-        <a:xfrm>
-          <a:off x="1281562" y="2362222"/>
-          <a:ext cx="2319017" cy="2319017"/>
-        </a:xfrm>
-        <a:prstGeom prst="pie">
-          <a:avLst>
-            <a:gd name="adj1" fmla="val 5400000"/>
-            <a:gd name="adj2" fmla="val 16200000"/>
-          </a:avLst>
-        </a:prstGeom>
-        <a:solidFill>
-          <a:schemeClr val="accent1">
-            <a:hueOff val="0"/>
-            <a:satOff val="0"/>
-            <a:lumOff val="0"/>
-            <a:alphaOff val="0"/>
-          </a:schemeClr>
-        </a:solidFill>
-        <a:ln w="12700" cap="flat" cmpd="sng" algn="ctr">
-          <a:solidFill>
-            <a:schemeClr val="lt1">
-              <a:hueOff val="0"/>
-              <a:satOff val="0"/>
-              <a:lumOff val="0"/>
-              <a:alphaOff val="0"/>
-            </a:schemeClr>
-          </a:solidFill>
-          <a:prstDash val="solid"/>
-        </a:ln>
-        <a:effectLst/>
-      </dsp:spPr>
-      <dsp:style>
-        <a:lnRef idx="2">
-          <a:scrgbClr r="0" g="0" b="0"/>
-        </a:lnRef>
-        <a:fillRef idx="1">
-          <a:scrgbClr r="0" g="0" b="0"/>
-        </a:fillRef>
-        <a:effectRef idx="0">
-          <a:scrgbClr r="0" g="0" b="0"/>
-        </a:effectRef>
-        <a:fontRef idx="minor">
-          <a:schemeClr val="lt1"/>
-        </a:fontRef>
-      </dsp:style>
-    </dsp:sp>
-    <dsp:sp modelId="{EFC8429E-EE54-49F7-9101-FFEABDC5760B}">
-      <dsp:nvSpPr>
-        <dsp:cNvPr id="0" name=""/>
-        <dsp:cNvSpPr/>
-      </dsp:nvSpPr>
-      <dsp:spPr>
-        <a:xfrm>
-          <a:off x="2441071" y="2362222"/>
-          <a:ext cx="5695832" cy="2319017"/>
-        </a:xfrm>
-        <a:prstGeom prst="rect">
-          <a:avLst/>
-        </a:prstGeom>
-        <a:solidFill>
-          <a:schemeClr val="lt1">
-            <a:alpha val="90000"/>
-            <a:hueOff val="0"/>
-            <a:satOff val="0"/>
-            <a:lumOff val="0"/>
-            <a:alphaOff val="0"/>
-          </a:schemeClr>
-        </a:solidFill>
-        <a:ln w="12700" cap="flat" cmpd="sng" algn="ctr">
-          <a:solidFill>
-            <a:schemeClr val="accent1">
-              <a:hueOff val="0"/>
-              <a:satOff val="0"/>
-              <a:lumOff val="0"/>
-              <a:alphaOff val="0"/>
-            </a:schemeClr>
-          </a:solidFill>
-          <a:prstDash val="solid"/>
-        </a:ln>
-        <a:effectLst/>
-      </dsp:spPr>
-      <dsp:style>
-        <a:lnRef idx="2">
-          <a:scrgbClr r="0" g="0" b="0"/>
-        </a:lnRef>
-        <a:fillRef idx="1">
-          <a:scrgbClr r="0" g="0" b="0"/>
-        </a:fillRef>
-        <a:effectRef idx="0">
-          <a:scrgbClr r="0" g="0" b="0"/>
-        </a:effectRef>
-        <a:fontRef idx="minor"/>
-      </dsp:style>
-      <dsp:txBody>
-        <a:bodyPr spcFirstLastPara="0" vert="horz" wrap="square" lIns="152400" tIns="152400" rIns="152400" bIns="152400" numCol="1" spcCol="1270" anchor="ctr" anchorCtr="0">
-          <a:noAutofit/>
-        </a:bodyPr>
-        <a:lstStyle/>
-        <a:p>
-          <a:pPr lvl="0" algn="ctr" defTabSz="1778000">
-            <a:lnSpc>
-              <a:spcPct val="90000"/>
-            </a:lnSpc>
-            <a:spcBef>
-              <a:spcPct val="0"/>
-            </a:spcBef>
-            <a:spcAft>
-              <a:spcPct val="35000"/>
-            </a:spcAft>
-          </a:pPr>
-          <a:r>
-            <a:rPr lang="zh-CN" altLang="en-US" sz="4000" kern="1200" dirty="0" smtClean="0"/>
-            <a:t>本地数据存储</a:t>
-          </a:r>
-          <a:endParaRPr lang="zh-CN" altLang="en-US" sz="4000" kern="1200" dirty="0"/>
-        </a:p>
-      </dsp:txBody>
-      <dsp:txXfrm>
-        <a:off x="2441071" y="2362222"/>
-        <a:ext cx="2847916" cy="2319017"/>
-      </dsp:txXfrm>
-    </dsp:sp>
-    <dsp:sp modelId="{23640AAC-B749-4ADC-A4AA-9A59DE889370}">
-      <dsp:nvSpPr>
-        <dsp:cNvPr id="0" name=""/>
-        <dsp:cNvSpPr/>
-      </dsp:nvSpPr>
-      <dsp:spPr>
-        <a:xfrm>
-          <a:off x="5288987" y="43204"/>
-          <a:ext cx="2847916" cy="2319017"/>
-        </a:xfrm>
-        <a:prstGeom prst="rect">
-          <a:avLst/>
-        </a:prstGeom>
-        <a:noFill/>
-        <a:ln w="12700" cap="flat" cmpd="sng" algn="ctr">
-          <a:noFill/>
-          <a:prstDash val="solid"/>
-        </a:ln>
-        <a:effectLst/>
-        <a:sp3d/>
-      </dsp:spPr>
-      <dsp:style>
-        <a:lnRef idx="2">
-          <a:scrgbClr r="0" g="0" b="0"/>
-        </a:lnRef>
-        <a:fillRef idx="1">
-          <a:scrgbClr r="0" g="0" b="0"/>
-        </a:fillRef>
-        <a:effectRef idx="0">
-          <a:scrgbClr r="0" g="0" b="0"/>
-        </a:effectRef>
-        <a:fontRef idx="minor"/>
-      </dsp:style>
-      <dsp:txBody>
-        <a:bodyPr spcFirstLastPara="0" vert="horz" wrap="square" lIns="57150" tIns="57150" rIns="57150" bIns="57150" numCol="1" spcCol="1270" anchor="ctr" anchorCtr="0">
-          <a:noAutofit/>
-        </a:bodyPr>
-        <a:lstStyle/>
-        <a:p>
-          <a:pPr marL="114300" lvl="1" indent="-114300" algn="l" defTabSz="666750">
-            <a:lnSpc>
-              <a:spcPct val="90000"/>
-            </a:lnSpc>
-            <a:spcBef>
-              <a:spcPct val="0"/>
-            </a:spcBef>
-            <a:spcAft>
-              <a:spcPct val="15000"/>
-            </a:spcAft>
-            <a:buChar char="••"/>
-          </a:pPr>
-          <a:r>
-            <a:rPr lang="zh-CN" altLang="en-US" sz="1500" kern="1200" dirty="0" smtClean="0"/>
-            <a:t>远程数据获取（</a:t>
-          </a:r>
-          <a:r>
-            <a:rPr lang="en-US" altLang="zh-CN" sz="1500" kern="1200" dirty="0" smtClean="0"/>
-            <a:t>SOAP</a:t>
-          </a:r>
-          <a:r>
-            <a:rPr lang="zh-CN" altLang="en-US" sz="1500" kern="1200" dirty="0" smtClean="0"/>
-            <a:t>）</a:t>
-          </a:r>
-          <a:endParaRPr lang="zh-CN" altLang="en-US" sz="1500" kern="1200" dirty="0"/>
-        </a:p>
-        <a:p>
-          <a:pPr marL="114300" lvl="1" indent="-114300" algn="l" defTabSz="666750">
-            <a:lnSpc>
-              <a:spcPct val="90000"/>
-            </a:lnSpc>
-            <a:spcBef>
-              <a:spcPct val="0"/>
-            </a:spcBef>
-            <a:spcAft>
-              <a:spcPct val="15000"/>
-            </a:spcAft>
-            <a:buChar char="••"/>
-          </a:pPr>
-          <a:r>
-            <a:rPr lang="zh-CN" altLang="en-US" sz="1500" kern="1200" dirty="0" smtClean="0"/>
-            <a:t>解析远程数据</a:t>
-          </a:r>
-          <a:endParaRPr lang="zh-CN" altLang="en-US" sz="1500" kern="1200" dirty="0"/>
-        </a:p>
-        <a:p>
-          <a:pPr marL="114300" lvl="1" indent="-114300" algn="l" defTabSz="666750">
-            <a:lnSpc>
-              <a:spcPct val="90000"/>
-            </a:lnSpc>
-            <a:spcBef>
-              <a:spcPct val="0"/>
-            </a:spcBef>
-            <a:spcAft>
-              <a:spcPct val="15000"/>
-            </a:spcAft>
-            <a:buChar char="••"/>
-          </a:pPr>
-          <a:r>
-            <a:rPr lang="zh-CN" altLang="en-US" sz="1500" kern="1200" dirty="0" smtClean="0"/>
-            <a:t>异步同步</a:t>
-          </a:r>
-          <a:endParaRPr lang="zh-CN" altLang="en-US" sz="1500" kern="1200" dirty="0"/>
-        </a:p>
-        <a:p>
-          <a:pPr marL="114300" lvl="1" indent="-114300" algn="l" defTabSz="666750">
-            <a:lnSpc>
-              <a:spcPct val="90000"/>
-            </a:lnSpc>
-            <a:spcBef>
-              <a:spcPct val="0"/>
-            </a:spcBef>
-            <a:spcAft>
-              <a:spcPct val="15000"/>
-            </a:spcAft>
-            <a:buChar char="••"/>
-          </a:pPr>
-          <a:r>
-            <a:rPr lang="en-US" altLang="en-US" sz="1500" kern="1200" dirty="0" smtClean="0"/>
-            <a:t>WIFI</a:t>
-          </a:r>
-          <a:endParaRPr lang="zh-CN" altLang="en-US" sz="1500" kern="1200" dirty="0"/>
-        </a:p>
-        <a:p>
-          <a:pPr marL="114300" lvl="1" indent="-114300" algn="l" defTabSz="666750">
-            <a:lnSpc>
-              <a:spcPct val="90000"/>
-            </a:lnSpc>
-            <a:spcBef>
-              <a:spcPct val="0"/>
-            </a:spcBef>
-            <a:spcAft>
-              <a:spcPct val="15000"/>
-            </a:spcAft>
-            <a:buChar char="••"/>
-          </a:pPr>
-          <a:r>
-            <a:rPr lang="zh-CN" altLang="en-US" sz="1500" kern="1200" dirty="0" smtClean="0"/>
-            <a:t>只获取有更新数据</a:t>
-          </a:r>
-          <a:endParaRPr lang="zh-CN" altLang="en-US" sz="1500" kern="1200" dirty="0"/>
-        </a:p>
-        <a:p>
-          <a:pPr marL="114300" lvl="1" indent="-114300" algn="l" defTabSz="666750">
-            <a:lnSpc>
-              <a:spcPct val="90000"/>
-            </a:lnSpc>
-            <a:spcBef>
-              <a:spcPct val="0"/>
-            </a:spcBef>
-            <a:spcAft>
-              <a:spcPct val="15000"/>
-            </a:spcAft>
-            <a:buChar char="••"/>
-          </a:pPr>
-          <a:r>
-            <a:rPr lang="zh-CN" altLang="en-US" sz="1500" kern="1200" dirty="0" smtClean="0"/>
-            <a:t>数据安全</a:t>
-          </a:r>
-          <a:endParaRPr lang="zh-CN" altLang="en-US" sz="1500" kern="1200" dirty="0"/>
-        </a:p>
-        <a:p>
-          <a:pPr marL="114300" lvl="1" indent="-114300" algn="l" defTabSz="666750">
-            <a:lnSpc>
-              <a:spcPct val="90000"/>
-            </a:lnSpc>
-            <a:spcBef>
-              <a:spcPct val="0"/>
-            </a:spcBef>
-            <a:spcAft>
-              <a:spcPct val="15000"/>
-            </a:spcAft>
-            <a:buChar char="••"/>
-          </a:pPr>
-          <a:r>
-            <a:rPr lang="zh-CN" altLang="en-US" sz="1500" kern="1200" dirty="0" smtClean="0"/>
-            <a:t>定时器</a:t>
-          </a:r>
-          <a:endParaRPr lang="zh-CN" altLang="en-US" sz="1500" kern="1200" dirty="0"/>
-        </a:p>
-        <a:p>
-          <a:pPr marL="114300" lvl="1" indent="-114300" algn="l" defTabSz="666750">
-            <a:lnSpc>
-              <a:spcPct val="90000"/>
-            </a:lnSpc>
-            <a:spcBef>
-              <a:spcPct val="0"/>
-            </a:spcBef>
-            <a:spcAft>
-              <a:spcPct val="15000"/>
-            </a:spcAft>
-            <a:buChar char="••"/>
-          </a:pPr>
-          <a:r>
-            <a:rPr lang="zh-CN" altLang="en-US" sz="1500" kern="1200" dirty="0" smtClean="0"/>
-            <a:t>流量控制</a:t>
-          </a:r>
-          <a:endParaRPr lang="zh-CN" altLang="en-US" sz="1500" kern="1200" dirty="0"/>
-        </a:p>
-      </dsp:txBody>
-      <dsp:txXfrm>
-        <a:off x="5288987" y="43204"/>
-        <a:ext cx="2847916" cy="2319017"/>
-      </dsp:txXfrm>
-    </dsp:sp>
-    <dsp:sp modelId="{550A9515-DB73-4908-9A85-1A2920082CAA}">
-      <dsp:nvSpPr>
-        <dsp:cNvPr id="0" name=""/>
-        <dsp:cNvSpPr/>
-      </dsp:nvSpPr>
-      <dsp:spPr>
-        <a:xfrm>
-          <a:off x="5288987" y="2362222"/>
-          <a:ext cx="2847916" cy="2319017"/>
-        </a:xfrm>
-        <a:prstGeom prst="rect">
-          <a:avLst/>
-        </a:prstGeom>
-        <a:noFill/>
-        <a:ln w="12700" cap="flat" cmpd="sng" algn="ctr">
-          <a:noFill/>
-          <a:prstDash val="solid"/>
-        </a:ln>
-        <a:effectLst/>
-        <a:sp3d/>
-      </dsp:spPr>
-      <dsp:style>
-        <a:lnRef idx="2">
-          <a:scrgbClr r="0" g="0" b="0"/>
-        </a:lnRef>
-        <a:fillRef idx="1">
-          <a:scrgbClr r="0" g="0" b="0"/>
-        </a:fillRef>
-        <a:effectRef idx="0">
-          <a:scrgbClr r="0" g="0" b="0"/>
-        </a:effectRef>
-        <a:fontRef idx="minor"/>
-      </dsp:style>
-      <dsp:txBody>
-        <a:bodyPr spcFirstLastPara="0" vert="horz" wrap="square" lIns="57150" tIns="57150" rIns="57150" bIns="57150" numCol="1" spcCol="1270" anchor="ctr" anchorCtr="0">
-          <a:noAutofit/>
-        </a:bodyPr>
-        <a:lstStyle/>
-        <a:p>
-          <a:pPr marL="114300" lvl="1" indent="-114300" algn="l" defTabSz="666750">
-            <a:lnSpc>
-              <a:spcPct val="90000"/>
-            </a:lnSpc>
-            <a:spcBef>
-              <a:spcPct val="0"/>
-            </a:spcBef>
-            <a:spcAft>
-              <a:spcPct val="15000"/>
-            </a:spcAft>
-            <a:buChar char="••"/>
-          </a:pPr>
-          <a:r>
-            <a:rPr lang="zh-CN" altLang="en-US" sz="1500" kern="1200" dirty="0" smtClean="0"/>
-            <a:t>数据库读写</a:t>
-          </a:r>
-          <a:endParaRPr lang="zh-CN" altLang="en-US" sz="1500" kern="1200" dirty="0"/>
-        </a:p>
-        <a:p>
-          <a:pPr marL="114300" lvl="1" indent="-114300" algn="l" defTabSz="666750">
-            <a:lnSpc>
-              <a:spcPct val="90000"/>
-            </a:lnSpc>
-            <a:spcBef>
-              <a:spcPct val="0"/>
-            </a:spcBef>
-            <a:spcAft>
-              <a:spcPct val="15000"/>
-            </a:spcAft>
-            <a:buChar char="••"/>
-          </a:pPr>
-          <a:r>
-            <a:rPr lang="en-US" altLang="en-US" sz="1500" kern="1200" dirty="0" smtClean="0"/>
-            <a:t>SQL</a:t>
-          </a:r>
-          <a:r>
-            <a:rPr lang="zh-CN" altLang="en-US" sz="1500" kern="1200" dirty="0" smtClean="0"/>
-            <a:t>增删查改编码</a:t>
-          </a:r>
-          <a:endParaRPr lang="zh-CN" altLang="en-US" sz="1500" kern="1200" dirty="0"/>
-        </a:p>
-        <a:p>
-          <a:pPr marL="114300" lvl="1" indent="-114300" algn="l" defTabSz="666750">
-            <a:lnSpc>
-              <a:spcPct val="90000"/>
-            </a:lnSpc>
-            <a:spcBef>
-              <a:spcPct val="0"/>
-            </a:spcBef>
-            <a:spcAft>
-              <a:spcPct val="15000"/>
-            </a:spcAft>
-            <a:buChar char="••"/>
-          </a:pPr>
-          <a:r>
-            <a:rPr lang="zh-CN" altLang="en-US" sz="1500" kern="1200" dirty="0" smtClean="0"/>
-            <a:t>离线数据读取</a:t>
-          </a:r>
-          <a:endParaRPr lang="zh-CN" altLang="en-US" sz="1500" kern="1200" dirty="0"/>
-        </a:p>
-        <a:p>
-          <a:pPr marL="114300" lvl="1" indent="-114300" algn="l" defTabSz="666750">
-            <a:lnSpc>
-              <a:spcPct val="90000"/>
-            </a:lnSpc>
-            <a:spcBef>
-              <a:spcPct val="0"/>
-            </a:spcBef>
-            <a:spcAft>
-              <a:spcPct val="15000"/>
-            </a:spcAft>
-            <a:buChar char="••"/>
-          </a:pPr>
-          <a:r>
-            <a:rPr lang="zh-CN" altLang="en-US" sz="1500" kern="1200" dirty="0" smtClean="0"/>
-            <a:t>数据对象编码</a:t>
-          </a:r>
-          <a:endParaRPr lang="zh-CN" altLang="en-US" sz="1500" kern="1200" dirty="0"/>
-        </a:p>
-        <a:p>
-          <a:pPr marL="114300" lvl="1" indent="-114300" algn="l" defTabSz="666750">
-            <a:lnSpc>
-              <a:spcPct val="90000"/>
-            </a:lnSpc>
-            <a:spcBef>
-              <a:spcPct val="0"/>
-            </a:spcBef>
-            <a:spcAft>
-              <a:spcPct val="15000"/>
-            </a:spcAft>
-            <a:buChar char="••"/>
-          </a:pPr>
-          <a:r>
-            <a:rPr lang="zh-CN" altLang="en-US" sz="1500" kern="1200" smtClean="0"/>
-            <a:t>数据分页读取</a:t>
-          </a:r>
-          <a:endParaRPr lang="zh-CN" altLang="en-US" sz="1500" kern="1200" dirty="0"/>
-        </a:p>
-      </dsp:txBody>
-      <dsp:txXfrm>
-        <a:off x="5288987" y="2362222"/>
-        <a:ext cx="2847916" cy="2319017"/>
-      </dsp:txXfrm>
-    </dsp:sp>
   </dsp:spTree>
 </dsp:drawing>
 </file>
 
 <file path=ppt/diagrams/layout1.xml><?xml version="1.0" encoding="utf-8"?>
+<dgm:layoutDef xmlns:dgm="http://schemas.openxmlformats.org/drawingml/2006/diagram" xmlns:a="http://schemas.openxmlformats.org/drawingml/2006/main" uniqueId="urn:microsoft.com/office/officeart/2005/8/layout/process2">
+  <dgm:title val=""/>
+  <dgm:desc val=""/>
+  <dgm:catLst>
+    <dgm:cat type="process" pri="13000"/>
+  </dgm:catLst>
+  <dgm:sampData useDef="1">
+    <dgm:dataModel>
+      <dgm:ptLst/>
+      <dgm:bg/>
+      <dgm:whole/>
+    </dgm:dataModel>
+  </dgm:sampData>
+  <dgm:styleData>
+    <dgm:dataModel>
+      <dgm:ptLst>
+        <dgm:pt modelId="0" type="doc"/>
+        <dgm:pt modelId="1"/>
+        <dgm:pt modelId="2"/>
+      </dgm:ptLst>
+      <dgm:cxnLst>
+        <dgm:cxn modelId="3" srcId="0" destId="1" srcOrd="0" destOrd="0"/>
+        <dgm:cxn modelId="4" srcId="0" destId="2" srcOrd="1" destOrd="0"/>
+      </dgm:cxnLst>
+      <dgm:bg/>
+      <dgm:whole/>
+    </dgm:dataModel>
+  </dgm:styleData>
+  <dgm:clrData>
+    <dgm:dataModel>
+      <dgm:ptLst>
+        <dgm:pt modelId="0" type="doc"/>
+        <dgm:pt modelId="1"/>
+        <dgm:pt modelId="2"/>
+        <dgm:pt modelId="3"/>
+        <dgm:pt modelId="4"/>
+      </dgm:ptLst>
+      <dgm:cxnLst>
+        <dgm:cxn modelId="5" srcId="0" destId="1" srcOrd="0" destOrd="0"/>
+        <dgm:cxn modelId="6" srcId="0" destId="2" srcOrd="1" destOrd="0"/>
+        <dgm:cxn modelId="7" srcId="0" destId="3" srcOrd="2" destOrd="0"/>
+        <dgm:cxn modelId="8" srcId="0" destId="4" srcOrd="3" destOrd="0"/>
+      </dgm:cxnLst>
+      <dgm:bg/>
+      <dgm:whole/>
+    </dgm:dataModel>
+  </dgm:clrData>
+  <dgm:layoutNode name="linearFlow">
+    <dgm:varLst>
+      <dgm:resizeHandles val="exact"/>
+    </dgm:varLst>
+    <dgm:alg type="lin">
+      <dgm:param type="linDir" val="fromT"/>
+    </dgm:alg>
+    <dgm:shape xmlns:r="http://schemas.openxmlformats.org/officeDocument/2006/relationships" r:blip="">
+      <dgm:adjLst/>
+    </dgm:shape>
+    <dgm:presOf/>
+    <dgm:constrLst>
+      <dgm:constr type="h" for="ch" ptType="node" refType="h"/>
+      <dgm:constr type="h" for="ch" ptType="sibTrans" refType="h" refFor="ch" refPtType="node" fact="0.5"/>
+      <dgm:constr type="w" for="ch" ptType="node" op="equ"/>
+      <dgm:constr type="primFontSz" for="ch" ptType="node" op="equ" val="65"/>
+      <dgm:constr type="primFontSz" for="des" forName="connectorText" op="equ" val="55"/>
+      <dgm:constr type="primFontSz" for="des" forName="connectorText" refType="primFontSz" refFor="ch" refPtType="node" op="lte" fact="0.8"/>
+    </dgm:constrLst>
+    <dgm:ruleLst/>
+    <dgm:forEach name="nodesForEach" axis="ch" ptType="node">
+      <dgm:layoutNode name="node">
+        <dgm:varLst>
+          <dgm:bulletEnabled val="1"/>
+        </dgm:varLst>
+        <dgm:choose name="Name0">
+          <dgm:if name="Name1" axis="root des" ptType="all node" func="maxDepth" op="gt" val="1">
+            <dgm:alg type="tx">
+              <dgm:param type="parTxLTRAlign" val="l"/>
+              <dgm:param type="parTxRTLAlign" val="r"/>
+              <dgm:param type="txAnchorVertCh" val="mid"/>
+            </dgm:alg>
+          </dgm:if>
+          <dgm:else name="Name2">
+            <dgm:alg type="tx"/>
+          </dgm:else>
+        </dgm:choose>
+        <dgm:shape xmlns:r="http://schemas.openxmlformats.org/officeDocument/2006/relationships" type="roundRect" r:blip="">
+          <dgm:adjLst>
+            <dgm:adj idx="1" val="0.1"/>
+          </dgm:adjLst>
+        </dgm:shape>
+        <dgm:presOf axis="desOrSelf" ptType="node"/>
+        <dgm:constrLst>
+          <dgm:constr type="w" refType="h" fact="1.8"/>
+          <dgm:constr type="tMarg" refType="primFontSz" fact="0.3"/>
+          <dgm:constr type="bMarg" refType="primFontSz" fact="0.3"/>
+          <dgm:constr type="lMarg" refType="primFontSz" fact="0.3"/>
+          <dgm:constr type="rMarg" refType="primFontSz" fact="0.3"/>
+        </dgm:constrLst>
+        <dgm:ruleLst>
+          <dgm:rule type="primFontSz" val="18" fact="NaN" max="NaN"/>
+          <dgm:rule type="w" val="NaN" fact="4" max="NaN"/>
+          <dgm:rule type="primFontSz" val="5" fact="NaN" max="NaN"/>
+        </dgm:ruleLst>
+      </dgm:layoutNode>
+      <dgm:forEach name="sibTransForEach" axis="followSib" ptType="sibTrans" cnt="1">
+        <dgm:layoutNode name="sibTrans">
+          <dgm:alg type="conn">
+            <dgm:param type="begPts" val="auto"/>
+            <dgm:param type="endPts" val="auto"/>
+          </dgm:alg>
+          <dgm:shape xmlns:r="http://schemas.openxmlformats.org/officeDocument/2006/relationships" type="conn" r:blip="">
+            <dgm:adjLst/>
+          </dgm:shape>
+          <dgm:presOf axis="self"/>
+          <dgm:constrLst>
+            <dgm:constr type="w" refType="h" fact="0.9"/>
+            <dgm:constr type="connDist"/>
+            <dgm:constr type="wArH" refType="w" fact="0.5"/>
+            <dgm:constr type="hArH" refType="w"/>
+            <dgm:constr type="stemThick" refType="w" fact="0.6"/>
+            <dgm:constr type="begPad" refType="connDist" fact="0.125"/>
+            <dgm:constr type="endPad" refType="connDist" fact="0.125"/>
+          </dgm:constrLst>
+          <dgm:ruleLst/>
+          <dgm:layoutNode name="connectorText">
+            <dgm:alg type="tx">
+              <dgm:param type="autoTxRot" val="upr"/>
+            </dgm:alg>
+            <dgm:shape xmlns:r="http://schemas.openxmlformats.org/officeDocument/2006/relationships" type="conn" r:blip="" hideGeom="1">
+              <dgm:adjLst/>
+            </dgm:shape>
+            <dgm:presOf axis="self"/>
+            <dgm:constrLst>
+              <dgm:constr type="lMarg"/>
+              <dgm:constr type="rMarg"/>
+              <dgm:constr type="tMarg"/>
+              <dgm:constr type="bMarg"/>
+            </dgm:constrLst>
+            <dgm:ruleLst>
+              <dgm:rule type="primFontSz" val="5" fact="NaN" max="NaN"/>
+            </dgm:ruleLst>
+          </dgm:layoutNode>
+        </dgm:layoutNode>
+      </dgm:forEach>
+    </dgm:forEach>
+  </dgm:layoutNode>
+</dgm:layoutDef>
+</file>
+
+<file path=ppt/diagrams/layout2.xml><?xml version="1.0" encoding="utf-8"?>
+<dgm:layoutDef xmlns:dgm="http://schemas.openxmlformats.org/drawingml/2006/diagram" xmlns:a="http://schemas.openxmlformats.org/drawingml/2006/main" uniqueId="urn:microsoft.com/office/officeart/2005/8/layout/matrix1">
+  <dgm:title val=""/>
+  <dgm:desc val=""/>
+  <dgm:catLst>
+    <dgm:cat type="matrix" pri="2000"/>
+  </dgm:catLst>
+  <dgm:sampData>
+    <dgm:dataModel>
+      <dgm:ptLst>
+        <dgm:pt modelId="0" type="doc"/>
+        <dgm:pt modelId="1">
+          <dgm:prSet phldr="1"/>
+        </dgm:pt>
+        <dgm:pt modelId="11">
+          <dgm:prSet phldr="1"/>
+        </dgm:pt>
+        <dgm:pt modelId="12">
+          <dgm:prSet phldr="1"/>
+        </dgm:pt>
+        <dgm:pt modelId="13">
+          <dgm:prSet phldr="1"/>
+        </dgm:pt>
+        <dgm:pt modelId="14">
+          <dgm:prSet phldr="1"/>
+        </dgm:pt>
+      </dgm:ptLst>
+      <dgm:cxnLst>
+        <dgm:cxn modelId="2" srcId="0" destId="1" srcOrd="0" destOrd="0"/>
+        <dgm:cxn modelId="3" srcId="1" destId="11" srcOrd="0" destOrd="0"/>
+        <dgm:cxn modelId="4" srcId="1" destId="12" srcOrd="1" destOrd="0"/>
+        <dgm:cxn modelId="5" srcId="1" destId="13" srcOrd="2" destOrd="0"/>
+        <dgm:cxn modelId="6" srcId="1" destId="14" srcOrd="3" destOrd="0"/>
+      </dgm:cxnLst>
+      <dgm:bg/>
+      <dgm:whole/>
+    </dgm:dataModel>
+  </dgm:sampData>
+  <dgm:styleData>
+    <dgm:dataModel>
+      <dgm:ptLst>
+        <dgm:pt modelId="0" type="doc"/>
+        <dgm:pt modelId="1"/>
+        <dgm:pt modelId="11"/>
+        <dgm:pt modelId="12"/>
+        <dgm:pt modelId="13"/>
+        <dgm:pt modelId="14"/>
+      </dgm:ptLst>
+      <dgm:cxnLst>
+        <dgm:cxn modelId="2" srcId="0" destId="1" srcOrd="0" destOrd="0"/>
+        <dgm:cxn modelId="15" srcId="1" destId="11" srcOrd="0" destOrd="0"/>
+        <dgm:cxn modelId="16" srcId="1" destId="12" srcOrd="1" destOrd="0"/>
+        <dgm:cxn modelId="17" srcId="1" destId="13" srcOrd="2" destOrd="0"/>
+        <dgm:cxn modelId="18" srcId="1" destId="14" srcOrd="3" destOrd="0"/>
+      </dgm:cxnLst>
+      <dgm:bg/>
+      <dgm:whole/>
+    </dgm:dataModel>
+  </dgm:styleData>
+  <dgm:clrData>
+    <dgm:dataModel>
+      <dgm:ptLst>
+        <dgm:pt modelId="0" type="doc"/>
+        <dgm:pt modelId="1"/>
+        <dgm:pt modelId="11"/>
+        <dgm:pt modelId="12"/>
+        <dgm:pt modelId="13"/>
+        <dgm:pt modelId="14"/>
+      </dgm:ptLst>
+      <dgm:cxnLst>
+        <dgm:cxn modelId="2" srcId="0" destId="1" srcOrd="0" destOrd="0"/>
+        <dgm:cxn modelId="15" srcId="1" destId="11" srcOrd="0" destOrd="0"/>
+        <dgm:cxn modelId="16" srcId="1" destId="12" srcOrd="1" destOrd="0"/>
+        <dgm:cxn modelId="17" srcId="1" destId="13" srcOrd="2" destOrd="0"/>
+        <dgm:cxn modelId="18" srcId="1" destId="14" srcOrd="3" destOrd="0"/>
+      </dgm:cxnLst>
+      <dgm:bg/>
+      <dgm:whole/>
+    </dgm:dataModel>
+  </dgm:clrData>
+  <dgm:layoutNode name="diagram">
+    <dgm:varLst>
+      <dgm:chMax val="1"/>
+      <dgm:dir/>
+      <dgm:animLvl val="ctr"/>
+      <dgm:resizeHandles val="exact"/>
+    </dgm:varLst>
+    <dgm:alg type="composite"/>
+    <dgm:shape xmlns:r="http://schemas.openxmlformats.org/officeDocument/2006/relationships" r:blip="">
+      <dgm:adjLst/>
+    </dgm:shape>
+    <dgm:presOf/>
+    <dgm:constrLst>
+      <dgm:constr type="ctrX" for="ch" forName="matrix" refType="w" fact="0.5"/>
+      <dgm:constr type="ctrY" for="ch" forName="matrix" refType="h" fact="0.5"/>
+      <dgm:constr type="w" for="ch" forName="matrix" refType="w"/>
+      <dgm:constr type="h" for="ch" forName="matrix" refType="h"/>
+      <dgm:constr type="ctrX" for="ch" forName="centerTile" refType="w" fact="0.5"/>
+      <dgm:constr type="ctrY" for="ch" forName="centerTile" refType="h" fact="0.5"/>
+      <dgm:constr type="w" for="ch" forName="centerTile" refType="w" fact="0.3"/>
+      <dgm:constr type="h" for="ch" forName="centerTile" refType="h" fact="0.25"/>
+      <dgm:constr type="primFontSz" for="des" ptType="node" op="equ" val="65"/>
+    </dgm:constrLst>
+    <dgm:ruleLst/>
+    <dgm:choose name="Name0">
+      <dgm:if name="Name1" axis="ch" ptType="node" func="cnt" op="gte" val="1">
+        <dgm:layoutNode name="matrix">
+          <dgm:alg type="composite"/>
+          <dgm:shape xmlns:r="http://schemas.openxmlformats.org/officeDocument/2006/relationships" r:blip="">
+            <dgm:adjLst/>
+          </dgm:shape>
+          <dgm:presOf/>
+          <dgm:constrLst>
+            <dgm:constr type="l" for="ch" forName="tile1"/>
+            <dgm:constr type="t" for="ch" forName="tile1"/>
+            <dgm:constr type="r" for="ch" forName="tile1" refType="w" fact="0.5"/>
+            <dgm:constr type="b" for="ch" forName="tile1" refType="h" fact="0.5"/>
+            <dgm:constr type="l" for="ch" forName="tile1text" refType="l" refFor="ch" refForName="tile1"/>
+            <dgm:constr type="t" for="ch" forName="tile1text" refType="t" refFor="ch" refForName="tile1"/>
+            <dgm:constr type="w" for="ch" forName="tile1text" refType="w" refFor="ch" refForName="tile1"/>
+            <dgm:constr type="h" for="ch" forName="tile1text" refType="h" refFor="ch" refForName="tile1" fact="0.75"/>
+            <dgm:constr type="r" for="ch" forName="tile2" refType="w"/>
+            <dgm:constr type="t" for="ch" forName="tile2"/>
+            <dgm:constr type="l" for="ch" forName="tile2" refType="w" fact="0.5"/>
+            <dgm:constr type="b" for="ch" forName="tile2" refType="h" fact="0.5"/>
+            <dgm:constr type="r" for="ch" forName="tile2text" refType="r" refFor="ch" refForName="tile2"/>
+            <dgm:constr type="t" for="ch" forName="tile2text" refType="t" refFor="ch" refForName="tile2"/>
+            <dgm:constr type="w" for="ch" forName="tile2text" refType="w" refFor="ch" refForName="tile2"/>
+            <dgm:constr type="h" for="ch" forName="tile2text" refType="h" refFor="ch" refForName="tile2" fact="0.75"/>
+            <dgm:constr type="l" for="ch" forName="tile3"/>
+            <dgm:constr type="b" for="ch" forName="tile3" refType="h"/>
+            <dgm:constr type="r" for="ch" forName="tile3" refType="w" fact="0.5"/>
+            <dgm:constr type="t" for="ch" forName="tile3" refType="h" fact="0.5"/>
+            <dgm:constr type="l" for="ch" forName="tile3text" refType="l" refFor="ch" refForName="tile3"/>
+            <dgm:constr type="b" for="ch" forName="tile3text" refType="b" refFor="ch" refForName="tile3"/>
+            <dgm:constr type="w" for="ch" forName="tile3text" refType="w" refFor="ch" refForName="tile3"/>
+            <dgm:constr type="h" for="ch" forName="tile3text" refType="h" refFor="ch" refForName="tile3" fact="0.75"/>
+            <dgm:constr type="r" for="ch" forName="tile4" refType="w"/>
+            <dgm:constr type="b" for="ch" forName="tile4" refType="h"/>
+            <dgm:constr type="l" for="ch" forName="tile4" refType="w" fact="0.5"/>
+            <dgm:constr type="t" for="ch" forName="tile4" refType="h" fact="0.5"/>
+            <dgm:constr type="r" for="ch" forName="tile4text" refType="r" refFor="ch" refForName="tile4"/>
+            <dgm:constr type="b" for="ch" forName="tile4text" refType="b" refFor="ch" refForName="tile4"/>
+            <dgm:constr type="w" for="ch" forName="tile4text" refType="w" refFor="ch" refForName="tile4"/>
+            <dgm:constr type="h" for="ch" forName="tile4text" refType="h" refFor="ch" refForName="tile4" fact="0.75"/>
+          </dgm:constrLst>
+          <dgm:ruleLst/>
+          <dgm:layoutNode name="tile1" styleLbl="node1">
+            <dgm:alg type="sp"/>
+            <dgm:shape xmlns:r="http://schemas.openxmlformats.org/officeDocument/2006/relationships" rot="270" type="round1Rect" r:blip="">
+              <dgm:adjLst/>
+            </dgm:shape>
+            <dgm:choose name="Name2">
+              <dgm:if name="Name3" func="var" arg="dir" op="equ" val="norm">
+                <dgm:presOf axis="ch ch desOrSelf" ptType="node node node" st="1 1 1" cnt="1 1 0"/>
+              </dgm:if>
+              <dgm:else name="Name4">
+                <dgm:presOf axis="ch ch desOrSelf" ptType="node node node" st="1 2 1" cnt="1 1 0"/>
+              </dgm:else>
+            </dgm:choose>
+            <dgm:constrLst/>
+            <dgm:ruleLst/>
+          </dgm:layoutNode>
+          <dgm:layoutNode name="tile1text" styleLbl="node1">
+            <dgm:varLst>
+              <dgm:chMax val="0"/>
+              <dgm:chPref val="0"/>
+              <dgm:bulletEnabled val="1"/>
+            </dgm:varLst>
+            <dgm:choose name="Name5">
+              <dgm:if name="Name6" axis="root des" func="maxDepth" op="gte" val="3">
+                <dgm:alg type="tx">
+                  <dgm:param type="txAnchorVert" val="t"/>
+                  <dgm:param type="parTxLTRAlign" val="l"/>
+                  <dgm:param type="parTxRTLAlign" val="r"/>
+                </dgm:alg>
+              </dgm:if>
+              <dgm:else name="Name7">
+                <dgm:alg type="tx"/>
+              </dgm:else>
+            </dgm:choose>
+            <dgm:shape xmlns:r="http://schemas.openxmlformats.org/officeDocument/2006/relationships" rot="270" type="rect" r:blip="" hideGeom="1">
+              <dgm:adjLst>
+                <dgm:adj idx="1" val="0.2"/>
+              </dgm:adjLst>
+            </dgm:shape>
+            <dgm:choose name="Name8">
+              <dgm:if name="Name9" func="var" arg="dir" op="equ" val="norm">
+                <dgm:presOf axis="ch ch desOrSelf" ptType="node node node" st="1 1 1" cnt="1 1 0"/>
+              </dgm:if>
+              <dgm:else name="Name10">
+                <dgm:presOf axis="ch ch desOrSelf" ptType="node node node" st="1 2 1" cnt="1 1 0"/>
+              </dgm:else>
+            </dgm:choose>
+            <dgm:constrLst/>
+            <dgm:ruleLst>
+              <dgm:rule type="primFontSz" val="5" fact="NaN" max="NaN"/>
+            </dgm:ruleLst>
+          </dgm:layoutNode>
+          <dgm:layoutNode name="tile2" styleLbl="node1">
+            <dgm:alg type="sp"/>
+            <dgm:shape xmlns:r="http://schemas.openxmlformats.org/officeDocument/2006/relationships" type="round1Rect" r:blip="">
+              <dgm:adjLst/>
+            </dgm:shape>
+            <dgm:choose name="Name11">
+              <dgm:if name="Name12" func="var" arg="dir" op="equ" val="norm">
+                <dgm:presOf axis="ch ch desOrSelf" ptType="node node node" st="1 2 1" cnt="1 1 0"/>
+              </dgm:if>
+              <dgm:else name="Name13">
+                <dgm:presOf axis="ch ch desOrSelf" ptType="node node node" st="1 1 1" cnt="1 1 0"/>
+              </dgm:else>
+            </dgm:choose>
+            <dgm:constrLst/>
+            <dgm:ruleLst/>
+          </dgm:layoutNode>
+          <dgm:layoutNode name="tile2text" styleLbl="node1">
+            <dgm:varLst>
+              <dgm:chMax val="0"/>
+              <dgm:chPref val="0"/>
+              <dgm:bulletEnabled val="1"/>
+            </dgm:varLst>
+            <dgm:choose name="Name14">
+              <dgm:if name="Name15" axis="root des" func="maxDepth" op="gte" val="3">
+                <dgm:alg type="tx">
+                  <dgm:param type="txAnchorVert" val="t"/>
+                  <dgm:param type="parTxLTRAlign" val="l"/>
+                  <dgm:param type="parTxRTLAlign" val="r"/>
+                </dgm:alg>
+              </dgm:if>
+              <dgm:else name="Name16">
+                <dgm:alg type="tx"/>
+              </dgm:else>
+            </dgm:choose>
+            <dgm:shape xmlns:r="http://schemas.openxmlformats.org/officeDocument/2006/relationships" type="rect" r:blip="" hideGeom="1">
+              <dgm:adjLst/>
+            </dgm:shape>
+            <dgm:choose name="Name17">
+              <dgm:if name="Name18" func="var" arg="dir" op="equ" val="norm">
+                <dgm:presOf axis="ch ch desOrSelf" ptType="node node node" st="1 2 1" cnt="1 1 0"/>
+              </dgm:if>
+              <dgm:else name="Name19">
+                <dgm:presOf axis="ch ch desOrSelf" ptType="node node node" st="1 1 1" cnt="1 1 0"/>
+              </dgm:else>
+            </dgm:choose>
+            <dgm:constrLst/>
+            <dgm:ruleLst>
+              <dgm:rule type="primFontSz" val="5" fact="NaN" max="NaN"/>
+            </dgm:ruleLst>
+          </dgm:layoutNode>
+          <dgm:layoutNode name="tile3" styleLbl="node1">
+            <dgm:alg type="sp"/>
+            <dgm:shape xmlns:r="http://schemas.openxmlformats.org/officeDocument/2006/relationships" rot="180" type="round1Rect" r:blip="">
+              <dgm:adjLst/>
+            </dgm:shape>
+            <dgm:choose name="Name20">
+              <dgm:if name="Name21" func="var" arg="dir" op="equ" val="norm">
+                <dgm:presOf axis="ch ch desOrSelf" ptType="node node node" st="1 3 1" cnt="1 1 0"/>
+              </dgm:if>
+              <dgm:else name="Name22">
+                <dgm:presOf axis="ch ch desOrSelf" ptType="node node node" st="1 4 1" cnt="1 1 0"/>
+              </dgm:else>
+            </dgm:choose>
+            <dgm:constrLst/>
+            <dgm:ruleLst/>
+          </dgm:layoutNode>
+          <dgm:layoutNode name="tile3text" styleLbl="node1">
+            <dgm:varLst>
+              <dgm:chMax val="0"/>
+              <dgm:chPref val="0"/>
+              <dgm:bulletEnabled val="1"/>
+            </dgm:varLst>
+            <dgm:choose name="Name23">
+              <dgm:if name="Name24" axis="root des" func="maxDepth" op="gte" val="3">
+                <dgm:alg type="tx">
+                  <dgm:param type="txAnchorVert" val="t"/>
+                  <dgm:param type="parTxLTRAlign" val="l"/>
+                  <dgm:param type="parTxRTLAlign" val="r"/>
+                </dgm:alg>
+              </dgm:if>
+              <dgm:else name="Name25">
+                <dgm:alg type="tx"/>
+              </dgm:else>
+            </dgm:choose>
+            <dgm:shape xmlns:r="http://schemas.openxmlformats.org/officeDocument/2006/relationships" rot="180" type="rect" r:blip="" hideGeom="1">
+              <dgm:adjLst/>
+            </dgm:shape>
+            <dgm:choose name="Name26">
+              <dgm:if name="Name27" func="var" arg="dir" op="equ" val="norm">
+                <dgm:presOf axis="ch ch desOrSelf" ptType="node node node" st="1 3 1" cnt="1 1 0"/>
+              </dgm:if>
+              <dgm:else name="Name28">
+                <dgm:presOf axis="ch ch desOrSelf" ptType="node node node" st="1 4 1" cnt="1 1 0"/>
+              </dgm:else>
+            </dgm:choose>
+            <dgm:constrLst/>
+            <dgm:ruleLst>
+              <dgm:rule type="primFontSz" val="5" fact="NaN" max="NaN"/>
+            </dgm:ruleLst>
+          </dgm:layoutNode>
+          <dgm:layoutNode name="tile4" styleLbl="node1">
+            <dgm:alg type="sp"/>
+            <dgm:shape xmlns:r="http://schemas.openxmlformats.org/officeDocument/2006/relationships" rot="90" type="round1Rect" r:blip="">
+              <dgm:adjLst/>
+            </dgm:shape>
+            <dgm:choose name="Name29">
+              <dgm:if name="Name30" func="var" arg="dir" op="equ" val="norm">
+                <dgm:presOf axis="ch ch desOrSelf" ptType="node node node" st="1 4 1" cnt="1 1 0"/>
+              </dgm:if>
+              <dgm:else name="Name31">
+                <dgm:presOf axis="ch ch desOrSelf" ptType="node node node" st="1 3 1" cnt="1 1 0"/>
+              </dgm:else>
+            </dgm:choose>
+            <dgm:constrLst/>
+            <dgm:ruleLst/>
+          </dgm:layoutNode>
+          <dgm:layoutNode name="tile4text" styleLbl="node1">
+            <dgm:varLst>
+              <dgm:chMax val="0"/>
+              <dgm:chPref val="0"/>
+              <dgm:bulletEnabled val="1"/>
+            </dgm:varLst>
+            <dgm:choose name="Name32">
+              <dgm:if name="Name33" axis="root des" func="maxDepth" op="gte" val="3">
+                <dgm:alg type="tx">
+                  <dgm:param type="txAnchorVert" val="t"/>
+                  <dgm:param type="parTxLTRAlign" val="l"/>
+                  <dgm:param type="parTxRTLAlign" val="r"/>
+                </dgm:alg>
+              </dgm:if>
+              <dgm:else name="Name34">
+                <dgm:alg type="tx"/>
+              </dgm:else>
+            </dgm:choose>
+            <dgm:shape xmlns:r="http://schemas.openxmlformats.org/officeDocument/2006/relationships" rot="90" type="rect" r:blip="" hideGeom="1">
+              <dgm:adjLst/>
+            </dgm:shape>
+            <dgm:choose name="Name35">
+              <dgm:if name="Name36" func="var" arg="dir" op="equ" val="norm">
+                <dgm:presOf axis="ch ch desOrSelf" ptType="node node node" st="1 4 1" cnt="1 1 0"/>
+              </dgm:if>
+              <dgm:else name="Name37">
+                <dgm:presOf axis="ch ch desOrSelf" ptType="node node node" st="1 3 1" cnt="1 1 0"/>
+              </dgm:else>
+            </dgm:choose>
+            <dgm:constrLst/>
+            <dgm:ruleLst>
+              <dgm:rule type="primFontSz" val="5" fact="NaN" max="NaN"/>
+            </dgm:ruleLst>
+          </dgm:layoutNode>
+        </dgm:layoutNode>
+        <dgm:layoutNode name="centerTile" styleLbl="fgShp">
+          <dgm:varLst>
+            <dgm:chMax val="0"/>
+            <dgm:chPref val="0"/>
+          </dgm:varLst>
+          <dgm:alg type="tx"/>
+          <dgm:shape xmlns:r="http://schemas.openxmlformats.org/officeDocument/2006/relationships" type="roundRect" r:blip="">
+            <dgm:adjLst/>
+          </dgm:shape>
+          <dgm:presOf axis="ch" ptType="node" cnt="1"/>
+          <dgm:constrLst>
+            <dgm:constr type="tMarg" refType="primFontSz" fact="0.3"/>
+            <dgm:constr type="bMarg" refType="primFontSz" fact="0.3"/>
+            <dgm:constr type="lMarg" refType="primFontSz" fact="0.3"/>
+            <dgm:constr type="rMarg" refType="primFontSz" fact="0.3"/>
+          </dgm:constrLst>
+          <dgm:ruleLst>
+            <dgm:rule type="primFontSz" val="5" fact="NaN" max="NaN"/>
+          </dgm:ruleLst>
+        </dgm:layoutNode>
+      </dgm:if>
+      <dgm:else name="Name38"/>
+    </dgm:choose>
+  </dgm:layoutNode>
+</dgm:layoutDef>
+</file>
+
+<file path=ppt/diagrams/layout3.xml><?xml version="1.0" encoding="utf-8"?>
 <dgm:layoutDef xmlns:dgm="http://schemas.openxmlformats.org/drawingml/2006/diagram" xmlns:a="http://schemas.openxmlformats.org/drawingml/2006/main" uniqueId="urn:microsoft.com/office/officeart/2005/8/layout/radial4">
   <dgm:title val=""/>
   <dgm:desc val=""/>
@@ -6049,7 +9053,7 @@
 </dgm:layoutDef>
 </file>
 
-<file path=ppt/diagrams/layout2.xml><?xml version="1.0" encoding="utf-8"?>
+<file path=ppt/diagrams/layout4.xml><?xml version="1.0" encoding="utf-8"?>
 <dgm:layoutDef xmlns:dgm="http://schemas.openxmlformats.org/drawingml/2006/diagram" xmlns:a="http://schemas.openxmlformats.org/drawingml/2006/main" uniqueId="urn:microsoft.com/office/officeart/2005/8/layout/vProcess5">
   <dgm:title val=""/>
   <dgm:desc val=""/>
@@ -7275,7 +10279,7 @@
 </dgm:layoutDef>
 </file>
 
-<file path=ppt/diagrams/layout3.xml><?xml version="1.0" encoding="utf-8"?>
+<file path=ppt/diagrams/layout5.xml><?xml version="1.0" encoding="utf-8"?>
 <dgm:layoutDef xmlns:dgm="http://schemas.openxmlformats.org/drawingml/2006/diagram" xmlns:a="http://schemas.openxmlformats.org/drawingml/2006/main" uniqueId="urn:microsoft.com/office/officeart/2005/8/layout/target3">
   <dgm:title val=""/>
   <dgm:desc val=""/>
@@ -12890,6 +15894,2074 @@
 </dgm:styleDef>
 </file>
 
+<file path=ppt/diagrams/quickStyle4.xml><?xml version="1.0" encoding="utf-8"?>
+<dgm:styleDef xmlns:dgm="http://schemas.openxmlformats.org/drawingml/2006/diagram" xmlns:a="http://schemas.openxmlformats.org/drawingml/2006/main" uniqueId="urn:microsoft.com/office/officeart/2005/8/quickstyle/simple1">
+  <dgm:title val=""/>
+  <dgm:desc val=""/>
+  <dgm:catLst>
+    <dgm:cat type="simple" pri="10100"/>
+  </dgm:catLst>
+  <dgm:scene3d>
+    <a:camera prst="orthographicFront"/>
+    <a:lightRig rig="threePt" dir="t"/>
+  </dgm:scene3d>
+  <dgm:styleLbl name="node0">
+    <dgm:scene3d>
+      <a:camera prst="orthographicFront"/>
+      <a:lightRig rig="threePt" dir="t"/>
+    </dgm:scene3d>
+    <dgm:sp3d/>
+    <dgm:txPr/>
+    <dgm:style>
+      <a:lnRef idx="2">
+        <a:scrgbClr r="0" g="0" b="0"/>
+      </a:lnRef>
+      <a:fillRef idx="1">
+        <a:scrgbClr r="0" g="0" b="0"/>
+      </a:fillRef>
+      <a:effectRef idx="0">
+        <a:scrgbClr r="0" g="0" b="0"/>
+      </a:effectRef>
+      <a:fontRef idx="minor">
+        <a:schemeClr val="lt1"/>
+      </a:fontRef>
+    </dgm:style>
+  </dgm:styleLbl>
+  <dgm:styleLbl name="lnNode1">
+    <dgm:scene3d>
+      <a:camera prst="orthographicFront"/>
+      <a:lightRig rig="threePt" dir="t"/>
+    </dgm:scene3d>
+    <dgm:sp3d/>
+    <dgm:txPr/>
+    <dgm:style>
+      <a:lnRef idx="2">
+        <a:scrgbClr r="0" g="0" b="0"/>
+      </a:lnRef>
+      <a:fillRef idx="1">
+        <a:scrgbClr r="0" g="0" b="0"/>
+      </a:fillRef>
+      <a:effectRef idx="0">
+        <a:scrgbClr r="0" g="0" b="0"/>
+      </a:effectRef>
+      <a:fontRef idx="minor">
+        <a:schemeClr val="lt1"/>
+      </a:fontRef>
+    </dgm:style>
+  </dgm:styleLbl>
+  <dgm:styleLbl name="vennNode1">
+    <dgm:scene3d>
+      <a:camera prst="orthographicFront"/>
+      <a:lightRig rig="threePt" dir="t"/>
+    </dgm:scene3d>
+    <dgm:sp3d/>
+    <dgm:txPr/>
+    <dgm:style>
+      <a:lnRef idx="2">
+        <a:scrgbClr r="0" g="0" b="0"/>
+      </a:lnRef>
+      <a:fillRef idx="1">
+        <a:scrgbClr r="0" g="0" b="0"/>
+      </a:fillRef>
+      <a:effectRef idx="0">
+        <a:scrgbClr r="0" g="0" b="0"/>
+      </a:effectRef>
+      <a:fontRef idx="minor">
+        <a:schemeClr val="tx1"/>
+      </a:fontRef>
+    </dgm:style>
+  </dgm:styleLbl>
+  <dgm:styleLbl name="alignNode1">
+    <dgm:scene3d>
+      <a:camera prst="orthographicFront"/>
+      <a:lightRig rig="threePt" dir="t"/>
+    </dgm:scene3d>
+    <dgm:sp3d/>
+    <dgm:txPr/>
+    <dgm:style>
+      <a:lnRef idx="2">
+        <a:scrgbClr r="0" g="0" b="0"/>
+      </a:lnRef>
+      <a:fillRef idx="1">
+        <a:scrgbClr r="0" g="0" b="0"/>
+      </a:fillRef>
+      <a:effectRef idx="0">
+        <a:scrgbClr r="0" g="0" b="0"/>
+      </a:effectRef>
+      <a:fontRef idx="minor">
+        <a:schemeClr val="lt1"/>
+      </a:fontRef>
+    </dgm:style>
+  </dgm:styleLbl>
+  <dgm:styleLbl name="node1">
+    <dgm:scene3d>
+      <a:camera prst="orthographicFront"/>
+      <a:lightRig rig="threePt" dir="t"/>
+    </dgm:scene3d>
+    <dgm:sp3d/>
+    <dgm:txPr/>
+    <dgm:style>
+      <a:lnRef idx="2">
+        <a:scrgbClr r="0" g="0" b="0"/>
+      </a:lnRef>
+      <a:fillRef idx="1">
+        <a:scrgbClr r="0" g="0" b="0"/>
+      </a:fillRef>
+      <a:effectRef idx="0">
+        <a:scrgbClr r="0" g="0" b="0"/>
+      </a:effectRef>
+      <a:fontRef idx="minor">
+        <a:schemeClr val="lt1"/>
+      </a:fontRef>
+    </dgm:style>
+  </dgm:styleLbl>
+  <dgm:styleLbl name="node2">
+    <dgm:scene3d>
+      <a:camera prst="orthographicFront"/>
+      <a:lightRig rig="threePt" dir="t"/>
+    </dgm:scene3d>
+    <dgm:sp3d/>
+    <dgm:txPr/>
+    <dgm:style>
+      <a:lnRef idx="2">
+        <a:scrgbClr r="0" g="0" b="0"/>
+      </a:lnRef>
+      <a:fillRef idx="1">
+        <a:scrgbClr r="0" g="0" b="0"/>
+      </a:fillRef>
+      <a:effectRef idx="0">
+        <a:scrgbClr r="0" g="0" b="0"/>
+      </a:effectRef>
+      <a:fontRef idx="minor">
+        <a:schemeClr val="lt1"/>
+      </a:fontRef>
+    </dgm:style>
+  </dgm:styleLbl>
+  <dgm:styleLbl name="node3">
+    <dgm:scene3d>
+      <a:camera prst="orthographicFront"/>
+      <a:lightRig rig="threePt" dir="t"/>
+    </dgm:scene3d>
+    <dgm:sp3d/>
+    <dgm:txPr/>
+    <dgm:style>
+      <a:lnRef idx="2">
+        <a:scrgbClr r="0" g="0" b="0"/>
+      </a:lnRef>
+      <a:fillRef idx="1">
+        <a:scrgbClr r="0" g="0" b="0"/>
+      </a:fillRef>
+      <a:effectRef idx="0">
+        <a:scrgbClr r="0" g="0" b="0"/>
+      </a:effectRef>
+      <a:fontRef idx="minor">
+        <a:schemeClr val="lt1"/>
+      </a:fontRef>
+    </dgm:style>
+  </dgm:styleLbl>
+  <dgm:styleLbl name="node4">
+    <dgm:scene3d>
+      <a:camera prst="orthographicFront"/>
+      <a:lightRig rig="threePt" dir="t"/>
+    </dgm:scene3d>
+    <dgm:sp3d/>
+    <dgm:txPr/>
+    <dgm:style>
+      <a:lnRef idx="2">
+        <a:scrgbClr r="0" g="0" b="0"/>
+      </a:lnRef>
+      <a:fillRef idx="1">
+        <a:scrgbClr r="0" g="0" b="0"/>
+      </a:fillRef>
+      <a:effectRef idx="0">
+        <a:scrgbClr r="0" g="0" b="0"/>
+      </a:effectRef>
+      <a:fontRef idx="minor">
+        <a:schemeClr val="lt1"/>
+      </a:fontRef>
+    </dgm:style>
+  </dgm:styleLbl>
+  <dgm:styleLbl name="fgImgPlace1">
+    <dgm:scene3d>
+      <a:camera prst="orthographicFront"/>
+      <a:lightRig rig="threePt" dir="t"/>
+    </dgm:scene3d>
+    <dgm:sp3d/>
+    <dgm:txPr/>
+    <dgm:style>
+      <a:lnRef idx="2">
+        <a:scrgbClr r="0" g="0" b="0"/>
+      </a:lnRef>
+      <a:fillRef idx="1">
+        <a:scrgbClr r="0" g="0" b="0"/>
+      </a:fillRef>
+      <a:effectRef idx="0">
+        <a:scrgbClr r="0" g="0" b="0"/>
+      </a:effectRef>
+      <a:fontRef idx="minor"/>
+    </dgm:style>
+  </dgm:styleLbl>
+  <dgm:styleLbl name="alignImgPlace1">
+    <dgm:scene3d>
+      <a:camera prst="orthographicFront"/>
+      <a:lightRig rig="threePt" dir="t"/>
+    </dgm:scene3d>
+    <dgm:sp3d/>
+    <dgm:txPr/>
+    <dgm:style>
+      <a:lnRef idx="2">
+        <a:scrgbClr r="0" g="0" b="0"/>
+      </a:lnRef>
+      <a:fillRef idx="1">
+        <a:scrgbClr r="0" g="0" b="0"/>
+      </a:fillRef>
+      <a:effectRef idx="0">
+        <a:scrgbClr r="0" g="0" b="0"/>
+      </a:effectRef>
+      <a:fontRef idx="minor"/>
+    </dgm:style>
+  </dgm:styleLbl>
+  <dgm:styleLbl name="bgImgPlace1">
+    <dgm:scene3d>
+      <a:camera prst="orthographicFront"/>
+      <a:lightRig rig="threePt" dir="t"/>
+    </dgm:scene3d>
+    <dgm:sp3d/>
+    <dgm:txPr/>
+    <dgm:style>
+      <a:lnRef idx="2">
+        <a:scrgbClr r="0" g="0" b="0"/>
+      </a:lnRef>
+      <a:fillRef idx="1">
+        <a:scrgbClr r="0" g="0" b="0"/>
+      </a:fillRef>
+      <a:effectRef idx="0">
+        <a:scrgbClr r="0" g="0" b="0"/>
+      </a:effectRef>
+      <a:fontRef idx="minor"/>
+    </dgm:style>
+  </dgm:styleLbl>
+  <dgm:styleLbl name="sibTrans2D1">
+    <dgm:scene3d>
+      <a:camera prst="orthographicFront"/>
+      <a:lightRig rig="threePt" dir="t"/>
+    </dgm:scene3d>
+    <dgm:sp3d/>
+    <dgm:txPr/>
+    <dgm:style>
+      <a:lnRef idx="0">
+        <a:scrgbClr r="0" g="0" b="0"/>
+      </a:lnRef>
+      <a:fillRef idx="1">
+        <a:scrgbClr r="0" g="0" b="0"/>
+      </a:fillRef>
+      <a:effectRef idx="0">
+        <a:scrgbClr r="0" g="0" b="0"/>
+      </a:effectRef>
+      <a:fontRef idx="minor">
+        <a:schemeClr val="lt1"/>
+      </a:fontRef>
+    </dgm:style>
+  </dgm:styleLbl>
+  <dgm:styleLbl name="fgSibTrans2D1">
+    <dgm:scene3d>
+      <a:camera prst="orthographicFront"/>
+      <a:lightRig rig="threePt" dir="t"/>
+    </dgm:scene3d>
+    <dgm:sp3d/>
+    <dgm:txPr/>
+    <dgm:style>
+      <a:lnRef idx="0">
+        <a:scrgbClr r="0" g="0" b="0"/>
+      </a:lnRef>
+      <a:fillRef idx="1">
+        <a:scrgbClr r="0" g="0" b="0"/>
+      </a:fillRef>
+      <a:effectRef idx="0">
+        <a:scrgbClr r="0" g="0" b="0"/>
+      </a:effectRef>
+      <a:fontRef idx="minor">
+        <a:schemeClr val="lt1"/>
+      </a:fontRef>
+    </dgm:style>
+  </dgm:styleLbl>
+  <dgm:styleLbl name="bgSibTrans2D1">
+    <dgm:scene3d>
+      <a:camera prst="orthographicFront"/>
+      <a:lightRig rig="threePt" dir="t"/>
+    </dgm:scene3d>
+    <dgm:sp3d/>
+    <dgm:txPr/>
+    <dgm:style>
+      <a:lnRef idx="0">
+        <a:scrgbClr r="0" g="0" b="0"/>
+      </a:lnRef>
+      <a:fillRef idx="1">
+        <a:scrgbClr r="0" g="0" b="0"/>
+      </a:fillRef>
+      <a:effectRef idx="0">
+        <a:scrgbClr r="0" g="0" b="0"/>
+      </a:effectRef>
+      <a:fontRef idx="minor">
+        <a:schemeClr val="lt1"/>
+      </a:fontRef>
+    </dgm:style>
+  </dgm:styleLbl>
+  <dgm:styleLbl name="sibTrans1D1">
+    <dgm:scene3d>
+      <a:camera prst="orthographicFront"/>
+      <a:lightRig rig="threePt" dir="t"/>
+    </dgm:scene3d>
+    <dgm:sp3d/>
+    <dgm:txPr/>
+    <dgm:style>
+      <a:lnRef idx="1">
+        <a:scrgbClr r="0" g="0" b="0"/>
+      </a:lnRef>
+      <a:fillRef idx="0">
+        <a:scrgbClr r="0" g="0" b="0"/>
+      </a:fillRef>
+      <a:effectRef idx="0">
+        <a:scrgbClr r="0" g="0" b="0"/>
+      </a:effectRef>
+      <a:fontRef idx="minor"/>
+    </dgm:style>
+  </dgm:styleLbl>
+  <dgm:styleLbl name="callout">
+    <dgm:scene3d>
+      <a:camera prst="orthographicFront"/>
+      <a:lightRig rig="threePt" dir="t"/>
+    </dgm:scene3d>
+    <dgm:sp3d/>
+    <dgm:txPr/>
+    <dgm:style>
+      <a:lnRef idx="2">
+        <a:scrgbClr r="0" g="0" b="0"/>
+      </a:lnRef>
+      <a:fillRef idx="1">
+        <a:scrgbClr r="0" g="0" b="0"/>
+      </a:fillRef>
+      <a:effectRef idx="0">
+        <a:scrgbClr r="0" g="0" b="0"/>
+      </a:effectRef>
+      <a:fontRef idx="minor"/>
+    </dgm:style>
+  </dgm:styleLbl>
+  <dgm:styleLbl name="asst0">
+    <dgm:scene3d>
+      <a:camera prst="orthographicFront"/>
+      <a:lightRig rig="threePt" dir="t"/>
+    </dgm:scene3d>
+    <dgm:sp3d/>
+    <dgm:txPr/>
+    <dgm:style>
+      <a:lnRef idx="2">
+        <a:scrgbClr r="0" g="0" b="0"/>
+      </a:lnRef>
+      <a:fillRef idx="1">
+        <a:scrgbClr r="0" g="0" b="0"/>
+      </a:fillRef>
+      <a:effectRef idx="0">
+        <a:scrgbClr r="0" g="0" b="0"/>
+      </a:effectRef>
+      <a:fontRef idx="minor">
+        <a:schemeClr val="lt1"/>
+      </a:fontRef>
+    </dgm:style>
+  </dgm:styleLbl>
+  <dgm:styleLbl name="asst1">
+    <dgm:scene3d>
+      <a:camera prst="orthographicFront"/>
+      <a:lightRig rig="threePt" dir="t"/>
+    </dgm:scene3d>
+    <dgm:sp3d/>
+    <dgm:txPr/>
+    <dgm:style>
+      <a:lnRef idx="2">
+        <a:scrgbClr r="0" g="0" b="0"/>
+      </a:lnRef>
+      <a:fillRef idx="1">
+        <a:scrgbClr r="0" g="0" b="0"/>
+      </a:fillRef>
+      <a:effectRef idx="0">
+        <a:scrgbClr r="0" g="0" b="0"/>
+      </a:effectRef>
+      <a:fontRef idx="minor">
+        <a:schemeClr val="lt1"/>
+      </a:fontRef>
+    </dgm:style>
+  </dgm:styleLbl>
+  <dgm:styleLbl name="asst2">
+    <dgm:scene3d>
+      <a:camera prst="orthographicFront"/>
+      <a:lightRig rig="threePt" dir="t"/>
+    </dgm:scene3d>
+    <dgm:sp3d/>
+    <dgm:txPr/>
+    <dgm:style>
+      <a:lnRef idx="2">
+        <a:scrgbClr r="0" g="0" b="0"/>
+      </a:lnRef>
+      <a:fillRef idx="1">
+        <a:scrgbClr r="0" g="0" b="0"/>
+      </a:fillRef>
+      <a:effectRef idx="0">
+        <a:scrgbClr r="0" g="0" b="0"/>
+      </a:effectRef>
+      <a:fontRef idx="minor">
+        <a:schemeClr val="lt1"/>
+      </a:fontRef>
+    </dgm:style>
+  </dgm:styleLbl>
+  <dgm:styleLbl name="asst3">
+    <dgm:scene3d>
+      <a:camera prst="orthographicFront"/>
+      <a:lightRig rig="threePt" dir="t"/>
+    </dgm:scene3d>
+    <dgm:sp3d/>
+    <dgm:txPr/>
+    <dgm:style>
+      <a:lnRef idx="2">
+        <a:scrgbClr r="0" g="0" b="0"/>
+      </a:lnRef>
+      <a:fillRef idx="1">
+        <a:scrgbClr r="0" g="0" b="0"/>
+      </a:fillRef>
+      <a:effectRef idx="0">
+        <a:scrgbClr r="0" g="0" b="0"/>
+      </a:effectRef>
+      <a:fontRef idx="minor">
+        <a:schemeClr val="lt1"/>
+      </a:fontRef>
+    </dgm:style>
+  </dgm:styleLbl>
+  <dgm:styleLbl name="asst4">
+    <dgm:scene3d>
+      <a:camera prst="orthographicFront"/>
+      <a:lightRig rig="threePt" dir="t"/>
+    </dgm:scene3d>
+    <dgm:sp3d/>
+    <dgm:txPr/>
+    <dgm:style>
+      <a:lnRef idx="2">
+        <a:scrgbClr r="0" g="0" b="0"/>
+      </a:lnRef>
+      <a:fillRef idx="1">
+        <a:scrgbClr r="0" g="0" b="0"/>
+      </a:fillRef>
+      <a:effectRef idx="0">
+        <a:scrgbClr r="0" g="0" b="0"/>
+      </a:effectRef>
+      <a:fontRef idx="minor">
+        <a:schemeClr val="lt1"/>
+      </a:fontRef>
+    </dgm:style>
+  </dgm:styleLbl>
+  <dgm:styleLbl name="parChTrans2D1">
+    <dgm:scene3d>
+      <a:camera prst="orthographicFront"/>
+      <a:lightRig rig="threePt" dir="t"/>
+    </dgm:scene3d>
+    <dgm:sp3d/>
+    <dgm:txPr/>
+    <dgm:style>
+      <a:lnRef idx="2">
+        <a:scrgbClr r="0" g="0" b="0"/>
+      </a:lnRef>
+      <a:fillRef idx="1">
+        <a:scrgbClr r="0" g="0" b="0"/>
+      </a:fillRef>
+      <a:effectRef idx="0">
+        <a:scrgbClr r="0" g="0" b="0"/>
+      </a:effectRef>
+      <a:fontRef idx="minor">
+        <a:schemeClr val="lt1"/>
+      </a:fontRef>
+    </dgm:style>
+  </dgm:styleLbl>
+  <dgm:styleLbl name="parChTrans2D2">
+    <dgm:scene3d>
+      <a:camera prst="orthographicFront"/>
+      <a:lightRig rig="threePt" dir="t"/>
+    </dgm:scene3d>
+    <dgm:sp3d/>
+    <dgm:txPr/>
+    <dgm:style>
+      <a:lnRef idx="2">
+        <a:scrgbClr r="0" g="0" b="0"/>
+      </a:lnRef>
+      <a:fillRef idx="1">
+        <a:scrgbClr r="0" g="0" b="0"/>
+      </a:fillRef>
+      <a:effectRef idx="0">
+        <a:scrgbClr r="0" g="0" b="0"/>
+      </a:effectRef>
+      <a:fontRef idx="minor">
+        <a:schemeClr val="lt1"/>
+      </a:fontRef>
+    </dgm:style>
+  </dgm:styleLbl>
+  <dgm:styleLbl name="parChTrans2D3">
+    <dgm:scene3d>
+      <a:camera prst="orthographicFront"/>
+      <a:lightRig rig="threePt" dir="t"/>
+    </dgm:scene3d>
+    <dgm:sp3d/>
+    <dgm:txPr/>
+    <dgm:style>
+      <a:lnRef idx="2">
+        <a:scrgbClr r="0" g="0" b="0"/>
+      </a:lnRef>
+      <a:fillRef idx="1">
+        <a:scrgbClr r="0" g="0" b="0"/>
+      </a:fillRef>
+      <a:effectRef idx="0">
+        <a:scrgbClr r="0" g="0" b="0"/>
+      </a:effectRef>
+      <a:fontRef idx="minor">
+        <a:schemeClr val="lt1"/>
+      </a:fontRef>
+    </dgm:style>
+  </dgm:styleLbl>
+  <dgm:styleLbl name="parChTrans2D4">
+    <dgm:scene3d>
+      <a:camera prst="orthographicFront"/>
+      <a:lightRig rig="threePt" dir="t"/>
+    </dgm:scene3d>
+    <dgm:sp3d/>
+    <dgm:txPr/>
+    <dgm:style>
+      <a:lnRef idx="2">
+        <a:scrgbClr r="0" g="0" b="0"/>
+      </a:lnRef>
+      <a:fillRef idx="1">
+        <a:scrgbClr r="0" g="0" b="0"/>
+      </a:fillRef>
+      <a:effectRef idx="0">
+        <a:scrgbClr r="0" g="0" b="0"/>
+      </a:effectRef>
+      <a:fontRef idx="minor">
+        <a:schemeClr val="lt1"/>
+      </a:fontRef>
+    </dgm:style>
+  </dgm:styleLbl>
+  <dgm:styleLbl name="parChTrans1D1">
+    <dgm:scene3d>
+      <a:camera prst="orthographicFront"/>
+      <a:lightRig rig="threePt" dir="t"/>
+    </dgm:scene3d>
+    <dgm:sp3d/>
+    <dgm:txPr/>
+    <dgm:style>
+      <a:lnRef idx="2">
+        <a:scrgbClr r="0" g="0" b="0"/>
+      </a:lnRef>
+      <a:fillRef idx="0">
+        <a:scrgbClr r="0" g="0" b="0"/>
+      </a:fillRef>
+      <a:effectRef idx="0">
+        <a:scrgbClr r="0" g="0" b="0"/>
+      </a:effectRef>
+      <a:fontRef idx="minor"/>
+    </dgm:style>
+  </dgm:styleLbl>
+  <dgm:styleLbl name="parChTrans1D2">
+    <dgm:scene3d>
+      <a:camera prst="orthographicFront"/>
+      <a:lightRig rig="threePt" dir="t"/>
+    </dgm:scene3d>
+    <dgm:sp3d/>
+    <dgm:txPr/>
+    <dgm:style>
+      <a:lnRef idx="2">
+        <a:scrgbClr r="0" g="0" b="0"/>
+      </a:lnRef>
+      <a:fillRef idx="0">
+        <a:scrgbClr r="0" g="0" b="0"/>
+      </a:fillRef>
+      <a:effectRef idx="0">
+        <a:scrgbClr r="0" g="0" b="0"/>
+      </a:effectRef>
+      <a:fontRef idx="minor"/>
+    </dgm:style>
+  </dgm:styleLbl>
+  <dgm:styleLbl name="parChTrans1D3">
+    <dgm:scene3d>
+      <a:camera prst="orthographicFront"/>
+      <a:lightRig rig="threePt" dir="t"/>
+    </dgm:scene3d>
+    <dgm:sp3d/>
+    <dgm:txPr/>
+    <dgm:style>
+      <a:lnRef idx="2">
+        <a:scrgbClr r="0" g="0" b="0"/>
+      </a:lnRef>
+      <a:fillRef idx="0">
+        <a:scrgbClr r="0" g="0" b="0"/>
+      </a:fillRef>
+      <a:effectRef idx="0">
+        <a:scrgbClr r="0" g="0" b="0"/>
+      </a:effectRef>
+      <a:fontRef idx="minor"/>
+    </dgm:style>
+  </dgm:styleLbl>
+  <dgm:styleLbl name="parChTrans1D4">
+    <dgm:scene3d>
+      <a:camera prst="orthographicFront"/>
+      <a:lightRig rig="threePt" dir="t"/>
+    </dgm:scene3d>
+    <dgm:sp3d/>
+    <dgm:txPr/>
+    <dgm:style>
+      <a:lnRef idx="2">
+        <a:scrgbClr r="0" g="0" b="0"/>
+      </a:lnRef>
+      <a:fillRef idx="0">
+        <a:scrgbClr r="0" g="0" b="0"/>
+      </a:fillRef>
+      <a:effectRef idx="0">
+        <a:scrgbClr r="0" g="0" b="0"/>
+      </a:effectRef>
+      <a:fontRef idx="minor"/>
+    </dgm:style>
+  </dgm:styleLbl>
+  <dgm:styleLbl name="fgAcc1">
+    <dgm:scene3d>
+      <a:camera prst="orthographicFront"/>
+      <a:lightRig rig="threePt" dir="t"/>
+    </dgm:scene3d>
+    <dgm:sp3d/>
+    <dgm:txPr/>
+    <dgm:style>
+      <a:lnRef idx="2">
+        <a:scrgbClr r="0" g="0" b="0"/>
+      </a:lnRef>
+      <a:fillRef idx="1">
+        <a:scrgbClr r="0" g="0" b="0"/>
+      </a:fillRef>
+      <a:effectRef idx="0">
+        <a:scrgbClr r="0" g="0" b="0"/>
+      </a:effectRef>
+      <a:fontRef idx="minor"/>
+    </dgm:style>
+  </dgm:styleLbl>
+  <dgm:styleLbl name="conFgAcc1">
+    <dgm:scene3d>
+      <a:camera prst="orthographicFront"/>
+      <a:lightRig rig="threePt" dir="t"/>
+    </dgm:scene3d>
+    <dgm:sp3d/>
+    <dgm:txPr/>
+    <dgm:style>
+      <a:lnRef idx="2">
+        <a:scrgbClr r="0" g="0" b="0"/>
+      </a:lnRef>
+      <a:fillRef idx="1">
+        <a:scrgbClr r="0" g="0" b="0"/>
+      </a:fillRef>
+      <a:effectRef idx="0">
+        <a:scrgbClr r="0" g="0" b="0"/>
+      </a:effectRef>
+      <a:fontRef idx="minor"/>
+    </dgm:style>
+  </dgm:styleLbl>
+  <dgm:styleLbl name="alignAcc1">
+    <dgm:scene3d>
+      <a:camera prst="orthographicFront"/>
+      <a:lightRig rig="threePt" dir="t"/>
+    </dgm:scene3d>
+    <dgm:sp3d/>
+    <dgm:txPr/>
+    <dgm:style>
+      <a:lnRef idx="2">
+        <a:scrgbClr r="0" g="0" b="0"/>
+      </a:lnRef>
+      <a:fillRef idx="1">
+        <a:scrgbClr r="0" g="0" b="0"/>
+      </a:fillRef>
+      <a:effectRef idx="0">
+        <a:scrgbClr r="0" g="0" b="0"/>
+      </a:effectRef>
+      <a:fontRef idx="minor"/>
+    </dgm:style>
+  </dgm:styleLbl>
+  <dgm:styleLbl name="trAlignAcc1">
+    <dgm:scene3d>
+      <a:camera prst="orthographicFront"/>
+      <a:lightRig rig="threePt" dir="t"/>
+    </dgm:scene3d>
+    <dgm:sp3d/>
+    <dgm:txPr/>
+    <dgm:style>
+      <a:lnRef idx="1">
+        <a:scrgbClr r="0" g="0" b="0"/>
+      </a:lnRef>
+      <a:fillRef idx="1">
+        <a:scrgbClr r="0" g="0" b="0"/>
+      </a:fillRef>
+      <a:effectRef idx="0">
+        <a:scrgbClr r="0" g="0" b="0"/>
+      </a:effectRef>
+      <a:fontRef idx="minor"/>
+    </dgm:style>
+  </dgm:styleLbl>
+  <dgm:styleLbl name="bgAcc1">
+    <dgm:scene3d>
+      <a:camera prst="orthographicFront"/>
+      <a:lightRig rig="threePt" dir="t"/>
+    </dgm:scene3d>
+    <dgm:sp3d/>
+    <dgm:txPr/>
+    <dgm:style>
+      <a:lnRef idx="2">
+        <a:scrgbClr r="0" g="0" b="0"/>
+      </a:lnRef>
+      <a:fillRef idx="1">
+        <a:scrgbClr r="0" g="0" b="0"/>
+      </a:fillRef>
+      <a:effectRef idx="0">
+        <a:scrgbClr r="0" g="0" b="0"/>
+      </a:effectRef>
+      <a:fontRef idx="minor"/>
+    </dgm:style>
+  </dgm:styleLbl>
+  <dgm:styleLbl name="solidFgAcc1">
+    <dgm:scene3d>
+      <a:camera prst="orthographicFront"/>
+      <a:lightRig rig="threePt" dir="t"/>
+    </dgm:scene3d>
+    <dgm:sp3d/>
+    <dgm:txPr/>
+    <dgm:style>
+      <a:lnRef idx="2">
+        <a:scrgbClr r="0" g="0" b="0"/>
+      </a:lnRef>
+      <a:fillRef idx="1">
+        <a:scrgbClr r="0" g="0" b="0"/>
+      </a:fillRef>
+      <a:effectRef idx="0">
+        <a:scrgbClr r="0" g="0" b="0"/>
+      </a:effectRef>
+      <a:fontRef idx="minor"/>
+    </dgm:style>
+  </dgm:styleLbl>
+  <dgm:styleLbl name="solidAlignAcc1">
+    <dgm:scene3d>
+      <a:camera prst="orthographicFront"/>
+      <a:lightRig rig="threePt" dir="t"/>
+    </dgm:scene3d>
+    <dgm:sp3d/>
+    <dgm:txPr/>
+    <dgm:style>
+      <a:lnRef idx="2">
+        <a:scrgbClr r="0" g="0" b="0"/>
+      </a:lnRef>
+      <a:fillRef idx="1">
+        <a:scrgbClr r="0" g="0" b="0"/>
+      </a:fillRef>
+      <a:effectRef idx="0">
+        <a:scrgbClr r="0" g="0" b="0"/>
+      </a:effectRef>
+      <a:fontRef idx="minor"/>
+    </dgm:style>
+  </dgm:styleLbl>
+  <dgm:styleLbl name="solidBgAcc1">
+    <dgm:scene3d>
+      <a:camera prst="orthographicFront"/>
+      <a:lightRig rig="threePt" dir="t"/>
+    </dgm:scene3d>
+    <dgm:sp3d/>
+    <dgm:txPr/>
+    <dgm:style>
+      <a:lnRef idx="2">
+        <a:scrgbClr r="0" g="0" b="0"/>
+      </a:lnRef>
+      <a:fillRef idx="1">
+        <a:scrgbClr r="0" g="0" b="0"/>
+      </a:fillRef>
+      <a:effectRef idx="0">
+        <a:scrgbClr r="0" g="0" b="0"/>
+      </a:effectRef>
+      <a:fontRef idx="minor"/>
+    </dgm:style>
+  </dgm:styleLbl>
+  <dgm:styleLbl name="fgAccFollowNode1">
+    <dgm:scene3d>
+      <a:camera prst="orthographicFront"/>
+      <a:lightRig rig="threePt" dir="t"/>
+    </dgm:scene3d>
+    <dgm:sp3d/>
+    <dgm:txPr/>
+    <dgm:style>
+      <a:lnRef idx="2">
+        <a:scrgbClr r="0" g="0" b="0"/>
+      </a:lnRef>
+      <a:fillRef idx="1">
+        <a:scrgbClr r="0" g="0" b="0"/>
+      </a:fillRef>
+      <a:effectRef idx="0">
+        <a:scrgbClr r="0" g="0" b="0"/>
+      </a:effectRef>
+      <a:fontRef idx="minor"/>
+    </dgm:style>
+  </dgm:styleLbl>
+  <dgm:styleLbl name="alignAccFollowNode1">
+    <dgm:scene3d>
+      <a:camera prst="orthographicFront"/>
+      <a:lightRig rig="threePt" dir="t"/>
+    </dgm:scene3d>
+    <dgm:sp3d/>
+    <dgm:txPr/>
+    <dgm:style>
+      <a:lnRef idx="2">
+        <a:scrgbClr r="0" g="0" b="0"/>
+      </a:lnRef>
+      <a:fillRef idx="1">
+        <a:scrgbClr r="0" g="0" b="0"/>
+      </a:fillRef>
+      <a:effectRef idx="0">
+        <a:scrgbClr r="0" g="0" b="0"/>
+      </a:effectRef>
+      <a:fontRef idx="minor"/>
+    </dgm:style>
+  </dgm:styleLbl>
+  <dgm:styleLbl name="bgAccFollowNode1">
+    <dgm:scene3d>
+      <a:camera prst="orthographicFront"/>
+      <a:lightRig rig="threePt" dir="t"/>
+    </dgm:scene3d>
+    <dgm:sp3d/>
+    <dgm:txPr/>
+    <dgm:style>
+      <a:lnRef idx="2">
+        <a:scrgbClr r="0" g="0" b="0"/>
+      </a:lnRef>
+      <a:fillRef idx="1">
+        <a:scrgbClr r="0" g="0" b="0"/>
+      </a:fillRef>
+      <a:effectRef idx="0">
+        <a:scrgbClr r="0" g="0" b="0"/>
+      </a:effectRef>
+      <a:fontRef idx="minor"/>
+    </dgm:style>
+  </dgm:styleLbl>
+  <dgm:styleLbl name="fgAcc0">
+    <dgm:scene3d>
+      <a:camera prst="orthographicFront"/>
+      <a:lightRig rig="threePt" dir="t"/>
+    </dgm:scene3d>
+    <dgm:sp3d/>
+    <dgm:txPr/>
+    <dgm:style>
+      <a:lnRef idx="2">
+        <a:scrgbClr r="0" g="0" b="0"/>
+      </a:lnRef>
+      <a:fillRef idx="1">
+        <a:scrgbClr r="0" g="0" b="0"/>
+      </a:fillRef>
+      <a:effectRef idx="0">
+        <a:scrgbClr r="0" g="0" b="0"/>
+      </a:effectRef>
+      <a:fontRef idx="minor"/>
+    </dgm:style>
+  </dgm:styleLbl>
+  <dgm:styleLbl name="fgAcc2">
+    <dgm:scene3d>
+      <a:camera prst="orthographicFront"/>
+      <a:lightRig rig="threePt" dir="t"/>
+    </dgm:scene3d>
+    <dgm:sp3d/>
+    <dgm:txPr/>
+    <dgm:style>
+      <a:lnRef idx="2">
+        <a:scrgbClr r="0" g="0" b="0"/>
+      </a:lnRef>
+      <a:fillRef idx="1">
+        <a:scrgbClr r="0" g="0" b="0"/>
+      </a:fillRef>
+      <a:effectRef idx="0">
+        <a:scrgbClr r="0" g="0" b="0"/>
+      </a:effectRef>
+      <a:fontRef idx="minor"/>
+    </dgm:style>
+  </dgm:styleLbl>
+  <dgm:styleLbl name="fgAcc3">
+    <dgm:scene3d>
+      <a:camera prst="orthographicFront"/>
+      <a:lightRig rig="threePt" dir="t"/>
+    </dgm:scene3d>
+    <dgm:sp3d/>
+    <dgm:txPr/>
+    <dgm:style>
+      <a:lnRef idx="2">
+        <a:scrgbClr r="0" g="0" b="0"/>
+      </a:lnRef>
+      <a:fillRef idx="1">
+        <a:scrgbClr r="0" g="0" b="0"/>
+      </a:fillRef>
+      <a:effectRef idx="0">
+        <a:scrgbClr r="0" g="0" b="0"/>
+      </a:effectRef>
+      <a:fontRef idx="minor"/>
+    </dgm:style>
+  </dgm:styleLbl>
+  <dgm:styleLbl name="fgAcc4">
+    <dgm:scene3d>
+      <a:camera prst="orthographicFront"/>
+      <a:lightRig rig="threePt" dir="t"/>
+    </dgm:scene3d>
+    <dgm:sp3d/>
+    <dgm:txPr/>
+    <dgm:style>
+      <a:lnRef idx="2">
+        <a:scrgbClr r="0" g="0" b="0"/>
+      </a:lnRef>
+      <a:fillRef idx="1">
+        <a:scrgbClr r="0" g="0" b="0"/>
+      </a:fillRef>
+      <a:effectRef idx="0">
+        <a:scrgbClr r="0" g="0" b="0"/>
+      </a:effectRef>
+      <a:fontRef idx="minor"/>
+    </dgm:style>
+  </dgm:styleLbl>
+  <dgm:styleLbl name="bgShp">
+    <dgm:scene3d>
+      <a:camera prst="orthographicFront"/>
+      <a:lightRig rig="threePt" dir="t"/>
+    </dgm:scene3d>
+    <dgm:sp3d/>
+    <dgm:txPr/>
+    <dgm:style>
+      <a:lnRef idx="0">
+        <a:scrgbClr r="0" g="0" b="0"/>
+      </a:lnRef>
+      <a:fillRef idx="1">
+        <a:scrgbClr r="0" g="0" b="0"/>
+      </a:fillRef>
+      <a:effectRef idx="0">
+        <a:scrgbClr r="0" g="0" b="0"/>
+      </a:effectRef>
+      <a:fontRef idx="minor"/>
+    </dgm:style>
+  </dgm:styleLbl>
+  <dgm:styleLbl name="dkBgShp">
+    <dgm:scene3d>
+      <a:camera prst="orthographicFront"/>
+      <a:lightRig rig="threePt" dir="t"/>
+    </dgm:scene3d>
+    <dgm:sp3d/>
+    <dgm:txPr/>
+    <dgm:style>
+      <a:lnRef idx="0">
+        <a:scrgbClr r="0" g="0" b="0"/>
+      </a:lnRef>
+      <a:fillRef idx="1">
+        <a:scrgbClr r="0" g="0" b="0"/>
+      </a:fillRef>
+      <a:effectRef idx="0">
+        <a:scrgbClr r="0" g="0" b="0"/>
+      </a:effectRef>
+      <a:fontRef idx="minor"/>
+    </dgm:style>
+  </dgm:styleLbl>
+  <dgm:styleLbl name="trBgShp">
+    <dgm:scene3d>
+      <a:camera prst="orthographicFront"/>
+      <a:lightRig rig="threePt" dir="t"/>
+    </dgm:scene3d>
+    <dgm:sp3d/>
+    <dgm:txPr/>
+    <dgm:style>
+      <a:lnRef idx="0">
+        <a:scrgbClr r="0" g="0" b="0"/>
+      </a:lnRef>
+      <a:fillRef idx="1">
+        <a:scrgbClr r="0" g="0" b="0"/>
+      </a:fillRef>
+      <a:effectRef idx="0">
+        <a:scrgbClr r="0" g="0" b="0"/>
+      </a:effectRef>
+      <a:fontRef idx="minor"/>
+    </dgm:style>
+  </dgm:styleLbl>
+  <dgm:styleLbl name="fgShp">
+    <dgm:scene3d>
+      <a:camera prst="orthographicFront"/>
+      <a:lightRig rig="threePt" dir="t"/>
+    </dgm:scene3d>
+    <dgm:sp3d/>
+    <dgm:txPr/>
+    <dgm:style>
+      <a:lnRef idx="2">
+        <a:scrgbClr r="0" g="0" b="0"/>
+      </a:lnRef>
+      <a:fillRef idx="1">
+        <a:scrgbClr r="0" g="0" b="0"/>
+      </a:fillRef>
+      <a:effectRef idx="0">
+        <a:scrgbClr r="0" g="0" b="0"/>
+      </a:effectRef>
+      <a:fontRef idx="minor"/>
+    </dgm:style>
+  </dgm:styleLbl>
+  <dgm:styleLbl name="revTx">
+    <dgm:scene3d>
+      <a:camera prst="orthographicFront"/>
+      <a:lightRig rig="threePt" dir="t"/>
+    </dgm:scene3d>
+    <dgm:sp3d/>
+    <dgm:txPr/>
+    <dgm:style>
+      <a:lnRef idx="0">
+        <a:scrgbClr r="0" g="0" b="0"/>
+      </a:lnRef>
+      <a:fillRef idx="0">
+        <a:scrgbClr r="0" g="0" b="0"/>
+      </a:fillRef>
+      <a:effectRef idx="0">
+        <a:scrgbClr r="0" g="0" b="0"/>
+      </a:effectRef>
+      <a:fontRef idx="minor"/>
+    </dgm:style>
+  </dgm:styleLbl>
+</dgm:styleDef>
+</file>
+
+<file path=ppt/diagrams/quickStyle5.xml><?xml version="1.0" encoding="utf-8"?>
+<dgm:styleDef xmlns:dgm="http://schemas.openxmlformats.org/drawingml/2006/diagram" xmlns:a="http://schemas.openxmlformats.org/drawingml/2006/main" uniqueId="urn:microsoft.com/office/officeart/2005/8/quickstyle/simple1">
+  <dgm:title val=""/>
+  <dgm:desc val=""/>
+  <dgm:catLst>
+    <dgm:cat type="simple" pri="10100"/>
+  </dgm:catLst>
+  <dgm:scene3d>
+    <a:camera prst="orthographicFront"/>
+    <a:lightRig rig="threePt" dir="t"/>
+  </dgm:scene3d>
+  <dgm:styleLbl name="node0">
+    <dgm:scene3d>
+      <a:camera prst="orthographicFront"/>
+      <a:lightRig rig="threePt" dir="t"/>
+    </dgm:scene3d>
+    <dgm:sp3d/>
+    <dgm:txPr/>
+    <dgm:style>
+      <a:lnRef idx="2">
+        <a:scrgbClr r="0" g="0" b="0"/>
+      </a:lnRef>
+      <a:fillRef idx="1">
+        <a:scrgbClr r="0" g="0" b="0"/>
+      </a:fillRef>
+      <a:effectRef idx="0">
+        <a:scrgbClr r="0" g="0" b="0"/>
+      </a:effectRef>
+      <a:fontRef idx="minor">
+        <a:schemeClr val="lt1"/>
+      </a:fontRef>
+    </dgm:style>
+  </dgm:styleLbl>
+  <dgm:styleLbl name="lnNode1">
+    <dgm:scene3d>
+      <a:camera prst="orthographicFront"/>
+      <a:lightRig rig="threePt" dir="t"/>
+    </dgm:scene3d>
+    <dgm:sp3d/>
+    <dgm:txPr/>
+    <dgm:style>
+      <a:lnRef idx="2">
+        <a:scrgbClr r="0" g="0" b="0"/>
+      </a:lnRef>
+      <a:fillRef idx="1">
+        <a:scrgbClr r="0" g="0" b="0"/>
+      </a:fillRef>
+      <a:effectRef idx="0">
+        <a:scrgbClr r="0" g="0" b="0"/>
+      </a:effectRef>
+      <a:fontRef idx="minor">
+        <a:schemeClr val="lt1"/>
+      </a:fontRef>
+    </dgm:style>
+  </dgm:styleLbl>
+  <dgm:styleLbl name="vennNode1">
+    <dgm:scene3d>
+      <a:camera prst="orthographicFront"/>
+      <a:lightRig rig="threePt" dir="t"/>
+    </dgm:scene3d>
+    <dgm:sp3d/>
+    <dgm:txPr/>
+    <dgm:style>
+      <a:lnRef idx="2">
+        <a:scrgbClr r="0" g="0" b="0"/>
+      </a:lnRef>
+      <a:fillRef idx="1">
+        <a:scrgbClr r="0" g="0" b="0"/>
+      </a:fillRef>
+      <a:effectRef idx="0">
+        <a:scrgbClr r="0" g="0" b="0"/>
+      </a:effectRef>
+      <a:fontRef idx="minor">
+        <a:schemeClr val="tx1"/>
+      </a:fontRef>
+    </dgm:style>
+  </dgm:styleLbl>
+  <dgm:styleLbl name="alignNode1">
+    <dgm:scene3d>
+      <a:camera prst="orthographicFront"/>
+      <a:lightRig rig="threePt" dir="t"/>
+    </dgm:scene3d>
+    <dgm:sp3d/>
+    <dgm:txPr/>
+    <dgm:style>
+      <a:lnRef idx="2">
+        <a:scrgbClr r="0" g="0" b="0"/>
+      </a:lnRef>
+      <a:fillRef idx="1">
+        <a:scrgbClr r="0" g="0" b="0"/>
+      </a:fillRef>
+      <a:effectRef idx="0">
+        <a:scrgbClr r="0" g="0" b="0"/>
+      </a:effectRef>
+      <a:fontRef idx="minor">
+        <a:schemeClr val="lt1"/>
+      </a:fontRef>
+    </dgm:style>
+  </dgm:styleLbl>
+  <dgm:styleLbl name="node1">
+    <dgm:scene3d>
+      <a:camera prst="orthographicFront"/>
+      <a:lightRig rig="threePt" dir="t"/>
+    </dgm:scene3d>
+    <dgm:sp3d/>
+    <dgm:txPr/>
+    <dgm:style>
+      <a:lnRef idx="2">
+        <a:scrgbClr r="0" g="0" b="0"/>
+      </a:lnRef>
+      <a:fillRef idx="1">
+        <a:scrgbClr r="0" g="0" b="0"/>
+      </a:fillRef>
+      <a:effectRef idx="0">
+        <a:scrgbClr r="0" g="0" b="0"/>
+      </a:effectRef>
+      <a:fontRef idx="minor">
+        <a:schemeClr val="lt1"/>
+      </a:fontRef>
+    </dgm:style>
+  </dgm:styleLbl>
+  <dgm:styleLbl name="node2">
+    <dgm:scene3d>
+      <a:camera prst="orthographicFront"/>
+      <a:lightRig rig="threePt" dir="t"/>
+    </dgm:scene3d>
+    <dgm:sp3d/>
+    <dgm:txPr/>
+    <dgm:style>
+      <a:lnRef idx="2">
+        <a:scrgbClr r="0" g="0" b="0"/>
+      </a:lnRef>
+      <a:fillRef idx="1">
+        <a:scrgbClr r="0" g="0" b="0"/>
+      </a:fillRef>
+      <a:effectRef idx="0">
+        <a:scrgbClr r="0" g="0" b="0"/>
+      </a:effectRef>
+      <a:fontRef idx="minor">
+        <a:schemeClr val="lt1"/>
+      </a:fontRef>
+    </dgm:style>
+  </dgm:styleLbl>
+  <dgm:styleLbl name="node3">
+    <dgm:scene3d>
+      <a:camera prst="orthographicFront"/>
+      <a:lightRig rig="threePt" dir="t"/>
+    </dgm:scene3d>
+    <dgm:sp3d/>
+    <dgm:txPr/>
+    <dgm:style>
+      <a:lnRef idx="2">
+        <a:scrgbClr r="0" g="0" b="0"/>
+      </a:lnRef>
+      <a:fillRef idx="1">
+        <a:scrgbClr r="0" g="0" b="0"/>
+      </a:fillRef>
+      <a:effectRef idx="0">
+        <a:scrgbClr r="0" g="0" b="0"/>
+      </a:effectRef>
+      <a:fontRef idx="minor">
+        <a:schemeClr val="lt1"/>
+      </a:fontRef>
+    </dgm:style>
+  </dgm:styleLbl>
+  <dgm:styleLbl name="node4">
+    <dgm:scene3d>
+      <a:camera prst="orthographicFront"/>
+      <a:lightRig rig="threePt" dir="t"/>
+    </dgm:scene3d>
+    <dgm:sp3d/>
+    <dgm:txPr/>
+    <dgm:style>
+      <a:lnRef idx="2">
+        <a:scrgbClr r="0" g="0" b="0"/>
+      </a:lnRef>
+      <a:fillRef idx="1">
+        <a:scrgbClr r="0" g="0" b="0"/>
+      </a:fillRef>
+      <a:effectRef idx="0">
+        <a:scrgbClr r="0" g="0" b="0"/>
+      </a:effectRef>
+      <a:fontRef idx="minor">
+        <a:schemeClr val="lt1"/>
+      </a:fontRef>
+    </dgm:style>
+  </dgm:styleLbl>
+  <dgm:styleLbl name="fgImgPlace1">
+    <dgm:scene3d>
+      <a:camera prst="orthographicFront"/>
+      <a:lightRig rig="threePt" dir="t"/>
+    </dgm:scene3d>
+    <dgm:sp3d/>
+    <dgm:txPr/>
+    <dgm:style>
+      <a:lnRef idx="2">
+        <a:scrgbClr r="0" g="0" b="0"/>
+      </a:lnRef>
+      <a:fillRef idx="1">
+        <a:scrgbClr r="0" g="0" b="0"/>
+      </a:fillRef>
+      <a:effectRef idx="0">
+        <a:scrgbClr r="0" g="0" b="0"/>
+      </a:effectRef>
+      <a:fontRef idx="minor"/>
+    </dgm:style>
+  </dgm:styleLbl>
+  <dgm:styleLbl name="alignImgPlace1">
+    <dgm:scene3d>
+      <a:camera prst="orthographicFront"/>
+      <a:lightRig rig="threePt" dir="t"/>
+    </dgm:scene3d>
+    <dgm:sp3d/>
+    <dgm:txPr/>
+    <dgm:style>
+      <a:lnRef idx="2">
+        <a:scrgbClr r="0" g="0" b="0"/>
+      </a:lnRef>
+      <a:fillRef idx="1">
+        <a:scrgbClr r="0" g="0" b="0"/>
+      </a:fillRef>
+      <a:effectRef idx="0">
+        <a:scrgbClr r="0" g="0" b="0"/>
+      </a:effectRef>
+      <a:fontRef idx="minor"/>
+    </dgm:style>
+  </dgm:styleLbl>
+  <dgm:styleLbl name="bgImgPlace1">
+    <dgm:scene3d>
+      <a:camera prst="orthographicFront"/>
+      <a:lightRig rig="threePt" dir="t"/>
+    </dgm:scene3d>
+    <dgm:sp3d/>
+    <dgm:txPr/>
+    <dgm:style>
+      <a:lnRef idx="2">
+        <a:scrgbClr r="0" g="0" b="0"/>
+      </a:lnRef>
+      <a:fillRef idx="1">
+        <a:scrgbClr r="0" g="0" b="0"/>
+      </a:fillRef>
+      <a:effectRef idx="0">
+        <a:scrgbClr r="0" g="0" b="0"/>
+      </a:effectRef>
+      <a:fontRef idx="minor"/>
+    </dgm:style>
+  </dgm:styleLbl>
+  <dgm:styleLbl name="sibTrans2D1">
+    <dgm:scene3d>
+      <a:camera prst="orthographicFront"/>
+      <a:lightRig rig="threePt" dir="t"/>
+    </dgm:scene3d>
+    <dgm:sp3d/>
+    <dgm:txPr/>
+    <dgm:style>
+      <a:lnRef idx="0">
+        <a:scrgbClr r="0" g="0" b="0"/>
+      </a:lnRef>
+      <a:fillRef idx="1">
+        <a:scrgbClr r="0" g="0" b="0"/>
+      </a:fillRef>
+      <a:effectRef idx="0">
+        <a:scrgbClr r="0" g="0" b="0"/>
+      </a:effectRef>
+      <a:fontRef idx="minor">
+        <a:schemeClr val="lt1"/>
+      </a:fontRef>
+    </dgm:style>
+  </dgm:styleLbl>
+  <dgm:styleLbl name="fgSibTrans2D1">
+    <dgm:scene3d>
+      <a:camera prst="orthographicFront"/>
+      <a:lightRig rig="threePt" dir="t"/>
+    </dgm:scene3d>
+    <dgm:sp3d/>
+    <dgm:txPr/>
+    <dgm:style>
+      <a:lnRef idx="0">
+        <a:scrgbClr r="0" g="0" b="0"/>
+      </a:lnRef>
+      <a:fillRef idx="1">
+        <a:scrgbClr r="0" g="0" b="0"/>
+      </a:fillRef>
+      <a:effectRef idx="0">
+        <a:scrgbClr r="0" g="0" b="0"/>
+      </a:effectRef>
+      <a:fontRef idx="minor">
+        <a:schemeClr val="lt1"/>
+      </a:fontRef>
+    </dgm:style>
+  </dgm:styleLbl>
+  <dgm:styleLbl name="bgSibTrans2D1">
+    <dgm:scene3d>
+      <a:camera prst="orthographicFront"/>
+      <a:lightRig rig="threePt" dir="t"/>
+    </dgm:scene3d>
+    <dgm:sp3d/>
+    <dgm:txPr/>
+    <dgm:style>
+      <a:lnRef idx="0">
+        <a:scrgbClr r="0" g="0" b="0"/>
+      </a:lnRef>
+      <a:fillRef idx="1">
+        <a:scrgbClr r="0" g="0" b="0"/>
+      </a:fillRef>
+      <a:effectRef idx="0">
+        <a:scrgbClr r="0" g="0" b="0"/>
+      </a:effectRef>
+      <a:fontRef idx="minor">
+        <a:schemeClr val="lt1"/>
+      </a:fontRef>
+    </dgm:style>
+  </dgm:styleLbl>
+  <dgm:styleLbl name="sibTrans1D1">
+    <dgm:scene3d>
+      <a:camera prst="orthographicFront"/>
+      <a:lightRig rig="threePt" dir="t"/>
+    </dgm:scene3d>
+    <dgm:sp3d/>
+    <dgm:txPr/>
+    <dgm:style>
+      <a:lnRef idx="1">
+        <a:scrgbClr r="0" g="0" b="0"/>
+      </a:lnRef>
+      <a:fillRef idx="0">
+        <a:scrgbClr r="0" g="0" b="0"/>
+      </a:fillRef>
+      <a:effectRef idx="0">
+        <a:scrgbClr r="0" g="0" b="0"/>
+      </a:effectRef>
+      <a:fontRef idx="minor"/>
+    </dgm:style>
+  </dgm:styleLbl>
+  <dgm:styleLbl name="callout">
+    <dgm:scene3d>
+      <a:camera prst="orthographicFront"/>
+      <a:lightRig rig="threePt" dir="t"/>
+    </dgm:scene3d>
+    <dgm:sp3d/>
+    <dgm:txPr/>
+    <dgm:style>
+      <a:lnRef idx="2">
+        <a:scrgbClr r="0" g="0" b="0"/>
+      </a:lnRef>
+      <a:fillRef idx="1">
+        <a:scrgbClr r="0" g="0" b="0"/>
+      </a:fillRef>
+      <a:effectRef idx="0">
+        <a:scrgbClr r="0" g="0" b="0"/>
+      </a:effectRef>
+      <a:fontRef idx="minor"/>
+    </dgm:style>
+  </dgm:styleLbl>
+  <dgm:styleLbl name="asst0">
+    <dgm:scene3d>
+      <a:camera prst="orthographicFront"/>
+      <a:lightRig rig="threePt" dir="t"/>
+    </dgm:scene3d>
+    <dgm:sp3d/>
+    <dgm:txPr/>
+    <dgm:style>
+      <a:lnRef idx="2">
+        <a:scrgbClr r="0" g="0" b="0"/>
+      </a:lnRef>
+      <a:fillRef idx="1">
+        <a:scrgbClr r="0" g="0" b="0"/>
+      </a:fillRef>
+      <a:effectRef idx="0">
+        <a:scrgbClr r="0" g="0" b="0"/>
+      </a:effectRef>
+      <a:fontRef idx="minor">
+        <a:schemeClr val="lt1"/>
+      </a:fontRef>
+    </dgm:style>
+  </dgm:styleLbl>
+  <dgm:styleLbl name="asst1">
+    <dgm:scene3d>
+      <a:camera prst="orthographicFront"/>
+      <a:lightRig rig="threePt" dir="t"/>
+    </dgm:scene3d>
+    <dgm:sp3d/>
+    <dgm:txPr/>
+    <dgm:style>
+      <a:lnRef idx="2">
+        <a:scrgbClr r="0" g="0" b="0"/>
+      </a:lnRef>
+      <a:fillRef idx="1">
+        <a:scrgbClr r="0" g="0" b="0"/>
+      </a:fillRef>
+      <a:effectRef idx="0">
+        <a:scrgbClr r="0" g="0" b="0"/>
+      </a:effectRef>
+      <a:fontRef idx="minor">
+        <a:schemeClr val="lt1"/>
+      </a:fontRef>
+    </dgm:style>
+  </dgm:styleLbl>
+  <dgm:styleLbl name="asst2">
+    <dgm:scene3d>
+      <a:camera prst="orthographicFront"/>
+      <a:lightRig rig="threePt" dir="t"/>
+    </dgm:scene3d>
+    <dgm:sp3d/>
+    <dgm:txPr/>
+    <dgm:style>
+      <a:lnRef idx="2">
+        <a:scrgbClr r="0" g="0" b="0"/>
+      </a:lnRef>
+      <a:fillRef idx="1">
+        <a:scrgbClr r="0" g="0" b="0"/>
+      </a:fillRef>
+      <a:effectRef idx="0">
+        <a:scrgbClr r="0" g="0" b="0"/>
+      </a:effectRef>
+      <a:fontRef idx="minor">
+        <a:schemeClr val="lt1"/>
+      </a:fontRef>
+    </dgm:style>
+  </dgm:styleLbl>
+  <dgm:styleLbl name="asst3">
+    <dgm:scene3d>
+      <a:camera prst="orthographicFront"/>
+      <a:lightRig rig="threePt" dir="t"/>
+    </dgm:scene3d>
+    <dgm:sp3d/>
+    <dgm:txPr/>
+    <dgm:style>
+      <a:lnRef idx="2">
+        <a:scrgbClr r="0" g="0" b="0"/>
+      </a:lnRef>
+      <a:fillRef idx="1">
+        <a:scrgbClr r="0" g="0" b="0"/>
+      </a:fillRef>
+      <a:effectRef idx="0">
+        <a:scrgbClr r="0" g="0" b="0"/>
+      </a:effectRef>
+      <a:fontRef idx="minor">
+        <a:schemeClr val="lt1"/>
+      </a:fontRef>
+    </dgm:style>
+  </dgm:styleLbl>
+  <dgm:styleLbl name="asst4">
+    <dgm:scene3d>
+      <a:camera prst="orthographicFront"/>
+      <a:lightRig rig="threePt" dir="t"/>
+    </dgm:scene3d>
+    <dgm:sp3d/>
+    <dgm:txPr/>
+    <dgm:style>
+      <a:lnRef idx="2">
+        <a:scrgbClr r="0" g="0" b="0"/>
+      </a:lnRef>
+      <a:fillRef idx="1">
+        <a:scrgbClr r="0" g="0" b="0"/>
+      </a:fillRef>
+      <a:effectRef idx="0">
+        <a:scrgbClr r="0" g="0" b="0"/>
+      </a:effectRef>
+      <a:fontRef idx="minor">
+        <a:schemeClr val="lt1"/>
+      </a:fontRef>
+    </dgm:style>
+  </dgm:styleLbl>
+  <dgm:styleLbl name="parChTrans2D1">
+    <dgm:scene3d>
+      <a:camera prst="orthographicFront"/>
+      <a:lightRig rig="threePt" dir="t"/>
+    </dgm:scene3d>
+    <dgm:sp3d/>
+    <dgm:txPr/>
+    <dgm:style>
+      <a:lnRef idx="2">
+        <a:scrgbClr r="0" g="0" b="0"/>
+      </a:lnRef>
+      <a:fillRef idx="1">
+        <a:scrgbClr r="0" g="0" b="0"/>
+      </a:fillRef>
+      <a:effectRef idx="0">
+        <a:scrgbClr r="0" g="0" b="0"/>
+      </a:effectRef>
+      <a:fontRef idx="minor">
+        <a:schemeClr val="lt1"/>
+      </a:fontRef>
+    </dgm:style>
+  </dgm:styleLbl>
+  <dgm:styleLbl name="parChTrans2D2">
+    <dgm:scene3d>
+      <a:camera prst="orthographicFront"/>
+      <a:lightRig rig="threePt" dir="t"/>
+    </dgm:scene3d>
+    <dgm:sp3d/>
+    <dgm:txPr/>
+    <dgm:style>
+      <a:lnRef idx="2">
+        <a:scrgbClr r="0" g="0" b="0"/>
+      </a:lnRef>
+      <a:fillRef idx="1">
+        <a:scrgbClr r="0" g="0" b="0"/>
+      </a:fillRef>
+      <a:effectRef idx="0">
+        <a:scrgbClr r="0" g="0" b="0"/>
+      </a:effectRef>
+      <a:fontRef idx="minor">
+        <a:schemeClr val="lt1"/>
+      </a:fontRef>
+    </dgm:style>
+  </dgm:styleLbl>
+  <dgm:styleLbl name="parChTrans2D3">
+    <dgm:scene3d>
+      <a:camera prst="orthographicFront"/>
+      <a:lightRig rig="threePt" dir="t"/>
+    </dgm:scene3d>
+    <dgm:sp3d/>
+    <dgm:txPr/>
+    <dgm:style>
+      <a:lnRef idx="2">
+        <a:scrgbClr r="0" g="0" b="0"/>
+      </a:lnRef>
+      <a:fillRef idx="1">
+        <a:scrgbClr r="0" g="0" b="0"/>
+      </a:fillRef>
+      <a:effectRef idx="0">
+        <a:scrgbClr r="0" g="0" b="0"/>
+      </a:effectRef>
+      <a:fontRef idx="minor">
+        <a:schemeClr val="lt1"/>
+      </a:fontRef>
+    </dgm:style>
+  </dgm:styleLbl>
+  <dgm:styleLbl name="parChTrans2D4">
+    <dgm:scene3d>
+      <a:camera prst="orthographicFront"/>
+      <a:lightRig rig="threePt" dir="t"/>
+    </dgm:scene3d>
+    <dgm:sp3d/>
+    <dgm:txPr/>
+    <dgm:style>
+      <a:lnRef idx="2">
+        <a:scrgbClr r="0" g="0" b="0"/>
+      </a:lnRef>
+      <a:fillRef idx="1">
+        <a:scrgbClr r="0" g="0" b="0"/>
+      </a:fillRef>
+      <a:effectRef idx="0">
+        <a:scrgbClr r="0" g="0" b="0"/>
+      </a:effectRef>
+      <a:fontRef idx="minor">
+        <a:schemeClr val="lt1"/>
+      </a:fontRef>
+    </dgm:style>
+  </dgm:styleLbl>
+  <dgm:styleLbl name="parChTrans1D1">
+    <dgm:scene3d>
+      <a:camera prst="orthographicFront"/>
+      <a:lightRig rig="threePt" dir="t"/>
+    </dgm:scene3d>
+    <dgm:sp3d/>
+    <dgm:txPr/>
+    <dgm:style>
+      <a:lnRef idx="2">
+        <a:scrgbClr r="0" g="0" b="0"/>
+      </a:lnRef>
+      <a:fillRef idx="0">
+        <a:scrgbClr r="0" g="0" b="0"/>
+      </a:fillRef>
+      <a:effectRef idx="0">
+        <a:scrgbClr r="0" g="0" b="0"/>
+      </a:effectRef>
+      <a:fontRef idx="minor"/>
+    </dgm:style>
+  </dgm:styleLbl>
+  <dgm:styleLbl name="parChTrans1D2">
+    <dgm:scene3d>
+      <a:camera prst="orthographicFront"/>
+      <a:lightRig rig="threePt" dir="t"/>
+    </dgm:scene3d>
+    <dgm:sp3d/>
+    <dgm:txPr/>
+    <dgm:style>
+      <a:lnRef idx="2">
+        <a:scrgbClr r="0" g="0" b="0"/>
+      </a:lnRef>
+      <a:fillRef idx="0">
+        <a:scrgbClr r="0" g="0" b="0"/>
+      </a:fillRef>
+      <a:effectRef idx="0">
+        <a:scrgbClr r="0" g="0" b="0"/>
+      </a:effectRef>
+      <a:fontRef idx="minor"/>
+    </dgm:style>
+  </dgm:styleLbl>
+  <dgm:styleLbl name="parChTrans1D3">
+    <dgm:scene3d>
+      <a:camera prst="orthographicFront"/>
+      <a:lightRig rig="threePt" dir="t"/>
+    </dgm:scene3d>
+    <dgm:sp3d/>
+    <dgm:txPr/>
+    <dgm:style>
+      <a:lnRef idx="2">
+        <a:scrgbClr r="0" g="0" b="0"/>
+      </a:lnRef>
+      <a:fillRef idx="0">
+        <a:scrgbClr r="0" g="0" b="0"/>
+      </a:fillRef>
+      <a:effectRef idx="0">
+        <a:scrgbClr r="0" g="0" b="0"/>
+      </a:effectRef>
+      <a:fontRef idx="minor"/>
+    </dgm:style>
+  </dgm:styleLbl>
+  <dgm:styleLbl name="parChTrans1D4">
+    <dgm:scene3d>
+      <a:camera prst="orthographicFront"/>
+      <a:lightRig rig="threePt" dir="t"/>
+    </dgm:scene3d>
+    <dgm:sp3d/>
+    <dgm:txPr/>
+    <dgm:style>
+      <a:lnRef idx="2">
+        <a:scrgbClr r="0" g="0" b="0"/>
+      </a:lnRef>
+      <a:fillRef idx="0">
+        <a:scrgbClr r="0" g="0" b="0"/>
+      </a:fillRef>
+      <a:effectRef idx="0">
+        <a:scrgbClr r="0" g="0" b="0"/>
+      </a:effectRef>
+      <a:fontRef idx="minor"/>
+    </dgm:style>
+  </dgm:styleLbl>
+  <dgm:styleLbl name="fgAcc1">
+    <dgm:scene3d>
+      <a:camera prst="orthographicFront"/>
+      <a:lightRig rig="threePt" dir="t"/>
+    </dgm:scene3d>
+    <dgm:sp3d/>
+    <dgm:txPr/>
+    <dgm:style>
+      <a:lnRef idx="2">
+        <a:scrgbClr r="0" g="0" b="0"/>
+      </a:lnRef>
+      <a:fillRef idx="1">
+        <a:scrgbClr r="0" g="0" b="0"/>
+      </a:fillRef>
+      <a:effectRef idx="0">
+        <a:scrgbClr r="0" g="0" b="0"/>
+      </a:effectRef>
+      <a:fontRef idx="minor"/>
+    </dgm:style>
+  </dgm:styleLbl>
+  <dgm:styleLbl name="conFgAcc1">
+    <dgm:scene3d>
+      <a:camera prst="orthographicFront"/>
+      <a:lightRig rig="threePt" dir="t"/>
+    </dgm:scene3d>
+    <dgm:sp3d/>
+    <dgm:txPr/>
+    <dgm:style>
+      <a:lnRef idx="2">
+        <a:scrgbClr r="0" g="0" b="0"/>
+      </a:lnRef>
+      <a:fillRef idx="1">
+        <a:scrgbClr r="0" g="0" b="0"/>
+      </a:fillRef>
+      <a:effectRef idx="0">
+        <a:scrgbClr r="0" g="0" b="0"/>
+      </a:effectRef>
+      <a:fontRef idx="minor"/>
+    </dgm:style>
+  </dgm:styleLbl>
+  <dgm:styleLbl name="alignAcc1">
+    <dgm:scene3d>
+      <a:camera prst="orthographicFront"/>
+      <a:lightRig rig="threePt" dir="t"/>
+    </dgm:scene3d>
+    <dgm:sp3d/>
+    <dgm:txPr/>
+    <dgm:style>
+      <a:lnRef idx="2">
+        <a:scrgbClr r="0" g="0" b="0"/>
+      </a:lnRef>
+      <a:fillRef idx="1">
+        <a:scrgbClr r="0" g="0" b="0"/>
+      </a:fillRef>
+      <a:effectRef idx="0">
+        <a:scrgbClr r="0" g="0" b="0"/>
+      </a:effectRef>
+      <a:fontRef idx="minor"/>
+    </dgm:style>
+  </dgm:styleLbl>
+  <dgm:styleLbl name="trAlignAcc1">
+    <dgm:scene3d>
+      <a:camera prst="orthographicFront"/>
+      <a:lightRig rig="threePt" dir="t"/>
+    </dgm:scene3d>
+    <dgm:sp3d/>
+    <dgm:txPr/>
+    <dgm:style>
+      <a:lnRef idx="1">
+        <a:scrgbClr r="0" g="0" b="0"/>
+      </a:lnRef>
+      <a:fillRef idx="1">
+        <a:scrgbClr r="0" g="0" b="0"/>
+      </a:fillRef>
+      <a:effectRef idx="0">
+        <a:scrgbClr r="0" g="0" b="0"/>
+      </a:effectRef>
+      <a:fontRef idx="minor"/>
+    </dgm:style>
+  </dgm:styleLbl>
+  <dgm:styleLbl name="bgAcc1">
+    <dgm:scene3d>
+      <a:camera prst="orthographicFront"/>
+      <a:lightRig rig="threePt" dir="t"/>
+    </dgm:scene3d>
+    <dgm:sp3d/>
+    <dgm:txPr/>
+    <dgm:style>
+      <a:lnRef idx="2">
+        <a:scrgbClr r="0" g="0" b="0"/>
+      </a:lnRef>
+      <a:fillRef idx="1">
+        <a:scrgbClr r="0" g="0" b="0"/>
+      </a:fillRef>
+      <a:effectRef idx="0">
+        <a:scrgbClr r="0" g="0" b="0"/>
+      </a:effectRef>
+      <a:fontRef idx="minor"/>
+    </dgm:style>
+  </dgm:styleLbl>
+  <dgm:styleLbl name="solidFgAcc1">
+    <dgm:scene3d>
+      <a:camera prst="orthographicFront"/>
+      <a:lightRig rig="threePt" dir="t"/>
+    </dgm:scene3d>
+    <dgm:sp3d/>
+    <dgm:txPr/>
+    <dgm:style>
+      <a:lnRef idx="2">
+        <a:scrgbClr r="0" g="0" b="0"/>
+      </a:lnRef>
+      <a:fillRef idx="1">
+        <a:scrgbClr r="0" g="0" b="0"/>
+      </a:fillRef>
+      <a:effectRef idx="0">
+        <a:scrgbClr r="0" g="0" b="0"/>
+      </a:effectRef>
+      <a:fontRef idx="minor"/>
+    </dgm:style>
+  </dgm:styleLbl>
+  <dgm:styleLbl name="solidAlignAcc1">
+    <dgm:scene3d>
+      <a:camera prst="orthographicFront"/>
+      <a:lightRig rig="threePt" dir="t"/>
+    </dgm:scene3d>
+    <dgm:sp3d/>
+    <dgm:txPr/>
+    <dgm:style>
+      <a:lnRef idx="2">
+        <a:scrgbClr r="0" g="0" b="0"/>
+      </a:lnRef>
+      <a:fillRef idx="1">
+        <a:scrgbClr r="0" g="0" b="0"/>
+      </a:fillRef>
+      <a:effectRef idx="0">
+        <a:scrgbClr r="0" g="0" b="0"/>
+      </a:effectRef>
+      <a:fontRef idx="minor"/>
+    </dgm:style>
+  </dgm:styleLbl>
+  <dgm:styleLbl name="solidBgAcc1">
+    <dgm:scene3d>
+      <a:camera prst="orthographicFront"/>
+      <a:lightRig rig="threePt" dir="t"/>
+    </dgm:scene3d>
+    <dgm:sp3d/>
+    <dgm:txPr/>
+    <dgm:style>
+      <a:lnRef idx="2">
+        <a:scrgbClr r="0" g="0" b="0"/>
+      </a:lnRef>
+      <a:fillRef idx="1">
+        <a:scrgbClr r="0" g="0" b="0"/>
+      </a:fillRef>
+      <a:effectRef idx="0">
+        <a:scrgbClr r="0" g="0" b="0"/>
+      </a:effectRef>
+      <a:fontRef idx="minor"/>
+    </dgm:style>
+  </dgm:styleLbl>
+  <dgm:styleLbl name="fgAccFollowNode1">
+    <dgm:scene3d>
+      <a:camera prst="orthographicFront"/>
+      <a:lightRig rig="threePt" dir="t"/>
+    </dgm:scene3d>
+    <dgm:sp3d/>
+    <dgm:txPr/>
+    <dgm:style>
+      <a:lnRef idx="2">
+        <a:scrgbClr r="0" g="0" b="0"/>
+      </a:lnRef>
+      <a:fillRef idx="1">
+        <a:scrgbClr r="0" g="0" b="0"/>
+      </a:fillRef>
+      <a:effectRef idx="0">
+        <a:scrgbClr r="0" g="0" b="0"/>
+      </a:effectRef>
+      <a:fontRef idx="minor"/>
+    </dgm:style>
+  </dgm:styleLbl>
+  <dgm:styleLbl name="alignAccFollowNode1">
+    <dgm:scene3d>
+      <a:camera prst="orthographicFront"/>
+      <a:lightRig rig="threePt" dir="t"/>
+    </dgm:scene3d>
+    <dgm:sp3d/>
+    <dgm:txPr/>
+    <dgm:style>
+      <a:lnRef idx="2">
+        <a:scrgbClr r="0" g="0" b="0"/>
+      </a:lnRef>
+      <a:fillRef idx="1">
+        <a:scrgbClr r="0" g="0" b="0"/>
+      </a:fillRef>
+      <a:effectRef idx="0">
+        <a:scrgbClr r="0" g="0" b="0"/>
+      </a:effectRef>
+      <a:fontRef idx="minor"/>
+    </dgm:style>
+  </dgm:styleLbl>
+  <dgm:styleLbl name="bgAccFollowNode1">
+    <dgm:scene3d>
+      <a:camera prst="orthographicFront"/>
+      <a:lightRig rig="threePt" dir="t"/>
+    </dgm:scene3d>
+    <dgm:sp3d/>
+    <dgm:txPr/>
+    <dgm:style>
+      <a:lnRef idx="2">
+        <a:scrgbClr r="0" g="0" b="0"/>
+      </a:lnRef>
+      <a:fillRef idx="1">
+        <a:scrgbClr r="0" g="0" b="0"/>
+      </a:fillRef>
+      <a:effectRef idx="0">
+        <a:scrgbClr r="0" g="0" b="0"/>
+      </a:effectRef>
+      <a:fontRef idx="minor"/>
+    </dgm:style>
+  </dgm:styleLbl>
+  <dgm:styleLbl name="fgAcc0">
+    <dgm:scene3d>
+      <a:camera prst="orthographicFront"/>
+      <a:lightRig rig="threePt" dir="t"/>
+    </dgm:scene3d>
+    <dgm:sp3d/>
+    <dgm:txPr/>
+    <dgm:style>
+      <a:lnRef idx="2">
+        <a:scrgbClr r="0" g="0" b="0"/>
+      </a:lnRef>
+      <a:fillRef idx="1">
+        <a:scrgbClr r="0" g="0" b="0"/>
+      </a:fillRef>
+      <a:effectRef idx="0">
+        <a:scrgbClr r="0" g="0" b="0"/>
+      </a:effectRef>
+      <a:fontRef idx="minor"/>
+    </dgm:style>
+  </dgm:styleLbl>
+  <dgm:styleLbl name="fgAcc2">
+    <dgm:scene3d>
+      <a:camera prst="orthographicFront"/>
+      <a:lightRig rig="threePt" dir="t"/>
+    </dgm:scene3d>
+    <dgm:sp3d/>
+    <dgm:txPr/>
+    <dgm:style>
+      <a:lnRef idx="2">
+        <a:scrgbClr r="0" g="0" b="0"/>
+      </a:lnRef>
+      <a:fillRef idx="1">
+        <a:scrgbClr r="0" g="0" b="0"/>
+      </a:fillRef>
+      <a:effectRef idx="0">
+        <a:scrgbClr r="0" g="0" b="0"/>
+      </a:effectRef>
+      <a:fontRef idx="minor"/>
+    </dgm:style>
+  </dgm:styleLbl>
+  <dgm:styleLbl name="fgAcc3">
+    <dgm:scene3d>
+      <a:camera prst="orthographicFront"/>
+      <a:lightRig rig="threePt" dir="t"/>
+    </dgm:scene3d>
+    <dgm:sp3d/>
+    <dgm:txPr/>
+    <dgm:style>
+      <a:lnRef idx="2">
+        <a:scrgbClr r="0" g="0" b="0"/>
+      </a:lnRef>
+      <a:fillRef idx="1">
+        <a:scrgbClr r="0" g="0" b="0"/>
+      </a:fillRef>
+      <a:effectRef idx="0">
+        <a:scrgbClr r="0" g="0" b="0"/>
+      </a:effectRef>
+      <a:fontRef idx="minor"/>
+    </dgm:style>
+  </dgm:styleLbl>
+  <dgm:styleLbl name="fgAcc4">
+    <dgm:scene3d>
+      <a:camera prst="orthographicFront"/>
+      <a:lightRig rig="threePt" dir="t"/>
+    </dgm:scene3d>
+    <dgm:sp3d/>
+    <dgm:txPr/>
+    <dgm:style>
+      <a:lnRef idx="2">
+        <a:scrgbClr r="0" g="0" b="0"/>
+      </a:lnRef>
+      <a:fillRef idx="1">
+        <a:scrgbClr r="0" g="0" b="0"/>
+      </a:fillRef>
+      <a:effectRef idx="0">
+        <a:scrgbClr r="0" g="0" b="0"/>
+      </a:effectRef>
+      <a:fontRef idx="minor"/>
+    </dgm:style>
+  </dgm:styleLbl>
+  <dgm:styleLbl name="bgShp">
+    <dgm:scene3d>
+      <a:camera prst="orthographicFront"/>
+      <a:lightRig rig="threePt" dir="t"/>
+    </dgm:scene3d>
+    <dgm:sp3d/>
+    <dgm:txPr/>
+    <dgm:style>
+      <a:lnRef idx="0">
+        <a:scrgbClr r="0" g="0" b="0"/>
+      </a:lnRef>
+      <a:fillRef idx="1">
+        <a:scrgbClr r="0" g="0" b="0"/>
+      </a:fillRef>
+      <a:effectRef idx="0">
+        <a:scrgbClr r="0" g="0" b="0"/>
+      </a:effectRef>
+      <a:fontRef idx="minor"/>
+    </dgm:style>
+  </dgm:styleLbl>
+  <dgm:styleLbl name="dkBgShp">
+    <dgm:scene3d>
+      <a:camera prst="orthographicFront"/>
+      <a:lightRig rig="threePt" dir="t"/>
+    </dgm:scene3d>
+    <dgm:sp3d/>
+    <dgm:txPr/>
+    <dgm:style>
+      <a:lnRef idx="0">
+        <a:scrgbClr r="0" g="0" b="0"/>
+      </a:lnRef>
+      <a:fillRef idx="1">
+        <a:scrgbClr r="0" g="0" b="0"/>
+      </a:fillRef>
+      <a:effectRef idx="0">
+        <a:scrgbClr r="0" g="0" b="0"/>
+      </a:effectRef>
+      <a:fontRef idx="minor"/>
+    </dgm:style>
+  </dgm:styleLbl>
+  <dgm:styleLbl name="trBgShp">
+    <dgm:scene3d>
+      <a:camera prst="orthographicFront"/>
+      <a:lightRig rig="threePt" dir="t"/>
+    </dgm:scene3d>
+    <dgm:sp3d/>
+    <dgm:txPr/>
+    <dgm:style>
+      <a:lnRef idx="0">
+        <a:scrgbClr r="0" g="0" b="0"/>
+      </a:lnRef>
+      <a:fillRef idx="1">
+        <a:scrgbClr r="0" g="0" b="0"/>
+      </a:fillRef>
+      <a:effectRef idx="0">
+        <a:scrgbClr r="0" g="0" b="0"/>
+      </a:effectRef>
+      <a:fontRef idx="minor"/>
+    </dgm:style>
+  </dgm:styleLbl>
+  <dgm:styleLbl name="fgShp">
+    <dgm:scene3d>
+      <a:camera prst="orthographicFront"/>
+      <a:lightRig rig="threePt" dir="t"/>
+    </dgm:scene3d>
+    <dgm:sp3d/>
+    <dgm:txPr/>
+    <dgm:style>
+      <a:lnRef idx="2">
+        <a:scrgbClr r="0" g="0" b="0"/>
+      </a:lnRef>
+      <a:fillRef idx="1">
+        <a:scrgbClr r="0" g="0" b="0"/>
+      </a:fillRef>
+      <a:effectRef idx="0">
+        <a:scrgbClr r="0" g="0" b="0"/>
+      </a:effectRef>
+      <a:fontRef idx="minor"/>
+    </dgm:style>
+  </dgm:styleLbl>
+  <dgm:styleLbl name="revTx">
+    <dgm:scene3d>
+      <a:camera prst="orthographicFront"/>
+      <a:lightRig rig="threePt" dir="t"/>
+    </dgm:scene3d>
+    <dgm:sp3d/>
+    <dgm:txPr/>
+    <dgm:style>
+      <a:lnRef idx="0">
+        <a:scrgbClr r="0" g="0" b="0"/>
+      </a:lnRef>
+      <a:fillRef idx="0">
+        <a:scrgbClr r="0" g="0" b="0"/>
+      </a:fillRef>
+      <a:effectRef idx="0">
+        <a:scrgbClr r="0" g="0" b="0"/>
+      </a:effectRef>
+      <a:fontRef idx="minor"/>
+    </dgm:style>
+  </dgm:styleLbl>
+</dgm:styleDef>
+</file>
+
 <file path=ppt/slideLayouts/slideLayout1.xml><?xml version="1.0" encoding="utf-8"?>
 <p:sldLayout xmlns:a="http://schemas.openxmlformats.org/drawingml/2006/main" xmlns:r="http://schemas.openxmlformats.org/officeDocument/2006/relationships" xmlns:p="http://schemas.openxmlformats.org/presentationml/2006/main" showMasterSp="0" type="title" preserve="1">
   <p:cSld name="标题幻灯片">
@@ -13085,7 +18157,7 @@
             <a:fld id="{530820CF-B880-4189-942D-D702A7CBA730}" type="datetimeFigureOut">
               <a:rPr lang="zh-CN" altLang="en-US" smtClean="0"/>
               <a:pPr/>
-              <a:t>2016/11/7</a:t>
+              <a:t>2016/11/8</a:t>
             </a:fld>
             <a:endParaRPr lang="zh-CN" altLang="en-US"/>
           </a:p>
@@ -13440,7 +18512,7 @@
             <a:fld id="{530820CF-B880-4189-942D-D702A7CBA730}" type="datetimeFigureOut">
               <a:rPr lang="zh-CN" altLang="en-US" smtClean="0"/>
               <a:pPr/>
-              <a:t>2016/11/7</a:t>
+              <a:t>2016/11/8</a:t>
             </a:fld>
             <a:endParaRPr lang="zh-CN" altLang="en-US"/>
           </a:p>
@@ -13617,7 +18689,7 @@
             <a:fld id="{530820CF-B880-4189-942D-D702A7CBA730}" type="datetimeFigureOut">
               <a:rPr lang="zh-CN" altLang="en-US" smtClean="0"/>
               <a:pPr/>
-              <a:t>2016/11/7</a:t>
+              <a:t>2016/11/8</a:t>
             </a:fld>
             <a:endParaRPr lang="zh-CN" altLang="en-US"/>
           </a:p>
@@ -13732,7 +18804,7 @@
             <a:fld id="{530820CF-B880-4189-942D-D702A7CBA730}" type="datetimeFigureOut">
               <a:rPr lang="zh-CN" altLang="en-US" smtClean="0"/>
               <a:pPr/>
-              <a:t>2016/11/7</a:t>
+              <a:t>2016/11/8</a:t>
             </a:fld>
             <a:endParaRPr lang="zh-CN" altLang="en-US"/>
           </a:p>
@@ -14092,7 +19164,7 @@
             <a:fld id="{530820CF-B880-4189-942D-D702A7CBA730}" type="datetimeFigureOut">
               <a:rPr lang="zh-CN" altLang="en-US" smtClean="0"/>
               <a:pPr/>
-              <a:t>2016/11/7</a:t>
+              <a:t>2016/11/8</a:t>
             </a:fld>
             <a:endParaRPr lang="zh-CN" altLang="en-US"/>
           </a:p>
@@ -14359,7 +19431,7 @@
             <a:fld id="{530820CF-B880-4189-942D-D702A7CBA730}" type="datetimeFigureOut">
               <a:rPr lang="zh-CN" altLang="en-US" smtClean="0"/>
               <a:pPr/>
-              <a:t>2016/11/7</a:t>
+              <a:t>2016/11/8</a:t>
             </a:fld>
             <a:endParaRPr lang="zh-CN" altLang="en-US"/>
           </a:p>
@@ -14723,7 +19795,7 @@
             <a:fld id="{530820CF-B880-4189-942D-D702A7CBA730}" type="datetimeFigureOut">
               <a:rPr lang="zh-CN" altLang="en-US" smtClean="0"/>
               <a:pPr/>
-              <a:t>2016/11/7</a:t>
+              <a:t>2016/11/8</a:t>
             </a:fld>
             <a:endParaRPr lang="zh-CN" altLang="en-US"/>
           </a:p>
@@ -14952,7 +20024,7 @@
             <a:fld id="{530820CF-B880-4189-942D-D702A7CBA730}" type="datetimeFigureOut">
               <a:rPr lang="zh-CN" altLang="en-US" smtClean="0"/>
               <a:pPr/>
-              <a:t>2016/11/7</a:t>
+              <a:t>2016/11/8</a:t>
             </a:fld>
             <a:endParaRPr lang="zh-CN" altLang="en-US"/>
           </a:p>
@@ -15044,7 +20116,7 @@
             <a:fld id="{530820CF-B880-4189-942D-D702A7CBA730}" type="datetimeFigureOut">
               <a:rPr lang="zh-CN" altLang="en-US" smtClean="0"/>
               <a:pPr/>
-              <a:t>2016/11/7</a:t>
+              <a:t>2016/11/8</a:t>
             </a:fld>
             <a:endParaRPr lang="zh-CN" altLang="en-US"/>
           </a:p>
@@ -15313,7 +20385,7 @@
             <a:fld id="{530820CF-B880-4189-942D-D702A7CBA730}" type="datetimeFigureOut">
               <a:rPr lang="zh-CN" altLang="en-US" smtClean="0"/>
               <a:pPr/>
-              <a:t>2016/11/7</a:t>
+              <a:t>2016/11/8</a:t>
             </a:fld>
             <a:endParaRPr lang="zh-CN" altLang="en-US"/>
           </a:p>
@@ -15543,7 +20615,7 @@
             <a:fld id="{530820CF-B880-4189-942D-D702A7CBA730}" type="datetimeFigureOut">
               <a:rPr lang="zh-CN" altLang="en-US" smtClean="0"/>
               <a:pPr/>
-              <a:t>2016/11/7</a:t>
+              <a:t>2016/11/8</a:t>
             </a:fld>
             <a:endParaRPr lang="zh-CN" altLang="en-US"/>
           </a:p>
@@ -16044,7 +21116,7 @@
             <a:fld id="{530820CF-B880-4189-942D-D702A7CBA730}" type="datetimeFigureOut">
               <a:rPr lang="zh-CN" altLang="en-US" smtClean="0"/>
               <a:pPr/>
-              <a:t>2016/11/7</a:t>
+              <a:t>2016/11/8</a:t>
             </a:fld>
             <a:endParaRPr lang="zh-CN" altLang="en-US"/>
           </a:p>
@@ -16554,6 +21626,115 @@
             <p:ph type="title"/>
           </p:nvPr>
         </p:nvSpPr>
+        <p:spPr/>
+        <p:txBody>
+          <a:bodyPr/>
+          <a:lstStyle/>
+          <a:p>
+            <a:r>
+              <a:rPr lang="zh-CN" altLang="en-US" dirty="0" smtClean="0"/>
+              <a:t>移动应用数据交互模块</a:t>
+            </a:r>
+            <a:endParaRPr lang="en-US" altLang="zh-CN" dirty="0" smtClean="0"/>
+          </a:p>
+        </p:txBody>
+      </p:sp>
+      <p:sp>
+        <p:nvSpPr>
+          <p:cNvPr id="7170" name="Rectangle 2"/>
+          <p:cNvSpPr>
+            <a:spLocks noChangeArrowheads="1"/>
+          </p:cNvSpPr>
+          <p:nvPr/>
+        </p:nvSpPr>
+        <p:spPr bwMode="auto">
+          <a:xfrm>
+            <a:off x="0" y="0"/>
+            <a:ext cx="9144000" cy="0"/>
+          </a:xfrm>
+          <a:prstGeom prst="rect">
+            <a:avLst/>
+          </a:prstGeom>
+          <a:noFill/>
+          <a:ln w="9525">
+            <a:noFill/>
+            <a:miter lim="800000"/>
+            <a:headEnd/>
+            <a:tailEnd/>
+          </a:ln>
+          <a:effectLst/>
+        </p:spPr>
+        <p:txBody>
+          <a:bodyPr vert="horz" wrap="none" lIns="91440" tIns="45720" rIns="91440" bIns="45720" numCol="1" anchor="ctr" anchorCtr="0" compatLnSpc="1">
+            <a:prstTxWarp prst="textNoShape">
+              <a:avLst/>
+            </a:prstTxWarp>
+            <a:spAutoFit/>
+          </a:bodyPr>
+          <a:lstStyle/>
+          <a:p>
+            <a:endParaRPr lang="zh-CN" altLang="en-US"/>
+          </a:p>
+        </p:txBody>
+      </p:sp>
+      <p:graphicFrame>
+        <p:nvGraphicFramePr>
+          <p:cNvPr id="6" name="图示 5"/>
+          <p:cNvGraphicFramePr/>
+          <p:nvPr/>
+        </p:nvGraphicFramePr>
+        <p:xfrm>
+          <a:off x="899592" y="1484784"/>
+          <a:ext cx="7560840" cy="4968552"/>
+        </p:xfrm>
+        <a:graphic>
+          <a:graphicData uri="http://schemas.openxmlformats.org/drawingml/2006/diagram">
+            <dgm:relIds xmlns:dgm="http://schemas.openxmlformats.org/drawingml/2006/diagram" xmlns:r="http://schemas.openxmlformats.org/officeDocument/2006/relationships" r:dm="rId2" r:lo="rId3" r:qs="rId4" r:cs="rId5"/>
+          </a:graphicData>
+        </a:graphic>
+      </p:graphicFrame>
+    </p:spTree>
+  </p:cSld>
+  <p:clrMapOvr>
+    <a:masterClrMapping/>
+  </p:clrMapOvr>
+  <p:timing>
+    <p:tnLst>
+      <p:par>
+        <p:cTn id="1" dur="indefinite" restart="never" nodeType="tmRoot"/>
+      </p:par>
+    </p:tnLst>
+  </p:timing>
+</p:sld>
+</file>
+
+<file path=ppt/slides/slide11.xml><?xml version="1.0" encoding="utf-8"?>
+<p:sld xmlns:a="http://schemas.openxmlformats.org/drawingml/2006/main" xmlns:r="http://schemas.openxmlformats.org/officeDocument/2006/relationships" xmlns:p="http://schemas.openxmlformats.org/presentationml/2006/main">
+  <p:cSld>
+    <p:spTree>
+      <p:nvGrpSpPr>
+        <p:cNvPr id="1" name=""/>
+        <p:cNvGrpSpPr/>
+        <p:nvPr/>
+      </p:nvGrpSpPr>
+      <p:grpSpPr>
+        <a:xfrm>
+          <a:off x="0" y="0"/>
+          <a:ext cx="0" cy="0"/>
+          <a:chOff x="0" y="0"/>
+          <a:chExt cx="0" cy="0"/>
+        </a:xfrm>
+      </p:grpSpPr>
+      <p:sp>
+        <p:nvSpPr>
+          <p:cNvPr id="2" name="标题 1"/>
+          <p:cNvSpPr>
+            <a:spLocks noGrp="1"/>
+          </p:cNvSpPr>
+          <p:nvPr>
+            <p:ph type="title"/>
+          </p:nvPr>
+        </p:nvSpPr>
         <p:spPr>
           <a:xfrm>
             <a:off x="467544" y="116632"/>
@@ -16756,7 +21937,7 @@
 </p:sld>
 </file>
 
-<file path=ppt/slides/slide11.xml><?xml version="1.0" encoding="utf-8"?>
+<file path=ppt/slides/slide12.xml><?xml version="1.0" encoding="utf-8"?>
 <p:sld xmlns:a="http://schemas.openxmlformats.org/drawingml/2006/main" xmlns:r="http://schemas.openxmlformats.org/officeDocument/2006/relationships" xmlns:p="http://schemas.openxmlformats.org/presentationml/2006/main">
   <p:cSld>
     <p:spTree>
@@ -16867,7 +22048,7 @@
 </p:sld>
 </file>
 
-<file path=ppt/slides/slide12.xml><?xml version="1.0" encoding="utf-8"?>
+<file path=ppt/slides/slide13.xml><?xml version="1.0" encoding="utf-8"?>
 <p:sld xmlns:a="http://schemas.openxmlformats.org/drawingml/2006/main" xmlns:r="http://schemas.openxmlformats.org/officeDocument/2006/relationships" xmlns:p="http://schemas.openxmlformats.org/presentationml/2006/main">
   <p:cSld>
     <p:spTree>
@@ -17263,7 +22444,7 @@
 </p:sld>
 </file>
 
-<file path=ppt/slides/slide13.xml><?xml version="1.0" encoding="utf-8"?>
+<file path=ppt/slides/slide14.xml><?xml version="1.0" encoding="utf-8"?>
 <p:sld xmlns:a="http://schemas.openxmlformats.org/drawingml/2006/main" xmlns:r="http://schemas.openxmlformats.org/officeDocument/2006/relationships" xmlns:p="http://schemas.openxmlformats.org/presentationml/2006/main">
   <p:cSld>
     <p:spTree>
@@ -18155,7 +23336,7 @@
 </p:sld>
 </file>
 
-<file path=ppt/slides/slide14.xml><?xml version="1.0" encoding="utf-8"?>
+<file path=ppt/slides/slide15.xml><?xml version="1.0" encoding="utf-8"?>
 <p:sld xmlns:a="http://schemas.openxmlformats.org/drawingml/2006/main" xmlns:r="http://schemas.openxmlformats.org/officeDocument/2006/relationships" xmlns:p="http://schemas.openxmlformats.org/presentationml/2006/main">
   <p:cSld>
     <p:spTree>
@@ -18392,7 +23573,7 @@
 </p:sld>
 </file>
 
-<file path=ppt/slides/slide15.xml><?xml version="1.0" encoding="utf-8"?>
+<file path=ppt/slides/slide16.xml><?xml version="1.0" encoding="utf-8"?>
 <p:sld xmlns:a="http://schemas.openxmlformats.org/drawingml/2006/main" xmlns:r="http://schemas.openxmlformats.org/officeDocument/2006/relationships" xmlns:p="http://schemas.openxmlformats.org/presentationml/2006/main">
   <p:cSld>
     <p:spTree>
@@ -18483,7 +23664,7 @@
 </p:sld>
 </file>
 
-<file path=ppt/slides/slide16.xml><?xml version="1.0" encoding="utf-8"?>
+<file path=ppt/slides/slide17.xml><?xml version="1.0" encoding="utf-8"?>
 <p:sld xmlns:a="http://schemas.openxmlformats.org/drawingml/2006/main" xmlns:r="http://schemas.openxmlformats.org/officeDocument/2006/relationships" xmlns:p="http://schemas.openxmlformats.org/presentationml/2006/main">
   <p:cSld>
     <p:spTree>
@@ -18811,7 +23992,7 @@
 </p:sld>
 </file>
 
-<file path=ppt/slides/slide17.xml><?xml version="1.0" encoding="utf-8"?>
+<file path=ppt/slides/slide18.xml><?xml version="1.0" encoding="utf-8"?>
 <p:sld xmlns:a="http://schemas.openxmlformats.org/drawingml/2006/main" xmlns:r="http://schemas.openxmlformats.org/officeDocument/2006/relationships" xmlns:p="http://schemas.openxmlformats.org/presentationml/2006/main">
   <p:cSld>
     <p:spTree>
@@ -19089,7 +24270,7 @@
 </p:sld>
 </file>
 
-<file path=ppt/slides/slide18.xml><?xml version="1.0" encoding="utf-8"?>
+<file path=ppt/slides/slide19.xml><?xml version="1.0" encoding="utf-8"?>
 <p:sld xmlns:a="http://schemas.openxmlformats.org/drawingml/2006/main" xmlns:r="http://schemas.openxmlformats.org/officeDocument/2006/relationships" xmlns:p="http://schemas.openxmlformats.org/presentationml/2006/main">
   <p:cSld>
     <p:spTree>
@@ -19176,67 +24357,6 @@
             <a:r>
               <a:rPr lang="zh-CN" altLang="en-US" dirty="0" smtClean="0"/>
               <a:t>，为非技术的移动应用创业者提供支持，只需要设计业务对象和录入数据即可。</a:t>
-            </a:r>
-            <a:endParaRPr lang="zh-CN" altLang="en-US" dirty="0"/>
-          </a:p>
-        </p:txBody>
-      </p:sp>
-    </p:spTree>
-  </p:cSld>
-  <p:clrMapOvr>
-    <a:masterClrMapping/>
-  </p:clrMapOvr>
-  <p:timing>
-    <p:tnLst>
-      <p:par>
-        <p:cTn id="1" dur="indefinite" restart="never" nodeType="tmRoot"/>
-      </p:par>
-    </p:tnLst>
-  </p:timing>
-</p:sld>
-</file>
-
-<file path=ppt/slides/slide19.xml><?xml version="1.0" encoding="utf-8"?>
-<p:sld xmlns:a="http://schemas.openxmlformats.org/drawingml/2006/main" xmlns:r="http://schemas.openxmlformats.org/officeDocument/2006/relationships" xmlns:p="http://schemas.openxmlformats.org/presentationml/2006/main">
-  <p:cSld>
-    <p:spTree>
-      <p:nvGrpSpPr>
-        <p:cNvPr id="1" name=""/>
-        <p:cNvGrpSpPr/>
-        <p:nvPr/>
-      </p:nvGrpSpPr>
-      <p:grpSpPr>
-        <a:xfrm>
-          <a:off x="0" y="0"/>
-          <a:ext cx="0" cy="0"/>
-          <a:chOff x="0" y="0"/>
-          <a:chExt cx="0" cy="0"/>
-        </a:xfrm>
-      </p:grpSpPr>
-      <p:sp>
-        <p:nvSpPr>
-          <p:cNvPr id="2" name="标题 1"/>
-          <p:cNvSpPr>
-            <a:spLocks noGrp="1"/>
-          </p:cNvSpPr>
-          <p:nvPr>
-            <p:ph type="title"/>
-          </p:nvPr>
-        </p:nvSpPr>
-        <p:spPr>
-          <a:xfrm>
-            <a:off x="928662" y="1142984"/>
-            <a:ext cx="7772400" cy="1143000"/>
-          </a:xfrm>
-        </p:spPr>
-        <p:txBody>
-          <a:bodyPr/>
-          <a:lstStyle/>
-          <a:p>
-            <a:pPr algn="ctr"/>
-            <a:r>
-              <a:rPr lang="zh-CN" altLang="en-US" dirty="0" smtClean="0"/>
-              <a:t>谢谢</a:t>
             </a:r>
             <a:endParaRPr lang="zh-CN" altLang="en-US" dirty="0"/>
           </a:p>
@@ -19401,6 +24521,67 @@
 </p:sld>
 </file>
 
+<file path=ppt/slides/slide20.xml><?xml version="1.0" encoding="utf-8"?>
+<p:sld xmlns:a="http://schemas.openxmlformats.org/drawingml/2006/main" xmlns:r="http://schemas.openxmlformats.org/officeDocument/2006/relationships" xmlns:p="http://schemas.openxmlformats.org/presentationml/2006/main">
+  <p:cSld>
+    <p:spTree>
+      <p:nvGrpSpPr>
+        <p:cNvPr id="1" name=""/>
+        <p:cNvGrpSpPr/>
+        <p:nvPr/>
+      </p:nvGrpSpPr>
+      <p:grpSpPr>
+        <a:xfrm>
+          <a:off x="0" y="0"/>
+          <a:ext cx="0" cy="0"/>
+          <a:chOff x="0" y="0"/>
+          <a:chExt cx="0" cy="0"/>
+        </a:xfrm>
+      </p:grpSpPr>
+      <p:sp>
+        <p:nvSpPr>
+          <p:cNvPr id="2" name="标题 1"/>
+          <p:cNvSpPr>
+            <a:spLocks noGrp="1"/>
+          </p:cNvSpPr>
+          <p:nvPr>
+            <p:ph type="title"/>
+          </p:nvPr>
+        </p:nvSpPr>
+        <p:spPr>
+          <a:xfrm>
+            <a:off x="928662" y="1142984"/>
+            <a:ext cx="7772400" cy="1143000"/>
+          </a:xfrm>
+        </p:spPr>
+        <p:txBody>
+          <a:bodyPr/>
+          <a:lstStyle/>
+          <a:p>
+            <a:pPr algn="ctr"/>
+            <a:r>
+              <a:rPr lang="zh-CN" altLang="en-US" dirty="0" smtClean="0"/>
+              <a:t>谢谢</a:t>
+            </a:r>
+            <a:endParaRPr lang="zh-CN" altLang="en-US" dirty="0"/>
+          </a:p>
+        </p:txBody>
+      </p:sp>
+    </p:spTree>
+  </p:cSld>
+  <p:clrMapOvr>
+    <a:masterClrMapping/>
+  </p:clrMapOvr>
+  <p:timing>
+    <p:tnLst>
+      <p:par>
+        <p:cTn id="1" dur="indefinite" restart="never" nodeType="tmRoot"/>
+      </p:par>
+    </p:tnLst>
+  </p:timing>
+</p:sld>
+</file>
+
 <file path=ppt/slides/slide3.xml><?xml version="1.0" encoding="utf-8"?>
 <p:sld xmlns:a="http://schemas.openxmlformats.org/drawingml/2006/main" xmlns:r="http://schemas.openxmlformats.org/officeDocument/2006/relationships" xmlns:p="http://schemas.openxmlformats.org/presentationml/2006/main">
   <p:cSld>
@@ -19435,11 +24616,7 @@
           <a:p>
             <a:r>
               <a:rPr lang="zh-CN" altLang="en-US" dirty="0" smtClean="0"/>
-              <a:t>课题研究</a:t>
-            </a:r>
-            <a:r>
-              <a:rPr lang="zh-CN" altLang="en-US" dirty="0" smtClean="0"/>
-              <a:t>目标和现状</a:t>
+              <a:t>课题研究目标和现状</a:t>
             </a:r>
             <a:endParaRPr lang="zh-CN" altLang="en-US" dirty="0"/>
           </a:p>
@@ -19588,24 +24765,7 @@
                 <a:ea typeface="+mn-ea"/>
                 <a:cs typeface="+mn-cs"/>
               </a:rPr>
-              <a:t>移动应用开发者</a:t>
-            </a:r>
-            <a:r>
-              <a:rPr kumimoji="0" lang="zh-CN" altLang="en-US" sz="2600" b="0" i="0" u="none" strike="noStrike" kern="1200" cap="none" spc="0" normalizeH="0" baseline="0" noProof="0" dirty="0" smtClean="0">
-                <a:ln>
-                  <a:noFill/>
-                </a:ln>
-                <a:solidFill>
-                  <a:schemeClr val="tx1"/>
-                </a:solidFill>
-                <a:effectLst/>
-                <a:uLnTx/>
-                <a:uFillTx/>
-                <a:latin typeface="+mn-lt"/>
-                <a:ea typeface="+mn-ea"/>
-                <a:cs typeface="+mn-cs"/>
-              </a:rPr>
-              <a:t>可以</a:t>
+              <a:t>移动应用开发者可以</a:t>
             </a:r>
             <a:r>
               <a:rPr lang="zh-CN" altLang="en-US" sz="2600" dirty="0" smtClean="0"/>
@@ -19626,24 +24786,7 @@
                 <a:ea typeface="+mn-ea"/>
                 <a:cs typeface="+mn-cs"/>
               </a:rPr>
-              <a:t>不</a:t>
-            </a:r>
-            <a:r>
-              <a:rPr kumimoji="0" lang="zh-CN" altLang="en-US" sz="2600" b="1" i="0" u="none" strike="noStrike" kern="1200" cap="none" spc="0" normalizeH="0" baseline="0" noProof="0" dirty="0" smtClean="0">
-                <a:ln>
-                  <a:noFill/>
-                </a:ln>
-                <a:solidFill>
-                  <a:srgbClr val="FF0000"/>
-                </a:solidFill>
-                <a:effectLst/>
-                <a:uLnTx/>
-                <a:uFillTx/>
-                <a:latin typeface="+mn-lt"/>
-                <a:ea typeface="+mn-ea"/>
-                <a:cs typeface="+mn-cs"/>
-              </a:rPr>
-              <a:t>需要写代码</a:t>
+              <a:t>不需要写代码</a:t>
             </a:r>
             <a:r>
               <a:rPr kumimoji="0" lang="zh-CN" altLang="en-US" sz="2600" b="0" i="0" u="none" strike="noStrike" kern="1200" cap="none" spc="0" normalizeH="0" baseline="0" noProof="0" dirty="0" smtClean="0">
@@ -20385,6 +25528,234 @@
         </p:nvSpPr>
         <p:spPr/>
         <p:txBody>
+          <a:bodyPr>
+            <a:normAutofit/>
+          </a:bodyPr>
+          <a:lstStyle/>
+          <a:p>
+            <a:r>
+              <a:rPr lang="zh-CN" altLang="en-US" dirty="0" smtClean="0">
+                <a:solidFill>
+                  <a:srgbClr val="FFC000"/>
+                </a:solidFill>
+              </a:rPr>
+              <a:t>以前的</a:t>
+            </a:r>
+            <a:r>
+              <a:rPr lang="zh-CN" altLang="en-US" dirty="0" smtClean="0"/>
+              <a:t>数据管理系统及接口</a:t>
+            </a:r>
+            <a:r>
+              <a:rPr lang="zh-CN" altLang="en-US" dirty="0" smtClean="0">
+                <a:solidFill>
+                  <a:srgbClr val="FFC000"/>
+                </a:solidFill>
+              </a:rPr>
+              <a:t>开发</a:t>
+            </a:r>
+            <a:endParaRPr lang="zh-CN" altLang="en-US" dirty="0">
+              <a:solidFill>
+                <a:srgbClr val="FFC000"/>
+              </a:solidFill>
+            </a:endParaRPr>
+          </a:p>
+        </p:txBody>
+      </p:sp>
+      <p:sp>
+        <p:nvSpPr>
+          <p:cNvPr id="7170" name="Rectangle 2"/>
+          <p:cNvSpPr>
+            <a:spLocks noChangeArrowheads="1"/>
+          </p:cNvSpPr>
+          <p:nvPr/>
+        </p:nvSpPr>
+        <p:spPr bwMode="auto">
+          <a:xfrm>
+            <a:off x="0" y="0"/>
+            <a:ext cx="9144000" cy="0"/>
+          </a:xfrm>
+          <a:prstGeom prst="rect">
+            <a:avLst/>
+          </a:prstGeom>
+          <a:noFill/>
+          <a:ln w="9525">
+            <a:noFill/>
+            <a:miter lim="800000"/>
+            <a:headEnd/>
+            <a:tailEnd/>
+          </a:ln>
+          <a:effectLst/>
+        </p:spPr>
+        <p:txBody>
+          <a:bodyPr vert="horz" wrap="none" lIns="91440" tIns="45720" rIns="91440" bIns="45720" numCol="1" anchor="ctr" anchorCtr="0" compatLnSpc="1">
+            <a:prstTxWarp prst="textNoShape">
+              <a:avLst/>
+            </a:prstTxWarp>
+            <a:spAutoFit/>
+          </a:bodyPr>
+          <a:lstStyle/>
+          <a:p>
+            <a:endParaRPr lang="zh-CN" altLang="en-US"/>
+          </a:p>
+        </p:txBody>
+      </p:sp>
+      <p:graphicFrame>
+        <p:nvGraphicFramePr>
+          <p:cNvPr id="5" name="图示 4"/>
+          <p:cNvGraphicFramePr/>
+          <p:nvPr/>
+        </p:nvGraphicFramePr>
+        <p:xfrm>
+          <a:off x="-1548680" y="1700808"/>
+          <a:ext cx="6096000" cy="4064000"/>
+        </p:xfrm>
+        <a:graphic>
+          <a:graphicData uri="http://schemas.openxmlformats.org/drawingml/2006/diagram">
+            <dgm:relIds xmlns:dgm="http://schemas.openxmlformats.org/drawingml/2006/diagram" xmlns:r="http://schemas.openxmlformats.org/officeDocument/2006/relationships" r:dm="rId2" r:lo="rId3" r:qs="rId4" r:cs="rId5"/>
+          </a:graphicData>
+        </a:graphic>
+      </p:graphicFrame>
+      <p:graphicFrame>
+        <p:nvGraphicFramePr>
+          <p:cNvPr id="7" name="图示 6"/>
+          <p:cNvGraphicFramePr/>
+          <p:nvPr/>
+        </p:nvGraphicFramePr>
+        <p:xfrm>
+          <a:off x="3419872" y="1988840"/>
+          <a:ext cx="5087888" cy="3487936"/>
+        </p:xfrm>
+        <a:graphic>
+          <a:graphicData uri="http://schemas.openxmlformats.org/drawingml/2006/diagram">
+            <dgm:relIds xmlns:dgm="http://schemas.openxmlformats.org/drawingml/2006/diagram" xmlns:r="http://schemas.openxmlformats.org/officeDocument/2006/relationships" r:dm="rId7" r:lo="rId8" r:qs="rId9" r:cs="rId10"/>
+          </a:graphicData>
+        </a:graphic>
+      </p:graphicFrame>
+    </p:spTree>
+  </p:cSld>
+  <p:clrMapOvr>
+    <a:masterClrMapping/>
+  </p:clrMapOvr>
+  <p:timing>
+    <p:tnLst>
+      <p:par>
+        <p:cTn id="1" dur="indefinite" restart="never" nodeType="tmRoot">
+          <p:childTnLst>
+            <p:seq concurrent="1" nextAc="seek">
+              <p:cTn id="2" dur="indefinite" nodeType="mainSeq">
+                <p:childTnLst>
+                  <p:par>
+                    <p:cTn id="3" fill="hold">
+                      <p:stCondLst>
+                        <p:cond delay="indefinite"/>
+                      </p:stCondLst>
+                      <p:childTnLst>
+                        <p:par>
+                          <p:cTn id="4" fill="hold">
+                            <p:stCondLst>
+                              <p:cond delay="0"/>
+                            </p:stCondLst>
+                            <p:childTnLst>
+                              <p:par>
+                                <p:cTn id="5" presetID="10" presetClass="entr" presetSubtype="0" fill="hold" grpId="0" nodeType="clickEffect">
+                                  <p:stCondLst>
+                                    <p:cond delay="0"/>
+                                  </p:stCondLst>
+                                  <p:childTnLst>
+                                    <p:set>
+                                      <p:cBhvr>
+                                        <p:cTn id="6" dur="1" fill="hold">
+                                          <p:stCondLst>
+                                            <p:cond delay="0"/>
+                                          </p:stCondLst>
+                                        </p:cTn>
+                                        <p:tgtEl>
+                                          <p:spTgt spid="7"/>
+                                        </p:tgtEl>
+                                        <p:attrNameLst>
+                                          <p:attrName>style.visibility</p:attrName>
+                                        </p:attrNameLst>
+                                      </p:cBhvr>
+                                      <p:to>
+                                        <p:strVal val="visible"/>
+                                      </p:to>
+                                    </p:set>
+                                    <p:animEffect transition="in" filter="fade">
+                                      <p:cBhvr>
+                                        <p:cTn id="7" dur="2000"/>
+                                        <p:tgtEl>
+                                          <p:spTgt spid="7"/>
+                                        </p:tgtEl>
+                                      </p:cBhvr>
+                                    </p:animEffect>
+                                  </p:childTnLst>
+                                </p:cTn>
+                              </p:par>
+                            </p:childTnLst>
+                          </p:cTn>
+                        </p:par>
+                      </p:childTnLst>
+                    </p:cTn>
+                  </p:par>
+                </p:childTnLst>
+              </p:cTn>
+              <p:prevCondLst>
+                <p:cond evt="onPrev" delay="0">
+                  <p:tgtEl>
+                    <p:sldTgt/>
+                  </p:tgtEl>
+                </p:cond>
+              </p:prevCondLst>
+              <p:nextCondLst>
+                <p:cond evt="onNext" delay="0">
+                  <p:tgtEl>
+                    <p:sldTgt/>
+                  </p:tgtEl>
+                </p:cond>
+              </p:nextCondLst>
+            </p:seq>
+          </p:childTnLst>
+        </p:cTn>
+      </p:par>
+    </p:tnLst>
+    <p:bldLst>
+      <p:bldGraphic spid="7" grpId="0">
+        <p:bldAsOne/>
+      </p:bldGraphic>
+    </p:bldLst>
+  </p:timing>
+</p:sld>
+</file>
+
+<file path=ppt/slides/slide6.xml><?xml version="1.0" encoding="utf-8"?>
+<p:sld xmlns:a="http://schemas.openxmlformats.org/drawingml/2006/main" xmlns:r="http://schemas.openxmlformats.org/officeDocument/2006/relationships" xmlns:p="http://schemas.openxmlformats.org/presentationml/2006/main">
+  <p:cSld>
+    <p:spTree>
+      <p:nvGrpSpPr>
+        <p:cNvPr id="1" name=""/>
+        <p:cNvGrpSpPr/>
+        <p:nvPr/>
+      </p:nvGrpSpPr>
+      <p:grpSpPr>
+        <a:xfrm>
+          <a:off x="0" y="0"/>
+          <a:ext cx="0" cy="0"/>
+          <a:chOff x="0" y="0"/>
+          <a:chExt cx="0" cy="0"/>
+        </a:xfrm>
+      </p:grpSpPr>
+      <p:sp>
+        <p:nvSpPr>
+          <p:cNvPr id="2" name="标题 1"/>
+          <p:cNvSpPr>
+            <a:spLocks noGrp="1"/>
+          </p:cNvSpPr>
+          <p:nvPr>
+            <p:ph type="title"/>
+          </p:nvPr>
+        </p:nvSpPr>
+        <p:spPr/>
+        <p:txBody>
           <a:bodyPr/>
           <a:lstStyle/>
           <a:p>
@@ -20465,7 +25836,7 @@
 </p:sld>
 </file>
 
-<file path=ppt/slides/slide6.xml><?xml version="1.0" encoding="utf-8"?>
+<file path=ppt/slides/slide7.xml><?xml version="1.0" encoding="utf-8"?>
 <p:sld xmlns:a="http://schemas.openxmlformats.org/drawingml/2006/main" xmlns:r="http://schemas.openxmlformats.org/officeDocument/2006/relationships" xmlns:p="http://schemas.openxmlformats.org/presentationml/2006/main">
   <p:cSld>
     <p:spTree>
@@ -21031,7 +26402,7 @@
 </p:sld>
 </file>
 
-<file path=ppt/slides/slide7.xml><?xml version="1.0" encoding="utf-8"?>
+<file path=ppt/slides/slide8.xml><?xml version="1.0" encoding="utf-8"?>
 <p:sld xmlns:a="http://schemas.openxmlformats.org/drawingml/2006/main" xmlns:r="http://schemas.openxmlformats.org/officeDocument/2006/relationships" xmlns:p="http://schemas.openxmlformats.org/presentationml/2006/main">
   <p:cSld>
     <p:spTree>
@@ -21410,7 +26781,7 @@
 </p:sld>
 </file>
 
-<file path=ppt/slides/slide8.xml><?xml version="1.0" encoding="utf-8"?>
+<file path=ppt/slides/slide9.xml><?xml version="1.0" encoding="utf-8"?>
 <p:sld xmlns:a="http://schemas.openxmlformats.org/drawingml/2006/main" xmlns:r="http://schemas.openxmlformats.org/officeDocument/2006/relationships" xmlns:p="http://schemas.openxmlformats.org/presentationml/2006/main">
   <p:cSld>
     <p:spTree>
@@ -21979,115 +27350,6 @@
 </p:sld>
 </file>
 
-<file path=ppt/slides/slide9.xml><?xml version="1.0" encoding="utf-8"?>
-<p:sld xmlns:a="http://schemas.openxmlformats.org/drawingml/2006/main" xmlns:r="http://schemas.openxmlformats.org/officeDocument/2006/relationships" xmlns:p="http://schemas.openxmlformats.org/presentationml/2006/main">
-  <p:cSld>
-    <p:spTree>
-      <p:nvGrpSpPr>
-        <p:cNvPr id="1" name=""/>
-        <p:cNvGrpSpPr/>
-        <p:nvPr/>
-      </p:nvGrpSpPr>
-      <p:grpSpPr>
-        <a:xfrm>
-          <a:off x="0" y="0"/>
-          <a:ext cx="0" cy="0"/>
-          <a:chOff x="0" y="0"/>
-          <a:chExt cx="0" cy="0"/>
-        </a:xfrm>
-      </p:grpSpPr>
-      <p:sp>
-        <p:nvSpPr>
-          <p:cNvPr id="2" name="标题 1"/>
-          <p:cNvSpPr>
-            <a:spLocks noGrp="1"/>
-          </p:cNvSpPr>
-          <p:nvPr>
-            <p:ph type="title"/>
-          </p:nvPr>
-        </p:nvSpPr>
-        <p:spPr/>
-        <p:txBody>
-          <a:bodyPr/>
-          <a:lstStyle/>
-          <a:p>
-            <a:r>
-              <a:rPr lang="zh-CN" altLang="en-US" dirty="0" smtClean="0"/>
-              <a:t>移动应用数据交互模块</a:t>
-            </a:r>
-            <a:endParaRPr lang="en-US" altLang="zh-CN" dirty="0" smtClean="0"/>
-          </a:p>
-        </p:txBody>
-      </p:sp>
-      <p:sp>
-        <p:nvSpPr>
-          <p:cNvPr id="7170" name="Rectangle 2"/>
-          <p:cNvSpPr>
-            <a:spLocks noChangeArrowheads="1"/>
-          </p:cNvSpPr>
-          <p:nvPr/>
-        </p:nvSpPr>
-        <p:spPr bwMode="auto">
-          <a:xfrm>
-            <a:off x="0" y="0"/>
-            <a:ext cx="9144000" cy="0"/>
-          </a:xfrm>
-          <a:prstGeom prst="rect">
-            <a:avLst/>
-          </a:prstGeom>
-          <a:noFill/>
-          <a:ln w="9525">
-            <a:noFill/>
-            <a:miter lim="800000"/>
-            <a:headEnd/>
-            <a:tailEnd/>
-          </a:ln>
-          <a:effectLst/>
-        </p:spPr>
-        <p:txBody>
-          <a:bodyPr vert="horz" wrap="none" lIns="91440" tIns="45720" rIns="91440" bIns="45720" numCol="1" anchor="ctr" anchorCtr="0" compatLnSpc="1">
-            <a:prstTxWarp prst="textNoShape">
-              <a:avLst/>
-            </a:prstTxWarp>
-            <a:spAutoFit/>
-          </a:bodyPr>
-          <a:lstStyle/>
-          <a:p>
-            <a:endParaRPr lang="zh-CN" altLang="en-US"/>
-          </a:p>
-        </p:txBody>
-      </p:sp>
-      <p:graphicFrame>
-        <p:nvGraphicFramePr>
-          <p:cNvPr id="6" name="图示 5"/>
-          <p:cNvGraphicFramePr/>
-          <p:nvPr/>
-        </p:nvGraphicFramePr>
-        <p:xfrm>
-          <a:off x="899592" y="1484784"/>
-          <a:ext cx="7560840" cy="4968552"/>
-        </p:xfrm>
-        <a:graphic>
-          <a:graphicData uri="http://schemas.openxmlformats.org/drawingml/2006/diagram">
-            <dgm:relIds xmlns:dgm="http://schemas.openxmlformats.org/drawingml/2006/diagram" xmlns:r="http://schemas.openxmlformats.org/officeDocument/2006/relationships" r:dm="rId2" r:lo="rId3" r:qs="rId4" r:cs="rId5"/>
-          </a:graphicData>
-        </a:graphic>
-      </p:graphicFrame>
-    </p:spTree>
-  </p:cSld>
-  <p:clrMapOvr>
-    <a:masterClrMapping/>
-  </p:clrMapOvr>
-  <p:timing>
-    <p:tnLst>
-      <p:par>
-        <p:cTn id="1" dur="indefinite" restart="never" nodeType="tmRoot"/>
-      </p:par>
-    </p:tnLst>
-  </p:timing>
-</p:sld>
-</file>
-
 <file path=ppt/theme/theme1.xml><?xml version="1.0" encoding="utf-8"?>
 <a:theme xmlns:a="http://schemas.openxmlformats.org/drawingml/2006/main" name="平衡">
   <a:themeElements>

--- a/论文PPT.pptx
+++ b/论文PPT.pptx
@@ -123,6 +123,22 @@
       </a:defRPr>
     </a:lvl9pPr>
   </p:defaultTextStyle>
+  <p:extLst>
+    <p:ext uri="{EFAFB233-063F-42B5-8137-9DF3F51BA10A}">
+      <p15:sldGuideLst xmlns:p15="http://schemas.microsoft.com/office/powerpoint/2012/main">
+        <p15:guide id="1" orient="horz" pos="2160">
+          <p15:clr>
+            <a:srgbClr val="A4A3A4"/>
+          </p15:clr>
+        </p15:guide>
+        <p15:guide id="2" pos="2880">
+          <p15:clr>
+            <a:srgbClr val="A4A3A4"/>
+          </p15:clr>
+        </p15:guide>
+      </p15:sldGuideLst>
+    </p:ext>
+  </p:extLst>
 </p:presentation>
 </file>
 
@@ -3255,6 +3271,788 @@
 </file>
 
 <file path=ppt/diagrams/colors5.xml><?xml version="1.0" encoding="utf-8"?>
+<dgm:colorsDef xmlns:dgm="http://schemas.openxmlformats.org/drawingml/2006/diagram" xmlns:a="http://schemas.openxmlformats.org/drawingml/2006/main" uniqueId="urn:microsoft.com/office/officeart/2005/8/colors/colorful4">
+  <dgm:title val=""/>
+  <dgm:desc val=""/>
+  <dgm:catLst>
+    <dgm:cat type="colorful" pri="10400"/>
+  </dgm:catLst>
+  <dgm:styleLbl name="node0">
+    <dgm:fillClrLst meth="repeat">
+      <a:schemeClr val="accent3"/>
+    </dgm:fillClrLst>
+    <dgm:linClrLst meth="repeat">
+      <a:schemeClr val="lt1"/>
+    </dgm:linClrLst>
+    <dgm:effectClrLst/>
+    <dgm:txLinClrLst/>
+    <dgm:txFillClrLst/>
+    <dgm:txEffectClrLst/>
+  </dgm:styleLbl>
+  <dgm:styleLbl name="node1">
+    <dgm:fillClrLst>
+      <a:schemeClr val="accent4"/>
+      <a:schemeClr val="accent5"/>
+    </dgm:fillClrLst>
+    <dgm:linClrLst meth="repeat">
+      <a:schemeClr val="lt1"/>
+    </dgm:linClrLst>
+    <dgm:effectClrLst/>
+    <dgm:txLinClrLst/>
+    <dgm:txFillClrLst/>
+    <dgm:txEffectClrLst/>
+  </dgm:styleLbl>
+  <dgm:styleLbl name="alignNode1">
+    <dgm:fillClrLst>
+      <a:schemeClr val="accent4"/>
+      <a:schemeClr val="accent5"/>
+    </dgm:fillClrLst>
+    <dgm:linClrLst>
+      <a:schemeClr val="accent4"/>
+      <a:schemeClr val="accent5"/>
+    </dgm:linClrLst>
+    <dgm:effectClrLst/>
+    <dgm:txLinClrLst/>
+    <dgm:txFillClrLst/>
+    <dgm:txEffectClrLst/>
+  </dgm:styleLbl>
+  <dgm:styleLbl name="lnNode1">
+    <dgm:fillClrLst>
+      <a:schemeClr val="accent4"/>
+      <a:schemeClr val="accent5"/>
+    </dgm:fillClrLst>
+    <dgm:linClrLst meth="repeat">
+      <a:schemeClr val="lt1"/>
+    </dgm:linClrLst>
+    <dgm:effectClrLst/>
+    <dgm:txLinClrLst/>
+    <dgm:txFillClrLst/>
+    <dgm:txEffectClrLst/>
+  </dgm:styleLbl>
+  <dgm:styleLbl name="vennNode1">
+    <dgm:fillClrLst>
+      <a:schemeClr val="accent4">
+        <a:alpha val="50000"/>
+      </a:schemeClr>
+      <a:schemeClr val="accent5">
+        <a:alpha val="50000"/>
+      </a:schemeClr>
+    </dgm:fillClrLst>
+    <dgm:linClrLst meth="repeat">
+      <a:schemeClr val="lt1"/>
+    </dgm:linClrLst>
+    <dgm:effectClrLst/>
+    <dgm:txLinClrLst/>
+    <dgm:txFillClrLst/>
+    <dgm:txEffectClrLst/>
+  </dgm:styleLbl>
+  <dgm:styleLbl name="node2">
+    <dgm:fillClrLst>
+      <a:schemeClr val="accent5"/>
+    </dgm:fillClrLst>
+    <dgm:linClrLst meth="repeat">
+      <a:schemeClr val="lt1"/>
+    </dgm:linClrLst>
+    <dgm:effectClrLst/>
+    <dgm:txLinClrLst/>
+    <dgm:txFillClrLst/>
+    <dgm:txEffectClrLst/>
+  </dgm:styleLbl>
+  <dgm:styleLbl name="node3">
+    <dgm:fillClrLst>
+      <a:schemeClr val="accent6"/>
+    </dgm:fillClrLst>
+    <dgm:linClrLst meth="repeat">
+      <a:schemeClr val="lt1"/>
+    </dgm:linClrLst>
+    <dgm:effectClrLst/>
+    <dgm:txLinClrLst/>
+    <dgm:txFillClrLst/>
+    <dgm:txEffectClrLst/>
+  </dgm:styleLbl>
+  <dgm:styleLbl name="node4">
+    <dgm:fillClrLst>
+      <a:schemeClr val="accent1"/>
+    </dgm:fillClrLst>
+    <dgm:linClrLst meth="repeat">
+      <a:schemeClr val="lt1"/>
+    </dgm:linClrLst>
+    <dgm:effectClrLst/>
+    <dgm:txLinClrLst/>
+    <dgm:txFillClrLst/>
+    <dgm:txEffectClrLst/>
+  </dgm:styleLbl>
+  <dgm:styleLbl name="fgImgPlace1">
+    <dgm:fillClrLst>
+      <a:schemeClr val="accent4">
+        <a:tint val="50000"/>
+      </a:schemeClr>
+      <a:schemeClr val="accent5">
+        <a:tint val="50000"/>
+      </a:schemeClr>
+    </dgm:fillClrLst>
+    <dgm:linClrLst meth="repeat">
+      <a:schemeClr val="lt1"/>
+    </dgm:linClrLst>
+    <dgm:effectClrLst/>
+    <dgm:txLinClrLst/>
+    <dgm:txFillClrLst meth="repeat">
+      <a:schemeClr val="lt1"/>
+    </dgm:txFillClrLst>
+    <dgm:txEffectClrLst/>
+  </dgm:styleLbl>
+  <dgm:styleLbl name="alignImgPlace1">
+    <dgm:fillClrLst>
+      <a:schemeClr val="accent4">
+        <a:tint val="50000"/>
+      </a:schemeClr>
+      <a:schemeClr val="accent5">
+        <a:tint val="20000"/>
+      </a:schemeClr>
+    </dgm:fillClrLst>
+    <dgm:linClrLst meth="repeat">
+      <a:schemeClr val="lt1"/>
+    </dgm:linClrLst>
+    <dgm:effectClrLst/>
+    <dgm:txLinClrLst/>
+    <dgm:txFillClrLst meth="repeat">
+      <a:schemeClr val="lt1"/>
+    </dgm:txFillClrLst>
+    <dgm:txEffectClrLst/>
+  </dgm:styleLbl>
+  <dgm:styleLbl name="bgImgPlace1">
+    <dgm:fillClrLst>
+      <a:schemeClr val="accent4">
+        <a:tint val="50000"/>
+      </a:schemeClr>
+      <a:schemeClr val="accent5">
+        <a:tint val="20000"/>
+      </a:schemeClr>
+    </dgm:fillClrLst>
+    <dgm:linClrLst meth="repeat">
+      <a:schemeClr val="lt1"/>
+    </dgm:linClrLst>
+    <dgm:effectClrLst/>
+    <dgm:txLinClrLst/>
+    <dgm:txFillClrLst meth="repeat">
+      <a:schemeClr val="lt1"/>
+    </dgm:txFillClrLst>
+    <dgm:txEffectClrLst/>
+  </dgm:styleLbl>
+  <dgm:styleLbl name="sibTrans2D1">
+    <dgm:fillClrLst>
+      <a:schemeClr val="accent4"/>
+      <a:schemeClr val="accent5"/>
+    </dgm:fillClrLst>
+    <dgm:linClrLst meth="repeat">
+      <a:schemeClr val="lt1"/>
+    </dgm:linClrLst>
+    <dgm:effectClrLst/>
+    <dgm:txLinClrLst/>
+    <dgm:txFillClrLst/>
+    <dgm:txEffectClrLst/>
+  </dgm:styleLbl>
+  <dgm:styleLbl name="fgSibTrans2D1">
+    <dgm:fillClrLst>
+      <a:schemeClr val="accent4"/>
+      <a:schemeClr val="accent5"/>
+    </dgm:fillClrLst>
+    <dgm:linClrLst meth="repeat">
+      <a:schemeClr val="lt1"/>
+    </dgm:linClrLst>
+    <dgm:effectClrLst/>
+    <dgm:txLinClrLst/>
+    <dgm:txFillClrLst meth="repeat">
+      <a:schemeClr val="lt1"/>
+    </dgm:txFillClrLst>
+    <dgm:txEffectClrLst/>
+  </dgm:styleLbl>
+  <dgm:styleLbl name="bgSibTrans2D1">
+    <dgm:fillClrLst>
+      <a:schemeClr val="accent4"/>
+      <a:schemeClr val="accent5"/>
+    </dgm:fillClrLst>
+    <dgm:linClrLst meth="repeat">
+      <a:schemeClr val="lt1"/>
+    </dgm:linClrLst>
+    <dgm:effectClrLst/>
+    <dgm:txLinClrLst/>
+    <dgm:txFillClrLst meth="repeat">
+      <a:schemeClr val="lt1"/>
+    </dgm:txFillClrLst>
+    <dgm:txEffectClrLst/>
+  </dgm:styleLbl>
+  <dgm:styleLbl name="sibTrans1D1">
+    <dgm:fillClrLst/>
+    <dgm:linClrLst>
+      <a:schemeClr val="accent4"/>
+      <a:schemeClr val="accent5"/>
+    </dgm:linClrLst>
+    <dgm:effectClrLst/>
+    <dgm:txLinClrLst/>
+    <dgm:txFillClrLst meth="repeat">
+      <a:schemeClr val="tx1"/>
+    </dgm:txFillClrLst>
+    <dgm:txEffectClrLst/>
+  </dgm:styleLbl>
+  <dgm:styleLbl name="callout">
+    <dgm:fillClrLst meth="repeat">
+      <a:schemeClr val="accent4"/>
+    </dgm:fillClrLst>
+    <dgm:linClrLst meth="repeat">
+      <a:schemeClr val="accent4">
+        <a:tint val="50000"/>
+      </a:schemeClr>
+    </dgm:linClrLst>
+    <dgm:effectClrLst/>
+    <dgm:txLinClrLst/>
+    <dgm:txFillClrLst meth="repeat">
+      <a:schemeClr val="tx1"/>
+    </dgm:txFillClrLst>
+    <dgm:txEffectClrLst/>
+  </dgm:styleLbl>
+  <dgm:styleLbl name="asst0">
+    <dgm:fillClrLst meth="repeat">
+      <a:schemeClr val="accent4"/>
+    </dgm:fillClrLst>
+    <dgm:linClrLst meth="repeat">
+      <a:schemeClr val="lt1">
+        <a:shade val="80000"/>
+      </a:schemeClr>
+    </dgm:linClrLst>
+    <dgm:effectClrLst/>
+    <dgm:txLinClrLst/>
+    <dgm:txFillClrLst/>
+    <dgm:txEffectClrLst/>
+  </dgm:styleLbl>
+  <dgm:styleLbl name="asst1">
+    <dgm:fillClrLst meth="repeat">
+      <a:schemeClr val="accent5"/>
+    </dgm:fillClrLst>
+    <dgm:linClrLst meth="repeat">
+      <a:schemeClr val="lt1">
+        <a:shade val="80000"/>
+      </a:schemeClr>
+    </dgm:linClrLst>
+    <dgm:effectClrLst/>
+    <dgm:txLinClrLst/>
+    <dgm:txFillClrLst/>
+    <dgm:txEffectClrLst/>
+  </dgm:styleLbl>
+  <dgm:styleLbl name="asst2">
+    <dgm:fillClrLst>
+      <a:schemeClr val="accent6"/>
+    </dgm:fillClrLst>
+    <dgm:linClrLst meth="repeat">
+      <a:schemeClr val="lt1"/>
+    </dgm:linClrLst>
+    <dgm:effectClrLst/>
+    <dgm:txLinClrLst/>
+    <dgm:txFillClrLst/>
+    <dgm:txEffectClrLst/>
+  </dgm:styleLbl>
+  <dgm:styleLbl name="asst3">
+    <dgm:fillClrLst>
+      <a:schemeClr val="accent1"/>
+    </dgm:fillClrLst>
+    <dgm:linClrLst meth="repeat">
+      <a:schemeClr val="lt1"/>
+    </dgm:linClrLst>
+    <dgm:effectClrLst/>
+    <dgm:txLinClrLst/>
+    <dgm:txFillClrLst/>
+    <dgm:txEffectClrLst/>
+  </dgm:styleLbl>
+  <dgm:styleLbl name="asst4">
+    <dgm:fillClrLst>
+      <a:schemeClr val="accent2"/>
+    </dgm:fillClrLst>
+    <dgm:linClrLst meth="repeat">
+      <a:schemeClr val="lt1"/>
+    </dgm:linClrLst>
+    <dgm:effectClrLst/>
+    <dgm:txLinClrLst/>
+    <dgm:txFillClrLst/>
+    <dgm:txEffectClrLst/>
+  </dgm:styleLbl>
+  <dgm:styleLbl name="parChTrans2D1">
+    <dgm:fillClrLst meth="repeat">
+      <a:schemeClr val="accent4"/>
+    </dgm:fillClrLst>
+    <dgm:linClrLst meth="repeat">
+      <a:schemeClr val="lt1"/>
+    </dgm:linClrLst>
+    <dgm:effectClrLst/>
+    <dgm:txLinClrLst/>
+    <dgm:txFillClrLst meth="repeat">
+      <a:schemeClr val="lt1"/>
+    </dgm:txFillClrLst>
+    <dgm:txEffectClrLst/>
+  </dgm:styleLbl>
+  <dgm:styleLbl name="parChTrans2D2">
+    <dgm:fillClrLst meth="repeat">
+      <a:schemeClr val="accent5"/>
+    </dgm:fillClrLst>
+    <dgm:linClrLst meth="repeat">
+      <a:schemeClr val="lt1"/>
+    </dgm:linClrLst>
+    <dgm:effectClrLst/>
+    <dgm:txLinClrLst/>
+    <dgm:txFillClrLst/>
+    <dgm:txEffectClrLst/>
+  </dgm:styleLbl>
+  <dgm:styleLbl name="parChTrans2D3">
+    <dgm:fillClrLst meth="repeat">
+      <a:schemeClr val="accent5"/>
+    </dgm:fillClrLst>
+    <dgm:linClrLst meth="repeat">
+      <a:schemeClr val="lt1"/>
+    </dgm:linClrLst>
+    <dgm:effectClrLst/>
+    <dgm:txLinClrLst/>
+    <dgm:txFillClrLst/>
+    <dgm:txEffectClrLst/>
+  </dgm:styleLbl>
+  <dgm:styleLbl name="parChTrans2D4">
+    <dgm:fillClrLst meth="repeat">
+      <a:schemeClr val="accent6"/>
+    </dgm:fillClrLst>
+    <dgm:linClrLst meth="repeat">
+      <a:schemeClr val="lt1"/>
+    </dgm:linClrLst>
+    <dgm:effectClrLst/>
+    <dgm:txLinClrLst/>
+    <dgm:txFillClrLst meth="repeat">
+      <a:schemeClr val="lt1"/>
+    </dgm:txFillClrLst>
+    <dgm:txEffectClrLst/>
+  </dgm:styleLbl>
+  <dgm:styleLbl name="parChTrans1D1">
+    <dgm:fillClrLst meth="repeat">
+      <a:schemeClr val="accent4"/>
+    </dgm:fillClrLst>
+    <dgm:linClrLst meth="repeat">
+      <a:schemeClr val="accent4"/>
+    </dgm:linClrLst>
+    <dgm:effectClrLst/>
+    <dgm:txLinClrLst/>
+    <dgm:txFillClrLst meth="repeat">
+      <a:schemeClr val="tx1"/>
+    </dgm:txFillClrLst>
+    <dgm:txEffectClrLst/>
+  </dgm:styleLbl>
+  <dgm:styleLbl name="parChTrans1D2">
+    <dgm:fillClrLst meth="repeat">
+      <a:schemeClr val="accent4">
+        <a:tint val="90000"/>
+      </a:schemeClr>
+    </dgm:fillClrLst>
+    <dgm:linClrLst meth="repeat">
+      <a:schemeClr val="accent5"/>
+    </dgm:linClrLst>
+    <dgm:effectClrLst/>
+    <dgm:txLinClrLst/>
+    <dgm:txFillClrLst meth="repeat">
+      <a:schemeClr val="tx1"/>
+    </dgm:txFillClrLst>
+    <dgm:txEffectClrLst/>
+  </dgm:styleLbl>
+  <dgm:styleLbl name="parChTrans1D3">
+    <dgm:fillClrLst meth="repeat">
+      <a:schemeClr val="accent4">
+        <a:tint val="70000"/>
+      </a:schemeClr>
+    </dgm:fillClrLst>
+    <dgm:linClrLst meth="repeat">
+      <a:schemeClr val="accent6"/>
+    </dgm:linClrLst>
+    <dgm:effectClrLst/>
+    <dgm:txLinClrLst/>
+    <dgm:txFillClrLst meth="repeat">
+      <a:schemeClr val="tx1"/>
+    </dgm:txFillClrLst>
+    <dgm:txEffectClrLst/>
+  </dgm:styleLbl>
+  <dgm:styleLbl name="parChTrans1D4">
+    <dgm:fillClrLst meth="repeat">
+      <a:schemeClr val="accent4">
+        <a:tint val="50000"/>
+      </a:schemeClr>
+    </dgm:fillClrLst>
+    <dgm:linClrLst meth="repeat">
+      <a:schemeClr val="accent1"/>
+    </dgm:linClrLst>
+    <dgm:effectClrLst/>
+    <dgm:txLinClrLst/>
+    <dgm:txFillClrLst meth="repeat">
+      <a:schemeClr val="tx1"/>
+    </dgm:txFillClrLst>
+    <dgm:txEffectClrLst/>
+  </dgm:styleLbl>
+  <dgm:styleLbl name="fgAcc1">
+    <dgm:fillClrLst meth="repeat">
+      <a:schemeClr val="lt1">
+        <a:alpha val="90000"/>
+      </a:schemeClr>
+    </dgm:fillClrLst>
+    <dgm:linClrLst>
+      <a:schemeClr val="accent4"/>
+      <a:schemeClr val="accent5"/>
+    </dgm:linClrLst>
+    <dgm:effectClrLst/>
+    <dgm:txLinClrLst/>
+    <dgm:txFillClrLst meth="repeat">
+      <a:schemeClr val="dk1"/>
+    </dgm:txFillClrLst>
+    <dgm:txEffectClrLst/>
+  </dgm:styleLbl>
+  <dgm:styleLbl name="conFgAcc1">
+    <dgm:fillClrLst meth="repeat">
+      <a:schemeClr val="lt1">
+        <a:alpha val="90000"/>
+      </a:schemeClr>
+    </dgm:fillClrLst>
+    <dgm:linClrLst>
+      <a:schemeClr val="accent4"/>
+      <a:schemeClr val="accent5"/>
+    </dgm:linClrLst>
+    <dgm:effectClrLst/>
+    <dgm:txLinClrLst/>
+    <dgm:txFillClrLst meth="repeat">
+      <a:schemeClr val="dk1"/>
+    </dgm:txFillClrLst>
+    <dgm:txEffectClrLst/>
+  </dgm:styleLbl>
+  <dgm:styleLbl name="alignAcc1">
+    <dgm:fillClrLst meth="repeat">
+      <a:schemeClr val="lt1">
+        <a:alpha val="90000"/>
+      </a:schemeClr>
+    </dgm:fillClrLst>
+    <dgm:linClrLst>
+      <a:schemeClr val="accent4"/>
+      <a:schemeClr val="accent5"/>
+    </dgm:linClrLst>
+    <dgm:effectClrLst/>
+    <dgm:txLinClrLst/>
+    <dgm:txFillClrLst meth="repeat">
+      <a:schemeClr val="dk1"/>
+    </dgm:txFillClrLst>
+    <dgm:txEffectClrLst/>
+  </dgm:styleLbl>
+  <dgm:styleLbl name="trAlignAcc1">
+    <dgm:fillClrLst meth="repeat">
+      <a:schemeClr val="lt1">
+        <a:alpha val="40000"/>
+      </a:schemeClr>
+    </dgm:fillClrLst>
+    <dgm:linClrLst meth="repeat">
+      <a:schemeClr val="accent4"/>
+    </dgm:linClrLst>
+    <dgm:effectClrLst/>
+    <dgm:txLinClrLst/>
+    <dgm:txFillClrLst meth="repeat">
+      <a:schemeClr val="dk1"/>
+    </dgm:txFillClrLst>
+    <dgm:txEffectClrLst/>
+  </dgm:styleLbl>
+  <dgm:styleLbl name="bgAcc1">
+    <dgm:fillClrLst meth="repeat">
+      <a:schemeClr val="lt1">
+        <a:alpha val="90000"/>
+      </a:schemeClr>
+    </dgm:fillClrLst>
+    <dgm:linClrLst>
+      <a:schemeClr val="accent4"/>
+      <a:schemeClr val="accent5"/>
+    </dgm:linClrLst>
+    <dgm:effectClrLst/>
+    <dgm:txLinClrLst/>
+    <dgm:txFillClrLst meth="repeat">
+      <a:schemeClr val="dk1"/>
+    </dgm:txFillClrLst>
+    <dgm:txEffectClrLst/>
+  </dgm:styleLbl>
+  <dgm:styleLbl name="solidFgAcc1">
+    <dgm:fillClrLst meth="repeat">
+      <a:schemeClr val="lt1"/>
+    </dgm:fillClrLst>
+    <dgm:linClrLst>
+      <a:schemeClr val="accent4"/>
+      <a:schemeClr val="accent5"/>
+    </dgm:linClrLst>
+    <dgm:effectClrLst/>
+    <dgm:txLinClrLst/>
+    <dgm:txFillClrLst meth="repeat">
+      <a:schemeClr val="dk1"/>
+    </dgm:txFillClrLst>
+    <dgm:txEffectClrLst/>
+  </dgm:styleLbl>
+  <dgm:styleLbl name="solidAlignAcc1">
+    <dgm:fillClrLst meth="repeat">
+      <a:schemeClr val="lt1"/>
+    </dgm:fillClrLst>
+    <dgm:linClrLst>
+      <a:schemeClr val="accent4"/>
+      <a:schemeClr val="accent5"/>
+    </dgm:linClrLst>
+    <dgm:effectClrLst/>
+    <dgm:txLinClrLst/>
+    <dgm:txFillClrLst meth="repeat">
+      <a:schemeClr val="dk1"/>
+    </dgm:txFillClrLst>
+    <dgm:txEffectClrLst/>
+  </dgm:styleLbl>
+  <dgm:styleLbl name="solidBgAcc1">
+    <dgm:fillClrLst meth="repeat">
+      <a:schemeClr val="lt1"/>
+    </dgm:fillClrLst>
+    <dgm:linClrLst>
+      <a:schemeClr val="accent4"/>
+      <a:schemeClr val="accent5"/>
+    </dgm:linClrLst>
+    <dgm:effectClrLst/>
+    <dgm:txLinClrLst/>
+    <dgm:txFillClrLst meth="repeat">
+      <a:schemeClr val="dk1"/>
+    </dgm:txFillClrLst>
+    <dgm:txEffectClrLst/>
+  </dgm:styleLbl>
+  <dgm:styleLbl name="fgAccFollowNode1">
+    <dgm:fillClrLst>
+      <a:schemeClr val="accent4">
+        <a:tint val="40000"/>
+        <a:alpha val="90000"/>
+      </a:schemeClr>
+      <a:schemeClr val="accent5">
+        <a:tint val="40000"/>
+        <a:alpha val="90000"/>
+      </a:schemeClr>
+    </dgm:fillClrLst>
+    <dgm:linClrLst>
+      <a:schemeClr val="accent4">
+        <a:tint val="40000"/>
+        <a:alpha val="90000"/>
+      </a:schemeClr>
+      <a:schemeClr val="accent5">
+        <a:tint val="40000"/>
+        <a:alpha val="90000"/>
+      </a:schemeClr>
+    </dgm:linClrLst>
+    <dgm:effectClrLst/>
+    <dgm:txLinClrLst/>
+    <dgm:txFillClrLst meth="repeat">
+      <a:schemeClr val="dk1"/>
+    </dgm:txFillClrLst>
+    <dgm:txEffectClrLst/>
+  </dgm:styleLbl>
+  <dgm:styleLbl name="alignAccFollowNode1">
+    <dgm:fillClrLst>
+      <a:schemeClr val="accent4">
+        <a:tint val="40000"/>
+        <a:alpha val="90000"/>
+      </a:schemeClr>
+      <a:schemeClr val="accent5">
+        <a:tint val="40000"/>
+        <a:alpha val="90000"/>
+      </a:schemeClr>
+    </dgm:fillClrLst>
+    <dgm:linClrLst>
+      <a:schemeClr val="accent4">
+        <a:tint val="40000"/>
+        <a:alpha val="90000"/>
+      </a:schemeClr>
+      <a:schemeClr val="accent5">
+        <a:tint val="40000"/>
+        <a:alpha val="90000"/>
+      </a:schemeClr>
+    </dgm:linClrLst>
+    <dgm:effectClrLst/>
+    <dgm:txLinClrLst/>
+    <dgm:txFillClrLst meth="repeat">
+      <a:schemeClr val="dk1"/>
+    </dgm:txFillClrLst>
+    <dgm:txEffectClrLst/>
+  </dgm:styleLbl>
+  <dgm:styleLbl name="bgAccFollowNode1">
+    <dgm:fillClrLst>
+      <a:schemeClr val="accent4">
+        <a:tint val="40000"/>
+        <a:alpha val="90000"/>
+      </a:schemeClr>
+      <a:schemeClr val="accent5">
+        <a:tint val="40000"/>
+        <a:alpha val="90000"/>
+      </a:schemeClr>
+    </dgm:fillClrLst>
+    <dgm:linClrLst>
+      <a:schemeClr val="accent4">
+        <a:tint val="40000"/>
+        <a:alpha val="90000"/>
+      </a:schemeClr>
+      <a:schemeClr val="accent5">
+        <a:tint val="40000"/>
+        <a:alpha val="90000"/>
+      </a:schemeClr>
+    </dgm:linClrLst>
+    <dgm:effectClrLst/>
+    <dgm:txLinClrLst/>
+    <dgm:txFillClrLst meth="repeat">
+      <a:schemeClr val="dk1"/>
+    </dgm:txFillClrLst>
+    <dgm:txEffectClrLst/>
+  </dgm:styleLbl>
+  <dgm:styleLbl name="fgAcc0">
+    <dgm:fillClrLst meth="repeat">
+      <a:schemeClr val="lt1">
+        <a:alpha val="90000"/>
+      </a:schemeClr>
+    </dgm:fillClrLst>
+    <dgm:linClrLst>
+      <a:schemeClr val="accent3"/>
+    </dgm:linClrLst>
+    <dgm:effectClrLst/>
+    <dgm:txLinClrLst/>
+    <dgm:txFillClrLst meth="repeat">
+      <a:schemeClr val="dk1"/>
+    </dgm:txFillClrLst>
+    <dgm:txEffectClrLst/>
+  </dgm:styleLbl>
+  <dgm:styleLbl name="fgAcc2">
+    <dgm:fillClrLst meth="repeat">
+      <a:schemeClr val="lt1">
+        <a:alpha val="90000"/>
+      </a:schemeClr>
+    </dgm:fillClrLst>
+    <dgm:linClrLst>
+      <a:schemeClr val="accent5"/>
+    </dgm:linClrLst>
+    <dgm:effectClrLst/>
+    <dgm:txLinClrLst/>
+    <dgm:txFillClrLst meth="repeat">
+      <a:schemeClr val="dk1"/>
+    </dgm:txFillClrLst>
+    <dgm:txEffectClrLst/>
+  </dgm:styleLbl>
+  <dgm:styleLbl name="fgAcc3">
+    <dgm:fillClrLst meth="repeat">
+      <a:schemeClr val="lt1">
+        <a:alpha val="90000"/>
+      </a:schemeClr>
+    </dgm:fillClrLst>
+    <dgm:linClrLst>
+      <a:schemeClr val="accent6"/>
+    </dgm:linClrLst>
+    <dgm:effectClrLst/>
+    <dgm:txLinClrLst/>
+    <dgm:txFillClrLst meth="repeat">
+      <a:schemeClr val="dk1"/>
+    </dgm:txFillClrLst>
+    <dgm:txEffectClrLst/>
+  </dgm:styleLbl>
+  <dgm:styleLbl name="fgAcc4">
+    <dgm:fillClrLst meth="repeat">
+      <a:schemeClr val="lt1">
+        <a:alpha val="90000"/>
+      </a:schemeClr>
+    </dgm:fillClrLst>
+    <dgm:linClrLst>
+      <a:schemeClr val="accent1"/>
+    </dgm:linClrLst>
+    <dgm:effectClrLst/>
+    <dgm:txLinClrLst/>
+    <dgm:txFillClrLst meth="repeat">
+      <a:schemeClr val="dk1"/>
+    </dgm:txFillClrLst>
+    <dgm:txEffectClrLst/>
+  </dgm:styleLbl>
+  <dgm:styleLbl name="bgShp">
+    <dgm:fillClrLst meth="repeat">
+      <a:schemeClr val="accent4">
+        <a:tint val="40000"/>
+      </a:schemeClr>
+    </dgm:fillClrLst>
+    <dgm:linClrLst meth="repeat">
+      <a:schemeClr val="dk1"/>
+    </dgm:linClrLst>
+    <dgm:effectClrLst/>
+    <dgm:txLinClrLst/>
+    <dgm:txFillClrLst meth="repeat">
+      <a:schemeClr val="dk1"/>
+    </dgm:txFillClrLst>
+    <dgm:txEffectClrLst/>
+  </dgm:styleLbl>
+  <dgm:styleLbl name="dkBgShp">
+    <dgm:fillClrLst meth="repeat">
+      <a:schemeClr val="accent4">
+        <a:shade val="90000"/>
+      </a:schemeClr>
+    </dgm:fillClrLst>
+    <dgm:linClrLst meth="repeat">
+      <a:schemeClr val="dk1"/>
+    </dgm:linClrLst>
+    <dgm:effectClrLst/>
+    <dgm:txLinClrLst/>
+    <dgm:txFillClrLst meth="repeat">
+      <a:schemeClr val="lt1"/>
+    </dgm:txFillClrLst>
+    <dgm:txEffectClrLst/>
+  </dgm:styleLbl>
+  <dgm:styleLbl name="trBgShp">
+    <dgm:fillClrLst meth="repeat">
+      <a:schemeClr val="accent4">
+        <a:tint val="50000"/>
+        <a:alpha val="40000"/>
+      </a:schemeClr>
+    </dgm:fillClrLst>
+    <dgm:linClrLst meth="repeat">
+      <a:schemeClr val="accent4"/>
+    </dgm:linClrLst>
+    <dgm:effectClrLst/>
+    <dgm:txLinClrLst/>
+    <dgm:txFillClrLst meth="repeat">
+      <a:schemeClr val="lt1"/>
+    </dgm:txFillClrLst>
+    <dgm:txEffectClrLst/>
+  </dgm:styleLbl>
+  <dgm:styleLbl name="fgShp">
+    <dgm:fillClrLst meth="repeat">
+      <a:schemeClr val="accent4">
+        <a:tint val="40000"/>
+      </a:schemeClr>
+    </dgm:fillClrLst>
+    <dgm:linClrLst meth="repeat">
+      <a:schemeClr val="lt1"/>
+    </dgm:linClrLst>
+    <dgm:effectClrLst/>
+    <dgm:txLinClrLst/>
+    <dgm:txFillClrLst meth="repeat">
+      <a:schemeClr val="dk1"/>
+    </dgm:txFillClrLst>
+    <dgm:txEffectClrLst/>
+  </dgm:styleLbl>
+  <dgm:styleLbl name="revTx">
+    <dgm:fillClrLst meth="repeat">
+      <a:schemeClr val="lt1">
+        <a:alpha val="0"/>
+      </a:schemeClr>
+    </dgm:fillClrLst>
+    <dgm:linClrLst meth="repeat">
+      <a:schemeClr val="dk1">
+        <a:alpha val="0"/>
+      </a:schemeClr>
+    </dgm:linClrLst>
+    <dgm:effectClrLst/>
+    <dgm:txLinClrLst/>
+    <dgm:txFillClrLst meth="repeat">
+      <a:schemeClr val="tx1"/>
+    </dgm:txFillClrLst>
+    <dgm:txEffectClrLst/>
+  </dgm:styleLbl>
+</dgm:colorsDef>
+</file>
+
+<file path=ppt/diagrams/colors6.xml><?xml version="1.0" encoding="utf-8"?>
 <dgm:colorsDef xmlns:dgm="http://schemas.openxmlformats.org/drawingml/2006/diagram" xmlns:a="http://schemas.openxmlformats.org/drawingml/2006/main" uniqueId="urn:microsoft.com/office/officeart/2005/8/colors/accent1_2">
   <dgm:title val=""/>
   <dgm:desc val=""/>
@@ -4004,6 +4802,203 @@
 <file path=ppt/diagrams/data1.xml><?xml version="1.0" encoding="utf-8"?>
 <dgm:dataModel xmlns:dgm="http://schemas.openxmlformats.org/drawingml/2006/diagram" xmlns:a="http://schemas.openxmlformats.org/drawingml/2006/main">
   <dgm:ptLst>
+    <dgm:pt modelId="{8C2D2E2F-EF56-470C-9F01-99C18B4AA013}" type="doc">
+      <dgm:prSet loTypeId="urn:microsoft.com/office/officeart/2005/8/layout/process2" loCatId="process" qsTypeId="urn:microsoft.com/office/officeart/2005/8/quickstyle/simple1" qsCatId="simple" csTypeId="urn:microsoft.com/office/officeart/2005/8/colors/colorful4" csCatId="colorful" phldr="1"/>
+      <dgm:spPr/>
+    </dgm:pt>
+    <dgm:pt modelId="{B76ED8E4-CE27-44FD-908D-0EC1F2F45269}">
+      <dgm:prSet phldrT="[Text]"/>
+      <dgm:spPr/>
+      <dgm:t>
+        <a:bodyPr/>
+        <a:lstStyle/>
+        <a:p>
+          <a:r>
+            <a:rPr lang="zh-CN" altLang="en-US" dirty="0"/>
+            <a:t>管理系统数据输入</a:t>
+          </a:r>
+          <a:endParaRPr lang="en-US" altLang="zh-CN" dirty="0"/>
+        </a:p>
+      </dgm:t>
+    </dgm:pt>
+    <dgm:pt modelId="{EDB3C1CE-443F-4A57-A69D-6A114A0603F6}" type="parTrans" cxnId="{818AC825-2DF8-44B8-8E10-8D240EE587DF}">
+      <dgm:prSet/>
+      <dgm:spPr/>
+      <dgm:t>
+        <a:bodyPr/>
+        <a:lstStyle/>
+        <a:p>
+          <a:endParaRPr lang="en-US" altLang="zh-CN"/>
+        </a:p>
+      </dgm:t>
+    </dgm:pt>
+    <dgm:pt modelId="{2C219934-0AA3-4F06-8EC2-F145B469A87E}" type="sibTrans" cxnId="{818AC825-2DF8-44B8-8E10-8D240EE587DF}">
+      <dgm:prSet/>
+      <dgm:spPr/>
+      <dgm:t>
+        <a:bodyPr/>
+        <a:lstStyle/>
+        <a:p>
+          <a:endParaRPr lang="en-US" altLang="zh-CN"/>
+        </a:p>
+      </dgm:t>
+    </dgm:pt>
+    <dgm:pt modelId="{283BB913-B767-400F-AC90-713D2AEB50DF}">
+      <dgm:prSet phldrT="[Text]"/>
+      <dgm:spPr/>
+      <dgm:t>
+        <a:bodyPr/>
+        <a:lstStyle/>
+        <a:p>
+          <a:r>
+            <a:rPr lang="zh-CN" altLang="en-US" dirty="0"/>
+            <a:t>接口</a:t>
+          </a:r>
+          <a:endParaRPr lang="en-US" altLang="zh-CN" dirty="0"/>
+        </a:p>
+      </dgm:t>
+    </dgm:pt>
+    <dgm:pt modelId="{6318405F-942A-4CF2-9461-1048E3D2B3B8}" type="parTrans" cxnId="{8D42E277-90E8-42EF-B53C-6C2D5DE3BD74}">
+      <dgm:prSet/>
+      <dgm:spPr/>
+      <dgm:t>
+        <a:bodyPr/>
+        <a:lstStyle/>
+        <a:p>
+          <a:endParaRPr lang="en-US" altLang="zh-CN"/>
+        </a:p>
+      </dgm:t>
+    </dgm:pt>
+    <dgm:pt modelId="{E0CA384F-87C0-44C8-A752-949E5DE3468E}" type="sibTrans" cxnId="{8D42E277-90E8-42EF-B53C-6C2D5DE3BD74}">
+      <dgm:prSet/>
+      <dgm:spPr/>
+      <dgm:t>
+        <a:bodyPr/>
+        <a:lstStyle/>
+        <a:p>
+          <a:endParaRPr lang="en-US" altLang="zh-CN"/>
+        </a:p>
+      </dgm:t>
+    </dgm:pt>
+    <dgm:pt modelId="{464B3A4C-75CC-42F2-A09B-FED75B63F0F9}">
+      <dgm:prSet phldrT="[Text]"/>
+      <dgm:spPr/>
+      <dgm:t>
+        <a:bodyPr/>
+        <a:lstStyle/>
+        <a:p>
+          <a:r>
+            <a:rPr lang="zh-CN" altLang="en-US" dirty="0"/>
+            <a:t>移动应用数据输出</a:t>
+          </a:r>
+          <a:endParaRPr lang="en-US" altLang="zh-CN" dirty="0"/>
+        </a:p>
+      </dgm:t>
+    </dgm:pt>
+    <dgm:pt modelId="{CE1A4840-1B7E-48CF-9986-86CB855FEDD1}" type="parTrans" cxnId="{9EE87D2F-DE75-4ACE-97F8-C1D931CD873A}">
+      <dgm:prSet/>
+      <dgm:spPr/>
+      <dgm:t>
+        <a:bodyPr/>
+        <a:lstStyle/>
+        <a:p>
+          <a:endParaRPr lang="en-US" altLang="zh-CN"/>
+        </a:p>
+      </dgm:t>
+    </dgm:pt>
+    <dgm:pt modelId="{8B498823-D9CF-42EC-A953-C8166734F28B}" type="sibTrans" cxnId="{9EE87D2F-DE75-4ACE-97F8-C1D931CD873A}">
+      <dgm:prSet/>
+      <dgm:spPr/>
+      <dgm:t>
+        <a:bodyPr/>
+        <a:lstStyle/>
+        <a:p>
+          <a:endParaRPr lang="en-US" altLang="zh-CN"/>
+        </a:p>
+      </dgm:t>
+    </dgm:pt>
+    <dgm:pt modelId="{875540A0-6D6C-4A6F-98D1-4259478591B7}" type="pres">
+      <dgm:prSet presAssocID="{8C2D2E2F-EF56-470C-9F01-99C18B4AA013}" presName="linearFlow" presStyleCnt="0">
+        <dgm:presLayoutVars>
+          <dgm:resizeHandles val="exact"/>
+        </dgm:presLayoutVars>
+      </dgm:prSet>
+      <dgm:spPr/>
+    </dgm:pt>
+    <dgm:pt modelId="{00DC36BE-516D-44BB-B1FB-79CDE1B870AA}" type="pres">
+      <dgm:prSet presAssocID="{B76ED8E4-CE27-44FD-908D-0EC1F2F45269}" presName="node" presStyleLbl="node1" presStyleIdx="0" presStyleCnt="3">
+        <dgm:presLayoutVars>
+          <dgm:bulletEnabled val="1"/>
+        </dgm:presLayoutVars>
+      </dgm:prSet>
+      <dgm:spPr/>
+    </dgm:pt>
+    <dgm:pt modelId="{B904D906-2BA1-4ACE-AD7A-9A893E8E3580}" type="pres">
+      <dgm:prSet presAssocID="{2C219934-0AA3-4F06-8EC2-F145B469A87E}" presName="sibTrans" presStyleLbl="sibTrans2D1" presStyleIdx="0" presStyleCnt="2"/>
+      <dgm:spPr/>
+    </dgm:pt>
+    <dgm:pt modelId="{E4F06868-CFFC-4CFB-B7F6-011E6A6CFFAA}" type="pres">
+      <dgm:prSet presAssocID="{2C219934-0AA3-4F06-8EC2-F145B469A87E}" presName="connectorText" presStyleLbl="sibTrans2D1" presStyleIdx="0" presStyleCnt="2"/>
+      <dgm:spPr/>
+    </dgm:pt>
+    <dgm:pt modelId="{71265F17-EDEB-4312-BA08-4489438230E1}" type="pres">
+      <dgm:prSet presAssocID="{283BB913-B767-400F-AC90-713D2AEB50DF}" presName="node" presStyleLbl="node1" presStyleIdx="1" presStyleCnt="3">
+        <dgm:presLayoutVars>
+          <dgm:bulletEnabled val="1"/>
+        </dgm:presLayoutVars>
+      </dgm:prSet>
+      <dgm:spPr/>
+    </dgm:pt>
+    <dgm:pt modelId="{4D67CEAE-7DA4-420E-BD68-9EADCEFC0C13}" type="pres">
+      <dgm:prSet presAssocID="{E0CA384F-87C0-44C8-A752-949E5DE3468E}" presName="sibTrans" presStyleLbl="sibTrans2D1" presStyleIdx="1" presStyleCnt="2"/>
+      <dgm:spPr/>
+    </dgm:pt>
+    <dgm:pt modelId="{2F791D11-68A1-4181-AD49-1DC28786F124}" type="pres">
+      <dgm:prSet presAssocID="{E0CA384F-87C0-44C8-A752-949E5DE3468E}" presName="connectorText" presStyleLbl="sibTrans2D1" presStyleIdx="1" presStyleCnt="2"/>
+      <dgm:spPr/>
+    </dgm:pt>
+    <dgm:pt modelId="{27C32AC1-9078-4E81-940B-C83C579CBBE8}" type="pres">
+      <dgm:prSet presAssocID="{464B3A4C-75CC-42F2-A09B-FED75B63F0F9}" presName="node" presStyleLbl="node1" presStyleIdx="2" presStyleCnt="3">
+        <dgm:presLayoutVars>
+          <dgm:bulletEnabled val="1"/>
+        </dgm:presLayoutVars>
+      </dgm:prSet>
+      <dgm:spPr/>
+    </dgm:pt>
+  </dgm:ptLst>
+  <dgm:cxnLst>
+    <dgm:cxn modelId="{9EE87D2F-DE75-4ACE-97F8-C1D931CD873A}" srcId="{8C2D2E2F-EF56-470C-9F01-99C18B4AA013}" destId="{464B3A4C-75CC-42F2-A09B-FED75B63F0F9}" srcOrd="2" destOrd="0" parTransId="{CE1A4840-1B7E-48CF-9986-86CB855FEDD1}" sibTransId="{8B498823-D9CF-42EC-A953-C8166734F28B}"/>
+    <dgm:cxn modelId="{BA2663B2-13ED-415F-A710-FBEFACD952AA}" type="presOf" srcId="{464B3A4C-75CC-42F2-A09B-FED75B63F0F9}" destId="{27C32AC1-9078-4E81-940B-C83C579CBBE8}" srcOrd="0" destOrd="0" presId="urn:microsoft.com/office/officeart/2005/8/layout/process2"/>
+    <dgm:cxn modelId="{8D42E277-90E8-42EF-B53C-6C2D5DE3BD74}" srcId="{8C2D2E2F-EF56-470C-9F01-99C18B4AA013}" destId="{283BB913-B767-400F-AC90-713D2AEB50DF}" srcOrd="1" destOrd="0" parTransId="{6318405F-942A-4CF2-9461-1048E3D2B3B8}" sibTransId="{E0CA384F-87C0-44C8-A752-949E5DE3468E}"/>
+    <dgm:cxn modelId="{8066DE0A-F32A-499C-A4A9-A1236F5D8693}" type="presOf" srcId="{B76ED8E4-CE27-44FD-908D-0EC1F2F45269}" destId="{00DC36BE-516D-44BB-B1FB-79CDE1B870AA}" srcOrd="0" destOrd="0" presId="urn:microsoft.com/office/officeart/2005/8/layout/process2"/>
+    <dgm:cxn modelId="{D13A8886-001F-45E7-9A38-8957B4F496C9}" type="presOf" srcId="{283BB913-B767-400F-AC90-713D2AEB50DF}" destId="{71265F17-EDEB-4312-BA08-4489438230E1}" srcOrd="0" destOrd="0" presId="urn:microsoft.com/office/officeart/2005/8/layout/process2"/>
+    <dgm:cxn modelId="{030BED6B-86C1-4C63-942C-FAFE29CC383A}" type="presOf" srcId="{2C219934-0AA3-4F06-8EC2-F145B469A87E}" destId="{E4F06868-CFFC-4CFB-B7F6-011E6A6CFFAA}" srcOrd="1" destOrd="0" presId="urn:microsoft.com/office/officeart/2005/8/layout/process2"/>
+    <dgm:cxn modelId="{DA5DB4E7-5B77-4BAB-94B5-A29AD8C5149C}" type="presOf" srcId="{E0CA384F-87C0-44C8-A752-949E5DE3468E}" destId="{2F791D11-68A1-4181-AD49-1DC28786F124}" srcOrd="1" destOrd="0" presId="urn:microsoft.com/office/officeart/2005/8/layout/process2"/>
+    <dgm:cxn modelId="{F004C16F-565A-4346-911C-B40A7D41559C}" type="presOf" srcId="{E0CA384F-87C0-44C8-A752-949E5DE3468E}" destId="{4D67CEAE-7DA4-420E-BD68-9EADCEFC0C13}" srcOrd="0" destOrd="0" presId="urn:microsoft.com/office/officeart/2005/8/layout/process2"/>
+    <dgm:cxn modelId="{818AC825-2DF8-44B8-8E10-8D240EE587DF}" srcId="{8C2D2E2F-EF56-470C-9F01-99C18B4AA013}" destId="{B76ED8E4-CE27-44FD-908D-0EC1F2F45269}" srcOrd="0" destOrd="0" parTransId="{EDB3C1CE-443F-4A57-A69D-6A114A0603F6}" sibTransId="{2C219934-0AA3-4F06-8EC2-F145B469A87E}"/>
+    <dgm:cxn modelId="{958A7234-EE68-47C3-A926-534F66BF6B70}" type="presOf" srcId="{2C219934-0AA3-4F06-8EC2-F145B469A87E}" destId="{B904D906-2BA1-4ACE-AD7A-9A893E8E3580}" srcOrd="0" destOrd="0" presId="urn:microsoft.com/office/officeart/2005/8/layout/process2"/>
+    <dgm:cxn modelId="{966DC855-B343-426C-B971-92091A77B028}" type="presOf" srcId="{8C2D2E2F-EF56-470C-9F01-99C18B4AA013}" destId="{875540A0-6D6C-4A6F-98D1-4259478591B7}" srcOrd="0" destOrd="0" presId="urn:microsoft.com/office/officeart/2005/8/layout/process2"/>
+    <dgm:cxn modelId="{4A47A78D-F042-43F9-A026-85A87AB55192}" type="presParOf" srcId="{875540A0-6D6C-4A6F-98D1-4259478591B7}" destId="{00DC36BE-516D-44BB-B1FB-79CDE1B870AA}" srcOrd="0" destOrd="0" presId="urn:microsoft.com/office/officeart/2005/8/layout/process2"/>
+    <dgm:cxn modelId="{FA4A64BB-6DBC-4274-8ED7-7603F7B6CF3A}" type="presParOf" srcId="{875540A0-6D6C-4A6F-98D1-4259478591B7}" destId="{B904D906-2BA1-4ACE-AD7A-9A893E8E3580}" srcOrd="1" destOrd="0" presId="urn:microsoft.com/office/officeart/2005/8/layout/process2"/>
+    <dgm:cxn modelId="{C9A5285A-9FFE-4F73-8D2A-B7EDB7E443D7}" type="presParOf" srcId="{B904D906-2BA1-4ACE-AD7A-9A893E8E3580}" destId="{E4F06868-CFFC-4CFB-B7F6-011E6A6CFFAA}" srcOrd="0" destOrd="0" presId="urn:microsoft.com/office/officeart/2005/8/layout/process2"/>
+    <dgm:cxn modelId="{20F0B879-9486-4FAE-B0E1-61040469A220}" type="presParOf" srcId="{875540A0-6D6C-4A6F-98D1-4259478591B7}" destId="{71265F17-EDEB-4312-BA08-4489438230E1}" srcOrd="2" destOrd="0" presId="urn:microsoft.com/office/officeart/2005/8/layout/process2"/>
+    <dgm:cxn modelId="{6B78DA90-2702-4498-B0DB-352292158FA1}" type="presParOf" srcId="{875540A0-6D6C-4A6F-98D1-4259478591B7}" destId="{4D67CEAE-7DA4-420E-BD68-9EADCEFC0C13}" srcOrd="3" destOrd="0" presId="urn:microsoft.com/office/officeart/2005/8/layout/process2"/>
+    <dgm:cxn modelId="{D09F4A4F-E6A4-4575-8564-7D277278153F}" type="presParOf" srcId="{4D67CEAE-7DA4-420E-BD68-9EADCEFC0C13}" destId="{2F791D11-68A1-4181-AD49-1DC28786F124}" srcOrd="0" destOrd="0" presId="urn:microsoft.com/office/officeart/2005/8/layout/process2"/>
+    <dgm:cxn modelId="{EF9C078A-3CF9-416F-A25C-1CD1A445A615}" type="presParOf" srcId="{875540A0-6D6C-4A6F-98D1-4259478591B7}" destId="{27C32AC1-9078-4E81-940B-C83C579CBBE8}" srcOrd="4" destOrd="0" presId="urn:microsoft.com/office/officeart/2005/8/layout/process2"/>
+  </dgm:cxnLst>
+  <dgm:bg/>
+  <dgm:whole/>
+  <dgm:extLst>
+    <a:ext uri="http://schemas.microsoft.com/office/drawing/2008/diagram">
+      <dsp:dataModelExt xmlns:dsp="http://schemas.microsoft.com/office/drawing/2008/diagram" relId="rId6" minVer="http://schemas.openxmlformats.org/drawingml/2006/diagram"/>
+    </a:ext>
+  </dgm:extLst>
+</dgm:dataModel>
+</file>
+
+<file path=ppt/diagrams/data2.xml><?xml version="1.0" encoding="utf-8"?>
+<dgm:dataModel xmlns:dgm="http://schemas.openxmlformats.org/drawingml/2006/diagram" xmlns:a="http://schemas.openxmlformats.org/drawingml/2006/main">
+  <dgm:ptLst>
     <dgm:pt modelId="{D388E4D6-15FC-49D9-9C2E-189AF71EB9F8}" type="doc">
       <dgm:prSet loTypeId="urn:microsoft.com/office/officeart/2005/8/layout/process2" loCatId="process" qsTypeId="urn:microsoft.com/office/officeart/2005/8/quickstyle/simple1" qsCatId="simple" csTypeId="urn:microsoft.com/office/officeart/2005/8/colors/colorful4" csCatId="colorful" phldr="1"/>
       <dgm:spPr/>
@@ -4016,10 +5011,9 @@
         <a:lstStyle/>
         <a:p>
           <a:r>
-            <a:rPr lang="zh-CN" altLang="en-US" dirty="0" smtClean="0"/>
+            <a:rPr lang="zh-CN" altLang="en-US" dirty="0"/>
             <a:t>数据库表设计</a:t>
           </a:r>
-          <a:endParaRPr lang="zh-CN" altLang="en-US" dirty="0"/>
         </a:p>
       </dgm:t>
     </dgm:pt>
@@ -4053,10 +5047,9 @@
         <a:lstStyle/>
         <a:p>
           <a:r>
-            <a:rPr lang="zh-CN" altLang="en-US" dirty="0" smtClean="0"/>
+            <a:rPr lang="zh-CN" altLang="en-US" dirty="0"/>
             <a:t>前端界面设计编码</a:t>
           </a:r>
-          <a:endParaRPr lang="zh-CN" altLang="en-US" dirty="0"/>
         </a:p>
       </dgm:t>
     </dgm:pt>
@@ -4090,10 +5083,9 @@
         <a:lstStyle/>
         <a:p>
           <a:r>
-            <a:rPr lang="zh-CN" altLang="en-US" dirty="0" smtClean="0"/>
+            <a:rPr lang="zh-CN" altLang="en-US" dirty="0"/>
             <a:t>后端响应行为服务编码</a:t>
           </a:r>
-          <a:endParaRPr lang="zh-CN" altLang="en-US" dirty="0"/>
         </a:p>
       </dgm:t>
     </dgm:pt>
@@ -4127,10 +5119,9 @@
         <a:lstStyle/>
         <a:p>
           <a:r>
-            <a:rPr lang="zh-CN" altLang="en-US" dirty="0" smtClean="0"/>
+            <a:rPr lang="zh-CN" altLang="en-US" dirty="0"/>
             <a:t>数据交互接口编码</a:t>
           </a:r>
-          <a:endParaRPr lang="zh-CN" altLang="en-US" dirty="0"/>
         </a:p>
       </dgm:t>
     </dgm:pt>
@@ -4219,31 +5210,24 @@
         </dgm:presLayoutVars>
       </dgm:prSet>
       <dgm:spPr/>
-      <dgm:t>
-        <a:bodyPr/>
-        <a:lstStyle/>
-        <a:p>
-          <a:endParaRPr lang="zh-CN" altLang="en-US"/>
-        </a:p>
-      </dgm:t>
     </dgm:pt>
   </dgm:ptLst>
   <dgm:cxnLst>
+    <dgm:cxn modelId="{0EABDD80-781C-4DD3-826D-3889F14BA547}" type="presOf" srcId="{64C298F0-1E35-44E1-B8FE-1DB5B79B7B6B}" destId="{9A15A386-30A2-4E2E-A515-34FBC787EE36}" srcOrd="1" destOrd="0" presId="urn:microsoft.com/office/officeart/2005/8/layout/process2"/>
+    <dgm:cxn modelId="{4889C9AD-558D-4E99-BD45-E355BF6AEFB9}" srcId="{D388E4D6-15FC-49D9-9C2E-189AF71EB9F8}" destId="{DD9C489C-7613-40F7-92F0-BD2326D792CC}" srcOrd="2" destOrd="0" parTransId="{26C2CE16-53B0-41B7-8983-54E67287543D}" sibTransId="{69A1DCFF-44C1-4D82-8CC1-FCF5DBA18A45}"/>
     <dgm:cxn modelId="{659857F6-1882-469B-8502-3316F457AF2E}" srcId="{D388E4D6-15FC-49D9-9C2E-189AF71EB9F8}" destId="{C07F8285-1461-4734-B774-9FA3925BDB35}" srcOrd="3" destOrd="0" parTransId="{C56521BA-7AF6-4A2D-B6AF-FDED911EAF54}" sibTransId="{A9C647F6-56DD-4215-AF5D-8C9F82AC1069}"/>
+    <dgm:cxn modelId="{8064169A-E75C-454F-A290-A344868F9131}" type="presOf" srcId="{D388E4D6-15FC-49D9-9C2E-189AF71EB9F8}" destId="{B45CA829-12F8-42A9-881D-C1B89CBFF4CA}" srcOrd="0" destOrd="0" presId="urn:microsoft.com/office/officeart/2005/8/layout/process2"/>
+    <dgm:cxn modelId="{DE69248E-54B4-428C-923B-BFE94C747836}" type="presOf" srcId="{64C298F0-1E35-44E1-B8FE-1DB5B79B7B6B}" destId="{F4222460-DA3F-4D91-8B7F-249866513908}" srcOrd="0" destOrd="0" presId="urn:microsoft.com/office/officeart/2005/8/layout/process2"/>
     <dgm:cxn modelId="{211540E4-84CD-492A-B792-E95EEC12AEC0}" type="presOf" srcId="{DD9C489C-7613-40F7-92F0-BD2326D792CC}" destId="{D699FBF6-99F4-47E3-818C-BA1AF90285A3}" srcOrd="0" destOrd="0" presId="urn:microsoft.com/office/officeart/2005/8/layout/process2"/>
+    <dgm:cxn modelId="{7E795940-7589-4078-9B49-5E95585DA932}" type="presOf" srcId="{55F339B8-D436-4DB4-9164-A1ADB6BA2C91}" destId="{4BC20CCD-7B25-4DCE-8310-806E0883CCC1}" srcOrd="0" destOrd="0" presId="urn:microsoft.com/office/officeart/2005/8/layout/process2"/>
+    <dgm:cxn modelId="{3C84FD7C-250A-46B4-A82D-0C0E39424CFB}" type="presOf" srcId="{69A1DCFF-44C1-4D82-8CC1-FCF5DBA18A45}" destId="{3FA72500-A990-45C2-8106-ADEA5E065F85}" srcOrd="1" destOrd="0" presId="urn:microsoft.com/office/officeart/2005/8/layout/process2"/>
+    <dgm:cxn modelId="{7974FDA1-8128-407E-A73D-D16669FB4C4D}" type="presOf" srcId="{C07F8285-1461-4734-B774-9FA3925BDB35}" destId="{EBEC3436-91D9-46A5-BCE2-272014E51229}" srcOrd="0" destOrd="0" presId="urn:microsoft.com/office/officeart/2005/8/layout/process2"/>
+    <dgm:cxn modelId="{5850C1E3-9398-4697-AD9B-2DC2888BD050}" srcId="{D388E4D6-15FC-49D9-9C2E-189AF71EB9F8}" destId="{486A6EEA-E169-4F57-BDC0-987FFA5575AC}" srcOrd="0" destOrd="0" parTransId="{6C40A278-351A-47CF-822B-1811B40DED8A}" sibTransId="{64C298F0-1E35-44E1-B8FE-1DB5B79B7B6B}"/>
+    <dgm:cxn modelId="{E4829F05-BB90-4DAD-B289-BA62925269C9}" type="presOf" srcId="{486A6EEA-E169-4F57-BDC0-987FFA5575AC}" destId="{C010418B-CAFF-4F5C-B03E-6A963E3A8BC3}" srcOrd="0" destOrd="0" presId="urn:microsoft.com/office/officeart/2005/8/layout/process2"/>
+    <dgm:cxn modelId="{25B42FFA-2B9C-4BCA-A858-5FCC1DBEB766}" type="presOf" srcId="{5F2DB3B5-0D57-49B8-9847-A861DFFADA0F}" destId="{9324DF2E-1641-47A8-8298-A4EBCA7FFF4D}" srcOrd="0" destOrd="0" presId="urn:microsoft.com/office/officeart/2005/8/layout/process2"/>
+    <dgm:cxn modelId="{9F6189EE-2B6F-4A9E-930D-2524DA03CC81}" type="presOf" srcId="{55F339B8-D436-4DB4-9164-A1ADB6BA2C91}" destId="{1B3DD853-B707-4257-A156-6C99DA26A71B}" srcOrd="1" destOrd="0" presId="urn:microsoft.com/office/officeart/2005/8/layout/process2"/>
     <dgm:cxn modelId="{1C04DED0-8846-4065-A323-C6693680A30A}" srcId="{D388E4D6-15FC-49D9-9C2E-189AF71EB9F8}" destId="{5F2DB3B5-0D57-49B8-9847-A861DFFADA0F}" srcOrd="1" destOrd="0" parTransId="{7A431B43-CCD5-4471-9071-1EA0B6FCAB75}" sibTransId="{55F339B8-D436-4DB4-9164-A1ADB6BA2C91}"/>
-    <dgm:cxn modelId="{7974FDA1-8128-407E-A73D-D16669FB4C4D}" type="presOf" srcId="{C07F8285-1461-4734-B774-9FA3925BDB35}" destId="{EBEC3436-91D9-46A5-BCE2-272014E51229}" srcOrd="0" destOrd="0" presId="urn:microsoft.com/office/officeart/2005/8/layout/process2"/>
-    <dgm:cxn modelId="{E4829F05-BB90-4DAD-B289-BA62925269C9}" type="presOf" srcId="{486A6EEA-E169-4F57-BDC0-987FFA5575AC}" destId="{C010418B-CAFF-4F5C-B03E-6A963E3A8BC3}" srcOrd="0" destOrd="0" presId="urn:microsoft.com/office/officeart/2005/8/layout/process2"/>
-    <dgm:cxn modelId="{3C84FD7C-250A-46B4-A82D-0C0E39424CFB}" type="presOf" srcId="{69A1DCFF-44C1-4D82-8CC1-FCF5DBA18A45}" destId="{3FA72500-A990-45C2-8106-ADEA5E065F85}" srcOrd="1" destOrd="0" presId="urn:microsoft.com/office/officeart/2005/8/layout/process2"/>
-    <dgm:cxn modelId="{DE69248E-54B4-428C-923B-BFE94C747836}" type="presOf" srcId="{64C298F0-1E35-44E1-B8FE-1DB5B79B7B6B}" destId="{F4222460-DA3F-4D91-8B7F-249866513908}" srcOrd="0" destOrd="0" presId="urn:microsoft.com/office/officeart/2005/8/layout/process2"/>
     <dgm:cxn modelId="{FFBAED7F-058D-424D-BA7C-27E72EE370F0}" type="presOf" srcId="{69A1DCFF-44C1-4D82-8CC1-FCF5DBA18A45}" destId="{A77E9F03-1D58-412A-950B-EF37680BC9FE}" srcOrd="0" destOrd="0" presId="urn:microsoft.com/office/officeart/2005/8/layout/process2"/>
-    <dgm:cxn modelId="{5850C1E3-9398-4697-AD9B-2DC2888BD050}" srcId="{D388E4D6-15FC-49D9-9C2E-189AF71EB9F8}" destId="{486A6EEA-E169-4F57-BDC0-987FFA5575AC}" srcOrd="0" destOrd="0" parTransId="{6C40A278-351A-47CF-822B-1811B40DED8A}" sibTransId="{64C298F0-1E35-44E1-B8FE-1DB5B79B7B6B}"/>
-    <dgm:cxn modelId="{7E795940-7589-4078-9B49-5E95585DA932}" type="presOf" srcId="{55F339B8-D436-4DB4-9164-A1ADB6BA2C91}" destId="{4BC20CCD-7B25-4DCE-8310-806E0883CCC1}" srcOrd="0" destOrd="0" presId="urn:microsoft.com/office/officeart/2005/8/layout/process2"/>
-    <dgm:cxn modelId="{0EABDD80-781C-4DD3-826D-3889F14BA547}" type="presOf" srcId="{64C298F0-1E35-44E1-B8FE-1DB5B79B7B6B}" destId="{9A15A386-30A2-4E2E-A515-34FBC787EE36}" srcOrd="1" destOrd="0" presId="urn:microsoft.com/office/officeart/2005/8/layout/process2"/>
-    <dgm:cxn modelId="{9F6189EE-2B6F-4A9E-930D-2524DA03CC81}" type="presOf" srcId="{55F339B8-D436-4DB4-9164-A1ADB6BA2C91}" destId="{1B3DD853-B707-4257-A156-6C99DA26A71B}" srcOrd="1" destOrd="0" presId="urn:microsoft.com/office/officeart/2005/8/layout/process2"/>
-    <dgm:cxn modelId="{4889C9AD-558D-4E99-BD45-E355BF6AEFB9}" srcId="{D388E4D6-15FC-49D9-9C2E-189AF71EB9F8}" destId="{DD9C489C-7613-40F7-92F0-BD2326D792CC}" srcOrd="2" destOrd="0" parTransId="{26C2CE16-53B0-41B7-8983-54E67287543D}" sibTransId="{69A1DCFF-44C1-4D82-8CC1-FCF5DBA18A45}"/>
-    <dgm:cxn modelId="{25B42FFA-2B9C-4BCA-A858-5FCC1DBEB766}" type="presOf" srcId="{5F2DB3B5-0D57-49B8-9847-A861DFFADA0F}" destId="{9324DF2E-1641-47A8-8298-A4EBCA7FFF4D}" srcOrd="0" destOrd="0" presId="urn:microsoft.com/office/officeart/2005/8/layout/process2"/>
-    <dgm:cxn modelId="{8064169A-E75C-454F-A290-A344868F9131}" type="presOf" srcId="{D388E4D6-15FC-49D9-9C2E-189AF71EB9F8}" destId="{B45CA829-12F8-42A9-881D-C1B89CBFF4CA}" srcOrd="0" destOrd="0" presId="urn:microsoft.com/office/officeart/2005/8/layout/process2"/>
     <dgm:cxn modelId="{40D27144-0F67-4899-A764-B8DB665F089D}" type="presParOf" srcId="{B45CA829-12F8-42A9-881D-C1B89CBFF4CA}" destId="{C010418B-CAFF-4F5C-B03E-6A963E3A8BC3}" srcOrd="0" destOrd="0" presId="urn:microsoft.com/office/officeart/2005/8/layout/process2"/>
     <dgm:cxn modelId="{A75AA567-BFCD-4425-A5D4-BD04E5A3BC57}" type="presParOf" srcId="{B45CA829-12F8-42A9-881D-C1B89CBFF4CA}" destId="{F4222460-DA3F-4D91-8B7F-249866513908}" srcOrd="1" destOrd="0" presId="urn:microsoft.com/office/officeart/2005/8/layout/process2"/>
     <dgm:cxn modelId="{230F71A2-16A9-4F51-B64F-B6330CB1E93A}" type="presParOf" srcId="{F4222460-DA3F-4D91-8B7F-249866513908}" destId="{9A15A386-30A2-4E2E-A515-34FBC787EE36}" srcOrd="0" destOrd="0" presId="urn:microsoft.com/office/officeart/2005/8/layout/process2"/>
@@ -4259,13 +5243,13 @@
   <dgm:whole/>
   <dgm:extLst>
     <a:ext uri="http://schemas.microsoft.com/office/drawing/2008/diagram">
-      <dsp:dataModelExt xmlns:dsp="http://schemas.microsoft.com/office/drawing/2008/diagram" xmlns="" relId="rId6" minVer="http://schemas.openxmlformats.org/drawingml/2006/diagram"/>
+      <dsp:dataModelExt xmlns:dsp="http://schemas.microsoft.com/office/drawing/2008/diagram" relId="rId6" minVer="http://schemas.openxmlformats.org/drawingml/2006/diagram"/>
     </a:ext>
   </dgm:extLst>
 </dgm:dataModel>
 </file>
 
-<file path=ppt/diagrams/data2.xml><?xml version="1.0" encoding="utf-8"?>
+<file path=ppt/diagrams/data3.xml><?xml version="1.0" encoding="utf-8"?>
 <dgm:dataModel xmlns:dgm="http://schemas.openxmlformats.org/drawingml/2006/diagram" xmlns:a="http://schemas.openxmlformats.org/drawingml/2006/main">
   <dgm:ptLst>
     <dgm:pt modelId="{C13E7ED9-80F9-42F5-9258-76A386448B1E}" type="doc">
@@ -4287,10 +5271,9 @@
         <a:lstStyle/>
         <a:p>
           <a:r>
-            <a:rPr lang="zh-CN" altLang="en-US" dirty="0" smtClean="0"/>
+            <a:rPr lang="zh-CN" altLang="en-US" dirty="0"/>
             <a:t>业务模型</a:t>
           </a:r>
-          <a:endParaRPr lang="zh-CN" altLang="en-US" dirty="0"/>
         </a:p>
       </dgm:t>
     </dgm:pt>
@@ -4324,10 +5307,9 @@
         <a:lstStyle/>
         <a:p>
           <a:r>
-            <a:rPr lang="zh-CN" altLang="en-US" dirty="0" smtClean="0"/>
+            <a:rPr lang="zh-CN" altLang="en-US" dirty="0"/>
             <a:t>数据库表自动生成</a:t>
           </a:r>
-          <a:endParaRPr lang="zh-CN" altLang="en-US" dirty="0"/>
         </a:p>
       </dgm:t>
     </dgm:pt>
@@ -4361,10 +5343,9 @@
         <a:lstStyle/>
         <a:p>
           <a:r>
-            <a:rPr lang="zh-CN" altLang="en-US" dirty="0" smtClean="0"/>
+            <a:rPr lang="zh-CN" altLang="en-US" dirty="0"/>
             <a:t>前端操作界面自动生成</a:t>
           </a:r>
-          <a:endParaRPr lang="zh-CN" altLang="en-US" dirty="0"/>
         </a:p>
       </dgm:t>
     </dgm:pt>
@@ -4398,10 +5379,9 @@
         <a:lstStyle/>
         <a:p>
           <a:r>
-            <a:rPr lang="zh-CN" altLang="en-US" dirty="0" smtClean="0"/>
+            <a:rPr lang="zh-CN" altLang="en-US" dirty="0"/>
             <a:t>后端响应服务自动生成</a:t>
           </a:r>
-          <a:endParaRPr lang="zh-CN" altLang="en-US" dirty="0"/>
         </a:p>
       </dgm:t>
     </dgm:pt>
@@ -4435,10 +5415,9 @@
         <a:lstStyle/>
         <a:p>
           <a:r>
-            <a:rPr lang="zh-CN" altLang="en-US" dirty="0" smtClean="0"/>
+            <a:rPr lang="zh-CN" altLang="en-US" dirty="0"/>
             <a:t>数据交互接口自动生成</a:t>
           </a:r>
-          <a:endParaRPr lang="zh-CN" altLang="en-US" dirty="0"/>
         </a:p>
       </dgm:t>
     </dgm:pt>
@@ -4543,31 +5522,24 @@
         </dgm:presLayoutVars>
       </dgm:prSet>
       <dgm:spPr/>
-      <dgm:t>
-        <a:bodyPr/>
-        <a:lstStyle/>
-        <a:p>
-          <a:endParaRPr lang="zh-CN" altLang="en-US"/>
-        </a:p>
-      </dgm:t>
     </dgm:pt>
   </dgm:ptLst>
   <dgm:cxnLst>
+    <dgm:cxn modelId="{0C47143A-2ADA-45EA-9983-192A87EE995A}" srcId="{0B3421B8-0F58-40C1-BEB6-57C1C9414F56}" destId="{6B1E3087-13F3-470C-8A88-0AC6772036B2}" srcOrd="1" destOrd="0" parTransId="{33652FFC-3953-421F-89CF-B39A3CAD9797}" sibTransId="{F9FBE4E5-2525-4337-AB01-A3B0CC2A0790}"/>
+    <dgm:cxn modelId="{EDA43A23-EFAB-433D-831C-2A15EB76918C}" srcId="{C13E7ED9-80F9-42F5-9258-76A386448B1E}" destId="{0B3421B8-0F58-40C1-BEB6-57C1C9414F56}" srcOrd="0" destOrd="0" parTransId="{8C70F200-6846-480B-8DDD-846CE02BEA75}" sibTransId="{09704B69-8081-4834-A2BA-E362CFACCA3E}"/>
     <dgm:cxn modelId="{4279B33C-9876-4B45-A618-C83565AE9F29}" type="presOf" srcId="{D0B3E592-6ECC-499D-92B6-DC83273B6033}" destId="{1AEB1115-06D4-4635-9124-4CFA5EA84DD7}" srcOrd="1" destOrd="0" presId="urn:microsoft.com/office/officeart/2005/8/layout/matrix1"/>
+    <dgm:cxn modelId="{47FDF9E6-0B01-4BE6-8152-3BA7CF16924C}" type="presOf" srcId="{0B3421B8-0F58-40C1-BEB6-57C1C9414F56}" destId="{54660845-72B4-4189-BBC5-2FE29AB7D5EC}" srcOrd="0" destOrd="0" presId="urn:microsoft.com/office/officeart/2005/8/layout/matrix1"/>
     <dgm:cxn modelId="{12BA79F2-0E9A-41B1-82E5-5CB3439A128C}" srcId="{0B3421B8-0F58-40C1-BEB6-57C1C9414F56}" destId="{D0B3E592-6ECC-499D-92B6-DC83273B6033}" srcOrd="0" destOrd="0" parTransId="{60BF9C75-5CF3-49D4-B604-57E7213DB692}" sibTransId="{FEF8343F-9AB9-4A18-9D4B-12A1ADA565A4}"/>
-    <dgm:cxn modelId="{BE6F14DB-B7C6-4C5C-83EC-92B6281AC574}" type="presOf" srcId="{C6329508-2AD1-4553-BDFF-03C41BA648BA}" destId="{2BD6C5D7-91CF-4A2C-9A7C-D6247BFED4CC}" srcOrd="1" destOrd="0" presId="urn:microsoft.com/office/officeart/2005/8/layout/matrix1"/>
-    <dgm:cxn modelId="{47FDF9E6-0B01-4BE6-8152-3BA7CF16924C}" type="presOf" srcId="{0B3421B8-0F58-40C1-BEB6-57C1C9414F56}" destId="{54660845-72B4-4189-BBC5-2FE29AB7D5EC}" srcOrd="0" destOrd="0" presId="urn:microsoft.com/office/officeart/2005/8/layout/matrix1"/>
-    <dgm:cxn modelId="{0C47143A-2ADA-45EA-9983-192A87EE995A}" srcId="{0B3421B8-0F58-40C1-BEB6-57C1C9414F56}" destId="{6B1E3087-13F3-470C-8A88-0AC6772036B2}" srcOrd="1" destOrd="0" parTransId="{33652FFC-3953-421F-89CF-B39A3CAD9797}" sibTransId="{F9FBE4E5-2525-4337-AB01-A3B0CC2A0790}"/>
-    <dgm:cxn modelId="{E4BD2678-55A8-43E9-B33F-FC27FD564D50}" type="presOf" srcId="{6B1E3087-13F3-470C-8A88-0AC6772036B2}" destId="{6ACA934D-A4DF-4903-85B8-4598A50D8F04}" srcOrd="0" destOrd="0" presId="urn:microsoft.com/office/officeart/2005/8/layout/matrix1"/>
-    <dgm:cxn modelId="{94484E21-D2D4-4346-8466-5C33B10DA156}" type="presOf" srcId="{D0B3E592-6ECC-499D-92B6-DC83273B6033}" destId="{0B7295E5-6B7F-4C3A-BAF6-ADDF5087D8DA}" srcOrd="0" destOrd="0" presId="urn:microsoft.com/office/officeart/2005/8/layout/matrix1"/>
-    <dgm:cxn modelId="{2202B85A-C835-4C0B-B190-4B2DEEF4CC56}" type="presOf" srcId="{6A04E2C9-EA36-4E73-AE8F-3FB5F98A674F}" destId="{939A0680-A0AA-4A30-B7C9-EDBB2F6A903B}" srcOrd="1" destOrd="0" presId="urn:microsoft.com/office/officeart/2005/8/layout/matrix1"/>
-    <dgm:cxn modelId="{EDA43A23-EFAB-433D-831C-2A15EB76918C}" srcId="{C13E7ED9-80F9-42F5-9258-76A386448B1E}" destId="{0B3421B8-0F58-40C1-BEB6-57C1C9414F56}" srcOrd="0" destOrd="0" parTransId="{8C70F200-6846-480B-8DDD-846CE02BEA75}" sibTransId="{09704B69-8081-4834-A2BA-E362CFACCA3E}"/>
-    <dgm:cxn modelId="{795B5F0B-48CF-4D27-9599-EC9D336E4349}" type="presOf" srcId="{C13E7ED9-80F9-42F5-9258-76A386448B1E}" destId="{8E8304F0-1DD9-4996-8AD4-8252E3420191}" srcOrd="0" destOrd="0" presId="urn:microsoft.com/office/officeart/2005/8/layout/matrix1"/>
-    <dgm:cxn modelId="{6F28BB5B-A5F2-410E-BFC6-512D8A2E7540}" srcId="{0B3421B8-0F58-40C1-BEB6-57C1C9414F56}" destId="{C6329508-2AD1-4553-BDFF-03C41BA648BA}" srcOrd="3" destOrd="0" parTransId="{16E5F542-65EB-4937-B040-AFC7DF04898F}" sibTransId="{C4B949E9-C36E-4090-95B5-DF832CF8788B}"/>
     <dgm:cxn modelId="{4A0E8935-18D7-4EEE-96FE-2080288C6340}" srcId="{0B3421B8-0F58-40C1-BEB6-57C1C9414F56}" destId="{6A04E2C9-EA36-4E73-AE8F-3FB5F98A674F}" srcOrd="2" destOrd="0" parTransId="{31E536F7-7E6E-4CC0-BDB2-A4EE4F8649FC}" sibTransId="{9678FD3A-42F0-419C-9F24-0E40F66704CC}"/>
     <dgm:cxn modelId="{5BFD1182-297C-4232-A6A8-7E8C4CF4C92D}" type="presOf" srcId="{6A04E2C9-EA36-4E73-AE8F-3FB5F98A674F}" destId="{938BBBA7-9E14-451B-A712-386CEE300302}" srcOrd="0" destOrd="0" presId="urn:microsoft.com/office/officeart/2005/8/layout/matrix1"/>
     <dgm:cxn modelId="{3BBD7C97-7228-4EC6-9675-25A33D9C8846}" type="presOf" srcId="{C6329508-2AD1-4553-BDFF-03C41BA648BA}" destId="{57E9D70F-59FF-4C3E-8C4E-9312049A8B6C}" srcOrd="0" destOrd="0" presId="urn:microsoft.com/office/officeart/2005/8/layout/matrix1"/>
     <dgm:cxn modelId="{B1FF028E-1B6C-4EE2-B16C-CE7691E23F47}" type="presOf" srcId="{6B1E3087-13F3-470C-8A88-0AC6772036B2}" destId="{B641D4D4-AAEE-4480-95A6-BC5E2B2D055E}" srcOrd="1" destOrd="0" presId="urn:microsoft.com/office/officeart/2005/8/layout/matrix1"/>
+    <dgm:cxn modelId="{2202B85A-C835-4C0B-B190-4B2DEEF4CC56}" type="presOf" srcId="{6A04E2C9-EA36-4E73-AE8F-3FB5F98A674F}" destId="{939A0680-A0AA-4A30-B7C9-EDBB2F6A903B}" srcOrd="1" destOrd="0" presId="urn:microsoft.com/office/officeart/2005/8/layout/matrix1"/>
+    <dgm:cxn modelId="{E4BD2678-55A8-43E9-B33F-FC27FD564D50}" type="presOf" srcId="{6B1E3087-13F3-470C-8A88-0AC6772036B2}" destId="{6ACA934D-A4DF-4903-85B8-4598A50D8F04}" srcOrd="0" destOrd="0" presId="urn:microsoft.com/office/officeart/2005/8/layout/matrix1"/>
+    <dgm:cxn modelId="{94484E21-D2D4-4346-8466-5C33B10DA156}" type="presOf" srcId="{D0B3E592-6ECC-499D-92B6-DC83273B6033}" destId="{0B7295E5-6B7F-4C3A-BAF6-ADDF5087D8DA}" srcOrd="0" destOrd="0" presId="urn:microsoft.com/office/officeart/2005/8/layout/matrix1"/>
+    <dgm:cxn modelId="{BE6F14DB-B7C6-4C5C-83EC-92B6281AC574}" type="presOf" srcId="{C6329508-2AD1-4553-BDFF-03C41BA648BA}" destId="{2BD6C5D7-91CF-4A2C-9A7C-D6247BFED4CC}" srcOrd="1" destOrd="0" presId="urn:microsoft.com/office/officeart/2005/8/layout/matrix1"/>
+    <dgm:cxn modelId="{795B5F0B-48CF-4D27-9599-EC9D336E4349}" type="presOf" srcId="{C13E7ED9-80F9-42F5-9258-76A386448B1E}" destId="{8E8304F0-1DD9-4996-8AD4-8252E3420191}" srcOrd="0" destOrd="0" presId="urn:microsoft.com/office/officeart/2005/8/layout/matrix1"/>
+    <dgm:cxn modelId="{6F28BB5B-A5F2-410E-BFC6-512D8A2E7540}" srcId="{0B3421B8-0F58-40C1-BEB6-57C1C9414F56}" destId="{C6329508-2AD1-4553-BDFF-03C41BA648BA}" srcOrd="3" destOrd="0" parTransId="{16E5F542-65EB-4937-B040-AFC7DF04898F}" sibTransId="{C4B949E9-C36E-4090-95B5-DF832CF8788B}"/>
     <dgm:cxn modelId="{901DCE53-04C0-43AD-A4B2-655062FDEE5F}" type="presParOf" srcId="{8E8304F0-1DD9-4996-8AD4-8252E3420191}" destId="{885F99C4-AF98-458D-A68A-1EC3F87EC047}" srcOrd="0" destOrd="0" presId="urn:microsoft.com/office/officeart/2005/8/layout/matrix1"/>
     <dgm:cxn modelId="{8E1C9A01-8272-4438-B4CF-438D4E579B87}" type="presParOf" srcId="{885F99C4-AF98-458D-A68A-1EC3F87EC047}" destId="{0B7295E5-6B7F-4C3A-BAF6-ADDF5087D8DA}" srcOrd="0" destOrd="0" presId="urn:microsoft.com/office/officeart/2005/8/layout/matrix1"/>
     <dgm:cxn modelId="{EF1BDC26-8A17-4C6A-A328-5875FBC63501}" type="presParOf" srcId="{885F99C4-AF98-458D-A68A-1EC3F87EC047}" destId="{1AEB1115-06D4-4635-9124-4CFA5EA84DD7}" srcOrd="1" destOrd="0" presId="urn:microsoft.com/office/officeart/2005/8/layout/matrix1"/>
@@ -4583,13 +5555,13 @@
   <dgm:whole/>
   <dgm:extLst>
     <a:ext uri="http://schemas.microsoft.com/office/drawing/2008/diagram">
-      <dsp:dataModelExt xmlns:dsp="http://schemas.microsoft.com/office/drawing/2008/diagram" xmlns="" relId="rId11" minVer="http://schemas.openxmlformats.org/drawingml/2006/diagram"/>
+      <dsp:dataModelExt xmlns:dsp="http://schemas.microsoft.com/office/drawing/2008/diagram" relId="rId11" minVer="http://schemas.openxmlformats.org/drawingml/2006/diagram"/>
     </a:ext>
   </dgm:extLst>
 </dgm:dataModel>
 </file>
 
-<file path=ppt/diagrams/data3.xml><?xml version="1.0" encoding="utf-8"?>
+<file path=ppt/diagrams/data4.xml><?xml version="1.0" encoding="utf-8"?>
 <dgm:dataModel xmlns:dgm="http://schemas.openxmlformats.org/drawingml/2006/diagram" xmlns:a="http://schemas.openxmlformats.org/drawingml/2006/main">
   <dgm:ptLst>
     <dgm:pt modelId="{44D828B4-B1D7-4D2B-8486-3ED73E1A252F}" type="doc">
@@ -4611,29 +5583,29 @@
         <a:lstStyle/>
         <a:p>
           <a:r>
-            <a:rPr lang="zh-CN" altLang="en-US" dirty="0" smtClean="0"/>
+            <a:rPr lang="zh-CN" altLang="en-US" dirty="0"/>
             <a:t>基于</a:t>
           </a:r>
           <a:r>
-            <a:rPr lang="en-US" altLang="en-US" dirty="0" smtClean="0"/>
+            <a:rPr lang="en-US" altLang="en-US" dirty="0"/>
             <a:t>XML</a:t>
           </a:r>
           <a:r>
-            <a:rPr lang="zh-CN" altLang="en-US" dirty="0" smtClean="0"/>
+            <a:rPr lang="zh-CN" altLang="en-US" dirty="0"/>
             <a:t>格式的业务模型</a:t>
           </a:r>
-          <a:endParaRPr lang="en-US" altLang="zh-CN" dirty="0" smtClean="0"/>
+          <a:endParaRPr lang="en-US" altLang="zh-CN" dirty="0"/>
         </a:p>
         <a:p>
           <a:r>
-            <a:rPr lang="zh-CN" altLang="en-US" b="1" dirty="0" smtClean="0">
+            <a:rPr lang="zh-CN" altLang="en-US" b="1" dirty="0">
               <a:solidFill>
                 <a:srgbClr val="0070C0"/>
               </a:solidFill>
             </a:rPr>
             <a:t>开发者设计</a:t>
           </a:r>
-          <a:endParaRPr lang="en-US" altLang="zh-CN" b="1" dirty="0" smtClean="0">
+          <a:endParaRPr lang="en-US" altLang="zh-CN" b="1" dirty="0">
             <a:solidFill>
               <a:srgbClr val="0070C0"/>
             </a:solidFill>
@@ -4671,11 +5643,11 @@
         <a:lstStyle/>
         <a:p>
           <a:r>
-            <a:rPr lang="zh-CN" altLang="en-US" dirty="0" smtClean="0"/>
+            <a:rPr lang="zh-CN" altLang="en-US" dirty="0"/>
             <a:t>模型加载模块</a:t>
           </a:r>
           <a:r>
-            <a:rPr lang="zh-CN" altLang="en-US" b="1" dirty="0" smtClean="0">
+            <a:rPr lang="zh-CN" altLang="en-US" b="1" dirty="0">
               <a:solidFill>
                 <a:schemeClr val="accent1">
                   <a:lumMod val="50000"/>
@@ -4684,13 +5656,6 @@
             </a:rPr>
             <a:t>开发者继承以二次开发</a:t>
           </a:r>
-          <a:endParaRPr lang="zh-CN" altLang="en-US" b="1" dirty="0">
-            <a:solidFill>
-              <a:schemeClr val="accent1">
-                <a:lumMod val="50000"/>
-              </a:schemeClr>
-            </a:solidFill>
-          </a:endParaRPr>
         </a:p>
       </dgm:t>
     </dgm:pt>
@@ -4724,22 +5689,22 @@
         <a:lstStyle/>
         <a:p>
           <a:r>
-            <a:rPr lang="zh-CN" altLang="en-US" dirty="0" smtClean="0"/>
+            <a:rPr lang="zh-CN" altLang="en-US" dirty="0"/>
             <a:t>基于</a:t>
           </a:r>
           <a:r>
-            <a:rPr lang="en-US" altLang="en-US" dirty="0" err="1" smtClean="0"/>
+            <a:rPr lang="en-US" altLang="en-US" dirty="0" err="1"/>
             <a:t>Boostrap</a:t>
           </a:r>
           <a:r>
-            <a:rPr lang="zh-CN" altLang="en-US" dirty="0" smtClean="0"/>
+            <a:rPr lang="zh-CN" altLang="en-US" dirty="0"/>
             <a:t>设计的前端操作界面</a:t>
           </a:r>
-          <a:endParaRPr lang="en-US" altLang="zh-CN" dirty="0" smtClean="0"/>
+          <a:endParaRPr lang="en-US" altLang="zh-CN" dirty="0"/>
         </a:p>
         <a:p>
           <a:r>
-            <a:rPr lang="zh-CN" altLang="en-US" b="1" dirty="0" smtClean="0">
+            <a:rPr lang="zh-CN" altLang="en-US" b="1" dirty="0">
               <a:solidFill>
                 <a:schemeClr val="accent1">
                   <a:lumMod val="50000"/>
@@ -4749,7 +5714,7 @@
             <a:t>重写</a:t>
           </a:r>
           <a:r>
-            <a:rPr lang="en-US" altLang="en-US" b="1" dirty="0" smtClean="0">
+            <a:rPr lang="en-US" altLang="en-US" b="1" dirty="0">
               <a:solidFill>
                 <a:schemeClr val="accent1">
                   <a:lumMod val="50000"/>
@@ -4759,7 +5724,7 @@
             <a:t>JS</a:t>
           </a:r>
           <a:r>
-            <a:rPr lang="zh-CN" altLang="en-US" b="1" dirty="0" smtClean="0">
+            <a:rPr lang="zh-CN" altLang="en-US" b="1" dirty="0">
               <a:solidFill>
                 <a:schemeClr val="accent1">
                   <a:lumMod val="50000"/>
@@ -4768,13 +5733,6 @@
             </a:rPr>
             <a:t>方法</a:t>
           </a:r>
-          <a:endParaRPr lang="zh-CN" altLang="en-US" b="1" dirty="0">
-            <a:solidFill>
-              <a:schemeClr val="accent1">
-                <a:lumMod val="50000"/>
-              </a:schemeClr>
-            </a:solidFill>
-          </a:endParaRPr>
         </a:p>
       </dgm:t>
     </dgm:pt>
@@ -4808,11 +5766,11 @@
         <a:lstStyle/>
         <a:p>
           <a:r>
-            <a:rPr lang="zh-CN" altLang="en-US" dirty="0" smtClean="0"/>
+            <a:rPr lang="zh-CN" altLang="en-US" dirty="0"/>
             <a:t>数据交互接口</a:t>
           </a:r>
           <a:r>
-            <a:rPr lang="zh-CN" altLang="en-US" b="1" dirty="0" smtClean="0">
+            <a:rPr lang="zh-CN" altLang="en-US" b="1" dirty="0">
               <a:solidFill>
                 <a:schemeClr val="accent1">
                   <a:lumMod val="50000"/>
@@ -4821,13 +5779,6 @@
             </a:rPr>
             <a:t>用户添加自定义接口</a:t>
           </a:r>
-          <a:endParaRPr lang="zh-CN" altLang="en-US" b="1" dirty="0">
-            <a:solidFill>
-              <a:schemeClr val="accent1">
-                <a:lumMod val="50000"/>
-              </a:schemeClr>
-            </a:solidFill>
-          </a:endParaRPr>
         </a:p>
       </dgm:t>
     </dgm:pt>
@@ -4863,35 +5814,14 @@
         </dgm:presLayoutVars>
       </dgm:prSet>
       <dgm:spPr/>
-      <dgm:t>
-        <a:bodyPr/>
-        <a:lstStyle/>
-        <a:p>
-          <a:endParaRPr lang="zh-CN" altLang="en-US"/>
-        </a:p>
-      </dgm:t>
     </dgm:pt>
     <dgm:pt modelId="{02A8F818-0DB1-4F00-83F2-C80EC34E4626}" type="pres">
       <dgm:prSet presAssocID="{52842D7D-0736-4A58-B956-F7120E32AD6F}" presName="centerShape" presStyleLbl="node0" presStyleIdx="0" presStyleCnt="1"/>
       <dgm:spPr/>
-      <dgm:t>
-        <a:bodyPr/>
-        <a:lstStyle/>
-        <a:p>
-          <a:endParaRPr lang="zh-CN" altLang="en-US"/>
-        </a:p>
-      </dgm:t>
     </dgm:pt>
     <dgm:pt modelId="{A7C679A2-1DAC-401A-A059-E2B0BA1760C8}" type="pres">
       <dgm:prSet presAssocID="{23CE340D-0D10-448E-8068-D7A933BFD155}" presName="parTrans" presStyleLbl="bgSibTrans2D1" presStyleIdx="0" presStyleCnt="3" custAng="17088023" custFlipHor="1" custScaleX="32418" custLinFactNeighborX="28386" custLinFactNeighborY="73033"/>
       <dgm:spPr/>
-      <dgm:t>
-        <a:bodyPr/>
-        <a:lstStyle/>
-        <a:p>
-          <a:endParaRPr lang="zh-CN" altLang="en-US"/>
-        </a:p>
-      </dgm:t>
     </dgm:pt>
     <dgm:pt modelId="{C4703476-99E0-4FF9-87D8-1934A9445F50}" type="pres">
       <dgm:prSet presAssocID="{EE4D6FD4-3BDE-4CAF-BD7D-3E7982FD00FD}" presName="node" presStyleLbl="node1" presStyleIdx="0" presStyleCnt="3">
@@ -4900,24 +5830,10 @@
         </dgm:presLayoutVars>
       </dgm:prSet>
       <dgm:spPr/>
-      <dgm:t>
-        <a:bodyPr/>
-        <a:lstStyle/>
-        <a:p>
-          <a:endParaRPr lang="zh-CN" altLang="en-US"/>
-        </a:p>
-      </dgm:t>
     </dgm:pt>
     <dgm:pt modelId="{BE8DEC34-68E8-42E9-BF72-71E7BDE98429}" type="pres">
       <dgm:prSet presAssocID="{15DD97CF-D86D-4DA3-9E02-9364AF0E07EF}" presName="parTrans" presStyleLbl="bgSibTrans2D1" presStyleIdx="1" presStyleCnt="3" custAng="10800000" custFlipHor="1" custScaleX="52901" custLinFactNeighborX="590" custLinFactNeighborY="76894"/>
       <dgm:spPr/>
-      <dgm:t>
-        <a:bodyPr/>
-        <a:lstStyle/>
-        <a:p>
-          <a:endParaRPr lang="zh-CN" altLang="en-US"/>
-        </a:p>
-      </dgm:t>
     </dgm:pt>
     <dgm:pt modelId="{CB57229B-EA1A-43E5-9C02-1ED91E236DAD}" type="pres">
       <dgm:prSet presAssocID="{FB04CCA0-C5EC-4D57-8732-BEAF194BB8A7}" presName="node" presStyleLbl="node1" presStyleIdx="1" presStyleCnt="3">
@@ -4926,24 +5842,10 @@
         </dgm:presLayoutVars>
       </dgm:prSet>
       <dgm:spPr/>
-      <dgm:t>
-        <a:bodyPr/>
-        <a:lstStyle/>
-        <a:p>
-          <a:endParaRPr lang="zh-CN" altLang="en-US"/>
-        </a:p>
-      </dgm:t>
     </dgm:pt>
     <dgm:pt modelId="{6F96541D-CEAF-4313-8B3B-45678BE28E56}" type="pres">
       <dgm:prSet presAssocID="{C0038A10-872E-4481-952E-FD48FE6CE1E8}" presName="parTrans" presStyleLbl="bgSibTrans2D1" presStyleIdx="2" presStyleCnt="3" custAng="10749290" custScaleX="41659" custLinFactNeighborX="-28206" custLinFactNeighborY="55998"/>
       <dgm:spPr/>
-      <dgm:t>
-        <a:bodyPr/>
-        <a:lstStyle/>
-        <a:p>
-          <a:endParaRPr lang="zh-CN" altLang="en-US"/>
-        </a:p>
-      </dgm:t>
     </dgm:pt>
     <dgm:pt modelId="{4FD2ECBC-38F8-4DD8-8947-5BD63A39E32F}" type="pres">
       <dgm:prSet presAssocID="{8C70F0ED-C2CE-416A-AF3B-5222B8861819}" presName="node" presStyleLbl="node1" presStyleIdx="2" presStyleCnt="3">
@@ -4952,28 +5854,21 @@
         </dgm:presLayoutVars>
       </dgm:prSet>
       <dgm:spPr/>
-      <dgm:t>
-        <a:bodyPr/>
-        <a:lstStyle/>
-        <a:p>
-          <a:endParaRPr lang="zh-CN" altLang="en-US"/>
-        </a:p>
-      </dgm:t>
     </dgm:pt>
   </dgm:ptLst>
   <dgm:cxnLst>
+    <dgm:cxn modelId="{9A0CBEC0-110C-4DE0-9E74-2E451AB67C66}" type="presOf" srcId="{C0038A10-872E-4481-952E-FD48FE6CE1E8}" destId="{6F96541D-CEAF-4313-8B3B-45678BE28E56}" srcOrd="0" destOrd="0" presId="urn:microsoft.com/office/officeart/2005/8/layout/radial4"/>
     <dgm:cxn modelId="{F1D024B9-B23D-4BC5-8BC0-9766F0246E85}" type="presOf" srcId="{8C70F0ED-C2CE-416A-AF3B-5222B8861819}" destId="{4FD2ECBC-38F8-4DD8-8947-5BD63A39E32F}" srcOrd="0" destOrd="0" presId="urn:microsoft.com/office/officeart/2005/8/layout/radial4"/>
     <dgm:cxn modelId="{A56E27EC-5698-45BB-9005-A6A8215C9F5D}" type="presOf" srcId="{23CE340D-0D10-448E-8068-D7A933BFD155}" destId="{A7C679A2-1DAC-401A-A059-E2B0BA1760C8}" srcOrd="0" destOrd="0" presId="urn:microsoft.com/office/officeart/2005/8/layout/radial4"/>
+    <dgm:cxn modelId="{F1626821-AFF8-4648-8D3E-246C4EB7851C}" type="presOf" srcId="{52842D7D-0736-4A58-B956-F7120E32AD6F}" destId="{02A8F818-0DB1-4F00-83F2-C80EC34E4626}" srcOrd="0" destOrd="0" presId="urn:microsoft.com/office/officeart/2005/8/layout/radial4"/>
+    <dgm:cxn modelId="{9C5DA2DE-4A9B-4D46-8C4F-BC600517D090}" srcId="{52842D7D-0736-4A58-B956-F7120E32AD6F}" destId="{FB04CCA0-C5EC-4D57-8732-BEAF194BB8A7}" srcOrd="1" destOrd="0" parTransId="{15DD97CF-D86D-4DA3-9E02-9364AF0E07EF}" sibTransId="{A655986E-4A0E-4EDE-BA9B-327742773987}"/>
+    <dgm:cxn modelId="{3F38CFC2-CDFE-4408-BCF7-610134C33F73}" srcId="{44D828B4-B1D7-4D2B-8486-3ED73E1A252F}" destId="{52842D7D-0736-4A58-B956-F7120E32AD6F}" srcOrd="0" destOrd="0" parTransId="{AF0E4E76-D691-4512-89AA-FC5E1126F331}" sibTransId="{F22ED3EB-5CD0-4DAC-B737-BF88B68510F5}"/>
+    <dgm:cxn modelId="{17D700F4-CB46-48C6-A22D-B4E77293BBEE}" type="presOf" srcId="{EE4D6FD4-3BDE-4CAF-BD7D-3E7982FD00FD}" destId="{C4703476-99E0-4FF9-87D8-1934A9445F50}" srcOrd="0" destOrd="0" presId="urn:microsoft.com/office/officeart/2005/8/layout/radial4"/>
+    <dgm:cxn modelId="{D3A8E3C6-8829-41D0-9E0A-51ABC85E4174}" srcId="{52842D7D-0736-4A58-B956-F7120E32AD6F}" destId="{8C70F0ED-C2CE-416A-AF3B-5222B8861819}" srcOrd="2" destOrd="0" parTransId="{C0038A10-872E-4481-952E-FD48FE6CE1E8}" sibTransId="{87C1811A-F1DD-4416-B4F1-913C6802A8E3}"/>
+    <dgm:cxn modelId="{4224D7BB-CFDE-4167-B984-4137BE8D3074}" type="presOf" srcId="{15DD97CF-D86D-4DA3-9E02-9364AF0E07EF}" destId="{BE8DEC34-68E8-42E9-BF72-71E7BDE98429}" srcOrd="0" destOrd="0" presId="urn:microsoft.com/office/officeart/2005/8/layout/radial4"/>
+    <dgm:cxn modelId="{D4AD54FC-4DB5-4683-9C9C-FABF921883AF}" srcId="{52842D7D-0736-4A58-B956-F7120E32AD6F}" destId="{EE4D6FD4-3BDE-4CAF-BD7D-3E7982FD00FD}" srcOrd="0" destOrd="0" parTransId="{23CE340D-0D10-448E-8068-D7A933BFD155}" sibTransId="{0C003D56-E99C-4D6D-BC1D-CB46B73A45F9}"/>
+    <dgm:cxn modelId="{5BE935C2-E4FB-4372-A98B-74E8C719D3C1}" type="presOf" srcId="{FB04CCA0-C5EC-4D57-8732-BEAF194BB8A7}" destId="{CB57229B-EA1A-43E5-9C02-1ED91E236DAD}" srcOrd="0" destOrd="0" presId="urn:microsoft.com/office/officeart/2005/8/layout/radial4"/>
     <dgm:cxn modelId="{CCFA24BB-A28D-4FD6-9F93-130CB6E815E1}" type="presOf" srcId="{44D828B4-B1D7-4D2B-8486-3ED73E1A252F}" destId="{E320535E-1280-4ECB-823B-7F0C79E31E3B}" srcOrd="0" destOrd="0" presId="urn:microsoft.com/office/officeart/2005/8/layout/radial4"/>
-    <dgm:cxn modelId="{F1626821-AFF8-4648-8D3E-246C4EB7851C}" type="presOf" srcId="{52842D7D-0736-4A58-B956-F7120E32AD6F}" destId="{02A8F818-0DB1-4F00-83F2-C80EC34E4626}" srcOrd="0" destOrd="0" presId="urn:microsoft.com/office/officeart/2005/8/layout/radial4"/>
-    <dgm:cxn modelId="{3F38CFC2-CDFE-4408-BCF7-610134C33F73}" srcId="{44D828B4-B1D7-4D2B-8486-3ED73E1A252F}" destId="{52842D7D-0736-4A58-B956-F7120E32AD6F}" srcOrd="0" destOrd="0" parTransId="{AF0E4E76-D691-4512-89AA-FC5E1126F331}" sibTransId="{F22ED3EB-5CD0-4DAC-B737-BF88B68510F5}"/>
-    <dgm:cxn modelId="{9C5DA2DE-4A9B-4D46-8C4F-BC600517D090}" srcId="{52842D7D-0736-4A58-B956-F7120E32AD6F}" destId="{FB04CCA0-C5EC-4D57-8732-BEAF194BB8A7}" srcOrd="1" destOrd="0" parTransId="{15DD97CF-D86D-4DA3-9E02-9364AF0E07EF}" sibTransId="{A655986E-4A0E-4EDE-BA9B-327742773987}"/>
-    <dgm:cxn modelId="{5BE935C2-E4FB-4372-A98B-74E8C719D3C1}" type="presOf" srcId="{FB04CCA0-C5EC-4D57-8732-BEAF194BB8A7}" destId="{CB57229B-EA1A-43E5-9C02-1ED91E236DAD}" srcOrd="0" destOrd="0" presId="urn:microsoft.com/office/officeart/2005/8/layout/radial4"/>
-    <dgm:cxn modelId="{D4AD54FC-4DB5-4683-9C9C-FABF921883AF}" srcId="{52842D7D-0736-4A58-B956-F7120E32AD6F}" destId="{EE4D6FD4-3BDE-4CAF-BD7D-3E7982FD00FD}" srcOrd="0" destOrd="0" parTransId="{23CE340D-0D10-448E-8068-D7A933BFD155}" sibTransId="{0C003D56-E99C-4D6D-BC1D-CB46B73A45F9}"/>
-    <dgm:cxn modelId="{9A0CBEC0-110C-4DE0-9E74-2E451AB67C66}" type="presOf" srcId="{C0038A10-872E-4481-952E-FD48FE6CE1E8}" destId="{6F96541D-CEAF-4313-8B3B-45678BE28E56}" srcOrd="0" destOrd="0" presId="urn:microsoft.com/office/officeart/2005/8/layout/radial4"/>
-    <dgm:cxn modelId="{D3A8E3C6-8829-41D0-9E0A-51ABC85E4174}" srcId="{52842D7D-0736-4A58-B956-F7120E32AD6F}" destId="{8C70F0ED-C2CE-416A-AF3B-5222B8861819}" srcOrd="2" destOrd="0" parTransId="{C0038A10-872E-4481-952E-FD48FE6CE1E8}" sibTransId="{87C1811A-F1DD-4416-B4F1-913C6802A8E3}"/>
-    <dgm:cxn modelId="{17D700F4-CB46-48C6-A22D-B4E77293BBEE}" type="presOf" srcId="{EE4D6FD4-3BDE-4CAF-BD7D-3E7982FD00FD}" destId="{C4703476-99E0-4FF9-87D8-1934A9445F50}" srcOrd="0" destOrd="0" presId="urn:microsoft.com/office/officeart/2005/8/layout/radial4"/>
-    <dgm:cxn modelId="{4224D7BB-CFDE-4167-B984-4137BE8D3074}" type="presOf" srcId="{15DD97CF-D86D-4DA3-9E02-9364AF0E07EF}" destId="{BE8DEC34-68E8-42E9-BF72-71E7BDE98429}" srcOrd="0" destOrd="0" presId="urn:microsoft.com/office/officeart/2005/8/layout/radial4"/>
     <dgm:cxn modelId="{84F06E59-341B-4A9B-ACA1-D25A548C07EA}" type="presParOf" srcId="{E320535E-1280-4ECB-823B-7F0C79E31E3B}" destId="{02A8F818-0DB1-4F00-83F2-C80EC34E4626}" srcOrd="0" destOrd="0" presId="urn:microsoft.com/office/officeart/2005/8/layout/radial4"/>
     <dgm:cxn modelId="{B77BE982-8387-4F22-83E3-207120AA2CB5}" type="presParOf" srcId="{E320535E-1280-4ECB-823B-7F0C79E31E3B}" destId="{A7C679A2-1DAC-401A-A059-E2B0BA1760C8}" srcOrd="1" destOrd="0" presId="urn:microsoft.com/office/officeart/2005/8/layout/radial4"/>
     <dgm:cxn modelId="{F5F2A65A-9508-4594-8285-F65FFA49EA14}" type="presParOf" srcId="{E320535E-1280-4ECB-823B-7F0C79E31E3B}" destId="{C4703476-99E0-4FF9-87D8-1934A9445F50}" srcOrd="2" destOrd="0" presId="urn:microsoft.com/office/officeart/2005/8/layout/radial4"/>
@@ -4986,13 +5881,13 @@
   <dgm:whole/>
   <dgm:extLst>
     <a:ext uri="http://schemas.microsoft.com/office/drawing/2008/diagram">
-      <dsp:dataModelExt xmlns:dsp="http://schemas.microsoft.com/office/drawing/2008/diagram" xmlns="" relId="rId6" minVer="http://schemas.openxmlformats.org/drawingml/2006/diagram"/>
+      <dsp:dataModelExt xmlns:dsp="http://schemas.microsoft.com/office/drawing/2008/diagram" relId="rId6" minVer="http://schemas.openxmlformats.org/drawingml/2006/diagram"/>
     </a:ext>
   </dgm:extLst>
 </dgm:dataModel>
 </file>
 
-<file path=ppt/diagrams/data4.xml><?xml version="1.0" encoding="utf-8"?>
+<file path=ppt/diagrams/data5.xml><?xml version="1.0" encoding="utf-8"?>
 <dgm:dataModel xmlns:dgm="http://schemas.openxmlformats.org/drawingml/2006/diagram" xmlns:a="http://schemas.openxmlformats.org/drawingml/2006/main">
   <dgm:ptLst>
     <dgm:pt modelId="{923540E0-106A-4113-92A4-EE114DD5BE9A}" type="doc">
@@ -5014,18 +5909,18 @@
         <a:lstStyle/>
         <a:p>
           <a:r>
-            <a:rPr lang="en-US" altLang="en-US" dirty="0" err="1" smtClean="0"/>
+            <a:rPr lang="en-US" altLang="en-US" dirty="0" err="1"/>
             <a:t>WebLoader</a:t>
           </a:r>
           <a:r>
-            <a:rPr lang="zh-CN" altLang="en-US" dirty="0" smtClean="0"/>
+            <a:rPr lang="zh-CN" altLang="en-US" dirty="0"/>
             <a:t>对象</a:t>
           </a:r>
-          <a:endParaRPr lang="en-US" altLang="zh-CN" dirty="0" smtClean="0"/>
+          <a:endParaRPr lang="en-US" altLang="zh-CN" dirty="0"/>
         </a:p>
         <a:p>
           <a:r>
-            <a:rPr lang="zh-CN" altLang="en-US" b="1" dirty="0" smtClean="0">
+            <a:rPr lang="zh-CN" altLang="en-US" b="1" dirty="0">
               <a:solidFill>
                 <a:srgbClr val="7030A0"/>
               </a:solidFill>
@@ -5033,7 +5928,7 @@
             <a:t>远程加载数据交互接口的数据转换为</a:t>
           </a:r>
           <a:r>
-            <a:rPr lang="en-US" altLang="en-US" b="1" dirty="0" smtClean="0">
+            <a:rPr lang="en-US" altLang="en-US" b="1" dirty="0">
               <a:solidFill>
                 <a:srgbClr val="7030A0"/>
               </a:solidFill>
@@ -5078,26 +5973,26 @@
         <a:lstStyle/>
         <a:p>
           <a:r>
-            <a:rPr lang="en-US" altLang="en-US" dirty="0" smtClean="0"/>
+            <a:rPr lang="en-US" altLang="en-US" dirty="0"/>
             <a:t>DO</a:t>
           </a:r>
           <a:r>
-            <a:rPr lang="zh-CN" altLang="en-US" dirty="0" smtClean="0"/>
+            <a:rPr lang="zh-CN" altLang="en-US" dirty="0"/>
             <a:t>（</a:t>
           </a:r>
           <a:r>
-            <a:rPr lang="en-US" altLang="en-US" dirty="0" smtClean="0"/>
+            <a:rPr lang="en-US" altLang="en-US" dirty="0"/>
             <a:t>Data Object</a:t>
           </a:r>
           <a:r>
-            <a:rPr lang="zh-CN" altLang="en-US" dirty="0" smtClean="0"/>
+            <a:rPr lang="zh-CN" altLang="en-US" dirty="0"/>
             <a:t>）</a:t>
           </a:r>
-          <a:endParaRPr lang="en-US" altLang="zh-CN" dirty="0" smtClean="0"/>
+          <a:endParaRPr lang="en-US" altLang="zh-CN" dirty="0"/>
         </a:p>
         <a:p>
           <a:r>
-            <a:rPr lang="zh-CN" altLang="en-US" b="1" dirty="0" smtClean="0">
+            <a:rPr lang="zh-CN" altLang="en-US" b="1" dirty="0">
               <a:solidFill>
                 <a:srgbClr val="7030A0"/>
               </a:solidFill>
@@ -5105,7 +6000,7 @@
             <a:t>数据对象，以装在远程加载的数据为主以便开发者使用，相关属性为</a:t>
           </a:r>
           <a:r>
-            <a:rPr lang="en-US" altLang="en-US" b="1" dirty="0" smtClean="0">
+            <a:rPr lang="en-US" altLang="en-US" b="1" dirty="0">
               <a:solidFill>
                 <a:srgbClr val="7030A0"/>
               </a:solidFill>
@@ -5113,18 +6008,13 @@
             <a:t>XML</a:t>
           </a:r>
           <a:r>
-            <a:rPr lang="zh-CN" altLang="en-US" b="1" dirty="0" smtClean="0">
+            <a:rPr lang="zh-CN" altLang="en-US" b="1" dirty="0">
               <a:solidFill>
                 <a:srgbClr val="7030A0"/>
               </a:solidFill>
             </a:rPr>
             <a:t>模型的字段。</a:t>
           </a:r>
-          <a:endParaRPr lang="zh-CN" altLang="en-US" b="1" dirty="0">
-            <a:solidFill>
-              <a:srgbClr val="7030A0"/>
-            </a:solidFill>
-          </a:endParaRPr>
         </a:p>
       </dgm:t>
     </dgm:pt>
@@ -5158,26 +6048,26 @@
         <a:lstStyle/>
         <a:p>
           <a:r>
-            <a:rPr lang="en-US" altLang="en-US" dirty="0" smtClean="0"/>
+            <a:rPr lang="en-US" altLang="en-US" dirty="0"/>
             <a:t>DAO</a:t>
           </a:r>
           <a:r>
-            <a:rPr lang="zh-CN" altLang="en-US" dirty="0" smtClean="0"/>
+            <a:rPr lang="zh-CN" altLang="en-US" dirty="0"/>
             <a:t>（</a:t>
           </a:r>
           <a:r>
-            <a:rPr lang="en-US" altLang="en-US" dirty="0" smtClean="0"/>
+            <a:rPr lang="en-US" altLang="en-US" dirty="0"/>
             <a:t>Data Access Object</a:t>
           </a:r>
           <a:r>
-            <a:rPr lang="zh-CN" altLang="en-US" dirty="0" smtClean="0"/>
+            <a:rPr lang="zh-CN" altLang="en-US" dirty="0"/>
             <a:t>）</a:t>
           </a:r>
-          <a:endParaRPr lang="en-US" altLang="zh-CN" dirty="0" smtClean="0"/>
+          <a:endParaRPr lang="en-US" altLang="zh-CN" dirty="0"/>
         </a:p>
         <a:p>
           <a:r>
-            <a:rPr lang="zh-CN" altLang="en-US" b="1" dirty="0" smtClean="0">
+            <a:rPr lang="zh-CN" altLang="en-US" b="1" dirty="0">
               <a:solidFill>
                 <a:srgbClr val="7030A0"/>
               </a:solidFill>
@@ -5185,7 +6075,7 @@
             <a:t>数据访问对象，主要提供本地存储的方法把</a:t>
           </a:r>
           <a:r>
-            <a:rPr lang="en-US" altLang="en-US" b="1" dirty="0" err="1" smtClean="0">
+            <a:rPr lang="en-US" altLang="en-US" b="1" dirty="0" err="1">
               <a:solidFill>
                 <a:srgbClr val="7030A0"/>
               </a:solidFill>
@@ -5193,7 +6083,7 @@
             <a:t>WebLoader</a:t>
           </a:r>
           <a:r>
-            <a:rPr lang="zh-CN" altLang="en-US" b="1" dirty="0" smtClean="0">
+            <a:rPr lang="zh-CN" altLang="en-US" b="1" dirty="0">
               <a:solidFill>
                 <a:srgbClr val="7030A0"/>
               </a:solidFill>
@@ -5201,7 +6091,7 @@
             <a:t>对象生成的</a:t>
           </a:r>
           <a:r>
-            <a:rPr lang="en-US" altLang="en-US" b="1" dirty="0" smtClean="0">
+            <a:rPr lang="en-US" altLang="en-US" b="1" dirty="0">
               <a:solidFill>
                 <a:srgbClr val="7030A0"/>
               </a:solidFill>
@@ -5209,18 +6099,13 @@
             <a:t>DO</a:t>
           </a:r>
           <a:r>
-            <a:rPr lang="zh-CN" altLang="en-US" b="1" dirty="0" smtClean="0">
+            <a:rPr lang="zh-CN" altLang="en-US" b="1" dirty="0">
               <a:solidFill>
                 <a:srgbClr val="7030A0"/>
               </a:solidFill>
             </a:rPr>
             <a:t>对象有选择性的存储到本地</a:t>
           </a:r>
-          <a:endParaRPr lang="zh-CN" altLang="en-US" b="1" dirty="0">
-            <a:solidFill>
-              <a:srgbClr val="7030A0"/>
-            </a:solidFill>
-          </a:endParaRPr>
         </a:p>
       </dgm:t>
     </dgm:pt>
@@ -5255,13 +6140,6 @@
         </dgm:presLayoutVars>
       </dgm:prSet>
       <dgm:spPr/>
-      <dgm:t>
-        <a:bodyPr/>
-        <a:lstStyle/>
-        <a:p>
-          <a:endParaRPr lang="zh-CN" altLang="en-US"/>
-        </a:p>
-      </dgm:t>
     </dgm:pt>
     <dgm:pt modelId="{B1758626-A23C-42D4-86C2-85BAD78C2664}" type="pres">
       <dgm:prSet presAssocID="{923540E0-106A-4113-92A4-EE114DD5BE9A}" presName="dummyMaxCanvas" presStyleCnt="0">
@@ -5276,13 +6154,6 @@
         </dgm:presLayoutVars>
       </dgm:prSet>
       <dgm:spPr/>
-      <dgm:t>
-        <a:bodyPr/>
-        <a:lstStyle/>
-        <a:p>
-          <a:endParaRPr lang="zh-CN" altLang="en-US"/>
-        </a:p>
-      </dgm:t>
     </dgm:pt>
     <dgm:pt modelId="{CA54E869-6746-4DD3-AEE7-6A9CFEAAB3FA}" type="pres">
       <dgm:prSet presAssocID="{923540E0-106A-4113-92A4-EE114DD5BE9A}" presName="ThreeNodes_2" presStyleLbl="node1" presStyleIdx="1" presStyleCnt="3">
@@ -5291,13 +6162,6 @@
         </dgm:presLayoutVars>
       </dgm:prSet>
       <dgm:spPr/>
-      <dgm:t>
-        <a:bodyPr/>
-        <a:lstStyle/>
-        <a:p>
-          <a:endParaRPr lang="zh-CN" altLang="en-US"/>
-        </a:p>
-      </dgm:t>
     </dgm:pt>
     <dgm:pt modelId="{B045B095-AC1F-46FB-BE49-69D498027592}" type="pres">
       <dgm:prSet presAssocID="{923540E0-106A-4113-92A4-EE114DD5BE9A}" presName="ThreeNodes_3" presStyleLbl="node1" presStyleIdx="2" presStyleCnt="3">
@@ -5306,13 +6170,6 @@
         </dgm:presLayoutVars>
       </dgm:prSet>
       <dgm:spPr/>
-      <dgm:t>
-        <a:bodyPr/>
-        <a:lstStyle/>
-        <a:p>
-          <a:endParaRPr lang="zh-CN" altLang="en-US"/>
-        </a:p>
-      </dgm:t>
     </dgm:pt>
     <dgm:pt modelId="{06292878-428E-43E5-B926-778003ACA46E}" type="pres">
       <dgm:prSet presAssocID="{923540E0-106A-4113-92A4-EE114DD5BE9A}" presName="ThreeConn_1-2" presStyleLbl="fgAccFollowNode1" presStyleIdx="0" presStyleCnt="2">
@@ -5321,13 +6178,6 @@
         </dgm:presLayoutVars>
       </dgm:prSet>
       <dgm:spPr/>
-      <dgm:t>
-        <a:bodyPr/>
-        <a:lstStyle/>
-        <a:p>
-          <a:endParaRPr lang="zh-CN" altLang="en-US"/>
-        </a:p>
-      </dgm:t>
     </dgm:pt>
     <dgm:pt modelId="{67F047E0-4DCD-46C8-890A-43BC0C40B153}" type="pres">
       <dgm:prSet presAssocID="{923540E0-106A-4113-92A4-EE114DD5BE9A}" presName="ThreeConn_2-3" presStyleLbl="fgAccFollowNode1" presStyleIdx="1" presStyleCnt="2">
@@ -5336,13 +6186,6 @@
         </dgm:presLayoutVars>
       </dgm:prSet>
       <dgm:spPr/>
-      <dgm:t>
-        <a:bodyPr/>
-        <a:lstStyle/>
-        <a:p>
-          <a:endParaRPr lang="zh-CN" altLang="en-US"/>
-        </a:p>
-      </dgm:t>
     </dgm:pt>
     <dgm:pt modelId="{3CA5F7F6-7497-4117-9A70-10F209485DAD}" type="pres">
       <dgm:prSet presAssocID="{923540E0-106A-4113-92A4-EE114DD5BE9A}" presName="ThreeNodes_1_text" presStyleLbl="node1" presStyleIdx="2" presStyleCnt="3">
@@ -5351,13 +6194,6 @@
         </dgm:presLayoutVars>
       </dgm:prSet>
       <dgm:spPr/>
-      <dgm:t>
-        <a:bodyPr/>
-        <a:lstStyle/>
-        <a:p>
-          <a:endParaRPr lang="zh-CN" altLang="en-US"/>
-        </a:p>
-      </dgm:t>
     </dgm:pt>
     <dgm:pt modelId="{FA81AB5C-D125-4AD4-B6CB-A61404B6E793}" type="pres">
       <dgm:prSet presAssocID="{923540E0-106A-4113-92A4-EE114DD5BE9A}" presName="ThreeNodes_2_text" presStyleLbl="node1" presStyleIdx="2" presStyleCnt="3">
@@ -5366,13 +6202,6 @@
         </dgm:presLayoutVars>
       </dgm:prSet>
       <dgm:spPr/>
-      <dgm:t>
-        <a:bodyPr/>
-        <a:lstStyle/>
-        <a:p>
-          <a:endParaRPr lang="zh-CN" altLang="en-US"/>
-        </a:p>
-      </dgm:t>
     </dgm:pt>
     <dgm:pt modelId="{28CAE78F-E50E-4581-B681-6BC198117780}" type="pres">
       <dgm:prSet presAssocID="{923540E0-106A-4113-92A4-EE114DD5BE9A}" presName="ThreeNodes_3_text" presStyleLbl="node1" presStyleIdx="2" presStyleCnt="3">
@@ -5381,28 +6210,21 @@
         </dgm:presLayoutVars>
       </dgm:prSet>
       <dgm:spPr/>
-      <dgm:t>
-        <a:bodyPr/>
-        <a:lstStyle/>
-        <a:p>
-          <a:endParaRPr lang="zh-CN" altLang="en-US"/>
-        </a:p>
-      </dgm:t>
     </dgm:pt>
   </dgm:ptLst>
   <dgm:cxnLst>
+    <dgm:cxn modelId="{10DE596A-FC75-4CFE-8ED0-84F53EF510B9}" type="presOf" srcId="{626B890F-B039-4B7B-AD22-F0ABB8FC1237}" destId="{B045B095-AC1F-46FB-BE49-69D498027592}" srcOrd="0" destOrd="0" presId="urn:microsoft.com/office/officeart/2005/8/layout/vProcess5"/>
+    <dgm:cxn modelId="{ABE0B113-5911-406D-B892-CF84D15F1217}" type="presOf" srcId="{AB9B2CDA-1D1F-41CA-832C-728449119647}" destId="{06292878-428E-43E5-B926-778003ACA46E}" srcOrd="0" destOrd="0" presId="urn:microsoft.com/office/officeart/2005/8/layout/vProcess5"/>
     <dgm:cxn modelId="{A75EF4A9-0ED5-479F-B8A1-E511F391AC12}" type="presOf" srcId="{ED5B9939-B946-4CC8-98A4-1A904FDD6969}" destId="{FA81AB5C-D125-4AD4-B6CB-A61404B6E793}" srcOrd="1" destOrd="0" presId="urn:microsoft.com/office/officeart/2005/8/layout/vProcess5"/>
+    <dgm:cxn modelId="{0F97CBEE-708A-43D2-87F9-B48B33F473BE}" type="presOf" srcId="{923540E0-106A-4113-92A4-EE114DD5BE9A}" destId="{1D4F47EC-4B66-4BA5-A3DE-7FF6533CE93D}" srcOrd="0" destOrd="0" presId="urn:microsoft.com/office/officeart/2005/8/layout/vProcess5"/>
+    <dgm:cxn modelId="{3E290FA4-E8E7-4BAE-9767-A80C12A1F14E}" type="presOf" srcId="{ED5B9939-B946-4CC8-98A4-1A904FDD6969}" destId="{CA54E869-6746-4DD3-AEE7-6A9CFEAAB3FA}" srcOrd="0" destOrd="0" presId="urn:microsoft.com/office/officeart/2005/8/layout/vProcess5"/>
+    <dgm:cxn modelId="{6A7E2BEF-5053-4002-AEF4-9D0B9D764261}" srcId="{923540E0-106A-4113-92A4-EE114DD5BE9A}" destId="{626B890F-B039-4B7B-AD22-F0ABB8FC1237}" srcOrd="2" destOrd="0" parTransId="{E009DC7D-661C-451B-AE45-DD71E9B07CD4}" sibTransId="{D54235CB-C01C-4703-80B9-92A94363BC4D}"/>
+    <dgm:cxn modelId="{CAA8737E-0C70-4AED-9FB4-95A17887F930}" type="presOf" srcId="{626B890F-B039-4B7B-AD22-F0ABB8FC1237}" destId="{28CAE78F-E50E-4581-B681-6BC198117780}" srcOrd="1" destOrd="0" presId="urn:microsoft.com/office/officeart/2005/8/layout/vProcess5"/>
     <dgm:cxn modelId="{808087A5-1F2E-4D95-BF00-D47197F94420}" type="presOf" srcId="{F2A016CE-B69A-4DDA-B2BC-84B133A1854B}" destId="{60F9A21F-CB19-41E9-B0C5-3328BD7FE51D}" srcOrd="0" destOrd="0" presId="urn:microsoft.com/office/officeart/2005/8/layout/vProcess5"/>
-    <dgm:cxn modelId="{ABE0B113-5911-406D-B892-CF84D15F1217}" type="presOf" srcId="{AB9B2CDA-1D1F-41CA-832C-728449119647}" destId="{06292878-428E-43E5-B926-778003ACA46E}" srcOrd="0" destOrd="0" presId="urn:microsoft.com/office/officeart/2005/8/layout/vProcess5"/>
+    <dgm:cxn modelId="{A23A5E21-5DB6-421A-8B5B-74A4A1E3D6D0}" srcId="{923540E0-106A-4113-92A4-EE114DD5BE9A}" destId="{F2A016CE-B69A-4DDA-B2BC-84B133A1854B}" srcOrd="0" destOrd="0" parTransId="{BC1B22A9-90DC-415F-BCEB-6278CAD41EB6}" sibTransId="{AB9B2CDA-1D1F-41CA-832C-728449119647}"/>
+    <dgm:cxn modelId="{4FACC4ED-21C2-40F0-8B46-7645258485A8}" type="presOf" srcId="{F2A016CE-B69A-4DDA-B2BC-84B133A1854B}" destId="{3CA5F7F6-7497-4117-9A70-10F209485DAD}" srcOrd="1" destOrd="0" presId="urn:microsoft.com/office/officeart/2005/8/layout/vProcess5"/>
     <dgm:cxn modelId="{87CB6322-37C6-4DA4-8E3B-AB76170A98F7}" type="presOf" srcId="{2E24C732-6A95-4388-B267-A9C19C89A0ED}" destId="{67F047E0-4DCD-46C8-890A-43BC0C40B153}" srcOrd="0" destOrd="0" presId="urn:microsoft.com/office/officeart/2005/8/layout/vProcess5"/>
-    <dgm:cxn modelId="{CAA8737E-0C70-4AED-9FB4-95A17887F930}" type="presOf" srcId="{626B890F-B039-4B7B-AD22-F0ABB8FC1237}" destId="{28CAE78F-E50E-4581-B681-6BC198117780}" srcOrd="1" destOrd="0" presId="urn:microsoft.com/office/officeart/2005/8/layout/vProcess5"/>
     <dgm:cxn modelId="{CB2D9265-2052-4AA5-95E1-705400DF0F59}" srcId="{923540E0-106A-4113-92A4-EE114DD5BE9A}" destId="{ED5B9939-B946-4CC8-98A4-1A904FDD6969}" srcOrd="1" destOrd="0" parTransId="{E9C28C80-850C-4C72-AB50-A67BAF12BC68}" sibTransId="{2E24C732-6A95-4388-B267-A9C19C89A0ED}"/>
-    <dgm:cxn modelId="{0F97CBEE-708A-43D2-87F9-B48B33F473BE}" type="presOf" srcId="{923540E0-106A-4113-92A4-EE114DD5BE9A}" destId="{1D4F47EC-4B66-4BA5-A3DE-7FF6533CE93D}" srcOrd="0" destOrd="0" presId="urn:microsoft.com/office/officeart/2005/8/layout/vProcess5"/>
-    <dgm:cxn modelId="{A23A5E21-5DB6-421A-8B5B-74A4A1E3D6D0}" srcId="{923540E0-106A-4113-92A4-EE114DD5BE9A}" destId="{F2A016CE-B69A-4DDA-B2BC-84B133A1854B}" srcOrd="0" destOrd="0" parTransId="{BC1B22A9-90DC-415F-BCEB-6278CAD41EB6}" sibTransId="{AB9B2CDA-1D1F-41CA-832C-728449119647}"/>
-    <dgm:cxn modelId="{6A7E2BEF-5053-4002-AEF4-9D0B9D764261}" srcId="{923540E0-106A-4113-92A4-EE114DD5BE9A}" destId="{626B890F-B039-4B7B-AD22-F0ABB8FC1237}" srcOrd="2" destOrd="0" parTransId="{E009DC7D-661C-451B-AE45-DD71E9B07CD4}" sibTransId="{D54235CB-C01C-4703-80B9-92A94363BC4D}"/>
-    <dgm:cxn modelId="{10DE596A-FC75-4CFE-8ED0-84F53EF510B9}" type="presOf" srcId="{626B890F-B039-4B7B-AD22-F0ABB8FC1237}" destId="{B045B095-AC1F-46FB-BE49-69D498027592}" srcOrd="0" destOrd="0" presId="urn:microsoft.com/office/officeart/2005/8/layout/vProcess5"/>
-    <dgm:cxn modelId="{3E290FA4-E8E7-4BAE-9767-A80C12A1F14E}" type="presOf" srcId="{ED5B9939-B946-4CC8-98A4-1A904FDD6969}" destId="{CA54E869-6746-4DD3-AEE7-6A9CFEAAB3FA}" srcOrd="0" destOrd="0" presId="urn:microsoft.com/office/officeart/2005/8/layout/vProcess5"/>
-    <dgm:cxn modelId="{4FACC4ED-21C2-40F0-8B46-7645258485A8}" type="presOf" srcId="{F2A016CE-B69A-4DDA-B2BC-84B133A1854B}" destId="{3CA5F7F6-7497-4117-9A70-10F209485DAD}" srcOrd="1" destOrd="0" presId="urn:microsoft.com/office/officeart/2005/8/layout/vProcess5"/>
     <dgm:cxn modelId="{018B7D28-7EDA-461D-8A7F-2F0CFCB800E2}" type="presParOf" srcId="{1D4F47EC-4B66-4BA5-A3DE-7FF6533CE93D}" destId="{B1758626-A23C-42D4-86C2-85BAD78C2664}" srcOrd="0" destOrd="0" presId="urn:microsoft.com/office/officeart/2005/8/layout/vProcess5"/>
     <dgm:cxn modelId="{5C8C0F7D-FD1C-4F6E-A0F7-10A0B0ABCEBB}" type="presParOf" srcId="{1D4F47EC-4B66-4BA5-A3DE-7FF6533CE93D}" destId="{60F9A21F-CB19-41E9-B0C5-3328BD7FE51D}" srcOrd="1" destOrd="0" presId="urn:microsoft.com/office/officeart/2005/8/layout/vProcess5"/>
     <dgm:cxn modelId="{4793FE73-D9BD-4097-B2FC-3C2455D4CA0A}" type="presParOf" srcId="{1D4F47EC-4B66-4BA5-A3DE-7FF6533CE93D}" destId="{CA54E869-6746-4DD3-AEE7-6A9CFEAAB3FA}" srcOrd="2" destOrd="0" presId="urn:microsoft.com/office/officeart/2005/8/layout/vProcess5"/>
@@ -5417,13 +6239,13 @@
   <dgm:whole/>
   <dgm:extLst>
     <a:ext uri="http://schemas.microsoft.com/office/drawing/2008/diagram">
-      <dsp:dataModelExt xmlns:dsp="http://schemas.microsoft.com/office/drawing/2008/diagram" xmlns="" relId="rId6" minVer="http://schemas.openxmlformats.org/drawingml/2006/diagram"/>
+      <dsp:dataModelExt xmlns:dsp="http://schemas.microsoft.com/office/drawing/2008/diagram" relId="rId6" minVer="http://schemas.openxmlformats.org/drawingml/2006/diagram"/>
     </a:ext>
   </dgm:extLst>
 </dgm:dataModel>
 </file>
 
-<file path=ppt/diagrams/data5.xml><?xml version="1.0" encoding="utf-8"?>
+<file path=ppt/diagrams/data6.xml><?xml version="1.0" encoding="utf-8"?>
 <dgm:dataModel xmlns:dgm="http://schemas.openxmlformats.org/drawingml/2006/diagram" xmlns:a="http://schemas.openxmlformats.org/drawingml/2006/main">
   <dgm:ptLst>
     <dgm:pt modelId="{BB641820-C16C-45ED-A018-6F6025362257}" type="doc">
@@ -5445,10 +6267,9 @@
         <a:lstStyle/>
         <a:p>
           <a:r>
-            <a:rPr lang="zh-CN" altLang="en-US" sz="4000" dirty="0" smtClean="0"/>
+            <a:rPr lang="zh-CN" altLang="en-US" sz="4000" dirty="0"/>
             <a:t>远程数据交互</a:t>
           </a:r>
-          <a:endParaRPr lang="zh-CN" altLang="en-US" sz="4000" dirty="0"/>
         </a:p>
       </dgm:t>
     </dgm:pt>
@@ -5482,18 +6303,17 @@
         <a:lstStyle/>
         <a:p>
           <a:r>
-            <a:rPr lang="zh-CN" altLang="en-US" dirty="0" smtClean="0"/>
+            <a:rPr lang="zh-CN" altLang="en-US" dirty="0"/>
             <a:t>远程数据获取（</a:t>
           </a:r>
           <a:r>
-            <a:rPr lang="en-US" altLang="zh-CN" dirty="0" smtClean="0"/>
+            <a:rPr lang="en-US" altLang="zh-CN" dirty="0"/>
             <a:t>SOAP</a:t>
           </a:r>
           <a:r>
-            <a:rPr lang="zh-CN" altLang="en-US" dirty="0" smtClean="0"/>
+            <a:rPr lang="zh-CN" altLang="en-US" dirty="0"/>
             <a:t>）</a:t>
           </a:r>
-          <a:endParaRPr lang="zh-CN" altLang="en-US" dirty="0"/>
         </a:p>
       </dgm:t>
     </dgm:pt>
@@ -5527,10 +6347,9 @@
         <a:lstStyle/>
         <a:p>
           <a:r>
-            <a:rPr lang="zh-CN" altLang="en-US" dirty="0" smtClean="0"/>
+            <a:rPr lang="zh-CN" altLang="en-US" dirty="0"/>
             <a:t>解析远程数据</a:t>
           </a:r>
-          <a:endParaRPr lang="zh-CN" altLang="en-US" dirty="0"/>
         </a:p>
       </dgm:t>
     </dgm:pt>
@@ -5564,10 +6383,9 @@
         <a:lstStyle/>
         <a:p>
           <a:r>
-            <a:rPr lang="zh-CN" altLang="en-US" sz="4000" dirty="0" smtClean="0"/>
+            <a:rPr lang="zh-CN" altLang="en-US" sz="4000" dirty="0"/>
             <a:t>本地数据存储</a:t>
           </a:r>
-          <a:endParaRPr lang="zh-CN" altLang="en-US" sz="4000" dirty="0"/>
         </a:p>
       </dgm:t>
     </dgm:pt>
@@ -5601,10 +6419,9 @@
         <a:lstStyle/>
         <a:p>
           <a:r>
-            <a:rPr lang="zh-CN" altLang="en-US" dirty="0" smtClean="0"/>
+            <a:rPr lang="zh-CN" altLang="en-US" dirty="0"/>
             <a:t>数据库读写</a:t>
           </a:r>
-          <a:endParaRPr lang="zh-CN" altLang="en-US" dirty="0"/>
         </a:p>
       </dgm:t>
     </dgm:pt>
@@ -5638,14 +6455,13 @@
         <a:lstStyle/>
         <a:p>
           <a:r>
-            <a:rPr lang="en-US" altLang="en-US" dirty="0" smtClean="0"/>
+            <a:rPr lang="en-US" altLang="en-US" dirty="0"/>
             <a:t>SQL</a:t>
           </a:r>
           <a:r>
-            <a:rPr lang="zh-CN" altLang="en-US" dirty="0" smtClean="0"/>
+            <a:rPr lang="zh-CN" altLang="en-US" dirty="0"/>
             <a:t>增删查改编码</a:t>
           </a:r>
-          <a:endParaRPr lang="zh-CN" altLang="en-US" dirty="0"/>
         </a:p>
       </dgm:t>
     </dgm:pt>
@@ -5679,10 +6495,9 @@
         <a:lstStyle/>
         <a:p>
           <a:r>
-            <a:rPr lang="zh-CN" altLang="en-US" dirty="0" smtClean="0"/>
+            <a:rPr lang="zh-CN" altLang="en-US" dirty="0"/>
             <a:t>异步同步</a:t>
           </a:r>
-          <a:endParaRPr lang="zh-CN" altLang="en-US" dirty="0"/>
         </a:p>
       </dgm:t>
     </dgm:pt>
@@ -5716,7 +6531,7 @@
         <a:lstStyle/>
         <a:p>
           <a:r>
-            <a:rPr lang="en-US" altLang="en-US" dirty="0" smtClean="0"/>
+            <a:rPr lang="en-US" altLang="en-US" dirty="0"/>
             <a:t>WIFI</a:t>
           </a:r>
           <a:endParaRPr lang="zh-CN" altLang="en-US" dirty="0"/>
@@ -5753,10 +6568,9 @@
         <a:lstStyle/>
         <a:p>
           <a:r>
-            <a:rPr lang="zh-CN" altLang="en-US" dirty="0" smtClean="0"/>
+            <a:rPr lang="zh-CN" altLang="en-US" dirty="0"/>
             <a:t>离线数据读取</a:t>
           </a:r>
-          <a:endParaRPr lang="zh-CN" altLang="en-US" dirty="0"/>
         </a:p>
       </dgm:t>
     </dgm:pt>
@@ -5790,10 +6604,9 @@
         <a:lstStyle/>
         <a:p>
           <a:r>
-            <a:rPr lang="zh-CN" altLang="en-US" dirty="0" smtClean="0"/>
+            <a:rPr lang="zh-CN" altLang="en-US" dirty="0"/>
             <a:t>数据对象编码</a:t>
           </a:r>
-          <a:endParaRPr lang="zh-CN" altLang="en-US" dirty="0"/>
         </a:p>
       </dgm:t>
     </dgm:pt>
@@ -5827,7 +6640,7 @@
         <a:lstStyle/>
         <a:p>
           <a:r>
-            <a:rPr lang="zh-CN" altLang="en-US" smtClean="0"/>
+            <a:rPr lang="zh-CN" altLang="en-US"/>
             <a:t>数据分页读取</a:t>
           </a:r>
           <a:endParaRPr lang="zh-CN" altLang="en-US" dirty="0"/>
@@ -5864,10 +6677,9 @@
         <a:lstStyle/>
         <a:p>
           <a:r>
-            <a:rPr lang="zh-CN" altLang="en-US" dirty="0" smtClean="0"/>
+            <a:rPr lang="zh-CN" altLang="en-US" dirty="0"/>
             <a:t>流量控制</a:t>
           </a:r>
-          <a:endParaRPr lang="zh-CN" altLang="en-US" dirty="0"/>
         </a:p>
       </dgm:t>
     </dgm:pt>
@@ -5901,10 +6713,9 @@
         <a:lstStyle/>
         <a:p>
           <a:r>
-            <a:rPr lang="zh-CN" altLang="en-US" dirty="0" smtClean="0"/>
+            <a:rPr lang="zh-CN" altLang="en-US" dirty="0"/>
             <a:t>定时器</a:t>
           </a:r>
-          <a:endParaRPr lang="zh-CN" altLang="en-US" dirty="0"/>
         </a:p>
       </dgm:t>
     </dgm:pt>
@@ -5938,10 +6749,9 @@
         <a:lstStyle/>
         <a:p>
           <a:r>
-            <a:rPr lang="zh-CN" altLang="en-US" dirty="0" smtClean="0"/>
+            <a:rPr lang="zh-CN" altLang="en-US" dirty="0"/>
             <a:t>数据安全</a:t>
           </a:r>
-          <a:endParaRPr lang="zh-CN" altLang="en-US" dirty="0"/>
         </a:p>
       </dgm:t>
     </dgm:pt>
@@ -5975,10 +6785,9 @@
         <a:lstStyle/>
         <a:p>
           <a:r>
-            <a:rPr lang="zh-CN" altLang="en-US" dirty="0" smtClean="0"/>
+            <a:rPr lang="zh-CN" altLang="en-US" dirty="0"/>
             <a:t>只获取有更新数据</a:t>
           </a:r>
-          <a:endParaRPr lang="zh-CN" altLang="en-US" dirty="0"/>
         </a:p>
       </dgm:t>
     </dgm:pt>
@@ -6014,13 +6823,6 @@
         </dgm:presLayoutVars>
       </dgm:prSet>
       <dgm:spPr/>
-      <dgm:t>
-        <a:bodyPr/>
-        <a:lstStyle/>
-        <a:p>
-          <a:endParaRPr lang="zh-CN" altLang="en-US"/>
-        </a:p>
-      </dgm:t>
     </dgm:pt>
     <dgm:pt modelId="{FD170419-7D18-491B-8212-B84A0D5B5B04}" type="pres">
       <dgm:prSet presAssocID="{130F2687-4C39-4FE2-B59A-ADCFB7C0F26A}" presName="circle1" presStyleLbl="node1" presStyleIdx="0" presStyleCnt="2"/>
@@ -6033,13 +6835,6 @@
     <dgm:pt modelId="{ACAC7D86-B4FC-4AF4-9A1A-AA42BBF2761A}" type="pres">
       <dgm:prSet presAssocID="{130F2687-4C39-4FE2-B59A-ADCFB7C0F26A}" presName="rect1" presStyleLbl="alignAcc1" presStyleIdx="0" presStyleCnt="2"/>
       <dgm:spPr/>
-      <dgm:t>
-        <a:bodyPr/>
-        <a:lstStyle/>
-        <a:p>
-          <a:endParaRPr lang="zh-CN" altLang="en-US"/>
-        </a:p>
-      </dgm:t>
     </dgm:pt>
     <dgm:pt modelId="{49961229-B8AC-4062-98E2-3F26BF9FC422}" type="pres">
       <dgm:prSet presAssocID="{96553ABA-8B95-4F2D-98B2-2B8C0BC0052E}" presName="vertSpace2" presStyleLbl="node1" presStyleIdx="0" presStyleCnt="2"/>
@@ -6052,13 +6847,6 @@
     <dgm:pt modelId="{EFC8429E-EE54-49F7-9101-FFEABDC5760B}" type="pres">
       <dgm:prSet presAssocID="{96553ABA-8B95-4F2D-98B2-2B8C0BC0052E}" presName="rect2" presStyleLbl="alignAcc1" presStyleIdx="1" presStyleCnt="2"/>
       <dgm:spPr/>
-      <dgm:t>
-        <a:bodyPr/>
-        <a:lstStyle/>
-        <a:p>
-          <a:endParaRPr lang="zh-CN" altLang="en-US"/>
-        </a:p>
-      </dgm:t>
     </dgm:pt>
     <dgm:pt modelId="{CFA00E26-19F5-4545-A92F-4653019259E8}" type="pres">
       <dgm:prSet presAssocID="{130F2687-4C39-4FE2-B59A-ADCFB7C0F26A}" presName="rect1ParTx" presStyleLbl="alignAcc1" presStyleIdx="1" presStyleCnt="2">
@@ -6068,13 +6856,6 @@
         </dgm:presLayoutVars>
       </dgm:prSet>
       <dgm:spPr/>
-      <dgm:t>
-        <a:bodyPr/>
-        <a:lstStyle/>
-        <a:p>
-          <a:endParaRPr lang="zh-CN" altLang="en-US"/>
-        </a:p>
-      </dgm:t>
     </dgm:pt>
     <dgm:pt modelId="{23640AAC-B749-4ADC-A4AA-9A59DE889370}" type="pres">
       <dgm:prSet presAssocID="{130F2687-4C39-4FE2-B59A-ADCFB7C0F26A}" presName="rect1ChTx" presStyleLbl="alignAcc1" presStyleIdx="1" presStyleCnt="2">
@@ -6083,13 +6864,6 @@
         </dgm:presLayoutVars>
       </dgm:prSet>
       <dgm:spPr/>
-      <dgm:t>
-        <a:bodyPr/>
-        <a:lstStyle/>
-        <a:p>
-          <a:endParaRPr lang="zh-CN" altLang="en-US"/>
-        </a:p>
-      </dgm:t>
     </dgm:pt>
     <dgm:pt modelId="{BE256B9D-6F8C-4E2E-88C1-8BB79C57BFF8}" type="pres">
       <dgm:prSet presAssocID="{96553ABA-8B95-4F2D-98B2-2B8C0BC0052E}" presName="rect2ParTx" presStyleLbl="alignAcc1" presStyleIdx="1" presStyleCnt="2">
@@ -6099,13 +6873,6 @@
         </dgm:presLayoutVars>
       </dgm:prSet>
       <dgm:spPr/>
-      <dgm:t>
-        <a:bodyPr/>
-        <a:lstStyle/>
-        <a:p>
-          <a:endParaRPr lang="zh-CN" altLang="en-US"/>
-        </a:p>
-      </dgm:t>
     </dgm:pt>
     <dgm:pt modelId="{550A9515-DB73-4908-9A85-1A2920082CAA}" type="pres">
       <dgm:prSet presAssocID="{96553ABA-8B95-4F2D-98B2-2B8C0BC0052E}" presName="rect2ChTx" presStyleLbl="alignAcc1" presStyleIdx="1" presStyleCnt="2">
@@ -6114,49 +6881,42 @@
         </dgm:presLayoutVars>
       </dgm:prSet>
       <dgm:spPr/>
-      <dgm:t>
-        <a:bodyPr/>
-        <a:lstStyle/>
-        <a:p>
-          <a:endParaRPr lang="zh-CN" altLang="en-US"/>
-        </a:p>
-      </dgm:t>
     </dgm:pt>
   </dgm:ptLst>
   <dgm:cxnLst>
+    <dgm:cxn modelId="{F7C0AE2D-598D-4DB3-A71E-B217242F2FC4}" srcId="{130F2687-4C39-4FE2-B59A-ADCFB7C0F26A}" destId="{8D675B64-7674-40C8-AFC7-E1190284C585}" srcOrd="3" destOrd="0" parTransId="{97CB517A-AEFB-428E-BD75-8B5CB211FA0B}" sibTransId="{99CB8170-7535-4371-8FAE-5A30F6ECB195}"/>
+    <dgm:cxn modelId="{53F4F369-529F-4BD0-A0F8-F4D0AC0EB1C1}" srcId="{130F2687-4C39-4FE2-B59A-ADCFB7C0F26A}" destId="{028F6055-22A1-4F6F-9732-054B59F953C1}" srcOrd="2" destOrd="0" parTransId="{F1574B66-F1A7-40C7-B438-2722D2D6D99F}" sibTransId="{B60B2F0D-16E4-4F66-B12A-D9E0C41130D9}"/>
+    <dgm:cxn modelId="{29B3E02B-7A3A-4663-B7A6-0186F50B9077}" srcId="{130F2687-4C39-4FE2-B59A-ADCFB7C0F26A}" destId="{E9916247-BF26-4436-B986-0C279384AE4A}" srcOrd="6" destOrd="0" parTransId="{552BDFD3-055F-4E0B-B223-A63E6BB2503E}" sibTransId="{845C0398-1DEF-411B-91EE-6FD931BBF869}"/>
+    <dgm:cxn modelId="{C5EE1799-F651-4F0B-B39D-B404D6AE4863}" type="presOf" srcId="{028F6055-22A1-4F6F-9732-054B59F953C1}" destId="{23640AAC-B749-4ADC-A4AA-9A59DE889370}" srcOrd="0" destOrd="2" presId="urn:microsoft.com/office/officeart/2005/8/layout/target3"/>
+    <dgm:cxn modelId="{133D8803-6517-4C42-A79F-65E658667258}" srcId="{96553ABA-8B95-4F2D-98B2-2B8C0BC0052E}" destId="{A498F688-A88E-44BA-9E21-748EB229D76F}" srcOrd="2" destOrd="0" parTransId="{AA52C80B-0BF2-44D3-B151-98DA11A82594}" sibTransId="{F7A53BE0-7DA5-45E7-8851-7AD080E301DB}"/>
+    <dgm:cxn modelId="{9B9CCA0D-B96E-4F23-A05B-8D460105CD31}" srcId="{130F2687-4C39-4FE2-B59A-ADCFB7C0F26A}" destId="{7FCBCC70-08BD-4E5D-943F-B30CE04B5663}" srcOrd="4" destOrd="0" parTransId="{0099ECE6-F073-49B8-AAD2-972F9C39A57A}" sibTransId="{FC499734-F1E2-4EE2-8B5F-0B26C29F9ADA}"/>
+    <dgm:cxn modelId="{BFFBC673-902D-4C07-8B7A-B238C7342D26}" type="presOf" srcId="{DDD302F0-C2A1-42C6-B1D4-5E813E37E8FC}" destId="{550A9515-DB73-4908-9A85-1A2920082CAA}" srcOrd="0" destOrd="3" presId="urn:microsoft.com/office/officeart/2005/8/layout/target3"/>
+    <dgm:cxn modelId="{599EB033-2F9E-444E-B04C-16D59E808E87}" type="presOf" srcId="{8D675B64-7674-40C8-AFC7-E1190284C585}" destId="{23640AAC-B749-4ADC-A4AA-9A59DE889370}" srcOrd="0" destOrd="3" presId="urn:microsoft.com/office/officeart/2005/8/layout/target3"/>
+    <dgm:cxn modelId="{94E3CC56-1CAE-4C8B-A241-AE7E52838C79}" type="presOf" srcId="{130F2687-4C39-4FE2-B59A-ADCFB7C0F26A}" destId="{CFA00E26-19F5-4545-A92F-4653019259E8}" srcOrd="1" destOrd="0" presId="urn:microsoft.com/office/officeart/2005/8/layout/target3"/>
+    <dgm:cxn modelId="{1B69F2EE-E7F3-408A-99C6-5A94BDE66D74}" type="presOf" srcId="{130F2687-4C39-4FE2-B59A-ADCFB7C0F26A}" destId="{ACAC7D86-B4FC-4AF4-9A1A-AA42BBF2761A}" srcOrd="0" destOrd="0" presId="urn:microsoft.com/office/officeart/2005/8/layout/target3"/>
+    <dgm:cxn modelId="{8100D40B-AF23-4399-94B4-9B7A021EB9AC}" srcId="{96553ABA-8B95-4F2D-98B2-2B8C0BC0052E}" destId="{0C45F4AD-B8F6-427D-B8C6-F8C2284A72BE}" srcOrd="4" destOrd="0" parTransId="{53263FC2-CA4C-4FFF-A960-CFBCFF1E1269}" sibTransId="{66329268-C605-44E5-943C-BBB38FAB3295}"/>
+    <dgm:cxn modelId="{390BBE26-4138-4433-AC09-BE992815C9DC}" srcId="{BB641820-C16C-45ED-A018-6F6025362257}" destId="{96553ABA-8B95-4F2D-98B2-2B8C0BC0052E}" srcOrd="1" destOrd="0" parTransId="{99C52DFF-4312-4C7C-9187-0B85960AB0B3}" sibTransId="{9C011ED8-016D-4EC3-A343-C364149C4CB7}"/>
+    <dgm:cxn modelId="{2EB44AAE-F99F-47CA-B1FE-3C763726F7EE}" type="presOf" srcId="{0C45F4AD-B8F6-427D-B8C6-F8C2284A72BE}" destId="{550A9515-DB73-4908-9A85-1A2920082CAA}" srcOrd="0" destOrd="4" presId="urn:microsoft.com/office/officeart/2005/8/layout/target3"/>
+    <dgm:cxn modelId="{E350B664-FD58-4A54-9B69-6AD33B0F9768}" type="presOf" srcId="{14F4DC85-1716-46D7-AFF1-FD224A292CF5}" destId="{23640AAC-B749-4ADC-A4AA-9A59DE889370}" srcOrd="0" destOrd="1" presId="urn:microsoft.com/office/officeart/2005/8/layout/target3"/>
+    <dgm:cxn modelId="{31C3281D-12BA-4E07-9424-2BDEF6ABBC2C}" type="presOf" srcId="{7FCBCC70-08BD-4E5D-943F-B30CE04B5663}" destId="{23640AAC-B749-4ADC-A4AA-9A59DE889370}" srcOrd="0" destOrd="4" presId="urn:microsoft.com/office/officeart/2005/8/layout/target3"/>
     <dgm:cxn modelId="{054F17D8-0853-4F93-BC5D-B1E0C17B49DE}" srcId="{130F2687-4C39-4FE2-B59A-ADCFB7C0F26A}" destId="{F478DAD9-FB27-49B1-B978-DD72D8F4F6A1}" srcOrd="0" destOrd="0" parTransId="{DE784E94-F44F-4D5E-B1E8-2AA50C300C2E}" sibTransId="{82B87C6F-FBCE-449C-8E6F-8EA2E0D952F4}"/>
+    <dgm:cxn modelId="{5200579E-92BC-4931-BB0C-BED3B7348555}" type="presOf" srcId="{96553ABA-8B95-4F2D-98B2-2B8C0BC0052E}" destId="{BE256B9D-6F8C-4E2E-88C1-8BB79C57BFF8}" srcOrd="1" destOrd="0" presId="urn:microsoft.com/office/officeart/2005/8/layout/target3"/>
+    <dgm:cxn modelId="{2710513A-5C95-47E3-9C21-DBD7AABAABE7}" type="presOf" srcId="{64C18FFF-EC50-4701-BDCF-B6B9BFF5EC2C}" destId="{550A9515-DB73-4908-9A85-1A2920082CAA}" srcOrd="0" destOrd="1" presId="urn:microsoft.com/office/officeart/2005/8/layout/target3"/>
+    <dgm:cxn modelId="{12C1BE02-CBC6-40F3-964F-A6D522B26FC9}" type="presOf" srcId="{8B7F4A8F-E033-4B94-AD6F-1B324A9BABA1}" destId="{550A9515-DB73-4908-9A85-1A2920082CAA}" srcOrd="0" destOrd="0" presId="urn:microsoft.com/office/officeart/2005/8/layout/target3"/>
+    <dgm:cxn modelId="{73BDC13D-B238-4190-A849-26B16A74D05F}" type="presOf" srcId="{A498F688-A88E-44BA-9E21-748EB229D76F}" destId="{550A9515-DB73-4908-9A85-1A2920082CAA}" srcOrd="0" destOrd="2" presId="urn:microsoft.com/office/officeart/2005/8/layout/target3"/>
+    <dgm:cxn modelId="{292BEAEB-76D8-4832-A568-4DC9371A8BCF}" srcId="{130F2687-4C39-4FE2-B59A-ADCFB7C0F26A}" destId="{D4F4FEB1-3401-4AAB-A0C9-830940430BC1}" srcOrd="5" destOrd="0" parTransId="{2CBC33F1-1370-4C87-9942-A06D81C3B9A9}" sibTransId="{2D057159-8CEB-461A-BBF4-B0188F6E5CCF}"/>
+    <dgm:cxn modelId="{6629AA1A-AD99-4337-B542-49331D3963E2}" type="presOf" srcId="{F478DAD9-FB27-49B1-B978-DD72D8F4F6A1}" destId="{23640AAC-B749-4ADC-A4AA-9A59DE889370}" srcOrd="0" destOrd="0" presId="urn:microsoft.com/office/officeart/2005/8/layout/target3"/>
+    <dgm:cxn modelId="{F42D5448-E95D-43BC-8457-0943586E3208}" srcId="{96553ABA-8B95-4F2D-98B2-2B8C0BC0052E}" destId="{64C18FFF-EC50-4701-BDCF-B6B9BFF5EC2C}" srcOrd="1" destOrd="0" parTransId="{C5A31493-8785-4462-BC4A-89F77F7EE584}" sibTransId="{3712FEC3-6789-4548-A27C-7E0155854341}"/>
+    <dgm:cxn modelId="{54F8C138-F19E-47D0-A1F1-AE486F82940B}" type="presOf" srcId="{6362BDBA-EB27-4F90-866F-633BA377378A}" destId="{23640AAC-B749-4ADC-A4AA-9A59DE889370}" srcOrd="0" destOrd="7" presId="urn:microsoft.com/office/officeart/2005/8/layout/target3"/>
+    <dgm:cxn modelId="{750776E5-5FA0-4F37-85A0-09CA64733D8D}" srcId="{BB641820-C16C-45ED-A018-6F6025362257}" destId="{130F2687-4C39-4FE2-B59A-ADCFB7C0F26A}" srcOrd="0" destOrd="0" parTransId="{E4BBD92B-3C90-4E4B-AE6B-D58029F2D61D}" sibTransId="{9397C6BC-CBD2-406C-8C89-3FCC458B1E24}"/>
+    <dgm:cxn modelId="{24276798-1038-4BEB-A1B6-05671E1C9087}" type="presOf" srcId="{BB641820-C16C-45ED-A018-6F6025362257}" destId="{DC5EC845-C56D-418D-8085-87081E6E0DEB}" srcOrd="0" destOrd="0" presId="urn:microsoft.com/office/officeart/2005/8/layout/target3"/>
     <dgm:cxn modelId="{268C7263-79AC-4388-8325-951BD631AF97}" srcId="{96553ABA-8B95-4F2D-98B2-2B8C0BC0052E}" destId="{8B7F4A8F-E033-4B94-AD6F-1B324A9BABA1}" srcOrd="0" destOrd="0" parTransId="{C6500BA1-756C-440C-9DF2-B1F994A7144D}" sibTransId="{C292EEEA-A680-4321-9CFE-4E277D5716D9}"/>
-    <dgm:cxn modelId="{73BDC13D-B238-4190-A849-26B16A74D05F}" type="presOf" srcId="{A498F688-A88E-44BA-9E21-748EB229D76F}" destId="{550A9515-DB73-4908-9A85-1A2920082CAA}" srcOrd="0" destOrd="2" presId="urn:microsoft.com/office/officeart/2005/8/layout/target3"/>
-    <dgm:cxn modelId="{2710513A-5C95-47E3-9C21-DBD7AABAABE7}" type="presOf" srcId="{64C18FFF-EC50-4701-BDCF-B6B9BFF5EC2C}" destId="{550A9515-DB73-4908-9A85-1A2920082CAA}" srcOrd="0" destOrd="1" presId="urn:microsoft.com/office/officeart/2005/8/layout/target3"/>
-    <dgm:cxn modelId="{BFFBC673-902D-4C07-8B7A-B238C7342D26}" type="presOf" srcId="{DDD302F0-C2A1-42C6-B1D4-5E813E37E8FC}" destId="{550A9515-DB73-4908-9A85-1A2920082CAA}" srcOrd="0" destOrd="3" presId="urn:microsoft.com/office/officeart/2005/8/layout/target3"/>
+    <dgm:cxn modelId="{1C2D3F94-1ECD-46E6-9A85-DD83E405890A}" srcId="{130F2687-4C39-4FE2-B59A-ADCFB7C0F26A}" destId="{6362BDBA-EB27-4F90-866F-633BA377378A}" srcOrd="7" destOrd="0" parTransId="{51ED41D1-54BF-4D9E-951F-76AB6139513F}" sibTransId="{CCDCE786-BBC9-4BB9-B048-C65C3E77722F}"/>
+    <dgm:cxn modelId="{5A6C3F51-16A6-4234-B520-76A8D05A2CB4}" type="presOf" srcId="{96553ABA-8B95-4F2D-98B2-2B8C0BC0052E}" destId="{EFC8429E-EE54-49F7-9101-FFEABDC5760B}" srcOrd="0" destOrd="0" presId="urn:microsoft.com/office/officeart/2005/8/layout/target3"/>
+    <dgm:cxn modelId="{FD6E49BC-D05D-4E6E-89B4-5AD761A6D3F2}" type="presOf" srcId="{E9916247-BF26-4436-B986-0C279384AE4A}" destId="{23640AAC-B749-4ADC-A4AA-9A59DE889370}" srcOrd="0" destOrd="6" presId="urn:microsoft.com/office/officeart/2005/8/layout/target3"/>
+    <dgm:cxn modelId="{6FF470D2-40FD-4A59-BE93-D6D12301C0D7}" type="presOf" srcId="{D4F4FEB1-3401-4AAB-A0C9-830940430BC1}" destId="{23640AAC-B749-4ADC-A4AA-9A59DE889370}" srcOrd="0" destOrd="5" presId="urn:microsoft.com/office/officeart/2005/8/layout/target3"/>
     <dgm:cxn modelId="{DA00CB3A-7D78-40EC-826B-74A1BC08742B}" srcId="{96553ABA-8B95-4F2D-98B2-2B8C0BC0052E}" destId="{DDD302F0-C2A1-42C6-B1D4-5E813E37E8FC}" srcOrd="3" destOrd="0" parTransId="{81C16A6D-9D03-4085-9658-B62084371B8B}" sibTransId="{B18C1DED-BFA4-458B-BF34-00E00644B591}"/>
-    <dgm:cxn modelId="{31C3281D-12BA-4E07-9424-2BDEF6ABBC2C}" type="presOf" srcId="{7FCBCC70-08BD-4E5D-943F-B30CE04B5663}" destId="{23640AAC-B749-4ADC-A4AA-9A59DE889370}" srcOrd="0" destOrd="4" presId="urn:microsoft.com/office/officeart/2005/8/layout/target3"/>
-    <dgm:cxn modelId="{292BEAEB-76D8-4832-A568-4DC9371A8BCF}" srcId="{130F2687-4C39-4FE2-B59A-ADCFB7C0F26A}" destId="{D4F4FEB1-3401-4AAB-A0C9-830940430BC1}" srcOrd="5" destOrd="0" parTransId="{2CBC33F1-1370-4C87-9942-A06D81C3B9A9}" sibTransId="{2D057159-8CEB-461A-BBF4-B0188F6E5CCF}"/>
-    <dgm:cxn modelId="{24276798-1038-4BEB-A1B6-05671E1C9087}" type="presOf" srcId="{BB641820-C16C-45ED-A018-6F6025362257}" destId="{DC5EC845-C56D-418D-8085-87081E6E0DEB}" srcOrd="0" destOrd="0" presId="urn:microsoft.com/office/officeart/2005/8/layout/target3"/>
-    <dgm:cxn modelId="{9B9CCA0D-B96E-4F23-A05B-8D460105CD31}" srcId="{130F2687-4C39-4FE2-B59A-ADCFB7C0F26A}" destId="{7FCBCC70-08BD-4E5D-943F-B30CE04B5663}" srcOrd="4" destOrd="0" parTransId="{0099ECE6-F073-49B8-AAD2-972F9C39A57A}" sibTransId="{FC499734-F1E2-4EE2-8B5F-0B26C29F9ADA}"/>
-    <dgm:cxn modelId="{5A6C3F51-16A6-4234-B520-76A8D05A2CB4}" type="presOf" srcId="{96553ABA-8B95-4F2D-98B2-2B8C0BC0052E}" destId="{EFC8429E-EE54-49F7-9101-FFEABDC5760B}" srcOrd="0" destOrd="0" presId="urn:microsoft.com/office/officeart/2005/8/layout/target3"/>
-    <dgm:cxn modelId="{94E3CC56-1CAE-4C8B-A241-AE7E52838C79}" type="presOf" srcId="{130F2687-4C39-4FE2-B59A-ADCFB7C0F26A}" destId="{CFA00E26-19F5-4545-A92F-4653019259E8}" srcOrd="1" destOrd="0" presId="urn:microsoft.com/office/officeart/2005/8/layout/target3"/>
-    <dgm:cxn modelId="{E350B664-FD58-4A54-9B69-6AD33B0F9768}" type="presOf" srcId="{14F4DC85-1716-46D7-AFF1-FD224A292CF5}" destId="{23640AAC-B749-4ADC-A4AA-9A59DE889370}" srcOrd="0" destOrd="1" presId="urn:microsoft.com/office/officeart/2005/8/layout/target3"/>
-    <dgm:cxn modelId="{390BBE26-4138-4433-AC09-BE992815C9DC}" srcId="{BB641820-C16C-45ED-A018-6F6025362257}" destId="{96553ABA-8B95-4F2D-98B2-2B8C0BC0052E}" srcOrd="1" destOrd="0" parTransId="{99C52DFF-4312-4C7C-9187-0B85960AB0B3}" sibTransId="{9C011ED8-016D-4EC3-A343-C364149C4CB7}"/>
-    <dgm:cxn modelId="{599EB033-2F9E-444E-B04C-16D59E808E87}" type="presOf" srcId="{8D675B64-7674-40C8-AFC7-E1190284C585}" destId="{23640AAC-B749-4ADC-A4AA-9A59DE889370}" srcOrd="0" destOrd="3" presId="urn:microsoft.com/office/officeart/2005/8/layout/target3"/>
-    <dgm:cxn modelId="{F42D5448-E95D-43BC-8457-0943586E3208}" srcId="{96553ABA-8B95-4F2D-98B2-2B8C0BC0052E}" destId="{64C18FFF-EC50-4701-BDCF-B6B9BFF5EC2C}" srcOrd="1" destOrd="0" parTransId="{C5A31493-8785-4462-BC4A-89F77F7EE584}" sibTransId="{3712FEC3-6789-4548-A27C-7E0155854341}"/>
-    <dgm:cxn modelId="{29B3E02B-7A3A-4663-B7A6-0186F50B9077}" srcId="{130F2687-4C39-4FE2-B59A-ADCFB7C0F26A}" destId="{E9916247-BF26-4436-B986-0C279384AE4A}" srcOrd="6" destOrd="0" parTransId="{552BDFD3-055F-4E0B-B223-A63E6BB2503E}" sibTransId="{845C0398-1DEF-411B-91EE-6FD931BBF869}"/>
-    <dgm:cxn modelId="{6629AA1A-AD99-4337-B542-49331D3963E2}" type="presOf" srcId="{F478DAD9-FB27-49B1-B978-DD72D8F4F6A1}" destId="{23640AAC-B749-4ADC-A4AA-9A59DE889370}" srcOrd="0" destOrd="0" presId="urn:microsoft.com/office/officeart/2005/8/layout/target3"/>
-    <dgm:cxn modelId="{54F8C138-F19E-47D0-A1F1-AE486F82940B}" type="presOf" srcId="{6362BDBA-EB27-4F90-866F-633BA377378A}" destId="{23640AAC-B749-4ADC-A4AA-9A59DE889370}" srcOrd="0" destOrd="7" presId="urn:microsoft.com/office/officeart/2005/8/layout/target3"/>
-    <dgm:cxn modelId="{1C2D3F94-1ECD-46E6-9A85-DD83E405890A}" srcId="{130F2687-4C39-4FE2-B59A-ADCFB7C0F26A}" destId="{6362BDBA-EB27-4F90-866F-633BA377378A}" srcOrd="7" destOrd="0" parTransId="{51ED41D1-54BF-4D9E-951F-76AB6139513F}" sibTransId="{CCDCE786-BBC9-4BB9-B048-C65C3E77722F}"/>
-    <dgm:cxn modelId="{8100D40B-AF23-4399-94B4-9B7A021EB9AC}" srcId="{96553ABA-8B95-4F2D-98B2-2B8C0BC0052E}" destId="{0C45F4AD-B8F6-427D-B8C6-F8C2284A72BE}" srcOrd="4" destOrd="0" parTransId="{53263FC2-CA4C-4FFF-A960-CFBCFF1E1269}" sibTransId="{66329268-C605-44E5-943C-BBB38FAB3295}"/>
-    <dgm:cxn modelId="{12C1BE02-CBC6-40F3-964F-A6D522B26FC9}" type="presOf" srcId="{8B7F4A8F-E033-4B94-AD6F-1B324A9BABA1}" destId="{550A9515-DB73-4908-9A85-1A2920082CAA}" srcOrd="0" destOrd="0" presId="urn:microsoft.com/office/officeart/2005/8/layout/target3"/>
-    <dgm:cxn modelId="{6FF470D2-40FD-4A59-BE93-D6D12301C0D7}" type="presOf" srcId="{D4F4FEB1-3401-4AAB-A0C9-830940430BC1}" destId="{23640AAC-B749-4ADC-A4AA-9A59DE889370}" srcOrd="0" destOrd="5" presId="urn:microsoft.com/office/officeart/2005/8/layout/target3"/>
-    <dgm:cxn modelId="{53F4F369-529F-4BD0-A0F8-F4D0AC0EB1C1}" srcId="{130F2687-4C39-4FE2-B59A-ADCFB7C0F26A}" destId="{028F6055-22A1-4F6F-9732-054B59F953C1}" srcOrd="2" destOrd="0" parTransId="{F1574B66-F1A7-40C7-B438-2722D2D6D99F}" sibTransId="{B60B2F0D-16E4-4F66-B12A-D9E0C41130D9}"/>
-    <dgm:cxn modelId="{2EB44AAE-F99F-47CA-B1FE-3C763726F7EE}" type="presOf" srcId="{0C45F4AD-B8F6-427D-B8C6-F8C2284A72BE}" destId="{550A9515-DB73-4908-9A85-1A2920082CAA}" srcOrd="0" destOrd="4" presId="urn:microsoft.com/office/officeart/2005/8/layout/target3"/>
-    <dgm:cxn modelId="{750776E5-5FA0-4F37-85A0-09CA64733D8D}" srcId="{BB641820-C16C-45ED-A018-6F6025362257}" destId="{130F2687-4C39-4FE2-B59A-ADCFB7C0F26A}" srcOrd="0" destOrd="0" parTransId="{E4BBD92B-3C90-4E4B-AE6B-D58029F2D61D}" sibTransId="{9397C6BC-CBD2-406C-8C89-3FCC458B1E24}"/>
-    <dgm:cxn modelId="{FD6E49BC-D05D-4E6E-89B4-5AD761A6D3F2}" type="presOf" srcId="{E9916247-BF26-4436-B986-0C279384AE4A}" destId="{23640AAC-B749-4ADC-A4AA-9A59DE889370}" srcOrd="0" destOrd="6" presId="urn:microsoft.com/office/officeart/2005/8/layout/target3"/>
-    <dgm:cxn modelId="{5200579E-92BC-4931-BB0C-BED3B7348555}" type="presOf" srcId="{96553ABA-8B95-4F2D-98B2-2B8C0BC0052E}" destId="{BE256B9D-6F8C-4E2E-88C1-8BB79C57BFF8}" srcOrd="1" destOrd="0" presId="urn:microsoft.com/office/officeart/2005/8/layout/target3"/>
-    <dgm:cxn modelId="{C5EE1799-F651-4F0B-B39D-B404D6AE4863}" type="presOf" srcId="{028F6055-22A1-4F6F-9732-054B59F953C1}" destId="{23640AAC-B749-4ADC-A4AA-9A59DE889370}" srcOrd="0" destOrd="2" presId="urn:microsoft.com/office/officeart/2005/8/layout/target3"/>
     <dgm:cxn modelId="{458ED32A-80CF-43A3-B004-7CE6085F34A6}" srcId="{130F2687-4C39-4FE2-B59A-ADCFB7C0F26A}" destId="{14F4DC85-1716-46D7-AFF1-FD224A292CF5}" srcOrd="1" destOrd="0" parTransId="{F2065F18-E71B-409D-BCFF-FF6AD093184E}" sibTransId="{2BBD9A55-91A4-455F-AE2A-2219737BC3DF}"/>
-    <dgm:cxn modelId="{1B69F2EE-E7F3-408A-99C6-5A94BDE66D74}" type="presOf" srcId="{130F2687-4C39-4FE2-B59A-ADCFB7C0F26A}" destId="{ACAC7D86-B4FC-4AF4-9A1A-AA42BBF2761A}" srcOrd="0" destOrd="0" presId="urn:microsoft.com/office/officeart/2005/8/layout/target3"/>
-    <dgm:cxn modelId="{F7C0AE2D-598D-4DB3-A71E-B217242F2FC4}" srcId="{130F2687-4C39-4FE2-B59A-ADCFB7C0F26A}" destId="{8D675B64-7674-40C8-AFC7-E1190284C585}" srcOrd="3" destOrd="0" parTransId="{97CB517A-AEFB-428E-BD75-8B5CB211FA0B}" sibTransId="{99CB8170-7535-4371-8FAE-5A30F6ECB195}"/>
-    <dgm:cxn modelId="{133D8803-6517-4C42-A79F-65E658667258}" srcId="{96553ABA-8B95-4F2D-98B2-2B8C0BC0052E}" destId="{A498F688-A88E-44BA-9E21-748EB229D76F}" srcOrd="2" destOrd="0" parTransId="{AA52C80B-0BF2-44D3-B151-98DA11A82594}" sibTransId="{F7A53BE0-7DA5-45E7-8851-7AD080E301DB}"/>
     <dgm:cxn modelId="{77B1B062-37A3-4239-982A-93EC1B5E2416}" type="presParOf" srcId="{DC5EC845-C56D-418D-8085-87081E6E0DEB}" destId="{FD170419-7D18-491B-8212-B84A0D5B5B04}" srcOrd="0" destOrd="0" presId="urn:microsoft.com/office/officeart/2005/8/layout/target3"/>
     <dgm:cxn modelId="{9CC02697-68C7-4FAD-8940-4DA76AF675B6}" type="presParOf" srcId="{DC5EC845-C56D-418D-8085-87081E6E0DEB}" destId="{EE1602C9-8689-465D-8FC9-9D4CE09B3AC9}" srcOrd="1" destOrd="0" presId="urn:microsoft.com/office/officeart/2005/8/layout/target3"/>
     <dgm:cxn modelId="{28E455FA-280D-472F-8715-B583CB836FDC}" type="presParOf" srcId="{DC5EC845-C56D-418D-8085-87081E6E0DEB}" destId="{ACAC7D86-B4FC-4AF4-9A1A-AA42BBF2761A}" srcOrd="2" destOrd="0" presId="urn:microsoft.com/office/officeart/2005/8/layout/target3"/>
@@ -6172,14 +6932,404 @@
   <dgm:whole/>
   <dgm:extLst>
     <a:ext uri="http://schemas.microsoft.com/office/drawing/2008/diagram">
-      <dsp:dataModelExt xmlns:dsp="http://schemas.microsoft.com/office/drawing/2008/diagram" xmlns="" relId="rId6" minVer="http://schemas.openxmlformats.org/drawingml/2006/diagram"/>
+      <dsp:dataModelExt xmlns:dsp="http://schemas.microsoft.com/office/drawing/2008/diagram" relId="rId6" minVer="http://schemas.openxmlformats.org/drawingml/2006/diagram"/>
     </a:ext>
   </dgm:extLst>
 </dgm:dataModel>
 </file>
 
 <file path=ppt/diagrams/drawing1.xml><?xml version="1.0" encoding="utf-8"?>
-<dsp:drawing xmlns:dgm="http://schemas.openxmlformats.org/drawingml/2006/diagram" xmlns:a="http://schemas.openxmlformats.org/drawingml/2006/main" xmlns:dsp="http://schemas.microsoft.com/office/drawing/2008/diagram">
+<dsp:drawing xmlns:dgm="http://schemas.openxmlformats.org/drawingml/2006/diagram" xmlns:dsp="http://schemas.microsoft.com/office/drawing/2008/diagram" xmlns:a="http://schemas.openxmlformats.org/drawingml/2006/main">
+  <dsp:spTree>
+    <dsp:nvGrpSpPr>
+      <dsp:cNvPr id="0" name=""/>
+      <dsp:cNvGrpSpPr/>
+    </dsp:nvGrpSpPr>
+    <dsp:grpSpPr/>
+    <dsp:sp modelId="{00DC36BE-516D-44BB-B1FB-79CDE1B870AA}">
+      <dsp:nvSpPr>
+        <dsp:cNvPr id="0" name=""/>
+        <dsp:cNvSpPr/>
+      </dsp:nvSpPr>
+      <dsp:spPr>
+        <a:xfrm>
+          <a:off x="381743" y="0"/>
+          <a:ext cx="1828800" cy="1016000"/>
+        </a:xfrm>
+        <a:prstGeom prst="roundRect">
+          <a:avLst>
+            <a:gd name="adj" fmla="val 10000"/>
+          </a:avLst>
+        </a:prstGeom>
+        <a:solidFill>
+          <a:schemeClr val="accent4">
+            <a:hueOff val="0"/>
+            <a:satOff val="0"/>
+            <a:lumOff val="0"/>
+            <a:alphaOff val="0"/>
+          </a:schemeClr>
+        </a:solidFill>
+        <a:ln w="12700" cap="flat" cmpd="sng" algn="ctr">
+          <a:solidFill>
+            <a:schemeClr val="lt1">
+              <a:hueOff val="0"/>
+              <a:satOff val="0"/>
+              <a:lumOff val="0"/>
+              <a:alphaOff val="0"/>
+            </a:schemeClr>
+          </a:solidFill>
+          <a:prstDash val="solid"/>
+        </a:ln>
+        <a:effectLst/>
+      </dsp:spPr>
+      <dsp:style>
+        <a:lnRef idx="2">
+          <a:scrgbClr r="0" g="0" b="0"/>
+        </a:lnRef>
+        <a:fillRef idx="1">
+          <a:scrgbClr r="0" g="0" b="0"/>
+        </a:fillRef>
+        <a:effectRef idx="0">
+          <a:scrgbClr r="0" g="0" b="0"/>
+        </a:effectRef>
+        <a:fontRef idx="minor">
+          <a:schemeClr val="lt1"/>
+        </a:fontRef>
+      </dsp:style>
+      <dsp:txBody>
+        <a:bodyPr spcFirstLastPara="0" vert="horz" wrap="square" lIns="95250" tIns="95250" rIns="95250" bIns="95250" numCol="1" spcCol="1270" anchor="ctr" anchorCtr="0">
+          <a:noAutofit/>
+        </a:bodyPr>
+        <a:lstStyle/>
+        <a:p>
+          <a:pPr marL="0" lvl="0" indent="0" algn="ctr" defTabSz="1111250">
+            <a:lnSpc>
+              <a:spcPct val="90000"/>
+            </a:lnSpc>
+            <a:spcBef>
+              <a:spcPct val="0"/>
+            </a:spcBef>
+            <a:spcAft>
+              <a:spcPct val="35000"/>
+            </a:spcAft>
+            <a:buNone/>
+          </a:pPr>
+          <a:r>
+            <a:rPr lang="zh-CN" altLang="en-US" sz="2500" kern="1200" dirty="0"/>
+            <a:t>管理系统数据输入</a:t>
+          </a:r>
+          <a:endParaRPr lang="en-US" altLang="zh-CN" sz="2500" kern="1200" dirty="0"/>
+        </a:p>
+      </dsp:txBody>
+      <dsp:txXfrm>
+        <a:off x="411501" y="29758"/>
+        <a:ext cx="1769284" cy="956484"/>
+      </dsp:txXfrm>
+    </dsp:sp>
+    <dsp:sp modelId="{B904D906-2BA1-4ACE-AD7A-9A893E8E3580}">
+      <dsp:nvSpPr>
+        <dsp:cNvPr id="0" name=""/>
+        <dsp:cNvSpPr/>
+      </dsp:nvSpPr>
+      <dsp:spPr>
+        <a:xfrm rot="5400000">
+          <a:off x="1105644" y="1041399"/>
+          <a:ext cx="380999" cy="457200"/>
+        </a:xfrm>
+        <a:prstGeom prst="rightArrow">
+          <a:avLst>
+            <a:gd name="adj1" fmla="val 60000"/>
+            <a:gd name="adj2" fmla="val 50000"/>
+          </a:avLst>
+        </a:prstGeom>
+        <a:solidFill>
+          <a:schemeClr val="accent4">
+            <a:hueOff val="0"/>
+            <a:satOff val="0"/>
+            <a:lumOff val="0"/>
+            <a:alphaOff val="0"/>
+          </a:schemeClr>
+        </a:solidFill>
+        <a:ln>
+          <a:noFill/>
+        </a:ln>
+        <a:effectLst/>
+      </dsp:spPr>
+      <dsp:style>
+        <a:lnRef idx="0">
+          <a:scrgbClr r="0" g="0" b="0"/>
+        </a:lnRef>
+        <a:fillRef idx="1">
+          <a:scrgbClr r="0" g="0" b="0"/>
+        </a:fillRef>
+        <a:effectRef idx="0">
+          <a:scrgbClr r="0" g="0" b="0"/>
+        </a:effectRef>
+        <a:fontRef idx="minor">
+          <a:schemeClr val="lt1"/>
+        </a:fontRef>
+      </dsp:style>
+      <dsp:txBody>
+        <a:bodyPr spcFirstLastPara="0" vert="horz" wrap="square" lIns="0" tIns="0" rIns="0" bIns="0" numCol="1" spcCol="1270" anchor="ctr" anchorCtr="0">
+          <a:noAutofit/>
+        </a:bodyPr>
+        <a:lstStyle/>
+        <a:p>
+          <a:pPr marL="0" lvl="0" indent="0" algn="ctr" defTabSz="844550">
+            <a:lnSpc>
+              <a:spcPct val="90000"/>
+            </a:lnSpc>
+            <a:spcBef>
+              <a:spcPct val="0"/>
+            </a:spcBef>
+            <a:spcAft>
+              <a:spcPct val="35000"/>
+            </a:spcAft>
+            <a:buNone/>
+          </a:pPr>
+          <a:endParaRPr lang="en-US" altLang="zh-CN" sz="1900" kern="1200"/>
+        </a:p>
+      </dsp:txBody>
+      <dsp:txXfrm rot="-5400000">
+        <a:off x="1158984" y="1079499"/>
+        <a:ext cx="274320" cy="266699"/>
+      </dsp:txXfrm>
+    </dsp:sp>
+    <dsp:sp modelId="{71265F17-EDEB-4312-BA08-4489438230E1}">
+      <dsp:nvSpPr>
+        <dsp:cNvPr id="0" name=""/>
+        <dsp:cNvSpPr/>
+      </dsp:nvSpPr>
+      <dsp:spPr>
+        <a:xfrm>
+          <a:off x="381743" y="1523999"/>
+          <a:ext cx="1828800" cy="1016000"/>
+        </a:xfrm>
+        <a:prstGeom prst="roundRect">
+          <a:avLst>
+            <a:gd name="adj" fmla="val 10000"/>
+          </a:avLst>
+        </a:prstGeom>
+        <a:solidFill>
+          <a:schemeClr val="accent4">
+            <a:hueOff val="10211516"/>
+            <a:satOff val="-11993"/>
+            <a:lumOff val="4608"/>
+            <a:alphaOff val="0"/>
+          </a:schemeClr>
+        </a:solidFill>
+        <a:ln w="12700" cap="flat" cmpd="sng" algn="ctr">
+          <a:solidFill>
+            <a:schemeClr val="lt1">
+              <a:hueOff val="0"/>
+              <a:satOff val="0"/>
+              <a:lumOff val="0"/>
+              <a:alphaOff val="0"/>
+            </a:schemeClr>
+          </a:solidFill>
+          <a:prstDash val="solid"/>
+        </a:ln>
+        <a:effectLst/>
+      </dsp:spPr>
+      <dsp:style>
+        <a:lnRef idx="2">
+          <a:scrgbClr r="0" g="0" b="0"/>
+        </a:lnRef>
+        <a:fillRef idx="1">
+          <a:scrgbClr r="0" g="0" b="0"/>
+        </a:fillRef>
+        <a:effectRef idx="0">
+          <a:scrgbClr r="0" g="0" b="0"/>
+        </a:effectRef>
+        <a:fontRef idx="minor">
+          <a:schemeClr val="lt1"/>
+        </a:fontRef>
+      </dsp:style>
+      <dsp:txBody>
+        <a:bodyPr spcFirstLastPara="0" vert="horz" wrap="square" lIns="95250" tIns="95250" rIns="95250" bIns="95250" numCol="1" spcCol="1270" anchor="ctr" anchorCtr="0">
+          <a:noAutofit/>
+        </a:bodyPr>
+        <a:lstStyle/>
+        <a:p>
+          <a:pPr marL="0" lvl="0" indent="0" algn="ctr" defTabSz="1111250">
+            <a:lnSpc>
+              <a:spcPct val="90000"/>
+            </a:lnSpc>
+            <a:spcBef>
+              <a:spcPct val="0"/>
+            </a:spcBef>
+            <a:spcAft>
+              <a:spcPct val="35000"/>
+            </a:spcAft>
+            <a:buNone/>
+          </a:pPr>
+          <a:r>
+            <a:rPr lang="zh-CN" altLang="en-US" sz="2500" kern="1200" dirty="0"/>
+            <a:t>接口</a:t>
+          </a:r>
+          <a:endParaRPr lang="en-US" altLang="zh-CN" sz="2500" kern="1200" dirty="0"/>
+        </a:p>
+      </dsp:txBody>
+      <dsp:txXfrm>
+        <a:off x="411501" y="1553757"/>
+        <a:ext cx="1769284" cy="956484"/>
+      </dsp:txXfrm>
+    </dsp:sp>
+    <dsp:sp modelId="{4D67CEAE-7DA4-420E-BD68-9EADCEFC0C13}">
+      <dsp:nvSpPr>
+        <dsp:cNvPr id="0" name=""/>
+        <dsp:cNvSpPr/>
+      </dsp:nvSpPr>
+      <dsp:spPr>
+        <a:xfrm rot="5400000">
+          <a:off x="1105643" y="2565399"/>
+          <a:ext cx="381000" cy="457200"/>
+        </a:xfrm>
+        <a:prstGeom prst="rightArrow">
+          <a:avLst>
+            <a:gd name="adj1" fmla="val 60000"/>
+            <a:gd name="adj2" fmla="val 50000"/>
+          </a:avLst>
+        </a:prstGeom>
+        <a:solidFill>
+          <a:schemeClr val="accent4">
+            <a:hueOff val="20423033"/>
+            <a:satOff val="-23986"/>
+            <a:lumOff val="9216"/>
+            <a:alphaOff val="0"/>
+          </a:schemeClr>
+        </a:solidFill>
+        <a:ln>
+          <a:noFill/>
+        </a:ln>
+        <a:effectLst/>
+      </dsp:spPr>
+      <dsp:style>
+        <a:lnRef idx="0">
+          <a:scrgbClr r="0" g="0" b="0"/>
+        </a:lnRef>
+        <a:fillRef idx="1">
+          <a:scrgbClr r="0" g="0" b="0"/>
+        </a:fillRef>
+        <a:effectRef idx="0">
+          <a:scrgbClr r="0" g="0" b="0"/>
+        </a:effectRef>
+        <a:fontRef idx="minor">
+          <a:schemeClr val="lt1"/>
+        </a:fontRef>
+      </dsp:style>
+      <dsp:txBody>
+        <a:bodyPr spcFirstLastPara="0" vert="horz" wrap="square" lIns="0" tIns="0" rIns="0" bIns="0" numCol="1" spcCol="1270" anchor="ctr" anchorCtr="0">
+          <a:noAutofit/>
+        </a:bodyPr>
+        <a:lstStyle/>
+        <a:p>
+          <a:pPr marL="0" lvl="0" indent="0" algn="ctr" defTabSz="844550">
+            <a:lnSpc>
+              <a:spcPct val="90000"/>
+            </a:lnSpc>
+            <a:spcBef>
+              <a:spcPct val="0"/>
+            </a:spcBef>
+            <a:spcAft>
+              <a:spcPct val="35000"/>
+            </a:spcAft>
+            <a:buNone/>
+          </a:pPr>
+          <a:endParaRPr lang="en-US" altLang="zh-CN" sz="1900" kern="1200"/>
+        </a:p>
+      </dsp:txBody>
+      <dsp:txXfrm rot="-5400000">
+        <a:off x="1158983" y="2603499"/>
+        <a:ext cx="274320" cy="266700"/>
+      </dsp:txXfrm>
+    </dsp:sp>
+    <dsp:sp modelId="{27C32AC1-9078-4E81-940B-C83C579CBBE8}">
+      <dsp:nvSpPr>
+        <dsp:cNvPr id="0" name=""/>
+        <dsp:cNvSpPr/>
+      </dsp:nvSpPr>
+      <dsp:spPr>
+        <a:xfrm>
+          <a:off x="381743" y="3047999"/>
+          <a:ext cx="1828800" cy="1016000"/>
+        </a:xfrm>
+        <a:prstGeom prst="roundRect">
+          <a:avLst>
+            <a:gd name="adj" fmla="val 10000"/>
+          </a:avLst>
+        </a:prstGeom>
+        <a:solidFill>
+          <a:schemeClr val="accent4">
+            <a:hueOff val="20423033"/>
+            <a:satOff val="-23986"/>
+            <a:lumOff val="9216"/>
+            <a:alphaOff val="0"/>
+          </a:schemeClr>
+        </a:solidFill>
+        <a:ln w="12700" cap="flat" cmpd="sng" algn="ctr">
+          <a:solidFill>
+            <a:schemeClr val="lt1">
+              <a:hueOff val="0"/>
+              <a:satOff val="0"/>
+              <a:lumOff val="0"/>
+              <a:alphaOff val="0"/>
+            </a:schemeClr>
+          </a:solidFill>
+          <a:prstDash val="solid"/>
+        </a:ln>
+        <a:effectLst/>
+      </dsp:spPr>
+      <dsp:style>
+        <a:lnRef idx="2">
+          <a:scrgbClr r="0" g="0" b="0"/>
+        </a:lnRef>
+        <a:fillRef idx="1">
+          <a:scrgbClr r="0" g="0" b="0"/>
+        </a:fillRef>
+        <a:effectRef idx="0">
+          <a:scrgbClr r="0" g="0" b="0"/>
+        </a:effectRef>
+        <a:fontRef idx="minor">
+          <a:schemeClr val="lt1"/>
+        </a:fontRef>
+      </dsp:style>
+      <dsp:txBody>
+        <a:bodyPr spcFirstLastPara="0" vert="horz" wrap="square" lIns="95250" tIns="95250" rIns="95250" bIns="95250" numCol="1" spcCol="1270" anchor="ctr" anchorCtr="0">
+          <a:noAutofit/>
+        </a:bodyPr>
+        <a:lstStyle/>
+        <a:p>
+          <a:pPr marL="0" lvl="0" indent="0" algn="ctr" defTabSz="1111250">
+            <a:lnSpc>
+              <a:spcPct val="90000"/>
+            </a:lnSpc>
+            <a:spcBef>
+              <a:spcPct val="0"/>
+            </a:spcBef>
+            <a:spcAft>
+              <a:spcPct val="35000"/>
+            </a:spcAft>
+            <a:buNone/>
+          </a:pPr>
+          <a:r>
+            <a:rPr lang="zh-CN" altLang="en-US" sz="2500" kern="1200" dirty="0"/>
+            <a:t>移动应用数据输出</a:t>
+          </a:r>
+          <a:endParaRPr lang="en-US" altLang="zh-CN" sz="2500" kern="1200" dirty="0"/>
+        </a:p>
+      </dsp:txBody>
+      <dsp:txXfrm>
+        <a:off x="411501" y="3077757"/>
+        <a:ext cx="1769284" cy="956484"/>
+      </dsp:txXfrm>
+    </dsp:sp>
+  </dsp:spTree>
+</dsp:drawing>
+</file>
+
+<file path=ppt/diagrams/drawing2.xml><?xml version="1.0" encoding="utf-8"?>
+<dsp:drawing xmlns:dgm="http://schemas.openxmlformats.org/drawingml/2006/diagram" xmlns:dsp="http://schemas.microsoft.com/office/drawing/2008/diagram" xmlns:a="http://schemas.openxmlformats.org/drawingml/2006/main">
   <dsp:spTree>
     <dsp:nvGrpSpPr>
       <dsp:cNvPr id="0" name=""/>
@@ -6242,7 +7392,7 @@
         </a:bodyPr>
         <a:lstStyle/>
         <a:p>
-          <a:pPr lvl="0" algn="ctr" defTabSz="800100">
+          <a:pPr marL="0" lvl="0" indent="0" algn="ctr" defTabSz="800100">
             <a:lnSpc>
               <a:spcPct val="90000"/>
             </a:lnSpc>
@@ -6252,17 +7402,17 @@
             <a:spcAft>
               <a:spcPct val="35000"/>
             </a:spcAft>
+            <a:buNone/>
           </a:pPr>
           <a:r>
-            <a:rPr lang="zh-CN" altLang="en-US" sz="1800" kern="1200" dirty="0" smtClean="0"/>
+            <a:rPr lang="zh-CN" altLang="en-US" sz="1800" kern="1200" dirty="0"/>
             <a:t>数据库表设计</a:t>
           </a:r>
-          <a:endParaRPr lang="zh-CN" altLang="en-US" sz="1800" kern="1200" dirty="0"/>
         </a:p>
       </dsp:txBody>
       <dsp:txXfrm>
-        <a:off x="2376270" y="0"/>
-        <a:ext cx="1328737" cy="738187"/>
+        <a:off x="2397891" y="21621"/>
+        <a:ext cx="1285495" cy="694945"/>
       </dsp:txXfrm>
     </dsp:sp>
     <dsp:sp modelId="{F4222460-DA3F-4D91-8B7F-249866513908}">
@@ -6314,7 +7464,7 @@
         </a:bodyPr>
         <a:lstStyle/>
         <a:p>
-          <a:pPr lvl="0" algn="ctr" defTabSz="622300">
+          <a:pPr marL="0" lvl="0" indent="0" algn="ctr" defTabSz="622300">
             <a:lnSpc>
               <a:spcPct val="90000"/>
             </a:lnSpc>
@@ -6324,13 +7474,14 @@
             <a:spcAft>
               <a:spcPct val="35000"/>
             </a:spcAft>
+            <a:buNone/>
           </a:pPr>
           <a:endParaRPr lang="zh-CN" altLang="en-US" sz="1400" kern="1200"/>
         </a:p>
       </dsp:txBody>
-      <dsp:txXfrm rot="5377187">
-        <a:off x="2905162" y="757634"/>
-        <a:ext cx="278314" cy="332184"/>
+      <dsp:txXfrm rot="-5400000">
+        <a:off x="2944387" y="784570"/>
+        <a:ext cx="199310" cy="194820"/>
       </dsp:txXfrm>
     </dsp:sp>
     <dsp:sp modelId="{9324DF2E-1641-47A8-8298-A4EBCA7FFF4D}">
@@ -6350,7 +7501,7 @@
         </a:prstGeom>
         <a:solidFill>
           <a:schemeClr val="accent4">
-            <a:hueOff val="6807679"/>
+            <a:hueOff val="6807678"/>
             <a:satOff val="-7995"/>
             <a:lumOff val="3072"/>
             <a:alphaOff val="0"/>
@@ -6389,7 +7540,7 @@
         </a:bodyPr>
         <a:lstStyle/>
         <a:p>
-          <a:pPr lvl="0" algn="ctr" defTabSz="800100">
+          <a:pPr marL="0" lvl="0" indent="0" algn="ctr" defTabSz="800100">
             <a:lnSpc>
               <a:spcPct val="90000"/>
             </a:lnSpc>
@@ -6399,17 +7550,17 @@
             <a:spcAft>
               <a:spcPct val="35000"/>
             </a:spcAft>
+            <a:buNone/>
           </a:pPr>
           <a:r>
-            <a:rPr lang="zh-CN" altLang="en-US" sz="1800" kern="1200" dirty="0" smtClean="0"/>
+            <a:rPr lang="zh-CN" altLang="en-US" sz="1800" kern="1200" dirty="0"/>
             <a:t>前端界面设计编码</a:t>
           </a:r>
-          <a:endParaRPr lang="zh-CN" altLang="en-US" sz="1800" kern="1200" dirty="0"/>
         </a:p>
       </dsp:txBody>
       <dsp:txXfrm>
-        <a:off x="2383631" y="1109265"/>
-        <a:ext cx="1328737" cy="738187"/>
+        <a:off x="2405252" y="1130886"/>
+        <a:ext cx="1285495" cy="694945"/>
       </dsp:txXfrm>
     </dsp:sp>
     <dsp:sp modelId="{4BC20CCD-7B25-4DCE-8310-806E0883CCC1}">
@@ -6430,7 +7581,7 @@
         </a:prstGeom>
         <a:solidFill>
           <a:schemeClr val="accent4">
-            <a:hueOff val="10211518"/>
+            <a:hueOff val="10211516"/>
             <a:satOff val="-11993"/>
             <a:lumOff val="4608"/>
             <a:alphaOff val="0"/>
@@ -6461,7 +7612,7 @@
         </a:bodyPr>
         <a:lstStyle/>
         <a:p>
-          <a:pPr lvl="0" algn="ctr" defTabSz="622300">
+          <a:pPr marL="0" lvl="0" indent="0" algn="ctr" defTabSz="622300">
             <a:lnSpc>
               <a:spcPct val="90000"/>
             </a:lnSpc>
@@ -6471,13 +7622,14 @@
             <a:spcAft>
               <a:spcPct val="35000"/>
             </a:spcAft>
+            <a:buNone/>
           </a:pPr>
           <a:endParaRPr lang="zh-CN" altLang="en-US" sz="1400" kern="1200"/>
         </a:p>
       </dsp:txBody>
-      <dsp:txXfrm rot="5400000">
-        <a:off x="2909589" y="1865907"/>
-        <a:ext cx="276820" cy="332184"/>
+      <dsp:txXfrm rot="-5400000">
+        <a:off x="2948344" y="1893589"/>
+        <a:ext cx="199310" cy="193774"/>
       </dsp:txXfrm>
     </dsp:sp>
     <dsp:sp modelId="{D699FBF6-99F4-47E3-818C-BA1AF90285A3}">
@@ -6497,7 +7649,7 @@
         </a:prstGeom>
         <a:solidFill>
           <a:schemeClr val="accent4">
-            <a:hueOff val="13615358"/>
+            <a:hueOff val="13615356"/>
             <a:satOff val="-15991"/>
             <a:lumOff val="6144"/>
             <a:alphaOff val="0"/>
@@ -6536,7 +7688,7 @@
         </a:bodyPr>
         <a:lstStyle/>
         <a:p>
-          <a:pPr lvl="0" algn="ctr" defTabSz="800100">
+          <a:pPr marL="0" lvl="0" indent="0" algn="ctr" defTabSz="800100">
             <a:lnSpc>
               <a:spcPct val="90000"/>
             </a:lnSpc>
@@ -6546,17 +7698,17 @@
             <a:spcAft>
               <a:spcPct val="35000"/>
             </a:spcAft>
+            <a:buNone/>
           </a:pPr>
           <a:r>
-            <a:rPr lang="zh-CN" altLang="en-US" sz="1800" kern="1200" dirty="0" smtClean="0"/>
+            <a:rPr lang="zh-CN" altLang="en-US" sz="1800" kern="1200" dirty="0"/>
             <a:t>后端响应行为服务编码</a:t>
           </a:r>
-          <a:endParaRPr lang="zh-CN" altLang="en-US" sz="1800" kern="1200" dirty="0"/>
         </a:p>
       </dsp:txBody>
       <dsp:txXfrm>
-        <a:off x="2383631" y="2216546"/>
-        <a:ext cx="1328737" cy="738187"/>
+        <a:off x="2405252" y="2238167"/>
+        <a:ext cx="1285495" cy="694945"/>
       </dsp:txXfrm>
     </dsp:sp>
     <dsp:sp modelId="{A77E9F03-1D58-412A-950B-EF37680BC9FE}">
@@ -6577,7 +7729,7 @@
         </a:prstGeom>
         <a:solidFill>
           <a:schemeClr val="accent4">
-            <a:hueOff val="20423036"/>
+            <a:hueOff val="20423033"/>
             <a:satOff val="-23986"/>
             <a:lumOff val="9216"/>
             <a:alphaOff val="0"/>
@@ -6608,7 +7760,7 @@
         </a:bodyPr>
         <a:lstStyle/>
         <a:p>
-          <a:pPr lvl="0" algn="ctr" defTabSz="622300">
+          <a:pPr marL="0" lvl="0" indent="0" algn="ctr" defTabSz="622300">
             <a:lnSpc>
               <a:spcPct val="90000"/>
             </a:lnSpc>
@@ -6618,13 +7770,14 @@
             <a:spcAft>
               <a:spcPct val="35000"/>
             </a:spcAft>
+            <a:buNone/>
           </a:pPr>
           <a:endParaRPr lang="zh-CN" altLang="en-US" sz="1400" kern="1200"/>
         </a:p>
       </dsp:txBody>
-      <dsp:txXfrm rot="5400000">
-        <a:off x="2909589" y="2973189"/>
-        <a:ext cx="276820" cy="332184"/>
+      <dsp:txXfrm rot="-5400000">
+        <a:off x="2948344" y="3000871"/>
+        <a:ext cx="199310" cy="193774"/>
       </dsp:txXfrm>
     </dsp:sp>
     <dsp:sp modelId="{EBEC3436-91D9-46A5-BCE2-272014E51229}">
@@ -6644,7 +7797,7 @@
         </a:prstGeom>
         <a:solidFill>
           <a:schemeClr val="accent4">
-            <a:hueOff val="20423036"/>
+            <a:hueOff val="20423033"/>
             <a:satOff val="-23986"/>
             <a:lumOff val="9216"/>
             <a:alphaOff val="0"/>
@@ -6683,7 +7836,7 @@
         </a:bodyPr>
         <a:lstStyle/>
         <a:p>
-          <a:pPr lvl="0" algn="ctr" defTabSz="800100">
+          <a:pPr marL="0" lvl="0" indent="0" algn="ctr" defTabSz="800100">
             <a:lnSpc>
               <a:spcPct val="90000"/>
             </a:lnSpc>
@@ -6693,25 +7846,25 @@
             <a:spcAft>
               <a:spcPct val="35000"/>
             </a:spcAft>
+            <a:buNone/>
           </a:pPr>
           <a:r>
-            <a:rPr lang="zh-CN" altLang="en-US" sz="1800" kern="1200" dirty="0" smtClean="0"/>
+            <a:rPr lang="zh-CN" altLang="en-US" sz="1800" kern="1200" dirty="0"/>
             <a:t>数据交互接口编码</a:t>
           </a:r>
-          <a:endParaRPr lang="zh-CN" altLang="en-US" sz="1800" kern="1200" dirty="0"/>
         </a:p>
       </dsp:txBody>
       <dsp:txXfrm>
-        <a:off x="2383631" y="3323828"/>
-        <a:ext cx="1328737" cy="738187"/>
+        <a:off x="2405252" y="3345449"/>
+        <a:ext cx="1285495" cy="694945"/>
       </dsp:txXfrm>
     </dsp:sp>
   </dsp:spTree>
 </dsp:drawing>
 </file>
 
-<file path=ppt/diagrams/drawing2.xml><?xml version="1.0" encoding="utf-8"?>
-<dsp:drawing xmlns:dgm="http://schemas.openxmlformats.org/drawingml/2006/diagram" xmlns:a="http://schemas.openxmlformats.org/drawingml/2006/main" xmlns:dsp="http://schemas.microsoft.com/office/drawing/2008/diagram">
+<file path=ppt/diagrams/drawing3.xml><?xml version="1.0" encoding="utf-8"?>
+<dsp:drawing xmlns:dgm="http://schemas.openxmlformats.org/drawingml/2006/diagram" xmlns:dsp="http://schemas.microsoft.com/office/drawing/2008/diagram" xmlns:a="http://schemas.openxmlformats.org/drawingml/2006/main">
   <dsp:spTree>
     <dsp:nvGrpSpPr>
       <dsp:cNvPr id="0" name=""/>
@@ -6772,7 +7925,7 @@
         </a:bodyPr>
         <a:lstStyle/>
         <a:p>
-          <a:pPr lvl="0" algn="ctr" defTabSz="1066800">
+          <a:pPr marL="0" lvl="0" indent="0" algn="ctr" defTabSz="1066800">
             <a:lnSpc>
               <a:spcPct val="90000"/>
             </a:lnSpc>
@@ -6782,17 +7935,17 @@
             <a:spcAft>
               <a:spcPct val="35000"/>
             </a:spcAft>
+            <a:buNone/>
           </a:pPr>
           <a:r>
-            <a:rPr lang="zh-CN" altLang="en-US" sz="2400" kern="1200" dirty="0" smtClean="0"/>
+            <a:rPr lang="zh-CN" altLang="en-US" sz="2400" kern="1200" dirty="0"/>
             <a:t>数据库表自动生成</a:t>
           </a:r>
-          <a:endParaRPr lang="zh-CN" altLang="en-US" sz="2400" kern="1200" dirty="0"/>
         </a:p>
       </dsp:txBody>
-      <dsp:txXfrm rot="16200000">
-        <a:off x="617983" y="-617983"/>
-        <a:ext cx="1307976" cy="2543944"/>
+      <dsp:txXfrm rot="5400000">
+        <a:off x="-1" y="1"/>
+        <a:ext cx="2543944" cy="1307976"/>
       </dsp:txXfrm>
     </dsp:sp>
     <dsp:sp modelId="{6ACA934D-A4DF-4903-85B8-4598A50D8F04}">
@@ -6810,7 +7963,7 @@
         </a:prstGeom>
         <a:solidFill>
           <a:schemeClr val="accent4">
-            <a:hueOff val="6807679"/>
+            <a:hueOff val="6807678"/>
             <a:satOff val="-7995"/>
             <a:lumOff val="3072"/>
             <a:alphaOff val="0"/>
@@ -6849,7 +8002,7 @@
         </a:bodyPr>
         <a:lstStyle/>
         <a:p>
-          <a:pPr lvl="0" algn="ctr" defTabSz="1066800">
+          <a:pPr marL="0" lvl="0" indent="0" algn="ctr" defTabSz="1066800">
             <a:lnSpc>
               <a:spcPct val="90000"/>
             </a:lnSpc>
@@ -6859,12 +8012,12 @@
             <a:spcAft>
               <a:spcPct val="35000"/>
             </a:spcAft>
+            <a:buNone/>
           </a:pPr>
           <a:r>
-            <a:rPr lang="zh-CN" altLang="en-US" sz="2400" kern="1200" dirty="0" smtClean="0"/>
+            <a:rPr lang="zh-CN" altLang="en-US" sz="2400" kern="1200" dirty="0"/>
             <a:t>前端操作界面自动生成</a:t>
           </a:r>
-          <a:endParaRPr lang="zh-CN" altLang="en-US" sz="2400" kern="1200" dirty="0"/>
         </a:p>
       </dsp:txBody>
       <dsp:txXfrm>
@@ -6887,7 +8040,7 @@
         </a:prstGeom>
         <a:solidFill>
           <a:schemeClr val="accent4">
-            <a:hueOff val="13615358"/>
+            <a:hueOff val="13615356"/>
             <a:satOff val="-15991"/>
             <a:lumOff val="6144"/>
             <a:alphaOff val="0"/>
@@ -6926,7 +8079,7 @@
         </a:bodyPr>
         <a:lstStyle/>
         <a:p>
-          <a:pPr lvl="0" algn="ctr" defTabSz="1066800">
+          <a:pPr marL="0" lvl="0" indent="0" algn="ctr" defTabSz="1066800">
             <a:lnSpc>
               <a:spcPct val="90000"/>
             </a:lnSpc>
@@ -6936,12 +8089,12 @@
             <a:spcAft>
               <a:spcPct val="35000"/>
             </a:spcAft>
+            <a:buNone/>
           </a:pPr>
           <a:r>
-            <a:rPr lang="zh-CN" altLang="en-US" sz="2400" kern="1200" dirty="0" smtClean="0"/>
+            <a:rPr lang="zh-CN" altLang="en-US" sz="2400" kern="1200" dirty="0"/>
             <a:t>后端响应服务自动生成</a:t>
           </a:r>
-          <a:endParaRPr lang="zh-CN" altLang="en-US" sz="2400" kern="1200" dirty="0"/>
         </a:p>
       </dsp:txBody>
       <dsp:txXfrm rot="10800000">
@@ -6964,7 +8117,7 @@
         </a:prstGeom>
         <a:solidFill>
           <a:schemeClr val="accent4">
-            <a:hueOff val="20423036"/>
+            <a:hueOff val="20423033"/>
             <a:satOff val="-23986"/>
             <a:lumOff val="9216"/>
             <a:alphaOff val="0"/>
@@ -7003,7 +8156,7 @@
         </a:bodyPr>
         <a:lstStyle/>
         <a:p>
-          <a:pPr lvl="0" algn="ctr" defTabSz="1066800">
+          <a:pPr marL="0" lvl="0" indent="0" algn="ctr" defTabSz="1066800">
             <a:lnSpc>
               <a:spcPct val="90000"/>
             </a:lnSpc>
@@ -7013,17 +8166,17 @@
             <a:spcAft>
               <a:spcPct val="35000"/>
             </a:spcAft>
+            <a:buNone/>
           </a:pPr>
           <a:r>
-            <a:rPr lang="zh-CN" altLang="en-US" sz="2400" kern="1200" dirty="0" smtClean="0"/>
+            <a:rPr lang="zh-CN" altLang="en-US" sz="2400" kern="1200" dirty="0"/>
             <a:t>数据交互接口自动生成</a:t>
           </a:r>
-          <a:endParaRPr lang="zh-CN" altLang="en-US" sz="2400" kern="1200" dirty="0"/>
         </a:p>
       </dsp:txBody>
-      <dsp:txXfrm rot="5400000">
-        <a:off x="3161928" y="1561975"/>
-        <a:ext cx="1307976" cy="2543944"/>
+      <dsp:txXfrm rot="-5400000">
+        <a:off x="2543944" y="2179959"/>
+        <a:ext cx="2543944" cy="1307976"/>
       </dsp:txXfrm>
     </dsp:sp>
     <dsp:sp modelId="{54660845-72B4-4189-BBC5-2FE29AB7D5EC}">
@@ -7079,7 +8232,7 @@
         </a:bodyPr>
         <a:lstStyle/>
         <a:p>
-          <a:pPr lvl="0" algn="ctr" defTabSz="1066800">
+          <a:pPr marL="0" lvl="0" indent="0" algn="ctr" defTabSz="1066800">
             <a:lnSpc>
               <a:spcPct val="90000"/>
             </a:lnSpc>
@@ -7089,25 +8242,25 @@
             <a:spcAft>
               <a:spcPct val="35000"/>
             </a:spcAft>
+            <a:buNone/>
           </a:pPr>
           <a:r>
-            <a:rPr lang="zh-CN" altLang="en-US" sz="2400" kern="1200" dirty="0" smtClean="0"/>
+            <a:rPr lang="zh-CN" altLang="en-US" sz="2400" kern="1200" dirty="0"/>
             <a:t>业务模型</a:t>
           </a:r>
-          <a:endParaRPr lang="zh-CN" altLang="en-US" sz="2400" kern="1200" dirty="0"/>
         </a:p>
       </dsp:txBody>
       <dsp:txXfrm>
-        <a:off x="1780760" y="1307976"/>
-        <a:ext cx="1526366" cy="871984"/>
+        <a:off x="1823327" y="1350543"/>
+        <a:ext cx="1441232" cy="786850"/>
       </dsp:txXfrm>
     </dsp:sp>
   </dsp:spTree>
 </dsp:drawing>
 </file>
 
-<file path=ppt/diagrams/drawing3.xml><?xml version="1.0" encoding="utf-8"?>
-<dsp:drawing xmlns:dgm="http://schemas.openxmlformats.org/drawingml/2006/diagram" xmlns:a="http://schemas.openxmlformats.org/drawingml/2006/main" xmlns:dsp="http://schemas.microsoft.com/office/drawing/2008/diagram">
+<file path=ppt/diagrams/drawing4.xml><?xml version="1.0" encoding="utf-8"?>
+<dsp:drawing xmlns:dgm="http://schemas.openxmlformats.org/drawingml/2006/diagram" xmlns:dsp="http://schemas.microsoft.com/office/drawing/2008/diagram" xmlns:a="http://schemas.openxmlformats.org/drawingml/2006/main">
   <dsp:spTree>
     <dsp:nvGrpSpPr>
       <dsp:cNvPr id="0" name=""/>
@@ -7168,7 +8321,7 @@
         </a:bodyPr>
         <a:lstStyle/>
         <a:p>
-          <a:pPr lvl="0" algn="ctr" defTabSz="933450">
+          <a:pPr marL="0" lvl="0" indent="0" algn="ctr" defTabSz="933450">
             <a:lnSpc>
               <a:spcPct val="90000"/>
             </a:lnSpc>
@@ -7178,23 +8331,24 @@
             <a:spcAft>
               <a:spcPct val="35000"/>
             </a:spcAft>
+            <a:buNone/>
           </a:pPr>
           <a:r>
-            <a:rPr lang="zh-CN" altLang="en-US" sz="2100" kern="1200" dirty="0" smtClean="0"/>
+            <a:rPr lang="zh-CN" altLang="en-US" sz="2100" kern="1200" dirty="0"/>
             <a:t>基于</a:t>
           </a:r>
           <a:r>
-            <a:rPr lang="en-US" altLang="en-US" sz="2100" kern="1200" dirty="0" smtClean="0"/>
+            <a:rPr lang="en-US" altLang="en-US" sz="2100" kern="1200" dirty="0"/>
             <a:t>XML</a:t>
           </a:r>
           <a:r>
-            <a:rPr lang="zh-CN" altLang="en-US" sz="2100" kern="1200" dirty="0" smtClean="0"/>
+            <a:rPr lang="zh-CN" altLang="en-US" sz="2100" kern="1200" dirty="0"/>
             <a:t>格式的业务模型</a:t>
           </a:r>
-          <a:endParaRPr lang="en-US" altLang="zh-CN" sz="2100" kern="1200" dirty="0" smtClean="0"/>
+          <a:endParaRPr lang="en-US" altLang="zh-CN" sz="2100" kern="1200" dirty="0"/>
         </a:p>
         <a:p>
-          <a:pPr lvl="0" algn="ctr" defTabSz="933450">
+          <a:pPr marL="0" lvl="0" indent="0" algn="ctr" defTabSz="933450">
             <a:lnSpc>
               <a:spcPct val="90000"/>
             </a:lnSpc>
@@ -7204,16 +8358,17 @@
             <a:spcAft>
               <a:spcPct val="35000"/>
             </a:spcAft>
+            <a:buNone/>
           </a:pPr>
           <a:r>
-            <a:rPr lang="zh-CN" altLang="en-US" sz="2100" b="1" kern="1200" dirty="0" smtClean="0">
+            <a:rPr lang="zh-CN" altLang="en-US" sz="2100" b="1" kern="1200" dirty="0">
               <a:solidFill>
                 <a:srgbClr val="0070C0"/>
               </a:solidFill>
             </a:rPr>
             <a:t>开发者设计</a:t>
           </a:r>
-          <a:endParaRPr lang="en-US" altLang="zh-CN" sz="2100" b="1" kern="1200" dirty="0" smtClean="0">
+          <a:endParaRPr lang="en-US" altLang="zh-CN" sz="2100" b="1" kern="1200" dirty="0">
             <a:solidFill>
               <a:srgbClr val="0070C0"/>
             </a:solidFill>
@@ -7221,8 +8376,8 @@
         </a:p>
       </dsp:txBody>
       <dsp:txXfrm>
-        <a:off x="2266901" y="2582494"/>
-        <a:ext cx="2090932" cy="2090932"/>
+        <a:off x="2573111" y="2888704"/>
+        <a:ext cx="1478512" cy="1478512"/>
       </dsp:txXfrm>
     </dsp:sp>
     <dsp:sp modelId="{A7C679A2-1DAC-401A-A059-E2B0BA1760C8}">
@@ -7325,7 +8480,7 @@
         </a:bodyPr>
         <a:lstStyle/>
         <a:p>
-          <a:pPr lvl="0" algn="ctr" defTabSz="933450">
+          <a:pPr marL="0" lvl="0" indent="0" algn="ctr" defTabSz="933450">
             <a:lnSpc>
               <a:spcPct val="90000"/>
             </a:lnSpc>
@@ -7335,13 +8490,14 @@
             <a:spcAft>
               <a:spcPct val="35000"/>
             </a:spcAft>
+            <a:buNone/>
           </a:pPr>
           <a:r>
-            <a:rPr lang="zh-CN" altLang="en-US" sz="2100" kern="1200" dirty="0" smtClean="0"/>
+            <a:rPr lang="zh-CN" altLang="en-US" sz="2100" kern="1200" dirty="0"/>
             <a:t>模型加载模块</a:t>
           </a:r>
           <a:r>
-            <a:rPr lang="zh-CN" altLang="en-US" sz="2100" b="1" kern="1200" dirty="0" smtClean="0">
+            <a:rPr lang="zh-CN" altLang="en-US" sz="2100" b="1" kern="1200" dirty="0">
               <a:solidFill>
                 <a:schemeClr val="accent1">
                   <a:lumMod val="50000"/>
@@ -7350,18 +8506,11 @@
             </a:rPr>
             <a:t>开发者继承以二次开发</a:t>
           </a:r>
-          <a:endParaRPr lang="zh-CN" altLang="en-US" sz="2100" b="1" kern="1200" dirty="0">
-            <a:solidFill>
-              <a:schemeClr val="accent1">
-                <a:lumMod val="50000"/>
-              </a:schemeClr>
-            </a:solidFill>
-          </a:endParaRPr>
         </a:p>
       </dsp:txBody>
       <dsp:txXfrm>
-        <a:off x="3994" y="1212299"/>
-        <a:ext cx="1986385" cy="1589108"/>
+        <a:off x="50537" y="1258842"/>
+        <a:ext cx="1893299" cy="1496022"/>
       </dsp:txXfrm>
     </dsp:sp>
     <dsp:sp modelId="{BE8DEC34-68E8-42E9-BF72-71E7BDE98429}">
@@ -7382,7 +8531,7 @@
         </a:prstGeom>
         <a:solidFill>
           <a:schemeClr val="accent4">
-            <a:hueOff val="10211518"/>
+            <a:hueOff val="10211516"/>
             <a:satOff val="-11993"/>
             <a:lumOff val="4608"/>
             <a:alphaOff val="0"/>
@@ -7425,7 +8574,7 @@
         </a:prstGeom>
         <a:solidFill>
           <a:schemeClr val="accent4">
-            <a:hueOff val="10211518"/>
+            <a:hueOff val="10211516"/>
             <a:satOff val="-11993"/>
             <a:lumOff val="4608"/>
             <a:alphaOff val="0"/>
@@ -7464,7 +8613,7 @@
         </a:bodyPr>
         <a:lstStyle/>
         <a:p>
-          <a:pPr lvl="0" algn="ctr" defTabSz="933450">
+          <a:pPr marL="0" lvl="0" indent="0" algn="ctr" defTabSz="933450">
             <a:lnSpc>
               <a:spcPct val="90000"/>
             </a:lnSpc>
@@ -7474,23 +8623,24 @@
             <a:spcAft>
               <a:spcPct val="35000"/>
             </a:spcAft>
+            <a:buNone/>
           </a:pPr>
           <a:r>
-            <a:rPr lang="zh-CN" altLang="en-US" sz="2100" kern="1200" dirty="0" smtClean="0"/>
+            <a:rPr lang="zh-CN" altLang="en-US" sz="2100" kern="1200" dirty="0"/>
             <a:t>基于</a:t>
           </a:r>
           <a:r>
-            <a:rPr lang="en-US" altLang="en-US" sz="2100" kern="1200" dirty="0" err="1" smtClean="0"/>
+            <a:rPr lang="en-US" altLang="en-US" sz="2100" kern="1200" dirty="0" err="1"/>
             <a:t>Boostrap</a:t>
           </a:r>
           <a:r>
-            <a:rPr lang="zh-CN" altLang="en-US" sz="2100" kern="1200" dirty="0" smtClean="0"/>
+            <a:rPr lang="zh-CN" altLang="en-US" sz="2100" kern="1200" dirty="0"/>
             <a:t>设计的前端操作界面</a:t>
           </a:r>
-          <a:endParaRPr lang="en-US" altLang="zh-CN" sz="2100" kern="1200" dirty="0" smtClean="0"/>
+          <a:endParaRPr lang="en-US" altLang="zh-CN" sz="2100" kern="1200" dirty="0"/>
         </a:p>
         <a:p>
-          <a:pPr lvl="0" algn="ctr" defTabSz="933450">
+          <a:pPr marL="0" lvl="0" indent="0" algn="ctr" defTabSz="933450">
             <a:lnSpc>
               <a:spcPct val="90000"/>
             </a:lnSpc>
@@ -7500,9 +8650,10 @@
             <a:spcAft>
               <a:spcPct val="35000"/>
             </a:spcAft>
+            <a:buNone/>
           </a:pPr>
           <a:r>
-            <a:rPr lang="zh-CN" altLang="en-US" sz="2100" b="1" kern="1200" dirty="0" smtClean="0">
+            <a:rPr lang="zh-CN" altLang="en-US" sz="2100" b="1" kern="1200" dirty="0">
               <a:solidFill>
                 <a:schemeClr val="accent1">
                   <a:lumMod val="50000"/>
@@ -7512,7 +8663,7 @@
             <a:t>重写</a:t>
           </a:r>
           <a:r>
-            <a:rPr lang="en-US" altLang="en-US" sz="2100" b="1" kern="1200" dirty="0" smtClean="0">
+            <a:rPr lang="en-US" altLang="en-US" sz="2100" b="1" kern="1200" dirty="0">
               <a:solidFill>
                 <a:schemeClr val="accent1">
                   <a:lumMod val="50000"/>
@@ -7522,7 +8673,7 @@
             <a:t>JS</a:t>
           </a:r>
           <a:r>
-            <a:rPr lang="zh-CN" altLang="en-US" sz="2100" b="1" kern="1200" dirty="0" smtClean="0">
+            <a:rPr lang="zh-CN" altLang="en-US" sz="2100" b="1" kern="1200" dirty="0">
               <a:solidFill>
                 <a:schemeClr val="accent1">
                   <a:lumMod val="50000"/>
@@ -7531,18 +8682,11 @@
             </a:rPr>
             <a:t>方法</a:t>
           </a:r>
-          <a:endParaRPr lang="zh-CN" altLang="en-US" sz="2100" b="1" kern="1200" dirty="0">
-            <a:solidFill>
-              <a:schemeClr val="accent1">
-                <a:lumMod val="50000"/>
-              </a:schemeClr>
-            </a:solidFill>
-          </a:endParaRPr>
         </a:p>
       </dsp:txBody>
       <dsp:txXfrm>
-        <a:off x="2319175" y="7092"/>
-        <a:ext cx="1986385" cy="1589108"/>
+        <a:off x="2365718" y="53635"/>
+        <a:ext cx="1893299" cy="1496022"/>
       </dsp:txXfrm>
     </dsp:sp>
     <dsp:sp modelId="{6F96541D-CEAF-4313-8B3B-45678BE28E56}">
@@ -7563,7 +8707,7 @@
         </a:prstGeom>
         <a:solidFill>
           <a:schemeClr val="accent4">
-            <a:hueOff val="20423036"/>
+            <a:hueOff val="20423033"/>
             <a:satOff val="-23986"/>
             <a:lumOff val="9216"/>
             <a:alphaOff val="0"/>
@@ -7606,7 +8750,7 @@
         </a:prstGeom>
         <a:solidFill>
           <a:schemeClr val="accent4">
-            <a:hueOff val="20423036"/>
+            <a:hueOff val="20423033"/>
             <a:satOff val="-23986"/>
             <a:lumOff val="9216"/>
             <a:alphaOff val="0"/>
@@ -7645,7 +8789,7 @@
         </a:bodyPr>
         <a:lstStyle/>
         <a:p>
-          <a:pPr lvl="0" algn="ctr" defTabSz="933450">
+          <a:pPr marL="0" lvl="0" indent="0" algn="ctr" defTabSz="933450">
             <a:lnSpc>
               <a:spcPct val="90000"/>
             </a:lnSpc>
@@ -7655,13 +8799,14 @@
             <a:spcAft>
               <a:spcPct val="35000"/>
             </a:spcAft>
+            <a:buNone/>
           </a:pPr>
           <a:r>
-            <a:rPr lang="zh-CN" altLang="en-US" sz="2100" kern="1200" dirty="0" smtClean="0"/>
+            <a:rPr lang="zh-CN" altLang="en-US" sz="2100" kern="1200" dirty="0"/>
             <a:t>数据交互接口</a:t>
           </a:r>
           <a:r>
-            <a:rPr lang="zh-CN" altLang="en-US" sz="2100" b="1" kern="1200" dirty="0" smtClean="0">
+            <a:rPr lang="zh-CN" altLang="en-US" sz="2100" b="1" kern="1200" dirty="0">
               <a:solidFill>
                 <a:schemeClr val="accent1">
                   <a:lumMod val="50000"/>
@@ -7670,26 +8815,19 @@
             </a:rPr>
             <a:t>用户添加自定义接口</a:t>
           </a:r>
-          <a:endParaRPr lang="zh-CN" altLang="en-US" sz="2100" b="1" kern="1200" dirty="0">
-            <a:solidFill>
-              <a:schemeClr val="accent1">
-                <a:lumMod val="50000"/>
-              </a:schemeClr>
-            </a:solidFill>
-          </a:endParaRPr>
         </a:p>
       </dsp:txBody>
       <dsp:txXfrm>
-        <a:off x="4634356" y="1212299"/>
-        <a:ext cx="1986385" cy="1589108"/>
+        <a:off x="4680899" y="1258842"/>
+        <a:ext cx="1893299" cy="1496022"/>
       </dsp:txXfrm>
     </dsp:sp>
   </dsp:spTree>
 </dsp:drawing>
 </file>
 
-<file path=ppt/diagrams/drawing4.xml><?xml version="1.0" encoding="utf-8"?>
-<dsp:drawing xmlns:dgm="http://schemas.openxmlformats.org/drawingml/2006/diagram" xmlns:a="http://schemas.openxmlformats.org/drawingml/2006/main" xmlns:dsp="http://schemas.microsoft.com/office/drawing/2008/diagram">
+<file path=ppt/diagrams/drawing5.xml><?xml version="1.0" encoding="utf-8"?>
+<dsp:drawing xmlns:dgm="http://schemas.openxmlformats.org/drawingml/2006/diagram" xmlns:dsp="http://schemas.microsoft.com/office/drawing/2008/diagram" xmlns:a="http://schemas.openxmlformats.org/drawingml/2006/main">
   <dsp:spTree>
     <dsp:nvGrpSpPr>
       <dsp:cNvPr id="0" name=""/>
@@ -7752,7 +8890,7 @@
         </a:bodyPr>
         <a:lstStyle/>
         <a:p>
-          <a:pPr lvl="0" algn="l" defTabSz="800100">
+          <a:pPr marL="0" lvl="0" indent="0" algn="l" defTabSz="800100">
             <a:lnSpc>
               <a:spcPct val="90000"/>
             </a:lnSpc>
@@ -7762,19 +8900,20 @@
             <a:spcAft>
               <a:spcPct val="35000"/>
             </a:spcAft>
+            <a:buNone/>
           </a:pPr>
           <a:r>
-            <a:rPr lang="en-US" altLang="en-US" sz="1800" kern="1200" dirty="0" err="1" smtClean="0"/>
+            <a:rPr lang="en-US" altLang="en-US" sz="1800" kern="1200" dirty="0" err="1"/>
             <a:t>WebLoader</a:t>
           </a:r>
           <a:r>
-            <a:rPr lang="zh-CN" altLang="en-US" sz="1800" kern="1200" dirty="0" smtClean="0"/>
+            <a:rPr lang="zh-CN" altLang="en-US" sz="1800" kern="1200" dirty="0"/>
             <a:t>对象</a:t>
           </a:r>
-          <a:endParaRPr lang="en-US" altLang="zh-CN" sz="1800" kern="1200" dirty="0" smtClean="0"/>
+          <a:endParaRPr lang="en-US" altLang="zh-CN" sz="1800" kern="1200" dirty="0"/>
         </a:p>
         <a:p>
-          <a:pPr lvl="0" algn="l" defTabSz="800100">
+          <a:pPr marL="0" lvl="0" indent="0" algn="l" defTabSz="800100">
             <a:lnSpc>
               <a:spcPct val="90000"/>
             </a:lnSpc>
@@ -7784,9 +8923,10 @@
             <a:spcAft>
               <a:spcPct val="35000"/>
             </a:spcAft>
+            <a:buNone/>
           </a:pPr>
           <a:r>
-            <a:rPr lang="zh-CN" altLang="en-US" sz="1800" b="1" kern="1200" dirty="0" smtClean="0">
+            <a:rPr lang="zh-CN" altLang="en-US" sz="1800" b="1" kern="1200" dirty="0">
               <a:solidFill>
                 <a:srgbClr val="7030A0"/>
               </a:solidFill>
@@ -7794,7 +8934,7 @@
             <a:t>远程加载数据交互接口的数据转换为</a:t>
           </a:r>
           <a:r>
-            <a:rPr lang="en-US" altLang="en-US" sz="1800" b="1" kern="1200" dirty="0" smtClean="0">
+            <a:rPr lang="en-US" altLang="en-US" sz="1800" b="1" kern="1200" dirty="0">
               <a:solidFill>
                 <a:srgbClr val="7030A0"/>
               </a:solidFill>
@@ -7809,8 +8949,8 @@
         </a:p>
       </dsp:txBody>
       <dsp:txXfrm>
-        <a:off x="0" y="0"/>
-        <a:ext cx="4905591" cy="1490565"/>
+        <a:off x="43657" y="43657"/>
+        <a:ext cx="4818277" cy="1403251"/>
       </dsp:txXfrm>
     </dsp:sp>
     <dsp:sp modelId="{CA54E869-6746-4DD3-AEE7-6A9CFEAAB3FA}">
@@ -7830,7 +8970,7 @@
         </a:prstGeom>
         <a:solidFill>
           <a:schemeClr val="accent4">
-            <a:hueOff val="10211518"/>
+            <a:hueOff val="10211516"/>
             <a:satOff val="-11993"/>
             <a:lumOff val="4608"/>
             <a:alphaOff val="0"/>
@@ -7869,7 +9009,7 @@
         </a:bodyPr>
         <a:lstStyle/>
         <a:p>
-          <a:pPr lvl="0" algn="l" defTabSz="800100">
+          <a:pPr marL="0" lvl="0" indent="0" algn="l" defTabSz="800100">
             <a:lnSpc>
               <a:spcPct val="90000"/>
             </a:lnSpc>
@@ -7879,27 +9019,28 @@
             <a:spcAft>
               <a:spcPct val="35000"/>
             </a:spcAft>
+            <a:buNone/>
           </a:pPr>
           <a:r>
-            <a:rPr lang="en-US" altLang="en-US" sz="1800" kern="1200" dirty="0" smtClean="0"/>
+            <a:rPr lang="en-US" altLang="en-US" sz="1800" kern="1200" dirty="0"/>
             <a:t>DO</a:t>
           </a:r>
           <a:r>
-            <a:rPr lang="zh-CN" altLang="en-US" sz="1800" kern="1200" dirty="0" smtClean="0"/>
+            <a:rPr lang="zh-CN" altLang="en-US" sz="1800" kern="1200" dirty="0"/>
             <a:t>（</a:t>
           </a:r>
           <a:r>
-            <a:rPr lang="en-US" altLang="en-US" sz="1800" kern="1200" dirty="0" smtClean="0"/>
+            <a:rPr lang="en-US" altLang="en-US" sz="1800" kern="1200" dirty="0"/>
             <a:t>Data Object</a:t>
           </a:r>
           <a:r>
-            <a:rPr lang="zh-CN" altLang="en-US" sz="1800" kern="1200" dirty="0" smtClean="0"/>
+            <a:rPr lang="zh-CN" altLang="en-US" sz="1800" kern="1200" dirty="0"/>
             <a:t>）</a:t>
           </a:r>
-          <a:endParaRPr lang="en-US" altLang="zh-CN" sz="1800" kern="1200" dirty="0" smtClean="0"/>
+          <a:endParaRPr lang="en-US" altLang="zh-CN" sz="1800" kern="1200" dirty="0"/>
         </a:p>
         <a:p>
-          <a:pPr lvl="0" algn="l" defTabSz="800100">
+          <a:pPr marL="0" lvl="0" indent="0" algn="l" defTabSz="800100">
             <a:lnSpc>
               <a:spcPct val="90000"/>
             </a:lnSpc>
@@ -7909,9 +9050,10 @@
             <a:spcAft>
               <a:spcPct val="35000"/>
             </a:spcAft>
+            <a:buNone/>
           </a:pPr>
           <a:r>
-            <a:rPr lang="zh-CN" altLang="en-US" sz="1800" b="1" kern="1200" dirty="0" smtClean="0">
+            <a:rPr lang="zh-CN" altLang="en-US" sz="1800" b="1" kern="1200" dirty="0">
               <a:solidFill>
                 <a:srgbClr val="7030A0"/>
               </a:solidFill>
@@ -7919,7 +9061,7 @@
             <a:t>数据对象，以装在远程加载的数据为主以便开发者使用，相关属性为</a:t>
           </a:r>
           <a:r>
-            <a:rPr lang="en-US" altLang="en-US" sz="1800" b="1" kern="1200" dirty="0" smtClean="0">
+            <a:rPr lang="en-US" altLang="en-US" sz="1800" b="1" kern="1200" dirty="0">
               <a:solidFill>
                 <a:srgbClr val="7030A0"/>
               </a:solidFill>
@@ -7927,23 +9069,18 @@
             <a:t>XML</a:t>
           </a:r>
           <a:r>
-            <a:rPr lang="zh-CN" altLang="en-US" sz="1800" b="1" kern="1200" dirty="0" smtClean="0">
+            <a:rPr lang="zh-CN" altLang="en-US" sz="1800" b="1" kern="1200" dirty="0">
               <a:solidFill>
                 <a:srgbClr val="7030A0"/>
               </a:solidFill>
             </a:rPr>
             <a:t>模型的字段。</a:t>
           </a:r>
-          <a:endParaRPr lang="zh-CN" altLang="en-US" sz="1800" b="1" kern="1200" dirty="0">
-            <a:solidFill>
-              <a:srgbClr val="7030A0"/>
-            </a:solidFill>
-          </a:endParaRPr>
         </a:p>
       </dsp:txBody>
       <dsp:txXfrm>
-        <a:off x="567062" y="1738993"/>
-        <a:ext cx="4890783" cy="1490565"/>
+        <a:off x="610719" y="1782650"/>
+        <a:ext cx="4803469" cy="1403251"/>
       </dsp:txXfrm>
     </dsp:sp>
     <dsp:sp modelId="{B045B095-AC1F-46FB-BE49-69D498027592}">
@@ -7963,7 +9100,7 @@
         </a:prstGeom>
         <a:solidFill>
           <a:schemeClr val="accent4">
-            <a:hueOff val="20423036"/>
+            <a:hueOff val="20423033"/>
             <a:satOff val="-23986"/>
             <a:lumOff val="9216"/>
             <a:alphaOff val="0"/>
@@ -8002,7 +9139,7 @@
         </a:bodyPr>
         <a:lstStyle/>
         <a:p>
-          <a:pPr lvl="0" algn="l" defTabSz="800100">
+          <a:pPr marL="0" lvl="0" indent="0" algn="l" defTabSz="800100">
             <a:lnSpc>
               <a:spcPct val="90000"/>
             </a:lnSpc>
@@ -8012,27 +9149,28 @@
             <a:spcAft>
               <a:spcPct val="35000"/>
             </a:spcAft>
+            <a:buNone/>
           </a:pPr>
           <a:r>
-            <a:rPr lang="en-US" altLang="en-US" sz="1800" kern="1200" dirty="0" smtClean="0"/>
+            <a:rPr lang="en-US" altLang="en-US" sz="1800" kern="1200" dirty="0"/>
             <a:t>DAO</a:t>
           </a:r>
           <a:r>
-            <a:rPr lang="zh-CN" altLang="en-US" sz="1800" kern="1200" dirty="0" smtClean="0"/>
+            <a:rPr lang="zh-CN" altLang="en-US" sz="1800" kern="1200" dirty="0"/>
             <a:t>（</a:t>
           </a:r>
           <a:r>
-            <a:rPr lang="en-US" altLang="en-US" sz="1800" kern="1200" dirty="0" smtClean="0"/>
+            <a:rPr lang="en-US" altLang="en-US" sz="1800" kern="1200" dirty="0"/>
             <a:t>Data Access Object</a:t>
           </a:r>
           <a:r>
-            <a:rPr lang="zh-CN" altLang="en-US" sz="1800" kern="1200" dirty="0" smtClean="0"/>
+            <a:rPr lang="zh-CN" altLang="en-US" sz="1800" kern="1200" dirty="0"/>
             <a:t>）</a:t>
           </a:r>
-          <a:endParaRPr lang="en-US" altLang="zh-CN" sz="1800" kern="1200" dirty="0" smtClean="0"/>
+          <a:endParaRPr lang="en-US" altLang="zh-CN" sz="1800" kern="1200" dirty="0"/>
         </a:p>
         <a:p>
-          <a:pPr lvl="0" algn="l" defTabSz="800100">
+          <a:pPr marL="0" lvl="0" indent="0" algn="l" defTabSz="800100">
             <a:lnSpc>
               <a:spcPct val="90000"/>
             </a:lnSpc>
@@ -8042,9 +9180,10 @@
             <a:spcAft>
               <a:spcPct val="35000"/>
             </a:spcAft>
+            <a:buNone/>
           </a:pPr>
           <a:r>
-            <a:rPr lang="zh-CN" altLang="en-US" sz="1800" b="1" kern="1200" dirty="0" smtClean="0">
+            <a:rPr lang="zh-CN" altLang="en-US" sz="1800" b="1" kern="1200" dirty="0">
               <a:solidFill>
                 <a:srgbClr val="7030A0"/>
               </a:solidFill>
@@ -8052,7 +9191,7 @@
             <a:t>数据访问对象，主要提供本地存储的方法把</a:t>
           </a:r>
           <a:r>
-            <a:rPr lang="en-US" altLang="en-US" sz="1800" b="1" kern="1200" dirty="0" err="1" smtClean="0">
+            <a:rPr lang="en-US" altLang="en-US" sz="1800" b="1" kern="1200" dirty="0" err="1">
               <a:solidFill>
                 <a:srgbClr val="7030A0"/>
               </a:solidFill>
@@ -8060,7 +9199,7 @@
             <a:t>WebLoader</a:t>
           </a:r>
           <a:r>
-            <a:rPr lang="zh-CN" altLang="en-US" sz="1800" b="1" kern="1200" dirty="0" smtClean="0">
+            <a:rPr lang="zh-CN" altLang="en-US" sz="1800" b="1" kern="1200" dirty="0">
               <a:solidFill>
                 <a:srgbClr val="7030A0"/>
               </a:solidFill>
@@ -8068,7 +9207,7 @@
             <a:t>对象生成的</a:t>
           </a:r>
           <a:r>
-            <a:rPr lang="en-US" altLang="en-US" sz="1800" b="1" kern="1200" dirty="0" smtClean="0">
+            <a:rPr lang="en-US" altLang="en-US" sz="1800" b="1" kern="1200" dirty="0">
               <a:solidFill>
                 <a:srgbClr val="7030A0"/>
               </a:solidFill>
@@ -8076,23 +9215,18 @@
             <a:t>DO</a:t>
           </a:r>
           <a:r>
-            <a:rPr lang="zh-CN" altLang="en-US" sz="1800" b="1" kern="1200" dirty="0" smtClean="0">
+            <a:rPr lang="zh-CN" altLang="en-US" sz="1800" b="1" kern="1200" dirty="0">
               <a:solidFill>
                 <a:srgbClr val="7030A0"/>
               </a:solidFill>
             </a:rPr>
             <a:t>对象有选择性的存储到本地</a:t>
           </a:r>
-          <a:endParaRPr lang="zh-CN" altLang="en-US" sz="1800" b="1" kern="1200" dirty="0">
-            <a:solidFill>
-              <a:srgbClr val="7030A0"/>
-            </a:solidFill>
-          </a:endParaRPr>
         </a:p>
       </dsp:txBody>
       <dsp:txXfrm>
-        <a:off x="1134125" y="3477986"/>
-        <a:ext cx="4890783" cy="1490565"/>
+        <a:off x="1177782" y="3521643"/>
+        <a:ext cx="4803469" cy="1403251"/>
       </dsp:txXfrm>
     </dsp:sp>
     <dsp:sp modelId="{06292878-428E-43E5-B926-778003ACA46E}">
@@ -8154,7 +9288,7 @@
         </a:bodyPr>
         <a:lstStyle/>
         <a:p>
-          <a:pPr lvl="0" algn="ctr" defTabSz="1600200">
+          <a:pPr marL="0" lvl="0" indent="0" algn="ctr" defTabSz="1600200">
             <a:lnSpc>
               <a:spcPct val="90000"/>
             </a:lnSpc>
@@ -8164,13 +9298,14 @@
             <a:spcAft>
               <a:spcPct val="35000"/>
             </a:spcAft>
+            <a:buNone/>
           </a:pPr>
           <a:endParaRPr lang="zh-CN" altLang="en-US" sz="3600" kern="1200"/>
         </a:p>
       </dsp:txBody>
       <dsp:txXfrm>
-        <a:off x="5457846" y="1130345"/>
-        <a:ext cx="968867" cy="968867"/>
+        <a:off x="5675841" y="1130345"/>
+        <a:ext cx="532877" cy="729072"/>
       </dsp:txXfrm>
     </dsp:sp>
     <dsp:sp modelId="{67F047E0-4DCD-46C8-890A-43BC0C40B153}">
@@ -8193,7 +9328,7 @@
           <a:schemeClr val="accent4">
             <a:tint val="40000"/>
             <a:alpha val="90000"/>
-            <a:hueOff val="20658457"/>
+            <a:hueOff val="20658461"/>
             <a:satOff val="-11248"/>
             <a:lumOff val="1474"/>
             <a:alphaOff val="0"/>
@@ -8204,7 +9339,7 @@
             <a:schemeClr val="accent4">
               <a:tint val="40000"/>
               <a:alpha val="90000"/>
-              <a:hueOff val="20658457"/>
+              <a:hueOff val="20658461"/>
               <a:satOff val="-11248"/>
               <a:lumOff val="1474"/>
               <a:alphaOff val="0"/>
@@ -8232,7 +9367,7 @@
         </a:bodyPr>
         <a:lstStyle/>
         <a:p>
-          <a:pPr lvl="0" algn="ctr" defTabSz="1600200">
+          <a:pPr marL="0" lvl="0" indent="0" algn="ctr" defTabSz="1600200">
             <a:lnSpc>
               <a:spcPct val="90000"/>
             </a:lnSpc>
@@ -8242,27 +9377,620 @@
             <a:spcAft>
               <a:spcPct val="35000"/>
             </a:spcAft>
+            <a:buNone/>
           </a:pPr>
           <a:endParaRPr lang="zh-CN" altLang="en-US" sz="3600" kern="1200"/>
         </a:p>
       </dsp:txBody>
       <dsp:txXfrm>
-        <a:off x="6024909" y="2859401"/>
-        <a:ext cx="968867" cy="968867"/>
+        <a:off x="6242904" y="2859401"/>
+        <a:ext cx="532877" cy="729072"/>
       </dsp:txXfrm>
     </dsp:sp>
   </dsp:spTree>
 </dsp:drawing>
 </file>
 
-<file path=ppt/diagrams/drawing5.xml><?xml version="1.0" encoding="utf-8"?>
-<dsp:drawing xmlns:dgm="http://schemas.openxmlformats.org/drawingml/2006/diagram" xmlns:a="http://schemas.openxmlformats.org/drawingml/2006/main" xmlns:dsp="http://schemas.microsoft.com/office/drawing/2008/diagram">
+<file path=ppt/diagrams/drawing6.xml><?xml version="1.0" encoding="utf-8"?>
+<dsp:drawing xmlns:dgm="http://schemas.openxmlformats.org/drawingml/2006/diagram" xmlns:dsp="http://schemas.microsoft.com/office/drawing/2008/diagram" xmlns:a="http://schemas.openxmlformats.org/drawingml/2006/main">
   <dsp:spTree>
     <dsp:nvGrpSpPr>
       <dsp:cNvPr id="0" name=""/>
       <dsp:cNvGrpSpPr/>
     </dsp:nvGrpSpPr>
     <dsp:grpSpPr/>
+    <dsp:sp modelId="{FD170419-7D18-491B-8212-B84A0D5B5B04}">
+      <dsp:nvSpPr>
+        <dsp:cNvPr id="0" name=""/>
+        <dsp:cNvSpPr/>
+      </dsp:nvSpPr>
+      <dsp:spPr>
+        <a:xfrm>
+          <a:off x="0" y="43204"/>
+          <a:ext cx="4882142" cy="4882142"/>
+        </a:xfrm>
+        <a:prstGeom prst="pie">
+          <a:avLst>
+            <a:gd name="adj1" fmla="val 5400000"/>
+            <a:gd name="adj2" fmla="val 16200000"/>
+          </a:avLst>
+        </a:prstGeom>
+        <a:solidFill>
+          <a:schemeClr val="accent1">
+            <a:hueOff val="0"/>
+            <a:satOff val="0"/>
+            <a:lumOff val="0"/>
+            <a:alphaOff val="0"/>
+          </a:schemeClr>
+        </a:solidFill>
+        <a:ln w="12700" cap="flat" cmpd="sng" algn="ctr">
+          <a:solidFill>
+            <a:schemeClr val="lt1">
+              <a:hueOff val="0"/>
+              <a:satOff val="0"/>
+              <a:lumOff val="0"/>
+              <a:alphaOff val="0"/>
+            </a:schemeClr>
+          </a:solidFill>
+          <a:prstDash val="solid"/>
+        </a:ln>
+        <a:effectLst/>
+      </dsp:spPr>
+      <dsp:style>
+        <a:lnRef idx="2">
+          <a:scrgbClr r="0" g="0" b="0"/>
+        </a:lnRef>
+        <a:fillRef idx="1">
+          <a:scrgbClr r="0" g="0" b="0"/>
+        </a:fillRef>
+        <a:effectRef idx="0">
+          <a:scrgbClr r="0" g="0" b="0"/>
+        </a:effectRef>
+        <a:fontRef idx="minor">
+          <a:schemeClr val="lt1"/>
+        </a:fontRef>
+      </dsp:style>
+    </dsp:sp>
+    <dsp:sp modelId="{ACAC7D86-B4FC-4AF4-9A1A-AA42BBF2761A}">
+      <dsp:nvSpPr>
+        <dsp:cNvPr id="0" name=""/>
+        <dsp:cNvSpPr/>
+      </dsp:nvSpPr>
+      <dsp:spPr>
+        <a:xfrm>
+          <a:off x="2441071" y="43204"/>
+          <a:ext cx="5695832" cy="4882142"/>
+        </a:xfrm>
+        <a:prstGeom prst="rect">
+          <a:avLst/>
+        </a:prstGeom>
+        <a:solidFill>
+          <a:schemeClr val="lt1">
+            <a:alpha val="90000"/>
+            <a:hueOff val="0"/>
+            <a:satOff val="0"/>
+            <a:lumOff val="0"/>
+            <a:alphaOff val="0"/>
+          </a:schemeClr>
+        </a:solidFill>
+        <a:ln w="12700" cap="flat" cmpd="sng" algn="ctr">
+          <a:solidFill>
+            <a:schemeClr val="accent1">
+              <a:hueOff val="0"/>
+              <a:satOff val="0"/>
+              <a:lumOff val="0"/>
+              <a:alphaOff val="0"/>
+            </a:schemeClr>
+          </a:solidFill>
+          <a:prstDash val="solid"/>
+        </a:ln>
+        <a:effectLst/>
+      </dsp:spPr>
+      <dsp:style>
+        <a:lnRef idx="2">
+          <a:scrgbClr r="0" g="0" b="0"/>
+        </a:lnRef>
+        <a:fillRef idx="1">
+          <a:scrgbClr r="0" g="0" b="0"/>
+        </a:fillRef>
+        <a:effectRef idx="0">
+          <a:scrgbClr r="0" g="0" b="0"/>
+        </a:effectRef>
+        <a:fontRef idx="minor"/>
+      </dsp:style>
+      <dsp:txBody>
+        <a:bodyPr spcFirstLastPara="0" vert="horz" wrap="square" lIns="152400" tIns="152400" rIns="152400" bIns="152400" numCol="1" spcCol="1270" anchor="ctr" anchorCtr="0">
+          <a:noAutofit/>
+        </a:bodyPr>
+        <a:lstStyle/>
+        <a:p>
+          <a:pPr marL="0" lvl="0" indent="0" algn="ctr" defTabSz="1778000">
+            <a:lnSpc>
+              <a:spcPct val="90000"/>
+            </a:lnSpc>
+            <a:spcBef>
+              <a:spcPct val="0"/>
+            </a:spcBef>
+            <a:spcAft>
+              <a:spcPct val="35000"/>
+            </a:spcAft>
+            <a:buNone/>
+          </a:pPr>
+          <a:r>
+            <a:rPr lang="zh-CN" altLang="en-US" sz="4000" kern="1200" dirty="0"/>
+            <a:t>远程数据交互</a:t>
+          </a:r>
+        </a:p>
+      </dsp:txBody>
+      <dsp:txXfrm>
+        <a:off x="2441071" y="43204"/>
+        <a:ext cx="2847916" cy="2319017"/>
+      </dsp:txXfrm>
+    </dsp:sp>
+    <dsp:sp modelId="{5909D035-F6E2-4096-A89D-38EA1C02A33E}">
+      <dsp:nvSpPr>
+        <dsp:cNvPr id="0" name=""/>
+        <dsp:cNvSpPr/>
+      </dsp:nvSpPr>
+      <dsp:spPr>
+        <a:xfrm>
+          <a:off x="1281562" y="2362222"/>
+          <a:ext cx="2319017" cy="2319017"/>
+        </a:xfrm>
+        <a:prstGeom prst="pie">
+          <a:avLst>
+            <a:gd name="adj1" fmla="val 5400000"/>
+            <a:gd name="adj2" fmla="val 16200000"/>
+          </a:avLst>
+        </a:prstGeom>
+        <a:solidFill>
+          <a:schemeClr val="accent1">
+            <a:hueOff val="0"/>
+            <a:satOff val="0"/>
+            <a:lumOff val="0"/>
+            <a:alphaOff val="0"/>
+          </a:schemeClr>
+        </a:solidFill>
+        <a:ln w="12700" cap="flat" cmpd="sng" algn="ctr">
+          <a:solidFill>
+            <a:schemeClr val="lt1">
+              <a:hueOff val="0"/>
+              <a:satOff val="0"/>
+              <a:lumOff val="0"/>
+              <a:alphaOff val="0"/>
+            </a:schemeClr>
+          </a:solidFill>
+          <a:prstDash val="solid"/>
+        </a:ln>
+        <a:effectLst/>
+      </dsp:spPr>
+      <dsp:style>
+        <a:lnRef idx="2">
+          <a:scrgbClr r="0" g="0" b="0"/>
+        </a:lnRef>
+        <a:fillRef idx="1">
+          <a:scrgbClr r="0" g="0" b="0"/>
+        </a:fillRef>
+        <a:effectRef idx="0">
+          <a:scrgbClr r="0" g="0" b="0"/>
+        </a:effectRef>
+        <a:fontRef idx="minor">
+          <a:schemeClr val="lt1"/>
+        </a:fontRef>
+      </dsp:style>
+    </dsp:sp>
+    <dsp:sp modelId="{EFC8429E-EE54-49F7-9101-FFEABDC5760B}">
+      <dsp:nvSpPr>
+        <dsp:cNvPr id="0" name=""/>
+        <dsp:cNvSpPr/>
+      </dsp:nvSpPr>
+      <dsp:spPr>
+        <a:xfrm>
+          <a:off x="2441071" y="2362222"/>
+          <a:ext cx="5695832" cy="2319017"/>
+        </a:xfrm>
+        <a:prstGeom prst="rect">
+          <a:avLst/>
+        </a:prstGeom>
+        <a:solidFill>
+          <a:schemeClr val="lt1">
+            <a:alpha val="90000"/>
+            <a:hueOff val="0"/>
+            <a:satOff val="0"/>
+            <a:lumOff val="0"/>
+            <a:alphaOff val="0"/>
+          </a:schemeClr>
+        </a:solidFill>
+        <a:ln w="12700" cap="flat" cmpd="sng" algn="ctr">
+          <a:solidFill>
+            <a:schemeClr val="accent1">
+              <a:hueOff val="0"/>
+              <a:satOff val="0"/>
+              <a:lumOff val="0"/>
+              <a:alphaOff val="0"/>
+            </a:schemeClr>
+          </a:solidFill>
+          <a:prstDash val="solid"/>
+        </a:ln>
+        <a:effectLst/>
+      </dsp:spPr>
+      <dsp:style>
+        <a:lnRef idx="2">
+          <a:scrgbClr r="0" g="0" b="0"/>
+        </a:lnRef>
+        <a:fillRef idx="1">
+          <a:scrgbClr r="0" g="0" b="0"/>
+        </a:fillRef>
+        <a:effectRef idx="0">
+          <a:scrgbClr r="0" g="0" b="0"/>
+        </a:effectRef>
+        <a:fontRef idx="minor"/>
+      </dsp:style>
+      <dsp:txBody>
+        <a:bodyPr spcFirstLastPara="0" vert="horz" wrap="square" lIns="152400" tIns="152400" rIns="152400" bIns="152400" numCol="1" spcCol="1270" anchor="ctr" anchorCtr="0">
+          <a:noAutofit/>
+        </a:bodyPr>
+        <a:lstStyle/>
+        <a:p>
+          <a:pPr marL="0" lvl="0" indent="0" algn="ctr" defTabSz="1778000">
+            <a:lnSpc>
+              <a:spcPct val="90000"/>
+            </a:lnSpc>
+            <a:spcBef>
+              <a:spcPct val="0"/>
+            </a:spcBef>
+            <a:spcAft>
+              <a:spcPct val="35000"/>
+            </a:spcAft>
+            <a:buNone/>
+          </a:pPr>
+          <a:r>
+            <a:rPr lang="zh-CN" altLang="en-US" sz="4000" kern="1200" dirty="0"/>
+            <a:t>本地数据存储</a:t>
+          </a:r>
+        </a:p>
+      </dsp:txBody>
+      <dsp:txXfrm>
+        <a:off x="2441071" y="2362222"/>
+        <a:ext cx="2847916" cy="2319017"/>
+      </dsp:txXfrm>
+    </dsp:sp>
+    <dsp:sp modelId="{23640AAC-B749-4ADC-A4AA-9A59DE889370}">
+      <dsp:nvSpPr>
+        <dsp:cNvPr id="0" name=""/>
+        <dsp:cNvSpPr/>
+      </dsp:nvSpPr>
+      <dsp:spPr>
+        <a:xfrm>
+          <a:off x="5288987" y="43204"/>
+          <a:ext cx="2847916" cy="2319017"/>
+        </a:xfrm>
+        <a:prstGeom prst="rect">
+          <a:avLst/>
+        </a:prstGeom>
+        <a:noFill/>
+        <a:ln w="12700" cap="flat" cmpd="sng" algn="ctr">
+          <a:noFill/>
+          <a:prstDash val="solid"/>
+        </a:ln>
+        <a:effectLst/>
+        <a:sp3d/>
+      </dsp:spPr>
+      <dsp:style>
+        <a:lnRef idx="2">
+          <a:scrgbClr r="0" g="0" b="0"/>
+        </a:lnRef>
+        <a:fillRef idx="1">
+          <a:scrgbClr r="0" g="0" b="0"/>
+        </a:fillRef>
+        <a:effectRef idx="0">
+          <a:scrgbClr r="0" g="0" b="0"/>
+        </a:effectRef>
+        <a:fontRef idx="minor"/>
+      </dsp:style>
+      <dsp:txBody>
+        <a:bodyPr spcFirstLastPara="0" vert="horz" wrap="square" lIns="57150" tIns="57150" rIns="57150" bIns="57150" numCol="1" spcCol="1270" anchor="ctr" anchorCtr="0">
+          <a:noAutofit/>
+        </a:bodyPr>
+        <a:lstStyle/>
+        <a:p>
+          <a:pPr marL="114300" lvl="1" indent="-114300" algn="l" defTabSz="666750">
+            <a:lnSpc>
+              <a:spcPct val="90000"/>
+            </a:lnSpc>
+            <a:spcBef>
+              <a:spcPct val="0"/>
+            </a:spcBef>
+            <a:spcAft>
+              <a:spcPct val="15000"/>
+            </a:spcAft>
+            <a:buChar char="•"/>
+          </a:pPr>
+          <a:r>
+            <a:rPr lang="zh-CN" altLang="en-US" sz="1500" kern="1200" dirty="0"/>
+            <a:t>远程数据获取（</a:t>
+          </a:r>
+          <a:r>
+            <a:rPr lang="en-US" altLang="zh-CN" sz="1500" kern="1200" dirty="0"/>
+            <a:t>SOAP</a:t>
+          </a:r>
+          <a:r>
+            <a:rPr lang="zh-CN" altLang="en-US" sz="1500" kern="1200" dirty="0"/>
+            <a:t>）</a:t>
+          </a:r>
+        </a:p>
+        <a:p>
+          <a:pPr marL="114300" lvl="1" indent="-114300" algn="l" defTabSz="666750">
+            <a:lnSpc>
+              <a:spcPct val="90000"/>
+            </a:lnSpc>
+            <a:spcBef>
+              <a:spcPct val="0"/>
+            </a:spcBef>
+            <a:spcAft>
+              <a:spcPct val="15000"/>
+            </a:spcAft>
+            <a:buChar char="•"/>
+          </a:pPr>
+          <a:r>
+            <a:rPr lang="zh-CN" altLang="en-US" sz="1500" kern="1200" dirty="0"/>
+            <a:t>解析远程数据</a:t>
+          </a:r>
+        </a:p>
+        <a:p>
+          <a:pPr marL="114300" lvl="1" indent="-114300" algn="l" defTabSz="666750">
+            <a:lnSpc>
+              <a:spcPct val="90000"/>
+            </a:lnSpc>
+            <a:spcBef>
+              <a:spcPct val="0"/>
+            </a:spcBef>
+            <a:spcAft>
+              <a:spcPct val="15000"/>
+            </a:spcAft>
+            <a:buChar char="•"/>
+          </a:pPr>
+          <a:r>
+            <a:rPr lang="zh-CN" altLang="en-US" sz="1500" kern="1200" dirty="0"/>
+            <a:t>异步同步</a:t>
+          </a:r>
+        </a:p>
+        <a:p>
+          <a:pPr marL="114300" lvl="1" indent="-114300" algn="l" defTabSz="666750">
+            <a:lnSpc>
+              <a:spcPct val="90000"/>
+            </a:lnSpc>
+            <a:spcBef>
+              <a:spcPct val="0"/>
+            </a:spcBef>
+            <a:spcAft>
+              <a:spcPct val="15000"/>
+            </a:spcAft>
+            <a:buChar char="•"/>
+          </a:pPr>
+          <a:r>
+            <a:rPr lang="en-US" altLang="en-US" sz="1500" kern="1200" dirty="0"/>
+            <a:t>WIFI</a:t>
+          </a:r>
+          <a:endParaRPr lang="zh-CN" altLang="en-US" sz="1500" kern="1200" dirty="0"/>
+        </a:p>
+        <a:p>
+          <a:pPr marL="114300" lvl="1" indent="-114300" algn="l" defTabSz="666750">
+            <a:lnSpc>
+              <a:spcPct val="90000"/>
+            </a:lnSpc>
+            <a:spcBef>
+              <a:spcPct val="0"/>
+            </a:spcBef>
+            <a:spcAft>
+              <a:spcPct val="15000"/>
+            </a:spcAft>
+            <a:buChar char="•"/>
+          </a:pPr>
+          <a:r>
+            <a:rPr lang="zh-CN" altLang="en-US" sz="1500" kern="1200" dirty="0"/>
+            <a:t>只获取有更新数据</a:t>
+          </a:r>
+        </a:p>
+        <a:p>
+          <a:pPr marL="114300" lvl="1" indent="-114300" algn="l" defTabSz="666750">
+            <a:lnSpc>
+              <a:spcPct val="90000"/>
+            </a:lnSpc>
+            <a:spcBef>
+              <a:spcPct val="0"/>
+            </a:spcBef>
+            <a:spcAft>
+              <a:spcPct val="15000"/>
+            </a:spcAft>
+            <a:buChar char="•"/>
+          </a:pPr>
+          <a:r>
+            <a:rPr lang="zh-CN" altLang="en-US" sz="1500" kern="1200" dirty="0"/>
+            <a:t>数据安全</a:t>
+          </a:r>
+        </a:p>
+        <a:p>
+          <a:pPr marL="114300" lvl="1" indent="-114300" algn="l" defTabSz="666750">
+            <a:lnSpc>
+              <a:spcPct val="90000"/>
+            </a:lnSpc>
+            <a:spcBef>
+              <a:spcPct val="0"/>
+            </a:spcBef>
+            <a:spcAft>
+              <a:spcPct val="15000"/>
+            </a:spcAft>
+            <a:buChar char="•"/>
+          </a:pPr>
+          <a:r>
+            <a:rPr lang="zh-CN" altLang="en-US" sz="1500" kern="1200" dirty="0"/>
+            <a:t>定时器</a:t>
+          </a:r>
+        </a:p>
+        <a:p>
+          <a:pPr marL="114300" lvl="1" indent="-114300" algn="l" defTabSz="666750">
+            <a:lnSpc>
+              <a:spcPct val="90000"/>
+            </a:lnSpc>
+            <a:spcBef>
+              <a:spcPct val="0"/>
+            </a:spcBef>
+            <a:spcAft>
+              <a:spcPct val="15000"/>
+            </a:spcAft>
+            <a:buChar char="•"/>
+          </a:pPr>
+          <a:r>
+            <a:rPr lang="zh-CN" altLang="en-US" sz="1500" kern="1200" dirty="0"/>
+            <a:t>流量控制</a:t>
+          </a:r>
+        </a:p>
+      </dsp:txBody>
+      <dsp:txXfrm>
+        <a:off x="5288987" y="43204"/>
+        <a:ext cx="2847916" cy="2319017"/>
+      </dsp:txXfrm>
+    </dsp:sp>
+    <dsp:sp modelId="{550A9515-DB73-4908-9A85-1A2920082CAA}">
+      <dsp:nvSpPr>
+        <dsp:cNvPr id="0" name=""/>
+        <dsp:cNvSpPr/>
+      </dsp:nvSpPr>
+      <dsp:spPr>
+        <a:xfrm>
+          <a:off x="5288987" y="2362222"/>
+          <a:ext cx="2847916" cy="2319017"/>
+        </a:xfrm>
+        <a:prstGeom prst="rect">
+          <a:avLst/>
+        </a:prstGeom>
+        <a:noFill/>
+        <a:ln w="12700" cap="flat" cmpd="sng" algn="ctr">
+          <a:noFill/>
+          <a:prstDash val="solid"/>
+        </a:ln>
+        <a:effectLst/>
+        <a:sp3d/>
+      </dsp:spPr>
+      <dsp:style>
+        <a:lnRef idx="2">
+          <a:scrgbClr r="0" g="0" b="0"/>
+        </a:lnRef>
+        <a:fillRef idx="1">
+          <a:scrgbClr r="0" g="0" b="0"/>
+        </a:fillRef>
+        <a:effectRef idx="0">
+          <a:scrgbClr r="0" g="0" b="0"/>
+        </a:effectRef>
+        <a:fontRef idx="minor"/>
+      </dsp:style>
+      <dsp:txBody>
+        <a:bodyPr spcFirstLastPara="0" vert="horz" wrap="square" lIns="57150" tIns="57150" rIns="57150" bIns="57150" numCol="1" spcCol="1270" anchor="ctr" anchorCtr="0">
+          <a:noAutofit/>
+        </a:bodyPr>
+        <a:lstStyle/>
+        <a:p>
+          <a:pPr marL="114300" lvl="1" indent="-114300" algn="l" defTabSz="666750">
+            <a:lnSpc>
+              <a:spcPct val="90000"/>
+            </a:lnSpc>
+            <a:spcBef>
+              <a:spcPct val="0"/>
+            </a:spcBef>
+            <a:spcAft>
+              <a:spcPct val="15000"/>
+            </a:spcAft>
+            <a:buChar char="•"/>
+          </a:pPr>
+          <a:r>
+            <a:rPr lang="zh-CN" altLang="en-US" sz="1500" kern="1200" dirty="0"/>
+            <a:t>数据库读写</a:t>
+          </a:r>
+        </a:p>
+        <a:p>
+          <a:pPr marL="114300" lvl="1" indent="-114300" algn="l" defTabSz="666750">
+            <a:lnSpc>
+              <a:spcPct val="90000"/>
+            </a:lnSpc>
+            <a:spcBef>
+              <a:spcPct val="0"/>
+            </a:spcBef>
+            <a:spcAft>
+              <a:spcPct val="15000"/>
+            </a:spcAft>
+            <a:buChar char="•"/>
+          </a:pPr>
+          <a:r>
+            <a:rPr lang="en-US" altLang="en-US" sz="1500" kern="1200" dirty="0"/>
+            <a:t>SQL</a:t>
+          </a:r>
+          <a:r>
+            <a:rPr lang="zh-CN" altLang="en-US" sz="1500" kern="1200" dirty="0"/>
+            <a:t>增删查改编码</a:t>
+          </a:r>
+        </a:p>
+        <a:p>
+          <a:pPr marL="114300" lvl="1" indent="-114300" algn="l" defTabSz="666750">
+            <a:lnSpc>
+              <a:spcPct val="90000"/>
+            </a:lnSpc>
+            <a:spcBef>
+              <a:spcPct val="0"/>
+            </a:spcBef>
+            <a:spcAft>
+              <a:spcPct val="15000"/>
+            </a:spcAft>
+            <a:buChar char="•"/>
+          </a:pPr>
+          <a:r>
+            <a:rPr lang="zh-CN" altLang="en-US" sz="1500" kern="1200" dirty="0"/>
+            <a:t>离线数据读取</a:t>
+          </a:r>
+        </a:p>
+        <a:p>
+          <a:pPr marL="114300" lvl="1" indent="-114300" algn="l" defTabSz="666750">
+            <a:lnSpc>
+              <a:spcPct val="90000"/>
+            </a:lnSpc>
+            <a:spcBef>
+              <a:spcPct val="0"/>
+            </a:spcBef>
+            <a:spcAft>
+              <a:spcPct val="15000"/>
+            </a:spcAft>
+            <a:buChar char="•"/>
+          </a:pPr>
+          <a:r>
+            <a:rPr lang="zh-CN" altLang="en-US" sz="1500" kern="1200" dirty="0"/>
+            <a:t>数据对象编码</a:t>
+          </a:r>
+        </a:p>
+        <a:p>
+          <a:pPr marL="114300" lvl="1" indent="-114300" algn="l" defTabSz="666750">
+            <a:lnSpc>
+              <a:spcPct val="90000"/>
+            </a:lnSpc>
+            <a:spcBef>
+              <a:spcPct val="0"/>
+            </a:spcBef>
+            <a:spcAft>
+              <a:spcPct val="15000"/>
+            </a:spcAft>
+            <a:buChar char="•"/>
+          </a:pPr>
+          <a:r>
+            <a:rPr lang="zh-CN" altLang="en-US" sz="1500" kern="1200"/>
+            <a:t>数据分页读取</a:t>
+          </a:r>
+          <a:endParaRPr lang="zh-CN" altLang="en-US" sz="1500" kern="1200" dirty="0"/>
+        </a:p>
+      </dsp:txBody>
+      <dsp:txXfrm>
+        <a:off x="5288987" y="2362222"/>
+        <a:ext cx="2847916" cy="2319017"/>
+      </dsp:txXfrm>
+    </dsp:sp>
   </dsp:spTree>
 </dsp:drawing>
 </file>
@@ -8417,6 +10145,155 @@
 </file>
 
 <file path=ppt/diagrams/layout2.xml><?xml version="1.0" encoding="utf-8"?>
+<dgm:layoutDef xmlns:dgm="http://schemas.openxmlformats.org/drawingml/2006/diagram" xmlns:a="http://schemas.openxmlformats.org/drawingml/2006/main" uniqueId="urn:microsoft.com/office/officeart/2005/8/layout/process2">
+  <dgm:title val=""/>
+  <dgm:desc val=""/>
+  <dgm:catLst>
+    <dgm:cat type="process" pri="13000"/>
+  </dgm:catLst>
+  <dgm:sampData useDef="1">
+    <dgm:dataModel>
+      <dgm:ptLst/>
+      <dgm:bg/>
+      <dgm:whole/>
+    </dgm:dataModel>
+  </dgm:sampData>
+  <dgm:styleData>
+    <dgm:dataModel>
+      <dgm:ptLst>
+        <dgm:pt modelId="0" type="doc"/>
+        <dgm:pt modelId="1"/>
+        <dgm:pt modelId="2"/>
+      </dgm:ptLst>
+      <dgm:cxnLst>
+        <dgm:cxn modelId="3" srcId="0" destId="1" srcOrd="0" destOrd="0"/>
+        <dgm:cxn modelId="4" srcId="0" destId="2" srcOrd="1" destOrd="0"/>
+      </dgm:cxnLst>
+      <dgm:bg/>
+      <dgm:whole/>
+    </dgm:dataModel>
+  </dgm:styleData>
+  <dgm:clrData>
+    <dgm:dataModel>
+      <dgm:ptLst>
+        <dgm:pt modelId="0" type="doc"/>
+        <dgm:pt modelId="1"/>
+        <dgm:pt modelId="2"/>
+        <dgm:pt modelId="3"/>
+        <dgm:pt modelId="4"/>
+      </dgm:ptLst>
+      <dgm:cxnLst>
+        <dgm:cxn modelId="5" srcId="0" destId="1" srcOrd="0" destOrd="0"/>
+        <dgm:cxn modelId="6" srcId="0" destId="2" srcOrd="1" destOrd="0"/>
+        <dgm:cxn modelId="7" srcId="0" destId="3" srcOrd="2" destOrd="0"/>
+        <dgm:cxn modelId="8" srcId="0" destId="4" srcOrd="3" destOrd="0"/>
+      </dgm:cxnLst>
+      <dgm:bg/>
+      <dgm:whole/>
+    </dgm:dataModel>
+  </dgm:clrData>
+  <dgm:layoutNode name="linearFlow">
+    <dgm:varLst>
+      <dgm:resizeHandles val="exact"/>
+    </dgm:varLst>
+    <dgm:alg type="lin">
+      <dgm:param type="linDir" val="fromT"/>
+    </dgm:alg>
+    <dgm:shape xmlns:r="http://schemas.openxmlformats.org/officeDocument/2006/relationships" r:blip="">
+      <dgm:adjLst/>
+    </dgm:shape>
+    <dgm:presOf/>
+    <dgm:constrLst>
+      <dgm:constr type="h" for="ch" ptType="node" refType="h"/>
+      <dgm:constr type="h" for="ch" ptType="sibTrans" refType="h" refFor="ch" refPtType="node" fact="0.5"/>
+      <dgm:constr type="w" for="ch" ptType="node" op="equ"/>
+      <dgm:constr type="primFontSz" for="ch" ptType="node" op="equ" val="65"/>
+      <dgm:constr type="primFontSz" for="des" forName="connectorText" op="equ" val="55"/>
+      <dgm:constr type="primFontSz" for="des" forName="connectorText" refType="primFontSz" refFor="ch" refPtType="node" op="lte" fact="0.8"/>
+    </dgm:constrLst>
+    <dgm:ruleLst/>
+    <dgm:forEach name="nodesForEach" axis="ch" ptType="node">
+      <dgm:layoutNode name="node">
+        <dgm:varLst>
+          <dgm:bulletEnabled val="1"/>
+        </dgm:varLst>
+        <dgm:choose name="Name0">
+          <dgm:if name="Name1" axis="root des" ptType="all node" func="maxDepth" op="gt" val="1">
+            <dgm:alg type="tx">
+              <dgm:param type="parTxLTRAlign" val="l"/>
+              <dgm:param type="parTxRTLAlign" val="r"/>
+              <dgm:param type="txAnchorVertCh" val="mid"/>
+            </dgm:alg>
+          </dgm:if>
+          <dgm:else name="Name2">
+            <dgm:alg type="tx"/>
+          </dgm:else>
+        </dgm:choose>
+        <dgm:shape xmlns:r="http://schemas.openxmlformats.org/officeDocument/2006/relationships" type="roundRect" r:blip="">
+          <dgm:adjLst>
+            <dgm:adj idx="1" val="0.1"/>
+          </dgm:adjLst>
+        </dgm:shape>
+        <dgm:presOf axis="desOrSelf" ptType="node"/>
+        <dgm:constrLst>
+          <dgm:constr type="w" refType="h" fact="1.8"/>
+          <dgm:constr type="tMarg" refType="primFontSz" fact="0.3"/>
+          <dgm:constr type="bMarg" refType="primFontSz" fact="0.3"/>
+          <dgm:constr type="lMarg" refType="primFontSz" fact="0.3"/>
+          <dgm:constr type="rMarg" refType="primFontSz" fact="0.3"/>
+        </dgm:constrLst>
+        <dgm:ruleLst>
+          <dgm:rule type="primFontSz" val="18" fact="NaN" max="NaN"/>
+          <dgm:rule type="w" val="NaN" fact="4" max="NaN"/>
+          <dgm:rule type="primFontSz" val="5" fact="NaN" max="NaN"/>
+        </dgm:ruleLst>
+      </dgm:layoutNode>
+      <dgm:forEach name="sibTransForEach" axis="followSib" ptType="sibTrans" cnt="1">
+        <dgm:layoutNode name="sibTrans">
+          <dgm:alg type="conn">
+            <dgm:param type="begPts" val="auto"/>
+            <dgm:param type="endPts" val="auto"/>
+          </dgm:alg>
+          <dgm:shape xmlns:r="http://schemas.openxmlformats.org/officeDocument/2006/relationships" type="conn" r:blip="">
+            <dgm:adjLst/>
+          </dgm:shape>
+          <dgm:presOf axis="self"/>
+          <dgm:constrLst>
+            <dgm:constr type="w" refType="h" fact="0.9"/>
+            <dgm:constr type="connDist"/>
+            <dgm:constr type="wArH" refType="w" fact="0.5"/>
+            <dgm:constr type="hArH" refType="w"/>
+            <dgm:constr type="stemThick" refType="w" fact="0.6"/>
+            <dgm:constr type="begPad" refType="connDist" fact="0.125"/>
+            <dgm:constr type="endPad" refType="connDist" fact="0.125"/>
+          </dgm:constrLst>
+          <dgm:ruleLst/>
+          <dgm:layoutNode name="connectorText">
+            <dgm:alg type="tx">
+              <dgm:param type="autoTxRot" val="upr"/>
+            </dgm:alg>
+            <dgm:shape xmlns:r="http://schemas.openxmlformats.org/officeDocument/2006/relationships" type="conn" r:blip="" hideGeom="1">
+              <dgm:adjLst/>
+            </dgm:shape>
+            <dgm:presOf axis="self"/>
+            <dgm:constrLst>
+              <dgm:constr type="lMarg"/>
+              <dgm:constr type="rMarg"/>
+              <dgm:constr type="tMarg"/>
+              <dgm:constr type="bMarg"/>
+            </dgm:constrLst>
+            <dgm:ruleLst>
+              <dgm:rule type="primFontSz" val="5" fact="NaN" max="NaN"/>
+            </dgm:ruleLst>
+          </dgm:layoutNode>
+        </dgm:layoutNode>
+      </dgm:forEach>
+    </dgm:forEach>
+  </dgm:layoutNode>
+</dgm:layoutDef>
+</file>
+
+<file path=ppt/diagrams/layout3.xml><?xml version="1.0" encoding="utf-8"?>
 <dgm:layoutDef xmlns:dgm="http://schemas.openxmlformats.org/drawingml/2006/diagram" xmlns:a="http://schemas.openxmlformats.org/drawingml/2006/main" uniqueId="urn:microsoft.com/office/officeart/2005/8/layout/matrix1">
   <dgm:title val=""/>
   <dgm:desc val=""/>
@@ -8793,7 +10670,7 @@
 </dgm:layoutDef>
 </file>
 
-<file path=ppt/diagrams/layout3.xml><?xml version="1.0" encoding="utf-8"?>
+<file path=ppt/diagrams/layout4.xml><?xml version="1.0" encoding="utf-8"?>
 <dgm:layoutDef xmlns:dgm="http://schemas.openxmlformats.org/drawingml/2006/diagram" xmlns:a="http://schemas.openxmlformats.org/drawingml/2006/main" uniqueId="urn:microsoft.com/office/officeart/2005/8/layout/radial4">
   <dgm:title val=""/>
   <dgm:desc val=""/>
@@ -9053,7 +10930,7 @@
 </dgm:layoutDef>
 </file>
 
-<file path=ppt/diagrams/layout4.xml><?xml version="1.0" encoding="utf-8"?>
+<file path=ppt/diagrams/layout5.xml><?xml version="1.0" encoding="utf-8"?>
 <dgm:layoutDef xmlns:dgm="http://schemas.openxmlformats.org/drawingml/2006/diagram" xmlns:a="http://schemas.openxmlformats.org/drawingml/2006/main" uniqueId="urn:microsoft.com/office/officeart/2005/8/layout/vProcess5">
   <dgm:title val=""/>
   <dgm:desc val=""/>
@@ -10279,7 +12156,7 @@
 </dgm:layoutDef>
 </file>
 
-<file path=ppt/diagrams/layout5.xml><?xml version="1.0" encoding="utf-8"?>
+<file path=ppt/diagrams/layout6.xml><?xml version="1.0" encoding="utf-8"?>
 <dgm:layoutDef xmlns:dgm="http://schemas.openxmlformats.org/drawingml/2006/diagram" xmlns:a="http://schemas.openxmlformats.org/drawingml/2006/main" uniqueId="urn:microsoft.com/office/officeart/2005/8/layout/target3">
   <dgm:title val=""/>
   <dgm:desc val=""/>
@@ -17962,6 +19839,1040 @@
 </dgm:styleDef>
 </file>
 
+<file path=ppt/diagrams/quickStyle6.xml><?xml version="1.0" encoding="utf-8"?>
+<dgm:styleDef xmlns:dgm="http://schemas.openxmlformats.org/drawingml/2006/diagram" xmlns:a="http://schemas.openxmlformats.org/drawingml/2006/main" uniqueId="urn:microsoft.com/office/officeart/2005/8/quickstyle/simple1">
+  <dgm:title val=""/>
+  <dgm:desc val=""/>
+  <dgm:catLst>
+    <dgm:cat type="simple" pri="10100"/>
+  </dgm:catLst>
+  <dgm:scene3d>
+    <a:camera prst="orthographicFront"/>
+    <a:lightRig rig="threePt" dir="t"/>
+  </dgm:scene3d>
+  <dgm:styleLbl name="node0">
+    <dgm:scene3d>
+      <a:camera prst="orthographicFront"/>
+      <a:lightRig rig="threePt" dir="t"/>
+    </dgm:scene3d>
+    <dgm:sp3d/>
+    <dgm:txPr/>
+    <dgm:style>
+      <a:lnRef idx="2">
+        <a:scrgbClr r="0" g="0" b="0"/>
+      </a:lnRef>
+      <a:fillRef idx="1">
+        <a:scrgbClr r="0" g="0" b="0"/>
+      </a:fillRef>
+      <a:effectRef idx="0">
+        <a:scrgbClr r="0" g="0" b="0"/>
+      </a:effectRef>
+      <a:fontRef idx="minor">
+        <a:schemeClr val="lt1"/>
+      </a:fontRef>
+    </dgm:style>
+  </dgm:styleLbl>
+  <dgm:styleLbl name="lnNode1">
+    <dgm:scene3d>
+      <a:camera prst="orthographicFront"/>
+      <a:lightRig rig="threePt" dir="t"/>
+    </dgm:scene3d>
+    <dgm:sp3d/>
+    <dgm:txPr/>
+    <dgm:style>
+      <a:lnRef idx="2">
+        <a:scrgbClr r="0" g="0" b="0"/>
+      </a:lnRef>
+      <a:fillRef idx="1">
+        <a:scrgbClr r="0" g="0" b="0"/>
+      </a:fillRef>
+      <a:effectRef idx="0">
+        <a:scrgbClr r="0" g="0" b="0"/>
+      </a:effectRef>
+      <a:fontRef idx="minor">
+        <a:schemeClr val="lt1"/>
+      </a:fontRef>
+    </dgm:style>
+  </dgm:styleLbl>
+  <dgm:styleLbl name="vennNode1">
+    <dgm:scene3d>
+      <a:camera prst="orthographicFront"/>
+      <a:lightRig rig="threePt" dir="t"/>
+    </dgm:scene3d>
+    <dgm:sp3d/>
+    <dgm:txPr/>
+    <dgm:style>
+      <a:lnRef idx="2">
+        <a:scrgbClr r="0" g="0" b="0"/>
+      </a:lnRef>
+      <a:fillRef idx="1">
+        <a:scrgbClr r="0" g="0" b="0"/>
+      </a:fillRef>
+      <a:effectRef idx="0">
+        <a:scrgbClr r="0" g="0" b="0"/>
+      </a:effectRef>
+      <a:fontRef idx="minor">
+        <a:schemeClr val="tx1"/>
+      </a:fontRef>
+    </dgm:style>
+  </dgm:styleLbl>
+  <dgm:styleLbl name="alignNode1">
+    <dgm:scene3d>
+      <a:camera prst="orthographicFront"/>
+      <a:lightRig rig="threePt" dir="t"/>
+    </dgm:scene3d>
+    <dgm:sp3d/>
+    <dgm:txPr/>
+    <dgm:style>
+      <a:lnRef idx="2">
+        <a:scrgbClr r="0" g="0" b="0"/>
+      </a:lnRef>
+      <a:fillRef idx="1">
+        <a:scrgbClr r="0" g="0" b="0"/>
+      </a:fillRef>
+      <a:effectRef idx="0">
+        <a:scrgbClr r="0" g="0" b="0"/>
+      </a:effectRef>
+      <a:fontRef idx="minor">
+        <a:schemeClr val="lt1"/>
+      </a:fontRef>
+    </dgm:style>
+  </dgm:styleLbl>
+  <dgm:styleLbl name="node1">
+    <dgm:scene3d>
+      <a:camera prst="orthographicFront"/>
+      <a:lightRig rig="threePt" dir="t"/>
+    </dgm:scene3d>
+    <dgm:sp3d/>
+    <dgm:txPr/>
+    <dgm:style>
+      <a:lnRef idx="2">
+        <a:scrgbClr r="0" g="0" b="0"/>
+      </a:lnRef>
+      <a:fillRef idx="1">
+        <a:scrgbClr r="0" g="0" b="0"/>
+      </a:fillRef>
+      <a:effectRef idx="0">
+        <a:scrgbClr r="0" g="0" b="0"/>
+      </a:effectRef>
+      <a:fontRef idx="minor">
+        <a:schemeClr val="lt1"/>
+      </a:fontRef>
+    </dgm:style>
+  </dgm:styleLbl>
+  <dgm:styleLbl name="node2">
+    <dgm:scene3d>
+      <a:camera prst="orthographicFront"/>
+      <a:lightRig rig="threePt" dir="t"/>
+    </dgm:scene3d>
+    <dgm:sp3d/>
+    <dgm:txPr/>
+    <dgm:style>
+      <a:lnRef idx="2">
+        <a:scrgbClr r="0" g="0" b="0"/>
+      </a:lnRef>
+      <a:fillRef idx="1">
+        <a:scrgbClr r="0" g="0" b="0"/>
+      </a:fillRef>
+      <a:effectRef idx="0">
+        <a:scrgbClr r="0" g="0" b="0"/>
+      </a:effectRef>
+      <a:fontRef idx="minor">
+        <a:schemeClr val="lt1"/>
+      </a:fontRef>
+    </dgm:style>
+  </dgm:styleLbl>
+  <dgm:styleLbl name="node3">
+    <dgm:scene3d>
+      <a:camera prst="orthographicFront"/>
+      <a:lightRig rig="threePt" dir="t"/>
+    </dgm:scene3d>
+    <dgm:sp3d/>
+    <dgm:txPr/>
+    <dgm:style>
+      <a:lnRef idx="2">
+        <a:scrgbClr r="0" g="0" b="0"/>
+      </a:lnRef>
+      <a:fillRef idx="1">
+        <a:scrgbClr r="0" g="0" b="0"/>
+      </a:fillRef>
+      <a:effectRef idx="0">
+        <a:scrgbClr r="0" g="0" b="0"/>
+      </a:effectRef>
+      <a:fontRef idx="minor">
+        <a:schemeClr val="lt1"/>
+      </a:fontRef>
+    </dgm:style>
+  </dgm:styleLbl>
+  <dgm:styleLbl name="node4">
+    <dgm:scene3d>
+      <a:camera prst="orthographicFront"/>
+      <a:lightRig rig="threePt" dir="t"/>
+    </dgm:scene3d>
+    <dgm:sp3d/>
+    <dgm:txPr/>
+    <dgm:style>
+      <a:lnRef idx="2">
+        <a:scrgbClr r="0" g="0" b="0"/>
+      </a:lnRef>
+      <a:fillRef idx="1">
+        <a:scrgbClr r="0" g="0" b="0"/>
+      </a:fillRef>
+      <a:effectRef idx="0">
+        <a:scrgbClr r="0" g="0" b="0"/>
+      </a:effectRef>
+      <a:fontRef idx="minor">
+        <a:schemeClr val="lt1"/>
+      </a:fontRef>
+    </dgm:style>
+  </dgm:styleLbl>
+  <dgm:styleLbl name="fgImgPlace1">
+    <dgm:scene3d>
+      <a:camera prst="orthographicFront"/>
+      <a:lightRig rig="threePt" dir="t"/>
+    </dgm:scene3d>
+    <dgm:sp3d/>
+    <dgm:txPr/>
+    <dgm:style>
+      <a:lnRef idx="2">
+        <a:scrgbClr r="0" g="0" b="0"/>
+      </a:lnRef>
+      <a:fillRef idx="1">
+        <a:scrgbClr r="0" g="0" b="0"/>
+      </a:fillRef>
+      <a:effectRef idx="0">
+        <a:scrgbClr r="0" g="0" b="0"/>
+      </a:effectRef>
+      <a:fontRef idx="minor"/>
+    </dgm:style>
+  </dgm:styleLbl>
+  <dgm:styleLbl name="alignImgPlace1">
+    <dgm:scene3d>
+      <a:camera prst="orthographicFront"/>
+      <a:lightRig rig="threePt" dir="t"/>
+    </dgm:scene3d>
+    <dgm:sp3d/>
+    <dgm:txPr/>
+    <dgm:style>
+      <a:lnRef idx="2">
+        <a:scrgbClr r="0" g="0" b="0"/>
+      </a:lnRef>
+      <a:fillRef idx="1">
+        <a:scrgbClr r="0" g="0" b="0"/>
+      </a:fillRef>
+      <a:effectRef idx="0">
+        <a:scrgbClr r="0" g="0" b="0"/>
+      </a:effectRef>
+      <a:fontRef idx="minor"/>
+    </dgm:style>
+  </dgm:styleLbl>
+  <dgm:styleLbl name="bgImgPlace1">
+    <dgm:scene3d>
+      <a:camera prst="orthographicFront"/>
+      <a:lightRig rig="threePt" dir="t"/>
+    </dgm:scene3d>
+    <dgm:sp3d/>
+    <dgm:txPr/>
+    <dgm:style>
+      <a:lnRef idx="2">
+        <a:scrgbClr r="0" g="0" b="0"/>
+      </a:lnRef>
+      <a:fillRef idx="1">
+        <a:scrgbClr r="0" g="0" b="0"/>
+      </a:fillRef>
+      <a:effectRef idx="0">
+        <a:scrgbClr r="0" g="0" b="0"/>
+      </a:effectRef>
+      <a:fontRef idx="minor"/>
+    </dgm:style>
+  </dgm:styleLbl>
+  <dgm:styleLbl name="sibTrans2D1">
+    <dgm:scene3d>
+      <a:camera prst="orthographicFront"/>
+      <a:lightRig rig="threePt" dir="t"/>
+    </dgm:scene3d>
+    <dgm:sp3d/>
+    <dgm:txPr/>
+    <dgm:style>
+      <a:lnRef idx="0">
+        <a:scrgbClr r="0" g="0" b="0"/>
+      </a:lnRef>
+      <a:fillRef idx="1">
+        <a:scrgbClr r="0" g="0" b="0"/>
+      </a:fillRef>
+      <a:effectRef idx="0">
+        <a:scrgbClr r="0" g="0" b="0"/>
+      </a:effectRef>
+      <a:fontRef idx="minor">
+        <a:schemeClr val="lt1"/>
+      </a:fontRef>
+    </dgm:style>
+  </dgm:styleLbl>
+  <dgm:styleLbl name="fgSibTrans2D1">
+    <dgm:scene3d>
+      <a:camera prst="orthographicFront"/>
+      <a:lightRig rig="threePt" dir="t"/>
+    </dgm:scene3d>
+    <dgm:sp3d/>
+    <dgm:txPr/>
+    <dgm:style>
+      <a:lnRef idx="0">
+        <a:scrgbClr r="0" g="0" b="0"/>
+      </a:lnRef>
+      <a:fillRef idx="1">
+        <a:scrgbClr r="0" g="0" b="0"/>
+      </a:fillRef>
+      <a:effectRef idx="0">
+        <a:scrgbClr r="0" g="0" b="0"/>
+      </a:effectRef>
+      <a:fontRef idx="minor">
+        <a:schemeClr val="lt1"/>
+      </a:fontRef>
+    </dgm:style>
+  </dgm:styleLbl>
+  <dgm:styleLbl name="bgSibTrans2D1">
+    <dgm:scene3d>
+      <a:camera prst="orthographicFront"/>
+      <a:lightRig rig="threePt" dir="t"/>
+    </dgm:scene3d>
+    <dgm:sp3d/>
+    <dgm:txPr/>
+    <dgm:style>
+      <a:lnRef idx="0">
+        <a:scrgbClr r="0" g="0" b="0"/>
+      </a:lnRef>
+      <a:fillRef idx="1">
+        <a:scrgbClr r="0" g="0" b="0"/>
+      </a:fillRef>
+      <a:effectRef idx="0">
+        <a:scrgbClr r="0" g="0" b="0"/>
+      </a:effectRef>
+      <a:fontRef idx="minor">
+        <a:schemeClr val="lt1"/>
+      </a:fontRef>
+    </dgm:style>
+  </dgm:styleLbl>
+  <dgm:styleLbl name="sibTrans1D1">
+    <dgm:scene3d>
+      <a:camera prst="orthographicFront"/>
+      <a:lightRig rig="threePt" dir="t"/>
+    </dgm:scene3d>
+    <dgm:sp3d/>
+    <dgm:txPr/>
+    <dgm:style>
+      <a:lnRef idx="1">
+        <a:scrgbClr r="0" g="0" b="0"/>
+      </a:lnRef>
+      <a:fillRef idx="0">
+        <a:scrgbClr r="0" g="0" b="0"/>
+      </a:fillRef>
+      <a:effectRef idx="0">
+        <a:scrgbClr r="0" g="0" b="0"/>
+      </a:effectRef>
+      <a:fontRef idx="minor"/>
+    </dgm:style>
+  </dgm:styleLbl>
+  <dgm:styleLbl name="callout">
+    <dgm:scene3d>
+      <a:camera prst="orthographicFront"/>
+      <a:lightRig rig="threePt" dir="t"/>
+    </dgm:scene3d>
+    <dgm:sp3d/>
+    <dgm:txPr/>
+    <dgm:style>
+      <a:lnRef idx="2">
+        <a:scrgbClr r="0" g="0" b="0"/>
+      </a:lnRef>
+      <a:fillRef idx="1">
+        <a:scrgbClr r="0" g="0" b="0"/>
+      </a:fillRef>
+      <a:effectRef idx="0">
+        <a:scrgbClr r="0" g="0" b="0"/>
+      </a:effectRef>
+      <a:fontRef idx="minor"/>
+    </dgm:style>
+  </dgm:styleLbl>
+  <dgm:styleLbl name="asst0">
+    <dgm:scene3d>
+      <a:camera prst="orthographicFront"/>
+      <a:lightRig rig="threePt" dir="t"/>
+    </dgm:scene3d>
+    <dgm:sp3d/>
+    <dgm:txPr/>
+    <dgm:style>
+      <a:lnRef idx="2">
+        <a:scrgbClr r="0" g="0" b="0"/>
+      </a:lnRef>
+      <a:fillRef idx="1">
+        <a:scrgbClr r="0" g="0" b="0"/>
+      </a:fillRef>
+      <a:effectRef idx="0">
+        <a:scrgbClr r="0" g="0" b="0"/>
+      </a:effectRef>
+      <a:fontRef idx="minor">
+        <a:schemeClr val="lt1"/>
+      </a:fontRef>
+    </dgm:style>
+  </dgm:styleLbl>
+  <dgm:styleLbl name="asst1">
+    <dgm:scene3d>
+      <a:camera prst="orthographicFront"/>
+      <a:lightRig rig="threePt" dir="t"/>
+    </dgm:scene3d>
+    <dgm:sp3d/>
+    <dgm:txPr/>
+    <dgm:style>
+      <a:lnRef idx="2">
+        <a:scrgbClr r="0" g="0" b="0"/>
+      </a:lnRef>
+      <a:fillRef idx="1">
+        <a:scrgbClr r="0" g="0" b="0"/>
+      </a:fillRef>
+      <a:effectRef idx="0">
+        <a:scrgbClr r="0" g="0" b="0"/>
+      </a:effectRef>
+      <a:fontRef idx="minor">
+        <a:schemeClr val="lt1"/>
+      </a:fontRef>
+    </dgm:style>
+  </dgm:styleLbl>
+  <dgm:styleLbl name="asst2">
+    <dgm:scene3d>
+      <a:camera prst="orthographicFront"/>
+      <a:lightRig rig="threePt" dir="t"/>
+    </dgm:scene3d>
+    <dgm:sp3d/>
+    <dgm:txPr/>
+    <dgm:style>
+      <a:lnRef idx="2">
+        <a:scrgbClr r="0" g="0" b="0"/>
+      </a:lnRef>
+      <a:fillRef idx="1">
+        <a:scrgbClr r="0" g="0" b="0"/>
+      </a:fillRef>
+      <a:effectRef idx="0">
+        <a:scrgbClr r="0" g="0" b="0"/>
+      </a:effectRef>
+      <a:fontRef idx="minor">
+        <a:schemeClr val="lt1"/>
+      </a:fontRef>
+    </dgm:style>
+  </dgm:styleLbl>
+  <dgm:styleLbl name="asst3">
+    <dgm:scene3d>
+      <a:camera prst="orthographicFront"/>
+      <a:lightRig rig="threePt" dir="t"/>
+    </dgm:scene3d>
+    <dgm:sp3d/>
+    <dgm:txPr/>
+    <dgm:style>
+      <a:lnRef idx="2">
+        <a:scrgbClr r="0" g="0" b="0"/>
+      </a:lnRef>
+      <a:fillRef idx="1">
+        <a:scrgbClr r="0" g="0" b="0"/>
+      </a:fillRef>
+      <a:effectRef idx="0">
+        <a:scrgbClr r="0" g="0" b="0"/>
+      </a:effectRef>
+      <a:fontRef idx="minor">
+        <a:schemeClr val="lt1"/>
+      </a:fontRef>
+    </dgm:style>
+  </dgm:styleLbl>
+  <dgm:styleLbl name="asst4">
+    <dgm:scene3d>
+      <a:camera prst="orthographicFront"/>
+      <a:lightRig rig="threePt" dir="t"/>
+    </dgm:scene3d>
+    <dgm:sp3d/>
+    <dgm:txPr/>
+    <dgm:style>
+      <a:lnRef idx="2">
+        <a:scrgbClr r="0" g="0" b="0"/>
+      </a:lnRef>
+      <a:fillRef idx="1">
+        <a:scrgbClr r="0" g="0" b="0"/>
+      </a:fillRef>
+      <a:effectRef idx="0">
+        <a:scrgbClr r="0" g="0" b="0"/>
+      </a:effectRef>
+      <a:fontRef idx="minor">
+        <a:schemeClr val="lt1"/>
+      </a:fontRef>
+    </dgm:style>
+  </dgm:styleLbl>
+  <dgm:styleLbl name="parChTrans2D1">
+    <dgm:scene3d>
+      <a:camera prst="orthographicFront"/>
+      <a:lightRig rig="threePt" dir="t"/>
+    </dgm:scene3d>
+    <dgm:sp3d/>
+    <dgm:txPr/>
+    <dgm:style>
+      <a:lnRef idx="2">
+        <a:scrgbClr r="0" g="0" b="0"/>
+      </a:lnRef>
+      <a:fillRef idx="1">
+        <a:scrgbClr r="0" g="0" b="0"/>
+      </a:fillRef>
+      <a:effectRef idx="0">
+        <a:scrgbClr r="0" g="0" b="0"/>
+      </a:effectRef>
+      <a:fontRef idx="minor">
+        <a:schemeClr val="lt1"/>
+      </a:fontRef>
+    </dgm:style>
+  </dgm:styleLbl>
+  <dgm:styleLbl name="parChTrans2D2">
+    <dgm:scene3d>
+      <a:camera prst="orthographicFront"/>
+      <a:lightRig rig="threePt" dir="t"/>
+    </dgm:scene3d>
+    <dgm:sp3d/>
+    <dgm:txPr/>
+    <dgm:style>
+      <a:lnRef idx="2">
+        <a:scrgbClr r="0" g="0" b="0"/>
+      </a:lnRef>
+      <a:fillRef idx="1">
+        <a:scrgbClr r="0" g="0" b="0"/>
+      </a:fillRef>
+      <a:effectRef idx="0">
+        <a:scrgbClr r="0" g="0" b="0"/>
+      </a:effectRef>
+      <a:fontRef idx="minor">
+        <a:schemeClr val="lt1"/>
+      </a:fontRef>
+    </dgm:style>
+  </dgm:styleLbl>
+  <dgm:styleLbl name="parChTrans2D3">
+    <dgm:scene3d>
+      <a:camera prst="orthographicFront"/>
+      <a:lightRig rig="threePt" dir="t"/>
+    </dgm:scene3d>
+    <dgm:sp3d/>
+    <dgm:txPr/>
+    <dgm:style>
+      <a:lnRef idx="2">
+        <a:scrgbClr r="0" g="0" b="0"/>
+      </a:lnRef>
+      <a:fillRef idx="1">
+        <a:scrgbClr r="0" g="0" b="0"/>
+      </a:fillRef>
+      <a:effectRef idx="0">
+        <a:scrgbClr r="0" g="0" b="0"/>
+      </a:effectRef>
+      <a:fontRef idx="minor">
+        <a:schemeClr val="lt1"/>
+      </a:fontRef>
+    </dgm:style>
+  </dgm:styleLbl>
+  <dgm:styleLbl name="parChTrans2D4">
+    <dgm:scene3d>
+      <a:camera prst="orthographicFront"/>
+      <a:lightRig rig="threePt" dir="t"/>
+    </dgm:scene3d>
+    <dgm:sp3d/>
+    <dgm:txPr/>
+    <dgm:style>
+      <a:lnRef idx="2">
+        <a:scrgbClr r="0" g="0" b="0"/>
+      </a:lnRef>
+      <a:fillRef idx="1">
+        <a:scrgbClr r="0" g="0" b="0"/>
+      </a:fillRef>
+      <a:effectRef idx="0">
+        <a:scrgbClr r="0" g="0" b="0"/>
+      </a:effectRef>
+      <a:fontRef idx="minor">
+        <a:schemeClr val="lt1"/>
+      </a:fontRef>
+    </dgm:style>
+  </dgm:styleLbl>
+  <dgm:styleLbl name="parChTrans1D1">
+    <dgm:scene3d>
+      <a:camera prst="orthographicFront"/>
+      <a:lightRig rig="threePt" dir="t"/>
+    </dgm:scene3d>
+    <dgm:sp3d/>
+    <dgm:txPr/>
+    <dgm:style>
+      <a:lnRef idx="2">
+        <a:scrgbClr r="0" g="0" b="0"/>
+      </a:lnRef>
+      <a:fillRef idx="0">
+        <a:scrgbClr r="0" g="0" b="0"/>
+      </a:fillRef>
+      <a:effectRef idx="0">
+        <a:scrgbClr r="0" g="0" b="0"/>
+      </a:effectRef>
+      <a:fontRef idx="minor"/>
+    </dgm:style>
+  </dgm:styleLbl>
+  <dgm:styleLbl name="parChTrans1D2">
+    <dgm:scene3d>
+      <a:camera prst="orthographicFront"/>
+      <a:lightRig rig="threePt" dir="t"/>
+    </dgm:scene3d>
+    <dgm:sp3d/>
+    <dgm:txPr/>
+    <dgm:style>
+      <a:lnRef idx="2">
+        <a:scrgbClr r="0" g="0" b="0"/>
+      </a:lnRef>
+      <a:fillRef idx="0">
+        <a:scrgbClr r="0" g="0" b="0"/>
+      </a:fillRef>
+      <a:effectRef idx="0">
+        <a:scrgbClr r="0" g="0" b="0"/>
+      </a:effectRef>
+      <a:fontRef idx="minor"/>
+    </dgm:style>
+  </dgm:styleLbl>
+  <dgm:styleLbl name="parChTrans1D3">
+    <dgm:scene3d>
+      <a:camera prst="orthographicFront"/>
+      <a:lightRig rig="threePt" dir="t"/>
+    </dgm:scene3d>
+    <dgm:sp3d/>
+    <dgm:txPr/>
+    <dgm:style>
+      <a:lnRef idx="2">
+        <a:scrgbClr r="0" g="0" b="0"/>
+      </a:lnRef>
+      <a:fillRef idx="0">
+        <a:scrgbClr r="0" g="0" b="0"/>
+      </a:fillRef>
+      <a:effectRef idx="0">
+        <a:scrgbClr r="0" g="0" b="0"/>
+      </a:effectRef>
+      <a:fontRef idx="minor"/>
+    </dgm:style>
+  </dgm:styleLbl>
+  <dgm:styleLbl name="parChTrans1D4">
+    <dgm:scene3d>
+      <a:camera prst="orthographicFront"/>
+      <a:lightRig rig="threePt" dir="t"/>
+    </dgm:scene3d>
+    <dgm:sp3d/>
+    <dgm:txPr/>
+    <dgm:style>
+      <a:lnRef idx="2">
+        <a:scrgbClr r="0" g="0" b="0"/>
+      </a:lnRef>
+      <a:fillRef idx="0">
+        <a:scrgbClr r="0" g="0" b="0"/>
+      </a:fillRef>
+      <a:effectRef idx="0">
+        <a:scrgbClr r="0" g="0" b="0"/>
+      </a:effectRef>
+      <a:fontRef idx="minor"/>
+    </dgm:style>
+  </dgm:styleLbl>
+  <dgm:styleLbl name="fgAcc1">
+    <dgm:scene3d>
+      <a:camera prst="orthographicFront"/>
+      <a:lightRig rig="threePt" dir="t"/>
+    </dgm:scene3d>
+    <dgm:sp3d/>
+    <dgm:txPr/>
+    <dgm:style>
+      <a:lnRef idx="2">
+        <a:scrgbClr r="0" g="0" b="0"/>
+      </a:lnRef>
+      <a:fillRef idx="1">
+        <a:scrgbClr r="0" g="0" b="0"/>
+      </a:fillRef>
+      <a:effectRef idx="0">
+        <a:scrgbClr r="0" g="0" b="0"/>
+      </a:effectRef>
+      <a:fontRef idx="minor"/>
+    </dgm:style>
+  </dgm:styleLbl>
+  <dgm:styleLbl name="conFgAcc1">
+    <dgm:scene3d>
+      <a:camera prst="orthographicFront"/>
+      <a:lightRig rig="threePt" dir="t"/>
+    </dgm:scene3d>
+    <dgm:sp3d/>
+    <dgm:txPr/>
+    <dgm:style>
+      <a:lnRef idx="2">
+        <a:scrgbClr r="0" g="0" b="0"/>
+      </a:lnRef>
+      <a:fillRef idx="1">
+        <a:scrgbClr r="0" g="0" b="0"/>
+      </a:fillRef>
+      <a:effectRef idx="0">
+        <a:scrgbClr r="0" g="0" b="0"/>
+      </a:effectRef>
+      <a:fontRef idx="minor"/>
+    </dgm:style>
+  </dgm:styleLbl>
+  <dgm:styleLbl name="alignAcc1">
+    <dgm:scene3d>
+      <a:camera prst="orthographicFront"/>
+      <a:lightRig rig="threePt" dir="t"/>
+    </dgm:scene3d>
+    <dgm:sp3d/>
+    <dgm:txPr/>
+    <dgm:style>
+      <a:lnRef idx="2">
+        <a:scrgbClr r="0" g="0" b="0"/>
+      </a:lnRef>
+      <a:fillRef idx="1">
+        <a:scrgbClr r="0" g="0" b="0"/>
+      </a:fillRef>
+      <a:effectRef idx="0">
+        <a:scrgbClr r="0" g="0" b="0"/>
+      </a:effectRef>
+      <a:fontRef idx="minor"/>
+    </dgm:style>
+  </dgm:styleLbl>
+  <dgm:styleLbl name="trAlignAcc1">
+    <dgm:scene3d>
+      <a:camera prst="orthographicFront"/>
+      <a:lightRig rig="threePt" dir="t"/>
+    </dgm:scene3d>
+    <dgm:sp3d/>
+    <dgm:txPr/>
+    <dgm:style>
+      <a:lnRef idx="1">
+        <a:scrgbClr r="0" g="0" b="0"/>
+      </a:lnRef>
+      <a:fillRef idx="1">
+        <a:scrgbClr r="0" g="0" b="0"/>
+      </a:fillRef>
+      <a:effectRef idx="0">
+        <a:scrgbClr r="0" g="0" b="0"/>
+      </a:effectRef>
+      <a:fontRef idx="minor"/>
+    </dgm:style>
+  </dgm:styleLbl>
+  <dgm:styleLbl name="bgAcc1">
+    <dgm:scene3d>
+      <a:camera prst="orthographicFront"/>
+      <a:lightRig rig="threePt" dir="t"/>
+    </dgm:scene3d>
+    <dgm:sp3d/>
+    <dgm:txPr/>
+    <dgm:style>
+      <a:lnRef idx="2">
+        <a:scrgbClr r="0" g="0" b="0"/>
+      </a:lnRef>
+      <a:fillRef idx="1">
+        <a:scrgbClr r="0" g="0" b="0"/>
+      </a:fillRef>
+      <a:effectRef idx="0">
+        <a:scrgbClr r="0" g="0" b="0"/>
+      </a:effectRef>
+      <a:fontRef idx="minor"/>
+    </dgm:style>
+  </dgm:styleLbl>
+  <dgm:styleLbl name="solidFgAcc1">
+    <dgm:scene3d>
+      <a:camera prst="orthographicFront"/>
+      <a:lightRig rig="threePt" dir="t"/>
+    </dgm:scene3d>
+    <dgm:sp3d/>
+    <dgm:txPr/>
+    <dgm:style>
+      <a:lnRef idx="2">
+        <a:scrgbClr r="0" g="0" b="0"/>
+      </a:lnRef>
+      <a:fillRef idx="1">
+        <a:scrgbClr r="0" g="0" b="0"/>
+      </a:fillRef>
+      <a:effectRef idx="0">
+        <a:scrgbClr r="0" g="0" b="0"/>
+      </a:effectRef>
+      <a:fontRef idx="minor"/>
+    </dgm:style>
+  </dgm:styleLbl>
+  <dgm:styleLbl name="solidAlignAcc1">
+    <dgm:scene3d>
+      <a:camera prst="orthographicFront"/>
+      <a:lightRig rig="threePt" dir="t"/>
+    </dgm:scene3d>
+    <dgm:sp3d/>
+    <dgm:txPr/>
+    <dgm:style>
+      <a:lnRef idx="2">
+        <a:scrgbClr r="0" g="0" b="0"/>
+      </a:lnRef>
+      <a:fillRef idx="1">
+        <a:scrgbClr r="0" g="0" b="0"/>
+      </a:fillRef>
+      <a:effectRef idx="0">
+        <a:scrgbClr r="0" g="0" b="0"/>
+      </a:effectRef>
+      <a:fontRef idx="minor"/>
+    </dgm:style>
+  </dgm:styleLbl>
+  <dgm:styleLbl name="solidBgAcc1">
+    <dgm:scene3d>
+      <a:camera prst="orthographicFront"/>
+      <a:lightRig rig="threePt" dir="t"/>
+    </dgm:scene3d>
+    <dgm:sp3d/>
+    <dgm:txPr/>
+    <dgm:style>
+      <a:lnRef idx="2">
+        <a:scrgbClr r="0" g="0" b="0"/>
+      </a:lnRef>
+      <a:fillRef idx="1">
+        <a:scrgbClr r="0" g="0" b="0"/>
+      </a:fillRef>
+      <a:effectRef idx="0">
+        <a:scrgbClr r="0" g="0" b="0"/>
+      </a:effectRef>
+      <a:fontRef idx="minor"/>
+    </dgm:style>
+  </dgm:styleLbl>
+  <dgm:styleLbl name="fgAccFollowNode1">
+    <dgm:scene3d>
+      <a:camera prst="orthographicFront"/>
+      <a:lightRig rig="threePt" dir="t"/>
+    </dgm:scene3d>
+    <dgm:sp3d/>
+    <dgm:txPr/>
+    <dgm:style>
+      <a:lnRef idx="2">
+        <a:scrgbClr r="0" g="0" b="0"/>
+      </a:lnRef>
+      <a:fillRef idx="1">
+        <a:scrgbClr r="0" g="0" b="0"/>
+      </a:fillRef>
+      <a:effectRef idx="0">
+        <a:scrgbClr r="0" g="0" b="0"/>
+      </a:effectRef>
+      <a:fontRef idx="minor"/>
+    </dgm:style>
+  </dgm:styleLbl>
+  <dgm:styleLbl name="alignAccFollowNode1">
+    <dgm:scene3d>
+      <a:camera prst="orthographicFront"/>
+      <a:lightRig rig="threePt" dir="t"/>
+    </dgm:scene3d>
+    <dgm:sp3d/>
+    <dgm:txPr/>
+    <dgm:style>
+      <a:lnRef idx="2">
+        <a:scrgbClr r="0" g="0" b="0"/>
+      </a:lnRef>
+      <a:fillRef idx="1">
+        <a:scrgbClr r="0" g="0" b="0"/>
+      </a:fillRef>
+      <a:effectRef idx="0">
+        <a:scrgbClr r="0" g="0" b="0"/>
+      </a:effectRef>
+      <a:fontRef idx="minor"/>
+    </dgm:style>
+  </dgm:styleLbl>
+  <dgm:styleLbl name="bgAccFollowNode1">
+    <dgm:scene3d>
+      <a:camera prst="orthographicFront"/>
+      <a:lightRig rig="threePt" dir="t"/>
+    </dgm:scene3d>
+    <dgm:sp3d/>
+    <dgm:txPr/>
+    <dgm:style>
+      <a:lnRef idx="2">
+        <a:scrgbClr r="0" g="0" b="0"/>
+      </a:lnRef>
+      <a:fillRef idx="1">
+        <a:scrgbClr r="0" g="0" b="0"/>
+      </a:fillRef>
+      <a:effectRef idx="0">
+        <a:scrgbClr r="0" g="0" b="0"/>
+      </a:effectRef>
+      <a:fontRef idx="minor"/>
+    </dgm:style>
+  </dgm:styleLbl>
+  <dgm:styleLbl name="fgAcc0">
+    <dgm:scene3d>
+      <a:camera prst="orthographicFront"/>
+      <a:lightRig rig="threePt" dir="t"/>
+    </dgm:scene3d>
+    <dgm:sp3d/>
+    <dgm:txPr/>
+    <dgm:style>
+      <a:lnRef idx="2">
+        <a:scrgbClr r="0" g="0" b="0"/>
+      </a:lnRef>
+      <a:fillRef idx="1">
+        <a:scrgbClr r="0" g="0" b="0"/>
+      </a:fillRef>
+      <a:effectRef idx="0">
+        <a:scrgbClr r="0" g="0" b="0"/>
+      </a:effectRef>
+      <a:fontRef idx="minor"/>
+    </dgm:style>
+  </dgm:styleLbl>
+  <dgm:styleLbl name="fgAcc2">
+    <dgm:scene3d>
+      <a:camera prst="orthographicFront"/>
+      <a:lightRig rig="threePt" dir="t"/>
+    </dgm:scene3d>
+    <dgm:sp3d/>
+    <dgm:txPr/>
+    <dgm:style>
+      <a:lnRef idx="2">
+        <a:scrgbClr r="0" g="0" b="0"/>
+      </a:lnRef>
+      <a:fillRef idx="1">
+        <a:scrgbClr r="0" g="0" b="0"/>
+      </a:fillRef>
+      <a:effectRef idx="0">
+        <a:scrgbClr r="0" g="0" b="0"/>
+      </a:effectRef>
+      <a:fontRef idx="minor"/>
+    </dgm:style>
+  </dgm:styleLbl>
+  <dgm:styleLbl name="fgAcc3">
+    <dgm:scene3d>
+      <a:camera prst="orthographicFront"/>
+      <a:lightRig rig="threePt" dir="t"/>
+    </dgm:scene3d>
+    <dgm:sp3d/>
+    <dgm:txPr/>
+    <dgm:style>
+      <a:lnRef idx="2">
+        <a:scrgbClr r="0" g="0" b="0"/>
+      </a:lnRef>
+      <a:fillRef idx="1">
+        <a:scrgbClr r="0" g="0" b="0"/>
+      </a:fillRef>
+      <a:effectRef idx="0">
+        <a:scrgbClr r="0" g="0" b="0"/>
+      </a:effectRef>
+      <a:fontRef idx="minor"/>
+    </dgm:style>
+  </dgm:styleLbl>
+  <dgm:styleLbl name="fgAcc4">
+    <dgm:scene3d>
+      <a:camera prst="orthographicFront"/>
+      <a:lightRig rig="threePt" dir="t"/>
+    </dgm:scene3d>
+    <dgm:sp3d/>
+    <dgm:txPr/>
+    <dgm:style>
+      <a:lnRef idx="2">
+        <a:scrgbClr r="0" g="0" b="0"/>
+      </a:lnRef>
+      <a:fillRef idx="1">
+        <a:scrgbClr r="0" g="0" b="0"/>
+      </a:fillRef>
+      <a:effectRef idx="0">
+        <a:scrgbClr r="0" g="0" b="0"/>
+      </a:effectRef>
+      <a:fontRef idx="minor"/>
+    </dgm:style>
+  </dgm:styleLbl>
+  <dgm:styleLbl name="bgShp">
+    <dgm:scene3d>
+      <a:camera prst="orthographicFront"/>
+      <a:lightRig rig="threePt" dir="t"/>
+    </dgm:scene3d>
+    <dgm:sp3d/>
+    <dgm:txPr/>
+    <dgm:style>
+      <a:lnRef idx="0">
+        <a:scrgbClr r="0" g="0" b="0"/>
+      </a:lnRef>
+      <a:fillRef idx="1">
+        <a:scrgbClr r="0" g="0" b="0"/>
+      </a:fillRef>
+      <a:effectRef idx="0">
+        <a:scrgbClr r="0" g="0" b="0"/>
+      </a:effectRef>
+      <a:fontRef idx="minor"/>
+    </dgm:style>
+  </dgm:styleLbl>
+  <dgm:styleLbl name="dkBgShp">
+    <dgm:scene3d>
+      <a:camera prst="orthographicFront"/>
+      <a:lightRig rig="threePt" dir="t"/>
+    </dgm:scene3d>
+    <dgm:sp3d/>
+    <dgm:txPr/>
+    <dgm:style>
+      <a:lnRef idx="0">
+        <a:scrgbClr r="0" g="0" b="0"/>
+      </a:lnRef>
+      <a:fillRef idx="1">
+        <a:scrgbClr r="0" g="0" b="0"/>
+      </a:fillRef>
+      <a:effectRef idx="0">
+        <a:scrgbClr r="0" g="0" b="0"/>
+      </a:effectRef>
+      <a:fontRef idx="minor"/>
+    </dgm:style>
+  </dgm:styleLbl>
+  <dgm:styleLbl name="trBgShp">
+    <dgm:scene3d>
+      <a:camera prst="orthographicFront"/>
+      <a:lightRig rig="threePt" dir="t"/>
+    </dgm:scene3d>
+    <dgm:sp3d/>
+    <dgm:txPr/>
+    <dgm:style>
+      <a:lnRef idx="0">
+        <a:scrgbClr r="0" g="0" b="0"/>
+      </a:lnRef>
+      <a:fillRef idx="1">
+        <a:scrgbClr r="0" g="0" b="0"/>
+      </a:fillRef>
+      <a:effectRef idx="0">
+        <a:scrgbClr r="0" g="0" b="0"/>
+      </a:effectRef>
+      <a:fontRef idx="minor"/>
+    </dgm:style>
+  </dgm:styleLbl>
+  <dgm:styleLbl name="fgShp">
+    <dgm:scene3d>
+      <a:camera prst="orthographicFront"/>
+      <a:lightRig rig="threePt" dir="t"/>
+    </dgm:scene3d>
+    <dgm:sp3d/>
+    <dgm:txPr/>
+    <dgm:style>
+      <a:lnRef idx="2">
+        <a:scrgbClr r="0" g="0" b="0"/>
+      </a:lnRef>
+      <a:fillRef idx="1">
+        <a:scrgbClr r="0" g="0" b="0"/>
+      </a:fillRef>
+      <a:effectRef idx="0">
+        <a:scrgbClr r="0" g="0" b="0"/>
+      </a:effectRef>
+      <a:fontRef idx="minor"/>
+    </dgm:style>
+  </dgm:styleLbl>
+  <dgm:styleLbl name="revTx">
+    <dgm:scene3d>
+      <a:camera prst="orthographicFront"/>
+      <a:lightRig rig="threePt" dir="t"/>
+    </dgm:scene3d>
+    <dgm:sp3d/>
+    <dgm:txPr/>
+    <dgm:style>
+      <a:lnRef idx="0">
+        <a:scrgbClr r="0" g="0" b="0"/>
+      </a:lnRef>
+      <a:fillRef idx="0">
+        <a:scrgbClr r="0" g="0" b="0"/>
+      </a:fillRef>
+      <a:effectRef idx="0">
+        <a:scrgbClr r="0" g="0" b="0"/>
+      </a:effectRef>
+      <a:fontRef idx="minor"/>
+    </dgm:style>
+  </dgm:styleLbl>
+</dgm:styleDef>
+</file>
+
 <file path=ppt/slideLayouts/slideLayout1.xml><?xml version="1.0" encoding="utf-8"?>
 <p:sldLayout xmlns:a="http://schemas.openxmlformats.org/drawingml/2006/main" xmlns:r="http://schemas.openxmlformats.org/officeDocument/2006/relationships" xmlns:p="http://schemas.openxmlformats.org/presentationml/2006/main" showMasterSp="0" type="title" preserve="1">
   <p:cSld name="标题幻灯片">
@@ -18132,7 +21043,7 @@
           </a:lstStyle>
           <a:p>
             <a:r>
-              <a:rPr kumimoji="0" lang="zh-CN" altLang="en-US" smtClean="0"/>
+              <a:rPr kumimoji="0" lang="zh-CN" altLang="en-US"/>
               <a:t>单击此处编辑母版副标题样式</a:t>
             </a:r>
             <a:endParaRPr kumimoji="0" lang="en-US"/>
@@ -18157,7 +21068,7 @@
             <a:fld id="{530820CF-B880-4189-942D-D702A7CBA730}" type="datetimeFigureOut">
               <a:rPr lang="zh-CN" altLang="en-US" smtClean="0"/>
               <a:pPr/>
-              <a:t>2016/11/8</a:t>
+              <a:t>2016/11/10</a:t>
             </a:fld>
             <a:endParaRPr lang="zh-CN" altLang="en-US"/>
           </a:p>
@@ -18387,7 +21298,7 @@
           </a:lstStyle>
           <a:p>
             <a:r>
-              <a:rPr kumimoji="0" lang="zh-CN" altLang="en-US" smtClean="0"/>
+              <a:rPr kumimoji="0" lang="zh-CN" altLang="en-US"/>
               <a:t>单击此处编辑母版标题样式</a:t>
             </a:r>
             <a:endParaRPr kumimoji="0" lang="en-US"/>
@@ -18435,7 +21346,7 @@
           <a:lstStyle/>
           <a:p>
             <a:r>
-              <a:rPr kumimoji="0" lang="zh-CN" altLang="en-US" smtClean="0"/>
+              <a:rPr kumimoji="0" lang="zh-CN" altLang="en-US"/>
               <a:t>单击此处编辑母版标题样式</a:t>
             </a:r>
             <a:endParaRPr kumimoji="0" lang="en-US"/>
@@ -18459,35 +21370,35 @@
           <a:p>
             <a:pPr lvl="0" eaLnBrk="1" latinLnBrk="0" hangingPunct="1"/>
             <a:r>
-              <a:rPr lang="zh-CN" altLang="en-US" smtClean="0"/>
+              <a:rPr lang="zh-CN" altLang="en-US"/>
               <a:t>单击此处编辑母版文本样式</a:t>
             </a:r>
           </a:p>
           <a:p>
             <a:pPr lvl="1" eaLnBrk="1" latinLnBrk="0" hangingPunct="1"/>
             <a:r>
-              <a:rPr lang="zh-CN" altLang="en-US" smtClean="0"/>
+              <a:rPr lang="zh-CN" altLang="en-US"/>
               <a:t>第二级</a:t>
             </a:r>
           </a:p>
           <a:p>
             <a:pPr lvl="2" eaLnBrk="1" latinLnBrk="0" hangingPunct="1"/>
             <a:r>
-              <a:rPr lang="zh-CN" altLang="en-US" smtClean="0"/>
+              <a:rPr lang="zh-CN" altLang="en-US"/>
               <a:t>第三级</a:t>
             </a:r>
           </a:p>
           <a:p>
             <a:pPr lvl="3" eaLnBrk="1" latinLnBrk="0" hangingPunct="1"/>
             <a:r>
-              <a:rPr lang="zh-CN" altLang="en-US" smtClean="0"/>
+              <a:rPr lang="zh-CN" altLang="en-US"/>
               <a:t>第四级</a:t>
             </a:r>
           </a:p>
           <a:p>
             <a:pPr lvl="4" eaLnBrk="1" latinLnBrk="0" hangingPunct="1"/>
             <a:r>
-              <a:rPr lang="zh-CN" altLang="en-US" smtClean="0"/>
+              <a:rPr lang="zh-CN" altLang="en-US"/>
               <a:t>第五级</a:t>
             </a:r>
             <a:endParaRPr kumimoji="0" lang="en-US"/>
@@ -18512,7 +21423,7 @@
             <a:fld id="{530820CF-B880-4189-942D-D702A7CBA730}" type="datetimeFigureOut">
               <a:rPr lang="zh-CN" altLang="en-US" smtClean="0"/>
               <a:pPr/>
-              <a:t>2016/11/8</a:t>
+              <a:t>2016/11/10</a:t>
             </a:fld>
             <a:endParaRPr lang="zh-CN" altLang="en-US"/>
           </a:p>
@@ -18607,7 +21518,7 @@
           <a:lstStyle/>
           <a:p>
             <a:r>
-              <a:rPr kumimoji="0" lang="zh-CN" altLang="en-US" smtClean="0"/>
+              <a:rPr kumimoji="0" lang="zh-CN" altLang="en-US"/>
               <a:t>单击此处编辑母版标题样式</a:t>
             </a:r>
             <a:endParaRPr kumimoji="0" lang="en-US"/>
@@ -18636,35 +21547,35 @@
           <a:p>
             <a:pPr lvl="0" eaLnBrk="1" latinLnBrk="0" hangingPunct="1"/>
             <a:r>
-              <a:rPr lang="zh-CN" altLang="en-US" smtClean="0"/>
+              <a:rPr lang="zh-CN" altLang="en-US"/>
               <a:t>单击此处编辑母版文本样式</a:t>
             </a:r>
           </a:p>
           <a:p>
             <a:pPr lvl="1" eaLnBrk="1" latinLnBrk="0" hangingPunct="1"/>
             <a:r>
-              <a:rPr lang="zh-CN" altLang="en-US" smtClean="0"/>
+              <a:rPr lang="zh-CN" altLang="en-US"/>
               <a:t>第二级</a:t>
             </a:r>
           </a:p>
           <a:p>
             <a:pPr lvl="2" eaLnBrk="1" latinLnBrk="0" hangingPunct="1"/>
             <a:r>
-              <a:rPr lang="zh-CN" altLang="en-US" smtClean="0"/>
+              <a:rPr lang="zh-CN" altLang="en-US"/>
               <a:t>第三级</a:t>
             </a:r>
           </a:p>
           <a:p>
             <a:pPr lvl="3" eaLnBrk="1" latinLnBrk="0" hangingPunct="1"/>
             <a:r>
-              <a:rPr lang="zh-CN" altLang="en-US" smtClean="0"/>
+              <a:rPr lang="zh-CN" altLang="en-US"/>
               <a:t>第四级</a:t>
             </a:r>
           </a:p>
           <a:p>
             <a:pPr lvl="4" eaLnBrk="1" latinLnBrk="0" hangingPunct="1"/>
             <a:r>
-              <a:rPr lang="zh-CN" altLang="en-US" smtClean="0"/>
+              <a:rPr lang="zh-CN" altLang="en-US"/>
               <a:t>第五级</a:t>
             </a:r>
             <a:endParaRPr kumimoji="0" lang="en-US"/>
@@ -18689,7 +21600,7 @@
             <a:fld id="{530820CF-B880-4189-942D-D702A7CBA730}" type="datetimeFigureOut">
               <a:rPr lang="zh-CN" altLang="en-US" smtClean="0"/>
               <a:pPr/>
-              <a:t>2016/11/8</a:t>
+              <a:t>2016/11/10</a:t>
             </a:fld>
             <a:endParaRPr lang="zh-CN" altLang="en-US"/>
           </a:p>
@@ -18779,7 +21690,7 @@
           <a:lstStyle/>
           <a:p>
             <a:r>
-              <a:rPr kumimoji="0" lang="zh-CN" altLang="en-US" smtClean="0"/>
+              <a:rPr kumimoji="0" lang="zh-CN" altLang="en-US"/>
               <a:t>单击此处编辑母版标题样式</a:t>
             </a:r>
             <a:endParaRPr kumimoji="0" lang="en-US"/>
@@ -18804,7 +21715,7 @@
             <a:fld id="{530820CF-B880-4189-942D-D702A7CBA730}" type="datetimeFigureOut">
               <a:rPr lang="zh-CN" altLang="en-US" smtClean="0"/>
               <a:pPr/>
-              <a:t>2016/11/8</a:t>
+              <a:t>2016/11/10</a:t>
             </a:fld>
             <a:endParaRPr lang="zh-CN" altLang="en-US"/>
           </a:p>
@@ -18875,35 +21786,35 @@
           <a:p>
             <a:pPr lvl="0" eaLnBrk="1" latinLnBrk="0" hangingPunct="1"/>
             <a:r>
-              <a:rPr lang="zh-CN" altLang="en-US" smtClean="0"/>
+              <a:rPr lang="zh-CN" altLang="en-US"/>
               <a:t>单击此处编辑母版文本样式</a:t>
             </a:r>
           </a:p>
           <a:p>
             <a:pPr lvl="1" eaLnBrk="1" latinLnBrk="0" hangingPunct="1"/>
             <a:r>
-              <a:rPr lang="zh-CN" altLang="en-US" smtClean="0"/>
+              <a:rPr lang="zh-CN" altLang="en-US"/>
               <a:t>第二级</a:t>
             </a:r>
           </a:p>
           <a:p>
             <a:pPr lvl="2" eaLnBrk="1" latinLnBrk="0" hangingPunct="1"/>
             <a:r>
-              <a:rPr lang="zh-CN" altLang="en-US" smtClean="0"/>
+              <a:rPr lang="zh-CN" altLang="en-US"/>
               <a:t>第三级</a:t>
             </a:r>
           </a:p>
           <a:p>
             <a:pPr lvl="3" eaLnBrk="1" latinLnBrk="0" hangingPunct="1"/>
             <a:r>
-              <a:rPr lang="zh-CN" altLang="en-US" smtClean="0"/>
+              <a:rPr lang="zh-CN" altLang="en-US"/>
               <a:t>第四级</a:t>
             </a:r>
           </a:p>
           <a:p>
             <a:pPr lvl="4" eaLnBrk="1" latinLnBrk="0" hangingPunct="1"/>
             <a:r>
-              <a:rPr lang="zh-CN" altLang="en-US" smtClean="0"/>
+              <a:rPr lang="zh-CN" altLang="en-US"/>
               <a:t>第五级</a:t>
             </a:r>
             <a:endParaRPr kumimoji="0" lang="en-US"/>
@@ -19060,7 +21971,7 @@
           </a:lstStyle>
           <a:p>
             <a:r>
-              <a:rPr kumimoji="0" lang="zh-CN" altLang="en-US" smtClean="0"/>
+              <a:rPr kumimoji="0" lang="zh-CN" altLang="en-US"/>
               <a:t>单击此处编辑母版标题样式</a:t>
             </a:r>
             <a:endParaRPr kumimoji="0" lang="en-US"/>
@@ -19140,7 +22051,7 @@
           <a:p>
             <a:pPr lvl="0" eaLnBrk="1" latinLnBrk="0" hangingPunct="1"/>
             <a:r>
-              <a:rPr kumimoji="0" lang="zh-CN" altLang="en-US" smtClean="0"/>
+              <a:rPr kumimoji="0" lang="zh-CN" altLang="en-US"/>
               <a:t>单击此处编辑母版文本样式</a:t>
             </a:r>
           </a:p>
@@ -19164,7 +22075,7 @@
             <a:fld id="{530820CF-B880-4189-942D-D702A7CBA730}" type="datetimeFigureOut">
               <a:rPr lang="zh-CN" altLang="en-US" smtClean="0"/>
               <a:pPr/>
-              <a:t>2016/11/8</a:t>
+              <a:t>2016/11/10</a:t>
             </a:fld>
             <a:endParaRPr lang="zh-CN" altLang="en-US"/>
           </a:p>
@@ -19406,7 +22317,7 @@
           <a:lstStyle/>
           <a:p>
             <a:r>
-              <a:rPr kumimoji="0" lang="zh-CN" altLang="en-US" smtClean="0"/>
+              <a:rPr kumimoji="0" lang="zh-CN" altLang="en-US"/>
               <a:t>单击此处编辑母版标题样式</a:t>
             </a:r>
             <a:endParaRPr kumimoji="0" lang="en-US"/>
@@ -19431,7 +22342,7 @@
             <a:fld id="{530820CF-B880-4189-942D-D702A7CBA730}" type="datetimeFigureOut">
               <a:rPr lang="zh-CN" altLang="en-US" smtClean="0"/>
               <a:pPr/>
-              <a:t>2016/11/8</a:t>
+              <a:t>2016/11/10</a:t>
             </a:fld>
             <a:endParaRPr lang="zh-CN" altLang="en-US"/>
           </a:p>
@@ -19502,35 +22413,35 @@
           <a:p>
             <a:pPr lvl="0" eaLnBrk="1" latinLnBrk="0" hangingPunct="1"/>
             <a:r>
-              <a:rPr lang="zh-CN" altLang="en-US" smtClean="0"/>
+              <a:rPr lang="zh-CN" altLang="en-US"/>
               <a:t>单击此处编辑母版文本样式</a:t>
             </a:r>
           </a:p>
           <a:p>
             <a:pPr lvl="1" eaLnBrk="1" latinLnBrk="0" hangingPunct="1"/>
             <a:r>
-              <a:rPr lang="zh-CN" altLang="en-US" smtClean="0"/>
+              <a:rPr lang="zh-CN" altLang="en-US"/>
               <a:t>第二级</a:t>
             </a:r>
           </a:p>
           <a:p>
             <a:pPr lvl="2" eaLnBrk="1" latinLnBrk="0" hangingPunct="1"/>
             <a:r>
-              <a:rPr lang="zh-CN" altLang="en-US" smtClean="0"/>
+              <a:rPr lang="zh-CN" altLang="en-US"/>
               <a:t>第三级</a:t>
             </a:r>
           </a:p>
           <a:p>
             <a:pPr lvl="3" eaLnBrk="1" latinLnBrk="0" hangingPunct="1"/>
             <a:r>
-              <a:rPr lang="zh-CN" altLang="en-US" smtClean="0"/>
+              <a:rPr lang="zh-CN" altLang="en-US"/>
               <a:t>第四级</a:t>
             </a:r>
           </a:p>
           <a:p>
             <a:pPr lvl="4" eaLnBrk="1" latinLnBrk="0" hangingPunct="1"/>
             <a:r>
-              <a:rPr lang="zh-CN" altLang="en-US" smtClean="0"/>
+              <a:rPr lang="zh-CN" altLang="en-US"/>
               <a:t>第五级</a:t>
             </a:r>
             <a:endParaRPr kumimoji="0" lang="en-US"/>
@@ -19559,35 +22470,35 @@
           <a:p>
             <a:pPr lvl="0" eaLnBrk="1" latinLnBrk="0" hangingPunct="1"/>
             <a:r>
-              <a:rPr lang="zh-CN" altLang="en-US" smtClean="0"/>
+              <a:rPr lang="zh-CN" altLang="en-US"/>
               <a:t>单击此处编辑母版文本样式</a:t>
             </a:r>
           </a:p>
           <a:p>
             <a:pPr lvl="1" eaLnBrk="1" latinLnBrk="0" hangingPunct="1"/>
             <a:r>
-              <a:rPr lang="zh-CN" altLang="en-US" smtClean="0"/>
+              <a:rPr lang="zh-CN" altLang="en-US"/>
               <a:t>第二级</a:t>
             </a:r>
           </a:p>
           <a:p>
             <a:pPr lvl="2" eaLnBrk="1" latinLnBrk="0" hangingPunct="1"/>
             <a:r>
-              <a:rPr lang="zh-CN" altLang="en-US" smtClean="0"/>
+              <a:rPr lang="zh-CN" altLang="en-US"/>
               <a:t>第三级</a:t>
             </a:r>
           </a:p>
           <a:p>
             <a:pPr lvl="3" eaLnBrk="1" latinLnBrk="0" hangingPunct="1"/>
             <a:r>
-              <a:rPr lang="zh-CN" altLang="en-US" smtClean="0"/>
+              <a:rPr lang="zh-CN" altLang="en-US"/>
               <a:t>第四级</a:t>
             </a:r>
           </a:p>
           <a:p>
             <a:pPr lvl="4" eaLnBrk="1" latinLnBrk="0" hangingPunct="1"/>
             <a:r>
-              <a:rPr lang="zh-CN" altLang="en-US" smtClean="0"/>
+              <a:rPr lang="zh-CN" altLang="en-US"/>
               <a:t>第五级</a:t>
             </a:r>
             <a:endParaRPr kumimoji="0" lang="en-US"/>
@@ -19644,7 +22555,7 @@
           </a:lstStyle>
           <a:p>
             <a:r>
-              <a:rPr kumimoji="0" lang="zh-CN" altLang="en-US" smtClean="0"/>
+              <a:rPr kumimoji="0" lang="zh-CN" altLang="en-US"/>
               <a:t>单击此处编辑母版标题样式</a:t>
             </a:r>
             <a:endParaRPr kumimoji="0" lang="en-US"/>
@@ -19708,7 +22619,7 @@
           <a:p>
             <a:pPr lvl="0" eaLnBrk="1" latinLnBrk="0" hangingPunct="1"/>
             <a:r>
-              <a:rPr kumimoji="0" lang="zh-CN" altLang="en-US" smtClean="0"/>
+              <a:rPr kumimoji="0" lang="zh-CN" altLang="en-US"/>
               <a:t>单击此处编辑母版文本样式</a:t>
             </a:r>
           </a:p>
@@ -19771,7 +22682,7 @@
           <a:p>
             <a:pPr lvl="0" eaLnBrk="1" latinLnBrk="0" hangingPunct="1"/>
             <a:r>
-              <a:rPr kumimoji="0" lang="zh-CN" altLang="en-US" smtClean="0"/>
+              <a:rPr kumimoji="0" lang="zh-CN" altLang="en-US"/>
               <a:t>单击此处编辑母版文本样式</a:t>
             </a:r>
           </a:p>
@@ -19795,7 +22706,7 @@
             <a:fld id="{530820CF-B880-4189-942D-D702A7CBA730}" type="datetimeFigureOut">
               <a:rPr lang="zh-CN" altLang="en-US" smtClean="0"/>
               <a:pPr/>
-              <a:t>2016/11/8</a:t>
+              <a:t>2016/11/10</a:t>
             </a:fld>
             <a:endParaRPr lang="zh-CN" altLang="en-US"/>
           </a:p>
@@ -19866,35 +22777,35 @@
           <a:p>
             <a:pPr lvl="0" eaLnBrk="1" latinLnBrk="0" hangingPunct="1"/>
             <a:r>
-              <a:rPr lang="zh-CN" altLang="en-US" smtClean="0"/>
+              <a:rPr lang="zh-CN" altLang="en-US"/>
               <a:t>单击此处编辑母版文本样式</a:t>
             </a:r>
           </a:p>
           <a:p>
             <a:pPr lvl="1" eaLnBrk="1" latinLnBrk="0" hangingPunct="1"/>
             <a:r>
-              <a:rPr lang="zh-CN" altLang="en-US" smtClean="0"/>
+              <a:rPr lang="zh-CN" altLang="en-US"/>
               <a:t>第二级</a:t>
             </a:r>
           </a:p>
           <a:p>
             <a:pPr lvl="2" eaLnBrk="1" latinLnBrk="0" hangingPunct="1"/>
             <a:r>
-              <a:rPr lang="zh-CN" altLang="en-US" smtClean="0"/>
+              <a:rPr lang="zh-CN" altLang="en-US"/>
               <a:t>第三级</a:t>
             </a:r>
           </a:p>
           <a:p>
             <a:pPr lvl="3" eaLnBrk="1" latinLnBrk="0" hangingPunct="1"/>
             <a:r>
-              <a:rPr lang="zh-CN" altLang="en-US" smtClean="0"/>
+              <a:rPr lang="zh-CN" altLang="en-US"/>
               <a:t>第四级</a:t>
             </a:r>
           </a:p>
           <a:p>
             <a:pPr lvl="4" eaLnBrk="1" latinLnBrk="0" hangingPunct="1"/>
             <a:r>
-              <a:rPr lang="zh-CN" altLang="en-US" smtClean="0"/>
+              <a:rPr lang="zh-CN" altLang="en-US"/>
               <a:t>第五级</a:t>
             </a:r>
             <a:endParaRPr kumimoji="0" lang="en-US"/>
@@ -19923,35 +22834,35 @@
           <a:p>
             <a:pPr lvl="0" eaLnBrk="1" latinLnBrk="0" hangingPunct="1"/>
             <a:r>
-              <a:rPr lang="zh-CN" altLang="en-US" smtClean="0"/>
+              <a:rPr lang="zh-CN" altLang="en-US"/>
               <a:t>单击此处编辑母版文本样式</a:t>
             </a:r>
           </a:p>
           <a:p>
             <a:pPr lvl="1" eaLnBrk="1" latinLnBrk="0" hangingPunct="1"/>
             <a:r>
-              <a:rPr lang="zh-CN" altLang="en-US" smtClean="0"/>
+              <a:rPr lang="zh-CN" altLang="en-US"/>
               <a:t>第二级</a:t>
             </a:r>
           </a:p>
           <a:p>
             <a:pPr lvl="2" eaLnBrk="1" latinLnBrk="0" hangingPunct="1"/>
             <a:r>
-              <a:rPr lang="zh-CN" altLang="en-US" smtClean="0"/>
+              <a:rPr lang="zh-CN" altLang="en-US"/>
               <a:t>第三级</a:t>
             </a:r>
           </a:p>
           <a:p>
             <a:pPr lvl="3" eaLnBrk="1" latinLnBrk="0" hangingPunct="1"/>
             <a:r>
-              <a:rPr lang="zh-CN" altLang="en-US" smtClean="0"/>
+              <a:rPr lang="zh-CN" altLang="en-US"/>
               <a:t>第四级</a:t>
             </a:r>
           </a:p>
           <a:p>
             <a:pPr lvl="4" eaLnBrk="1" latinLnBrk="0" hangingPunct="1"/>
             <a:r>
-              <a:rPr lang="zh-CN" altLang="en-US" smtClean="0"/>
+              <a:rPr lang="zh-CN" altLang="en-US"/>
               <a:t>第五级</a:t>
             </a:r>
             <a:endParaRPr kumimoji="0" lang="en-US"/>
@@ -19999,7 +22910,7 @@
           <a:lstStyle/>
           <a:p>
             <a:r>
-              <a:rPr kumimoji="0" lang="zh-CN" altLang="en-US" smtClean="0"/>
+              <a:rPr kumimoji="0" lang="zh-CN" altLang="en-US"/>
               <a:t>单击此处编辑母版标题样式</a:t>
             </a:r>
             <a:endParaRPr kumimoji="0" lang="en-US"/>
@@ -20024,7 +22935,7 @@
             <a:fld id="{530820CF-B880-4189-942D-D702A7CBA730}" type="datetimeFigureOut">
               <a:rPr lang="zh-CN" altLang="en-US" smtClean="0"/>
               <a:pPr/>
-              <a:t>2016/11/8</a:t>
+              <a:t>2016/11/10</a:t>
             </a:fld>
             <a:endParaRPr lang="zh-CN" altLang="en-US"/>
           </a:p>
@@ -20116,7 +23027,7 @@
             <a:fld id="{530820CF-B880-4189-942D-D702A7CBA730}" type="datetimeFigureOut">
               <a:rPr lang="zh-CN" altLang="en-US" smtClean="0"/>
               <a:pPr/>
-              <a:t>2016/11/8</a:t>
+              <a:t>2016/11/10</a:t>
             </a:fld>
             <a:endParaRPr lang="zh-CN" altLang="en-US"/>
           </a:p>
@@ -20311,7 +23222,7 @@
           </a:lstStyle>
           <a:p>
             <a:r>
-              <a:rPr kumimoji="0" lang="zh-CN" altLang="en-US" smtClean="0"/>
+              <a:rPr kumimoji="0" lang="zh-CN" altLang="en-US"/>
               <a:t>单击此处编辑母版标题样式</a:t>
             </a:r>
             <a:endParaRPr kumimoji="0" lang="en-US"/>
@@ -20361,7 +23272,7 @@
           <a:p>
             <a:pPr lvl="0" eaLnBrk="1" latinLnBrk="0" hangingPunct="1"/>
             <a:r>
-              <a:rPr kumimoji="0" lang="zh-CN" altLang="en-US" smtClean="0"/>
+              <a:rPr kumimoji="0" lang="zh-CN" altLang="en-US"/>
               <a:t>单击此处编辑母版文本样式</a:t>
             </a:r>
           </a:p>
@@ -20385,7 +23296,7 @@
             <a:fld id="{530820CF-B880-4189-942D-D702A7CBA730}" type="datetimeFigureOut">
               <a:rPr lang="zh-CN" altLang="en-US" smtClean="0"/>
               <a:pPr/>
-              <a:t>2016/11/8</a:t>
+              <a:t>2016/11/10</a:t>
             </a:fld>
             <a:endParaRPr lang="zh-CN" altLang="en-US"/>
           </a:p>
@@ -20456,35 +23367,35 @@
           <a:p>
             <a:pPr lvl="0" eaLnBrk="1" latinLnBrk="0" hangingPunct="1"/>
             <a:r>
-              <a:rPr lang="zh-CN" altLang="en-US" smtClean="0"/>
+              <a:rPr lang="zh-CN" altLang="en-US"/>
               <a:t>单击此处编辑母版文本样式</a:t>
             </a:r>
           </a:p>
           <a:p>
             <a:pPr lvl="1" eaLnBrk="1" latinLnBrk="0" hangingPunct="1"/>
             <a:r>
-              <a:rPr lang="zh-CN" altLang="en-US" smtClean="0"/>
+              <a:rPr lang="zh-CN" altLang="en-US"/>
               <a:t>第二级</a:t>
             </a:r>
           </a:p>
           <a:p>
             <a:pPr lvl="2" eaLnBrk="1" latinLnBrk="0" hangingPunct="1"/>
             <a:r>
-              <a:rPr lang="zh-CN" altLang="en-US" smtClean="0"/>
+              <a:rPr lang="zh-CN" altLang="en-US"/>
               <a:t>第三级</a:t>
             </a:r>
           </a:p>
           <a:p>
             <a:pPr lvl="3" eaLnBrk="1" latinLnBrk="0" hangingPunct="1"/>
             <a:r>
-              <a:rPr lang="zh-CN" altLang="en-US" smtClean="0"/>
+              <a:rPr lang="zh-CN" altLang="en-US"/>
               <a:t>第四级</a:t>
             </a:r>
           </a:p>
           <a:p>
             <a:pPr lvl="4" eaLnBrk="1" latinLnBrk="0" hangingPunct="1"/>
             <a:r>
-              <a:rPr lang="zh-CN" altLang="en-US" smtClean="0"/>
+              <a:rPr lang="zh-CN" altLang="en-US"/>
               <a:t>第五级</a:t>
             </a:r>
             <a:endParaRPr kumimoji="0" lang="en-US"/>
@@ -20544,7 +23455,7 @@
           </a:lstStyle>
           <a:p>
             <a:r>
-              <a:rPr kumimoji="0" lang="zh-CN" altLang="en-US" smtClean="0"/>
+              <a:rPr kumimoji="0" lang="zh-CN" altLang="en-US"/>
               <a:t>单击此处编辑母版标题样式</a:t>
             </a:r>
             <a:endParaRPr kumimoji="0" lang="en-US"/>
@@ -20591,7 +23502,7 @@
           <a:p>
             <a:pPr lvl="0" eaLnBrk="1" latinLnBrk="0" hangingPunct="1"/>
             <a:r>
-              <a:rPr kumimoji="0" lang="zh-CN" altLang="en-US" smtClean="0"/>
+              <a:rPr kumimoji="0" lang="zh-CN" altLang="en-US"/>
               <a:t>单击此处编辑母版文本样式</a:t>
             </a:r>
           </a:p>
@@ -20615,7 +23526,7 @@
             <a:fld id="{530820CF-B880-4189-942D-D702A7CBA730}" type="datetimeFigureOut">
               <a:rPr lang="zh-CN" altLang="en-US" smtClean="0"/>
               <a:pPr/>
-              <a:t>2016/11/8</a:t>
+              <a:t>2016/11/10</a:t>
             </a:fld>
             <a:endParaRPr lang="zh-CN" altLang="en-US"/>
           </a:p>
@@ -20856,7 +23767,7 @@
           </a:lstStyle>
           <a:p>
             <a:r>
-              <a:rPr kumimoji="0" lang="zh-CN" altLang="en-US" smtClean="0"/>
+              <a:rPr kumimoji="0" lang="zh-CN" altLang="en-US"/>
               <a:t>单击图标添加图片</a:t>
             </a:r>
             <a:endParaRPr kumimoji="0" lang="en-US" dirty="0"/>
@@ -21013,7 +23924,7 @@
           <a:lstStyle/>
           <a:p>
             <a:r>
-              <a:rPr kumimoji="0" lang="zh-CN" altLang="en-US" smtClean="0"/>
+              <a:rPr kumimoji="0" lang="zh-CN" altLang="en-US"/>
               <a:t>单击此处编辑母版标题样式</a:t>
             </a:r>
             <a:endParaRPr kumimoji="0" lang="en-US"/>
@@ -21047,35 +23958,35 @@
           <a:p>
             <a:pPr lvl="0" eaLnBrk="1" latinLnBrk="0" hangingPunct="1"/>
             <a:r>
-              <a:rPr kumimoji="0" lang="zh-CN" altLang="en-US" smtClean="0"/>
+              <a:rPr kumimoji="0" lang="zh-CN" altLang="en-US"/>
               <a:t>单击此处编辑母版文本样式</a:t>
             </a:r>
           </a:p>
           <a:p>
             <a:pPr lvl="1" eaLnBrk="1" latinLnBrk="0" hangingPunct="1"/>
             <a:r>
-              <a:rPr kumimoji="0" lang="zh-CN" altLang="en-US" smtClean="0"/>
+              <a:rPr kumimoji="0" lang="zh-CN" altLang="en-US"/>
               <a:t>第二级</a:t>
             </a:r>
           </a:p>
           <a:p>
             <a:pPr lvl="2" eaLnBrk="1" latinLnBrk="0" hangingPunct="1"/>
             <a:r>
-              <a:rPr kumimoji="0" lang="zh-CN" altLang="en-US" smtClean="0"/>
+              <a:rPr kumimoji="0" lang="zh-CN" altLang="en-US"/>
               <a:t>第三级</a:t>
             </a:r>
           </a:p>
           <a:p>
             <a:pPr lvl="3" eaLnBrk="1" latinLnBrk="0" hangingPunct="1"/>
             <a:r>
-              <a:rPr kumimoji="0" lang="zh-CN" altLang="en-US" smtClean="0"/>
+              <a:rPr kumimoji="0" lang="zh-CN" altLang="en-US"/>
               <a:t>第四级</a:t>
             </a:r>
           </a:p>
           <a:p>
             <a:pPr lvl="4" eaLnBrk="1" latinLnBrk="0" hangingPunct="1"/>
             <a:r>
-              <a:rPr kumimoji="0" lang="zh-CN" altLang="en-US" smtClean="0"/>
+              <a:rPr kumimoji="0" lang="zh-CN" altLang="en-US"/>
               <a:t>第五级</a:t>
             </a:r>
             <a:endParaRPr kumimoji="0" lang="en-US"/>
@@ -21116,7 +24027,7 @@
             <a:fld id="{530820CF-B880-4189-942D-D702A7CBA730}" type="datetimeFigureOut">
               <a:rPr lang="zh-CN" altLang="en-US" smtClean="0"/>
               <a:pPr/>
-              <a:t>2016/11/8</a:t>
+              <a:t>2016/11/10</a:t>
             </a:fld>
             <a:endParaRPr lang="zh-CN" altLang="en-US"/>
           </a:p>
@@ -21537,27 +24448,26 @@
           <a:lstStyle/>
           <a:p>
             <a:r>
-              <a:rPr lang="zh-CN" altLang="en-US" dirty="0" smtClean="0"/>
+              <a:rPr lang="zh-CN" altLang="en-US" dirty="0"/>
               <a:t>作者：蔡笋</a:t>
             </a:r>
-            <a:endParaRPr lang="en-US" altLang="zh-CN" dirty="0" smtClean="0"/>
+            <a:endParaRPr lang="en-US" altLang="zh-CN" dirty="0"/>
           </a:p>
           <a:p>
             <a:r>
-              <a:rPr lang="zh-CN" altLang="en-US" dirty="0" smtClean="0"/>
+              <a:rPr lang="zh-CN" altLang="en-US" dirty="0"/>
               <a:t>学号：</a:t>
             </a:r>
             <a:r>
-              <a:rPr lang="en-US" altLang="zh-CN" dirty="0" smtClean="0"/>
+              <a:rPr lang="en-US" altLang="zh-CN" dirty="0"/>
               <a:t>2012431301</a:t>
             </a:r>
           </a:p>
           <a:p>
             <a:r>
-              <a:rPr lang="zh-CN" altLang="en-US" dirty="0" smtClean="0"/>
+              <a:rPr lang="zh-CN" altLang="en-US" dirty="0"/>
               <a:t>导师：朱映映副教授</a:t>
             </a:r>
-            <a:endParaRPr lang="zh-CN" altLang="en-US" dirty="0"/>
           </a:p>
         </p:txBody>
       </p:sp>
@@ -21577,10 +24487,9 @@
           <a:lstStyle/>
           <a:p>
             <a:r>
-              <a:rPr lang="zh-CN" altLang="en-US" dirty="0" smtClean="0"/>
+              <a:rPr lang="zh-CN" altLang="en-US" dirty="0"/>
               <a:t>面向移动应用开发的数据交互服务框架的研发</a:t>
             </a:r>
-            <a:endParaRPr lang="zh-CN" altLang="en-US" dirty="0"/>
           </a:p>
         </p:txBody>
       </p:sp>
@@ -21589,13 +24498,6 @@
   <p:clrMapOvr>
     <a:masterClrMapping/>
   </p:clrMapOvr>
-  <p:timing>
-    <p:tnLst>
-      <p:par>
-        <p:cTn id="1" dur="indefinite" restart="never" nodeType="tmRoot"/>
-      </p:par>
-    </p:tnLst>
-  </p:timing>
 </p:sld>
 </file>
 
@@ -21632,10 +24534,10 @@
           <a:lstStyle/>
           <a:p>
             <a:r>
-              <a:rPr lang="zh-CN" altLang="en-US" dirty="0" smtClean="0"/>
+              <a:rPr lang="zh-CN" altLang="en-US" dirty="0"/>
               <a:t>移动应用数据交互模块</a:t>
             </a:r>
-            <a:endParaRPr lang="en-US" altLang="zh-CN" dirty="0" smtClean="0"/>
+            <a:endParaRPr lang="en-US" altLang="zh-CN" dirty="0"/>
           </a:p>
         </p:txBody>
       </p:sp>
@@ -21698,13 +24600,6 @@
   <p:clrMapOvr>
     <a:masterClrMapping/>
   </p:clrMapOvr>
-  <p:timing>
-    <p:tnLst>
-      <p:par>
-        <p:cTn id="1" dur="indefinite" restart="never" nodeType="tmRoot"/>
-      </p:par>
-    </p:tnLst>
-  </p:timing>
 </p:sld>
 </file>
 
@@ -21748,10 +24643,10 @@
           <a:lstStyle/>
           <a:p>
             <a:r>
-              <a:rPr lang="zh-CN" altLang="en-US" dirty="0" smtClean="0"/>
+              <a:rPr lang="zh-CN" altLang="en-US" dirty="0"/>
               <a:t>远程数据交互访问流程图</a:t>
             </a:r>
-            <a:endParaRPr lang="en-US" altLang="zh-CN" dirty="0" smtClean="0"/>
+            <a:endParaRPr lang="en-US" altLang="zh-CN" dirty="0"/>
           </a:p>
         </p:txBody>
       </p:sp>
@@ -21772,19 +24667,19 @@
           </a:bodyPr>
           <a:lstStyle/>
           <a:p>
-            <a:endParaRPr lang="en-US" altLang="zh-CN" dirty="0" smtClean="0"/>
+            <a:endParaRPr lang="en-US" altLang="zh-CN" dirty="0"/>
           </a:p>
           <a:p>
-            <a:endParaRPr lang="en-US" altLang="zh-CN" dirty="0" smtClean="0"/>
+            <a:endParaRPr lang="en-US" altLang="zh-CN" dirty="0"/>
           </a:p>
           <a:p>
-            <a:endParaRPr lang="en-US" altLang="zh-CN" dirty="0" smtClean="0"/>
+            <a:endParaRPr lang="en-US" altLang="zh-CN" dirty="0"/>
           </a:p>
           <a:p>
-            <a:endParaRPr lang="en-US" altLang="zh-CN" dirty="0" smtClean="0"/>
+            <a:endParaRPr lang="en-US" altLang="zh-CN" dirty="0"/>
           </a:p>
           <a:p>
-            <a:endParaRPr lang="en-US" altLang="zh-CN" dirty="0" smtClean="0"/>
+            <a:endParaRPr lang="en-US" altLang="zh-CN" dirty="0"/>
           </a:p>
         </p:txBody>
       </p:sp>
@@ -21916,9 +24811,59 @@
         </p:xfrm>
         <a:graphic>
           <a:graphicData uri="http://schemas.openxmlformats.org/presentationml/2006/ole">
-            <p:oleObj spid="_x0000_s36867" name="Visio" r:id="rId3" imgW="4858728" imgH="2788557" progId="Visio.Drawing.11">
-              <p:embed/>
-            </p:oleObj>
+            <mc:AlternateContent xmlns:mc="http://schemas.openxmlformats.org/markup-compatibility/2006">
+              <mc:Choice xmlns:v="urn:schemas-microsoft-com:vml" Requires="v">
+                <p:oleObj spid="_x0000_s36870" name="Visio" r:id="rId3" imgW="4858728" imgH="2788557" progId="Visio.Drawing.11">
+                  <p:embed/>
+                </p:oleObj>
+              </mc:Choice>
+              <mc:Fallback>
+                <p:oleObj name="Visio" r:id="rId3" imgW="4858728" imgH="2788557" progId="Visio.Drawing.11">
+                  <p:embed/>
+                  <p:pic>
+                    <p:nvPicPr>
+                      <p:cNvPr id="0" name="Picture 3"/>
+                      <p:cNvPicPr>
+                        <a:picLocks noChangeAspect="1" noChangeArrowheads="1"/>
+                      </p:cNvPicPr>
+                      <p:nvPr/>
+                    </p:nvPicPr>
+                    <p:blipFill>
+                      <a:blip r:embed="rId4">
+                        <a:extLst>
+                          <a:ext uri="{28A0092B-C50C-407E-A947-70E740481C1C}">
+                            <a14:useLocalDpi xmlns:a14="http://schemas.microsoft.com/office/drawing/2010/main" val="0"/>
+                          </a:ext>
+                        </a:extLst>
+                      </a:blip>
+                      <a:srcRect/>
+                      <a:stretch>
+                        <a:fillRect/>
+                      </a:stretch>
+                    </p:blipFill>
+                    <p:spPr bwMode="auto">
+                      <a:xfrm>
+                        <a:off x="395536" y="1412776"/>
+                        <a:ext cx="8522995" cy="4896544"/>
+                      </a:xfrm>
+                      <a:prstGeom prst="rect">
+                        <a:avLst/>
+                      </a:prstGeom>
+                      <a:noFill/>
+                      <a:extLst>
+                        <a:ext uri="{909E8E84-426E-40DD-AFC4-6F175D3DCCD1}">
+                          <a14:hiddenFill xmlns:a14="http://schemas.microsoft.com/office/drawing/2010/main">
+                            <a:solidFill>
+                              <a:srgbClr val="FFFFFF"/>
+                            </a:solidFill>
+                          </a14:hiddenFill>
+                        </a:ext>
+                      </a:extLst>
+                    </p:spPr>
+                  </p:pic>
+                </p:oleObj>
+              </mc:Fallback>
+            </mc:AlternateContent>
           </a:graphicData>
         </a:graphic>
       </p:graphicFrame>
@@ -21927,13 +24872,6 @@
   <p:clrMapOvr>
     <a:masterClrMapping/>
   </p:clrMapOvr>
-  <p:timing>
-    <p:tnLst>
-      <p:par>
-        <p:cTn id="1" dur="indefinite" restart="never" nodeType="tmRoot"/>
-      </p:par>
-    </p:tnLst>
-  </p:timing>
 </p:sld>
 </file>
 
@@ -21972,10 +24910,10 @@
           <a:lstStyle/>
           <a:p>
             <a:r>
-              <a:rPr lang="zh-CN" altLang="en-US" dirty="0" smtClean="0"/>
+              <a:rPr lang="zh-CN" altLang="en-US" dirty="0"/>
               <a:t>解决移动应用开发的问题</a:t>
             </a:r>
-            <a:endParaRPr lang="en-US" altLang="zh-CN" dirty="0" smtClean="0"/>
+            <a:endParaRPr lang="en-US" altLang="zh-CN" dirty="0"/>
           </a:p>
         </p:txBody>
       </p:sp>
@@ -22038,13 +24976,6 @@
   <p:clrMapOvr>
     <a:masterClrMapping/>
   </p:clrMapOvr>
-  <p:timing>
-    <p:tnLst>
-      <p:par>
-        <p:cTn id="1" dur="indefinite" restart="never" nodeType="tmRoot"/>
-      </p:par>
-    </p:tnLst>
-  </p:timing>
 </p:sld>
 </file>
 
@@ -22081,10 +25012,9 @@
           <a:lstStyle/>
           <a:p>
             <a:r>
-              <a:rPr lang="zh-CN" altLang="en-US" dirty="0" smtClean="0"/>
+              <a:rPr lang="zh-CN" altLang="en-US" dirty="0"/>
               <a:t>课题研究应用</a:t>
             </a:r>
-            <a:endParaRPr lang="zh-CN" altLang="en-US" dirty="0"/>
           </a:p>
         </p:txBody>
       </p:sp>
@@ -22105,20 +25035,20 @@
           </a:bodyPr>
           <a:lstStyle/>
           <a:p>
-            <a:endParaRPr lang="en-US" altLang="zh-CN" dirty="0" smtClean="0"/>
+            <a:endParaRPr lang="en-US" altLang="zh-CN" dirty="0"/>
           </a:p>
           <a:p>
             <a:r>
-              <a:rPr lang="zh-CN" altLang="en-US" dirty="0" smtClean="0"/>
+              <a:rPr lang="zh-CN" altLang="en-US" dirty="0"/>
               <a:t>本课题以完成一个安卓版的新闻客户端来验证开发过程的简单，高效和低成本和简要二次开发</a:t>
             </a:r>
-            <a:endParaRPr lang="en-US" altLang="zh-CN" dirty="0" smtClean="0"/>
+            <a:endParaRPr lang="en-US" altLang="zh-CN" dirty="0"/>
           </a:p>
           <a:p>
-            <a:endParaRPr lang="en-US" altLang="zh-CN" dirty="0" smtClean="0"/>
+            <a:endParaRPr lang="en-US" altLang="zh-CN" dirty="0"/>
           </a:p>
           <a:p>
-            <a:endParaRPr lang="en-US" altLang="zh-CN" dirty="0" smtClean="0"/>
+            <a:endParaRPr lang="en-US" altLang="zh-CN" dirty="0"/>
           </a:p>
         </p:txBody>
       </p:sp>
@@ -22477,22 +25407,21 @@
           <a:lstStyle/>
           <a:p>
             <a:r>
-              <a:rPr lang="en-US" altLang="zh-CN" dirty="0" smtClean="0"/>
+              <a:rPr lang="en-US" altLang="zh-CN" dirty="0"/>
               <a:t>1</a:t>
             </a:r>
             <a:r>
-              <a:rPr lang="zh-CN" altLang="en-US" dirty="0" smtClean="0"/>
+              <a:rPr lang="zh-CN" altLang="en-US" dirty="0"/>
               <a:t>、设计新闻业务</a:t>
             </a:r>
             <a:r>
-              <a:rPr lang="en-US" altLang="zh-CN" dirty="0" smtClean="0"/>
+              <a:rPr lang="en-US" altLang="zh-CN" dirty="0"/>
               <a:t>XML</a:t>
             </a:r>
             <a:r>
-              <a:rPr lang="zh-CN" altLang="en-US" dirty="0" smtClean="0"/>
+              <a:rPr lang="zh-CN" altLang="en-US" dirty="0"/>
               <a:t>模型</a:t>
             </a:r>
-            <a:endParaRPr lang="zh-CN" altLang="en-US" dirty="0"/>
           </a:p>
         </p:txBody>
       </p:sp>
@@ -23369,14 +26298,13 @@
           <a:lstStyle/>
           <a:p>
             <a:r>
-              <a:rPr lang="en-US" altLang="zh-CN" dirty="0" smtClean="0"/>
+              <a:rPr lang="en-US" altLang="zh-CN" dirty="0"/>
               <a:t>2</a:t>
             </a:r>
             <a:r>
-              <a:rPr lang="zh-CN" altLang="en-US" dirty="0" smtClean="0"/>
+              <a:rPr lang="zh-CN" altLang="en-US" dirty="0"/>
               <a:t>、进行一些二次开发的业务逻辑</a:t>
             </a:r>
-            <a:endParaRPr lang="zh-CN" altLang="en-US" dirty="0"/>
           </a:p>
         </p:txBody>
       </p:sp>
@@ -23606,14 +26534,13 @@
           <a:lstStyle/>
           <a:p>
             <a:r>
-              <a:rPr lang="en-US" altLang="zh-CN" dirty="0" smtClean="0"/>
+              <a:rPr lang="en-US" altLang="zh-CN" dirty="0"/>
               <a:t>3</a:t>
             </a:r>
             <a:r>
-              <a:rPr lang="zh-CN" altLang="en-US" dirty="0" smtClean="0"/>
+              <a:rPr lang="zh-CN" altLang="en-US" dirty="0"/>
               <a:t>、移动应用中获取远程数据</a:t>
             </a:r>
-            <a:endParaRPr lang="zh-CN" altLang="en-US" dirty="0"/>
           </a:p>
         </p:txBody>
       </p:sp>
@@ -23654,13 +26581,6 @@
   <p:clrMapOvr>
     <a:masterClrMapping/>
   </p:clrMapOvr>
-  <p:timing>
-    <p:tnLst>
-      <p:par>
-        <p:cTn id="1" dur="indefinite" restart="never" nodeType="tmRoot"/>
-      </p:par>
-    </p:tnLst>
-  </p:timing>
 </p:sld>
 </file>
 
@@ -23699,18 +26619,18 @@
           <a:lstStyle/>
           <a:p>
             <a:r>
-              <a:rPr lang="zh-CN" altLang="en-US" dirty="0" smtClean="0"/>
+              <a:rPr lang="zh-CN" altLang="en-US" dirty="0"/>
               <a:t>总结</a:t>
             </a:r>
             <a:r>
-              <a:rPr lang="en-US" altLang="zh-CN" dirty="0" smtClean="0"/>
+              <a:rPr lang="en-US" altLang="zh-CN" dirty="0"/>
               <a:t>-</a:t>
             </a:r>
             <a:r>
-              <a:rPr lang="zh-CN" altLang="en-US" dirty="0" smtClean="0"/>
+              <a:rPr lang="zh-CN" altLang="en-US" dirty="0"/>
               <a:t>数据交互服务管理系统优点</a:t>
             </a:r>
-            <a:endParaRPr lang="en-US" altLang="zh-CN" dirty="0" smtClean="0"/>
+            <a:endParaRPr lang="en-US" altLang="zh-CN" dirty="0"/>
           </a:p>
         </p:txBody>
       </p:sp>
@@ -23737,11 +26657,11 @@
               </a:lnSpc>
             </a:pPr>
             <a:r>
-              <a:rPr lang="zh-CN" altLang="en-US" dirty="0" smtClean="0"/>
+              <a:rPr lang="zh-CN" altLang="en-US" dirty="0"/>
               <a:t>通过设计模板</a:t>
             </a:r>
             <a:r>
-              <a:rPr lang="zh-CN" altLang="en-US" b="1" dirty="0" smtClean="0">
+              <a:rPr lang="zh-CN" altLang="en-US" b="1" dirty="0">
                 <a:solidFill>
                   <a:srgbClr val="FF0000"/>
                 </a:solidFill>
@@ -23749,18 +26669,18 @@
               <a:t>一键生成</a:t>
             </a:r>
             <a:r>
-              <a:rPr lang="zh-CN" altLang="en-US" dirty="0" smtClean="0"/>
+              <a:rPr lang="zh-CN" altLang="en-US" dirty="0"/>
               <a:t>数据交互服务</a:t>
             </a:r>
             <a:r>
-              <a:rPr lang="zh-CN" altLang="en-US" b="1" dirty="0" smtClean="0">
+              <a:rPr lang="zh-CN" altLang="en-US" b="1" dirty="0">
                 <a:solidFill>
                   <a:srgbClr val="FF0000"/>
                 </a:solidFill>
               </a:rPr>
               <a:t>系统</a:t>
             </a:r>
-            <a:endParaRPr lang="en-US" altLang="zh-CN" b="1" dirty="0" smtClean="0">
+            <a:endParaRPr lang="en-US" altLang="zh-CN" b="1" dirty="0">
               <a:solidFill>
                 <a:srgbClr val="FF0000"/>
               </a:solidFill>
@@ -23773,7 +26693,7 @@
               </a:lnSpc>
             </a:pPr>
             <a:r>
-              <a:rPr lang="zh-CN" altLang="en-US" b="1" dirty="0" smtClean="0">
+              <a:rPr lang="zh-CN" altLang="en-US" b="1" dirty="0">
                 <a:solidFill>
                   <a:srgbClr val="FF0000"/>
                 </a:solidFill>
@@ -23781,18 +26701,18 @@
               <a:t>自动生成</a:t>
             </a:r>
             <a:r>
-              <a:rPr lang="zh-CN" altLang="en-US" dirty="0" smtClean="0"/>
+              <a:rPr lang="zh-CN" altLang="en-US" dirty="0"/>
               <a:t>移动应用开发包</a:t>
             </a:r>
             <a:r>
-              <a:rPr lang="zh-CN" altLang="en-US" b="1" dirty="0" smtClean="0">
+              <a:rPr lang="zh-CN" altLang="en-US" b="1" dirty="0">
                 <a:solidFill>
                   <a:srgbClr val="FF0000"/>
                 </a:solidFill>
               </a:rPr>
               <a:t>代码</a:t>
             </a:r>
-            <a:endParaRPr lang="en-US" altLang="zh-CN" b="1" dirty="0" smtClean="0">
+            <a:endParaRPr lang="en-US" altLang="zh-CN" b="1" dirty="0">
               <a:solidFill>
                 <a:srgbClr val="FF0000"/>
               </a:solidFill>
@@ -23805,18 +26725,18 @@
               </a:lnSpc>
             </a:pPr>
             <a:r>
-              <a:rPr lang="zh-CN" altLang="en-US" dirty="0" smtClean="0"/>
+              <a:rPr lang="zh-CN" altLang="en-US" dirty="0"/>
               <a:t>面向</a:t>
             </a:r>
             <a:r>
-              <a:rPr lang="zh-CN" altLang="en-US" b="1" dirty="0" smtClean="0">
+              <a:rPr lang="zh-CN" altLang="en-US" b="1" dirty="0">
                 <a:solidFill>
                   <a:srgbClr val="FF0000"/>
                 </a:solidFill>
               </a:rPr>
               <a:t>多种数据库</a:t>
             </a:r>
-            <a:endParaRPr lang="en-US" altLang="zh-CN" b="1" dirty="0" smtClean="0">
+            <a:endParaRPr lang="en-US" altLang="zh-CN" b="1" dirty="0">
               <a:solidFill>
                 <a:srgbClr val="FF0000"/>
               </a:solidFill>
@@ -23829,11 +26749,11 @@
               </a:lnSpc>
             </a:pPr>
             <a:r>
-              <a:rPr lang="zh-CN" altLang="en-US" dirty="0" smtClean="0"/>
+              <a:rPr lang="zh-CN" altLang="en-US" dirty="0"/>
               <a:t>灵活</a:t>
             </a:r>
             <a:r>
-              <a:rPr lang="zh-CN" altLang="en-US" b="1" dirty="0" smtClean="0">
+              <a:rPr lang="zh-CN" altLang="en-US" b="1" dirty="0">
                 <a:solidFill>
                   <a:srgbClr val="FF0000"/>
                 </a:solidFill>
@@ -23841,18 +26761,18 @@
               <a:t>简单</a:t>
             </a:r>
             <a:r>
-              <a:rPr lang="zh-CN" altLang="en-US" dirty="0" smtClean="0"/>
+              <a:rPr lang="zh-CN" altLang="en-US" dirty="0"/>
               <a:t>的</a:t>
             </a:r>
             <a:r>
-              <a:rPr lang="zh-CN" altLang="en-US" b="1" dirty="0" smtClean="0">
+              <a:rPr lang="zh-CN" altLang="en-US" b="1" dirty="0">
                 <a:solidFill>
                   <a:srgbClr val="FF0000"/>
                 </a:solidFill>
               </a:rPr>
               <a:t>二次开发</a:t>
             </a:r>
-            <a:endParaRPr lang="en-US" altLang="zh-CN" b="1" dirty="0" smtClean="0">
+            <a:endParaRPr lang="en-US" altLang="zh-CN" b="1" dirty="0">
               <a:solidFill>
                 <a:srgbClr val="FF0000"/>
               </a:solidFill>
@@ -23865,7 +26785,7 @@
               </a:lnSpc>
             </a:pPr>
             <a:r>
-              <a:rPr lang="zh-CN" altLang="en-US" b="1" dirty="0" smtClean="0">
+              <a:rPr lang="zh-CN" altLang="en-US" b="1" dirty="0">
                 <a:solidFill>
                   <a:srgbClr val="FF0000"/>
                 </a:solidFill>
@@ -23873,18 +26793,18 @@
               <a:t>升级</a:t>
             </a:r>
             <a:r>
-              <a:rPr lang="zh-CN" altLang="en-US" dirty="0" smtClean="0"/>
+              <a:rPr lang="zh-CN" altLang="en-US" dirty="0"/>
               <a:t>系统修改</a:t>
             </a:r>
             <a:r>
-              <a:rPr lang="zh-CN" altLang="en-US" b="1" dirty="0" smtClean="0">
+              <a:rPr lang="zh-CN" altLang="en-US" b="1" dirty="0">
                 <a:solidFill>
                   <a:srgbClr val="FF0000"/>
                 </a:solidFill>
               </a:rPr>
               <a:t>容易</a:t>
             </a:r>
-            <a:endParaRPr lang="en-US" altLang="zh-CN" b="1" dirty="0" smtClean="0">
+            <a:endParaRPr lang="en-US" altLang="zh-CN" b="1" dirty="0">
               <a:solidFill>
                 <a:srgbClr val="FF0000"/>
               </a:solidFill>
@@ -23897,7 +26817,7 @@
               </a:lnSpc>
             </a:pPr>
             <a:r>
-              <a:rPr lang="zh-CN" altLang="en-US" b="1" dirty="0" smtClean="0">
+              <a:rPr lang="zh-CN" altLang="en-US" b="1" dirty="0">
                 <a:solidFill>
                   <a:srgbClr val="FF0000"/>
                 </a:solidFill>
@@ -23905,10 +26825,10 @@
               <a:t>部署简单</a:t>
             </a:r>
             <a:r>
-              <a:rPr lang="zh-CN" altLang="en-US" dirty="0" smtClean="0"/>
+              <a:rPr lang="zh-CN" altLang="en-US" dirty="0"/>
               <a:t>便捷</a:t>
             </a:r>
-            <a:endParaRPr lang="en-US" altLang="zh-CN" dirty="0" smtClean="0"/>
+            <a:endParaRPr lang="en-US" altLang="zh-CN" dirty="0"/>
           </a:p>
           <a:p>
             <a:pPr>
@@ -23917,25 +26837,25 @@
               </a:lnSpc>
             </a:pPr>
             <a:r>
-              <a:rPr lang="zh-CN" altLang="en-US" dirty="0" smtClean="0"/>
+              <a:rPr lang="zh-CN" altLang="en-US" dirty="0"/>
               <a:t>成本低</a:t>
             </a:r>
-            <a:endParaRPr lang="en-US" altLang="zh-CN" dirty="0" smtClean="0"/>
+            <a:endParaRPr lang="en-US" altLang="zh-CN" dirty="0"/>
           </a:p>
           <a:p>
-            <a:endParaRPr lang="en-US" altLang="zh-CN" dirty="0" smtClean="0"/>
+            <a:endParaRPr lang="en-US" altLang="zh-CN" dirty="0"/>
           </a:p>
           <a:p>
-            <a:endParaRPr lang="en-US" altLang="zh-CN" dirty="0" smtClean="0"/>
+            <a:endParaRPr lang="en-US" altLang="zh-CN" dirty="0"/>
           </a:p>
           <a:p>
-            <a:endParaRPr lang="en-US" altLang="zh-CN" dirty="0" smtClean="0"/>
+            <a:endParaRPr lang="en-US" altLang="zh-CN" dirty="0"/>
           </a:p>
           <a:p>
-            <a:endParaRPr lang="en-US" altLang="zh-CN" dirty="0" smtClean="0"/>
+            <a:endParaRPr lang="en-US" altLang="zh-CN" dirty="0"/>
           </a:p>
           <a:p>
-            <a:endParaRPr lang="en-US" altLang="zh-CN" dirty="0" smtClean="0"/>
+            <a:endParaRPr lang="en-US" altLang="zh-CN" dirty="0"/>
           </a:p>
         </p:txBody>
       </p:sp>
@@ -23982,13 +26902,6 @@
   <p:clrMapOvr>
     <a:masterClrMapping/>
   </p:clrMapOvr>
-  <p:timing>
-    <p:tnLst>
-      <p:par>
-        <p:cTn id="1" dur="indefinite" restart="never" nodeType="tmRoot"/>
-      </p:par>
-    </p:tnLst>
-  </p:timing>
 </p:sld>
 </file>
 
@@ -24027,18 +26940,17 @@
           <a:lstStyle/>
           <a:p>
             <a:r>
-              <a:rPr lang="zh-CN" altLang="en-US" dirty="0" smtClean="0"/>
+              <a:rPr lang="zh-CN" altLang="en-US" dirty="0"/>
               <a:t>总结</a:t>
             </a:r>
             <a:r>
-              <a:rPr lang="en-US" altLang="zh-CN" dirty="0" smtClean="0"/>
+              <a:rPr lang="en-US" altLang="zh-CN" dirty="0"/>
               <a:t>-</a:t>
             </a:r>
             <a:r>
-              <a:rPr lang="zh-CN" altLang="en-US" dirty="0" smtClean="0"/>
+              <a:rPr lang="zh-CN" altLang="en-US" dirty="0"/>
               <a:t>移动应用数据交互组件的优点</a:t>
             </a:r>
-            <a:endParaRPr lang="zh-CN" altLang="en-US" dirty="0"/>
           </a:p>
         </p:txBody>
       </p:sp>
@@ -24060,7 +26972,7 @@
           <a:lstStyle/>
           <a:p>
             <a:r>
-              <a:rPr lang="zh-CN" altLang="en-US" b="1" dirty="0" smtClean="0">
+              <a:rPr lang="zh-CN" altLang="en-US" b="1" dirty="0">
                 <a:solidFill>
                   <a:srgbClr val="FF0000"/>
                 </a:solidFill>
@@ -24068,38 +26980,38 @@
               <a:t>本地化存储</a:t>
             </a:r>
             <a:r>
-              <a:rPr lang="zh-CN" altLang="en-US" dirty="0" smtClean="0"/>
+              <a:rPr lang="zh-CN" altLang="en-US" dirty="0"/>
               <a:t>到手机的</a:t>
             </a:r>
             <a:r>
-              <a:rPr lang="en-US" altLang="zh-CN" dirty="0" err="1" smtClean="0"/>
+              <a:rPr lang="en-US" altLang="zh-CN" dirty="0" err="1"/>
               <a:t>Sqlite</a:t>
             </a:r>
             <a:r>
-              <a:rPr lang="zh-CN" altLang="en-US" dirty="0" smtClean="0"/>
+              <a:rPr lang="zh-CN" altLang="en-US" dirty="0"/>
               <a:t>或者</a:t>
             </a:r>
             <a:r>
-              <a:rPr lang="en-US" altLang="zh-CN" dirty="0" smtClean="0"/>
+              <a:rPr lang="en-US" altLang="zh-CN" dirty="0"/>
               <a:t>HTML5</a:t>
             </a:r>
             <a:r>
-              <a:rPr lang="zh-CN" altLang="en-US" dirty="0" smtClean="0"/>
+              <a:rPr lang="zh-CN" altLang="en-US" dirty="0"/>
               <a:t>的</a:t>
             </a:r>
             <a:r>
-              <a:rPr lang="en-US" altLang="zh-CN" dirty="0" err="1" smtClean="0"/>
+              <a:rPr lang="en-US" altLang="zh-CN" dirty="0" err="1"/>
               <a:t>LocalStorage</a:t>
             </a:r>
-            <a:endParaRPr lang="en-US" altLang="zh-CN" dirty="0" smtClean="0"/>
+            <a:endParaRPr lang="en-US" altLang="zh-CN" dirty="0"/>
           </a:p>
           <a:p>
             <a:r>
-              <a:rPr lang="zh-CN" altLang="en-US" dirty="0" smtClean="0"/>
+              <a:rPr lang="zh-CN" altLang="en-US" dirty="0"/>
               <a:t>安全稳定的远程</a:t>
             </a:r>
             <a:r>
-              <a:rPr lang="zh-CN" altLang="en-US" b="1" dirty="0" smtClean="0">
+              <a:rPr lang="zh-CN" altLang="en-US" b="1" dirty="0">
                 <a:solidFill>
                   <a:srgbClr val="FF0000"/>
                 </a:solidFill>
@@ -24107,14 +27019,14 @@
               <a:t>网络请求</a:t>
             </a:r>
             <a:r>
-              <a:rPr lang="zh-CN" altLang="en-US" dirty="0" smtClean="0"/>
+              <a:rPr lang="zh-CN" altLang="en-US" dirty="0"/>
               <a:t>并解析为数据对象</a:t>
             </a:r>
-            <a:endParaRPr lang="en-US" altLang="zh-CN" dirty="0" smtClean="0"/>
+            <a:endParaRPr lang="en-US" altLang="zh-CN" dirty="0"/>
           </a:p>
           <a:p>
             <a:r>
-              <a:rPr lang="zh-CN" altLang="en-US" dirty="0" smtClean="0">
+              <a:rPr lang="zh-CN" altLang="en-US" dirty="0">
                 <a:solidFill>
                   <a:srgbClr val="0070C0"/>
                 </a:solidFill>
@@ -24122,11 +27034,11 @@
               <a:t>自动生成</a:t>
             </a:r>
             <a:r>
-              <a:rPr lang="zh-CN" altLang="en-US" dirty="0" smtClean="0"/>
+              <a:rPr lang="zh-CN" altLang="en-US" dirty="0"/>
               <a:t>相关字段的</a:t>
             </a:r>
             <a:r>
-              <a:rPr lang="zh-CN" altLang="en-US" dirty="0" smtClean="0">
+              <a:rPr lang="zh-CN" altLang="en-US" dirty="0">
                 <a:solidFill>
                   <a:srgbClr val="0070C0"/>
                 </a:solidFill>
@@ -24134,14 +27046,14 @@
               <a:t>业务数据对象</a:t>
             </a:r>
             <a:r>
-              <a:rPr lang="zh-CN" altLang="en-US" dirty="0" smtClean="0"/>
+              <a:rPr lang="zh-CN" altLang="en-US" dirty="0"/>
               <a:t>，便于开发者基于面向对象进行核心代码的研发</a:t>
             </a:r>
-            <a:endParaRPr lang="en-US" altLang="zh-CN" dirty="0" smtClean="0"/>
+            <a:endParaRPr lang="en-US" altLang="zh-CN" dirty="0"/>
           </a:p>
           <a:p>
             <a:r>
-              <a:rPr lang="zh-CN" altLang="en-US" dirty="0" smtClean="0">
+              <a:rPr lang="zh-CN" altLang="en-US" dirty="0">
                 <a:solidFill>
                   <a:srgbClr val="0070C0"/>
                 </a:solidFill>
@@ -24149,11 +27061,11 @@
               <a:t>自动生成</a:t>
             </a:r>
             <a:r>
-              <a:rPr lang="zh-CN" altLang="en-US" dirty="0" smtClean="0"/>
+              <a:rPr lang="zh-CN" altLang="en-US" dirty="0"/>
               <a:t>相关字段的</a:t>
             </a:r>
             <a:r>
-              <a:rPr lang="zh-CN" altLang="en-US" dirty="0" smtClean="0">
+              <a:rPr lang="zh-CN" altLang="en-US" dirty="0">
                 <a:solidFill>
                   <a:srgbClr val="0070C0"/>
                 </a:solidFill>
@@ -24161,14 +27073,14 @@
               <a:t>数据访问对象</a:t>
             </a:r>
             <a:r>
-              <a:rPr lang="zh-CN" altLang="en-US" dirty="0" smtClean="0"/>
+              <a:rPr lang="zh-CN" altLang="en-US" dirty="0"/>
               <a:t>以及数据库表，便于直接获取相关数据</a:t>
             </a:r>
-            <a:endParaRPr lang="en-US" altLang="zh-CN" dirty="0" smtClean="0"/>
+            <a:endParaRPr lang="en-US" altLang="zh-CN" dirty="0"/>
           </a:p>
           <a:p>
             <a:r>
-              <a:rPr lang="zh-CN" altLang="en-US" dirty="0" smtClean="0">
+              <a:rPr lang="zh-CN" altLang="en-US" dirty="0">
                 <a:solidFill>
                   <a:srgbClr val="0070C0"/>
                 </a:solidFill>
@@ -24176,18 +27088,18 @@
               <a:t>自动生成</a:t>
             </a:r>
             <a:r>
-              <a:rPr lang="zh-CN" altLang="en-US" dirty="0" smtClean="0"/>
+              <a:rPr lang="zh-CN" altLang="en-US" dirty="0"/>
               <a:t>相关的</a:t>
             </a:r>
             <a:r>
-              <a:rPr lang="zh-CN" altLang="en-US" dirty="0" smtClean="0">
+              <a:rPr lang="zh-CN" altLang="en-US" dirty="0">
                 <a:solidFill>
                   <a:srgbClr val="0070C0"/>
                 </a:solidFill>
               </a:rPr>
               <a:t>远程数据加载对象</a:t>
             </a:r>
-            <a:endParaRPr lang="en-US" altLang="zh-CN" dirty="0" smtClean="0">
+            <a:endParaRPr lang="en-US" altLang="zh-CN" dirty="0">
               <a:solidFill>
                 <a:srgbClr val="0070C0"/>
               </a:solidFill>
@@ -24195,25 +27107,25 @@
           </a:p>
           <a:p>
             <a:r>
-              <a:rPr lang="zh-CN" altLang="en-US" dirty="0" smtClean="0"/>
+              <a:rPr lang="zh-CN" altLang="en-US" dirty="0"/>
               <a:t>基于可继承性和可二次开发的原则</a:t>
             </a:r>
-            <a:endParaRPr lang="en-US" altLang="zh-CN" dirty="0" smtClean="0"/>
+            <a:endParaRPr lang="en-US" altLang="zh-CN" dirty="0"/>
           </a:p>
           <a:p>
-            <a:endParaRPr lang="en-US" altLang="zh-CN" dirty="0" smtClean="0"/>
+            <a:endParaRPr lang="en-US" altLang="zh-CN" dirty="0"/>
           </a:p>
           <a:p>
-            <a:endParaRPr lang="en-US" altLang="zh-CN" dirty="0" smtClean="0"/>
+            <a:endParaRPr lang="en-US" altLang="zh-CN" dirty="0"/>
           </a:p>
           <a:p>
-            <a:endParaRPr lang="en-US" altLang="zh-CN" dirty="0" smtClean="0"/>
+            <a:endParaRPr lang="en-US" altLang="zh-CN" dirty="0"/>
           </a:p>
           <a:p>
-            <a:endParaRPr lang="en-US" altLang="zh-CN" dirty="0" smtClean="0"/>
+            <a:endParaRPr lang="en-US" altLang="zh-CN" dirty="0"/>
           </a:p>
           <a:p>
-            <a:endParaRPr lang="en-US" altLang="zh-CN" dirty="0" smtClean="0"/>
+            <a:endParaRPr lang="en-US" altLang="zh-CN" dirty="0"/>
           </a:p>
         </p:txBody>
       </p:sp>
@@ -24260,13 +27172,6 @@
   <p:clrMapOvr>
     <a:masterClrMapping/>
   </p:clrMapOvr>
-  <p:timing>
-    <p:tnLst>
-      <p:par>
-        <p:cTn id="1" dur="indefinite" restart="never" nodeType="tmRoot"/>
-      </p:par>
-    </p:tnLst>
-  </p:timing>
 </p:sld>
 </file>
 
@@ -24303,10 +27208,9 @@
           <a:lstStyle/>
           <a:p>
             <a:r>
-              <a:rPr lang="zh-CN" altLang="en-US" dirty="0" smtClean="0"/>
+              <a:rPr lang="zh-CN" altLang="en-US" dirty="0"/>
               <a:t>未来展望</a:t>
             </a:r>
-            <a:endParaRPr lang="zh-CN" altLang="en-US" dirty="0"/>
           </a:p>
         </p:txBody>
       </p:sp>
@@ -24326,39 +27230,38 @@
           <a:lstStyle/>
           <a:p>
             <a:r>
-              <a:rPr lang="zh-CN" altLang="en-US" dirty="0" smtClean="0"/>
+              <a:rPr lang="zh-CN" altLang="en-US" dirty="0"/>
               <a:t>直接以私有云的数据交互服务平台的方式为各种需要数据交互服务的</a:t>
             </a:r>
             <a:r>
-              <a:rPr lang="en-US" altLang="zh-CN" dirty="0" smtClean="0"/>
+              <a:rPr lang="en-US" altLang="zh-CN" dirty="0"/>
               <a:t>APP</a:t>
             </a:r>
             <a:r>
-              <a:rPr lang="zh-CN" altLang="en-US" dirty="0" smtClean="0"/>
+              <a:rPr lang="zh-CN" altLang="en-US" dirty="0"/>
               <a:t>以建立商业模式。</a:t>
             </a:r>
-            <a:endParaRPr lang="en-US" altLang="zh-CN" dirty="0" smtClean="0"/>
+            <a:endParaRPr lang="en-US" altLang="zh-CN" dirty="0"/>
           </a:p>
           <a:p>
-            <a:endParaRPr lang="en-US" altLang="zh-CN" dirty="0" smtClean="0"/>
+            <a:endParaRPr lang="en-US" altLang="zh-CN" dirty="0"/>
           </a:p>
           <a:p>
-            <a:endParaRPr lang="en-US" altLang="zh-CN" dirty="0" smtClean="0"/>
+            <a:endParaRPr lang="en-US" altLang="zh-CN" dirty="0"/>
           </a:p>
           <a:p>
             <a:r>
-              <a:rPr lang="zh-CN" altLang="en-US" dirty="0" smtClean="0"/>
+              <a:rPr lang="zh-CN" altLang="en-US" dirty="0"/>
               <a:t>一键生成</a:t>
             </a:r>
             <a:r>
-              <a:rPr lang="en-US" altLang="zh-CN" dirty="0" smtClean="0"/>
+              <a:rPr lang="en-US" altLang="zh-CN" dirty="0"/>
               <a:t>APP</a:t>
             </a:r>
             <a:r>
-              <a:rPr lang="zh-CN" altLang="en-US" dirty="0" smtClean="0"/>
+              <a:rPr lang="zh-CN" altLang="en-US" dirty="0"/>
               <a:t>，为非技术的移动应用创业者提供支持，只需要设计业务对象和录入数据即可。</a:t>
             </a:r>
-            <a:endParaRPr lang="zh-CN" altLang="en-US" dirty="0"/>
           </a:p>
         </p:txBody>
       </p:sp>
@@ -24367,13 +27270,6 @@
   <p:clrMapOvr>
     <a:masterClrMapping/>
   </p:clrMapOvr>
-  <p:timing>
-    <p:tnLst>
-      <p:par>
-        <p:cTn id="1" dur="indefinite" restart="never" nodeType="tmRoot"/>
-      </p:par>
-    </p:tnLst>
-  </p:timing>
 </p:sld>
 </file>
 
@@ -24410,10 +27306,9 @@
           <a:lstStyle/>
           <a:p>
             <a:r>
-              <a:rPr lang="zh-CN" altLang="en-US" dirty="0" smtClean="0"/>
+              <a:rPr lang="zh-CN" altLang="en-US" dirty="0"/>
               <a:t>课题研究背景及意义</a:t>
             </a:r>
-            <a:endParaRPr lang="zh-CN" altLang="en-US" dirty="0"/>
           </a:p>
         </p:txBody>
       </p:sp>
@@ -24440,18 +27335,18 @@
               </a:lnSpc>
             </a:pPr>
             <a:r>
-              <a:rPr lang="zh-CN" altLang="en-US" dirty="0" smtClean="0"/>
+              <a:rPr lang="zh-CN" altLang="en-US" dirty="0"/>
               <a:t>国家互联网</a:t>
             </a:r>
             <a:r>
-              <a:rPr lang="en-US" altLang="zh-CN" dirty="0" smtClean="0"/>
+              <a:rPr lang="en-US" altLang="zh-CN" dirty="0"/>
               <a:t>+</a:t>
             </a:r>
             <a:r>
-              <a:rPr lang="zh-CN" altLang="en-US" dirty="0" smtClean="0"/>
+              <a:rPr lang="zh-CN" altLang="en-US" dirty="0"/>
               <a:t>概念的提出</a:t>
             </a:r>
-            <a:endParaRPr lang="en-US" altLang="zh-CN" dirty="0" smtClean="0"/>
+            <a:endParaRPr lang="en-US" altLang="zh-CN" dirty="0"/>
           </a:p>
           <a:p>
             <a:pPr>
@@ -24460,10 +27355,10 @@
               </a:lnSpc>
             </a:pPr>
             <a:r>
-              <a:rPr lang="zh-CN" altLang="en-US" dirty="0" smtClean="0"/>
+              <a:rPr lang="zh-CN" altLang="en-US" dirty="0"/>
               <a:t>移动应用开发者人数急速增加</a:t>
             </a:r>
-            <a:endParaRPr lang="en-US" altLang="zh-CN" dirty="0" smtClean="0"/>
+            <a:endParaRPr lang="en-US" altLang="zh-CN" dirty="0"/>
           </a:p>
           <a:p>
             <a:pPr>
@@ -24472,10 +27367,10 @@
               </a:lnSpc>
             </a:pPr>
             <a:r>
-              <a:rPr lang="zh-CN" altLang="en-US" dirty="0" smtClean="0"/>
+              <a:rPr lang="zh-CN" altLang="en-US" dirty="0"/>
               <a:t>移动应用淘汰速度和生产速度太快</a:t>
             </a:r>
-            <a:endParaRPr lang="en-US" altLang="zh-CN" dirty="0" smtClean="0"/>
+            <a:endParaRPr lang="en-US" altLang="zh-CN" dirty="0"/>
           </a:p>
           <a:p>
             <a:pPr>
@@ -24484,10 +27379,10 @@
               </a:lnSpc>
             </a:pPr>
             <a:r>
-              <a:rPr lang="zh-CN" altLang="en-US" dirty="0" smtClean="0"/>
+              <a:rPr lang="zh-CN" altLang="en-US" dirty="0"/>
               <a:t>热门时事话题更新速度快</a:t>
             </a:r>
-            <a:endParaRPr lang="en-US" altLang="zh-CN" dirty="0" smtClean="0"/>
+            <a:endParaRPr lang="en-US" altLang="zh-CN" dirty="0"/>
           </a:p>
           <a:p>
             <a:pPr>
@@ -24496,13 +27391,13 @@
               </a:lnSpc>
             </a:pPr>
             <a:r>
-              <a:rPr lang="zh-CN" altLang="en-US" dirty="0" smtClean="0"/>
+              <a:rPr lang="zh-CN" altLang="en-US" dirty="0"/>
               <a:t>为移动应用提供公有性的数据交互服务</a:t>
             </a:r>
-            <a:endParaRPr lang="en-US" altLang="zh-CN" dirty="0" smtClean="0"/>
+            <a:endParaRPr lang="en-US" altLang="zh-CN" dirty="0"/>
           </a:p>
           <a:p>
-            <a:endParaRPr lang="en-US" altLang="zh-CN" dirty="0" smtClean="0"/>
+            <a:endParaRPr lang="en-US" altLang="zh-CN" dirty="0"/>
           </a:p>
         </p:txBody>
       </p:sp>
@@ -24511,13 +27406,6 @@
   <p:clrMapOvr>
     <a:masterClrMapping/>
   </p:clrMapOvr>
-  <p:timing>
-    <p:tnLst>
-      <p:par>
-        <p:cTn id="1" dur="indefinite" restart="never" nodeType="tmRoot"/>
-      </p:par>
-    </p:tnLst>
-  </p:timing>
 </p:sld>
 </file>
 
@@ -24560,10 +27448,9 @@
           <a:p>
             <a:pPr algn="ctr"/>
             <a:r>
-              <a:rPr lang="zh-CN" altLang="en-US" dirty="0" smtClean="0"/>
+              <a:rPr lang="zh-CN" altLang="en-US" dirty="0"/>
               <a:t>谢谢</a:t>
             </a:r>
-            <a:endParaRPr lang="zh-CN" altLang="en-US" dirty="0"/>
           </a:p>
         </p:txBody>
       </p:sp>
@@ -24572,13 +27459,6 @@
   <p:clrMapOvr>
     <a:masterClrMapping/>
   </p:clrMapOvr>
-  <p:timing>
-    <p:tnLst>
-      <p:par>
-        <p:cTn id="1" dur="indefinite" restart="never" nodeType="tmRoot"/>
-      </p:par>
-    </p:tnLst>
-  </p:timing>
 </p:sld>
 </file>
 
@@ -24615,10 +27495,9 @@
           <a:lstStyle/>
           <a:p>
             <a:r>
-              <a:rPr lang="zh-CN" altLang="en-US" dirty="0" smtClean="0"/>
+              <a:rPr lang="zh-CN" altLang="en-US" dirty="0"/>
               <a:t>课题研究目标和现状</a:t>
             </a:r>
-            <a:endParaRPr lang="zh-CN" altLang="en-US" dirty="0"/>
           </a:p>
         </p:txBody>
       </p:sp>
@@ -24665,7 +27544,7 @@
               <a:defRPr/>
             </a:pPr>
             <a:r>
-              <a:rPr kumimoji="0" lang="zh-CN" altLang="en-US" sz="2600" b="0" i="0" u="none" strike="noStrike" kern="1200" cap="none" spc="0" normalizeH="0" baseline="0" noProof="0" dirty="0" smtClean="0">
+              <a:rPr kumimoji="0" lang="zh-CN" altLang="en-US" sz="2600" b="0" i="0" u="none" strike="noStrike" kern="1200" cap="none" spc="0" normalizeH="0" baseline="0" noProof="0" dirty="0">
                 <a:ln>
                   <a:noFill/>
                 </a:ln>
@@ -24682,7 +27561,7 @@
               <a:t>为移动应用</a:t>
             </a:r>
             <a:r>
-              <a:rPr kumimoji="0" lang="zh-CN" altLang="en-US" sz="2600" b="1" i="0" u="none" strike="noStrike" kern="1200" cap="none" spc="0" normalizeH="0" baseline="0" noProof="0" dirty="0" smtClean="0">
+              <a:rPr kumimoji="0" lang="zh-CN" altLang="en-US" sz="2600" b="1" i="0" u="none" strike="noStrike" kern="1200" cap="none" spc="0" normalizeH="0" baseline="0" noProof="0" dirty="0">
                 <a:ln>
                   <a:noFill/>
                 </a:ln>
@@ -24699,7 +27578,7 @@
               <a:t>快速</a:t>
             </a:r>
             <a:r>
-              <a:rPr kumimoji="0" lang="zh-CN" altLang="en-US" sz="2600" b="0" i="0" u="none" strike="noStrike" kern="1200" cap="none" spc="0" normalizeH="0" baseline="0" noProof="0" dirty="0" smtClean="0">
+              <a:rPr kumimoji="0" lang="zh-CN" altLang="en-US" sz="2600" b="0" i="0" u="none" strike="noStrike" kern="1200" cap="none" spc="0" normalizeH="0" baseline="0" noProof="0" dirty="0">
                 <a:ln>
                   <a:noFill/>
                 </a:ln>
@@ -24715,7 +27594,7 @@
               </a:rPr>
               <a:t>解决数据交互的解决方案</a:t>
             </a:r>
-            <a:endParaRPr kumimoji="0" lang="en-US" altLang="zh-CN" sz="2600" b="0" i="0" u="none" strike="noStrike" kern="1200" cap="none" spc="0" normalizeH="0" baseline="0" noProof="0" dirty="0" smtClean="0">
+            <a:endParaRPr kumimoji="0" lang="en-US" altLang="zh-CN" sz="2600" b="0" i="0" u="none" strike="noStrike" kern="1200" cap="none" spc="0" normalizeH="0" baseline="0" noProof="0" dirty="0">
               <a:ln>
                 <a:noFill/>
               </a:ln>
@@ -24751,7 +27630,7 @@
               <a:defRPr/>
             </a:pPr>
             <a:r>
-              <a:rPr kumimoji="0" lang="zh-CN" altLang="en-US" sz="2600" b="0" i="0" u="none" strike="noStrike" kern="1200" cap="none" spc="0" normalizeH="0" baseline="0" noProof="0" dirty="0" smtClean="0">
+              <a:rPr kumimoji="0" lang="zh-CN" altLang="en-US" sz="2600" b="0" i="0" u="none" strike="noStrike" kern="1200" cap="none" spc="0" normalizeH="0" baseline="0" noProof="0" dirty="0">
                 <a:ln>
                   <a:noFill/>
                 </a:ln>
@@ -24768,11 +27647,11 @@
               <a:t>移动应用开发者可以</a:t>
             </a:r>
             <a:r>
-              <a:rPr lang="zh-CN" altLang="en-US" sz="2600" dirty="0" smtClean="0"/>
+              <a:rPr lang="zh-CN" altLang="en-US" sz="2600" dirty="0"/>
               <a:t>尽可能</a:t>
             </a:r>
             <a:r>
-              <a:rPr kumimoji="0" lang="zh-CN" altLang="en-US" sz="2600" b="1" i="0" u="none" strike="noStrike" kern="1200" cap="none" spc="0" normalizeH="0" baseline="0" noProof="0" dirty="0" smtClean="0">
+              <a:rPr kumimoji="0" lang="zh-CN" altLang="en-US" sz="2600" b="1" i="0" u="none" strike="noStrike" kern="1200" cap="none" spc="0" normalizeH="0" baseline="0" noProof="0" dirty="0">
                 <a:ln>
                   <a:noFill/>
                 </a:ln>
@@ -24789,7 +27668,7 @@
               <a:t>不需要写代码</a:t>
             </a:r>
             <a:r>
-              <a:rPr kumimoji="0" lang="zh-CN" altLang="en-US" sz="2600" b="0" i="0" u="none" strike="noStrike" kern="1200" cap="none" spc="0" normalizeH="0" baseline="0" noProof="0" dirty="0" smtClean="0">
+              <a:rPr kumimoji="0" lang="zh-CN" altLang="en-US" sz="2600" b="0" i="0" u="none" strike="noStrike" kern="1200" cap="none" spc="0" normalizeH="0" baseline="0" noProof="0" dirty="0">
                 <a:ln>
                   <a:noFill/>
                 </a:ln>
@@ -24805,7 +27684,7 @@
               </a:rPr>
               <a:t>，快速生成数据交互接口</a:t>
             </a:r>
-            <a:endParaRPr kumimoji="0" lang="en-US" altLang="zh-CN" sz="2600" b="0" i="0" u="none" strike="noStrike" kern="1200" cap="none" spc="0" normalizeH="0" baseline="0" noProof="0" dirty="0" smtClean="0">
+            <a:endParaRPr kumimoji="0" lang="en-US" altLang="zh-CN" sz="2600" b="0" i="0" u="none" strike="noStrike" kern="1200" cap="none" spc="0" normalizeH="0" baseline="0" noProof="0" dirty="0">
               <a:ln>
                 <a:noFill/>
               </a:ln>
@@ -24841,7 +27720,7 @@
               <a:defRPr/>
             </a:pPr>
             <a:r>
-              <a:rPr kumimoji="0" lang="zh-CN" altLang="en-US" sz="2600" b="0" i="0" u="none" strike="noStrike" kern="1200" cap="none" spc="0" normalizeH="0" baseline="0" noProof="0" dirty="0" smtClean="0">
+              <a:rPr kumimoji="0" lang="zh-CN" altLang="en-US" sz="2600" b="0" i="0" u="none" strike="noStrike" kern="1200" cap="none" spc="0" normalizeH="0" baseline="0" noProof="0" dirty="0">
                 <a:ln>
                   <a:noFill/>
                 </a:ln>
@@ -24857,7 +27736,7 @@
               </a:rPr>
               <a:t>快速集成到主流移动终端平台</a:t>
             </a:r>
-            <a:endParaRPr kumimoji="0" lang="en-US" altLang="zh-CN" sz="2600" b="0" i="0" u="none" strike="noStrike" kern="1200" cap="none" spc="0" normalizeH="0" baseline="0" noProof="0" dirty="0" smtClean="0">
+            <a:endParaRPr kumimoji="0" lang="en-US" altLang="zh-CN" sz="2600" b="0" i="0" u="none" strike="noStrike" kern="1200" cap="none" spc="0" normalizeH="0" baseline="0" noProof="0" dirty="0">
               <a:ln>
                 <a:noFill/>
               </a:ln>
@@ -24893,7 +27772,7 @@
               <a:defRPr/>
             </a:pPr>
             <a:r>
-              <a:rPr kumimoji="0" lang="zh-CN" altLang="en-US" sz="2600" b="0" i="0" u="none" strike="noStrike" kern="1200" cap="none" spc="0" normalizeH="0" baseline="0" noProof="0" dirty="0" smtClean="0">
+              <a:rPr kumimoji="0" lang="zh-CN" altLang="en-US" sz="2600" b="0" i="0" u="none" strike="noStrike" kern="1200" cap="none" spc="0" normalizeH="0" baseline="0" noProof="0" dirty="0">
                 <a:ln>
                   <a:noFill/>
                 </a:ln>
@@ -24909,7 +27788,7 @@
               </a:rPr>
               <a:t>快速集成到主流移动开发模式</a:t>
             </a:r>
-            <a:endParaRPr kumimoji="0" lang="en-US" altLang="zh-CN" sz="2600" b="0" i="0" u="none" strike="noStrike" kern="1200" cap="none" spc="0" normalizeH="0" baseline="0" noProof="0" dirty="0" smtClean="0">
+            <a:endParaRPr kumimoji="0" lang="en-US" altLang="zh-CN" sz="2600" b="0" i="0" u="none" strike="noStrike" kern="1200" cap="none" spc="0" normalizeH="0" baseline="0" noProof="0" dirty="0">
               <a:ln>
                 <a:noFill/>
               </a:ln>
@@ -24945,7 +27824,7 @@
               <a:defRPr/>
             </a:pPr>
             <a:r>
-              <a:rPr kumimoji="0" lang="zh-CN" altLang="en-US" sz="2600" b="0" i="0" u="none" strike="noStrike" kern="1200" cap="none" spc="0" normalizeH="0" baseline="0" noProof="0" dirty="0" smtClean="0">
+              <a:rPr kumimoji="0" lang="zh-CN" altLang="en-US" sz="2600" b="0" i="0" u="none" strike="noStrike" kern="1200" cap="none" spc="0" normalizeH="0" baseline="0" noProof="0" dirty="0">
                 <a:ln>
                   <a:noFill/>
                 </a:ln>
@@ -24961,7 +27840,7 @@
               </a:rPr>
               <a:t>低成本</a:t>
             </a:r>
-            <a:endParaRPr kumimoji="0" lang="en-US" altLang="zh-CN" sz="2600" b="0" i="0" u="none" strike="noStrike" kern="1200" cap="none" spc="0" normalizeH="0" baseline="0" noProof="0" dirty="0" smtClean="0">
+            <a:endParaRPr kumimoji="0" lang="en-US" altLang="zh-CN" sz="2600" b="0" i="0" u="none" strike="noStrike" kern="1200" cap="none" spc="0" normalizeH="0" baseline="0" noProof="0" dirty="0">
               <a:ln>
                 <a:noFill/>
               </a:ln>
@@ -24997,14 +27876,14 @@
               <a:defRPr/>
             </a:pPr>
             <a:r>
-              <a:rPr lang="zh-CN" altLang="en-US" sz="2600" b="1" dirty="0" smtClean="0">
+              <a:rPr lang="zh-CN" altLang="en-US" sz="2600" b="1" dirty="0">
                 <a:solidFill>
                   <a:srgbClr val="FF0000"/>
                 </a:solidFill>
               </a:rPr>
               <a:t>移动应用开发依然缺少针对数据交互的成熟框架</a:t>
             </a:r>
-            <a:endParaRPr kumimoji="0" lang="en-US" altLang="zh-CN" sz="2600" b="1" i="0" u="none" strike="noStrike" kern="1200" cap="none" spc="0" normalizeH="0" baseline="0" noProof="0" dirty="0" smtClean="0">
+            <a:endParaRPr kumimoji="0" lang="en-US" altLang="zh-CN" sz="2600" b="1" i="0" u="none" strike="noStrike" kern="1200" cap="none" spc="0" normalizeH="0" baseline="0" noProof="0" dirty="0">
               <a:ln>
                 <a:noFill/>
               </a:ln>
@@ -25186,10 +28065,9 @@
           <a:lstStyle/>
           <a:p>
             <a:r>
-              <a:rPr lang="zh-CN" altLang="en-US" dirty="0" smtClean="0"/>
+              <a:rPr lang="zh-CN" altLang="en-US" dirty="0"/>
               <a:t>课题研究内容</a:t>
             </a:r>
-            <a:endParaRPr lang="zh-CN" altLang="en-US" dirty="0"/>
           </a:p>
         </p:txBody>
       </p:sp>
@@ -25211,10 +28089,10 @@
           <a:lstStyle/>
           <a:p>
             <a:r>
-              <a:rPr lang="zh-CN" altLang="en-US" dirty="0" smtClean="0"/>
+              <a:rPr lang="zh-CN" altLang="en-US" dirty="0"/>
               <a:t>数据交互服务管理系统</a:t>
             </a:r>
-            <a:endParaRPr lang="en-US" altLang="zh-CN" dirty="0" smtClean="0"/>
+            <a:endParaRPr lang="en-US" altLang="zh-CN" dirty="0"/>
           </a:p>
           <a:p>
             <a:pPr lvl="1">
@@ -25224,7 +28102,7 @@
               <a:buNone/>
             </a:pPr>
             <a:r>
-              <a:rPr lang="zh-CN" altLang="en-US" sz="1800" b="1" dirty="0" smtClean="0">
+              <a:rPr lang="zh-CN" altLang="en-US" sz="1800" b="1" dirty="0">
                 <a:solidFill>
                   <a:srgbClr val="0070C0"/>
                 </a:solidFill>
@@ -25232,7 +28110,7 @@
               <a:t>根据</a:t>
             </a:r>
             <a:r>
-              <a:rPr lang="en-US" altLang="zh-CN" sz="1800" b="1" dirty="0" smtClean="0">
+              <a:rPr lang="en-US" altLang="zh-CN" sz="1800" b="1" dirty="0">
                 <a:solidFill>
                   <a:srgbClr val="0070C0"/>
                 </a:solidFill>
@@ -25240,14 +28118,14 @@
               <a:t>XML</a:t>
             </a:r>
             <a:r>
-              <a:rPr lang="zh-CN" altLang="en-US" sz="1800" b="1" dirty="0" smtClean="0">
+              <a:rPr lang="zh-CN" altLang="en-US" sz="1800" b="1" dirty="0">
                 <a:solidFill>
                   <a:srgbClr val="0070C0"/>
                 </a:solidFill>
               </a:rPr>
               <a:t>格式业务模型自动生成内容管理系统</a:t>
             </a:r>
-            <a:endParaRPr lang="en-US" altLang="zh-CN" sz="1800" b="1" dirty="0" smtClean="0">
+            <a:endParaRPr lang="en-US" altLang="zh-CN" sz="1800" b="1" dirty="0">
               <a:solidFill>
                 <a:srgbClr val="0070C0"/>
               </a:solidFill>
@@ -25261,14 +28139,14 @@
               <a:buNone/>
             </a:pPr>
             <a:r>
-              <a:rPr lang="zh-CN" altLang="en-US" sz="1800" b="1" dirty="0" smtClean="0">
+              <a:rPr lang="zh-CN" altLang="en-US" sz="1800" b="1" dirty="0">
                 <a:solidFill>
                   <a:srgbClr val="0070C0"/>
                 </a:solidFill>
               </a:rPr>
               <a:t>内容管理系统供用户录入数据</a:t>
             </a:r>
-            <a:endParaRPr lang="en-US" altLang="zh-CN" sz="1800" b="1" dirty="0" smtClean="0">
+            <a:endParaRPr lang="en-US" altLang="zh-CN" sz="1800" b="1" dirty="0">
               <a:solidFill>
                 <a:srgbClr val="0070C0"/>
               </a:solidFill>
@@ -25282,14 +28160,14 @@
               <a:buNone/>
             </a:pPr>
             <a:r>
-              <a:rPr lang="zh-CN" altLang="en-US" sz="1800" b="1" dirty="0" smtClean="0">
+              <a:rPr lang="zh-CN" altLang="en-US" sz="1800" b="1" dirty="0">
                 <a:solidFill>
                   <a:srgbClr val="0070C0"/>
                 </a:solidFill>
               </a:rPr>
               <a:t>数据交互接口提供移动平台进入数据交互</a:t>
             </a:r>
-            <a:endParaRPr lang="en-US" altLang="zh-CN" sz="1800" b="1" dirty="0" smtClean="0">
+            <a:endParaRPr lang="en-US" altLang="zh-CN" sz="1800" b="1" dirty="0">
               <a:solidFill>
                 <a:srgbClr val="0070C0"/>
               </a:solidFill>
@@ -25303,14 +28181,14 @@
               <a:buNone/>
             </a:pPr>
             <a:r>
-              <a:rPr lang="zh-CN" altLang="en-US" sz="1800" b="1" dirty="0" smtClean="0">
+              <a:rPr lang="zh-CN" altLang="en-US" sz="1800" b="1" dirty="0">
                 <a:solidFill>
                   <a:srgbClr val="0070C0"/>
                 </a:solidFill>
               </a:rPr>
               <a:t>自动生成相关平台的数据交互开发包</a:t>
             </a:r>
-            <a:endParaRPr lang="en-US" altLang="zh-CN" sz="1800" b="1" dirty="0" smtClean="0">
+            <a:endParaRPr lang="en-US" altLang="zh-CN" sz="1800" b="1" dirty="0">
               <a:solidFill>
                 <a:srgbClr val="0070C0"/>
               </a:solidFill>
@@ -25320,7 +28198,7 @@
             <a:pPr lvl="1">
               <a:buNone/>
             </a:pPr>
-            <a:endParaRPr lang="en-US" altLang="zh-CN" b="1" dirty="0" smtClean="0">
+            <a:endParaRPr lang="en-US" altLang="zh-CN" b="1" dirty="0">
               <a:solidFill>
                 <a:srgbClr val="0070C0"/>
               </a:solidFill>
@@ -25328,10 +28206,10 @@
           </a:p>
           <a:p>
             <a:r>
-              <a:rPr lang="zh-CN" altLang="en-US" dirty="0" smtClean="0"/>
+              <a:rPr lang="zh-CN" altLang="en-US" dirty="0"/>
               <a:t>移动应用数据交互组件</a:t>
             </a:r>
-            <a:endParaRPr lang="en-US" altLang="zh-CN" dirty="0" smtClean="0"/>
+            <a:endParaRPr lang="en-US" altLang="zh-CN" dirty="0"/>
           </a:p>
           <a:p>
             <a:pPr lvl="1">
@@ -25341,7 +28219,7 @@
               <a:buNone/>
             </a:pPr>
             <a:r>
-              <a:rPr lang="zh-CN" altLang="en-US" sz="1800" b="1" dirty="0" smtClean="0">
+              <a:rPr lang="zh-CN" altLang="en-US" sz="1800" b="1" dirty="0">
                 <a:solidFill>
                   <a:srgbClr val="0070C0"/>
                 </a:solidFill>
@@ -25349,7 +28227,7 @@
               <a:t>支持</a:t>
             </a:r>
             <a:r>
-              <a:rPr lang="en-US" altLang="zh-CN" sz="1800" b="1" dirty="0" smtClean="0">
+              <a:rPr lang="en-US" altLang="zh-CN" sz="1800" b="1" dirty="0">
                 <a:solidFill>
                   <a:srgbClr val="0070C0"/>
                 </a:solidFill>
@@ -25357,7 +28235,7 @@
               <a:t>Android</a:t>
             </a:r>
             <a:r>
-              <a:rPr lang="zh-CN" altLang="en-US" sz="1800" b="1" dirty="0" smtClean="0">
+              <a:rPr lang="zh-CN" altLang="en-US" sz="1800" b="1" dirty="0">
                 <a:solidFill>
                   <a:srgbClr val="0070C0"/>
                 </a:solidFill>
@@ -25365,7 +28243,7 @@
               <a:t>原生开发模式的</a:t>
             </a:r>
             <a:r>
-              <a:rPr lang="en-US" altLang="zh-CN" sz="1800" b="1" dirty="0" smtClean="0">
+              <a:rPr lang="en-US" altLang="zh-CN" sz="1800" b="1" dirty="0">
                 <a:solidFill>
                   <a:srgbClr val="0070C0"/>
                 </a:solidFill>
@@ -25373,14 +28251,14 @@
               <a:t>Jar</a:t>
             </a:r>
             <a:r>
-              <a:rPr lang="zh-CN" altLang="en-US" sz="1800" b="1" dirty="0" smtClean="0">
+              <a:rPr lang="zh-CN" altLang="en-US" sz="1800" b="1" dirty="0">
                 <a:solidFill>
                   <a:srgbClr val="0070C0"/>
                 </a:solidFill>
               </a:rPr>
               <a:t>包引入</a:t>
             </a:r>
-            <a:endParaRPr lang="en-US" altLang="zh-CN" sz="1800" b="1" dirty="0" smtClean="0">
+            <a:endParaRPr lang="en-US" altLang="zh-CN" sz="1800" b="1" dirty="0">
               <a:solidFill>
                 <a:srgbClr val="0070C0"/>
               </a:solidFill>
@@ -25394,7 +28272,7 @@
               <a:buNone/>
             </a:pPr>
             <a:r>
-              <a:rPr lang="zh-CN" altLang="en-US" sz="1800" b="1" dirty="0" smtClean="0">
+              <a:rPr lang="zh-CN" altLang="en-US" sz="1800" b="1" dirty="0">
                 <a:solidFill>
                   <a:srgbClr val="0070C0"/>
                 </a:solidFill>
@@ -25402,7 +28280,7 @@
               <a:t>支持</a:t>
             </a:r>
             <a:r>
-              <a:rPr lang="en-US" altLang="zh-CN" sz="1800" b="1" dirty="0" smtClean="0">
+              <a:rPr lang="en-US" altLang="zh-CN" sz="1800" b="1" dirty="0">
                 <a:solidFill>
                   <a:srgbClr val="0070C0"/>
                 </a:solidFill>
@@ -25410,7 +28288,7 @@
               <a:t>Cordova</a:t>
             </a:r>
             <a:r>
-              <a:rPr lang="zh-CN" altLang="en-US" sz="1800" b="1" dirty="0" smtClean="0">
+              <a:rPr lang="zh-CN" altLang="en-US" sz="1800" b="1" dirty="0">
                 <a:solidFill>
                   <a:srgbClr val="0070C0"/>
                 </a:solidFill>
@@ -25418,7 +28296,7 @@
               <a:t>混合开发模式的</a:t>
             </a:r>
             <a:r>
-              <a:rPr lang="en-US" altLang="zh-CN" sz="1800" b="1" dirty="0" smtClean="0">
+              <a:rPr lang="en-US" altLang="zh-CN" sz="1800" b="1" dirty="0">
                 <a:solidFill>
                   <a:srgbClr val="0070C0"/>
                 </a:solidFill>
@@ -25426,23 +28304,23 @@
               <a:t>JS</a:t>
             </a:r>
             <a:r>
-              <a:rPr lang="zh-CN" altLang="en-US" sz="1800" b="1" dirty="0" smtClean="0">
+              <a:rPr lang="zh-CN" altLang="en-US" sz="1800" b="1" dirty="0">
                 <a:solidFill>
                   <a:srgbClr val="0070C0"/>
                 </a:solidFill>
               </a:rPr>
               <a:t>组件引入</a:t>
             </a:r>
-            <a:endParaRPr lang="en-US" altLang="zh-CN" dirty="0" smtClean="0"/>
+            <a:endParaRPr lang="en-US" altLang="zh-CN" dirty="0"/>
           </a:p>
           <a:p>
-            <a:endParaRPr lang="en-US" altLang="zh-CN" dirty="0" smtClean="0"/>
+            <a:endParaRPr lang="en-US" altLang="zh-CN" dirty="0"/>
           </a:p>
           <a:p>
             <a:pPr>
               <a:buNone/>
             </a:pPr>
-            <a:endParaRPr lang="en-US" altLang="zh-CN" dirty="0" smtClean="0"/>
+            <a:endParaRPr lang="en-US" altLang="zh-CN" dirty="0"/>
           </a:p>
         </p:txBody>
       </p:sp>
@@ -25484,18 +28362,33 @@
           </a:p>
         </p:txBody>
       </p:sp>
+      <p:graphicFrame>
+        <p:nvGraphicFramePr>
+          <p:cNvPr id="5" name="Diagram 4"/>
+          <p:cNvGraphicFramePr/>
+          <p:nvPr>
+            <p:extLst>
+              <p:ext uri="{D42A27DB-BD31-4B8C-83A1-F6EECF244321}">
+                <p14:modId xmlns:p14="http://schemas.microsoft.com/office/powerpoint/2010/main" val="987229640"/>
+              </p:ext>
+            </p:extLst>
+          </p:nvPr>
+        </p:nvGraphicFramePr>
+        <p:xfrm>
+          <a:off x="6300192" y="1556792"/>
+          <a:ext cx="2592288" cy="4064000"/>
+        </p:xfrm>
+        <a:graphic>
+          <a:graphicData uri="http://schemas.openxmlformats.org/drawingml/2006/diagram">
+            <dgm:relIds xmlns:dgm="http://schemas.openxmlformats.org/drawingml/2006/diagram" xmlns:r="http://schemas.openxmlformats.org/officeDocument/2006/relationships" r:dm="rId2" r:lo="rId3" r:qs="rId4" r:cs="rId5"/>
+          </a:graphicData>
+        </a:graphic>
+      </p:graphicFrame>
     </p:spTree>
   </p:cSld>
   <p:clrMapOvr>
     <a:masterClrMapping/>
   </p:clrMapOvr>
-  <p:timing>
-    <p:tnLst>
-      <p:par>
-        <p:cTn id="1" dur="indefinite" restart="never" nodeType="tmRoot"/>
-      </p:par>
-    </p:tnLst>
-  </p:timing>
 </p:sld>
 </file>
 
@@ -25534,7 +28427,7 @@
           <a:lstStyle/>
           <a:p>
             <a:r>
-              <a:rPr lang="zh-CN" altLang="en-US" dirty="0" smtClean="0">
+              <a:rPr lang="zh-CN" altLang="en-US" dirty="0">
                 <a:solidFill>
                   <a:srgbClr val="FFC000"/>
                 </a:solidFill>
@@ -25542,22 +28435,17 @@
               <a:t>以前的</a:t>
             </a:r>
             <a:r>
-              <a:rPr lang="zh-CN" altLang="en-US" dirty="0" smtClean="0"/>
+              <a:rPr lang="zh-CN" altLang="en-US" dirty="0"/>
               <a:t>数据管理系统及接口</a:t>
             </a:r>
             <a:r>
-              <a:rPr lang="zh-CN" altLang="en-US" dirty="0" smtClean="0">
+              <a:rPr lang="zh-CN" altLang="en-US" dirty="0">
                 <a:solidFill>
                   <a:srgbClr val="FFC000"/>
                 </a:solidFill>
               </a:rPr>
               <a:t>开发</a:t>
             </a:r>
-            <a:endParaRPr lang="zh-CN" altLang="en-US" dirty="0">
-              <a:solidFill>
-                <a:srgbClr val="FFC000"/>
-              </a:solidFill>
-            </a:endParaRPr>
           </a:p>
         </p:txBody>
       </p:sp>
@@ -25760,10 +28648,9 @@
           <a:lstStyle/>
           <a:p>
             <a:r>
-              <a:rPr lang="zh-CN" altLang="en-US" dirty="0" smtClean="0"/>
+              <a:rPr lang="zh-CN" altLang="en-US" dirty="0"/>
               <a:t>数据交互服务管理系统模块</a:t>
             </a:r>
-            <a:endParaRPr lang="zh-CN" altLang="en-US" dirty="0"/>
           </a:p>
         </p:txBody>
       </p:sp>
@@ -25826,13 +28713,6 @@
   <p:clrMapOvr>
     <a:masterClrMapping/>
   </p:clrMapOvr>
-  <p:timing>
-    <p:tnLst>
-      <p:par>
-        <p:cTn id="1" dur="indefinite" restart="never" nodeType="tmRoot"/>
-      </p:par>
-    </p:tnLst>
-  </p:timing>
 </p:sld>
 </file>
 
@@ -25869,10 +28749,9 @@
           <a:lstStyle/>
           <a:p>
             <a:r>
-              <a:rPr lang="zh-CN" altLang="en-US" dirty="0" smtClean="0"/>
+              <a:rPr lang="zh-CN" altLang="en-US" dirty="0"/>
               <a:t>业务对象生成流程图</a:t>
             </a:r>
-            <a:endParaRPr lang="zh-CN" altLang="en-US" dirty="0"/>
           </a:p>
         </p:txBody>
       </p:sp>
@@ -26118,9 +28997,59 @@
         </p:xfrm>
         <a:graphic>
           <a:graphicData uri="http://schemas.openxmlformats.org/presentationml/2006/ole">
-            <p:oleObj spid="_x0000_s28675" name="Visio" r:id="rId3" imgW="8106331" imgH="5092857" progId="Visio.Drawing.11">
-              <p:embed/>
-            </p:oleObj>
+            <mc:AlternateContent xmlns:mc="http://schemas.openxmlformats.org/markup-compatibility/2006">
+              <mc:Choice xmlns:v="urn:schemas-microsoft-com:vml" Requires="v">
+                <p:oleObj spid="_x0000_s28682" name="Visio" r:id="rId3" imgW="8106331" imgH="5092857" progId="Visio.Drawing.11">
+                  <p:embed/>
+                </p:oleObj>
+              </mc:Choice>
+              <mc:Fallback>
+                <p:oleObj name="Visio" r:id="rId3" imgW="8106331" imgH="5092857" progId="Visio.Drawing.11">
+                  <p:embed/>
+                  <p:pic>
+                    <p:nvPicPr>
+                      <p:cNvPr id="0" name="Picture 3"/>
+                      <p:cNvPicPr>
+                        <a:picLocks noChangeAspect="1" noChangeArrowheads="1"/>
+                      </p:cNvPicPr>
+                      <p:nvPr/>
+                    </p:nvPicPr>
+                    <p:blipFill>
+                      <a:blip r:embed="rId4">
+                        <a:extLst>
+                          <a:ext uri="{28A0092B-C50C-407E-A947-70E740481C1C}">
+                            <a14:useLocalDpi xmlns:a14="http://schemas.microsoft.com/office/drawing/2010/main" val="0"/>
+                          </a:ext>
+                        </a:extLst>
+                      </a:blip>
+                      <a:srcRect/>
+                      <a:stretch>
+                        <a:fillRect/>
+                      </a:stretch>
+                    </p:blipFill>
+                    <p:spPr bwMode="auto">
+                      <a:xfrm>
+                        <a:off x="539552" y="1340768"/>
+                        <a:ext cx="8344656" cy="5256584"/>
+                      </a:xfrm>
+                      <a:prstGeom prst="rect">
+                        <a:avLst/>
+                      </a:prstGeom>
+                      <a:noFill/>
+                      <a:extLst>
+                        <a:ext uri="{909E8E84-426E-40DD-AFC4-6F175D3DCCD1}">
+                          <a14:hiddenFill xmlns:a14="http://schemas.microsoft.com/office/drawing/2010/main">
+                            <a:solidFill>
+                              <a:srgbClr val="FFFFFF"/>
+                            </a:solidFill>
+                          </a14:hiddenFill>
+                        </a:ext>
+                      </a:extLst>
+                    </p:spPr>
+                  </p:pic>
+                </p:oleObj>
+              </mc:Fallback>
+            </mc:AlternateContent>
           </a:graphicData>
         </a:graphic>
       </p:graphicFrame>
@@ -26176,9 +29105,59 @@
         </p:xfrm>
         <a:graphic>
           <a:graphicData uri="http://schemas.openxmlformats.org/presentationml/2006/ole">
-            <p:oleObj spid="_x0000_s28677" name="Visio" r:id="rId4" imgW="4624598" imgH="4264566" progId="Visio.Drawing.11">
-              <p:embed/>
-            </p:oleObj>
+            <mc:AlternateContent xmlns:mc="http://schemas.openxmlformats.org/markup-compatibility/2006">
+              <mc:Choice xmlns:v="urn:schemas-microsoft-com:vml" Requires="v">
+                <p:oleObj spid="_x0000_s28683" name="Visio" r:id="rId5" imgW="4624598" imgH="4264566" progId="Visio.Drawing.11">
+                  <p:embed/>
+                </p:oleObj>
+              </mc:Choice>
+              <mc:Fallback>
+                <p:oleObj name="Visio" r:id="rId5" imgW="4624598" imgH="4264566" progId="Visio.Drawing.11">
+                  <p:embed/>
+                  <p:pic>
+                    <p:nvPicPr>
+                      <p:cNvPr id="0" name="Picture 5"/>
+                      <p:cNvPicPr>
+                        <a:picLocks noChangeAspect="1" noChangeArrowheads="1"/>
+                      </p:cNvPicPr>
+                      <p:nvPr/>
+                    </p:nvPicPr>
+                    <p:blipFill>
+                      <a:blip r:embed="rId6">
+                        <a:extLst>
+                          <a:ext uri="{28A0092B-C50C-407E-A947-70E740481C1C}">
+                            <a14:useLocalDpi xmlns:a14="http://schemas.microsoft.com/office/drawing/2010/main" val="0"/>
+                          </a:ext>
+                        </a:extLst>
+                      </a:blip>
+                      <a:srcRect/>
+                      <a:stretch>
+                        <a:fillRect/>
+                      </a:stretch>
+                    </p:blipFill>
+                    <p:spPr bwMode="auto">
+                      <a:xfrm>
+                        <a:off x="467544" y="1340767"/>
+                        <a:ext cx="5832648" cy="5376597"/>
+                      </a:xfrm>
+                      <a:prstGeom prst="rect">
+                        <a:avLst/>
+                      </a:prstGeom>
+                      <a:noFill/>
+                      <a:extLst>
+                        <a:ext uri="{909E8E84-426E-40DD-AFC4-6F175D3DCCD1}">
+                          <a14:hiddenFill xmlns:a14="http://schemas.microsoft.com/office/drawing/2010/main">
+                            <a:solidFill>
+                              <a:srgbClr val="FFFFFF"/>
+                            </a:solidFill>
+                          </a14:hiddenFill>
+                        </a:ext>
+                      </a:extLst>
+                    </p:spPr>
+                  </p:pic>
+                </p:oleObj>
+              </mc:Fallback>
+            </mc:AlternateContent>
           </a:graphicData>
         </a:graphic>
       </p:graphicFrame>
@@ -26435,10 +29414,9 @@
           <a:lstStyle/>
           <a:p>
             <a:r>
-              <a:rPr lang="zh-CN" altLang="en-US" dirty="0" smtClean="0"/>
+              <a:rPr lang="zh-CN" altLang="en-US" dirty="0"/>
               <a:t>以搜索列表数据为例子</a:t>
             </a:r>
-            <a:endParaRPr lang="zh-CN" altLang="en-US" dirty="0"/>
           </a:p>
         </p:txBody>
       </p:sp>
@@ -26760,9 +29738,59 @@
         </p:xfrm>
         <a:graphic>
           <a:graphicData uri="http://schemas.openxmlformats.org/presentationml/2006/ole">
-            <p:oleObj spid="_x0000_s29700" name="Visio" r:id="rId3" imgW="4966622" imgH="2572681" progId="Visio.Drawing.11">
-              <p:embed/>
-            </p:oleObj>
+            <mc:AlternateContent xmlns:mc="http://schemas.openxmlformats.org/markup-compatibility/2006">
+              <mc:Choice xmlns:v="urn:schemas-microsoft-com:vml" Requires="v">
+                <p:oleObj spid="_x0000_s29703" name="Visio" r:id="rId3" imgW="4966622" imgH="2572681" progId="Visio.Drawing.11">
+                  <p:embed/>
+                </p:oleObj>
+              </mc:Choice>
+              <mc:Fallback>
+                <p:oleObj name="Visio" r:id="rId3" imgW="4966622" imgH="2572681" progId="Visio.Drawing.11">
+                  <p:embed/>
+                  <p:pic>
+                    <p:nvPicPr>
+                      <p:cNvPr id="0" name="Picture 4"/>
+                      <p:cNvPicPr>
+                        <a:picLocks noChangeAspect="1" noChangeArrowheads="1"/>
+                      </p:cNvPicPr>
+                      <p:nvPr/>
+                    </p:nvPicPr>
+                    <p:blipFill>
+                      <a:blip r:embed="rId4">
+                        <a:extLst>
+                          <a:ext uri="{28A0092B-C50C-407E-A947-70E740481C1C}">
+                            <a14:useLocalDpi xmlns:a14="http://schemas.microsoft.com/office/drawing/2010/main" val="0"/>
+                          </a:ext>
+                        </a:extLst>
+                      </a:blip>
+                      <a:srcRect/>
+                      <a:stretch>
+                        <a:fillRect/>
+                      </a:stretch>
+                    </p:blipFill>
+                    <p:spPr bwMode="auto">
+                      <a:xfrm>
+                        <a:off x="251520" y="1628800"/>
+                        <a:ext cx="8614824" cy="4464496"/>
+                      </a:xfrm>
+                      <a:prstGeom prst="rect">
+                        <a:avLst/>
+                      </a:prstGeom>
+                      <a:noFill/>
+                      <a:extLst>
+                        <a:ext uri="{909E8E84-426E-40DD-AFC4-6F175D3DCCD1}">
+                          <a14:hiddenFill xmlns:a14="http://schemas.microsoft.com/office/drawing/2010/main">
+                            <a:solidFill>
+                              <a:srgbClr val="FFFFFF"/>
+                            </a:solidFill>
+                          </a14:hiddenFill>
+                        </a:ext>
+                      </a:extLst>
+                    </p:spPr>
+                  </p:pic>
+                </p:oleObj>
+              </mc:Fallback>
+            </mc:AlternateContent>
           </a:graphicData>
         </a:graphic>
       </p:graphicFrame>
@@ -26771,13 +29799,6 @@
   <p:clrMapOvr>
     <a:masterClrMapping/>
   </p:clrMapOvr>
-  <p:timing>
-    <p:tnLst>
-      <p:par>
-        <p:cTn id="1" dur="indefinite" restart="never" nodeType="tmRoot"/>
-      </p:par>
-    </p:tnLst>
-  </p:timing>
 </p:sld>
 </file>
 
@@ -26814,10 +29835,9 @@
           <a:lstStyle/>
           <a:p>
             <a:r>
-              <a:rPr lang="zh-CN" altLang="en-US" dirty="0" smtClean="0"/>
+              <a:rPr lang="zh-CN" altLang="en-US" dirty="0"/>
               <a:t>效果图</a:t>
             </a:r>
-            <a:endParaRPr lang="zh-CN" altLang="en-US" dirty="0"/>
           </a:p>
         </p:txBody>
       </p:sp>

--- a/论文PPT.pptx
+++ b/论文PPT.pptx
@@ -125,7 +125,7 @@
   </p:defaultTextStyle>
   <p:extLst>
     <p:ext uri="{EFAFB233-063F-42B5-8137-9DF3F51BA10A}">
-      <p15:sldGuideLst xmlns:p15="http://schemas.microsoft.com/office/powerpoint/2012/main">
+      <p15:sldGuideLst xmlns:p15="http://schemas.microsoft.com/office/powerpoint/2012/main" xmlns="">
         <p15:guide id="1" orient="horz" pos="2160">
           <p15:clr>
             <a:srgbClr val="A4A3A4"/>
@@ -4932,14 +4932,35 @@
         </dgm:presLayoutVars>
       </dgm:prSet>
       <dgm:spPr/>
+      <dgm:t>
+        <a:bodyPr/>
+        <a:lstStyle/>
+        <a:p>
+          <a:endParaRPr lang="zh-CN" altLang="en-US"/>
+        </a:p>
+      </dgm:t>
     </dgm:pt>
     <dgm:pt modelId="{B904D906-2BA1-4ACE-AD7A-9A893E8E3580}" type="pres">
       <dgm:prSet presAssocID="{2C219934-0AA3-4F06-8EC2-F145B469A87E}" presName="sibTrans" presStyleLbl="sibTrans2D1" presStyleIdx="0" presStyleCnt="2"/>
       <dgm:spPr/>
+      <dgm:t>
+        <a:bodyPr/>
+        <a:lstStyle/>
+        <a:p>
+          <a:endParaRPr lang="zh-CN" altLang="en-US"/>
+        </a:p>
+      </dgm:t>
     </dgm:pt>
     <dgm:pt modelId="{E4F06868-CFFC-4CFB-B7F6-011E6A6CFFAA}" type="pres">
       <dgm:prSet presAssocID="{2C219934-0AA3-4F06-8EC2-F145B469A87E}" presName="connectorText" presStyleLbl="sibTrans2D1" presStyleIdx="0" presStyleCnt="2"/>
       <dgm:spPr/>
+      <dgm:t>
+        <a:bodyPr/>
+        <a:lstStyle/>
+        <a:p>
+          <a:endParaRPr lang="zh-CN" altLang="en-US"/>
+        </a:p>
+      </dgm:t>
     </dgm:pt>
     <dgm:pt modelId="{71265F17-EDEB-4312-BA08-4489438230E1}" type="pres">
       <dgm:prSet presAssocID="{283BB913-B767-400F-AC90-713D2AEB50DF}" presName="node" presStyleLbl="node1" presStyleIdx="1" presStyleCnt="3">
@@ -4948,14 +4969,35 @@
         </dgm:presLayoutVars>
       </dgm:prSet>
       <dgm:spPr/>
+      <dgm:t>
+        <a:bodyPr/>
+        <a:lstStyle/>
+        <a:p>
+          <a:endParaRPr lang="zh-CN" altLang="en-US"/>
+        </a:p>
+      </dgm:t>
     </dgm:pt>
     <dgm:pt modelId="{4D67CEAE-7DA4-420E-BD68-9EADCEFC0C13}" type="pres">
       <dgm:prSet presAssocID="{E0CA384F-87C0-44C8-A752-949E5DE3468E}" presName="sibTrans" presStyleLbl="sibTrans2D1" presStyleIdx="1" presStyleCnt="2"/>
       <dgm:spPr/>
+      <dgm:t>
+        <a:bodyPr/>
+        <a:lstStyle/>
+        <a:p>
+          <a:endParaRPr lang="zh-CN" altLang="en-US"/>
+        </a:p>
+      </dgm:t>
     </dgm:pt>
     <dgm:pt modelId="{2F791D11-68A1-4181-AD49-1DC28786F124}" type="pres">
       <dgm:prSet presAssocID="{E0CA384F-87C0-44C8-A752-949E5DE3468E}" presName="connectorText" presStyleLbl="sibTrans2D1" presStyleIdx="1" presStyleCnt="2"/>
       <dgm:spPr/>
+      <dgm:t>
+        <a:bodyPr/>
+        <a:lstStyle/>
+        <a:p>
+          <a:endParaRPr lang="zh-CN" altLang="en-US"/>
+        </a:p>
+      </dgm:t>
     </dgm:pt>
     <dgm:pt modelId="{27C32AC1-9078-4E81-940B-C83C579CBBE8}" type="pres">
       <dgm:prSet presAssocID="{464B3A4C-75CC-42F2-A09B-FED75B63F0F9}" presName="node" presStyleLbl="node1" presStyleIdx="2" presStyleCnt="3">
@@ -4964,20 +5006,27 @@
         </dgm:presLayoutVars>
       </dgm:prSet>
       <dgm:spPr/>
+      <dgm:t>
+        <a:bodyPr/>
+        <a:lstStyle/>
+        <a:p>
+          <a:endParaRPr lang="zh-CN" altLang="en-US"/>
+        </a:p>
+      </dgm:t>
     </dgm:pt>
   </dgm:ptLst>
   <dgm:cxnLst>
+    <dgm:cxn modelId="{8D42E277-90E8-42EF-B53C-6C2D5DE3BD74}" srcId="{8C2D2E2F-EF56-470C-9F01-99C18B4AA013}" destId="{283BB913-B767-400F-AC90-713D2AEB50DF}" srcOrd="1" destOrd="0" parTransId="{6318405F-942A-4CF2-9461-1048E3D2B3B8}" sibTransId="{E0CA384F-87C0-44C8-A752-949E5DE3468E}"/>
+    <dgm:cxn modelId="{958A7234-EE68-47C3-A926-534F66BF6B70}" type="presOf" srcId="{2C219934-0AA3-4F06-8EC2-F145B469A87E}" destId="{B904D906-2BA1-4ACE-AD7A-9A893E8E3580}" srcOrd="0" destOrd="0" presId="urn:microsoft.com/office/officeart/2005/8/layout/process2"/>
+    <dgm:cxn modelId="{818AC825-2DF8-44B8-8E10-8D240EE587DF}" srcId="{8C2D2E2F-EF56-470C-9F01-99C18B4AA013}" destId="{B76ED8E4-CE27-44FD-908D-0EC1F2F45269}" srcOrd="0" destOrd="0" parTransId="{EDB3C1CE-443F-4A57-A69D-6A114A0603F6}" sibTransId="{2C219934-0AA3-4F06-8EC2-F145B469A87E}"/>
+    <dgm:cxn modelId="{F004C16F-565A-4346-911C-B40A7D41559C}" type="presOf" srcId="{E0CA384F-87C0-44C8-A752-949E5DE3468E}" destId="{4D67CEAE-7DA4-420E-BD68-9EADCEFC0C13}" srcOrd="0" destOrd="0" presId="urn:microsoft.com/office/officeart/2005/8/layout/process2"/>
+    <dgm:cxn modelId="{030BED6B-86C1-4C63-942C-FAFE29CC383A}" type="presOf" srcId="{2C219934-0AA3-4F06-8EC2-F145B469A87E}" destId="{E4F06868-CFFC-4CFB-B7F6-011E6A6CFFAA}" srcOrd="1" destOrd="0" presId="urn:microsoft.com/office/officeart/2005/8/layout/process2"/>
+    <dgm:cxn modelId="{966DC855-B343-426C-B971-92091A77B028}" type="presOf" srcId="{8C2D2E2F-EF56-470C-9F01-99C18B4AA013}" destId="{875540A0-6D6C-4A6F-98D1-4259478591B7}" srcOrd="0" destOrd="0" presId="urn:microsoft.com/office/officeart/2005/8/layout/process2"/>
+    <dgm:cxn modelId="{8066DE0A-F32A-499C-A4A9-A1236F5D8693}" type="presOf" srcId="{B76ED8E4-CE27-44FD-908D-0EC1F2F45269}" destId="{00DC36BE-516D-44BB-B1FB-79CDE1B870AA}" srcOrd="0" destOrd="0" presId="urn:microsoft.com/office/officeart/2005/8/layout/process2"/>
     <dgm:cxn modelId="{9EE87D2F-DE75-4ACE-97F8-C1D931CD873A}" srcId="{8C2D2E2F-EF56-470C-9F01-99C18B4AA013}" destId="{464B3A4C-75CC-42F2-A09B-FED75B63F0F9}" srcOrd="2" destOrd="0" parTransId="{CE1A4840-1B7E-48CF-9986-86CB855FEDD1}" sibTransId="{8B498823-D9CF-42EC-A953-C8166734F28B}"/>
+    <dgm:cxn modelId="{D13A8886-001F-45E7-9A38-8957B4F496C9}" type="presOf" srcId="{283BB913-B767-400F-AC90-713D2AEB50DF}" destId="{71265F17-EDEB-4312-BA08-4489438230E1}" srcOrd="0" destOrd="0" presId="urn:microsoft.com/office/officeart/2005/8/layout/process2"/>
+    <dgm:cxn modelId="{DA5DB4E7-5B77-4BAB-94B5-A29AD8C5149C}" type="presOf" srcId="{E0CA384F-87C0-44C8-A752-949E5DE3468E}" destId="{2F791D11-68A1-4181-AD49-1DC28786F124}" srcOrd="1" destOrd="0" presId="urn:microsoft.com/office/officeart/2005/8/layout/process2"/>
     <dgm:cxn modelId="{BA2663B2-13ED-415F-A710-FBEFACD952AA}" type="presOf" srcId="{464B3A4C-75CC-42F2-A09B-FED75B63F0F9}" destId="{27C32AC1-9078-4E81-940B-C83C579CBBE8}" srcOrd="0" destOrd="0" presId="urn:microsoft.com/office/officeart/2005/8/layout/process2"/>
-    <dgm:cxn modelId="{8D42E277-90E8-42EF-B53C-6C2D5DE3BD74}" srcId="{8C2D2E2F-EF56-470C-9F01-99C18B4AA013}" destId="{283BB913-B767-400F-AC90-713D2AEB50DF}" srcOrd="1" destOrd="0" parTransId="{6318405F-942A-4CF2-9461-1048E3D2B3B8}" sibTransId="{E0CA384F-87C0-44C8-A752-949E5DE3468E}"/>
-    <dgm:cxn modelId="{8066DE0A-F32A-499C-A4A9-A1236F5D8693}" type="presOf" srcId="{B76ED8E4-CE27-44FD-908D-0EC1F2F45269}" destId="{00DC36BE-516D-44BB-B1FB-79CDE1B870AA}" srcOrd="0" destOrd="0" presId="urn:microsoft.com/office/officeart/2005/8/layout/process2"/>
-    <dgm:cxn modelId="{D13A8886-001F-45E7-9A38-8957B4F496C9}" type="presOf" srcId="{283BB913-B767-400F-AC90-713D2AEB50DF}" destId="{71265F17-EDEB-4312-BA08-4489438230E1}" srcOrd="0" destOrd="0" presId="urn:microsoft.com/office/officeart/2005/8/layout/process2"/>
-    <dgm:cxn modelId="{030BED6B-86C1-4C63-942C-FAFE29CC383A}" type="presOf" srcId="{2C219934-0AA3-4F06-8EC2-F145B469A87E}" destId="{E4F06868-CFFC-4CFB-B7F6-011E6A6CFFAA}" srcOrd="1" destOrd="0" presId="urn:microsoft.com/office/officeart/2005/8/layout/process2"/>
-    <dgm:cxn modelId="{DA5DB4E7-5B77-4BAB-94B5-A29AD8C5149C}" type="presOf" srcId="{E0CA384F-87C0-44C8-A752-949E5DE3468E}" destId="{2F791D11-68A1-4181-AD49-1DC28786F124}" srcOrd="1" destOrd="0" presId="urn:microsoft.com/office/officeart/2005/8/layout/process2"/>
-    <dgm:cxn modelId="{F004C16F-565A-4346-911C-B40A7D41559C}" type="presOf" srcId="{E0CA384F-87C0-44C8-A752-949E5DE3468E}" destId="{4D67CEAE-7DA4-420E-BD68-9EADCEFC0C13}" srcOrd="0" destOrd="0" presId="urn:microsoft.com/office/officeart/2005/8/layout/process2"/>
-    <dgm:cxn modelId="{818AC825-2DF8-44B8-8E10-8D240EE587DF}" srcId="{8C2D2E2F-EF56-470C-9F01-99C18B4AA013}" destId="{B76ED8E4-CE27-44FD-908D-0EC1F2F45269}" srcOrd="0" destOrd="0" parTransId="{EDB3C1CE-443F-4A57-A69D-6A114A0603F6}" sibTransId="{2C219934-0AA3-4F06-8EC2-F145B469A87E}"/>
-    <dgm:cxn modelId="{958A7234-EE68-47C3-A926-534F66BF6B70}" type="presOf" srcId="{2C219934-0AA3-4F06-8EC2-F145B469A87E}" destId="{B904D906-2BA1-4ACE-AD7A-9A893E8E3580}" srcOrd="0" destOrd="0" presId="urn:microsoft.com/office/officeart/2005/8/layout/process2"/>
-    <dgm:cxn modelId="{966DC855-B343-426C-B971-92091A77B028}" type="presOf" srcId="{8C2D2E2F-EF56-470C-9F01-99C18B4AA013}" destId="{875540A0-6D6C-4A6F-98D1-4259478591B7}" srcOrd="0" destOrd="0" presId="urn:microsoft.com/office/officeart/2005/8/layout/process2"/>
     <dgm:cxn modelId="{4A47A78D-F042-43F9-A026-85A87AB55192}" type="presParOf" srcId="{875540A0-6D6C-4A6F-98D1-4259478591B7}" destId="{00DC36BE-516D-44BB-B1FB-79CDE1B870AA}" srcOrd="0" destOrd="0" presId="urn:microsoft.com/office/officeart/2005/8/layout/process2"/>
     <dgm:cxn modelId="{FA4A64BB-6DBC-4274-8ED7-7603F7B6CF3A}" type="presParOf" srcId="{875540A0-6D6C-4A6F-98D1-4259478591B7}" destId="{B904D906-2BA1-4ACE-AD7A-9A893E8E3580}" srcOrd="1" destOrd="0" presId="urn:microsoft.com/office/officeart/2005/8/layout/process2"/>
     <dgm:cxn modelId="{C9A5285A-9FFE-4F73-8D2A-B7EDB7E443D7}" type="presParOf" srcId="{B904D906-2BA1-4ACE-AD7A-9A893E8E3580}" destId="{E4F06868-CFFC-4CFB-B7F6-011E6A6CFFAA}" srcOrd="0" destOrd="0" presId="urn:microsoft.com/office/officeart/2005/8/layout/process2"/>
@@ -4990,7 +5039,7 @@
   <dgm:whole/>
   <dgm:extLst>
     <a:ext uri="http://schemas.microsoft.com/office/drawing/2008/diagram">
-      <dsp:dataModelExt xmlns:dsp="http://schemas.microsoft.com/office/drawing/2008/diagram" relId="rId6" minVer="http://schemas.openxmlformats.org/drawingml/2006/diagram"/>
+      <dsp:dataModelExt xmlns:dsp="http://schemas.microsoft.com/office/drawing/2008/diagram" xmlns="" relId="rId6" minVer="http://schemas.openxmlformats.org/drawingml/2006/diagram"/>
     </a:ext>
   </dgm:extLst>
 </dgm:dataModel>
@@ -5162,14 +5211,35 @@
         </dgm:presLayoutVars>
       </dgm:prSet>
       <dgm:spPr/>
+      <dgm:t>
+        <a:bodyPr/>
+        <a:lstStyle/>
+        <a:p>
+          <a:endParaRPr lang="zh-CN" altLang="en-US"/>
+        </a:p>
+      </dgm:t>
     </dgm:pt>
     <dgm:pt modelId="{F4222460-DA3F-4D91-8B7F-249866513908}" type="pres">
       <dgm:prSet presAssocID="{64C298F0-1E35-44E1-B8FE-1DB5B79B7B6B}" presName="sibTrans" presStyleLbl="sibTrans2D1" presStyleIdx="0" presStyleCnt="3"/>
       <dgm:spPr/>
+      <dgm:t>
+        <a:bodyPr/>
+        <a:lstStyle/>
+        <a:p>
+          <a:endParaRPr lang="zh-CN" altLang="en-US"/>
+        </a:p>
+      </dgm:t>
     </dgm:pt>
     <dgm:pt modelId="{9A15A386-30A2-4E2E-A515-34FBC787EE36}" type="pres">
       <dgm:prSet presAssocID="{64C298F0-1E35-44E1-B8FE-1DB5B79B7B6B}" presName="connectorText" presStyleLbl="sibTrans2D1" presStyleIdx="0" presStyleCnt="3"/>
       <dgm:spPr/>
+      <dgm:t>
+        <a:bodyPr/>
+        <a:lstStyle/>
+        <a:p>
+          <a:endParaRPr lang="zh-CN" altLang="en-US"/>
+        </a:p>
+      </dgm:t>
     </dgm:pt>
     <dgm:pt modelId="{9324DF2E-1641-47A8-8298-A4EBCA7FFF4D}" type="pres">
       <dgm:prSet presAssocID="{5F2DB3B5-0D57-49B8-9847-A861DFFADA0F}" presName="node" presStyleLbl="node1" presStyleIdx="1" presStyleCnt="4">
@@ -5178,14 +5248,35 @@
         </dgm:presLayoutVars>
       </dgm:prSet>
       <dgm:spPr/>
+      <dgm:t>
+        <a:bodyPr/>
+        <a:lstStyle/>
+        <a:p>
+          <a:endParaRPr lang="zh-CN" altLang="en-US"/>
+        </a:p>
+      </dgm:t>
     </dgm:pt>
     <dgm:pt modelId="{4BC20CCD-7B25-4DCE-8310-806E0883CCC1}" type="pres">
       <dgm:prSet presAssocID="{55F339B8-D436-4DB4-9164-A1ADB6BA2C91}" presName="sibTrans" presStyleLbl="sibTrans2D1" presStyleIdx="1" presStyleCnt="3"/>
       <dgm:spPr/>
+      <dgm:t>
+        <a:bodyPr/>
+        <a:lstStyle/>
+        <a:p>
+          <a:endParaRPr lang="zh-CN" altLang="en-US"/>
+        </a:p>
+      </dgm:t>
     </dgm:pt>
     <dgm:pt modelId="{1B3DD853-B707-4257-A156-6C99DA26A71B}" type="pres">
       <dgm:prSet presAssocID="{55F339B8-D436-4DB4-9164-A1ADB6BA2C91}" presName="connectorText" presStyleLbl="sibTrans2D1" presStyleIdx="1" presStyleCnt="3"/>
       <dgm:spPr/>
+      <dgm:t>
+        <a:bodyPr/>
+        <a:lstStyle/>
+        <a:p>
+          <a:endParaRPr lang="zh-CN" altLang="en-US"/>
+        </a:p>
+      </dgm:t>
     </dgm:pt>
     <dgm:pt modelId="{D699FBF6-99F4-47E3-818C-BA1AF90285A3}" type="pres">
       <dgm:prSet presAssocID="{DD9C489C-7613-40F7-92F0-BD2326D792CC}" presName="node" presStyleLbl="node1" presStyleIdx="2" presStyleCnt="4">
@@ -5194,14 +5285,35 @@
         </dgm:presLayoutVars>
       </dgm:prSet>
       <dgm:spPr/>
+      <dgm:t>
+        <a:bodyPr/>
+        <a:lstStyle/>
+        <a:p>
+          <a:endParaRPr lang="zh-CN" altLang="en-US"/>
+        </a:p>
+      </dgm:t>
     </dgm:pt>
     <dgm:pt modelId="{A77E9F03-1D58-412A-950B-EF37680BC9FE}" type="pres">
       <dgm:prSet presAssocID="{69A1DCFF-44C1-4D82-8CC1-FCF5DBA18A45}" presName="sibTrans" presStyleLbl="sibTrans2D1" presStyleIdx="2" presStyleCnt="3"/>
       <dgm:spPr/>
+      <dgm:t>
+        <a:bodyPr/>
+        <a:lstStyle/>
+        <a:p>
+          <a:endParaRPr lang="zh-CN" altLang="en-US"/>
+        </a:p>
+      </dgm:t>
     </dgm:pt>
     <dgm:pt modelId="{3FA72500-A990-45C2-8106-ADEA5E065F85}" type="pres">
       <dgm:prSet presAssocID="{69A1DCFF-44C1-4D82-8CC1-FCF5DBA18A45}" presName="connectorText" presStyleLbl="sibTrans2D1" presStyleIdx="2" presStyleCnt="3"/>
       <dgm:spPr/>
+      <dgm:t>
+        <a:bodyPr/>
+        <a:lstStyle/>
+        <a:p>
+          <a:endParaRPr lang="zh-CN" altLang="en-US"/>
+        </a:p>
+      </dgm:t>
     </dgm:pt>
     <dgm:pt modelId="{EBEC3436-91D9-46A5-BCE2-272014E51229}" type="pres">
       <dgm:prSet presAssocID="{C07F8285-1461-4734-B774-9FA3925BDB35}" presName="node" presStyleLbl="node1" presStyleIdx="3" presStyleCnt="4">
@@ -5210,24 +5322,31 @@
         </dgm:presLayoutVars>
       </dgm:prSet>
       <dgm:spPr/>
+      <dgm:t>
+        <a:bodyPr/>
+        <a:lstStyle/>
+        <a:p>
+          <a:endParaRPr lang="zh-CN" altLang="en-US"/>
+        </a:p>
+      </dgm:t>
     </dgm:pt>
   </dgm:ptLst>
   <dgm:cxnLst>
+    <dgm:cxn modelId="{659857F6-1882-469B-8502-3316F457AF2E}" srcId="{D388E4D6-15FC-49D9-9C2E-189AF71EB9F8}" destId="{C07F8285-1461-4734-B774-9FA3925BDB35}" srcOrd="3" destOrd="0" parTransId="{C56521BA-7AF6-4A2D-B6AF-FDED911EAF54}" sibTransId="{A9C647F6-56DD-4215-AF5D-8C9F82AC1069}"/>
+    <dgm:cxn modelId="{211540E4-84CD-492A-B792-E95EEC12AEC0}" type="presOf" srcId="{DD9C489C-7613-40F7-92F0-BD2326D792CC}" destId="{D699FBF6-99F4-47E3-818C-BA1AF90285A3}" srcOrd="0" destOrd="0" presId="urn:microsoft.com/office/officeart/2005/8/layout/process2"/>
+    <dgm:cxn modelId="{7974FDA1-8128-407E-A73D-D16669FB4C4D}" type="presOf" srcId="{C07F8285-1461-4734-B774-9FA3925BDB35}" destId="{EBEC3436-91D9-46A5-BCE2-272014E51229}" srcOrd="0" destOrd="0" presId="urn:microsoft.com/office/officeart/2005/8/layout/process2"/>
+    <dgm:cxn modelId="{1C04DED0-8846-4065-A323-C6693680A30A}" srcId="{D388E4D6-15FC-49D9-9C2E-189AF71EB9F8}" destId="{5F2DB3B5-0D57-49B8-9847-A861DFFADA0F}" srcOrd="1" destOrd="0" parTransId="{7A431B43-CCD5-4471-9071-1EA0B6FCAB75}" sibTransId="{55F339B8-D436-4DB4-9164-A1ADB6BA2C91}"/>
+    <dgm:cxn modelId="{3C84FD7C-250A-46B4-A82D-0C0E39424CFB}" type="presOf" srcId="{69A1DCFF-44C1-4D82-8CC1-FCF5DBA18A45}" destId="{3FA72500-A990-45C2-8106-ADEA5E065F85}" srcOrd="1" destOrd="0" presId="urn:microsoft.com/office/officeart/2005/8/layout/process2"/>
+    <dgm:cxn modelId="{E4829F05-BB90-4DAD-B289-BA62925269C9}" type="presOf" srcId="{486A6EEA-E169-4F57-BDC0-987FFA5575AC}" destId="{C010418B-CAFF-4F5C-B03E-6A963E3A8BC3}" srcOrd="0" destOrd="0" presId="urn:microsoft.com/office/officeart/2005/8/layout/process2"/>
+    <dgm:cxn modelId="{DE69248E-54B4-428C-923B-BFE94C747836}" type="presOf" srcId="{64C298F0-1E35-44E1-B8FE-1DB5B79B7B6B}" destId="{F4222460-DA3F-4D91-8B7F-249866513908}" srcOrd="0" destOrd="0" presId="urn:microsoft.com/office/officeart/2005/8/layout/process2"/>
+    <dgm:cxn modelId="{FFBAED7F-058D-424D-BA7C-27E72EE370F0}" type="presOf" srcId="{69A1DCFF-44C1-4D82-8CC1-FCF5DBA18A45}" destId="{A77E9F03-1D58-412A-950B-EF37680BC9FE}" srcOrd="0" destOrd="0" presId="urn:microsoft.com/office/officeart/2005/8/layout/process2"/>
+    <dgm:cxn modelId="{7E795940-7589-4078-9B49-5E95585DA932}" type="presOf" srcId="{55F339B8-D436-4DB4-9164-A1ADB6BA2C91}" destId="{4BC20CCD-7B25-4DCE-8310-806E0883CCC1}" srcOrd="0" destOrd="0" presId="urn:microsoft.com/office/officeart/2005/8/layout/process2"/>
+    <dgm:cxn modelId="{5850C1E3-9398-4697-AD9B-2DC2888BD050}" srcId="{D388E4D6-15FC-49D9-9C2E-189AF71EB9F8}" destId="{486A6EEA-E169-4F57-BDC0-987FFA5575AC}" srcOrd="0" destOrd="0" parTransId="{6C40A278-351A-47CF-822B-1811B40DED8A}" sibTransId="{64C298F0-1E35-44E1-B8FE-1DB5B79B7B6B}"/>
     <dgm:cxn modelId="{0EABDD80-781C-4DD3-826D-3889F14BA547}" type="presOf" srcId="{64C298F0-1E35-44E1-B8FE-1DB5B79B7B6B}" destId="{9A15A386-30A2-4E2E-A515-34FBC787EE36}" srcOrd="1" destOrd="0" presId="urn:microsoft.com/office/officeart/2005/8/layout/process2"/>
+    <dgm:cxn modelId="{9F6189EE-2B6F-4A9E-930D-2524DA03CC81}" type="presOf" srcId="{55F339B8-D436-4DB4-9164-A1ADB6BA2C91}" destId="{1B3DD853-B707-4257-A156-6C99DA26A71B}" srcOrd="1" destOrd="0" presId="urn:microsoft.com/office/officeart/2005/8/layout/process2"/>
     <dgm:cxn modelId="{4889C9AD-558D-4E99-BD45-E355BF6AEFB9}" srcId="{D388E4D6-15FC-49D9-9C2E-189AF71EB9F8}" destId="{DD9C489C-7613-40F7-92F0-BD2326D792CC}" srcOrd="2" destOrd="0" parTransId="{26C2CE16-53B0-41B7-8983-54E67287543D}" sibTransId="{69A1DCFF-44C1-4D82-8CC1-FCF5DBA18A45}"/>
-    <dgm:cxn modelId="{659857F6-1882-469B-8502-3316F457AF2E}" srcId="{D388E4D6-15FC-49D9-9C2E-189AF71EB9F8}" destId="{C07F8285-1461-4734-B774-9FA3925BDB35}" srcOrd="3" destOrd="0" parTransId="{C56521BA-7AF6-4A2D-B6AF-FDED911EAF54}" sibTransId="{A9C647F6-56DD-4215-AF5D-8C9F82AC1069}"/>
+    <dgm:cxn modelId="{25B42FFA-2B9C-4BCA-A858-5FCC1DBEB766}" type="presOf" srcId="{5F2DB3B5-0D57-49B8-9847-A861DFFADA0F}" destId="{9324DF2E-1641-47A8-8298-A4EBCA7FFF4D}" srcOrd="0" destOrd="0" presId="urn:microsoft.com/office/officeart/2005/8/layout/process2"/>
     <dgm:cxn modelId="{8064169A-E75C-454F-A290-A344868F9131}" type="presOf" srcId="{D388E4D6-15FC-49D9-9C2E-189AF71EB9F8}" destId="{B45CA829-12F8-42A9-881D-C1B89CBFF4CA}" srcOrd="0" destOrd="0" presId="urn:microsoft.com/office/officeart/2005/8/layout/process2"/>
-    <dgm:cxn modelId="{DE69248E-54B4-428C-923B-BFE94C747836}" type="presOf" srcId="{64C298F0-1E35-44E1-B8FE-1DB5B79B7B6B}" destId="{F4222460-DA3F-4D91-8B7F-249866513908}" srcOrd="0" destOrd="0" presId="urn:microsoft.com/office/officeart/2005/8/layout/process2"/>
-    <dgm:cxn modelId="{211540E4-84CD-492A-B792-E95EEC12AEC0}" type="presOf" srcId="{DD9C489C-7613-40F7-92F0-BD2326D792CC}" destId="{D699FBF6-99F4-47E3-818C-BA1AF90285A3}" srcOrd="0" destOrd="0" presId="urn:microsoft.com/office/officeart/2005/8/layout/process2"/>
-    <dgm:cxn modelId="{7E795940-7589-4078-9B49-5E95585DA932}" type="presOf" srcId="{55F339B8-D436-4DB4-9164-A1ADB6BA2C91}" destId="{4BC20CCD-7B25-4DCE-8310-806E0883CCC1}" srcOrd="0" destOrd="0" presId="urn:microsoft.com/office/officeart/2005/8/layout/process2"/>
-    <dgm:cxn modelId="{3C84FD7C-250A-46B4-A82D-0C0E39424CFB}" type="presOf" srcId="{69A1DCFF-44C1-4D82-8CC1-FCF5DBA18A45}" destId="{3FA72500-A990-45C2-8106-ADEA5E065F85}" srcOrd="1" destOrd="0" presId="urn:microsoft.com/office/officeart/2005/8/layout/process2"/>
-    <dgm:cxn modelId="{7974FDA1-8128-407E-A73D-D16669FB4C4D}" type="presOf" srcId="{C07F8285-1461-4734-B774-9FA3925BDB35}" destId="{EBEC3436-91D9-46A5-BCE2-272014E51229}" srcOrd="0" destOrd="0" presId="urn:microsoft.com/office/officeart/2005/8/layout/process2"/>
-    <dgm:cxn modelId="{5850C1E3-9398-4697-AD9B-2DC2888BD050}" srcId="{D388E4D6-15FC-49D9-9C2E-189AF71EB9F8}" destId="{486A6EEA-E169-4F57-BDC0-987FFA5575AC}" srcOrd="0" destOrd="0" parTransId="{6C40A278-351A-47CF-822B-1811B40DED8A}" sibTransId="{64C298F0-1E35-44E1-B8FE-1DB5B79B7B6B}"/>
-    <dgm:cxn modelId="{E4829F05-BB90-4DAD-B289-BA62925269C9}" type="presOf" srcId="{486A6EEA-E169-4F57-BDC0-987FFA5575AC}" destId="{C010418B-CAFF-4F5C-B03E-6A963E3A8BC3}" srcOrd="0" destOrd="0" presId="urn:microsoft.com/office/officeart/2005/8/layout/process2"/>
-    <dgm:cxn modelId="{25B42FFA-2B9C-4BCA-A858-5FCC1DBEB766}" type="presOf" srcId="{5F2DB3B5-0D57-49B8-9847-A861DFFADA0F}" destId="{9324DF2E-1641-47A8-8298-A4EBCA7FFF4D}" srcOrd="0" destOrd="0" presId="urn:microsoft.com/office/officeart/2005/8/layout/process2"/>
-    <dgm:cxn modelId="{9F6189EE-2B6F-4A9E-930D-2524DA03CC81}" type="presOf" srcId="{55F339B8-D436-4DB4-9164-A1ADB6BA2C91}" destId="{1B3DD853-B707-4257-A156-6C99DA26A71B}" srcOrd="1" destOrd="0" presId="urn:microsoft.com/office/officeart/2005/8/layout/process2"/>
-    <dgm:cxn modelId="{1C04DED0-8846-4065-A323-C6693680A30A}" srcId="{D388E4D6-15FC-49D9-9C2E-189AF71EB9F8}" destId="{5F2DB3B5-0D57-49B8-9847-A861DFFADA0F}" srcOrd="1" destOrd="0" parTransId="{7A431B43-CCD5-4471-9071-1EA0B6FCAB75}" sibTransId="{55F339B8-D436-4DB4-9164-A1ADB6BA2C91}"/>
-    <dgm:cxn modelId="{FFBAED7F-058D-424D-BA7C-27E72EE370F0}" type="presOf" srcId="{69A1DCFF-44C1-4D82-8CC1-FCF5DBA18A45}" destId="{A77E9F03-1D58-412A-950B-EF37680BC9FE}" srcOrd="0" destOrd="0" presId="urn:microsoft.com/office/officeart/2005/8/layout/process2"/>
     <dgm:cxn modelId="{40D27144-0F67-4899-A764-B8DB665F089D}" type="presParOf" srcId="{B45CA829-12F8-42A9-881D-C1B89CBFF4CA}" destId="{C010418B-CAFF-4F5C-B03E-6A963E3A8BC3}" srcOrd="0" destOrd="0" presId="urn:microsoft.com/office/officeart/2005/8/layout/process2"/>
     <dgm:cxn modelId="{A75AA567-BFCD-4425-A5D4-BD04E5A3BC57}" type="presParOf" srcId="{B45CA829-12F8-42A9-881D-C1B89CBFF4CA}" destId="{F4222460-DA3F-4D91-8B7F-249866513908}" srcOrd="1" destOrd="0" presId="urn:microsoft.com/office/officeart/2005/8/layout/process2"/>
     <dgm:cxn modelId="{230F71A2-16A9-4F51-B64F-B6330CB1E93A}" type="presParOf" srcId="{F4222460-DA3F-4D91-8B7F-249866513908}" destId="{9A15A386-30A2-4E2E-A515-34FBC787EE36}" srcOrd="0" destOrd="0" presId="urn:microsoft.com/office/officeart/2005/8/layout/process2"/>
@@ -5243,7 +5362,7 @@
   <dgm:whole/>
   <dgm:extLst>
     <a:ext uri="http://schemas.microsoft.com/office/drawing/2008/diagram">
-      <dsp:dataModelExt xmlns:dsp="http://schemas.microsoft.com/office/drawing/2008/diagram" relId="rId6" minVer="http://schemas.openxmlformats.org/drawingml/2006/diagram"/>
+      <dsp:dataModelExt xmlns:dsp="http://schemas.microsoft.com/office/drawing/2008/diagram" xmlns="" relId="rId6" minVer="http://schemas.openxmlformats.org/drawingml/2006/diagram"/>
     </a:ext>
   </dgm:extLst>
 </dgm:dataModel>
@@ -5453,6 +5572,13 @@
         </dgm:presLayoutVars>
       </dgm:prSet>
       <dgm:spPr/>
+      <dgm:t>
+        <a:bodyPr/>
+        <a:lstStyle/>
+        <a:p>
+          <a:endParaRPr lang="zh-CN" altLang="en-US"/>
+        </a:p>
+      </dgm:t>
     </dgm:pt>
     <dgm:pt modelId="{885F99C4-AF98-458D-A68A-1EC3F87EC047}" type="pres">
       <dgm:prSet presAssocID="{C13E7ED9-80F9-42F5-9258-76A386448B1E}" presName="matrix" presStyleCnt="0"/>
@@ -5461,6 +5587,13 @@
     <dgm:pt modelId="{0B7295E5-6B7F-4C3A-BAF6-ADDF5087D8DA}" type="pres">
       <dgm:prSet presAssocID="{C13E7ED9-80F9-42F5-9258-76A386448B1E}" presName="tile1" presStyleLbl="node1" presStyleIdx="0" presStyleCnt="4"/>
       <dgm:spPr/>
+      <dgm:t>
+        <a:bodyPr/>
+        <a:lstStyle/>
+        <a:p>
+          <a:endParaRPr lang="zh-CN" altLang="en-US"/>
+        </a:p>
+      </dgm:t>
     </dgm:pt>
     <dgm:pt modelId="{1AEB1115-06D4-4635-9124-4CFA5EA84DD7}" type="pres">
       <dgm:prSet presAssocID="{C13E7ED9-80F9-42F5-9258-76A386448B1E}" presName="tile1text" presStyleLbl="node1" presStyleIdx="0" presStyleCnt="4">
@@ -5471,10 +5604,24 @@
         </dgm:presLayoutVars>
       </dgm:prSet>
       <dgm:spPr/>
+      <dgm:t>
+        <a:bodyPr/>
+        <a:lstStyle/>
+        <a:p>
+          <a:endParaRPr lang="zh-CN" altLang="en-US"/>
+        </a:p>
+      </dgm:t>
     </dgm:pt>
     <dgm:pt modelId="{6ACA934D-A4DF-4903-85B8-4598A50D8F04}" type="pres">
       <dgm:prSet presAssocID="{C13E7ED9-80F9-42F5-9258-76A386448B1E}" presName="tile2" presStyleLbl="node1" presStyleIdx="1" presStyleCnt="4"/>
       <dgm:spPr/>
+      <dgm:t>
+        <a:bodyPr/>
+        <a:lstStyle/>
+        <a:p>
+          <a:endParaRPr lang="zh-CN" altLang="en-US"/>
+        </a:p>
+      </dgm:t>
     </dgm:pt>
     <dgm:pt modelId="{B641D4D4-AAEE-4480-95A6-BC5E2B2D055E}" type="pres">
       <dgm:prSet presAssocID="{C13E7ED9-80F9-42F5-9258-76A386448B1E}" presName="tile2text" presStyleLbl="node1" presStyleIdx="1" presStyleCnt="4">
@@ -5485,10 +5632,24 @@
         </dgm:presLayoutVars>
       </dgm:prSet>
       <dgm:spPr/>
+      <dgm:t>
+        <a:bodyPr/>
+        <a:lstStyle/>
+        <a:p>
+          <a:endParaRPr lang="zh-CN" altLang="en-US"/>
+        </a:p>
+      </dgm:t>
     </dgm:pt>
     <dgm:pt modelId="{938BBBA7-9E14-451B-A712-386CEE300302}" type="pres">
       <dgm:prSet presAssocID="{C13E7ED9-80F9-42F5-9258-76A386448B1E}" presName="tile3" presStyleLbl="node1" presStyleIdx="2" presStyleCnt="4"/>
       <dgm:spPr/>
+      <dgm:t>
+        <a:bodyPr/>
+        <a:lstStyle/>
+        <a:p>
+          <a:endParaRPr lang="zh-CN" altLang="en-US"/>
+        </a:p>
+      </dgm:t>
     </dgm:pt>
     <dgm:pt modelId="{939A0680-A0AA-4A30-B7C9-EDBB2F6A903B}" type="pres">
       <dgm:prSet presAssocID="{C13E7ED9-80F9-42F5-9258-76A386448B1E}" presName="tile3text" presStyleLbl="node1" presStyleIdx="2" presStyleCnt="4">
@@ -5499,10 +5660,24 @@
         </dgm:presLayoutVars>
       </dgm:prSet>
       <dgm:spPr/>
+      <dgm:t>
+        <a:bodyPr/>
+        <a:lstStyle/>
+        <a:p>
+          <a:endParaRPr lang="zh-CN" altLang="en-US"/>
+        </a:p>
+      </dgm:t>
     </dgm:pt>
     <dgm:pt modelId="{57E9D70F-59FF-4C3E-8C4E-9312049A8B6C}" type="pres">
       <dgm:prSet presAssocID="{C13E7ED9-80F9-42F5-9258-76A386448B1E}" presName="tile4" presStyleLbl="node1" presStyleIdx="3" presStyleCnt="4"/>
       <dgm:spPr/>
+      <dgm:t>
+        <a:bodyPr/>
+        <a:lstStyle/>
+        <a:p>
+          <a:endParaRPr lang="zh-CN" altLang="en-US"/>
+        </a:p>
+      </dgm:t>
     </dgm:pt>
     <dgm:pt modelId="{2BD6C5D7-91CF-4A2C-9A7C-D6247BFED4CC}" type="pres">
       <dgm:prSet presAssocID="{C13E7ED9-80F9-42F5-9258-76A386448B1E}" presName="tile4text" presStyleLbl="node1" presStyleIdx="3" presStyleCnt="4">
@@ -5513,6 +5688,13 @@
         </dgm:presLayoutVars>
       </dgm:prSet>
       <dgm:spPr/>
+      <dgm:t>
+        <a:bodyPr/>
+        <a:lstStyle/>
+        <a:p>
+          <a:endParaRPr lang="zh-CN" altLang="en-US"/>
+        </a:p>
+      </dgm:t>
     </dgm:pt>
     <dgm:pt modelId="{54660845-72B4-4189-BBC5-2FE29AB7D5EC}" type="pres">
       <dgm:prSet presAssocID="{C13E7ED9-80F9-42F5-9258-76A386448B1E}" presName="centerTile" presStyleLbl="fgShp" presStyleIdx="0" presStyleCnt="1">
@@ -5522,24 +5704,31 @@
         </dgm:presLayoutVars>
       </dgm:prSet>
       <dgm:spPr/>
+      <dgm:t>
+        <a:bodyPr/>
+        <a:lstStyle/>
+        <a:p>
+          <a:endParaRPr lang="zh-CN" altLang="en-US"/>
+        </a:p>
+      </dgm:t>
     </dgm:pt>
   </dgm:ptLst>
   <dgm:cxnLst>
+    <dgm:cxn modelId="{4279B33C-9876-4B45-A618-C83565AE9F29}" type="presOf" srcId="{D0B3E592-6ECC-499D-92B6-DC83273B6033}" destId="{1AEB1115-06D4-4635-9124-4CFA5EA84DD7}" srcOrd="1" destOrd="0" presId="urn:microsoft.com/office/officeart/2005/8/layout/matrix1"/>
+    <dgm:cxn modelId="{12BA79F2-0E9A-41B1-82E5-5CB3439A128C}" srcId="{0B3421B8-0F58-40C1-BEB6-57C1C9414F56}" destId="{D0B3E592-6ECC-499D-92B6-DC83273B6033}" srcOrd="0" destOrd="0" parTransId="{60BF9C75-5CF3-49D4-B604-57E7213DB692}" sibTransId="{FEF8343F-9AB9-4A18-9D4B-12A1ADA565A4}"/>
+    <dgm:cxn modelId="{BE6F14DB-B7C6-4C5C-83EC-92B6281AC574}" type="presOf" srcId="{C6329508-2AD1-4553-BDFF-03C41BA648BA}" destId="{2BD6C5D7-91CF-4A2C-9A7C-D6247BFED4CC}" srcOrd="1" destOrd="0" presId="urn:microsoft.com/office/officeart/2005/8/layout/matrix1"/>
+    <dgm:cxn modelId="{47FDF9E6-0B01-4BE6-8152-3BA7CF16924C}" type="presOf" srcId="{0B3421B8-0F58-40C1-BEB6-57C1C9414F56}" destId="{54660845-72B4-4189-BBC5-2FE29AB7D5EC}" srcOrd="0" destOrd="0" presId="urn:microsoft.com/office/officeart/2005/8/layout/matrix1"/>
     <dgm:cxn modelId="{0C47143A-2ADA-45EA-9983-192A87EE995A}" srcId="{0B3421B8-0F58-40C1-BEB6-57C1C9414F56}" destId="{6B1E3087-13F3-470C-8A88-0AC6772036B2}" srcOrd="1" destOrd="0" parTransId="{33652FFC-3953-421F-89CF-B39A3CAD9797}" sibTransId="{F9FBE4E5-2525-4337-AB01-A3B0CC2A0790}"/>
+    <dgm:cxn modelId="{E4BD2678-55A8-43E9-B33F-FC27FD564D50}" type="presOf" srcId="{6B1E3087-13F3-470C-8A88-0AC6772036B2}" destId="{6ACA934D-A4DF-4903-85B8-4598A50D8F04}" srcOrd="0" destOrd="0" presId="urn:microsoft.com/office/officeart/2005/8/layout/matrix1"/>
+    <dgm:cxn modelId="{94484E21-D2D4-4346-8466-5C33B10DA156}" type="presOf" srcId="{D0B3E592-6ECC-499D-92B6-DC83273B6033}" destId="{0B7295E5-6B7F-4C3A-BAF6-ADDF5087D8DA}" srcOrd="0" destOrd="0" presId="urn:microsoft.com/office/officeart/2005/8/layout/matrix1"/>
+    <dgm:cxn modelId="{2202B85A-C835-4C0B-B190-4B2DEEF4CC56}" type="presOf" srcId="{6A04E2C9-EA36-4E73-AE8F-3FB5F98A674F}" destId="{939A0680-A0AA-4A30-B7C9-EDBB2F6A903B}" srcOrd="1" destOrd="0" presId="urn:microsoft.com/office/officeart/2005/8/layout/matrix1"/>
     <dgm:cxn modelId="{EDA43A23-EFAB-433D-831C-2A15EB76918C}" srcId="{C13E7ED9-80F9-42F5-9258-76A386448B1E}" destId="{0B3421B8-0F58-40C1-BEB6-57C1C9414F56}" srcOrd="0" destOrd="0" parTransId="{8C70F200-6846-480B-8DDD-846CE02BEA75}" sibTransId="{09704B69-8081-4834-A2BA-E362CFACCA3E}"/>
-    <dgm:cxn modelId="{4279B33C-9876-4B45-A618-C83565AE9F29}" type="presOf" srcId="{D0B3E592-6ECC-499D-92B6-DC83273B6033}" destId="{1AEB1115-06D4-4635-9124-4CFA5EA84DD7}" srcOrd="1" destOrd="0" presId="urn:microsoft.com/office/officeart/2005/8/layout/matrix1"/>
-    <dgm:cxn modelId="{47FDF9E6-0B01-4BE6-8152-3BA7CF16924C}" type="presOf" srcId="{0B3421B8-0F58-40C1-BEB6-57C1C9414F56}" destId="{54660845-72B4-4189-BBC5-2FE29AB7D5EC}" srcOrd="0" destOrd="0" presId="urn:microsoft.com/office/officeart/2005/8/layout/matrix1"/>
-    <dgm:cxn modelId="{12BA79F2-0E9A-41B1-82E5-5CB3439A128C}" srcId="{0B3421B8-0F58-40C1-BEB6-57C1C9414F56}" destId="{D0B3E592-6ECC-499D-92B6-DC83273B6033}" srcOrd="0" destOrd="0" parTransId="{60BF9C75-5CF3-49D4-B604-57E7213DB692}" sibTransId="{FEF8343F-9AB9-4A18-9D4B-12A1ADA565A4}"/>
+    <dgm:cxn modelId="{795B5F0B-48CF-4D27-9599-EC9D336E4349}" type="presOf" srcId="{C13E7ED9-80F9-42F5-9258-76A386448B1E}" destId="{8E8304F0-1DD9-4996-8AD4-8252E3420191}" srcOrd="0" destOrd="0" presId="urn:microsoft.com/office/officeart/2005/8/layout/matrix1"/>
+    <dgm:cxn modelId="{6F28BB5B-A5F2-410E-BFC6-512D8A2E7540}" srcId="{0B3421B8-0F58-40C1-BEB6-57C1C9414F56}" destId="{C6329508-2AD1-4553-BDFF-03C41BA648BA}" srcOrd="3" destOrd="0" parTransId="{16E5F542-65EB-4937-B040-AFC7DF04898F}" sibTransId="{C4B949E9-C36E-4090-95B5-DF832CF8788B}"/>
     <dgm:cxn modelId="{4A0E8935-18D7-4EEE-96FE-2080288C6340}" srcId="{0B3421B8-0F58-40C1-BEB6-57C1C9414F56}" destId="{6A04E2C9-EA36-4E73-AE8F-3FB5F98A674F}" srcOrd="2" destOrd="0" parTransId="{31E536F7-7E6E-4CC0-BDB2-A4EE4F8649FC}" sibTransId="{9678FD3A-42F0-419C-9F24-0E40F66704CC}"/>
     <dgm:cxn modelId="{5BFD1182-297C-4232-A6A8-7E8C4CF4C92D}" type="presOf" srcId="{6A04E2C9-EA36-4E73-AE8F-3FB5F98A674F}" destId="{938BBBA7-9E14-451B-A712-386CEE300302}" srcOrd="0" destOrd="0" presId="urn:microsoft.com/office/officeart/2005/8/layout/matrix1"/>
     <dgm:cxn modelId="{3BBD7C97-7228-4EC6-9675-25A33D9C8846}" type="presOf" srcId="{C6329508-2AD1-4553-BDFF-03C41BA648BA}" destId="{57E9D70F-59FF-4C3E-8C4E-9312049A8B6C}" srcOrd="0" destOrd="0" presId="urn:microsoft.com/office/officeart/2005/8/layout/matrix1"/>
     <dgm:cxn modelId="{B1FF028E-1B6C-4EE2-B16C-CE7691E23F47}" type="presOf" srcId="{6B1E3087-13F3-470C-8A88-0AC6772036B2}" destId="{B641D4D4-AAEE-4480-95A6-BC5E2B2D055E}" srcOrd="1" destOrd="0" presId="urn:microsoft.com/office/officeart/2005/8/layout/matrix1"/>
-    <dgm:cxn modelId="{2202B85A-C835-4C0B-B190-4B2DEEF4CC56}" type="presOf" srcId="{6A04E2C9-EA36-4E73-AE8F-3FB5F98A674F}" destId="{939A0680-A0AA-4A30-B7C9-EDBB2F6A903B}" srcOrd="1" destOrd="0" presId="urn:microsoft.com/office/officeart/2005/8/layout/matrix1"/>
-    <dgm:cxn modelId="{E4BD2678-55A8-43E9-B33F-FC27FD564D50}" type="presOf" srcId="{6B1E3087-13F3-470C-8A88-0AC6772036B2}" destId="{6ACA934D-A4DF-4903-85B8-4598A50D8F04}" srcOrd="0" destOrd="0" presId="urn:microsoft.com/office/officeart/2005/8/layout/matrix1"/>
-    <dgm:cxn modelId="{94484E21-D2D4-4346-8466-5C33B10DA156}" type="presOf" srcId="{D0B3E592-6ECC-499D-92B6-DC83273B6033}" destId="{0B7295E5-6B7F-4C3A-BAF6-ADDF5087D8DA}" srcOrd="0" destOrd="0" presId="urn:microsoft.com/office/officeart/2005/8/layout/matrix1"/>
-    <dgm:cxn modelId="{BE6F14DB-B7C6-4C5C-83EC-92B6281AC574}" type="presOf" srcId="{C6329508-2AD1-4553-BDFF-03C41BA648BA}" destId="{2BD6C5D7-91CF-4A2C-9A7C-D6247BFED4CC}" srcOrd="1" destOrd="0" presId="urn:microsoft.com/office/officeart/2005/8/layout/matrix1"/>
-    <dgm:cxn modelId="{795B5F0B-48CF-4D27-9599-EC9D336E4349}" type="presOf" srcId="{C13E7ED9-80F9-42F5-9258-76A386448B1E}" destId="{8E8304F0-1DD9-4996-8AD4-8252E3420191}" srcOrd="0" destOrd="0" presId="urn:microsoft.com/office/officeart/2005/8/layout/matrix1"/>
-    <dgm:cxn modelId="{6F28BB5B-A5F2-410E-BFC6-512D8A2E7540}" srcId="{0B3421B8-0F58-40C1-BEB6-57C1C9414F56}" destId="{C6329508-2AD1-4553-BDFF-03C41BA648BA}" srcOrd="3" destOrd="0" parTransId="{16E5F542-65EB-4937-B040-AFC7DF04898F}" sibTransId="{C4B949E9-C36E-4090-95B5-DF832CF8788B}"/>
     <dgm:cxn modelId="{901DCE53-04C0-43AD-A4B2-655062FDEE5F}" type="presParOf" srcId="{8E8304F0-1DD9-4996-8AD4-8252E3420191}" destId="{885F99C4-AF98-458D-A68A-1EC3F87EC047}" srcOrd="0" destOrd="0" presId="urn:microsoft.com/office/officeart/2005/8/layout/matrix1"/>
     <dgm:cxn modelId="{8E1C9A01-8272-4438-B4CF-438D4E579B87}" type="presParOf" srcId="{885F99C4-AF98-458D-A68A-1EC3F87EC047}" destId="{0B7295E5-6B7F-4C3A-BAF6-ADDF5087D8DA}" srcOrd="0" destOrd="0" presId="urn:microsoft.com/office/officeart/2005/8/layout/matrix1"/>
     <dgm:cxn modelId="{EF1BDC26-8A17-4C6A-A328-5875FBC63501}" type="presParOf" srcId="{885F99C4-AF98-458D-A68A-1EC3F87EC047}" destId="{1AEB1115-06D4-4635-9124-4CFA5EA84DD7}" srcOrd="1" destOrd="0" presId="urn:microsoft.com/office/officeart/2005/8/layout/matrix1"/>
@@ -5555,7 +5744,7 @@
   <dgm:whole/>
   <dgm:extLst>
     <a:ext uri="http://schemas.microsoft.com/office/drawing/2008/diagram">
-      <dsp:dataModelExt xmlns:dsp="http://schemas.microsoft.com/office/drawing/2008/diagram" relId="rId11" minVer="http://schemas.openxmlformats.org/drawingml/2006/diagram"/>
+      <dsp:dataModelExt xmlns:dsp="http://schemas.microsoft.com/office/drawing/2008/diagram" xmlns="" relId="rId11" minVer="http://schemas.openxmlformats.org/drawingml/2006/diagram"/>
     </a:ext>
   </dgm:extLst>
 </dgm:dataModel>
@@ -5814,14 +6003,35 @@
         </dgm:presLayoutVars>
       </dgm:prSet>
       <dgm:spPr/>
+      <dgm:t>
+        <a:bodyPr/>
+        <a:lstStyle/>
+        <a:p>
+          <a:endParaRPr lang="zh-CN" altLang="en-US"/>
+        </a:p>
+      </dgm:t>
     </dgm:pt>
     <dgm:pt modelId="{02A8F818-0DB1-4F00-83F2-C80EC34E4626}" type="pres">
       <dgm:prSet presAssocID="{52842D7D-0736-4A58-B956-F7120E32AD6F}" presName="centerShape" presStyleLbl="node0" presStyleIdx="0" presStyleCnt="1"/>
       <dgm:spPr/>
+      <dgm:t>
+        <a:bodyPr/>
+        <a:lstStyle/>
+        <a:p>
+          <a:endParaRPr lang="zh-CN" altLang="en-US"/>
+        </a:p>
+      </dgm:t>
     </dgm:pt>
     <dgm:pt modelId="{A7C679A2-1DAC-401A-A059-E2B0BA1760C8}" type="pres">
       <dgm:prSet presAssocID="{23CE340D-0D10-448E-8068-D7A933BFD155}" presName="parTrans" presStyleLbl="bgSibTrans2D1" presStyleIdx="0" presStyleCnt="3" custAng="17088023" custFlipHor="1" custScaleX="32418" custLinFactNeighborX="28386" custLinFactNeighborY="73033"/>
       <dgm:spPr/>
+      <dgm:t>
+        <a:bodyPr/>
+        <a:lstStyle/>
+        <a:p>
+          <a:endParaRPr lang="zh-CN" altLang="en-US"/>
+        </a:p>
+      </dgm:t>
     </dgm:pt>
     <dgm:pt modelId="{C4703476-99E0-4FF9-87D8-1934A9445F50}" type="pres">
       <dgm:prSet presAssocID="{EE4D6FD4-3BDE-4CAF-BD7D-3E7982FD00FD}" presName="node" presStyleLbl="node1" presStyleIdx="0" presStyleCnt="3">
@@ -5830,10 +6040,24 @@
         </dgm:presLayoutVars>
       </dgm:prSet>
       <dgm:spPr/>
+      <dgm:t>
+        <a:bodyPr/>
+        <a:lstStyle/>
+        <a:p>
+          <a:endParaRPr lang="zh-CN" altLang="en-US"/>
+        </a:p>
+      </dgm:t>
     </dgm:pt>
     <dgm:pt modelId="{BE8DEC34-68E8-42E9-BF72-71E7BDE98429}" type="pres">
       <dgm:prSet presAssocID="{15DD97CF-D86D-4DA3-9E02-9364AF0E07EF}" presName="parTrans" presStyleLbl="bgSibTrans2D1" presStyleIdx="1" presStyleCnt="3" custAng="10800000" custFlipHor="1" custScaleX="52901" custLinFactNeighborX="590" custLinFactNeighborY="76894"/>
       <dgm:spPr/>
+      <dgm:t>
+        <a:bodyPr/>
+        <a:lstStyle/>
+        <a:p>
+          <a:endParaRPr lang="zh-CN" altLang="en-US"/>
+        </a:p>
+      </dgm:t>
     </dgm:pt>
     <dgm:pt modelId="{CB57229B-EA1A-43E5-9C02-1ED91E236DAD}" type="pres">
       <dgm:prSet presAssocID="{FB04CCA0-C5EC-4D57-8732-BEAF194BB8A7}" presName="node" presStyleLbl="node1" presStyleIdx="1" presStyleCnt="3">
@@ -5842,10 +6066,24 @@
         </dgm:presLayoutVars>
       </dgm:prSet>
       <dgm:spPr/>
+      <dgm:t>
+        <a:bodyPr/>
+        <a:lstStyle/>
+        <a:p>
+          <a:endParaRPr lang="zh-CN" altLang="en-US"/>
+        </a:p>
+      </dgm:t>
     </dgm:pt>
     <dgm:pt modelId="{6F96541D-CEAF-4313-8B3B-45678BE28E56}" type="pres">
       <dgm:prSet presAssocID="{C0038A10-872E-4481-952E-FD48FE6CE1E8}" presName="parTrans" presStyleLbl="bgSibTrans2D1" presStyleIdx="2" presStyleCnt="3" custAng="10749290" custScaleX="41659" custLinFactNeighborX="-28206" custLinFactNeighborY="55998"/>
       <dgm:spPr/>
+      <dgm:t>
+        <a:bodyPr/>
+        <a:lstStyle/>
+        <a:p>
+          <a:endParaRPr lang="zh-CN" altLang="en-US"/>
+        </a:p>
+      </dgm:t>
     </dgm:pt>
     <dgm:pt modelId="{4FD2ECBC-38F8-4DD8-8947-5BD63A39E32F}" type="pres">
       <dgm:prSet presAssocID="{8C70F0ED-C2CE-416A-AF3B-5222B8861819}" presName="node" presStyleLbl="node1" presStyleIdx="2" presStyleCnt="3">
@@ -5854,21 +6092,28 @@
         </dgm:presLayoutVars>
       </dgm:prSet>
       <dgm:spPr/>
+      <dgm:t>
+        <a:bodyPr/>
+        <a:lstStyle/>
+        <a:p>
+          <a:endParaRPr lang="zh-CN" altLang="en-US"/>
+        </a:p>
+      </dgm:t>
     </dgm:pt>
   </dgm:ptLst>
   <dgm:cxnLst>
-    <dgm:cxn modelId="{9A0CBEC0-110C-4DE0-9E74-2E451AB67C66}" type="presOf" srcId="{C0038A10-872E-4481-952E-FD48FE6CE1E8}" destId="{6F96541D-CEAF-4313-8B3B-45678BE28E56}" srcOrd="0" destOrd="0" presId="urn:microsoft.com/office/officeart/2005/8/layout/radial4"/>
     <dgm:cxn modelId="{F1D024B9-B23D-4BC5-8BC0-9766F0246E85}" type="presOf" srcId="{8C70F0ED-C2CE-416A-AF3B-5222B8861819}" destId="{4FD2ECBC-38F8-4DD8-8947-5BD63A39E32F}" srcOrd="0" destOrd="0" presId="urn:microsoft.com/office/officeart/2005/8/layout/radial4"/>
     <dgm:cxn modelId="{A56E27EC-5698-45BB-9005-A6A8215C9F5D}" type="presOf" srcId="{23CE340D-0D10-448E-8068-D7A933BFD155}" destId="{A7C679A2-1DAC-401A-A059-E2B0BA1760C8}" srcOrd="0" destOrd="0" presId="urn:microsoft.com/office/officeart/2005/8/layout/radial4"/>
+    <dgm:cxn modelId="{CCFA24BB-A28D-4FD6-9F93-130CB6E815E1}" type="presOf" srcId="{44D828B4-B1D7-4D2B-8486-3ED73E1A252F}" destId="{E320535E-1280-4ECB-823B-7F0C79E31E3B}" srcOrd="0" destOrd="0" presId="urn:microsoft.com/office/officeart/2005/8/layout/radial4"/>
     <dgm:cxn modelId="{F1626821-AFF8-4648-8D3E-246C4EB7851C}" type="presOf" srcId="{52842D7D-0736-4A58-B956-F7120E32AD6F}" destId="{02A8F818-0DB1-4F00-83F2-C80EC34E4626}" srcOrd="0" destOrd="0" presId="urn:microsoft.com/office/officeart/2005/8/layout/radial4"/>
+    <dgm:cxn modelId="{3F38CFC2-CDFE-4408-BCF7-610134C33F73}" srcId="{44D828B4-B1D7-4D2B-8486-3ED73E1A252F}" destId="{52842D7D-0736-4A58-B956-F7120E32AD6F}" srcOrd="0" destOrd="0" parTransId="{AF0E4E76-D691-4512-89AA-FC5E1126F331}" sibTransId="{F22ED3EB-5CD0-4DAC-B737-BF88B68510F5}"/>
     <dgm:cxn modelId="{9C5DA2DE-4A9B-4D46-8C4F-BC600517D090}" srcId="{52842D7D-0736-4A58-B956-F7120E32AD6F}" destId="{FB04CCA0-C5EC-4D57-8732-BEAF194BB8A7}" srcOrd="1" destOrd="0" parTransId="{15DD97CF-D86D-4DA3-9E02-9364AF0E07EF}" sibTransId="{A655986E-4A0E-4EDE-BA9B-327742773987}"/>
-    <dgm:cxn modelId="{3F38CFC2-CDFE-4408-BCF7-610134C33F73}" srcId="{44D828B4-B1D7-4D2B-8486-3ED73E1A252F}" destId="{52842D7D-0736-4A58-B956-F7120E32AD6F}" srcOrd="0" destOrd="0" parTransId="{AF0E4E76-D691-4512-89AA-FC5E1126F331}" sibTransId="{F22ED3EB-5CD0-4DAC-B737-BF88B68510F5}"/>
+    <dgm:cxn modelId="{5BE935C2-E4FB-4372-A98B-74E8C719D3C1}" type="presOf" srcId="{FB04CCA0-C5EC-4D57-8732-BEAF194BB8A7}" destId="{CB57229B-EA1A-43E5-9C02-1ED91E236DAD}" srcOrd="0" destOrd="0" presId="urn:microsoft.com/office/officeart/2005/8/layout/radial4"/>
+    <dgm:cxn modelId="{D4AD54FC-4DB5-4683-9C9C-FABF921883AF}" srcId="{52842D7D-0736-4A58-B956-F7120E32AD6F}" destId="{EE4D6FD4-3BDE-4CAF-BD7D-3E7982FD00FD}" srcOrd="0" destOrd="0" parTransId="{23CE340D-0D10-448E-8068-D7A933BFD155}" sibTransId="{0C003D56-E99C-4D6D-BC1D-CB46B73A45F9}"/>
+    <dgm:cxn modelId="{9A0CBEC0-110C-4DE0-9E74-2E451AB67C66}" type="presOf" srcId="{C0038A10-872E-4481-952E-FD48FE6CE1E8}" destId="{6F96541D-CEAF-4313-8B3B-45678BE28E56}" srcOrd="0" destOrd="0" presId="urn:microsoft.com/office/officeart/2005/8/layout/radial4"/>
+    <dgm:cxn modelId="{D3A8E3C6-8829-41D0-9E0A-51ABC85E4174}" srcId="{52842D7D-0736-4A58-B956-F7120E32AD6F}" destId="{8C70F0ED-C2CE-416A-AF3B-5222B8861819}" srcOrd="2" destOrd="0" parTransId="{C0038A10-872E-4481-952E-FD48FE6CE1E8}" sibTransId="{87C1811A-F1DD-4416-B4F1-913C6802A8E3}"/>
     <dgm:cxn modelId="{17D700F4-CB46-48C6-A22D-B4E77293BBEE}" type="presOf" srcId="{EE4D6FD4-3BDE-4CAF-BD7D-3E7982FD00FD}" destId="{C4703476-99E0-4FF9-87D8-1934A9445F50}" srcOrd="0" destOrd="0" presId="urn:microsoft.com/office/officeart/2005/8/layout/radial4"/>
-    <dgm:cxn modelId="{D3A8E3C6-8829-41D0-9E0A-51ABC85E4174}" srcId="{52842D7D-0736-4A58-B956-F7120E32AD6F}" destId="{8C70F0ED-C2CE-416A-AF3B-5222B8861819}" srcOrd="2" destOrd="0" parTransId="{C0038A10-872E-4481-952E-FD48FE6CE1E8}" sibTransId="{87C1811A-F1DD-4416-B4F1-913C6802A8E3}"/>
     <dgm:cxn modelId="{4224D7BB-CFDE-4167-B984-4137BE8D3074}" type="presOf" srcId="{15DD97CF-D86D-4DA3-9E02-9364AF0E07EF}" destId="{BE8DEC34-68E8-42E9-BF72-71E7BDE98429}" srcOrd="0" destOrd="0" presId="urn:microsoft.com/office/officeart/2005/8/layout/radial4"/>
-    <dgm:cxn modelId="{D4AD54FC-4DB5-4683-9C9C-FABF921883AF}" srcId="{52842D7D-0736-4A58-B956-F7120E32AD6F}" destId="{EE4D6FD4-3BDE-4CAF-BD7D-3E7982FD00FD}" srcOrd="0" destOrd="0" parTransId="{23CE340D-0D10-448E-8068-D7A933BFD155}" sibTransId="{0C003D56-E99C-4D6D-BC1D-CB46B73A45F9}"/>
-    <dgm:cxn modelId="{5BE935C2-E4FB-4372-A98B-74E8C719D3C1}" type="presOf" srcId="{FB04CCA0-C5EC-4D57-8732-BEAF194BB8A7}" destId="{CB57229B-EA1A-43E5-9C02-1ED91E236DAD}" srcOrd="0" destOrd="0" presId="urn:microsoft.com/office/officeart/2005/8/layout/radial4"/>
-    <dgm:cxn modelId="{CCFA24BB-A28D-4FD6-9F93-130CB6E815E1}" type="presOf" srcId="{44D828B4-B1D7-4D2B-8486-3ED73E1A252F}" destId="{E320535E-1280-4ECB-823B-7F0C79E31E3B}" srcOrd="0" destOrd="0" presId="urn:microsoft.com/office/officeart/2005/8/layout/radial4"/>
     <dgm:cxn modelId="{84F06E59-341B-4A9B-ACA1-D25A548C07EA}" type="presParOf" srcId="{E320535E-1280-4ECB-823B-7F0C79E31E3B}" destId="{02A8F818-0DB1-4F00-83F2-C80EC34E4626}" srcOrd="0" destOrd="0" presId="urn:microsoft.com/office/officeart/2005/8/layout/radial4"/>
     <dgm:cxn modelId="{B77BE982-8387-4F22-83E3-207120AA2CB5}" type="presParOf" srcId="{E320535E-1280-4ECB-823B-7F0C79E31E3B}" destId="{A7C679A2-1DAC-401A-A059-E2B0BA1760C8}" srcOrd="1" destOrd="0" presId="urn:microsoft.com/office/officeart/2005/8/layout/radial4"/>
     <dgm:cxn modelId="{F5F2A65A-9508-4594-8285-F65FFA49EA14}" type="presParOf" srcId="{E320535E-1280-4ECB-823B-7F0C79E31E3B}" destId="{C4703476-99E0-4FF9-87D8-1934A9445F50}" srcOrd="2" destOrd="0" presId="urn:microsoft.com/office/officeart/2005/8/layout/radial4"/>
@@ -5881,7 +6126,7 @@
   <dgm:whole/>
   <dgm:extLst>
     <a:ext uri="http://schemas.microsoft.com/office/drawing/2008/diagram">
-      <dsp:dataModelExt xmlns:dsp="http://schemas.microsoft.com/office/drawing/2008/diagram" relId="rId6" minVer="http://schemas.openxmlformats.org/drawingml/2006/diagram"/>
+      <dsp:dataModelExt xmlns:dsp="http://schemas.microsoft.com/office/drawing/2008/diagram" xmlns="" relId="rId6" minVer="http://schemas.openxmlformats.org/drawingml/2006/diagram"/>
     </a:ext>
   </dgm:extLst>
 </dgm:dataModel>
@@ -6140,6 +6385,13 @@
         </dgm:presLayoutVars>
       </dgm:prSet>
       <dgm:spPr/>
+      <dgm:t>
+        <a:bodyPr/>
+        <a:lstStyle/>
+        <a:p>
+          <a:endParaRPr lang="zh-CN" altLang="en-US"/>
+        </a:p>
+      </dgm:t>
     </dgm:pt>
     <dgm:pt modelId="{B1758626-A23C-42D4-86C2-85BAD78C2664}" type="pres">
       <dgm:prSet presAssocID="{923540E0-106A-4113-92A4-EE114DD5BE9A}" presName="dummyMaxCanvas" presStyleCnt="0">
@@ -6154,6 +6406,13 @@
         </dgm:presLayoutVars>
       </dgm:prSet>
       <dgm:spPr/>
+      <dgm:t>
+        <a:bodyPr/>
+        <a:lstStyle/>
+        <a:p>
+          <a:endParaRPr lang="zh-CN" altLang="en-US"/>
+        </a:p>
+      </dgm:t>
     </dgm:pt>
     <dgm:pt modelId="{CA54E869-6746-4DD3-AEE7-6A9CFEAAB3FA}" type="pres">
       <dgm:prSet presAssocID="{923540E0-106A-4113-92A4-EE114DD5BE9A}" presName="ThreeNodes_2" presStyleLbl="node1" presStyleIdx="1" presStyleCnt="3">
@@ -6162,6 +6421,13 @@
         </dgm:presLayoutVars>
       </dgm:prSet>
       <dgm:spPr/>
+      <dgm:t>
+        <a:bodyPr/>
+        <a:lstStyle/>
+        <a:p>
+          <a:endParaRPr lang="zh-CN" altLang="en-US"/>
+        </a:p>
+      </dgm:t>
     </dgm:pt>
     <dgm:pt modelId="{B045B095-AC1F-46FB-BE49-69D498027592}" type="pres">
       <dgm:prSet presAssocID="{923540E0-106A-4113-92A4-EE114DD5BE9A}" presName="ThreeNodes_3" presStyleLbl="node1" presStyleIdx="2" presStyleCnt="3">
@@ -6170,6 +6436,13 @@
         </dgm:presLayoutVars>
       </dgm:prSet>
       <dgm:spPr/>
+      <dgm:t>
+        <a:bodyPr/>
+        <a:lstStyle/>
+        <a:p>
+          <a:endParaRPr lang="zh-CN" altLang="en-US"/>
+        </a:p>
+      </dgm:t>
     </dgm:pt>
     <dgm:pt modelId="{06292878-428E-43E5-B926-778003ACA46E}" type="pres">
       <dgm:prSet presAssocID="{923540E0-106A-4113-92A4-EE114DD5BE9A}" presName="ThreeConn_1-2" presStyleLbl="fgAccFollowNode1" presStyleIdx="0" presStyleCnt="2">
@@ -6178,6 +6451,13 @@
         </dgm:presLayoutVars>
       </dgm:prSet>
       <dgm:spPr/>
+      <dgm:t>
+        <a:bodyPr/>
+        <a:lstStyle/>
+        <a:p>
+          <a:endParaRPr lang="zh-CN" altLang="en-US"/>
+        </a:p>
+      </dgm:t>
     </dgm:pt>
     <dgm:pt modelId="{67F047E0-4DCD-46C8-890A-43BC0C40B153}" type="pres">
       <dgm:prSet presAssocID="{923540E0-106A-4113-92A4-EE114DD5BE9A}" presName="ThreeConn_2-3" presStyleLbl="fgAccFollowNode1" presStyleIdx="1" presStyleCnt="2">
@@ -6186,6 +6466,13 @@
         </dgm:presLayoutVars>
       </dgm:prSet>
       <dgm:spPr/>
+      <dgm:t>
+        <a:bodyPr/>
+        <a:lstStyle/>
+        <a:p>
+          <a:endParaRPr lang="zh-CN" altLang="en-US"/>
+        </a:p>
+      </dgm:t>
     </dgm:pt>
     <dgm:pt modelId="{3CA5F7F6-7497-4117-9A70-10F209485DAD}" type="pres">
       <dgm:prSet presAssocID="{923540E0-106A-4113-92A4-EE114DD5BE9A}" presName="ThreeNodes_1_text" presStyleLbl="node1" presStyleIdx="2" presStyleCnt="3">
@@ -6194,6 +6481,13 @@
         </dgm:presLayoutVars>
       </dgm:prSet>
       <dgm:spPr/>
+      <dgm:t>
+        <a:bodyPr/>
+        <a:lstStyle/>
+        <a:p>
+          <a:endParaRPr lang="zh-CN" altLang="en-US"/>
+        </a:p>
+      </dgm:t>
     </dgm:pt>
     <dgm:pt modelId="{FA81AB5C-D125-4AD4-B6CB-A61404B6E793}" type="pres">
       <dgm:prSet presAssocID="{923540E0-106A-4113-92A4-EE114DD5BE9A}" presName="ThreeNodes_2_text" presStyleLbl="node1" presStyleIdx="2" presStyleCnt="3">
@@ -6202,6 +6496,13 @@
         </dgm:presLayoutVars>
       </dgm:prSet>
       <dgm:spPr/>
+      <dgm:t>
+        <a:bodyPr/>
+        <a:lstStyle/>
+        <a:p>
+          <a:endParaRPr lang="zh-CN" altLang="en-US"/>
+        </a:p>
+      </dgm:t>
     </dgm:pt>
     <dgm:pt modelId="{28CAE78F-E50E-4581-B681-6BC198117780}" type="pres">
       <dgm:prSet presAssocID="{923540E0-106A-4113-92A4-EE114DD5BE9A}" presName="ThreeNodes_3_text" presStyleLbl="node1" presStyleIdx="2" presStyleCnt="3">
@@ -6210,21 +6511,28 @@
         </dgm:presLayoutVars>
       </dgm:prSet>
       <dgm:spPr/>
+      <dgm:t>
+        <a:bodyPr/>
+        <a:lstStyle/>
+        <a:p>
+          <a:endParaRPr lang="zh-CN" altLang="en-US"/>
+        </a:p>
+      </dgm:t>
     </dgm:pt>
   </dgm:ptLst>
   <dgm:cxnLst>
+    <dgm:cxn modelId="{A75EF4A9-0ED5-479F-B8A1-E511F391AC12}" type="presOf" srcId="{ED5B9939-B946-4CC8-98A4-1A904FDD6969}" destId="{FA81AB5C-D125-4AD4-B6CB-A61404B6E793}" srcOrd="1" destOrd="0" presId="urn:microsoft.com/office/officeart/2005/8/layout/vProcess5"/>
+    <dgm:cxn modelId="{808087A5-1F2E-4D95-BF00-D47197F94420}" type="presOf" srcId="{F2A016CE-B69A-4DDA-B2BC-84B133A1854B}" destId="{60F9A21F-CB19-41E9-B0C5-3328BD7FE51D}" srcOrd="0" destOrd="0" presId="urn:microsoft.com/office/officeart/2005/8/layout/vProcess5"/>
+    <dgm:cxn modelId="{ABE0B113-5911-406D-B892-CF84D15F1217}" type="presOf" srcId="{AB9B2CDA-1D1F-41CA-832C-728449119647}" destId="{06292878-428E-43E5-B926-778003ACA46E}" srcOrd="0" destOrd="0" presId="urn:microsoft.com/office/officeart/2005/8/layout/vProcess5"/>
+    <dgm:cxn modelId="{87CB6322-37C6-4DA4-8E3B-AB76170A98F7}" type="presOf" srcId="{2E24C732-6A95-4388-B267-A9C19C89A0ED}" destId="{67F047E0-4DCD-46C8-890A-43BC0C40B153}" srcOrd="0" destOrd="0" presId="urn:microsoft.com/office/officeart/2005/8/layout/vProcess5"/>
+    <dgm:cxn modelId="{CAA8737E-0C70-4AED-9FB4-95A17887F930}" type="presOf" srcId="{626B890F-B039-4B7B-AD22-F0ABB8FC1237}" destId="{28CAE78F-E50E-4581-B681-6BC198117780}" srcOrd="1" destOrd="0" presId="urn:microsoft.com/office/officeart/2005/8/layout/vProcess5"/>
+    <dgm:cxn modelId="{CB2D9265-2052-4AA5-95E1-705400DF0F59}" srcId="{923540E0-106A-4113-92A4-EE114DD5BE9A}" destId="{ED5B9939-B946-4CC8-98A4-1A904FDD6969}" srcOrd="1" destOrd="0" parTransId="{E9C28C80-850C-4C72-AB50-A67BAF12BC68}" sibTransId="{2E24C732-6A95-4388-B267-A9C19C89A0ED}"/>
+    <dgm:cxn modelId="{0F97CBEE-708A-43D2-87F9-B48B33F473BE}" type="presOf" srcId="{923540E0-106A-4113-92A4-EE114DD5BE9A}" destId="{1D4F47EC-4B66-4BA5-A3DE-7FF6533CE93D}" srcOrd="0" destOrd="0" presId="urn:microsoft.com/office/officeart/2005/8/layout/vProcess5"/>
+    <dgm:cxn modelId="{A23A5E21-5DB6-421A-8B5B-74A4A1E3D6D0}" srcId="{923540E0-106A-4113-92A4-EE114DD5BE9A}" destId="{F2A016CE-B69A-4DDA-B2BC-84B133A1854B}" srcOrd="0" destOrd="0" parTransId="{BC1B22A9-90DC-415F-BCEB-6278CAD41EB6}" sibTransId="{AB9B2CDA-1D1F-41CA-832C-728449119647}"/>
+    <dgm:cxn modelId="{6A7E2BEF-5053-4002-AEF4-9D0B9D764261}" srcId="{923540E0-106A-4113-92A4-EE114DD5BE9A}" destId="{626B890F-B039-4B7B-AD22-F0ABB8FC1237}" srcOrd="2" destOrd="0" parTransId="{E009DC7D-661C-451B-AE45-DD71E9B07CD4}" sibTransId="{D54235CB-C01C-4703-80B9-92A94363BC4D}"/>
     <dgm:cxn modelId="{10DE596A-FC75-4CFE-8ED0-84F53EF510B9}" type="presOf" srcId="{626B890F-B039-4B7B-AD22-F0ABB8FC1237}" destId="{B045B095-AC1F-46FB-BE49-69D498027592}" srcOrd="0" destOrd="0" presId="urn:microsoft.com/office/officeart/2005/8/layout/vProcess5"/>
-    <dgm:cxn modelId="{ABE0B113-5911-406D-B892-CF84D15F1217}" type="presOf" srcId="{AB9B2CDA-1D1F-41CA-832C-728449119647}" destId="{06292878-428E-43E5-B926-778003ACA46E}" srcOrd="0" destOrd="0" presId="urn:microsoft.com/office/officeart/2005/8/layout/vProcess5"/>
-    <dgm:cxn modelId="{A75EF4A9-0ED5-479F-B8A1-E511F391AC12}" type="presOf" srcId="{ED5B9939-B946-4CC8-98A4-1A904FDD6969}" destId="{FA81AB5C-D125-4AD4-B6CB-A61404B6E793}" srcOrd="1" destOrd="0" presId="urn:microsoft.com/office/officeart/2005/8/layout/vProcess5"/>
-    <dgm:cxn modelId="{0F97CBEE-708A-43D2-87F9-B48B33F473BE}" type="presOf" srcId="{923540E0-106A-4113-92A4-EE114DD5BE9A}" destId="{1D4F47EC-4B66-4BA5-A3DE-7FF6533CE93D}" srcOrd="0" destOrd="0" presId="urn:microsoft.com/office/officeart/2005/8/layout/vProcess5"/>
     <dgm:cxn modelId="{3E290FA4-E8E7-4BAE-9767-A80C12A1F14E}" type="presOf" srcId="{ED5B9939-B946-4CC8-98A4-1A904FDD6969}" destId="{CA54E869-6746-4DD3-AEE7-6A9CFEAAB3FA}" srcOrd="0" destOrd="0" presId="urn:microsoft.com/office/officeart/2005/8/layout/vProcess5"/>
-    <dgm:cxn modelId="{6A7E2BEF-5053-4002-AEF4-9D0B9D764261}" srcId="{923540E0-106A-4113-92A4-EE114DD5BE9A}" destId="{626B890F-B039-4B7B-AD22-F0ABB8FC1237}" srcOrd="2" destOrd="0" parTransId="{E009DC7D-661C-451B-AE45-DD71E9B07CD4}" sibTransId="{D54235CB-C01C-4703-80B9-92A94363BC4D}"/>
-    <dgm:cxn modelId="{CAA8737E-0C70-4AED-9FB4-95A17887F930}" type="presOf" srcId="{626B890F-B039-4B7B-AD22-F0ABB8FC1237}" destId="{28CAE78F-E50E-4581-B681-6BC198117780}" srcOrd="1" destOrd="0" presId="urn:microsoft.com/office/officeart/2005/8/layout/vProcess5"/>
-    <dgm:cxn modelId="{808087A5-1F2E-4D95-BF00-D47197F94420}" type="presOf" srcId="{F2A016CE-B69A-4DDA-B2BC-84B133A1854B}" destId="{60F9A21F-CB19-41E9-B0C5-3328BD7FE51D}" srcOrd="0" destOrd="0" presId="urn:microsoft.com/office/officeart/2005/8/layout/vProcess5"/>
-    <dgm:cxn modelId="{A23A5E21-5DB6-421A-8B5B-74A4A1E3D6D0}" srcId="{923540E0-106A-4113-92A4-EE114DD5BE9A}" destId="{F2A016CE-B69A-4DDA-B2BC-84B133A1854B}" srcOrd="0" destOrd="0" parTransId="{BC1B22A9-90DC-415F-BCEB-6278CAD41EB6}" sibTransId="{AB9B2CDA-1D1F-41CA-832C-728449119647}"/>
     <dgm:cxn modelId="{4FACC4ED-21C2-40F0-8B46-7645258485A8}" type="presOf" srcId="{F2A016CE-B69A-4DDA-B2BC-84B133A1854B}" destId="{3CA5F7F6-7497-4117-9A70-10F209485DAD}" srcOrd="1" destOrd="0" presId="urn:microsoft.com/office/officeart/2005/8/layout/vProcess5"/>
-    <dgm:cxn modelId="{87CB6322-37C6-4DA4-8E3B-AB76170A98F7}" type="presOf" srcId="{2E24C732-6A95-4388-B267-A9C19C89A0ED}" destId="{67F047E0-4DCD-46C8-890A-43BC0C40B153}" srcOrd="0" destOrd="0" presId="urn:microsoft.com/office/officeart/2005/8/layout/vProcess5"/>
-    <dgm:cxn modelId="{CB2D9265-2052-4AA5-95E1-705400DF0F59}" srcId="{923540E0-106A-4113-92A4-EE114DD5BE9A}" destId="{ED5B9939-B946-4CC8-98A4-1A904FDD6969}" srcOrd="1" destOrd="0" parTransId="{E9C28C80-850C-4C72-AB50-A67BAF12BC68}" sibTransId="{2E24C732-6A95-4388-B267-A9C19C89A0ED}"/>
     <dgm:cxn modelId="{018B7D28-7EDA-461D-8A7F-2F0CFCB800E2}" type="presParOf" srcId="{1D4F47EC-4B66-4BA5-A3DE-7FF6533CE93D}" destId="{B1758626-A23C-42D4-86C2-85BAD78C2664}" srcOrd="0" destOrd="0" presId="urn:microsoft.com/office/officeart/2005/8/layout/vProcess5"/>
     <dgm:cxn modelId="{5C8C0F7D-FD1C-4F6E-A0F7-10A0B0ABCEBB}" type="presParOf" srcId="{1D4F47EC-4B66-4BA5-A3DE-7FF6533CE93D}" destId="{60F9A21F-CB19-41E9-B0C5-3328BD7FE51D}" srcOrd="1" destOrd="0" presId="urn:microsoft.com/office/officeart/2005/8/layout/vProcess5"/>
     <dgm:cxn modelId="{4793FE73-D9BD-4097-B2FC-3C2455D4CA0A}" type="presParOf" srcId="{1D4F47EC-4B66-4BA5-A3DE-7FF6533CE93D}" destId="{CA54E869-6746-4DD3-AEE7-6A9CFEAAB3FA}" srcOrd="2" destOrd="0" presId="urn:microsoft.com/office/officeart/2005/8/layout/vProcess5"/>
@@ -6239,7 +6547,7 @@
   <dgm:whole/>
   <dgm:extLst>
     <a:ext uri="http://schemas.microsoft.com/office/drawing/2008/diagram">
-      <dsp:dataModelExt xmlns:dsp="http://schemas.microsoft.com/office/drawing/2008/diagram" relId="rId6" minVer="http://schemas.openxmlformats.org/drawingml/2006/diagram"/>
+      <dsp:dataModelExt xmlns:dsp="http://schemas.microsoft.com/office/drawing/2008/diagram" xmlns="" relId="rId6" minVer="http://schemas.openxmlformats.org/drawingml/2006/diagram"/>
     </a:ext>
   </dgm:extLst>
 </dgm:dataModel>
@@ -6267,7 +6575,7 @@
         <a:lstStyle/>
         <a:p>
           <a:r>
-            <a:rPr lang="zh-CN" altLang="en-US" sz="4000" dirty="0"/>
+            <a:rPr lang="zh-CN" altLang="en-US" sz="2800" dirty="0"/>
             <a:t>远程数据交互</a:t>
           </a:r>
         </a:p>
@@ -6348,8 +6656,13 @@
         <a:p>
           <a:r>
             <a:rPr lang="zh-CN" altLang="en-US" dirty="0"/>
-            <a:t>解析远程数据</a:t>
+            <a:t>解析远程</a:t>
           </a:r>
+          <a:r>
+            <a:rPr lang="zh-CN" altLang="en-US" dirty="0" smtClean="0"/>
+            <a:t>数据</a:t>
+          </a:r>
+          <a:endParaRPr lang="zh-CN" altLang="en-US" dirty="0"/>
         </a:p>
       </dgm:t>
     </dgm:pt>
@@ -6383,7 +6696,7 @@
         <a:lstStyle/>
         <a:p>
           <a:r>
-            <a:rPr lang="zh-CN" altLang="en-US" sz="4000" dirty="0"/>
+            <a:rPr lang="zh-CN" altLang="en-US" sz="2800" dirty="0"/>
             <a:t>本地数据存储</a:t>
           </a:r>
         </a:p>
@@ -6477,42 +6790,6 @@
       </dgm:t>
     </dgm:pt>
     <dgm:pt modelId="{3712FEC3-6789-4548-A27C-7E0155854341}" type="sibTrans" cxnId="{F42D5448-E95D-43BC-8457-0943586E3208}">
-      <dgm:prSet/>
-      <dgm:spPr/>
-      <dgm:t>
-        <a:bodyPr/>
-        <a:lstStyle/>
-        <a:p>
-          <a:endParaRPr lang="zh-CN" altLang="en-US"/>
-        </a:p>
-      </dgm:t>
-    </dgm:pt>
-    <dgm:pt modelId="{028F6055-22A1-4F6F-9732-054B59F953C1}">
-      <dgm:prSet phldrT="[文本]"/>
-      <dgm:spPr/>
-      <dgm:t>
-        <a:bodyPr/>
-        <a:lstStyle/>
-        <a:p>
-          <a:r>
-            <a:rPr lang="zh-CN" altLang="en-US" dirty="0"/>
-            <a:t>异步同步</a:t>
-          </a:r>
-        </a:p>
-      </dgm:t>
-    </dgm:pt>
-    <dgm:pt modelId="{F1574B66-F1A7-40C7-B438-2722D2D6D99F}" type="parTrans" cxnId="{53F4F369-529F-4BD0-A0F8-F4D0AC0EB1C1}">
-      <dgm:prSet/>
-      <dgm:spPr/>
-      <dgm:t>
-        <a:bodyPr/>
-        <a:lstStyle/>
-        <a:p>
-          <a:endParaRPr lang="zh-CN" altLang="en-US"/>
-        </a:p>
-      </dgm:t>
-    </dgm:pt>
-    <dgm:pt modelId="{B60B2F0D-16E4-4F66-B12A-D9E0C41130D9}" type="sibTrans" cxnId="{53F4F369-529F-4BD0-A0F8-F4D0AC0EB1C1}">
       <dgm:prSet/>
       <dgm:spPr/>
       <dgm:t>
@@ -6640,10 +6917,9 @@
         <a:lstStyle/>
         <a:p>
           <a:r>
-            <a:rPr lang="zh-CN" altLang="en-US"/>
+            <a:rPr lang="zh-CN" altLang="en-US" dirty="0"/>
             <a:t>数据分页读取</a:t>
           </a:r>
-          <a:endParaRPr lang="zh-CN" altLang="en-US" dirty="0"/>
         </a:p>
       </dgm:t>
     </dgm:pt>
@@ -6741,42 +7017,6 @@
         </a:p>
       </dgm:t>
     </dgm:pt>
-    <dgm:pt modelId="{D4F4FEB1-3401-4AAB-A0C9-830940430BC1}">
-      <dgm:prSet phldrT="[文本]"/>
-      <dgm:spPr/>
-      <dgm:t>
-        <a:bodyPr/>
-        <a:lstStyle/>
-        <a:p>
-          <a:r>
-            <a:rPr lang="zh-CN" altLang="en-US" dirty="0"/>
-            <a:t>数据安全</a:t>
-          </a:r>
-        </a:p>
-      </dgm:t>
-    </dgm:pt>
-    <dgm:pt modelId="{2D057159-8CEB-461A-BBF4-B0188F6E5CCF}" type="sibTrans" cxnId="{292BEAEB-76D8-4832-A568-4DC9371A8BCF}">
-      <dgm:prSet/>
-      <dgm:spPr/>
-      <dgm:t>
-        <a:bodyPr/>
-        <a:lstStyle/>
-        <a:p>
-          <a:endParaRPr lang="zh-CN" altLang="en-US"/>
-        </a:p>
-      </dgm:t>
-    </dgm:pt>
-    <dgm:pt modelId="{2CBC33F1-1370-4C87-9942-A06D81C3B9A9}" type="parTrans" cxnId="{292BEAEB-76D8-4832-A568-4DC9371A8BCF}">
-      <dgm:prSet/>
-      <dgm:spPr/>
-      <dgm:t>
-        <a:bodyPr/>
-        <a:lstStyle/>
-        <a:p>
-          <a:endParaRPr lang="zh-CN" altLang="en-US"/>
-        </a:p>
-      </dgm:t>
-    </dgm:pt>
     <dgm:pt modelId="{7FCBCC70-08BD-4E5D-943F-B30CE04B5663}">
       <dgm:prSet phldrT="[文本]"/>
       <dgm:spPr/>
@@ -6786,8 +7026,13 @@
         <a:p>
           <a:r>
             <a:rPr lang="zh-CN" altLang="en-US" dirty="0"/>
-            <a:t>只获取有更新数据</a:t>
+            <a:t>只</a:t>
           </a:r>
+          <a:r>
+            <a:rPr lang="zh-CN" altLang="en-US" dirty="0" smtClean="0"/>
+            <a:t>获取更新数据</a:t>
+          </a:r>
+          <a:endParaRPr lang="zh-CN" altLang="en-US" dirty="0"/>
         </a:p>
       </dgm:t>
     </dgm:pt>
@@ -6813,6 +7058,273 @@
         </a:p>
       </dgm:t>
     </dgm:pt>
+    <dgm:pt modelId="{072B5492-1F9A-4A02-9E0F-7ED5C74962AA}">
+      <dgm:prSet phldrT="[文本]" custT="1"/>
+      <dgm:spPr/>
+      <dgm:t>
+        <a:bodyPr/>
+        <a:lstStyle/>
+        <a:p>
+          <a:r>
+            <a:rPr lang="zh-CN" altLang="en-US" sz="2800" b="1" dirty="0" smtClean="0">
+              <a:solidFill>
+                <a:srgbClr val="FF0000"/>
+              </a:solidFill>
+            </a:rPr>
+            <a:t>自动生成</a:t>
+          </a:r>
+          <a:r>
+            <a:rPr lang="zh-CN" altLang="en-US" sz="2800" dirty="0" smtClean="0"/>
+            <a:t>业务模型的相关代码</a:t>
+          </a:r>
+          <a:endParaRPr lang="zh-CN" altLang="en-US" sz="2800" dirty="0"/>
+        </a:p>
+      </dgm:t>
+    </dgm:pt>
+    <dgm:pt modelId="{2206FD3F-58F5-480F-B893-6F1B9A64883E}" type="parTrans" cxnId="{1758BDB7-B79D-4A9A-A000-3806FF81E22F}">
+      <dgm:prSet/>
+      <dgm:spPr/>
+      <dgm:t>
+        <a:bodyPr/>
+        <a:lstStyle/>
+        <a:p>
+          <a:endParaRPr lang="zh-CN" altLang="en-US"/>
+        </a:p>
+      </dgm:t>
+    </dgm:pt>
+    <dgm:pt modelId="{94F0A109-DE34-4078-A586-5871798AD266}" type="sibTrans" cxnId="{1758BDB7-B79D-4A9A-A000-3806FF81E22F}">
+      <dgm:prSet/>
+      <dgm:spPr/>
+      <dgm:t>
+        <a:bodyPr/>
+        <a:lstStyle/>
+        <a:p>
+          <a:endParaRPr lang="zh-CN" altLang="en-US"/>
+        </a:p>
+      </dgm:t>
+    </dgm:pt>
+    <dgm:pt modelId="{A9B86A42-FAD2-4B4A-99DD-DDEE1E80C1B4}">
+      <dgm:prSet phldrT="[文本]"/>
+      <dgm:spPr/>
+      <dgm:t>
+        <a:bodyPr/>
+        <a:lstStyle/>
+        <a:p>
+          <a:r>
+            <a:rPr lang="zh-CN" altLang="en-US" dirty="0" smtClean="0"/>
+            <a:t>调用各个远程数据服务接口</a:t>
+          </a:r>
+          <a:endParaRPr lang="zh-CN" altLang="en-US" dirty="0"/>
+        </a:p>
+      </dgm:t>
+    </dgm:pt>
+    <dgm:pt modelId="{FD5D9735-CC7F-4A82-91CB-6D628D99DF21}" type="parTrans" cxnId="{FA766D1B-63C6-409B-884E-82363AB4CB5F}">
+      <dgm:prSet/>
+      <dgm:spPr/>
+      <dgm:t>
+        <a:bodyPr/>
+        <a:lstStyle/>
+        <a:p>
+          <a:endParaRPr lang="zh-CN" altLang="en-US"/>
+        </a:p>
+      </dgm:t>
+    </dgm:pt>
+    <dgm:pt modelId="{E30A8C01-0CC9-43F6-A92C-7EC9A0CAE67A}" type="sibTrans" cxnId="{FA766D1B-63C6-409B-884E-82363AB4CB5F}">
+      <dgm:prSet/>
+      <dgm:spPr/>
+      <dgm:t>
+        <a:bodyPr/>
+        <a:lstStyle/>
+        <a:p>
+          <a:endParaRPr lang="zh-CN" altLang="en-US"/>
+        </a:p>
+      </dgm:t>
+    </dgm:pt>
+    <dgm:pt modelId="{86B44B31-7B5E-4AF7-B577-2E1C85E8A5B5}">
+      <dgm:prSet phldrT="[文本]"/>
+      <dgm:spPr/>
+      <dgm:t>
+        <a:bodyPr/>
+        <a:lstStyle/>
+        <a:p>
+          <a:r>
+            <a:rPr lang="zh-CN" altLang="en-US" dirty="0" smtClean="0"/>
+            <a:t>数据对象字段的创建</a:t>
+          </a:r>
+          <a:endParaRPr lang="zh-CN" altLang="en-US" dirty="0"/>
+        </a:p>
+      </dgm:t>
+    </dgm:pt>
+    <dgm:pt modelId="{1956EDDA-70E6-4CFC-95CE-F76D4390A591}" type="parTrans" cxnId="{A5E35D2C-8D41-49BD-A5BC-D74E3B730766}">
+      <dgm:prSet/>
+      <dgm:spPr/>
+      <dgm:t>
+        <a:bodyPr/>
+        <a:lstStyle/>
+        <a:p>
+          <a:endParaRPr lang="zh-CN" altLang="en-US"/>
+        </a:p>
+      </dgm:t>
+    </dgm:pt>
+    <dgm:pt modelId="{DC507A65-01FB-4420-8122-4E12D501A6AB}" type="sibTrans" cxnId="{A5E35D2C-8D41-49BD-A5BC-D74E3B730766}">
+      <dgm:prSet/>
+      <dgm:spPr/>
+      <dgm:t>
+        <a:bodyPr/>
+        <a:lstStyle/>
+        <a:p>
+          <a:endParaRPr lang="zh-CN" altLang="en-US"/>
+        </a:p>
+      </dgm:t>
+    </dgm:pt>
+    <dgm:pt modelId="{576DAD61-647F-4198-9887-3796AD2433B0}">
+      <dgm:prSet phldrT="[文本]"/>
+      <dgm:spPr/>
+      <dgm:t>
+        <a:bodyPr/>
+        <a:lstStyle/>
+        <a:p>
+          <a:r>
+            <a:rPr lang="zh-CN" altLang="en-US" dirty="0" smtClean="0"/>
+            <a:t>数据对象解析数据代码（远程数据和游标）</a:t>
+          </a:r>
+          <a:endParaRPr lang="zh-CN" altLang="en-US" dirty="0"/>
+        </a:p>
+      </dgm:t>
+    </dgm:pt>
+    <dgm:pt modelId="{E1F50A9F-292A-4FE9-A8CA-5A697371A568}" type="parTrans" cxnId="{446C7AB7-9F65-4CF5-8517-EDBF08AF26D9}">
+      <dgm:prSet/>
+      <dgm:spPr/>
+      <dgm:t>
+        <a:bodyPr/>
+        <a:lstStyle/>
+        <a:p>
+          <a:endParaRPr lang="zh-CN" altLang="en-US"/>
+        </a:p>
+      </dgm:t>
+    </dgm:pt>
+    <dgm:pt modelId="{B8B63770-2BBE-4A1D-913F-71016377C0DF}" type="sibTrans" cxnId="{446C7AB7-9F65-4CF5-8517-EDBF08AF26D9}">
+      <dgm:prSet/>
+      <dgm:spPr/>
+      <dgm:t>
+        <a:bodyPr/>
+        <a:lstStyle/>
+        <a:p>
+          <a:endParaRPr lang="zh-CN" altLang="en-US"/>
+        </a:p>
+      </dgm:t>
+    </dgm:pt>
+    <dgm:pt modelId="{97FBE532-F560-45D9-A54F-D71A2DCE99CC}">
+      <dgm:prSet phldrT="[文本]"/>
+      <dgm:spPr/>
+      <dgm:t>
+        <a:bodyPr/>
+        <a:lstStyle/>
+        <a:p>
+          <a:r>
+            <a:rPr lang="zh-CN" altLang="en-US" dirty="0" smtClean="0"/>
+            <a:t>数据库表生成</a:t>
+          </a:r>
+          <a:endParaRPr lang="zh-CN" altLang="en-US" dirty="0"/>
+        </a:p>
+      </dgm:t>
+    </dgm:pt>
+    <dgm:pt modelId="{F114D923-5140-42DA-8738-08A3A68A09DB}" type="parTrans" cxnId="{9B1F3F2B-3080-4717-9AAA-7D26B0174CA8}">
+      <dgm:prSet/>
+      <dgm:spPr/>
+      <dgm:t>
+        <a:bodyPr/>
+        <a:lstStyle/>
+        <a:p>
+          <a:endParaRPr lang="zh-CN" altLang="en-US"/>
+        </a:p>
+      </dgm:t>
+    </dgm:pt>
+    <dgm:pt modelId="{70385B1E-BEAE-4E5C-8C3D-9729041E8C62}" type="sibTrans" cxnId="{9B1F3F2B-3080-4717-9AAA-7D26B0174CA8}">
+      <dgm:prSet/>
+      <dgm:spPr/>
+      <dgm:t>
+        <a:bodyPr/>
+        <a:lstStyle/>
+        <a:p>
+          <a:endParaRPr lang="zh-CN" altLang="en-US"/>
+        </a:p>
+      </dgm:t>
+    </dgm:pt>
+    <dgm:pt modelId="{82C69890-ED4E-4D97-AC70-4F9D2A373FBC}">
+      <dgm:prSet phldrT="[文本]"/>
+      <dgm:spPr/>
+      <dgm:t>
+        <a:bodyPr/>
+        <a:lstStyle/>
+        <a:p>
+          <a:r>
+            <a:rPr lang="zh-CN" altLang="en-US" dirty="0" smtClean="0"/>
+            <a:t>数据库表插入语句</a:t>
+          </a:r>
+          <a:endParaRPr lang="zh-CN" altLang="en-US" dirty="0"/>
+        </a:p>
+      </dgm:t>
+    </dgm:pt>
+    <dgm:pt modelId="{04A06F4C-DF56-4554-B348-84AE3FB701AF}" type="parTrans" cxnId="{8CBC072E-6C4D-450C-A982-20A00B3073D1}">
+      <dgm:prSet/>
+      <dgm:spPr/>
+      <dgm:t>
+        <a:bodyPr/>
+        <a:lstStyle/>
+        <a:p>
+          <a:endParaRPr lang="zh-CN" altLang="en-US"/>
+        </a:p>
+      </dgm:t>
+    </dgm:pt>
+    <dgm:pt modelId="{C5CE6715-F37E-483D-BE94-2BDA136FC3FC}" type="sibTrans" cxnId="{8CBC072E-6C4D-450C-A982-20A00B3073D1}">
+      <dgm:prSet/>
+      <dgm:spPr/>
+      <dgm:t>
+        <a:bodyPr/>
+        <a:lstStyle/>
+        <a:p>
+          <a:endParaRPr lang="zh-CN" altLang="en-US"/>
+        </a:p>
+      </dgm:t>
+    </dgm:pt>
+    <dgm:pt modelId="{4F343536-AB6C-4097-A136-4FF5977319E7}">
+      <dgm:prSet phldrT="[文本]"/>
+      <dgm:spPr/>
+      <dgm:t>
+        <a:bodyPr/>
+        <a:lstStyle/>
+        <a:p>
+          <a:r>
+            <a:rPr lang="zh-CN" altLang="en-US" dirty="0" smtClean="0"/>
+            <a:t>数据库表更新语句</a:t>
+          </a:r>
+          <a:endParaRPr lang="zh-CN" altLang="en-US" dirty="0"/>
+        </a:p>
+      </dgm:t>
+    </dgm:pt>
+    <dgm:pt modelId="{A520754B-E92D-4471-814B-2B03551042D7}" type="parTrans" cxnId="{BEE10FD8-28C3-4A8F-8ADA-C699E1E65F1D}">
+      <dgm:prSet/>
+      <dgm:spPr/>
+      <dgm:t>
+        <a:bodyPr/>
+        <a:lstStyle/>
+        <a:p>
+          <a:endParaRPr lang="zh-CN" altLang="en-US"/>
+        </a:p>
+      </dgm:t>
+    </dgm:pt>
+    <dgm:pt modelId="{7CE8DDEE-23A0-405E-B1DF-186F4E88FF31}" type="sibTrans" cxnId="{BEE10FD8-28C3-4A8F-8ADA-C699E1E65F1D}">
+      <dgm:prSet/>
+      <dgm:spPr/>
+      <dgm:t>
+        <a:bodyPr/>
+        <a:lstStyle/>
+        <a:p>
+          <a:endParaRPr lang="zh-CN" altLang="en-US"/>
+        </a:p>
+      </dgm:t>
+    </dgm:pt>
     <dgm:pt modelId="{DC5EC845-C56D-418D-8085-87081E6E0DEB}" type="pres">
       <dgm:prSet presAssocID="{BB641820-C16C-45ED-A018-6F6025362257}" presName="Name0" presStyleCnt="0">
         <dgm:presLayoutVars>
@@ -6823,9 +7335,16 @@
         </dgm:presLayoutVars>
       </dgm:prSet>
       <dgm:spPr/>
+      <dgm:t>
+        <a:bodyPr/>
+        <a:lstStyle/>
+        <a:p>
+          <a:endParaRPr lang="zh-CN" altLang="en-US"/>
+        </a:p>
+      </dgm:t>
     </dgm:pt>
     <dgm:pt modelId="{FD170419-7D18-491B-8212-B84A0D5B5B04}" type="pres">
-      <dgm:prSet presAssocID="{130F2687-4C39-4FE2-B59A-ADCFB7C0F26A}" presName="circle1" presStyleLbl="node1" presStyleIdx="0" presStyleCnt="2"/>
+      <dgm:prSet presAssocID="{130F2687-4C39-4FE2-B59A-ADCFB7C0F26A}" presName="circle1" presStyleLbl="node1" presStyleIdx="0" presStyleCnt="3"/>
       <dgm:spPr/>
     </dgm:pt>
     <dgm:pt modelId="{EE1602C9-8689-465D-8FC9-9D4CE09B3AC9}" type="pres">
@@ -6833,113 +7352,221 @@
       <dgm:spPr/>
     </dgm:pt>
     <dgm:pt modelId="{ACAC7D86-B4FC-4AF4-9A1A-AA42BBF2761A}" type="pres">
-      <dgm:prSet presAssocID="{130F2687-4C39-4FE2-B59A-ADCFB7C0F26A}" presName="rect1" presStyleLbl="alignAcc1" presStyleIdx="0" presStyleCnt="2"/>
+      <dgm:prSet presAssocID="{130F2687-4C39-4FE2-B59A-ADCFB7C0F26A}" presName="rect1" presStyleLbl="alignAcc1" presStyleIdx="0" presStyleCnt="3"/>
       <dgm:spPr/>
+      <dgm:t>
+        <a:bodyPr/>
+        <a:lstStyle/>
+        <a:p>
+          <a:endParaRPr lang="zh-CN" altLang="en-US"/>
+        </a:p>
+      </dgm:t>
     </dgm:pt>
     <dgm:pt modelId="{49961229-B8AC-4062-98E2-3F26BF9FC422}" type="pres">
-      <dgm:prSet presAssocID="{96553ABA-8B95-4F2D-98B2-2B8C0BC0052E}" presName="vertSpace2" presStyleLbl="node1" presStyleIdx="0" presStyleCnt="2"/>
+      <dgm:prSet presAssocID="{96553ABA-8B95-4F2D-98B2-2B8C0BC0052E}" presName="vertSpace2" presStyleLbl="node1" presStyleIdx="0" presStyleCnt="3"/>
       <dgm:spPr/>
     </dgm:pt>
     <dgm:pt modelId="{5909D035-F6E2-4096-A89D-38EA1C02A33E}" type="pres">
-      <dgm:prSet presAssocID="{96553ABA-8B95-4F2D-98B2-2B8C0BC0052E}" presName="circle2" presStyleLbl="node1" presStyleIdx="1" presStyleCnt="2"/>
+      <dgm:prSet presAssocID="{96553ABA-8B95-4F2D-98B2-2B8C0BC0052E}" presName="circle2" presStyleLbl="node1" presStyleIdx="1" presStyleCnt="3"/>
       <dgm:spPr/>
     </dgm:pt>
     <dgm:pt modelId="{EFC8429E-EE54-49F7-9101-FFEABDC5760B}" type="pres">
-      <dgm:prSet presAssocID="{96553ABA-8B95-4F2D-98B2-2B8C0BC0052E}" presName="rect2" presStyleLbl="alignAcc1" presStyleIdx="1" presStyleCnt="2"/>
+      <dgm:prSet presAssocID="{96553ABA-8B95-4F2D-98B2-2B8C0BC0052E}" presName="rect2" presStyleLbl="alignAcc1" presStyleIdx="1" presStyleCnt="3"/>
+      <dgm:spPr/>
+      <dgm:t>
+        <a:bodyPr/>
+        <a:lstStyle/>
+        <a:p>
+          <a:endParaRPr lang="zh-CN" altLang="en-US"/>
+        </a:p>
+      </dgm:t>
+    </dgm:pt>
+    <dgm:pt modelId="{9CB8BCE9-0DB2-4794-A6E1-F830B26BE14B}" type="pres">
+      <dgm:prSet presAssocID="{072B5492-1F9A-4A02-9E0F-7ED5C74962AA}" presName="vertSpace3" presStyleLbl="node1" presStyleIdx="1" presStyleCnt="3"/>
       <dgm:spPr/>
     </dgm:pt>
+    <dgm:pt modelId="{9185EEA4-F624-4FB6-8D3C-7E10D0ED8CC8}" type="pres">
+      <dgm:prSet presAssocID="{072B5492-1F9A-4A02-9E0F-7ED5C74962AA}" presName="circle3" presStyleLbl="node1" presStyleIdx="2" presStyleCnt="3"/>
+      <dgm:spPr/>
+    </dgm:pt>
+    <dgm:pt modelId="{1A8B2A6F-5643-4E8A-98B8-83807E12816F}" type="pres">
+      <dgm:prSet presAssocID="{072B5492-1F9A-4A02-9E0F-7ED5C74962AA}" presName="rect3" presStyleLbl="alignAcc1" presStyleIdx="2" presStyleCnt="3"/>
+      <dgm:spPr/>
+      <dgm:t>
+        <a:bodyPr/>
+        <a:lstStyle/>
+        <a:p>
+          <a:endParaRPr lang="zh-CN" altLang="en-US"/>
+        </a:p>
+      </dgm:t>
+    </dgm:pt>
     <dgm:pt modelId="{CFA00E26-19F5-4545-A92F-4653019259E8}" type="pres">
-      <dgm:prSet presAssocID="{130F2687-4C39-4FE2-B59A-ADCFB7C0F26A}" presName="rect1ParTx" presStyleLbl="alignAcc1" presStyleIdx="1" presStyleCnt="2">
+      <dgm:prSet presAssocID="{130F2687-4C39-4FE2-B59A-ADCFB7C0F26A}" presName="rect1ParTx" presStyleLbl="alignAcc1" presStyleIdx="2" presStyleCnt="3">
         <dgm:presLayoutVars>
           <dgm:chMax val="1"/>
           <dgm:bulletEnabled val="1"/>
         </dgm:presLayoutVars>
       </dgm:prSet>
       <dgm:spPr/>
+      <dgm:t>
+        <a:bodyPr/>
+        <a:lstStyle/>
+        <a:p>
+          <a:endParaRPr lang="zh-CN" altLang="en-US"/>
+        </a:p>
+      </dgm:t>
     </dgm:pt>
     <dgm:pt modelId="{23640AAC-B749-4ADC-A4AA-9A59DE889370}" type="pres">
-      <dgm:prSet presAssocID="{130F2687-4C39-4FE2-B59A-ADCFB7C0F26A}" presName="rect1ChTx" presStyleLbl="alignAcc1" presStyleIdx="1" presStyleCnt="2">
+      <dgm:prSet presAssocID="{130F2687-4C39-4FE2-B59A-ADCFB7C0F26A}" presName="rect1ChTx" presStyleLbl="alignAcc1" presStyleIdx="2" presStyleCnt="3">
         <dgm:presLayoutVars>
           <dgm:bulletEnabled val="1"/>
         </dgm:presLayoutVars>
       </dgm:prSet>
       <dgm:spPr/>
+      <dgm:t>
+        <a:bodyPr/>
+        <a:lstStyle/>
+        <a:p>
+          <a:endParaRPr lang="zh-CN" altLang="en-US"/>
+        </a:p>
+      </dgm:t>
     </dgm:pt>
     <dgm:pt modelId="{BE256B9D-6F8C-4E2E-88C1-8BB79C57BFF8}" type="pres">
-      <dgm:prSet presAssocID="{96553ABA-8B95-4F2D-98B2-2B8C0BC0052E}" presName="rect2ParTx" presStyleLbl="alignAcc1" presStyleIdx="1" presStyleCnt="2">
+      <dgm:prSet presAssocID="{96553ABA-8B95-4F2D-98B2-2B8C0BC0052E}" presName="rect2ParTx" presStyleLbl="alignAcc1" presStyleIdx="2" presStyleCnt="3">
         <dgm:presLayoutVars>
           <dgm:chMax val="1"/>
           <dgm:bulletEnabled val="1"/>
         </dgm:presLayoutVars>
       </dgm:prSet>
       <dgm:spPr/>
+      <dgm:t>
+        <a:bodyPr/>
+        <a:lstStyle/>
+        <a:p>
+          <a:endParaRPr lang="zh-CN" altLang="en-US"/>
+        </a:p>
+      </dgm:t>
     </dgm:pt>
     <dgm:pt modelId="{550A9515-DB73-4908-9A85-1A2920082CAA}" type="pres">
-      <dgm:prSet presAssocID="{96553ABA-8B95-4F2D-98B2-2B8C0BC0052E}" presName="rect2ChTx" presStyleLbl="alignAcc1" presStyleIdx="1" presStyleCnt="2">
+      <dgm:prSet presAssocID="{96553ABA-8B95-4F2D-98B2-2B8C0BC0052E}" presName="rect2ChTx" presStyleLbl="alignAcc1" presStyleIdx="2" presStyleCnt="3">
         <dgm:presLayoutVars>
           <dgm:bulletEnabled val="1"/>
         </dgm:presLayoutVars>
       </dgm:prSet>
       <dgm:spPr/>
+      <dgm:t>
+        <a:bodyPr/>
+        <a:lstStyle/>
+        <a:p>
+          <a:endParaRPr lang="zh-CN" altLang="en-US"/>
+        </a:p>
+      </dgm:t>
+    </dgm:pt>
+    <dgm:pt modelId="{EC17ECE8-BBDE-41D8-8331-71030D095C70}" type="pres">
+      <dgm:prSet presAssocID="{072B5492-1F9A-4A02-9E0F-7ED5C74962AA}" presName="rect3ParTx" presStyleLbl="alignAcc1" presStyleIdx="2" presStyleCnt="3">
+        <dgm:presLayoutVars>
+          <dgm:chMax val="1"/>
+          <dgm:bulletEnabled val="1"/>
+        </dgm:presLayoutVars>
+      </dgm:prSet>
+      <dgm:spPr/>
+      <dgm:t>
+        <a:bodyPr/>
+        <a:lstStyle/>
+        <a:p>
+          <a:endParaRPr lang="zh-CN" altLang="en-US"/>
+        </a:p>
+      </dgm:t>
+    </dgm:pt>
+    <dgm:pt modelId="{5E822B20-D3E7-4174-A5EC-4B1180554759}" type="pres">
+      <dgm:prSet presAssocID="{072B5492-1F9A-4A02-9E0F-7ED5C74962AA}" presName="rect3ChTx" presStyleLbl="alignAcc1" presStyleIdx="2" presStyleCnt="3">
+        <dgm:presLayoutVars>
+          <dgm:bulletEnabled val="1"/>
+        </dgm:presLayoutVars>
+      </dgm:prSet>
+      <dgm:spPr/>
+      <dgm:t>
+        <a:bodyPr/>
+        <a:lstStyle/>
+        <a:p>
+          <a:endParaRPr lang="zh-CN" altLang="en-US"/>
+        </a:p>
+      </dgm:t>
     </dgm:pt>
   </dgm:ptLst>
   <dgm:cxnLst>
-    <dgm:cxn modelId="{F7C0AE2D-598D-4DB3-A71E-B217242F2FC4}" srcId="{130F2687-4C39-4FE2-B59A-ADCFB7C0F26A}" destId="{8D675B64-7674-40C8-AFC7-E1190284C585}" srcOrd="3" destOrd="0" parTransId="{97CB517A-AEFB-428E-BD75-8B5CB211FA0B}" sibTransId="{99CB8170-7535-4371-8FAE-5A30F6ECB195}"/>
-    <dgm:cxn modelId="{53F4F369-529F-4BD0-A0F8-F4D0AC0EB1C1}" srcId="{130F2687-4C39-4FE2-B59A-ADCFB7C0F26A}" destId="{028F6055-22A1-4F6F-9732-054B59F953C1}" srcOrd="2" destOrd="0" parTransId="{F1574B66-F1A7-40C7-B438-2722D2D6D99F}" sibTransId="{B60B2F0D-16E4-4F66-B12A-D9E0C41130D9}"/>
-    <dgm:cxn modelId="{29B3E02B-7A3A-4663-B7A6-0186F50B9077}" srcId="{130F2687-4C39-4FE2-B59A-ADCFB7C0F26A}" destId="{E9916247-BF26-4436-B986-0C279384AE4A}" srcOrd="6" destOrd="0" parTransId="{552BDFD3-055F-4E0B-B223-A63E6BB2503E}" sibTransId="{845C0398-1DEF-411B-91EE-6FD931BBF869}"/>
-    <dgm:cxn modelId="{C5EE1799-F651-4F0B-B39D-B404D6AE4863}" type="presOf" srcId="{028F6055-22A1-4F6F-9732-054B59F953C1}" destId="{23640AAC-B749-4ADC-A4AA-9A59DE889370}" srcOrd="0" destOrd="2" presId="urn:microsoft.com/office/officeart/2005/8/layout/target3"/>
+    <dgm:cxn modelId="{446C7AB7-9F65-4CF5-8517-EDBF08AF26D9}" srcId="{072B5492-1F9A-4A02-9E0F-7ED5C74962AA}" destId="{576DAD61-647F-4198-9887-3796AD2433B0}" srcOrd="2" destOrd="0" parTransId="{E1F50A9F-292A-4FE9-A8CA-5A697371A568}" sibTransId="{B8B63770-2BBE-4A1D-913F-71016377C0DF}"/>
+    <dgm:cxn modelId="{054F17D8-0853-4F93-BC5D-B1E0C17B49DE}" srcId="{130F2687-4C39-4FE2-B59A-ADCFB7C0F26A}" destId="{F478DAD9-FB27-49B1-B978-DD72D8F4F6A1}" srcOrd="0" destOrd="0" parTransId="{DE784E94-F44F-4D5E-B1E8-2AA50C300C2E}" sibTransId="{82B87C6F-FBCE-449C-8E6F-8EA2E0D952F4}"/>
+    <dgm:cxn modelId="{268C7263-79AC-4388-8325-951BD631AF97}" srcId="{96553ABA-8B95-4F2D-98B2-2B8C0BC0052E}" destId="{8B7F4A8F-E033-4B94-AD6F-1B324A9BABA1}" srcOrd="0" destOrd="0" parTransId="{C6500BA1-756C-440C-9DF2-B1F994A7144D}" sibTransId="{C292EEEA-A680-4321-9CFE-4E277D5716D9}"/>
+    <dgm:cxn modelId="{73BDC13D-B238-4190-A849-26B16A74D05F}" type="presOf" srcId="{A498F688-A88E-44BA-9E21-748EB229D76F}" destId="{550A9515-DB73-4908-9A85-1A2920082CAA}" srcOrd="0" destOrd="2" presId="urn:microsoft.com/office/officeart/2005/8/layout/target3"/>
+    <dgm:cxn modelId="{2710513A-5C95-47E3-9C21-DBD7AABAABE7}" type="presOf" srcId="{64C18FFF-EC50-4701-BDCF-B6B9BFF5EC2C}" destId="{550A9515-DB73-4908-9A85-1A2920082CAA}" srcOrd="0" destOrd="1" presId="urn:microsoft.com/office/officeart/2005/8/layout/target3"/>
+    <dgm:cxn modelId="{BFFBC673-902D-4C07-8B7A-B238C7342D26}" type="presOf" srcId="{DDD302F0-C2A1-42C6-B1D4-5E813E37E8FC}" destId="{550A9515-DB73-4908-9A85-1A2920082CAA}" srcOrd="0" destOrd="3" presId="urn:microsoft.com/office/officeart/2005/8/layout/target3"/>
+    <dgm:cxn modelId="{DA00CB3A-7D78-40EC-826B-74A1BC08742B}" srcId="{96553ABA-8B95-4F2D-98B2-2B8C0BC0052E}" destId="{DDD302F0-C2A1-42C6-B1D4-5E813E37E8FC}" srcOrd="3" destOrd="0" parTransId="{81C16A6D-9D03-4085-9658-B62084371B8B}" sibTransId="{B18C1DED-BFA4-458B-BF34-00E00644B591}"/>
+    <dgm:cxn modelId="{A5E35D2C-8D41-49BD-A5BC-D74E3B730766}" srcId="{072B5492-1F9A-4A02-9E0F-7ED5C74962AA}" destId="{86B44B31-7B5E-4AF7-B577-2E1C85E8A5B5}" srcOrd="1" destOrd="0" parTransId="{1956EDDA-70E6-4CFC-95CE-F76D4390A591}" sibTransId="{DC507A65-01FB-4420-8122-4E12D501A6AB}"/>
+    <dgm:cxn modelId="{31C3281D-12BA-4E07-9424-2BDEF6ABBC2C}" type="presOf" srcId="{7FCBCC70-08BD-4E5D-943F-B30CE04B5663}" destId="{23640AAC-B749-4ADC-A4AA-9A59DE889370}" srcOrd="0" destOrd="3" presId="urn:microsoft.com/office/officeart/2005/8/layout/target3"/>
+    <dgm:cxn modelId="{9B1F3F2B-3080-4717-9AAA-7D26B0174CA8}" srcId="{072B5492-1F9A-4A02-9E0F-7ED5C74962AA}" destId="{97FBE532-F560-45D9-A54F-D71A2DCE99CC}" srcOrd="3" destOrd="0" parTransId="{F114D923-5140-42DA-8738-08A3A68A09DB}" sibTransId="{70385B1E-BEAE-4E5C-8C3D-9729041E8C62}"/>
+    <dgm:cxn modelId="{24276798-1038-4BEB-A1B6-05671E1C9087}" type="presOf" srcId="{BB641820-C16C-45ED-A018-6F6025362257}" destId="{DC5EC845-C56D-418D-8085-87081E6E0DEB}" srcOrd="0" destOrd="0" presId="urn:microsoft.com/office/officeart/2005/8/layout/target3"/>
+    <dgm:cxn modelId="{9B9CCA0D-B96E-4F23-A05B-8D460105CD31}" srcId="{130F2687-4C39-4FE2-B59A-ADCFB7C0F26A}" destId="{7FCBCC70-08BD-4E5D-943F-B30CE04B5663}" srcOrd="3" destOrd="0" parTransId="{0099ECE6-F073-49B8-AAD2-972F9C39A57A}" sibTransId="{FC499734-F1E2-4EE2-8B5F-0B26C29F9ADA}"/>
+    <dgm:cxn modelId="{2D84E3DB-1F81-48C0-A731-57A2F71DEED9}" type="presOf" srcId="{86B44B31-7B5E-4AF7-B577-2E1C85E8A5B5}" destId="{5E822B20-D3E7-4174-A5EC-4B1180554759}" srcOrd="0" destOrd="1" presId="urn:microsoft.com/office/officeart/2005/8/layout/target3"/>
+    <dgm:cxn modelId="{5A6C3F51-16A6-4234-B520-76A8D05A2CB4}" type="presOf" srcId="{96553ABA-8B95-4F2D-98B2-2B8C0BC0052E}" destId="{EFC8429E-EE54-49F7-9101-FFEABDC5760B}" srcOrd="0" destOrd="0" presId="urn:microsoft.com/office/officeart/2005/8/layout/target3"/>
+    <dgm:cxn modelId="{F1463F92-0FE0-45DD-A248-33954B42860D}" type="presOf" srcId="{97FBE532-F560-45D9-A54F-D71A2DCE99CC}" destId="{5E822B20-D3E7-4174-A5EC-4B1180554759}" srcOrd="0" destOrd="3" presId="urn:microsoft.com/office/officeart/2005/8/layout/target3"/>
+    <dgm:cxn modelId="{94E3CC56-1CAE-4C8B-A241-AE7E52838C79}" type="presOf" srcId="{130F2687-4C39-4FE2-B59A-ADCFB7C0F26A}" destId="{CFA00E26-19F5-4545-A92F-4653019259E8}" srcOrd="1" destOrd="0" presId="urn:microsoft.com/office/officeart/2005/8/layout/target3"/>
+    <dgm:cxn modelId="{E350B664-FD58-4A54-9B69-6AD33B0F9768}" type="presOf" srcId="{14F4DC85-1716-46D7-AFF1-FD224A292CF5}" destId="{23640AAC-B749-4ADC-A4AA-9A59DE889370}" srcOrd="0" destOrd="1" presId="urn:microsoft.com/office/officeart/2005/8/layout/target3"/>
+    <dgm:cxn modelId="{1758BDB7-B79D-4A9A-A000-3806FF81E22F}" srcId="{BB641820-C16C-45ED-A018-6F6025362257}" destId="{072B5492-1F9A-4A02-9E0F-7ED5C74962AA}" srcOrd="2" destOrd="0" parTransId="{2206FD3F-58F5-480F-B893-6F1B9A64883E}" sibTransId="{94F0A109-DE34-4078-A586-5871798AD266}"/>
+    <dgm:cxn modelId="{390BBE26-4138-4433-AC09-BE992815C9DC}" srcId="{BB641820-C16C-45ED-A018-6F6025362257}" destId="{96553ABA-8B95-4F2D-98B2-2B8C0BC0052E}" srcOrd="1" destOrd="0" parTransId="{99C52DFF-4312-4C7C-9187-0B85960AB0B3}" sibTransId="{9C011ED8-016D-4EC3-A343-C364149C4CB7}"/>
+    <dgm:cxn modelId="{599EB033-2F9E-444E-B04C-16D59E808E87}" type="presOf" srcId="{8D675B64-7674-40C8-AFC7-E1190284C585}" destId="{23640AAC-B749-4ADC-A4AA-9A59DE889370}" srcOrd="0" destOrd="2" presId="urn:microsoft.com/office/officeart/2005/8/layout/target3"/>
+    <dgm:cxn modelId="{F42D5448-E95D-43BC-8457-0943586E3208}" srcId="{96553ABA-8B95-4F2D-98B2-2B8C0BC0052E}" destId="{64C18FFF-EC50-4701-BDCF-B6B9BFF5EC2C}" srcOrd="1" destOrd="0" parTransId="{C5A31493-8785-4462-BC4A-89F77F7EE584}" sibTransId="{3712FEC3-6789-4548-A27C-7E0155854341}"/>
+    <dgm:cxn modelId="{29B3E02B-7A3A-4663-B7A6-0186F50B9077}" srcId="{130F2687-4C39-4FE2-B59A-ADCFB7C0F26A}" destId="{E9916247-BF26-4436-B986-0C279384AE4A}" srcOrd="4" destOrd="0" parTransId="{552BDFD3-055F-4E0B-B223-A63E6BB2503E}" sibTransId="{845C0398-1DEF-411B-91EE-6FD931BBF869}"/>
+    <dgm:cxn modelId="{6629AA1A-AD99-4337-B542-49331D3963E2}" type="presOf" srcId="{F478DAD9-FB27-49B1-B978-DD72D8F4F6A1}" destId="{23640AAC-B749-4ADC-A4AA-9A59DE889370}" srcOrd="0" destOrd="0" presId="urn:microsoft.com/office/officeart/2005/8/layout/target3"/>
+    <dgm:cxn modelId="{54F8C138-F19E-47D0-A1F1-AE486F82940B}" type="presOf" srcId="{6362BDBA-EB27-4F90-866F-633BA377378A}" destId="{23640AAC-B749-4ADC-A4AA-9A59DE889370}" srcOrd="0" destOrd="5" presId="urn:microsoft.com/office/officeart/2005/8/layout/target3"/>
+    <dgm:cxn modelId="{2A09FFBC-53CB-4699-BD85-306A3C3E3EA8}" type="presOf" srcId="{82C69890-ED4E-4D97-AC70-4F9D2A373FBC}" destId="{5E822B20-D3E7-4174-A5EC-4B1180554759}" srcOrd="0" destOrd="4" presId="urn:microsoft.com/office/officeart/2005/8/layout/target3"/>
+    <dgm:cxn modelId="{1C2D3F94-1ECD-46E6-9A85-DD83E405890A}" srcId="{130F2687-4C39-4FE2-B59A-ADCFB7C0F26A}" destId="{6362BDBA-EB27-4F90-866F-633BA377378A}" srcOrd="5" destOrd="0" parTransId="{51ED41D1-54BF-4D9E-951F-76AB6139513F}" sibTransId="{CCDCE786-BBC9-4BB9-B048-C65C3E77722F}"/>
+    <dgm:cxn modelId="{8100D40B-AF23-4399-94B4-9B7A021EB9AC}" srcId="{96553ABA-8B95-4F2D-98B2-2B8C0BC0052E}" destId="{0C45F4AD-B8F6-427D-B8C6-F8C2284A72BE}" srcOrd="4" destOrd="0" parTransId="{53263FC2-CA4C-4FFF-A960-CFBCFF1E1269}" sibTransId="{66329268-C605-44E5-943C-BBB38FAB3295}"/>
+    <dgm:cxn modelId="{12C1BE02-CBC6-40F3-964F-A6D522B26FC9}" type="presOf" srcId="{8B7F4A8F-E033-4B94-AD6F-1B324A9BABA1}" destId="{550A9515-DB73-4908-9A85-1A2920082CAA}" srcOrd="0" destOrd="0" presId="urn:microsoft.com/office/officeart/2005/8/layout/target3"/>
+    <dgm:cxn modelId="{849E3FDE-567E-4D2A-B0C9-56FD43506818}" type="presOf" srcId="{576DAD61-647F-4198-9887-3796AD2433B0}" destId="{5E822B20-D3E7-4174-A5EC-4B1180554759}" srcOrd="0" destOrd="2" presId="urn:microsoft.com/office/officeart/2005/8/layout/target3"/>
+    <dgm:cxn modelId="{24ED22E9-BA57-47F6-92E1-A79CF03A85A7}" type="presOf" srcId="{072B5492-1F9A-4A02-9E0F-7ED5C74962AA}" destId="{1A8B2A6F-5643-4E8A-98B8-83807E12816F}" srcOrd="0" destOrd="0" presId="urn:microsoft.com/office/officeart/2005/8/layout/target3"/>
+    <dgm:cxn modelId="{0D14FCAC-559D-4936-A2C4-7AAA1C348E9D}" type="presOf" srcId="{4F343536-AB6C-4097-A136-4FF5977319E7}" destId="{5E822B20-D3E7-4174-A5EC-4B1180554759}" srcOrd="0" destOrd="5" presId="urn:microsoft.com/office/officeart/2005/8/layout/target3"/>
+    <dgm:cxn modelId="{2EB44AAE-F99F-47CA-B1FE-3C763726F7EE}" type="presOf" srcId="{0C45F4AD-B8F6-427D-B8C6-F8C2284A72BE}" destId="{550A9515-DB73-4908-9A85-1A2920082CAA}" srcOrd="0" destOrd="4" presId="urn:microsoft.com/office/officeart/2005/8/layout/target3"/>
+    <dgm:cxn modelId="{FA766D1B-63C6-409B-884E-82363AB4CB5F}" srcId="{072B5492-1F9A-4A02-9E0F-7ED5C74962AA}" destId="{A9B86A42-FAD2-4B4A-99DD-DDEE1E80C1B4}" srcOrd="0" destOrd="0" parTransId="{FD5D9735-CC7F-4A82-91CB-6D628D99DF21}" sibTransId="{E30A8C01-0CC9-43F6-A92C-7EC9A0CAE67A}"/>
+    <dgm:cxn modelId="{750776E5-5FA0-4F37-85A0-09CA64733D8D}" srcId="{BB641820-C16C-45ED-A018-6F6025362257}" destId="{130F2687-4C39-4FE2-B59A-ADCFB7C0F26A}" srcOrd="0" destOrd="0" parTransId="{E4BBD92B-3C90-4E4B-AE6B-D58029F2D61D}" sibTransId="{9397C6BC-CBD2-406C-8C89-3FCC458B1E24}"/>
+    <dgm:cxn modelId="{7947C147-51C0-41FA-BCBE-76A7B9E6478F}" type="presOf" srcId="{A9B86A42-FAD2-4B4A-99DD-DDEE1E80C1B4}" destId="{5E822B20-D3E7-4174-A5EC-4B1180554759}" srcOrd="0" destOrd="0" presId="urn:microsoft.com/office/officeart/2005/8/layout/target3"/>
+    <dgm:cxn modelId="{8CBC072E-6C4D-450C-A982-20A00B3073D1}" srcId="{072B5492-1F9A-4A02-9E0F-7ED5C74962AA}" destId="{82C69890-ED4E-4D97-AC70-4F9D2A373FBC}" srcOrd="4" destOrd="0" parTransId="{04A06F4C-DF56-4554-B348-84AE3FB701AF}" sibTransId="{C5CE6715-F37E-483D-BE94-2BDA136FC3FC}"/>
+    <dgm:cxn modelId="{FD6E49BC-D05D-4E6E-89B4-5AD761A6D3F2}" type="presOf" srcId="{E9916247-BF26-4436-B986-0C279384AE4A}" destId="{23640AAC-B749-4ADC-A4AA-9A59DE889370}" srcOrd="0" destOrd="4" presId="urn:microsoft.com/office/officeart/2005/8/layout/target3"/>
+    <dgm:cxn modelId="{5200579E-92BC-4931-BB0C-BED3B7348555}" type="presOf" srcId="{96553ABA-8B95-4F2D-98B2-2B8C0BC0052E}" destId="{BE256B9D-6F8C-4E2E-88C1-8BB79C57BFF8}" srcOrd="1" destOrd="0" presId="urn:microsoft.com/office/officeart/2005/8/layout/target3"/>
+    <dgm:cxn modelId="{458ED32A-80CF-43A3-B004-7CE6085F34A6}" srcId="{130F2687-4C39-4FE2-B59A-ADCFB7C0F26A}" destId="{14F4DC85-1716-46D7-AFF1-FD224A292CF5}" srcOrd="1" destOrd="0" parTransId="{F2065F18-E71B-409D-BCFF-FF6AD093184E}" sibTransId="{2BBD9A55-91A4-455F-AE2A-2219737BC3DF}"/>
+    <dgm:cxn modelId="{BEE10FD8-28C3-4A8F-8ADA-C699E1E65F1D}" srcId="{072B5492-1F9A-4A02-9E0F-7ED5C74962AA}" destId="{4F343536-AB6C-4097-A136-4FF5977319E7}" srcOrd="5" destOrd="0" parTransId="{A520754B-E92D-4471-814B-2B03551042D7}" sibTransId="{7CE8DDEE-23A0-405E-B1DF-186F4E88FF31}"/>
+    <dgm:cxn modelId="{B8914C39-96FB-4E23-A034-EBE74B286633}" type="presOf" srcId="{072B5492-1F9A-4A02-9E0F-7ED5C74962AA}" destId="{EC17ECE8-BBDE-41D8-8331-71030D095C70}" srcOrd="1" destOrd="0" presId="urn:microsoft.com/office/officeart/2005/8/layout/target3"/>
+    <dgm:cxn modelId="{1B69F2EE-E7F3-408A-99C6-5A94BDE66D74}" type="presOf" srcId="{130F2687-4C39-4FE2-B59A-ADCFB7C0F26A}" destId="{ACAC7D86-B4FC-4AF4-9A1A-AA42BBF2761A}" srcOrd="0" destOrd="0" presId="urn:microsoft.com/office/officeart/2005/8/layout/target3"/>
+    <dgm:cxn modelId="{F7C0AE2D-598D-4DB3-A71E-B217242F2FC4}" srcId="{130F2687-4C39-4FE2-B59A-ADCFB7C0F26A}" destId="{8D675B64-7674-40C8-AFC7-E1190284C585}" srcOrd="2" destOrd="0" parTransId="{97CB517A-AEFB-428E-BD75-8B5CB211FA0B}" sibTransId="{99CB8170-7535-4371-8FAE-5A30F6ECB195}"/>
     <dgm:cxn modelId="{133D8803-6517-4C42-A79F-65E658667258}" srcId="{96553ABA-8B95-4F2D-98B2-2B8C0BC0052E}" destId="{A498F688-A88E-44BA-9E21-748EB229D76F}" srcOrd="2" destOrd="0" parTransId="{AA52C80B-0BF2-44D3-B151-98DA11A82594}" sibTransId="{F7A53BE0-7DA5-45E7-8851-7AD080E301DB}"/>
-    <dgm:cxn modelId="{9B9CCA0D-B96E-4F23-A05B-8D460105CD31}" srcId="{130F2687-4C39-4FE2-B59A-ADCFB7C0F26A}" destId="{7FCBCC70-08BD-4E5D-943F-B30CE04B5663}" srcOrd="4" destOrd="0" parTransId="{0099ECE6-F073-49B8-AAD2-972F9C39A57A}" sibTransId="{FC499734-F1E2-4EE2-8B5F-0B26C29F9ADA}"/>
-    <dgm:cxn modelId="{BFFBC673-902D-4C07-8B7A-B238C7342D26}" type="presOf" srcId="{DDD302F0-C2A1-42C6-B1D4-5E813E37E8FC}" destId="{550A9515-DB73-4908-9A85-1A2920082CAA}" srcOrd="0" destOrd="3" presId="urn:microsoft.com/office/officeart/2005/8/layout/target3"/>
-    <dgm:cxn modelId="{599EB033-2F9E-444E-B04C-16D59E808E87}" type="presOf" srcId="{8D675B64-7674-40C8-AFC7-E1190284C585}" destId="{23640AAC-B749-4ADC-A4AA-9A59DE889370}" srcOrd="0" destOrd="3" presId="urn:microsoft.com/office/officeart/2005/8/layout/target3"/>
-    <dgm:cxn modelId="{94E3CC56-1CAE-4C8B-A241-AE7E52838C79}" type="presOf" srcId="{130F2687-4C39-4FE2-B59A-ADCFB7C0F26A}" destId="{CFA00E26-19F5-4545-A92F-4653019259E8}" srcOrd="1" destOrd="0" presId="urn:microsoft.com/office/officeart/2005/8/layout/target3"/>
-    <dgm:cxn modelId="{1B69F2EE-E7F3-408A-99C6-5A94BDE66D74}" type="presOf" srcId="{130F2687-4C39-4FE2-B59A-ADCFB7C0F26A}" destId="{ACAC7D86-B4FC-4AF4-9A1A-AA42BBF2761A}" srcOrd="0" destOrd="0" presId="urn:microsoft.com/office/officeart/2005/8/layout/target3"/>
-    <dgm:cxn modelId="{8100D40B-AF23-4399-94B4-9B7A021EB9AC}" srcId="{96553ABA-8B95-4F2D-98B2-2B8C0BC0052E}" destId="{0C45F4AD-B8F6-427D-B8C6-F8C2284A72BE}" srcOrd="4" destOrd="0" parTransId="{53263FC2-CA4C-4FFF-A960-CFBCFF1E1269}" sibTransId="{66329268-C605-44E5-943C-BBB38FAB3295}"/>
-    <dgm:cxn modelId="{390BBE26-4138-4433-AC09-BE992815C9DC}" srcId="{BB641820-C16C-45ED-A018-6F6025362257}" destId="{96553ABA-8B95-4F2D-98B2-2B8C0BC0052E}" srcOrd="1" destOrd="0" parTransId="{99C52DFF-4312-4C7C-9187-0B85960AB0B3}" sibTransId="{9C011ED8-016D-4EC3-A343-C364149C4CB7}"/>
-    <dgm:cxn modelId="{2EB44AAE-F99F-47CA-B1FE-3C763726F7EE}" type="presOf" srcId="{0C45F4AD-B8F6-427D-B8C6-F8C2284A72BE}" destId="{550A9515-DB73-4908-9A85-1A2920082CAA}" srcOrd="0" destOrd="4" presId="urn:microsoft.com/office/officeart/2005/8/layout/target3"/>
-    <dgm:cxn modelId="{E350B664-FD58-4A54-9B69-6AD33B0F9768}" type="presOf" srcId="{14F4DC85-1716-46D7-AFF1-FD224A292CF5}" destId="{23640AAC-B749-4ADC-A4AA-9A59DE889370}" srcOrd="0" destOrd="1" presId="urn:microsoft.com/office/officeart/2005/8/layout/target3"/>
-    <dgm:cxn modelId="{31C3281D-12BA-4E07-9424-2BDEF6ABBC2C}" type="presOf" srcId="{7FCBCC70-08BD-4E5D-943F-B30CE04B5663}" destId="{23640AAC-B749-4ADC-A4AA-9A59DE889370}" srcOrd="0" destOrd="4" presId="urn:microsoft.com/office/officeart/2005/8/layout/target3"/>
-    <dgm:cxn modelId="{054F17D8-0853-4F93-BC5D-B1E0C17B49DE}" srcId="{130F2687-4C39-4FE2-B59A-ADCFB7C0F26A}" destId="{F478DAD9-FB27-49B1-B978-DD72D8F4F6A1}" srcOrd="0" destOrd="0" parTransId="{DE784E94-F44F-4D5E-B1E8-2AA50C300C2E}" sibTransId="{82B87C6F-FBCE-449C-8E6F-8EA2E0D952F4}"/>
-    <dgm:cxn modelId="{5200579E-92BC-4931-BB0C-BED3B7348555}" type="presOf" srcId="{96553ABA-8B95-4F2D-98B2-2B8C0BC0052E}" destId="{BE256B9D-6F8C-4E2E-88C1-8BB79C57BFF8}" srcOrd="1" destOrd="0" presId="urn:microsoft.com/office/officeart/2005/8/layout/target3"/>
-    <dgm:cxn modelId="{2710513A-5C95-47E3-9C21-DBD7AABAABE7}" type="presOf" srcId="{64C18FFF-EC50-4701-BDCF-B6B9BFF5EC2C}" destId="{550A9515-DB73-4908-9A85-1A2920082CAA}" srcOrd="0" destOrd="1" presId="urn:microsoft.com/office/officeart/2005/8/layout/target3"/>
-    <dgm:cxn modelId="{12C1BE02-CBC6-40F3-964F-A6D522B26FC9}" type="presOf" srcId="{8B7F4A8F-E033-4B94-AD6F-1B324A9BABA1}" destId="{550A9515-DB73-4908-9A85-1A2920082CAA}" srcOrd="0" destOrd="0" presId="urn:microsoft.com/office/officeart/2005/8/layout/target3"/>
-    <dgm:cxn modelId="{73BDC13D-B238-4190-A849-26B16A74D05F}" type="presOf" srcId="{A498F688-A88E-44BA-9E21-748EB229D76F}" destId="{550A9515-DB73-4908-9A85-1A2920082CAA}" srcOrd="0" destOrd="2" presId="urn:microsoft.com/office/officeart/2005/8/layout/target3"/>
-    <dgm:cxn modelId="{292BEAEB-76D8-4832-A568-4DC9371A8BCF}" srcId="{130F2687-4C39-4FE2-B59A-ADCFB7C0F26A}" destId="{D4F4FEB1-3401-4AAB-A0C9-830940430BC1}" srcOrd="5" destOrd="0" parTransId="{2CBC33F1-1370-4C87-9942-A06D81C3B9A9}" sibTransId="{2D057159-8CEB-461A-BBF4-B0188F6E5CCF}"/>
-    <dgm:cxn modelId="{6629AA1A-AD99-4337-B542-49331D3963E2}" type="presOf" srcId="{F478DAD9-FB27-49B1-B978-DD72D8F4F6A1}" destId="{23640AAC-B749-4ADC-A4AA-9A59DE889370}" srcOrd="0" destOrd="0" presId="urn:microsoft.com/office/officeart/2005/8/layout/target3"/>
-    <dgm:cxn modelId="{F42D5448-E95D-43BC-8457-0943586E3208}" srcId="{96553ABA-8B95-4F2D-98B2-2B8C0BC0052E}" destId="{64C18FFF-EC50-4701-BDCF-B6B9BFF5EC2C}" srcOrd="1" destOrd="0" parTransId="{C5A31493-8785-4462-BC4A-89F77F7EE584}" sibTransId="{3712FEC3-6789-4548-A27C-7E0155854341}"/>
-    <dgm:cxn modelId="{54F8C138-F19E-47D0-A1F1-AE486F82940B}" type="presOf" srcId="{6362BDBA-EB27-4F90-866F-633BA377378A}" destId="{23640AAC-B749-4ADC-A4AA-9A59DE889370}" srcOrd="0" destOrd="7" presId="urn:microsoft.com/office/officeart/2005/8/layout/target3"/>
-    <dgm:cxn modelId="{750776E5-5FA0-4F37-85A0-09CA64733D8D}" srcId="{BB641820-C16C-45ED-A018-6F6025362257}" destId="{130F2687-4C39-4FE2-B59A-ADCFB7C0F26A}" srcOrd="0" destOrd="0" parTransId="{E4BBD92B-3C90-4E4B-AE6B-D58029F2D61D}" sibTransId="{9397C6BC-CBD2-406C-8C89-3FCC458B1E24}"/>
-    <dgm:cxn modelId="{24276798-1038-4BEB-A1B6-05671E1C9087}" type="presOf" srcId="{BB641820-C16C-45ED-A018-6F6025362257}" destId="{DC5EC845-C56D-418D-8085-87081E6E0DEB}" srcOrd="0" destOrd="0" presId="urn:microsoft.com/office/officeart/2005/8/layout/target3"/>
-    <dgm:cxn modelId="{268C7263-79AC-4388-8325-951BD631AF97}" srcId="{96553ABA-8B95-4F2D-98B2-2B8C0BC0052E}" destId="{8B7F4A8F-E033-4B94-AD6F-1B324A9BABA1}" srcOrd="0" destOrd="0" parTransId="{C6500BA1-756C-440C-9DF2-B1F994A7144D}" sibTransId="{C292EEEA-A680-4321-9CFE-4E277D5716D9}"/>
-    <dgm:cxn modelId="{1C2D3F94-1ECD-46E6-9A85-DD83E405890A}" srcId="{130F2687-4C39-4FE2-B59A-ADCFB7C0F26A}" destId="{6362BDBA-EB27-4F90-866F-633BA377378A}" srcOrd="7" destOrd="0" parTransId="{51ED41D1-54BF-4D9E-951F-76AB6139513F}" sibTransId="{CCDCE786-BBC9-4BB9-B048-C65C3E77722F}"/>
-    <dgm:cxn modelId="{5A6C3F51-16A6-4234-B520-76A8D05A2CB4}" type="presOf" srcId="{96553ABA-8B95-4F2D-98B2-2B8C0BC0052E}" destId="{EFC8429E-EE54-49F7-9101-FFEABDC5760B}" srcOrd="0" destOrd="0" presId="urn:microsoft.com/office/officeart/2005/8/layout/target3"/>
-    <dgm:cxn modelId="{FD6E49BC-D05D-4E6E-89B4-5AD761A6D3F2}" type="presOf" srcId="{E9916247-BF26-4436-B986-0C279384AE4A}" destId="{23640AAC-B749-4ADC-A4AA-9A59DE889370}" srcOrd="0" destOrd="6" presId="urn:microsoft.com/office/officeart/2005/8/layout/target3"/>
-    <dgm:cxn modelId="{6FF470D2-40FD-4A59-BE93-D6D12301C0D7}" type="presOf" srcId="{D4F4FEB1-3401-4AAB-A0C9-830940430BC1}" destId="{23640AAC-B749-4ADC-A4AA-9A59DE889370}" srcOrd="0" destOrd="5" presId="urn:microsoft.com/office/officeart/2005/8/layout/target3"/>
-    <dgm:cxn modelId="{DA00CB3A-7D78-40EC-826B-74A1BC08742B}" srcId="{96553ABA-8B95-4F2D-98B2-2B8C0BC0052E}" destId="{DDD302F0-C2A1-42C6-B1D4-5E813E37E8FC}" srcOrd="3" destOrd="0" parTransId="{81C16A6D-9D03-4085-9658-B62084371B8B}" sibTransId="{B18C1DED-BFA4-458B-BF34-00E00644B591}"/>
-    <dgm:cxn modelId="{458ED32A-80CF-43A3-B004-7CE6085F34A6}" srcId="{130F2687-4C39-4FE2-B59A-ADCFB7C0F26A}" destId="{14F4DC85-1716-46D7-AFF1-FD224A292CF5}" srcOrd="1" destOrd="0" parTransId="{F2065F18-E71B-409D-BCFF-FF6AD093184E}" sibTransId="{2BBD9A55-91A4-455F-AE2A-2219737BC3DF}"/>
     <dgm:cxn modelId="{77B1B062-37A3-4239-982A-93EC1B5E2416}" type="presParOf" srcId="{DC5EC845-C56D-418D-8085-87081E6E0DEB}" destId="{FD170419-7D18-491B-8212-B84A0D5B5B04}" srcOrd="0" destOrd="0" presId="urn:microsoft.com/office/officeart/2005/8/layout/target3"/>
     <dgm:cxn modelId="{9CC02697-68C7-4FAD-8940-4DA76AF675B6}" type="presParOf" srcId="{DC5EC845-C56D-418D-8085-87081E6E0DEB}" destId="{EE1602C9-8689-465D-8FC9-9D4CE09B3AC9}" srcOrd="1" destOrd="0" presId="urn:microsoft.com/office/officeart/2005/8/layout/target3"/>
     <dgm:cxn modelId="{28E455FA-280D-472F-8715-B583CB836FDC}" type="presParOf" srcId="{DC5EC845-C56D-418D-8085-87081E6E0DEB}" destId="{ACAC7D86-B4FC-4AF4-9A1A-AA42BBF2761A}" srcOrd="2" destOrd="0" presId="urn:microsoft.com/office/officeart/2005/8/layout/target3"/>
     <dgm:cxn modelId="{2BD90D5E-C4C9-4D21-A38C-0DE7AC0E1EFE}" type="presParOf" srcId="{DC5EC845-C56D-418D-8085-87081E6E0DEB}" destId="{49961229-B8AC-4062-98E2-3F26BF9FC422}" srcOrd="3" destOrd="0" presId="urn:microsoft.com/office/officeart/2005/8/layout/target3"/>
     <dgm:cxn modelId="{4CE73C2F-A725-4FE4-94BC-DF0E4FD113AB}" type="presParOf" srcId="{DC5EC845-C56D-418D-8085-87081E6E0DEB}" destId="{5909D035-F6E2-4096-A89D-38EA1C02A33E}" srcOrd="4" destOrd="0" presId="urn:microsoft.com/office/officeart/2005/8/layout/target3"/>
     <dgm:cxn modelId="{D293E74F-6C78-43B3-BF31-A063132DE69D}" type="presParOf" srcId="{DC5EC845-C56D-418D-8085-87081E6E0DEB}" destId="{EFC8429E-EE54-49F7-9101-FFEABDC5760B}" srcOrd="5" destOrd="0" presId="urn:microsoft.com/office/officeart/2005/8/layout/target3"/>
-    <dgm:cxn modelId="{0490202D-C9C6-4B92-81C8-E5D498837E15}" type="presParOf" srcId="{DC5EC845-C56D-418D-8085-87081E6E0DEB}" destId="{CFA00E26-19F5-4545-A92F-4653019259E8}" srcOrd="6" destOrd="0" presId="urn:microsoft.com/office/officeart/2005/8/layout/target3"/>
-    <dgm:cxn modelId="{F3267BD1-F51F-489E-AD62-2D4CC5D75DB0}" type="presParOf" srcId="{DC5EC845-C56D-418D-8085-87081E6E0DEB}" destId="{23640AAC-B749-4ADC-A4AA-9A59DE889370}" srcOrd="7" destOrd="0" presId="urn:microsoft.com/office/officeart/2005/8/layout/target3"/>
-    <dgm:cxn modelId="{12BF5166-BF7B-4996-9C51-84032936B579}" type="presParOf" srcId="{DC5EC845-C56D-418D-8085-87081E6E0DEB}" destId="{BE256B9D-6F8C-4E2E-88C1-8BB79C57BFF8}" srcOrd="8" destOrd="0" presId="urn:microsoft.com/office/officeart/2005/8/layout/target3"/>
-    <dgm:cxn modelId="{8272C345-E825-43EE-AED5-C1D52806B8DF}" type="presParOf" srcId="{DC5EC845-C56D-418D-8085-87081E6E0DEB}" destId="{550A9515-DB73-4908-9A85-1A2920082CAA}" srcOrd="9" destOrd="0" presId="urn:microsoft.com/office/officeart/2005/8/layout/target3"/>
+    <dgm:cxn modelId="{6BD7DB5B-E2E2-45CE-8419-EDB054B9A5FD}" type="presParOf" srcId="{DC5EC845-C56D-418D-8085-87081E6E0DEB}" destId="{9CB8BCE9-0DB2-4794-A6E1-F830B26BE14B}" srcOrd="6" destOrd="0" presId="urn:microsoft.com/office/officeart/2005/8/layout/target3"/>
+    <dgm:cxn modelId="{741204C8-203D-41FE-BC1E-D3B50DC5B6E7}" type="presParOf" srcId="{DC5EC845-C56D-418D-8085-87081E6E0DEB}" destId="{9185EEA4-F624-4FB6-8D3C-7E10D0ED8CC8}" srcOrd="7" destOrd="0" presId="urn:microsoft.com/office/officeart/2005/8/layout/target3"/>
+    <dgm:cxn modelId="{70FA5AA6-821D-427B-8EA7-1FB5FF735627}" type="presParOf" srcId="{DC5EC845-C56D-418D-8085-87081E6E0DEB}" destId="{1A8B2A6F-5643-4E8A-98B8-83807E12816F}" srcOrd="8" destOrd="0" presId="urn:microsoft.com/office/officeart/2005/8/layout/target3"/>
+    <dgm:cxn modelId="{0490202D-C9C6-4B92-81C8-E5D498837E15}" type="presParOf" srcId="{DC5EC845-C56D-418D-8085-87081E6E0DEB}" destId="{CFA00E26-19F5-4545-A92F-4653019259E8}" srcOrd="9" destOrd="0" presId="urn:microsoft.com/office/officeart/2005/8/layout/target3"/>
+    <dgm:cxn modelId="{F3267BD1-F51F-489E-AD62-2D4CC5D75DB0}" type="presParOf" srcId="{DC5EC845-C56D-418D-8085-87081E6E0DEB}" destId="{23640AAC-B749-4ADC-A4AA-9A59DE889370}" srcOrd="10" destOrd="0" presId="urn:microsoft.com/office/officeart/2005/8/layout/target3"/>
+    <dgm:cxn modelId="{12BF5166-BF7B-4996-9C51-84032936B579}" type="presParOf" srcId="{DC5EC845-C56D-418D-8085-87081E6E0DEB}" destId="{BE256B9D-6F8C-4E2E-88C1-8BB79C57BFF8}" srcOrd="11" destOrd="0" presId="urn:microsoft.com/office/officeart/2005/8/layout/target3"/>
+    <dgm:cxn modelId="{8272C345-E825-43EE-AED5-C1D52806B8DF}" type="presParOf" srcId="{DC5EC845-C56D-418D-8085-87081E6E0DEB}" destId="{550A9515-DB73-4908-9A85-1A2920082CAA}" srcOrd="12" destOrd="0" presId="urn:microsoft.com/office/officeart/2005/8/layout/target3"/>
+    <dgm:cxn modelId="{EB95EF1A-0801-4E5B-A782-78913327251D}" type="presParOf" srcId="{DC5EC845-C56D-418D-8085-87081E6E0DEB}" destId="{EC17ECE8-BBDE-41D8-8331-71030D095C70}" srcOrd="13" destOrd="0" presId="urn:microsoft.com/office/officeart/2005/8/layout/target3"/>
+    <dgm:cxn modelId="{19B7AF2D-300D-4061-9A19-31A0DC7B80D7}" type="presParOf" srcId="{DC5EC845-C56D-418D-8085-87081E6E0DEB}" destId="{5E822B20-D3E7-4174-A5EC-4B1180554759}" srcOrd="14" destOrd="0" presId="urn:microsoft.com/office/officeart/2005/8/layout/target3"/>
   </dgm:cxnLst>
   <dgm:bg/>
   <dgm:whole/>
   <dgm:extLst>
     <a:ext uri="http://schemas.microsoft.com/office/drawing/2008/diagram">
-      <dsp:dataModelExt xmlns:dsp="http://schemas.microsoft.com/office/drawing/2008/diagram" relId="rId6" minVer="http://schemas.openxmlformats.org/drawingml/2006/diagram"/>
+      <dsp:dataModelExt xmlns:dsp="http://schemas.microsoft.com/office/drawing/2008/diagram" xmlns="" relId="rId6" minVer="http://schemas.openxmlformats.org/drawingml/2006/diagram"/>
     </a:ext>
   </dgm:extLst>
 </dgm:dataModel>
 </file>
 
 <file path=ppt/diagrams/drawing1.xml><?xml version="1.0" encoding="utf-8"?>
-<dsp:drawing xmlns:dgm="http://schemas.openxmlformats.org/drawingml/2006/diagram" xmlns:dsp="http://schemas.microsoft.com/office/drawing/2008/diagram" xmlns:a="http://schemas.openxmlformats.org/drawingml/2006/main">
+<dsp:drawing xmlns:dgm="http://schemas.openxmlformats.org/drawingml/2006/diagram" xmlns:a="http://schemas.openxmlformats.org/drawingml/2006/main" xmlns:dsp="http://schemas.microsoft.com/office/drawing/2008/diagram">
   <dsp:spTree>
     <dsp:nvGrpSpPr>
       <dsp:cNvPr id="0" name=""/>
@@ -7002,7 +7629,7 @@
         </a:bodyPr>
         <a:lstStyle/>
         <a:p>
-          <a:pPr marL="0" lvl="0" indent="0" algn="ctr" defTabSz="1111250">
+          <a:pPr lvl="0" algn="ctr" defTabSz="1111250">
             <a:lnSpc>
               <a:spcPct val="90000"/>
             </a:lnSpc>
@@ -7012,7 +7639,6 @@
             <a:spcAft>
               <a:spcPct val="35000"/>
             </a:spcAft>
-            <a:buNone/>
           </a:pPr>
           <a:r>
             <a:rPr lang="zh-CN" altLang="en-US" sz="2500" kern="1200" dirty="0"/>
@@ -7022,8 +7648,8 @@
         </a:p>
       </dsp:txBody>
       <dsp:txXfrm>
-        <a:off x="411501" y="29758"/>
-        <a:ext cx="1769284" cy="956484"/>
+        <a:off x="381743" y="0"/>
+        <a:ext cx="1828800" cy="1016000"/>
       </dsp:txXfrm>
     </dsp:sp>
     <dsp:sp modelId="{B904D906-2BA1-4ACE-AD7A-9A893E8E3580}">
@@ -7075,7 +7701,7 @@
         </a:bodyPr>
         <a:lstStyle/>
         <a:p>
-          <a:pPr marL="0" lvl="0" indent="0" algn="ctr" defTabSz="844550">
+          <a:pPr lvl="0" algn="ctr" defTabSz="844550">
             <a:lnSpc>
               <a:spcPct val="90000"/>
             </a:lnSpc>
@@ -7085,14 +7711,13 @@
             <a:spcAft>
               <a:spcPct val="35000"/>
             </a:spcAft>
-            <a:buNone/>
           </a:pPr>
           <a:endParaRPr lang="en-US" altLang="zh-CN" sz="1900" kern="1200"/>
         </a:p>
       </dsp:txBody>
-      <dsp:txXfrm rot="-5400000">
-        <a:off x="1158984" y="1079499"/>
-        <a:ext cx="274320" cy="266699"/>
+      <dsp:txXfrm rot="5400000">
+        <a:off x="1105644" y="1041399"/>
+        <a:ext cx="380999" cy="457200"/>
       </dsp:txXfrm>
     </dsp:sp>
     <dsp:sp modelId="{71265F17-EDEB-4312-BA08-4489438230E1}">
@@ -7112,7 +7737,7 @@
         </a:prstGeom>
         <a:solidFill>
           <a:schemeClr val="accent4">
-            <a:hueOff val="10211516"/>
+            <a:hueOff val="10211518"/>
             <a:satOff val="-11993"/>
             <a:lumOff val="4608"/>
             <a:alphaOff val="0"/>
@@ -7151,7 +7776,7 @@
         </a:bodyPr>
         <a:lstStyle/>
         <a:p>
-          <a:pPr marL="0" lvl="0" indent="0" algn="ctr" defTabSz="1111250">
+          <a:pPr lvl="0" algn="ctr" defTabSz="1111250">
             <a:lnSpc>
               <a:spcPct val="90000"/>
             </a:lnSpc>
@@ -7161,7 +7786,6 @@
             <a:spcAft>
               <a:spcPct val="35000"/>
             </a:spcAft>
-            <a:buNone/>
           </a:pPr>
           <a:r>
             <a:rPr lang="zh-CN" altLang="en-US" sz="2500" kern="1200" dirty="0"/>
@@ -7171,8 +7795,8 @@
         </a:p>
       </dsp:txBody>
       <dsp:txXfrm>
-        <a:off x="411501" y="1553757"/>
-        <a:ext cx="1769284" cy="956484"/>
+        <a:off x="381743" y="1523999"/>
+        <a:ext cx="1828800" cy="1016000"/>
       </dsp:txXfrm>
     </dsp:sp>
     <dsp:sp modelId="{4D67CEAE-7DA4-420E-BD68-9EADCEFC0C13}">
@@ -7193,7 +7817,7 @@
         </a:prstGeom>
         <a:solidFill>
           <a:schemeClr val="accent4">
-            <a:hueOff val="20423033"/>
+            <a:hueOff val="20423036"/>
             <a:satOff val="-23986"/>
             <a:lumOff val="9216"/>
             <a:alphaOff val="0"/>
@@ -7224,7 +7848,7 @@
         </a:bodyPr>
         <a:lstStyle/>
         <a:p>
-          <a:pPr marL="0" lvl="0" indent="0" algn="ctr" defTabSz="844550">
+          <a:pPr lvl="0" algn="ctr" defTabSz="844550">
             <a:lnSpc>
               <a:spcPct val="90000"/>
             </a:lnSpc>
@@ -7234,14 +7858,13 @@
             <a:spcAft>
               <a:spcPct val="35000"/>
             </a:spcAft>
-            <a:buNone/>
           </a:pPr>
           <a:endParaRPr lang="en-US" altLang="zh-CN" sz="1900" kern="1200"/>
         </a:p>
       </dsp:txBody>
-      <dsp:txXfrm rot="-5400000">
-        <a:off x="1158983" y="2603499"/>
-        <a:ext cx="274320" cy="266700"/>
+      <dsp:txXfrm rot="5400000">
+        <a:off x="1105643" y="2565399"/>
+        <a:ext cx="381000" cy="457200"/>
       </dsp:txXfrm>
     </dsp:sp>
     <dsp:sp modelId="{27C32AC1-9078-4E81-940B-C83C579CBBE8}">
@@ -7261,7 +7884,7 @@
         </a:prstGeom>
         <a:solidFill>
           <a:schemeClr val="accent4">
-            <a:hueOff val="20423033"/>
+            <a:hueOff val="20423036"/>
             <a:satOff val="-23986"/>
             <a:lumOff val="9216"/>
             <a:alphaOff val="0"/>
@@ -7300,7 +7923,7 @@
         </a:bodyPr>
         <a:lstStyle/>
         <a:p>
-          <a:pPr marL="0" lvl="0" indent="0" algn="ctr" defTabSz="1111250">
+          <a:pPr lvl="0" algn="ctr" defTabSz="1111250">
             <a:lnSpc>
               <a:spcPct val="90000"/>
             </a:lnSpc>
@@ -7310,7 +7933,6 @@
             <a:spcAft>
               <a:spcPct val="35000"/>
             </a:spcAft>
-            <a:buNone/>
           </a:pPr>
           <a:r>
             <a:rPr lang="zh-CN" altLang="en-US" sz="2500" kern="1200" dirty="0"/>
@@ -7320,8 +7942,8 @@
         </a:p>
       </dsp:txBody>
       <dsp:txXfrm>
-        <a:off x="411501" y="3077757"/>
-        <a:ext cx="1769284" cy="956484"/>
+        <a:off x="381743" y="3047999"/>
+        <a:ext cx="1828800" cy="1016000"/>
       </dsp:txXfrm>
     </dsp:sp>
   </dsp:spTree>
@@ -7329,7 +7951,7 @@
 </file>
 
 <file path=ppt/diagrams/drawing2.xml><?xml version="1.0" encoding="utf-8"?>
-<dsp:drawing xmlns:dgm="http://schemas.openxmlformats.org/drawingml/2006/diagram" xmlns:dsp="http://schemas.microsoft.com/office/drawing/2008/diagram" xmlns:a="http://schemas.openxmlformats.org/drawingml/2006/main">
+<dsp:drawing xmlns:dgm="http://schemas.openxmlformats.org/drawingml/2006/diagram" xmlns:a="http://schemas.openxmlformats.org/drawingml/2006/main" xmlns:dsp="http://schemas.microsoft.com/office/drawing/2008/diagram">
   <dsp:spTree>
     <dsp:nvGrpSpPr>
       <dsp:cNvPr id="0" name=""/>
@@ -7392,7 +8014,7 @@
         </a:bodyPr>
         <a:lstStyle/>
         <a:p>
-          <a:pPr marL="0" lvl="0" indent="0" algn="ctr" defTabSz="800100">
+          <a:pPr lvl="0" algn="ctr" defTabSz="800100">
             <a:lnSpc>
               <a:spcPct val="90000"/>
             </a:lnSpc>
@@ -7402,7 +8024,6 @@
             <a:spcAft>
               <a:spcPct val="35000"/>
             </a:spcAft>
-            <a:buNone/>
           </a:pPr>
           <a:r>
             <a:rPr lang="zh-CN" altLang="en-US" sz="1800" kern="1200" dirty="0"/>
@@ -7411,8 +8032,8 @@
         </a:p>
       </dsp:txBody>
       <dsp:txXfrm>
-        <a:off x="2397891" y="21621"/>
-        <a:ext cx="1285495" cy="694945"/>
+        <a:off x="2376270" y="0"/>
+        <a:ext cx="1328737" cy="738187"/>
       </dsp:txXfrm>
     </dsp:sp>
     <dsp:sp modelId="{F4222460-DA3F-4D91-8B7F-249866513908}">
@@ -7464,7 +8085,7 @@
         </a:bodyPr>
         <a:lstStyle/>
         <a:p>
-          <a:pPr marL="0" lvl="0" indent="0" algn="ctr" defTabSz="622300">
+          <a:pPr lvl="0" algn="ctr" defTabSz="622300">
             <a:lnSpc>
               <a:spcPct val="90000"/>
             </a:lnSpc>
@@ -7474,14 +8095,13 @@
             <a:spcAft>
               <a:spcPct val="35000"/>
             </a:spcAft>
-            <a:buNone/>
           </a:pPr>
           <a:endParaRPr lang="zh-CN" altLang="en-US" sz="1400" kern="1200"/>
         </a:p>
       </dsp:txBody>
-      <dsp:txXfrm rot="-5400000">
-        <a:off x="2944387" y="784570"/>
-        <a:ext cx="199310" cy="194820"/>
+      <dsp:txXfrm rot="5377187">
+        <a:off x="2905162" y="757634"/>
+        <a:ext cx="278314" cy="332184"/>
       </dsp:txXfrm>
     </dsp:sp>
     <dsp:sp modelId="{9324DF2E-1641-47A8-8298-A4EBCA7FFF4D}">
@@ -7501,7 +8121,7 @@
         </a:prstGeom>
         <a:solidFill>
           <a:schemeClr val="accent4">
-            <a:hueOff val="6807678"/>
+            <a:hueOff val="6807679"/>
             <a:satOff val="-7995"/>
             <a:lumOff val="3072"/>
             <a:alphaOff val="0"/>
@@ -7540,7 +8160,7 @@
         </a:bodyPr>
         <a:lstStyle/>
         <a:p>
-          <a:pPr marL="0" lvl="0" indent="0" algn="ctr" defTabSz="800100">
+          <a:pPr lvl="0" algn="ctr" defTabSz="800100">
             <a:lnSpc>
               <a:spcPct val="90000"/>
             </a:lnSpc>
@@ -7550,7 +8170,6 @@
             <a:spcAft>
               <a:spcPct val="35000"/>
             </a:spcAft>
-            <a:buNone/>
           </a:pPr>
           <a:r>
             <a:rPr lang="zh-CN" altLang="en-US" sz="1800" kern="1200" dirty="0"/>
@@ -7559,8 +8178,8 @@
         </a:p>
       </dsp:txBody>
       <dsp:txXfrm>
-        <a:off x="2405252" y="1130886"/>
-        <a:ext cx="1285495" cy="694945"/>
+        <a:off x="2383631" y="1109265"/>
+        <a:ext cx="1328737" cy="738187"/>
       </dsp:txXfrm>
     </dsp:sp>
     <dsp:sp modelId="{4BC20CCD-7B25-4DCE-8310-806E0883CCC1}">
@@ -7581,7 +8200,7 @@
         </a:prstGeom>
         <a:solidFill>
           <a:schemeClr val="accent4">
-            <a:hueOff val="10211516"/>
+            <a:hueOff val="10211518"/>
             <a:satOff val="-11993"/>
             <a:lumOff val="4608"/>
             <a:alphaOff val="0"/>
@@ -7612,7 +8231,7 @@
         </a:bodyPr>
         <a:lstStyle/>
         <a:p>
-          <a:pPr marL="0" lvl="0" indent="0" algn="ctr" defTabSz="622300">
+          <a:pPr lvl="0" algn="ctr" defTabSz="622300">
             <a:lnSpc>
               <a:spcPct val="90000"/>
             </a:lnSpc>
@@ -7622,14 +8241,13 @@
             <a:spcAft>
               <a:spcPct val="35000"/>
             </a:spcAft>
-            <a:buNone/>
           </a:pPr>
           <a:endParaRPr lang="zh-CN" altLang="en-US" sz="1400" kern="1200"/>
         </a:p>
       </dsp:txBody>
-      <dsp:txXfrm rot="-5400000">
-        <a:off x="2948344" y="1893589"/>
-        <a:ext cx="199310" cy="193774"/>
+      <dsp:txXfrm rot="5400000">
+        <a:off x="2909589" y="1865907"/>
+        <a:ext cx="276820" cy="332184"/>
       </dsp:txXfrm>
     </dsp:sp>
     <dsp:sp modelId="{D699FBF6-99F4-47E3-818C-BA1AF90285A3}">
@@ -7649,7 +8267,7 @@
         </a:prstGeom>
         <a:solidFill>
           <a:schemeClr val="accent4">
-            <a:hueOff val="13615356"/>
+            <a:hueOff val="13615358"/>
             <a:satOff val="-15991"/>
             <a:lumOff val="6144"/>
             <a:alphaOff val="0"/>
@@ -7688,7 +8306,7 @@
         </a:bodyPr>
         <a:lstStyle/>
         <a:p>
-          <a:pPr marL="0" lvl="0" indent="0" algn="ctr" defTabSz="800100">
+          <a:pPr lvl="0" algn="ctr" defTabSz="800100">
             <a:lnSpc>
               <a:spcPct val="90000"/>
             </a:lnSpc>
@@ -7698,7 +8316,6 @@
             <a:spcAft>
               <a:spcPct val="35000"/>
             </a:spcAft>
-            <a:buNone/>
           </a:pPr>
           <a:r>
             <a:rPr lang="zh-CN" altLang="en-US" sz="1800" kern="1200" dirty="0"/>
@@ -7707,8 +8324,8 @@
         </a:p>
       </dsp:txBody>
       <dsp:txXfrm>
-        <a:off x="2405252" y="2238167"/>
-        <a:ext cx="1285495" cy="694945"/>
+        <a:off x="2383631" y="2216546"/>
+        <a:ext cx="1328737" cy="738187"/>
       </dsp:txXfrm>
     </dsp:sp>
     <dsp:sp modelId="{A77E9F03-1D58-412A-950B-EF37680BC9FE}">
@@ -7729,7 +8346,7 @@
         </a:prstGeom>
         <a:solidFill>
           <a:schemeClr val="accent4">
-            <a:hueOff val="20423033"/>
+            <a:hueOff val="20423036"/>
             <a:satOff val="-23986"/>
             <a:lumOff val="9216"/>
             <a:alphaOff val="0"/>
@@ -7760,7 +8377,7 @@
         </a:bodyPr>
         <a:lstStyle/>
         <a:p>
-          <a:pPr marL="0" lvl="0" indent="0" algn="ctr" defTabSz="622300">
+          <a:pPr lvl="0" algn="ctr" defTabSz="622300">
             <a:lnSpc>
               <a:spcPct val="90000"/>
             </a:lnSpc>
@@ -7770,14 +8387,13 @@
             <a:spcAft>
               <a:spcPct val="35000"/>
             </a:spcAft>
-            <a:buNone/>
           </a:pPr>
           <a:endParaRPr lang="zh-CN" altLang="en-US" sz="1400" kern="1200"/>
         </a:p>
       </dsp:txBody>
-      <dsp:txXfrm rot="-5400000">
-        <a:off x="2948344" y="3000871"/>
-        <a:ext cx="199310" cy="193774"/>
+      <dsp:txXfrm rot="5400000">
+        <a:off x="2909589" y="2973189"/>
+        <a:ext cx="276820" cy="332184"/>
       </dsp:txXfrm>
     </dsp:sp>
     <dsp:sp modelId="{EBEC3436-91D9-46A5-BCE2-272014E51229}">
@@ -7797,7 +8413,7 @@
         </a:prstGeom>
         <a:solidFill>
           <a:schemeClr val="accent4">
-            <a:hueOff val="20423033"/>
+            <a:hueOff val="20423036"/>
             <a:satOff val="-23986"/>
             <a:lumOff val="9216"/>
             <a:alphaOff val="0"/>
@@ -7836,7 +8452,7 @@
         </a:bodyPr>
         <a:lstStyle/>
         <a:p>
-          <a:pPr marL="0" lvl="0" indent="0" algn="ctr" defTabSz="800100">
+          <a:pPr lvl="0" algn="ctr" defTabSz="800100">
             <a:lnSpc>
               <a:spcPct val="90000"/>
             </a:lnSpc>
@@ -7846,7 +8462,6 @@
             <a:spcAft>
               <a:spcPct val="35000"/>
             </a:spcAft>
-            <a:buNone/>
           </a:pPr>
           <a:r>
             <a:rPr lang="zh-CN" altLang="en-US" sz="1800" kern="1200" dirty="0"/>
@@ -7855,8 +8470,8 @@
         </a:p>
       </dsp:txBody>
       <dsp:txXfrm>
-        <a:off x="2405252" y="3345449"/>
-        <a:ext cx="1285495" cy="694945"/>
+        <a:off x="2383631" y="3323828"/>
+        <a:ext cx="1328737" cy="738187"/>
       </dsp:txXfrm>
     </dsp:sp>
   </dsp:spTree>
@@ -7864,7 +8479,7 @@
 </file>
 
 <file path=ppt/diagrams/drawing3.xml><?xml version="1.0" encoding="utf-8"?>
-<dsp:drawing xmlns:dgm="http://schemas.openxmlformats.org/drawingml/2006/diagram" xmlns:dsp="http://schemas.microsoft.com/office/drawing/2008/diagram" xmlns:a="http://schemas.openxmlformats.org/drawingml/2006/main">
+<dsp:drawing xmlns:dgm="http://schemas.openxmlformats.org/drawingml/2006/diagram" xmlns:a="http://schemas.openxmlformats.org/drawingml/2006/main" xmlns:dsp="http://schemas.microsoft.com/office/drawing/2008/diagram">
   <dsp:spTree>
     <dsp:nvGrpSpPr>
       <dsp:cNvPr id="0" name=""/>
@@ -7925,7 +8540,7 @@
         </a:bodyPr>
         <a:lstStyle/>
         <a:p>
-          <a:pPr marL="0" lvl="0" indent="0" algn="ctr" defTabSz="1066800">
+          <a:pPr lvl="0" algn="ctr" defTabSz="1066800">
             <a:lnSpc>
               <a:spcPct val="90000"/>
             </a:lnSpc>
@@ -7935,7 +8550,6 @@
             <a:spcAft>
               <a:spcPct val="35000"/>
             </a:spcAft>
-            <a:buNone/>
           </a:pPr>
           <a:r>
             <a:rPr lang="zh-CN" altLang="en-US" sz="2400" kern="1200" dirty="0"/>
@@ -7943,9 +8557,9 @@
           </a:r>
         </a:p>
       </dsp:txBody>
-      <dsp:txXfrm rot="5400000">
-        <a:off x="-1" y="1"/>
-        <a:ext cx="2543944" cy="1307976"/>
+      <dsp:txXfrm rot="16200000">
+        <a:off x="617983" y="-617983"/>
+        <a:ext cx="1307976" cy="2543944"/>
       </dsp:txXfrm>
     </dsp:sp>
     <dsp:sp modelId="{6ACA934D-A4DF-4903-85B8-4598A50D8F04}">
@@ -7963,7 +8577,7 @@
         </a:prstGeom>
         <a:solidFill>
           <a:schemeClr val="accent4">
-            <a:hueOff val="6807678"/>
+            <a:hueOff val="6807679"/>
             <a:satOff val="-7995"/>
             <a:lumOff val="3072"/>
             <a:alphaOff val="0"/>
@@ -8002,7 +8616,7 @@
         </a:bodyPr>
         <a:lstStyle/>
         <a:p>
-          <a:pPr marL="0" lvl="0" indent="0" algn="ctr" defTabSz="1066800">
+          <a:pPr lvl="0" algn="ctr" defTabSz="1066800">
             <a:lnSpc>
               <a:spcPct val="90000"/>
             </a:lnSpc>
@@ -8012,7 +8626,6 @@
             <a:spcAft>
               <a:spcPct val="35000"/>
             </a:spcAft>
-            <a:buNone/>
           </a:pPr>
           <a:r>
             <a:rPr lang="zh-CN" altLang="en-US" sz="2400" kern="1200" dirty="0"/>
@@ -8040,7 +8653,7 @@
         </a:prstGeom>
         <a:solidFill>
           <a:schemeClr val="accent4">
-            <a:hueOff val="13615356"/>
+            <a:hueOff val="13615358"/>
             <a:satOff val="-15991"/>
             <a:lumOff val="6144"/>
             <a:alphaOff val="0"/>
@@ -8079,7 +8692,7 @@
         </a:bodyPr>
         <a:lstStyle/>
         <a:p>
-          <a:pPr marL="0" lvl="0" indent="0" algn="ctr" defTabSz="1066800">
+          <a:pPr lvl="0" algn="ctr" defTabSz="1066800">
             <a:lnSpc>
               <a:spcPct val="90000"/>
             </a:lnSpc>
@@ -8089,7 +8702,6 @@
             <a:spcAft>
               <a:spcPct val="35000"/>
             </a:spcAft>
-            <a:buNone/>
           </a:pPr>
           <a:r>
             <a:rPr lang="zh-CN" altLang="en-US" sz="2400" kern="1200" dirty="0"/>
@@ -8117,7 +8729,7 @@
         </a:prstGeom>
         <a:solidFill>
           <a:schemeClr val="accent4">
-            <a:hueOff val="20423033"/>
+            <a:hueOff val="20423036"/>
             <a:satOff val="-23986"/>
             <a:lumOff val="9216"/>
             <a:alphaOff val="0"/>
@@ -8156,7 +8768,7 @@
         </a:bodyPr>
         <a:lstStyle/>
         <a:p>
-          <a:pPr marL="0" lvl="0" indent="0" algn="ctr" defTabSz="1066800">
+          <a:pPr lvl="0" algn="ctr" defTabSz="1066800">
             <a:lnSpc>
               <a:spcPct val="90000"/>
             </a:lnSpc>
@@ -8166,7 +8778,6 @@
             <a:spcAft>
               <a:spcPct val="35000"/>
             </a:spcAft>
-            <a:buNone/>
           </a:pPr>
           <a:r>
             <a:rPr lang="zh-CN" altLang="en-US" sz="2400" kern="1200" dirty="0"/>
@@ -8174,9 +8785,9 @@
           </a:r>
         </a:p>
       </dsp:txBody>
-      <dsp:txXfrm rot="-5400000">
-        <a:off x="2543944" y="2179959"/>
-        <a:ext cx="2543944" cy="1307976"/>
+      <dsp:txXfrm rot="5400000">
+        <a:off x="3161928" y="1561975"/>
+        <a:ext cx="1307976" cy="2543944"/>
       </dsp:txXfrm>
     </dsp:sp>
     <dsp:sp modelId="{54660845-72B4-4189-BBC5-2FE29AB7D5EC}">
@@ -8232,7 +8843,7 @@
         </a:bodyPr>
         <a:lstStyle/>
         <a:p>
-          <a:pPr marL="0" lvl="0" indent="0" algn="ctr" defTabSz="1066800">
+          <a:pPr lvl="0" algn="ctr" defTabSz="1066800">
             <a:lnSpc>
               <a:spcPct val="90000"/>
             </a:lnSpc>
@@ -8242,7 +8853,6 @@
             <a:spcAft>
               <a:spcPct val="35000"/>
             </a:spcAft>
-            <a:buNone/>
           </a:pPr>
           <a:r>
             <a:rPr lang="zh-CN" altLang="en-US" sz="2400" kern="1200" dirty="0"/>
@@ -8251,8 +8861,8 @@
         </a:p>
       </dsp:txBody>
       <dsp:txXfrm>
-        <a:off x="1823327" y="1350543"/>
-        <a:ext cx="1441232" cy="786850"/>
+        <a:off x="1780760" y="1307976"/>
+        <a:ext cx="1526366" cy="871984"/>
       </dsp:txXfrm>
     </dsp:sp>
   </dsp:spTree>
@@ -8260,7 +8870,7 @@
 </file>
 
 <file path=ppt/diagrams/drawing4.xml><?xml version="1.0" encoding="utf-8"?>
-<dsp:drawing xmlns:dgm="http://schemas.openxmlformats.org/drawingml/2006/diagram" xmlns:dsp="http://schemas.microsoft.com/office/drawing/2008/diagram" xmlns:a="http://schemas.openxmlformats.org/drawingml/2006/main">
+<dsp:drawing xmlns:dgm="http://schemas.openxmlformats.org/drawingml/2006/diagram" xmlns:a="http://schemas.openxmlformats.org/drawingml/2006/main" xmlns:dsp="http://schemas.microsoft.com/office/drawing/2008/diagram">
   <dsp:spTree>
     <dsp:nvGrpSpPr>
       <dsp:cNvPr id="0" name=""/>
@@ -8321,7 +8931,7 @@
         </a:bodyPr>
         <a:lstStyle/>
         <a:p>
-          <a:pPr marL="0" lvl="0" indent="0" algn="ctr" defTabSz="933450">
+          <a:pPr lvl="0" algn="ctr" defTabSz="933450">
             <a:lnSpc>
               <a:spcPct val="90000"/>
             </a:lnSpc>
@@ -8331,7 +8941,6 @@
             <a:spcAft>
               <a:spcPct val="35000"/>
             </a:spcAft>
-            <a:buNone/>
           </a:pPr>
           <a:r>
             <a:rPr lang="zh-CN" altLang="en-US" sz="2100" kern="1200" dirty="0"/>
@@ -8348,7 +8957,7 @@
           <a:endParaRPr lang="en-US" altLang="zh-CN" sz="2100" kern="1200" dirty="0"/>
         </a:p>
         <a:p>
-          <a:pPr marL="0" lvl="0" indent="0" algn="ctr" defTabSz="933450">
+          <a:pPr lvl="0" algn="ctr" defTabSz="933450">
             <a:lnSpc>
               <a:spcPct val="90000"/>
             </a:lnSpc>
@@ -8358,7 +8967,6 @@
             <a:spcAft>
               <a:spcPct val="35000"/>
             </a:spcAft>
-            <a:buNone/>
           </a:pPr>
           <a:r>
             <a:rPr lang="zh-CN" altLang="en-US" sz="2100" b="1" kern="1200" dirty="0">
@@ -8376,8 +8984,8 @@
         </a:p>
       </dsp:txBody>
       <dsp:txXfrm>
-        <a:off x="2573111" y="2888704"/>
-        <a:ext cx="1478512" cy="1478512"/>
+        <a:off x="2266901" y="2582494"/>
+        <a:ext cx="2090932" cy="2090932"/>
       </dsp:txXfrm>
     </dsp:sp>
     <dsp:sp modelId="{A7C679A2-1DAC-401A-A059-E2B0BA1760C8}">
@@ -8480,7 +9088,7 @@
         </a:bodyPr>
         <a:lstStyle/>
         <a:p>
-          <a:pPr marL="0" lvl="0" indent="0" algn="ctr" defTabSz="933450">
+          <a:pPr lvl="0" algn="ctr" defTabSz="933450">
             <a:lnSpc>
               <a:spcPct val="90000"/>
             </a:lnSpc>
@@ -8490,7 +9098,6 @@
             <a:spcAft>
               <a:spcPct val="35000"/>
             </a:spcAft>
-            <a:buNone/>
           </a:pPr>
           <a:r>
             <a:rPr lang="zh-CN" altLang="en-US" sz="2100" kern="1200" dirty="0"/>
@@ -8509,8 +9116,8 @@
         </a:p>
       </dsp:txBody>
       <dsp:txXfrm>
-        <a:off x="50537" y="1258842"/>
-        <a:ext cx="1893299" cy="1496022"/>
+        <a:off x="3994" y="1212299"/>
+        <a:ext cx="1986385" cy="1589108"/>
       </dsp:txXfrm>
     </dsp:sp>
     <dsp:sp modelId="{BE8DEC34-68E8-42E9-BF72-71E7BDE98429}">
@@ -8531,7 +9138,7 @@
         </a:prstGeom>
         <a:solidFill>
           <a:schemeClr val="accent4">
-            <a:hueOff val="10211516"/>
+            <a:hueOff val="10211518"/>
             <a:satOff val="-11993"/>
             <a:lumOff val="4608"/>
             <a:alphaOff val="0"/>
@@ -8574,7 +9181,7 @@
         </a:prstGeom>
         <a:solidFill>
           <a:schemeClr val="accent4">
-            <a:hueOff val="10211516"/>
+            <a:hueOff val="10211518"/>
             <a:satOff val="-11993"/>
             <a:lumOff val="4608"/>
             <a:alphaOff val="0"/>
@@ -8613,7 +9220,7 @@
         </a:bodyPr>
         <a:lstStyle/>
         <a:p>
-          <a:pPr marL="0" lvl="0" indent="0" algn="ctr" defTabSz="933450">
+          <a:pPr lvl="0" algn="ctr" defTabSz="933450">
             <a:lnSpc>
               <a:spcPct val="90000"/>
             </a:lnSpc>
@@ -8623,7 +9230,6 @@
             <a:spcAft>
               <a:spcPct val="35000"/>
             </a:spcAft>
-            <a:buNone/>
           </a:pPr>
           <a:r>
             <a:rPr lang="zh-CN" altLang="en-US" sz="2100" kern="1200" dirty="0"/>
@@ -8640,7 +9246,7 @@
           <a:endParaRPr lang="en-US" altLang="zh-CN" sz="2100" kern="1200" dirty="0"/>
         </a:p>
         <a:p>
-          <a:pPr marL="0" lvl="0" indent="0" algn="ctr" defTabSz="933450">
+          <a:pPr lvl="0" algn="ctr" defTabSz="933450">
             <a:lnSpc>
               <a:spcPct val="90000"/>
             </a:lnSpc>
@@ -8650,7 +9256,6 @@
             <a:spcAft>
               <a:spcPct val="35000"/>
             </a:spcAft>
-            <a:buNone/>
           </a:pPr>
           <a:r>
             <a:rPr lang="zh-CN" altLang="en-US" sz="2100" b="1" kern="1200" dirty="0">
@@ -8685,8 +9290,8 @@
         </a:p>
       </dsp:txBody>
       <dsp:txXfrm>
-        <a:off x="2365718" y="53635"/>
-        <a:ext cx="1893299" cy="1496022"/>
+        <a:off x="2319175" y="7092"/>
+        <a:ext cx="1986385" cy="1589108"/>
       </dsp:txXfrm>
     </dsp:sp>
     <dsp:sp modelId="{6F96541D-CEAF-4313-8B3B-45678BE28E56}">
@@ -8707,7 +9312,7 @@
         </a:prstGeom>
         <a:solidFill>
           <a:schemeClr val="accent4">
-            <a:hueOff val="20423033"/>
+            <a:hueOff val="20423036"/>
             <a:satOff val="-23986"/>
             <a:lumOff val="9216"/>
             <a:alphaOff val="0"/>
@@ -8750,7 +9355,7 @@
         </a:prstGeom>
         <a:solidFill>
           <a:schemeClr val="accent4">
-            <a:hueOff val="20423033"/>
+            <a:hueOff val="20423036"/>
             <a:satOff val="-23986"/>
             <a:lumOff val="9216"/>
             <a:alphaOff val="0"/>
@@ -8789,7 +9394,7 @@
         </a:bodyPr>
         <a:lstStyle/>
         <a:p>
-          <a:pPr marL="0" lvl="0" indent="0" algn="ctr" defTabSz="933450">
+          <a:pPr lvl="0" algn="ctr" defTabSz="933450">
             <a:lnSpc>
               <a:spcPct val="90000"/>
             </a:lnSpc>
@@ -8799,7 +9404,6 @@
             <a:spcAft>
               <a:spcPct val="35000"/>
             </a:spcAft>
-            <a:buNone/>
           </a:pPr>
           <a:r>
             <a:rPr lang="zh-CN" altLang="en-US" sz="2100" kern="1200" dirty="0"/>
@@ -8818,8 +9422,8 @@
         </a:p>
       </dsp:txBody>
       <dsp:txXfrm>
-        <a:off x="4680899" y="1258842"/>
-        <a:ext cx="1893299" cy="1496022"/>
+        <a:off x="4634356" y="1212299"/>
+        <a:ext cx="1986385" cy="1589108"/>
       </dsp:txXfrm>
     </dsp:sp>
   </dsp:spTree>
@@ -8827,7 +9431,7 @@
 </file>
 
 <file path=ppt/diagrams/drawing5.xml><?xml version="1.0" encoding="utf-8"?>
-<dsp:drawing xmlns:dgm="http://schemas.openxmlformats.org/drawingml/2006/diagram" xmlns:dsp="http://schemas.microsoft.com/office/drawing/2008/diagram" xmlns:a="http://schemas.openxmlformats.org/drawingml/2006/main">
+<dsp:drawing xmlns:dgm="http://schemas.openxmlformats.org/drawingml/2006/diagram" xmlns:a="http://schemas.openxmlformats.org/drawingml/2006/main" xmlns:dsp="http://schemas.microsoft.com/office/drawing/2008/diagram">
   <dsp:spTree>
     <dsp:nvGrpSpPr>
       <dsp:cNvPr id="0" name=""/>
@@ -8890,7 +9494,7 @@
         </a:bodyPr>
         <a:lstStyle/>
         <a:p>
-          <a:pPr marL="0" lvl="0" indent="0" algn="l" defTabSz="800100">
+          <a:pPr lvl="0" algn="l" defTabSz="800100">
             <a:lnSpc>
               <a:spcPct val="90000"/>
             </a:lnSpc>
@@ -8900,7 +9504,6 @@
             <a:spcAft>
               <a:spcPct val="35000"/>
             </a:spcAft>
-            <a:buNone/>
           </a:pPr>
           <a:r>
             <a:rPr lang="en-US" altLang="en-US" sz="1800" kern="1200" dirty="0" err="1"/>
@@ -8913,7 +9516,7 @@
           <a:endParaRPr lang="en-US" altLang="zh-CN" sz="1800" kern="1200" dirty="0"/>
         </a:p>
         <a:p>
-          <a:pPr marL="0" lvl="0" indent="0" algn="l" defTabSz="800100">
+          <a:pPr lvl="0" algn="l" defTabSz="800100">
             <a:lnSpc>
               <a:spcPct val="90000"/>
             </a:lnSpc>
@@ -8923,7 +9526,6 @@
             <a:spcAft>
               <a:spcPct val="35000"/>
             </a:spcAft>
-            <a:buNone/>
           </a:pPr>
           <a:r>
             <a:rPr lang="zh-CN" altLang="en-US" sz="1800" b="1" kern="1200" dirty="0">
@@ -8949,8 +9551,8 @@
         </a:p>
       </dsp:txBody>
       <dsp:txXfrm>
-        <a:off x="43657" y="43657"/>
-        <a:ext cx="4818277" cy="1403251"/>
+        <a:off x="0" y="0"/>
+        <a:ext cx="4905591" cy="1490565"/>
       </dsp:txXfrm>
     </dsp:sp>
     <dsp:sp modelId="{CA54E869-6746-4DD3-AEE7-6A9CFEAAB3FA}">
@@ -8970,7 +9572,7 @@
         </a:prstGeom>
         <a:solidFill>
           <a:schemeClr val="accent4">
-            <a:hueOff val="10211516"/>
+            <a:hueOff val="10211518"/>
             <a:satOff val="-11993"/>
             <a:lumOff val="4608"/>
             <a:alphaOff val="0"/>
@@ -9009,7 +9611,7 @@
         </a:bodyPr>
         <a:lstStyle/>
         <a:p>
-          <a:pPr marL="0" lvl="0" indent="0" algn="l" defTabSz="800100">
+          <a:pPr lvl="0" algn="l" defTabSz="800100">
             <a:lnSpc>
               <a:spcPct val="90000"/>
             </a:lnSpc>
@@ -9019,7 +9621,6 @@
             <a:spcAft>
               <a:spcPct val="35000"/>
             </a:spcAft>
-            <a:buNone/>
           </a:pPr>
           <a:r>
             <a:rPr lang="en-US" altLang="en-US" sz="1800" kern="1200" dirty="0"/>
@@ -9040,7 +9641,7 @@
           <a:endParaRPr lang="en-US" altLang="zh-CN" sz="1800" kern="1200" dirty="0"/>
         </a:p>
         <a:p>
-          <a:pPr marL="0" lvl="0" indent="0" algn="l" defTabSz="800100">
+          <a:pPr lvl="0" algn="l" defTabSz="800100">
             <a:lnSpc>
               <a:spcPct val="90000"/>
             </a:lnSpc>
@@ -9050,7 +9651,6 @@
             <a:spcAft>
               <a:spcPct val="35000"/>
             </a:spcAft>
-            <a:buNone/>
           </a:pPr>
           <a:r>
             <a:rPr lang="zh-CN" altLang="en-US" sz="1800" b="1" kern="1200" dirty="0">
@@ -9079,8 +9679,8 @@
         </a:p>
       </dsp:txBody>
       <dsp:txXfrm>
-        <a:off x="610719" y="1782650"/>
-        <a:ext cx="4803469" cy="1403251"/>
+        <a:off x="567062" y="1738993"/>
+        <a:ext cx="4890783" cy="1490565"/>
       </dsp:txXfrm>
     </dsp:sp>
     <dsp:sp modelId="{B045B095-AC1F-46FB-BE49-69D498027592}">
@@ -9100,7 +9700,7 @@
         </a:prstGeom>
         <a:solidFill>
           <a:schemeClr val="accent4">
-            <a:hueOff val="20423033"/>
+            <a:hueOff val="20423036"/>
             <a:satOff val="-23986"/>
             <a:lumOff val="9216"/>
             <a:alphaOff val="0"/>
@@ -9139,7 +9739,7 @@
         </a:bodyPr>
         <a:lstStyle/>
         <a:p>
-          <a:pPr marL="0" lvl="0" indent="0" algn="l" defTabSz="800100">
+          <a:pPr lvl="0" algn="l" defTabSz="800100">
             <a:lnSpc>
               <a:spcPct val="90000"/>
             </a:lnSpc>
@@ -9149,7 +9749,6 @@
             <a:spcAft>
               <a:spcPct val="35000"/>
             </a:spcAft>
-            <a:buNone/>
           </a:pPr>
           <a:r>
             <a:rPr lang="en-US" altLang="en-US" sz="1800" kern="1200" dirty="0"/>
@@ -9170,7 +9769,7 @@
           <a:endParaRPr lang="en-US" altLang="zh-CN" sz="1800" kern="1200" dirty="0"/>
         </a:p>
         <a:p>
-          <a:pPr marL="0" lvl="0" indent="0" algn="l" defTabSz="800100">
+          <a:pPr lvl="0" algn="l" defTabSz="800100">
             <a:lnSpc>
               <a:spcPct val="90000"/>
             </a:lnSpc>
@@ -9180,7 +9779,6 @@
             <a:spcAft>
               <a:spcPct val="35000"/>
             </a:spcAft>
-            <a:buNone/>
           </a:pPr>
           <a:r>
             <a:rPr lang="zh-CN" altLang="en-US" sz="1800" b="1" kern="1200" dirty="0">
@@ -9225,8 +9823,8 @@
         </a:p>
       </dsp:txBody>
       <dsp:txXfrm>
-        <a:off x="1177782" y="3521643"/>
-        <a:ext cx="4803469" cy="1403251"/>
+        <a:off x="1134125" y="3477986"/>
+        <a:ext cx="4890783" cy="1490565"/>
       </dsp:txXfrm>
     </dsp:sp>
     <dsp:sp modelId="{06292878-428E-43E5-B926-778003ACA46E}">
@@ -9288,7 +9886,7 @@
         </a:bodyPr>
         <a:lstStyle/>
         <a:p>
-          <a:pPr marL="0" lvl="0" indent="0" algn="ctr" defTabSz="1600200">
+          <a:pPr lvl="0" algn="ctr" defTabSz="1600200">
             <a:lnSpc>
               <a:spcPct val="90000"/>
             </a:lnSpc>
@@ -9298,14 +9896,13 @@
             <a:spcAft>
               <a:spcPct val="35000"/>
             </a:spcAft>
-            <a:buNone/>
           </a:pPr>
           <a:endParaRPr lang="zh-CN" altLang="en-US" sz="3600" kern="1200"/>
         </a:p>
       </dsp:txBody>
       <dsp:txXfrm>
-        <a:off x="5675841" y="1130345"/>
-        <a:ext cx="532877" cy="729072"/>
+        <a:off x="5457846" y="1130345"/>
+        <a:ext cx="968867" cy="968867"/>
       </dsp:txXfrm>
     </dsp:sp>
     <dsp:sp modelId="{67F047E0-4DCD-46C8-890A-43BC0C40B153}">
@@ -9328,7 +9925,7 @@
           <a:schemeClr val="accent4">
             <a:tint val="40000"/>
             <a:alpha val="90000"/>
-            <a:hueOff val="20658461"/>
+            <a:hueOff val="20658457"/>
             <a:satOff val="-11248"/>
             <a:lumOff val="1474"/>
             <a:alphaOff val="0"/>
@@ -9339,7 +9936,7 @@
             <a:schemeClr val="accent4">
               <a:tint val="40000"/>
               <a:alpha val="90000"/>
-              <a:hueOff val="20658461"/>
+              <a:hueOff val="20658457"/>
               <a:satOff val="-11248"/>
               <a:lumOff val="1474"/>
               <a:alphaOff val="0"/>
@@ -9367,7 +9964,7 @@
         </a:bodyPr>
         <a:lstStyle/>
         <a:p>
-          <a:pPr marL="0" lvl="0" indent="0" algn="ctr" defTabSz="1600200">
+          <a:pPr lvl="0" algn="ctr" defTabSz="1600200">
             <a:lnSpc>
               <a:spcPct val="90000"/>
             </a:lnSpc>
@@ -9377,14 +9974,13 @@
             <a:spcAft>
               <a:spcPct val="35000"/>
             </a:spcAft>
-            <a:buNone/>
           </a:pPr>
           <a:endParaRPr lang="zh-CN" altLang="en-US" sz="3600" kern="1200"/>
         </a:p>
       </dsp:txBody>
       <dsp:txXfrm>
-        <a:off x="6242904" y="2859401"/>
-        <a:ext cx="532877" cy="729072"/>
+        <a:off x="6024909" y="2859401"/>
+        <a:ext cx="968867" cy="968867"/>
       </dsp:txXfrm>
     </dsp:sp>
   </dsp:spTree>
@@ -9392,7 +9988,7 @@
 </file>
 
 <file path=ppt/diagrams/drawing6.xml><?xml version="1.0" encoding="utf-8"?>
-<dsp:drawing xmlns:dgm="http://schemas.openxmlformats.org/drawingml/2006/diagram" xmlns:dsp="http://schemas.microsoft.com/office/drawing/2008/diagram" xmlns:a="http://schemas.openxmlformats.org/drawingml/2006/main">
+<dsp:drawing xmlns:dgm="http://schemas.openxmlformats.org/drawingml/2006/diagram" xmlns:a="http://schemas.openxmlformats.org/drawingml/2006/main" xmlns:dsp="http://schemas.microsoft.com/office/drawing/2008/diagram">
   <dsp:spTree>
     <dsp:nvGrpSpPr>
       <dsp:cNvPr id="0" name=""/>
@@ -9406,8 +10002,8 @@
       </dsp:nvSpPr>
       <dsp:spPr>
         <a:xfrm>
-          <a:off x="0" y="43204"/>
-          <a:ext cx="4882142" cy="4882142"/>
+          <a:off x="0" y="237626"/>
+          <a:ext cx="5141371" cy="5141371"/>
         </a:xfrm>
         <a:prstGeom prst="pie">
           <a:avLst>
@@ -9458,8 +10054,8 @@
       </dsp:nvSpPr>
       <dsp:spPr>
         <a:xfrm>
-          <a:off x="2441071" y="43204"/>
-          <a:ext cx="5695832" cy="4882142"/>
+          <a:off x="2570685" y="237626"/>
+          <a:ext cx="5998266" cy="5141371"/>
         </a:xfrm>
         <a:prstGeom prst="rect">
           <a:avLst/>
@@ -9499,12 +10095,12 @@
         <a:fontRef idx="minor"/>
       </dsp:style>
       <dsp:txBody>
-        <a:bodyPr spcFirstLastPara="0" vert="horz" wrap="square" lIns="152400" tIns="152400" rIns="152400" bIns="152400" numCol="1" spcCol="1270" anchor="ctr" anchorCtr="0">
+        <a:bodyPr spcFirstLastPara="0" vert="horz" wrap="square" lIns="106680" tIns="106680" rIns="106680" bIns="106680" numCol="1" spcCol="1270" anchor="ctr" anchorCtr="0">
           <a:noAutofit/>
         </a:bodyPr>
         <a:lstStyle/>
         <a:p>
-          <a:pPr marL="0" lvl="0" indent="0" algn="ctr" defTabSz="1778000">
+          <a:pPr lvl="0" algn="ctr" defTabSz="1244600">
             <a:lnSpc>
               <a:spcPct val="90000"/>
             </a:lnSpc>
@@ -9514,17 +10110,16 @@
             <a:spcAft>
               <a:spcPct val="35000"/>
             </a:spcAft>
-            <a:buNone/>
           </a:pPr>
           <a:r>
-            <a:rPr lang="zh-CN" altLang="en-US" sz="4000" kern="1200" dirty="0"/>
+            <a:rPr lang="zh-CN" altLang="en-US" sz="2800" kern="1200" dirty="0"/>
             <a:t>远程数据交互</a:t>
           </a:r>
         </a:p>
       </dsp:txBody>
       <dsp:txXfrm>
-        <a:off x="2441071" y="43204"/>
-        <a:ext cx="2847916" cy="2319017"/>
+        <a:off x="2570685" y="237626"/>
+        <a:ext cx="2999133" cy="1542414"/>
       </dsp:txXfrm>
     </dsp:sp>
     <dsp:sp modelId="{5909D035-F6E2-4096-A89D-38EA1C02A33E}">
@@ -9534,8 +10129,8 @@
       </dsp:nvSpPr>
       <dsp:spPr>
         <a:xfrm>
-          <a:off x="1281562" y="2362222"/>
-          <a:ext cx="2319017" cy="2319017"/>
+          <a:off x="899741" y="1780041"/>
+          <a:ext cx="3341887" cy="3341887"/>
         </a:xfrm>
         <a:prstGeom prst="pie">
           <a:avLst>
@@ -9586,8 +10181,8 @@
       </dsp:nvSpPr>
       <dsp:spPr>
         <a:xfrm>
-          <a:off x="2441071" y="2362222"/>
-          <a:ext cx="5695832" cy="2319017"/>
+          <a:off x="2570685" y="1780041"/>
+          <a:ext cx="5998266" cy="3341887"/>
         </a:xfrm>
         <a:prstGeom prst="rect">
           <a:avLst/>
@@ -9627,12 +10222,12 @@
         <a:fontRef idx="minor"/>
       </dsp:style>
       <dsp:txBody>
-        <a:bodyPr spcFirstLastPara="0" vert="horz" wrap="square" lIns="152400" tIns="152400" rIns="152400" bIns="152400" numCol="1" spcCol="1270" anchor="ctr" anchorCtr="0">
+        <a:bodyPr spcFirstLastPara="0" vert="horz" wrap="square" lIns="106680" tIns="106680" rIns="106680" bIns="106680" numCol="1" spcCol="1270" anchor="ctr" anchorCtr="0">
           <a:noAutofit/>
         </a:bodyPr>
         <a:lstStyle/>
         <a:p>
-          <a:pPr marL="0" lvl="0" indent="0" algn="ctr" defTabSz="1778000">
+          <a:pPr lvl="0" algn="ctr" defTabSz="1244600">
             <a:lnSpc>
               <a:spcPct val="90000"/>
             </a:lnSpc>
@@ -9642,17 +10237,152 @@
             <a:spcAft>
               <a:spcPct val="35000"/>
             </a:spcAft>
-            <a:buNone/>
           </a:pPr>
           <a:r>
-            <a:rPr lang="zh-CN" altLang="en-US" sz="4000" kern="1200" dirty="0"/>
+            <a:rPr lang="zh-CN" altLang="en-US" sz="2800" kern="1200" dirty="0"/>
             <a:t>本地数据存储</a:t>
           </a:r>
         </a:p>
       </dsp:txBody>
       <dsp:txXfrm>
-        <a:off x="2441071" y="2362222"/>
-        <a:ext cx="2847916" cy="2319017"/>
+        <a:off x="2570685" y="1780041"/>
+        <a:ext cx="2999133" cy="1542409"/>
+      </dsp:txXfrm>
+    </dsp:sp>
+    <dsp:sp modelId="{9185EEA4-F624-4FB6-8D3C-7E10D0ED8CC8}">
+      <dsp:nvSpPr>
+        <dsp:cNvPr id="0" name=""/>
+        <dsp:cNvSpPr/>
+      </dsp:nvSpPr>
+      <dsp:spPr>
+        <a:xfrm>
+          <a:off x="1799480" y="3322450"/>
+          <a:ext cx="1542409" cy="1542409"/>
+        </a:xfrm>
+        <a:prstGeom prst="pie">
+          <a:avLst>
+            <a:gd name="adj1" fmla="val 5400000"/>
+            <a:gd name="adj2" fmla="val 16200000"/>
+          </a:avLst>
+        </a:prstGeom>
+        <a:solidFill>
+          <a:schemeClr val="accent1">
+            <a:hueOff val="0"/>
+            <a:satOff val="0"/>
+            <a:lumOff val="0"/>
+            <a:alphaOff val="0"/>
+          </a:schemeClr>
+        </a:solidFill>
+        <a:ln w="12700" cap="flat" cmpd="sng" algn="ctr">
+          <a:solidFill>
+            <a:schemeClr val="lt1">
+              <a:hueOff val="0"/>
+              <a:satOff val="0"/>
+              <a:lumOff val="0"/>
+              <a:alphaOff val="0"/>
+            </a:schemeClr>
+          </a:solidFill>
+          <a:prstDash val="solid"/>
+        </a:ln>
+        <a:effectLst/>
+      </dsp:spPr>
+      <dsp:style>
+        <a:lnRef idx="2">
+          <a:scrgbClr r="0" g="0" b="0"/>
+        </a:lnRef>
+        <a:fillRef idx="1">
+          <a:scrgbClr r="0" g="0" b="0"/>
+        </a:fillRef>
+        <a:effectRef idx="0">
+          <a:scrgbClr r="0" g="0" b="0"/>
+        </a:effectRef>
+        <a:fontRef idx="minor">
+          <a:schemeClr val="lt1"/>
+        </a:fontRef>
+      </dsp:style>
+    </dsp:sp>
+    <dsp:sp modelId="{1A8B2A6F-5643-4E8A-98B8-83807E12816F}">
+      <dsp:nvSpPr>
+        <dsp:cNvPr id="0" name=""/>
+        <dsp:cNvSpPr/>
+      </dsp:nvSpPr>
+      <dsp:spPr>
+        <a:xfrm>
+          <a:off x="2570685" y="3322450"/>
+          <a:ext cx="5998266" cy="1542409"/>
+        </a:xfrm>
+        <a:prstGeom prst="rect">
+          <a:avLst/>
+        </a:prstGeom>
+        <a:solidFill>
+          <a:schemeClr val="lt1">
+            <a:alpha val="90000"/>
+            <a:hueOff val="0"/>
+            <a:satOff val="0"/>
+            <a:lumOff val="0"/>
+            <a:alphaOff val="0"/>
+          </a:schemeClr>
+        </a:solidFill>
+        <a:ln w="12700" cap="flat" cmpd="sng" algn="ctr">
+          <a:solidFill>
+            <a:schemeClr val="accent1">
+              <a:hueOff val="0"/>
+              <a:satOff val="0"/>
+              <a:lumOff val="0"/>
+              <a:alphaOff val="0"/>
+            </a:schemeClr>
+          </a:solidFill>
+          <a:prstDash val="solid"/>
+        </a:ln>
+        <a:effectLst/>
+      </dsp:spPr>
+      <dsp:style>
+        <a:lnRef idx="2">
+          <a:scrgbClr r="0" g="0" b="0"/>
+        </a:lnRef>
+        <a:fillRef idx="1">
+          <a:scrgbClr r="0" g="0" b="0"/>
+        </a:fillRef>
+        <a:effectRef idx="0">
+          <a:scrgbClr r="0" g="0" b="0"/>
+        </a:effectRef>
+        <a:fontRef idx="minor"/>
+      </dsp:style>
+      <dsp:txBody>
+        <a:bodyPr spcFirstLastPara="0" vert="horz" wrap="square" lIns="106680" tIns="106680" rIns="106680" bIns="106680" numCol="1" spcCol="1270" anchor="ctr" anchorCtr="0">
+          <a:noAutofit/>
+        </a:bodyPr>
+        <a:lstStyle/>
+        <a:p>
+          <a:pPr lvl="0" algn="ctr" defTabSz="1244600">
+            <a:lnSpc>
+              <a:spcPct val="90000"/>
+            </a:lnSpc>
+            <a:spcBef>
+              <a:spcPct val="0"/>
+            </a:spcBef>
+            <a:spcAft>
+              <a:spcPct val="35000"/>
+            </a:spcAft>
+          </a:pPr>
+          <a:r>
+            <a:rPr lang="zh-CN" altLang="en-US" sz="2800" b="1" kern="1200" dirty="0" smtClean="0">
+              <a:solidFill>
+                <a:srgbClr val="FF0000"/>
+              </a:solidFill>
+            </a:rPr>
+            <a:t>自动生成</a:t>
+          </a:r>
+          <a:r>
+            <a:rPr lang="zh-CN" altLang="en-US" sz="2800" kern="1200" dirty="0" smtClean="0"/>
+            <a:t>业务模型的相关代码</a:t>
+          </a:r>
+          <a:endParaRPr lang="zh-CN" altLang="en-US" sz="2800" kern="1200" dirty="0"/>
+        </a:p>
+      </dsp:txBody>
+      <dsp:txXfrm>
+        <a:off x="2570685" y="3322450"/>
+        <a:ext cx="2999133" cy="1542409"/>
       </dsp:txXfrm>
     </dsp:sp>
     <dsp:sp modelId="{23640AAC-B749-4ADC-A4AA-9A59DE889370}">
@@ -9662,8 +10392,8 @@
       </dsp:nvSpPr>
       <dsp:spPr>
         <a:xfrm>
-          <a:off x="5288987" y="43204"/>
-          <a:ext cx="2847916" cy="2319017"/>
+          <a:off x="5569818" y="237626"/>
+          <a:ext cx="2999133" cy="1542414"/>
         </a:xfrm>
         <a:prstGeom prst="rect">
           <a:avLst/>
@@ -9689,12 +10419,12 @@
         <a:fontRef idx="minor"/>
       </dsp:style>
       <dsp:txBody>
-        <a:bodyPr spcFirstLastPara="0" vert="horz" wrap="square" lIns="57150" tIns="57150" rIns="57150" bIns="57150" numCol="1" spcCol="1270" anchor="ctr" anchorCtr="0">
+        <a:bodyPr spcFirstLastPara="0" vert="horz" wrap="square" lIns="45720" tIns="45720" rIns="45720" bIns="45720" numCol="1" spcCol="1270" anchor="ctr" anchorCtr="0">
           <a:noAutofit/>
         </a:bodyPr>
         <a:lstStyle/>
         <a:p>
-          <a:pPr marL="114300" lvl="1" indent="-114300" algn="l" defTabSz="666750">
+          <a:pPr marL="114300" lvl="1" indent="-114300" algn="l" defTabSz="533400">
             <a:lnSpc>
               <a:spcPct val="90000"/>
             </a:lnSpc>
@@ -9704,23 +10434,23 @@
             <a:spcAft>
               <a:spcPct val="15000"/>
             </a:spcAft>
-            <a:buChar char="•"/>
+            <a:buChar char="••"/>
           </a:pPr>
           <a:r>
-            <a:rPr lang="zh-CN" altLang="en-US" sz="1500" kern="1200" dirty="0"/>
+            <a:rPr lang="zh-CN" altLang="en-US" sz="1200" kern="1200" dirty="0"/>
             <a:t>远程数据获取（</a:t>
           </a:r>
           <a:r>
-            <a:rPr lang="en-US" altLang="zh-CN" sz="1500" kern="1200" dirty="0"/>
+            <a:rPr lang="en-US" altLang="zh-CN" sz="1200" kern="1200" dirty="0"/>
             <a:t>SOAP</a:t>
           </a:r>
           <a:r>
-            <a:rPr lang="zh-CN" altLang="en-US" sz="1500" kern="1200" dirty="0"/>
+            <a:rPr lang="zh-CN" altLang="en-US" sz="1200" kern="1200" dirty="0"/>
             <a:t>）</a:t>
           </a:r>
         </a:p>
         <a:p>
-          <a:pPr marL="114300" lvl="1" indent="-114300" algn="l" defTabSz="666750">
+          <a:pPr marL="114300" lvl="1" indent="-114300" algn="l" defTabSz="533400">
             <a:lnSpc>
               <a:spcPct val="90000"/>
             </a:lnSpc>
@@ -9730,15 +10460,20 @@
             <a:spcAft>
               <a:spcPct val="15000"/>
             </a:spcAft>
-            <a:buChar char="•"/>
+            <a:buChar char="••"/>
           </a:pPr>
           <a:r>
-            <a:rPr lang="zh-CN" altLang="en-US" sz="1500" kern="1200" dirty="0"/>
-            <a:t>解析远程数据</a:t>
+            <a:rPr lang="zh-CN" altLang="en-US" sz="1200" kern="1200" dirty="0"/>
+            <a:t>解析远程</a:t>
           </a:r>
+          <a:r>
+            <a:rPr lang="zh-CN" altLang="en-US" sz="1200" kern="1200" dirty="0" smtClean="0"/>
+            <a:t>数据</a:t>
+          </a:r>
+          <a:endParaRPr lang="zh-CN" altLang="en-US" sz="1200" kern="1200" dirty="0"/>
         </a:p>
         <a:p>
-          <a:pPr marL="114300" lvl="1" indent="-114300" algn="l" defTabSz="666750">
+          <a:pPr marL="114300" lvl="1" indent="-114300" algn="l" defTabSz="533400">
             <a:lnSpc>
               <a:spcPct val="90000"/>
             </a:lnSpc>
@@ -9748,15 +10483,16 @@
             <a:spcAft>
               <a:spcPct val="15000"/>
             </a:spcAft>
-            <a:buChar char="•"/>
+            <a:buChar char="••"/>
           </a:pPr>
           <a:r>
-            <a:rPr lang="zh-CN" altLang="en-US" sz="1500" kern="1200" dirty="0"/>
-            <a:t>异步同步</a:t>
+            <a:rPr lang="en-US" altLang="en-US" sz="1200" kern="1200" dirty="0"/>
+            <a:t>WIFI</a:t>
           </a:r>
+          <a:endParaRPr lang="zh-CN" altLang="en-US" sz="1200" kern="1200" dirty="0"/>
         </a:p>
         <a:p>
-          <a:pPr marL="114300" lvl="1" indent="-114300" algn="l" defTabSz="666750">
+          <a:pPr marL="114300" lvl="1" indent="-114300" algn="l" defTabSz="533400">
             <a:lnSpc>
               <a:spcPct val="90000"/>
             </a:lnSpc>
@@ -9766,16 +10502,20 @@
             <a:spcAft>
               <a:spcPct val="15000"/>
             </a:spcAft>
-            <a:buChar char="•"/>
+            <a:buChar char="••"/>
           </a:pPr>
           <a:r>
-            <a:rPr lang="en-US" altLang="en-US" sz="1500" kern="1200" dirty="0"/>
-            <a:t>WIFI</a:t>
+            <a:rPr lang="zh-CN" altLang="en-US" sz="1200" kern="1200" dirty="0"/>
+            <a:t>只</a:t>
           </a:r>
-          <a:endParaRPr lang="zh-CN" altLang="en-US" sz="1500" kern="1200" dirty="0"/>
+          <a:r>
+            <a:rPr lang="zh-CN" altLang="en-US" sz="1200" kern="1200" dirty="0" smtClean="0"/>
+            <a:t>获取更新数据</a:t>
+          </a:r>
+          <a:endParaRPr lang="zh-CN" altLang="en-US" sz="1200" kern="1200" dirty="0"/>
         </a:p>
         <a:p>
-          <a:pPr marL="114300" lvl="1" indent="-114300" algn="l" defTabSz="666750">
+          <a:pPr marL="114300" lvl="1" indent="-114300" algn="l" defTabSz="533400">
             <a:lnSpc>
               <a:spcPct val="90000"/>
             </a:lnSpc>
@@ -9785,15 +10525,15 @@
             <a:spcAft>
               <a:spcPct val="15000"/>
             </a:spcAft>
-            <a:buChar char="•"/>
+            <a:buChar char="••"/>
           </a:pPr>
           <a:r>
-            <a:rPr lang="zh-CN" altLang="en-US" sz="1500" kern="1200" dirty="0"/>
-            <a:t>只获取有更新数据</a:t>
+            <a:rPr lang="zh-CN" altLang="en-US" sz="1200" kern="1200" dirty="0"/>
+            <a:t>定时器</a:t>
           </a:r>
         </a:p>
         <a:p>
-          <a:pPr marL="114300" lvl="1" indent="-114300" algn="l" defTabSz="666750">
+          <a:pPr marL="114300" lvl="1" indent="-114300" algn="l" defTabSz="533400">
             <a:lnSpc>
               <a:spcPct val="90000"/>
             </a:lnSpc>
@@ -9803,53 +10543,17 @@
             <a:spcAft>
               <a:spcPct val="15000"/>
             </a:spcAft>
-            <a:buChar char="•"/>
+            <a:buChar char="••"/>
           </a:pPr>
           <a:r>
-            <a:rPr lang="zh-CN" altLang="en-US" sz="1500" kern="1200" dirty="0"/>
-            <a:t>数据安全</a:t>
-          </a:r>
-        </a:p>
-        <a:p>
-          <a:pPr marL="114300" lvl="1" indent="-114300" algn="l" defTabSz="666750">
-            <a:lnSpc>
-              <a:spcPct val="90000"/>
-            </a:lnSpc>
-            <a:spcBef>
-              <a:spcPct val="0"/>
-            </a:spcBef>
-            <a:spcAft>
-              <a:spcPct val="15000"/>
-            </a:spcAft>
-            <a:buChar char="•"/>
-          </a:pPr>
-          <a:r>
-            <a:rPr lang="zh-CN" altLang="en-US" sz="1500" kern="1200" dirty="0"/>
-            <a:t>定时器</a:t>
-          </a:r>
-        </a:p>
-        <a:p>
-          <a:pPr marL="114300" lvl="1" indent="-114300" algn="l" defTabSz="666750">
-            <a:lnSpc>
-              <a:spcPct val="90000"/>
-            </a:lnSpc>
-            <a:spcBef>
-              <a:spcPct val="0"/>
-            </a:spcBef>
-            <a:spcAft>
-              <a:spcPct val="15000"/>
-            </a:spcAft>
-            <a:buChar char="•"/>
-          </a:pPr>
-          <a:r>
-            <a:rPr lang="zh-CN" altLang="en-US" sz="1500" kern="1200" dirty="0"/>
+            <a:rPr lang="zh-CN" altLang="en-US" sz="1200" kern="1200" dirty="0"/>
             <a:t>流量控制</a:t>
           </a:r>
         </a:p>
       </dsp:txBody>
       <dsp:txXfrm>
-        <a:off x="5288987" y="43204"/>
-        <a:ext cx="2847916" cy="2319017"/>
+        <a:off x="5569818" y="237626"/>
+        <a:ext cx="2999133" cy="1542414"/>
       </dsp:txXfrm>
     </dsp:sp>
     <dsp:sp modelId="{550A9515-DB73-4908-9A85-1A2920082CAA}">
@@ -9859,8 +10563,8 @@
       </dsp:nvSpPr>
       <dsp:spPr>
         <a:xfrm>
-          <a:off x="5288987" y="2362222"/>
-          <a:ext cx="2847916" cy="2319017"/>
+          <a:off x="5569818" y="1780041"/>
+          <a:ext cx="2999133" cy="1542409"/>
         </a:xfrm>
         <a:prstGeom prst="rect">
           <a:avLst/>
@@ -9886,12 +10590,12 @@
         <a:fontRef idx="minor"/>
       </dsp:style>
       <dsp:txBody>
-        <a:bodyPr spcFirstLastPara="0" vert="horz" wrap="square" lIns="57150" tIns="57150" rIns="57150" bIns="57150" numCol="1" spcCol="1270" anchor="ctr" anchorCtr="0">
+        <a:bodyPr spcFirstLastPara="0" vert="horz" wrap="square" lIns="45720" tIns="45720" rIns="45720" bIns="45720" numCol="1" spcCol="1270" anchor="ctr" anchorCtr="0">
           <a:noAutofit/>
         </a:bodyPr>
         <a:lstStyle/>
         <a:p>
-          <a:pPr marL="114300" lvl="1" indent="-114300" algn="l" defTabSz="666750">
+          <a:pPr marL="114300" lvl="1" indent="-114300" algn="l" defTabSz="533400">
             <a:lnSpc>
               <a:spcPct val="90000"/>
             </a:lnSpc>
@@ -9901,15 +10605,15 @@
             <a:spcAft>
               <a:spcPct val="15000"/>
             </a:spcAft>
-            <a:buChar char="•"/>
+            <a:buChar char="••"/>
           </a:pPr>
           <a:r>
-            <a:rPr lang="zh-CN" altLang="en-US" sz="1500" kern="1200" dirty="0"/>
+            <a:rPr lang="zh-CN" altLang="en-US" sz="1200" kern="1200" dirty="0"/>
             <a:t>数据库读写</a:t>
           </a:r>
         </a:p>
         <a:p>
-          <a:pPr marL="114300" lvl="1" indent="-114300" algn="l" defTabSz="666750">
+          <a:pPr marL="114300" lvl="1" indent="-114300" algn="l" defTabSz="533400">
             <a:lnSpc>
               <a:spcPct val="90000"/>
             </a:lnSpc>
@@ -9919,19 +10623,19 @@
             <a:spcAft>
               <a:spcPct val="15000"/>
             </a:spcAft>
-            <a:buChar char="•"/>
+            <a:buChar char="••"/>
           </a:pPr>
           <a:r>
-            <a:rPr lang="en-US" altLang="en-US" sz="1500" kern="1200" dirty="0"/>
+            <a:rPr lang="en-US" altLang="en-US" sz="1200" kern="1200" dirty="0"/>
             <a:t>SQL</a:t>
           </a:r>
           <a:r>
-            <a:rPr lang="zh-CN" altLang="en-US" sz="1500" kern="1200" dirty="0"/>
+            <a:rPr lang="zh-CN" altLang="en-US" sz="1200" kern="1200" dirty="0"/>
             <a:t>增删查改编码</a:t>
           </a:r>
         </a:p>
         <a:p>
-          <a:pPr marL="114300" lvl="1" indent="-114300" algn="l" defTabSz="666750">
+          <a:pPr marL="114300" lvl="1" indent="-114300" algn="l" defTabSz="533400">
             <a:lnSpc>
               <a:spcPct val="90000"/>
             </a:lnSpc>
@@ -9941,15 +10645,15 @@
             <a:spcAft>
               <a:spcPct val="15000"/>
             </a:spcAft>
-            <a:buChar char="•"/>
+            <a:buChar char="••"/>
           </a:pPr>
           <a:r>
-            <a:rPr lang="zh-CN" altLang="en-US" sz="1500" kern="1200" dirty="0"/>
+            <a:rPr lang="zh-CN" altLang="en-US" sz="1200" kern="1200" dirty="0"/>
             <a:t>离线数据读取</a:t>
           </a:r>
         </a:p>
         <a:p>
-          <a:pPr marL="114300" lvl="1" indent="-114300" algn="l" defTabSz="666750">
+          <a:pPr marL="114300" lvl="1" indent="-114300" algn="l" defTabSz="533400">
             <a:lnSpc>
               <a:spcPct val="90000"/>
             </a:lnSpc>
@@ -9959,15 +10663,15 @@
             <a:spcAft>
               <a:spcPct val="15000"/>
             </a:spcAft>
-            <a:buChar char="•"/>
+            <a:buChar char="••"/>
           </a:pPr>
           <a:r>
-            <a:rPr lang="zh-CN" altLang="en-US" sz="1500" kern="1200" dirty="0"/>
+            <a:rPr lang="zh-CN" altLang="en-US" sz="1200" kern="1200" dirty="0"/>
             <a:t>数据对象编码</a:t>
           </a:r>
         </a:p>
         <a:p>
-          <a:pPr marL="114300" lvl="1" indent="-114300" algn="l" defTabSz="666750">
+          <a:pPr marL="114300" lvl="1" indent="-114300" algn="l" defTabSz="533400">
             <a:lnSpc>
               <a:spcPct val="90000"/>
             </a:lnSpc>
@@ -9977,18 +10681,175 @@
             <a:spcAft>
               <a:spcPct val="15000"/>
             </a:spcAft>
-            <a:buChar char="•"/>
+            <a:buChar char="••"/>
           </a:pPr>
           <a:r>
-            <a:rPr lang="zh-CN" altLang="en-US" sz="1500" kern="1200"/>
+            <a:rPr lang="zh-CN" altLang="en-US" sz="1200" kern="1200" dirty="0"/>
             <a:t>数据分页读取</a:t>
           </a:r>
-          <a:endParaRPr lang="zh-CN" altLang="en-US" sz="1500" kern="1200" dirty="0"/>
         </a:p>
       </dsp:txBody>
       <dsp:txXfrm>
-        <a:off x="5288987" y="2362222"/>
-        <a:ext cx="2847916" cy="2319017"/>
+        <a:off x="5569818" y="1780041"/>
+        <a:ext cx="2999133" cy="1542409"/>
+      </dsp:txXfrm>
+    </dsp:sp>
+    <dsp:sp modelId="{5E822B20-D3E7-4174-A5EC-4B1180554759}">
+      <dsp:nvSpPr>
+        <dsp:cNvPr id="0" name=""/>
+        <dsp:cNvSpPr/>
+      </dsp:nvSpPr>
+      <dsp:spPr>
+        <a:xfrm>
+          <a:off x="5569818" y="3322450"/>
+          <a:ext cx="2999133" cy="1542409"/>
+        </a:xfrm>
+        <a:prstGeom prst="rect">
+          <a:avLst/>
+        </a:prstGeom>
+        <a:noFill/>
+        <a:ln w="12700" cap="flat" cmpd="sng" algn="ctr">
+          <a:noFill/>
+          <a:prstDash val="solid"/>
+        </a:ln>
+        <a:effectLst/>
+        <a:sp3d/>
+      </dsp:spPr>
+      <dsp:style>
+        <a:lnRef idx="2">
+          <a:scrgbClr r="0" g="0" b="0"/>
+        </a:lnRef>
+        <a:fillRef idx="1">
+          <a:scrgbClr r="0" g="0" b="0"/>
+        </a:fillRef>
+        <a:effectRef idx="0">
+          <a:scrgbClr r="0" g="0" b="0"/>
+        </a:effectRef>
+        <a:fontRef idx="minor"/>
+      </dsp:style>
+      <dsp:txBody>
+        <a:bodyPr spcFirstLastPara="0" vert="horz" wrap="square" lIns="45720" tIns="45720" rIns="45720" bIns="45720" numCol="1" spcCol="1270" anchor="ctr" anchorCtr="0">
+          <a:noAutofit/>
+        </a:bodyPr>
+        <a:lstStyle/>
+        <a:p>
+          <a:pPr marL="114300" lvl="1" indent="-114300" algn="l" defTabSz="533400">
+            <a:lnSpc>
+              <a:spcPct val="90000"/>
+            </a:lnSpc>
+            <a:spcBef>
+              <a:spcPct val="0"/>
+            </a:spcBef>
+            <a:spcAft>
+              <a:spcPct val="15000"/>
+            </a:spcAft>
+            <a:buChar char="••"/>
+          </a:pPr>
+          <a:r>
+            <a:rPr lang="zh-CN" altLang="en-US" sz="1200" kern="1200" dirty="0" smtClean="0"/>
+            <a:t>调用各个远程数据服务接口</a:t>
+          </a:r>
+          <a:endParaRPr lang="zh-CN" altLang="en-US" sz="1200" kern="1200" dirty="0"/>
+        </a:p>
+        <a:p>
+          <a:pPr marL="114300" lvl="1" indent="-114300" algn="l" defTabSz="533400">
+            <a:lnSpc>
+              <a:spcPct val="90000"/>
+            </a:lnSpc>
+            <a:spcBef>
+              <a:spcPct val="0"/>
+            </a:spcBef>
+            <a:spcAft>
+              <a:spcPct val="15000"/>
+            </a:spcAft>
+            <a:buChar char="••"/>
+          </a:pPr>
+          <a:r>
+            <a:rPr lang="zh-CN" altLang="en-US" sz="1200" kern="1200" dirty="0" smtClean="0"/>
+            <a:t>数据对象字段的创建</a:t>
+          </a:r>
+          <a:endParaRPr lang="zh-CN" altLang="en-US" sz="1200" kern="1200" dirty="0"/>
+        </a:p>
+        <a:p>
+          <a:pPr marL="114300" lvl="1" indent="-114300" algn="l" defTabSz="533400">
+            <a:lnSpc>
+              <a:spcPct val="90000"/>
+            </a:lnSpc>
+            <a:spcBef>
+              <a:spcPct val="0"/>
+            </a:spcBef>
+            <a:spcAft>
+              <a:spcPct val="15000"/>
+            </a:spcAft>
+            <a:buChar char="••"/>
+          </a:pPr>
+          <a:r>
+            <a:rPr lang="zh-CN" altLang="en-US" sz="1200" kern="1200" dirty="0" smtClean="0"/>
+            <a:t>数据对象解析数据代码（远程数据和游标）</a:t>
+          </a:r>
+          <a:endParaRPr lang="zh-CN" altLang="en-US" sz="1200" kern="1200" dirty="0"/>
+        </a:p>
+        <a:p>
+          <a:pPr marL="114300" lvl="1" indent="-114300" algn="l" defTabSz="533400">
+            <a:lnSpc>
+              <a:spcPct val="90000"/>
+            </a:lnSpc>
+            <a:spcBef>
+              <a:spcPct val="0"/>
+            </a:spcBef>
+            <a:spcAft>
+              <a:spcPct val="15000"/>
+            </a:spcAft>
+            <a:buChar char="••"/>
+          </a:pPr>
+          <a:r>
+            <a:rPr lang="zh-CN" altLang="en-US" sz="1200" kern="1200" dirty="0" smtClean="0"/>
+            <a:t>数据库表生成</a:t>
+          </a:r>
+          <a:endParaRPr lang="zh-CN" altLang="en-US" sz="1200" kern="1200" dirty="0"/>
+        </a:p>
+        <a:p>
+          <a:pPr marL="114300" lvl="1" indent="-114300" algn="l" defTabSz="533400">
+            <a:lnSpc>
+              <a:spcPct val="90000"/>
+            </a:lnSpc>
+            <a:spcBef>
+              <a:spcPct val="0"/>
+            </a:spcBef>
+            <a:spcAft>
+              <a:spcPct val="15000"/>
+            </a:spcAft>
+            <a:buChar char="••"/>
+          </a:pPr>
+          <a:r>
+            <a:rPr lang="zh-CN" altLang="en-US" sz="1200" kern="1200" dirty="0" smtClean="0"/>
+            <a:t>数据库表插入语句</a:t>
+          </a:r>
+          <a:endParaRPr lang="zh-CN" altLang="en-US" sz="1200" kern="1200" dirty="0"/>
+        </a:p>
+        <a:p>
+          <a:pPr marL="114300" lvl="1" indent="-114300" algn="l" defTabSz="533400">
+            <a:lnSpc>
+              <a:spcPct val="90000"/>
+            </a:lnSpc>
+            <a:spcBef>
+              <a:spcPct val="0"/>
+            </a:spcBef>
+            <a:spcAft>
+              <a:spcPct val="15000"/>
+            </a:spcAft>
+            <a:buChar char="••"/>
+          </a:pPr>
+          <a:r>
+            <a:rPr lang="zh-CN" altLang="en-US" sz="1200" kern="1200" dirty="0" smtClean="0"/>
+            <a:t>数据库表更新语句</a:t>
+          </a:r>
+          <a:endParaRPr lang="zh-CN" altLang="en-US" sz="1200" kern="1200" dirty="0"/>
+        </a:p>
+      </dsp:txBody>
+      <dsp:txXfrm>
+        <a:off x="5569818" y="3322450"/>
+        <a:ext cx="2999133" cy="1542409"/>
       </dsp:txXfrm>
     </dsp:sp>
   </dsp:spTree>
@@ -21068,7 +21929,7 @@
             <a:fld id="{530820CF-B880-4189-942D-D702A7CBA730}" type="datetimeFigureOut">
               <a:rPr lang="zh-CN" altLang="en-US" smtClean="0"/>
               <a:pPr/>
-              <a:t>2016/11/10</a:t>
+              <a:t>2016/11/13</a:t>
             </a:fld>
             <a:endParaRPr lang="zh-CN" altLang="en-US"/>
           </a:p>
@@ -21423,7 +22284,7 @@
             <a:fld id="{530820CF-B880-4189-942D-D702A7CBA730}" type="datetimeFigureOut">
               <a:rPr lang="zh-CN" altLang="en-US" smtClean="0"/>
               <a:pPr/>
-              <a:t>2016/11/10</a:t>
+              <a:t>2016/11/13</a:t>
             </a:fld>
             <a:endParaRPr lang="zh-CN" altLang="en-US"/>
           </a:p>
@@ -21600,7 +22461,7 @@
             <a:fld id="{530820CF-B880-4189-942D-D702A7CBA730}" type="datetimeFigureOut">
               <a:rPr lang="zh-CN" altLang="en-US" smtClean="0"/>
               <a:pPr/>
-              <a:t>2016/11/10</a:t>
+              <a:t>2016/11/13</a:t>
             </a:fld>
             <a:endParaRPr lang="zh-CN" altLang="en-US"/>
           </a:p>
@@ -21715,7 +22576,7 @@
             <a:fld id="{530820CF-B880-4189-942D-D702A7CBA730}" type="datetimeFigureOut">
               <a:rPr lang="zh-CN" altLang="en-US" smtClean="0"/>
               <a:pPr/>
-              <a:t>2016/11/10</a:t>
+              <a:t>2016/11/13</a:t>
             </a:fld>
             <a:endParaRPr lang="zh-CN" altLang="en-US"/>
           </a:p>
@@ -22075,7 +22936,7 @@
             <a:fld id="{530820CF-B880-4189-942D-D702A7CBA730}" type="datetimeFigureOut">
               <a:rPr lang="zh-CN" altLang="en-US" smtClean="0"/>
               <a:pPr/>
-              <a:t>2016/11/10</a:t>
+              <a:t>2016/11/13</a:t>
             </a:fld>
             <a:endParaRPr lang="zh-CN" altLang="en-US"/>
           </a:p>
@@ -22342,7 +23203,7 @@
             <a:fld id="{530820CF-B880-4189-942D-D702A7CBA730}" type="datetimeFigureOut">
               <a:rPr lang="zh-CN" altLang="en-US" smtClean="0"/>
               <a:pPr/>
-              <a:t>2016/11/10</a:t>
+              <a:t>2016/11/13</a:t>
             </a:fld>
             <a:endParaRPr lang="zh-CN" altLang="en-US"/>
           </a:p>
@@ -22706,7 +23567,7 @@
             <a:fld id="{530820CF-B880-4189-942D-D702A7CBA730}" type="datetimeFigureOut">
               <a:rPr lang="zh-CN" altLang="en-US" smtClean="0"/>
               <a:pPr/>
-              <a:t>2016/11/10</a:t>
+              <a:t>2016/11/13</a:t>
             </a:fld>
             <a:endParaRPr lang="zh-CN" altLang="en-US"/>
           </a:p>
@@ -22935,7 +23796,7 @@
             <a:fld id="{530820CF-B880-4189-942D-D702A7CBA730}" type="datetimeFigureOut">
               <a:rPr lang="zh-CN" altLang="en-US" smtClean="0"/>
               <a:pPr/>
-              <a:t>2016/11/10</a:t>
+              <a:t>2016/11/13</a:t>
             </a:fld>
             <a:endParaRPr lang="zh-CN" altLang="en-US"/>
           </a:p>
@@ -23027,7 +23888,7 @@
             <a:fld id="{530820CF-B880-4189-942D-D702A7CBA730}" type="datetimeFigureOut">
               <a:rPr lang="zh-CN" altLang="en-US" smtClean="0"/>
               <a:pPr/>
-              <a:t>2016/11/10</a:t>
+              <a:t>2016/11/13</a:t>
             </a:fld>
             <a:endParaRPr lang="zh-CN" altLang="en-US"/>
           </a:p>
@@ -23296,7 +24157,7 @@
             <a:fld id="{530820CF-B880-4189-942D-D702A7CBA730}" type="datetimeFigureOut">
               <a:rPr lang="zh-CN" altLang="en-US" smtClean="0"/>
               <a:pPr/>
-              <a:t>2016/11/10</a:t>
+              <a:t>2016/11/13</a:t>
             </a:fld>
             <a:endParaRPr lang="zh-CN" altLang="en-US"/>
           </a:p>
@@ -23526,7 +24387,7 @@
             <a:fld id="{530820CF-B880-4189-942D-D702A7CBA730}" type="datetimeFigureOut">
               <a:rPr lang="zh-CN" altLang="en-US" smtClean="0"/>
               <a:pPr/>
-              <a:t>2016/11/10</a:t>
+              <a:t>2016/11/13</a:t>
             </a:fld>
             <a:endParaRPr lang="zh-CN" altLang="en-US"/>
           </a:p>
@@ -24027,7 +24888,7 @@
             <a:fld id="{530820CF-B880-4189-942D-D702A7CBA730}" type="datetimeFigureOut">
               <a:rPr lang="zh-CN" altLang="en-US" smtClean="0"/>
               <a:pPr/>
-              <a:t>2016/11/10</a:t>
+              <a:t>2016/11/13</a:t>
             </a:fld>
             <a:endParaRPr lang="zh-CN" altLang="en-US"/>
           </a:p>
@@ -24811,59 +25672,9 @@
         </p:xfrm>
         <a:graphic>
           <a:graphicData uri="http://schemas.openxmlformats.org/presentationml/2006/ole">
-            <mc:AlternateContent xmlns:mc="http://schemas.openxmlformats.org/markup-compatibility/2006">
-              <mc:Choice xmlns:v="urn:schemas-microsoft-com:vml" Requires="v">
-                <p:oleObj spid="_x0000_s36870" name="Visio" r:id="rId3" imgW="4858728" imgH="2788557" progId="Visio.Drawing.11">
-                  <p:embed/>
-                </p:oleObj>
-              </mc:Choice>
-              <mc:Fallback>
-                <p:oleObj name="Visio" r:id="rId3" imgW="4858728" imgH="2788557" progId="Visio.Drawing.11">
-                  <p:embed/>
-                  <p:pic>
-                    <p:nvPicPr>
-                      <p:cNvPr id="0" name="Picture 3"/>
-                      <p:cNvPicPr>
-                        <a:picLocks noChangeAspect="1" noChangeArrowheads="1"/>
-                      </p:cNvPicPr>
-                      <p:nvPr/>
-                    </p:nvPicPr>
-                    <p:blipFill>
-                      <a:blip r:embed="rId4">
-                        <a:extLst>
-                          <a:ext uri="{28A0092B-C50C-407E-A947-70E740481C1C}">
-                            <a14:useLocalDpi xmlns:a14="http://schemas.microsoft.com/office/drawing/2010/main" val="0"/>
-                          </a:ext>
-                        </a:extLst>
-                      </a:blip>
-                      <a:srcRect/>
-                      <a:stretch>
-                        <a:fillRect/>
-                      </a:stretch>
-                    </p:blipFill>
-                    <p:spPr bwMode="auto">
-                      <a:xfrm>
-                        <a:off x="395536" y="1412776"/>
-                        <a:ext cx="8522995" cy="4896544"/>
-                      </a:xfrm>
-                      <a:prstGeom prst="rect">
-                        <a:avLst/>
-                      </a:prstGeom>
-                      <a:noFill/>
-                      <a:extLst>
-                        <a:ext uri="{909E8E84-426E-40DD-AFC4-6F175D3DCCD1}">
-                          <a14:hiddenFill xmlns:a14="http://schemas.microsoft.com/office/drawing/2010/main">
-                            <a:solidFill>
-                              <a:srgbClr val="FFFFFF"/>
-                            </a:solidFill>
-                          </a14:hiddenFill>
-                        </a:ext>
-                      </a:extLst>
-                    </p:spPr>
-                  </p:pic>
-                </p:oleObj>
-              </mc:Fallback>
-            </mc:AlternateContent>
+            <p:oleObj spid="_x0000_s36870" name="Visio" r:id="rId3" imgW="4858728" imgH="2788557" progId="Visio.Drawing.11">
+              <p:embed/>
+            </p:oleObj>
           </a:graphicData>
         </a:graphic>
       </p:graphicFrame>
@@ -24902,7 +25713,12 @@
             <p:ph type="title"/>
           </p:nvPr>
         </p:nvSpPr>
-        <p:spPr/>
+        <p:spPr>
+          <a:xfrm>
+            <a:off x="323528" y="-315416"/>
+            <a:ext cx="7772400" cy="1143000"/>
+          </a:xfrm>
+        </p:spPr>
         <p:txBody>
           <a:bodyPr>
             <a:normAutofit/>
@@ -24962,8 +25778,8 @@
           <p:nvPr/>
         </p:nvGraphicFramePr>
         <p:xfrm>
-          <a:off x="683568" y="1484784"/>
-          <a:ext cx="8136904" cy="4968552"/>
+          <a:off x="251520" y="836712"/>
+          <a:ext cx="8568952" cy="5616624"/>
         </p:xfrm>
         <a:graphic>
           <a:graphicData uri="http://schemas.openxmlformats.org/drawingml/2006/diagram">
@@ -27108,9 +27924,60 @@
           <a:p>
             <a:r>
               <a:rPr lang="zh-CN" altLang="en-US" dirty="0"/>
-              <a:t>基于可继承性和可二次开发的原则</a:t>
+              <a:t>基于可继承性和可二次开发的</a:t>
             </a:r>
-            <a:endParaRPr lang="en-US" altLang="zh-CN" dirty="0"/>
+            <a:r>
+              <a:rPr lang="zh-CN" altLang="en-US" dirty="0" smtClean="0"/>
+              <a:t>原则</a:t>
+            </a:r>
+            <a:endParaRPr lang="en-US" altLang="zh-CN" dirty="0" smtClean="0"/>
+          </a:p>
+          <a:p>
+            <a:r>
+              <a:rPr lang="zh-CN" altLang="en-US" b="1" dirty="0" smtClean="0">
+                <a:solidFill>
+                  <a:srgbClr val="FF0000"/>
+                </a:solidFill>
+              </a:rPr>
+              <a:t>提高开发</a:t>
+            </a:r>
+            <a:r>
+              <a:rPr lang="zh-CN" altLang="en-US" b="1" smtClean="0">
+                <a:solidFill>
+                  <a:srgbClr val="FF0000"/>
+                </a:solidFill>
+              </a:rPr>
+              <a:t>质量和</a:t>
+            </a:r>
+            <a:r>
+              <a:rPr lang="zh-CN" altLang="en-US" b="1" smtClean="0">
+                <a:solidFill>
+                  <a:srgbClr val="FF0000"/>
+                </a:solidFill>
+              </a:rPr>
+              <a:t>减少</a:t>
+            </a:r>
+            <a:r>
+              <a:rPr lang="zh-CN" altLang="en-US" b="1" smtClean="0">
+                <a:solidFill>
+                  <a:srgbClr val="FF0000"/>
+                </a:solidFill>
+              </a:rPr>
+              <a:t>代码</a:t>
+            </a:r>
+            <a:r>
+              <a:rPr lang="zh-CN" altLang="en-US" b="1" dirty="0" smtClean="0">
+                <a:solidFill>
+                  <a:srgbClr val="FF0000"/>
+                </a:solidFill>
+              </a:rPr>
+              <a:t>开发工作量</a:t>
+            </a:r>
+            <a:endParaRPr lang="en-US" altLang="zh-CN" b="1" dirty="0">
+              <a:solidFill>
+                <a:srgbClr val="FF0000"/>
+              </a:solidFill>
+            </a:endParaRPr>
           </a:p>
           <a:p>
             <a:endParaRPr lang="en-US" altLang="zh-CN" dirty="0"/>
@@ -28084,7 +28951,7 @@
         <p:spPr/>
         <p:txBody>
           <a:bodyPr>
-            <a:normAutofit/>
+            <a:normAutofit lnSpcReduction="10000"/>
           </a:bodyPr>
           <a:lstStyle/>
           <a:p>
@@ -28309,9 +29176,42 @@
                   <a:srgbClr val="0070C0"/>
                 </a:solidFill>
               </a:rPr>
-              <a:t>组件引入</a:t>
+              <a:t>组件</a:t>
             </a:r>
-            <a:endParaRPr lang="en-US" altLang="zh-CN" dirty="0"/>
+            <a:r>
+              <a:rPr lang="zh-CN" altLang="en-US" sz="1800" b="1" dirty="0" smtClean="0">
+                <a:solidFill>
+                  <a:srgbClr val="0070C0"/>
+                </a:solidFill>
+              </a:rPr>
+              <a:t>引入</a:t>
+            </a:r>
+            <a:endParaRPr lang="en-US" altLang="zh-CN" sz="1800" b="1" dirty="0" smtClean="0">
+              <a:solidFill>
+                <a:srgbClr val="0070C0"/>
+              </a:solidFill>
+            </a:endParaRPr>
+          </a:p>
+          <a:p>
+            <a:pPr lvl="1">
+              <a:lnSpc>
+                <a:spcPct val="150000"/>
+              </a:lnSpc>
+              <a:buNone/>
+            </a:pPr>
+            <a:r>
+              <a:rPr lang="zh-CN" altLang="en-US" sz="1800" b="1" dirty="0" smtClean="0">
+                <a:solidFill>
+                  <a:srgbClr val="FF0000"/>
+                </a:solidFill>
+              </a:rPr>
+              <a:t>自动生成调用远程接口和本地数据库保存的代码</a:t>
+            </a:r>
+            <a:endParaRPr lang="en-US" altLang="zh-CN" b="1" dirty="0">
+              <a:solidFill>
+                <a:srgbClr val="FF0000"/>
+              </a:solidFill>
+            </a:endParaRPr>
           </a:p>
           <a:p>
             <a:endParaRPr lang="en-US" altLang="zh-CN" dirty="0"/>
@@ -28369,7 +29269,7 @@
           <p:nvPr>
             <p:extLst>
               <p:ext uri="{D42A27DB-BD31-4B8C-83A1-F6EECF244321}">
-                <p14:modId xmlns:p14="http://schemas.microsoft.com/office/powerpoint/2010/main" val="987229640"/>
+                <p14:modId xmlns:p14="http://schemas.microsoft.com/office/powerpoint/2010/main" xmlns="" val="987229640"/>
               </p:ext>
             </p:extLst>
           </p:nvPr>
@@ -28997,59 +29897,9 @@
         </p:xfrm>
         <a:graphic>
           <a:graphicData uri="http://schemas.openxmlformats.org/presentationml/2006/ole">
-            <mc:AlternateContent xmlns:mc="http://schemas.openxmlformats.org/markup-compatibility/2006">
-              <mc:Choice xmlns:v="urn:schemas-microsoft-com:vml" Requires="v">
-                <p:oleObj spid="_x0000_s28682" name="Visio" r:id="rId3" imgW="8106331" imgH="5092857" progId="Visio.Drawing.11">
-                  <p:embed/>
-                </p:oleObj>
-              </mc:Choice>
-              <mc:Fallback>
-                <p:oleObj name="Visio" r:id="rId3" imgW="8106331" imgH="5092857" progId="Visio.Drawing.11">
-                  <p:embed/>
-                  <p:pic>
-                    <p:nvPicPr>
-                      <p:cNvPr id="0" name="Picture 3"/>
-                      <p:cNvPicPr>
-                        <a:picLocks noChangeAspect="1" noChangeArrowheads="1"/>
-                      </p:cNvPicPr>
-                      <p:nvPr/>
-                    </p:nvPicPr>
-                    <p:blipFill>
-                      <a:blip r:embed="rId4">
-                        <a:extLst>
-                          <a:ext uri="{28A0092B-C50C-407E-A947-70E740481C1C}">
-                            <a14:useLocalDpi xmlns:a14="http://schemas.microsoft.com/office/drawing/2010/main" val="0"/>
-                          </a:ext>
-                        </a:extLst>
-                      </a:blip>
-                      <a:srcRect/>
-                      <a:stretch>
-                        <a:fillRect/>
-                      </a:stretch>
-                    </p:blipFill>
-                    <p:spPr bwMode="auto">
-                      <a:xfrm>
-                        <a:off x="539552" y="1340768"/>
-                        <a:ext cx="8344656" cy="5256584"/>
-                      </a:xfrm>
-                      <a:prstGeom prst="rect">
-                        <a:avLst/>
-                      </a:prstGeom>
-                      <a:noFill/>
-                      <a:extLst>
-                        <a:ext uri="{909E8E84-426E-40DD-AFC4-6F175D3DCCD1}">
-                          <a14:hiddenFill xmlns:a14="http://schemas.microsoft.com/office/drawing/2010/main">
-                            <a:solidFill>
-                              <a:srgbClr val="FFFFFF"/>
-                            </a:solidFill>
-                          </a14:hiddenFill>
-                        </a:ext>
-                      </a:extLst>
-                    </p:spPr>
-                  </p:pic>
-                </p:oleObj>
-              </mc:Fallback>
-            </mc:AlternateContent>
+            <p:oleObj spid="_x0000_s28682" name="Visio" r:id="rId3" imgW="8106331" imgH="5092857" progId="Visio.Drawing.11">
+              <p:embed/>
+            </p:oleObj>
           </a:graphicData>
         </a:graphic>
       </p:graphicFrame>
@@ -29105,59 +29955,9 @@
         </p:xfrm>
         <a:graphic>
           <a:graphicData uri="http://schemas.openxmlformats.org/presentationml/2006/ole">
-            <mc:AlternateContent xmlns:mc="http://schemas.openxmlformats.org/markup-compatibility/2006">
-              <mc:Choice xmlns:v="urn:schemas-microsoft-com:vml" Requires="v">
-                <p:oleObj spid="_x0000_s28683" name="Visio" r:id="rId5" imgW="4624598" imgH="4264566" progId="Visio.Drawing.11">
-                  <p:embed/>
-                </p:oleObj>
-              </mc:Choice>
-              <mc:Fallback>
-                <p:oleObj name="Visio" r:id="rId5" imgW="4624598" imgH="4264566" progId="Visio.Drawing.11">
-                  <p:embed/>
-                  <p:pic>
-                    <p:nvPicPr>
-                      <p:cNvPr id="0" name="Picture 5"/>
-                      <p:cNvPicPr>
-                        <a:picLocks noChangeAspect="1" noChangeArrowheads="1"/>
-                      </p:cNvPicPr>
-                      <p:nvPr/>
-                    </p:nvPicPr>
-                    <p:blipFill>
-                      <a:blip r:embed="rId6">
-                        <a:extLst>
-                          <a:ext uri="{28A0092B-C50C-407E-A947-70E740481C1C}">
-                            <a14:useLocalDpi xmlns:a14="http://schemas.microsoft.com/office/drawing/2010/main" val="0"/>
-                          </a:ext>
-                        </a:extLst>
-                      </a:blip>
-                      <a:srcRect/>
-                      <a:stretch>
-                        <a:fillRect/>
-                      </a:stretch>
-                    </p:blipFill>
-                    <p:spPr bwMode="auto">
-                      <a:xfrm>
-                        <a:off x="467544" y="1340767"/>
-                        <a:ext cx="5832648" cy="5376597"/>
-                      </a:xfrm>
-                      <a:prstGeom prst="rect">
-                        <a:avLst/>
-                      </a:prstGeom>
-                      <a:noFill/>
-                      <a:extLst>
-                        <a:ext uri="{909E8E84-426E-40DD-AFC4-6F175D3DCCD1}">
-                          <a14:hiddenFill xmlns:a14="http://schemas.microsoft.com/office/drawing/2010/main">
-                            <a:solidFill>
-                              <a:srgbClr val="FFFFFF"/>
-                            </a:solidFill>
-                          </a14:hiddenFill>
-                        </a:ext>
-                      </a:extLst>
-                    </p:spPr>
-                  </p:pic>
-                </p:oleObj>
-              </mc:Fallback>
-            </mc:AlternateContent>
+            <p:oleObj spid="_x0000_s28683" name="Visio" r:id="rId4" imgW="4624598" imgH="4264566" progId="Visio.Drawing.11">
+              <p:embed/>
+            </p:oleObj>
           </a:graphicData>
         </a:graphic>
       </p:graphicFrame>
@@ -29738,59 +30538,9 @@
         </p:xfrm>
         <a:graphic>
           <a:graphicData uri="http://schemas.openxmlformats.org/presentationml/2006/ole">
-            <mc:AlternateContent xmlns:mc="http://schemas.openxmlformats.org/markup-compatibility/2006">
-              <mc:Choice xmlns:v="urn:schemas-microsoft-com:vml" Requires="v">
-                <p:oleObj spid="_x0000_s29703" name="Visio" r:id="rId3" imgW="4966622" imgH="2572681" progId="Visio.Drawing.11">
-                  <p:embed/>
-                </p:oleObj>
-              </mc:Choice>
-              <mc:Fallback>
-                <p:oleObj name="Visio" r:id="rId3" imgW="4966622" imgH="2572681" progId="Visio.Drawing.11">
-                  <p:embed/>
-                  <p:pic>
-                    <p:nvPicPr>
-                      <p:cNvPr id="0" name="Picture 4"/>
-                      <p:cNvPicPr>
-                        <a:picLocks noChangeAspect="1" noChangeArrowheads="1"/>
-                      </p:cNvPicPr>
-                      <p:nvPr/>
-                    </p:nvPicPr>
-                    <p:blipFill>
-                      <a:blip r:embed="rId4">
-                        <a:extLst>
-                          <a:ext uri="{28A0092B-C50C-407E-A947-70E740481C1C}">
-                            <a14:useLocalDpi xmlns:a14="http://schemas.microsoft.com/office/drawing/2010/main" val="0"/>
-                          </a:ext>
-                        </a:extLst>
-                      </a:blip>
-                      <a:srcRect/>
-                      <a:stretch>
-                        <a:fillRect/>
-                      </a:stretch>
-                    </p:blipFill>
-                    <p:spPr bwMode="auto">
-                      <a:xfrm>
-                        <a:off x="251520" y="1628800"/>
-                        <a:ext cx="8614824" cy="4464496"/>
-                      </a:xfrm>
-                      <a:prstGeom prst="rect">
-                        <a:avLst/>
-                      </a:prstGeom>
-                      <a:noFill/>
-                      <a:extLst>
-                        <a:ext uri="{909E8E84-426E-40DD-AFC4-6F175D3DCCD1}">
-                          <a14:hiddenFill xmlns:a14="http://schemas.microsoft.com/office/drawing/2010/main">
-                            <a:solidFill>
-                              <a:srgbClr val="FFFFFF"/>
-                            </a:solidFill>
-                          </a14:hiddenFill>
-                        </a:ext>
-                      </a:extLst>
-                    </p:spPr>
-                  </p:pic>
-                </p:oleObj>
-              </mc:Fallback>
-            </mc:AlternateContent>
+            <p:oleObj spid="_x0000_s29703" name="Visio" r:id="rId3" imgW="4966622" imgH="2572681" progId="Visio.Drawing.11">
+              <p:embed/>
+            </p:oleObj>
           </a:graphicData>
         </a:graphic>
       </p:graphicFrame>

--- a/论文PPT.pptx
+++ b/论文PPT.pptx
@@ -21,10 +21,11 @@
     <p:sldId id="259" r:id="rId15"/>
     <p:sldId id="292" r:id="rId16"/>
     <p:sldId id="293" r:id="rId17"/>
-    <p:sldId id="290" r:id="rId18"/>
-    <p:sldId id="291" r:id="rId19"/>
-    <p:sldId id="278" r:id="rId20"/>
-    <p:sldId id="270" r:id="rId21"/>
+    <p:sldId id="297" r:id="rId18"/>
+    <p:sldId id="290" r:id="rId19"/>
+    <p:sldId id="291" r:id="rId20"/>
+    <p:sldId id="278" r:id="rId21"/>
+    <p:sldId id="270" r:id="rId22"/>
   </p:sldIdLst>
   <p:sldSz cx="9144000" cy="6858000" type="screen4x3"/>
   <p:notesSz cx="6858000" cy="9144000"/>
@@ -125,7 +126,7 @@
   </p:defaultTextStyle>
   <p:extLst>
     <p:ext uri="{EFAFB233-063F-42B5-8137-9DF3F51BA10A}">
-      <p15:sldGuideLst xmlns:p15="http://schemas.microsoft.com/office/powerpoint/2012/main" xmlns="">
+      <p15:sldGuideLst xmlns="" xmlns:p15="http://schemas.microsoft.com/office/powerpoint/2012/main">
         <p15:guide id="1" orient="horz" pos="2160">
           <p15:clr>
             <a:srgbClr val="A4A3A4"/>
@@ -5336,10 +5337,10 @@
     <dgm:cxn modelId="{211540E4-84CD-492A-B792-E95EEC12AEC0}" type="presOf" srcId="{DD9C489C-7613-40F7-92F0-BD2326D792CC}" destId="{D699FBF6-99F4-47E3-818C-BA1AF90285A3}" srcOrd="0" destOrd="0" presId="urn:microsoft.com/office/officeart/2005/8/layout/process2"/>
     <dgm:cxn modelId="{7974FDA1-8128-407E-A73D-D16669FB4C4D}" type="presOf" srcId="{C07F8285-1461-4734-B774-9FA3925BDB35}" destId="{EBEC3436-91D9-46A5-BCE2-272014E51229}" srcOrd="0" destOrd="0" presId="urn:microsoft.com/office/officeart/2005/8/layout/process2"/>
     <dgm:cxn modelId="{1C04DED0-8846-4065-A323-C6693680A30A}" srcId="{D388E4D6-15FC-49D9-9C2E-189AF71EB9F8}" destId="{5F2DB3B5-0D57-49B8-9847-A861DFFADA0F}" srcOrd="1" destOrd="0" parTransId="{7A431B43-CCD5-4471-9071-1EA0B6FCAB75}" sibTransId="{55F339B8-D436-4DB4-9164-A1ADB6BA2C91}"/>
+    <dgm:cxn modelId="{E4829F05-BB90-4DAD-B289-BA62925269C9}" type="presOf" srcId="{486A6EEA-E169-4F57-BDC0-987FFA5575AC}" destId="{C010418B-CAFF-4F5C-B03E-6A963E3A8BC3}" srcOrd="0" destOrd="0" presId="urn:microsoft.com/office/officeart/2005/8/layout/process2"/>
     <dgm:cxn modelId="{3C84FD7C-250A-46B4-A82D-0C0E39424CFB}" type="presOf" srcId="{69A1DCFF-44C1-4D82-8CC1-FCF5DBA18A45}" destId="{3FA72500-A990-45C2-8106-ADEA5E065F85}" srcOrd="1" destOrd="0" presId="urn:microsoft.com/office/officeart/2005/8/layout/process2"/>
-    <dgm:cxn modelId="{E4829F05-BB90-4DAD-B289-BA62925269C9}" type="presOf" srcId="{486A6EEA-E169-4F57-BDC0-987FFA5575AC}" destId="{C010418B-CAFF-4F5C-B03E-6A963E3A8BC3}" srcOrd="0" destOrd="0" presId="urn:microsoft.com/office/officeart/2005/8/layout/process2"/>
+    <dgm:cxn modelId="{FFBAED7F-058D-424D-BA7C-27E72EE370F0}" type="presOf" srcId="{69A1DCFF-44C1-4D82-8CC1-FCF5DBA18A45}" destId="{A77E9F03-1D58-412A-950B-EF37680BC9FE}" srcOrd="0" destOrd="0" presId="urn:microsoft.com/office/officeart/2005/8/layout/process2"/>
     <dgm:cxn modelId="{DE69248E-54B4-428C-923B-BFE94C747836}" type="presOf" srcId="{64C298F0-1E35-44E1-B8FE-1DB5B79B7B6B}" destId="{F4222460-DA3F-4D91-8B7F-249866513908}" srcOrd="0" destOrd="0" presId="urn:microsoft.com/office/officeart/2005/8/layout/process2"/>
-    <dgm:cxn modelId="{FFBAED7F-058D-424D-BA7C-27E72EE370F0}" type="presOf" srcId="{69A1DCFF-44C1-4D82-8CC1-FCF5DBA18A45}" destId="{A77E9F03-1D58-412A-950B-EF37680BC9FE}" srcOrd="0" destOrd="0" presId="urn:microsoft.com/office/officeart/2005/8/layout/process2"/>
     <dgm:cxn modelId="{7E795940-7589-4078-9B49-5E95585DA932}" type="presOf" srcId="{55F339B8-D436-4DB4-9164-A1ADB6BA2C91}" destId="{4BC20CCD-7B25-4DCE-8310-806E0883CCC1}" srcOrd="0" destOrd="0" presId="urn:microsoft.com/office/officeart/2005/8/layout/process2"/>
     <dgm:cxn modelId="{5850C1E3-9398-4697-AD9B-2DC2888BD050}" srcId="{D388E4D6-15FC-49D9-9C2E-189AF71EB9F8}" destId="{486A6EEA-E169-4F57-BDC0-987FFA5575AC}" srcOrd="0" destOrd="0" parTransId="{6C40A278-351A-47CF-822B-1811B40DED8A}" sibTransId="{64C298F0-1E35-44E1-B8FE-1DB5B79B7B6B}"/>
     <dgm:cxn modelId="{0EABDD80-781C-4DD3-826D-3889F14BA547}" type="presOf" srcId="{64C298F0-1E35-44E1-B8FE-1DB5B79B7B6B}" destId="{9A15A386-30A2-4E2E-A515-34FBC787EE36}" srcOrd="1" destOrd="0" presId="urn:microsoft.com/office/officeart/2005/8/layout/process2"/>
@@ -7506,25 +7507,25 @@
     <dgm:cxn modelId="{31C3281D-12BA-4E07-9424-2BDEF6ABBC2C}" type="presOf" srcId="{7FCBCC70-08BD-4E5D-943F-B30CE04B5663}" destId="{23640AAC-B749-4ADC-A4AA-9A59DE889370}" srcOrd="0" destOrd="3" presId="urn:microsoft.com/office/officeart/2005/8/layout/target3"/>
     <dgm:cxn modelId="{9B1F3F2B-3080-4717-9AAA-7D26B0174CA8}" srcId="{072B5492-1F9A-4A02-9E0F-7ED5C74962AA}" destId="{97FBE532-F560-45D9-A54F-D71A2DCE99CC}" srcOrd="3" destOrd="0" parTransId="{F114D923-5140-42DA-8738-08A3A68A09DB}" sibTransId="{70385B1E-BEAE-4E5C-8C3D-9729041E8C62}"/>
     <dgm:cxn modelId="{24276798-1038-4BEB-A1B6-05671E1C9087}" type="presOf" srcId="{BB641820-C16C-45ED-A018-6F6025362257}" destId="{DC5EC845-C56D-418D-8085-87081E6E0DEB}" srcOrd="0" destOrd="0" presId="urn:microsoft.com/office/officeart/2005/8/layout/target3"/>
+    <dgm:cxn modelId="{2D84E3DB-1F81-48C0-A731-57A2F71DEED9}" type="presOf" srcId="{86B44B31-7B5E-4AF7-B577-2E1C85E8A5B5}" destId="{5E822B20-D3E7-4174-A5EC-4B1180554759}" srcOrd="0" destOrd="1" presId="urn:microsoft.com/office/officeart/2005/8/layout/target3"/>
     <dgm:cxn modelId="{9B9CCA0D-B96E-4F23-A05B-8D460105CD31}" srcId="{130F2687-4C39-4FE2-B59A-ADCFB7C0F26A}" destId="{7FCBCC70-08BD-4E5D-943F-B30CE04B5663}" srcOrd="3" destOrd="0" parTransId="{0099ECE6-F073-49B8-AAD2-972F9C39A57A}" sibTransId="{FC499734-F1E2-4EE2-8B5F-0B26C29F9ADA}"/>
-    <dgm:cxn modelId="{2D84E3DB-1F81-48C0-A731-57A2F71DEED9}" type="presOf" srcId="{86B44B31-7B5E-4AF7-B577-2E1C85E8A5B5}" destId="{5E822B20-D3E7-4174-A5EC-4B1180554759}" srcOrd="0" destOrd="1" presId="urn:microsoft.com/office/officeart/2005/8/layout/target3"/>
     <dgm:cxn modelId="{5A6C3F51-16A6-4234-B520-76A8D05A2CB4}" type="presOf" srcId="{96553ABA-8B95-4F2D-98B2-2B8C0BC0052E}" destId="{EFC8429E-EE54-49F7-9101-FFEABDC5760B}" srcOrd="0" destOrd="0" presId="urn:microsoft.com/office/officeart/2005/8/layout/target3"/>
     <dgm:cxn modelId="{F1463F92-0FE0-45DD-A248-33954B42860D}" type="presOf" srcId="{97FBE532-F560-45D9-A54F-D71A2DCE99CC}" destId="{5E822B20-D3E7-4174-A5EC-4B1180554759}" srcOrd="0" destOrd="3" presId="urn:microsoft.com/office/officeart/2005/8/layout/target3"/>
     <dgm:cxn modelId="{94E3CC56-1CAE-4C8B-A241-AE7E52838C79}" type="presOf" srcId="{130F2687-4C39-4FE2-B59A-ADCFB7C0F26A}" destId="{CFA00E26-19F5-4545-A92F-4653019259E8}" srcOrd="1" destOrd="0" presId="urn:microsoft.com/office/officeart/2005/8/layout/target3"/>
+    <dgm:cxn modelId="{1758BDB7-B79D-4A9A-A000-3806FF81E22F}" srcId="{BB641820-C16C-45ED-A018-6F6025362257}" destId="{072B5492-1F9A-4A02-9E0F-7ED5C74962AA}" srcOrd="2" destOrd="0" parTransId="{2206FD3F-58F5-480F-B893-6F1B9A64883E}" sibTransId="{94F0A109-DE34-4078-A586-5871798AD266}"/>
     <dgm:cxn modelId="{E350B664-FD58-4A54-9B69-6AD33B0F9768}" type="presOf" srcId="{14F4DC85-1716-46D7-AFF1-FD224A292CF5}" destId="{23640AAC-B749-4ADC-A4AA-9A59DE889370}" srcOrd="0" destOrd="1" presId="urn:microsoft.com/office/officeart/2005/8/layout/target3"/>
-    <dgm:cxn modelId="{1758BDB7-B79D-4A9A-A000-3806FF81E22F}" srcId="{BB641820-C16C-45ED-A018-6F6025362257}" destId="{072B5492-1F9A-4A02-9E0F-7ED5C74962AA}" srcOrd="2" destOrd="0" parTransId="{2206FD3F-58F5-480F-B893-6F1B9A64883E}" sibTransId="{94F0A109-DE34-4078-A586-5871798AD266}"/>
     <dgm:cxn modelId="{390BBE26-4138-4433-AC09-BE992815C9DC}" srcId="{BB641820-C16C-45ED-A018-6F6025362257}" destId="{96553ABA-8B95-4F2D-98B2-2B8C0BC0052E}" srcOrd="1" destOrd="0" parTransId="{99C52DFF-4312-4C7C-9187-0B85960AB0B3}" sibTransId="{9C011ED8-016D-4EC3-A343-C364149C4CB7}"/>
     <dgm:cxn modelId="{599EB033-2F9E-444E-B04C-16D59E808E87}" type="presOf" srcId="{8D675B64-7674-40C8-AFC7-E1190284C585}" destId="{23640AAC-B749-4ADC-A4AA-9A59DE889370}" srcOrd="0" destOrd="2" presId="urn:microsoft.com/office/officeart/2005/8/layout/target3"/>
     <dgm:cxn modelId="{F42D5448-E95D-43BC-8457-0943586E3208}" srcId="{96553ABA-8B95-4F2D-98B2-2B8C0BC0052E}" destId="{64C18FFF-EC50-4701-BDCF-B6B9BFF5EC2C}" srcOrd="1" destOrd="0" parTransId="{C5A31493-8785-4462-BC4A-89F77F7EE584}" sibTransId="{3712FEC3-6789-4548-A27C-7E0155854341}"/>
     <dgm:cxn modelId="{29B3E02B-7A3A-4663-B7A6-0186F50B9077}" srcId="{130F2687-4C39-4FE2-B59A-ADCFB7C0F26A}" destId="{E9916247-BF26-4436-B986-0C279384AE4A}" srcOrd="4" destOrd="0" parTransId="{552BDFD3-055F-4E0B-B223-A63E6BB2503E}" sibTransId="{845C0398-1DEF-411B-91EE-6FD931BBF869}"/>
     <dgm:cxn modelId="{6629AA1A-AD99-4337-B542-49331D3963E2}" type="presOf" srcId="{F478DAD9-FB27-49B1-B978-DD72D8F4F6A1}" destId="{23640AAC-B749-4ADC-A4AA-9A59DE889370}" srcOrd="0" destOrd="0" presId="urn:microsoft.com/office/officeart/2005/8/layout/target3"/>
     <dgm:cxn modelId="{54F8C138-F19E-47D0-A1F1-AE486F82940B}" type="presOf" srcId="{6362BDBA-EB27-4F90-866F-633BA377378A}" destId="{23640AAC-B749-4ADC-A4AA-9A59DE889370}" srcOrd="0" destOrd="5" presId="urn:microsoft.com/office/officeart/2005/8/layout/target3"/>
+    <dgm:cxn modelId="{1C2D3F94-1ECD-46E6-9A85-DD83E405890A}" srcId="{130F2687-4C39-4FE2-B59A-ADCFB7C0F26A}" destId="{6362BDBA-EB27-4F90-866F-633BA377378A}" srcOrd="5" destOrd="0" parTransId="{51ED41D1-54BF-4D9E-951F-76AB6139513F}" sibTransId="{CCDCE786-BBC9-4BB9-B048-C65C3E77722F}"/>
     <dgm:cxn modelId="{2A09FFBC-53CB-4699-BD85-306A3C3E3EA8}" type="presOf" srcId="{82C69890-ED4E-4D97-AC70-4F9D2A373FBC}" destId="{5E822B20-D3E7-4174-A5EC-4B1180554759}" srcOrd="0" destOrd="4" presId="urn:microsoft.com/office/officeart/2005/8/layout/target3"/>
-    <dgm:cxn modelId="{1C2D3F94-1ECD-46E6-9A85-DD83E405890A}" srcId="{130F2687-4C39-4FE2-B59A-ADCFB7C0F26A}" destId="{6362BDBA-EB27-4F90-866F-633BA377378A}" srcOrd="5" destOrd="0" parTransId="{51ED41D1-54BF-4D9E-951F-76AB6139513F}" sibTransId="{CCDCE786-BBC9-4BB9-B048-C65C3E77722F}"/>
     <dgm:cxn modelId="{8100D40B-AF23-4399-94B4-9B7A021EB9AC}" srcId="{96553ABA-8B95-4F2D-98B2-2B8C0BC0052E}" destId="{0C45F4AD-B8F6-427D-B8C6-F8C2284A72BE}" srcOrd="4" destOrd="0" parTransId="{53263FC2-CA4C-4FFF-A960-CFBCFF1E1269}" sibTransId="{66329268-C605-44E5-943C-BBB38FAB3295}"/>
     <dgm:cxn modelId="{12C1BE02-CBC6-40F3-964F-A6D522B26FC9}" type="presOf" srcId="{8B7F4A8F-E033-4B94-AD6F-1B324A9BABA1}" destId="{550A9515-DB73-4908-9A85-1A2920082CAA}" srcOrd="0" destOrd="0" presId="urn:microsoft.com/office/officeart/2005/8/layout/target3"/>
+    <dgm:cxn modelId="{24ED22E9-BA57-47F6-92E1-A79CF03A85A7}" type="presOf" srcId="{072B5492-1F9A-4A02-9E0F-7ED5C74962AA}" destId="{1A8B2A6F-5643-4E8A-98B8-83807E12816F}" srcOrd="0" destOrd="0" presId="urn:microsoft.com/office/officeart/2005/8/layout/target3"/>
     <dgm:cxn modelId="{849E3FDE-567E-4D2A-B0C9-56FD43506818}" type="presOf" srcId="{576DAD61-647F-4198-9887-3796AD2433B0}" destId="{5E822B20-D3E7-4174-A5EC-4B1180554759}" srcOrd="0" destOrd="2" presId="urn:microsoft.com/office/officeart/2005/8/layout/target3"/>
-    <dgm:cxn modelId="{24ED22E9-BA57-47F6-92E1-A79CF03A85A7}" type="presOf" srcId="{072B5492-1F9A-4A02-9E0F-7ED5C74962AA}" destId="{1A8B2A6F-5643-4E8A-98B8-83807E12816F}" srcOrd="0" destOrd="0" presId="urn:microsoft.com/office/officeart/2005/8/layout/target3"/>
     <dgm:cxn modelId="{0D14FCAC-559D-4936-A2C4-7AAA1C348E9D}" type="presOf" srcId="{4F343536-AB6C-4097-A136-4FF5977319E7}" destId="{5E822B20-D3E7-4174-A5EC-4B1180554759}" srcOrd="0" destOrd="5" presId="urn:microsoft.com/office/officeart/2005/8/layout/target3"/>
     <dgm:cxn modelId="{2EB44AAE-F99F-47CA-B1FE-3C763726F7EE}" type="presOf" srcId="{0C45F4AD-B8F6-427D-B8C6-F8C2284A72BE}" destId="{550A9515-DB73-4908-9A85-1A2920082CAA}" srcOrd="0" destOrd="4" presId="urn:microsoft.com/office/officeart/2005/8/layout/target3"/>
     <dgm:cxn modelId="{FA766D1B-63C6-409B-884E-82363AB4CB5F}" srcId="{072B5492-1F9A-4A02-9E0F-7ED5C74962AA}" destId="{A9B86A42-FAD2-4B4A-99DD-DDEE1E80C1B4}" srcOrd="0" destOrd="0" parTransId="{FD5D9735-CC7F-4A82-91CB-6D628D99DF21}" sibTransId="{E30A8C01-0CC9-43F6-A92C-7EC9A0CAE67A}"/>
@@ -21929,7 +21930,7 @@
             <a:fld id="{530820CF-B880-4189-942D-D702A7CBA730}" type="datetimeFigureOut">
               <a:rPr lang="zh-CN" altLang="en-US" smtClean="0"/>
               <a:pPr/>
-              <a:t>2016/11/13</a:t>
+              <a:t>2016/11/14</a:t>
             </a:fld>
             <a:endParaRPr lang="zh-CN" altLang="en-US"/>
           </a:p>
@@ -22284,7 +22285,7 @@
             <a:fld id="{530820CF-B880-4189-942D-D702A7CBA730}" type="datetimeFigureOut">
               <a:rPr lang="zh-CN" altLang="en-US" smtClean="0"/>
               <a:pPr/>
-              <a:t>2016/11/13</a:t>
+              <a:t>2016/11/14</a:t>
             </a:fld>
             <a:endParaRPr lang="zh-CN" altLang="en-US"/>
           </a:p>
@@ -22461,7 +22462,7 @@
             <a:fld id="{530820CF-B880-4189-942D-D702A7CBA730}" type="datetimeFigureOut">
               <a:rPr lang="zh-CN" altLang="en-US" smtClean="0"/>
               <a:pPr/>
-              <a:t>2016/11/13</a:t>
+              <a:t>2016/11/14</a:t>
             </a:fld>
             <a:endParaRPr lang="zh-CN" altLang="en-US"/>
           </a:p>
@@ -22576,7 +22577,7 @@
             <a:fld id="{530820CF-B880-4189-942D-D702A7CBA730}" type="datetimeFigureOut">
               <a:rPr lang="zh-CN" altLang="en-US" smtClean="0"/>
               <a:pPr/>
-              <a:t>2016/11/13</a:t>
+              <a:t>2016/11/14</a:t>
             </a:fld>
             <a:endParaRPr lang="zh-CN" altLang="en-US"/>
           </a:p>
@@ -22936,7 +22937,7 @@
             <a:fld id="{530820CF-B880-4189-942D-D702A7CBA730}" type="datetimeFigureOut">
               <a:rPr lang="zh-CN" altLang="en-US" smtClean="0"/>
               <a:pPr/>
-              <a:t>2016/11/13</a:t>
+              <a:t>2016/11/14</a:t>
             </a:fld>
             <a:endParaRPr lang="zh-CN" altLang="en-US"/>
           </a:p>
@@ -23203,7 +23204,7 @@
             <a:fld id="{530820CF-B880-4189-942D-D702A7CBA730}" type="datetimeFigureOut">
               <a:rPr lang="zh-CN" altLang="en-US" smtClean="0"/>
               <a:pPr/>
-              <a:t>2016/11/13</a:t>
+              <a:t>2016/11/14</a:t>
             </a:fld>
             <a:endParaRPr lang="zh-CN" altLang="en-US"/>
           </a:p>
@@ -23567,7 +23568,7 @@
             <a:fld id="{530820CF-B880-4189-942D-D702A7CBA730}" type="datetimeFigureOut">
               <a:rPr lang="zh-CN" altLang="en-US" smtClean="0"/>
               <a:pPr/>
-              <a:t>2016/11/13</a:t>
+              <a:t>2016/11/14</a:t>
             </a:fld>
             <a:endParaRPr lang="zh-CN" altLang="en-US"/>
           </a:p>
@@ -23796,7 +23797,7 @@
             <a:fld id="{530820CF-B880-4189-942D-D702A7CBA730}" type="datetimeFigureOut">
               <a:rPr lang="zh-CN" altLang="en-US" smtClean="0"/>
               <a:pPr/>
-              <a:t>2016/11/13</a:t>
+              <a:t>2016/11/14</a:t>
             </a:fld>
             <a:endParaRPr lang="zh-CN" altLang="en-US"/>
           </a:p>
@@ -23888,7 +23889,7 @@
             <a:fld id="{530820CF-B880-4189-942D-D702A7CBA730}" type="datetimeFigureOut">
               <a:rPr lang="zh-CN" altLang="en-US" smtClean="0"/>
               <a:pPr/>
-              <a:t>2016/11/13</a:t>
+              <a:t>2016/11/14</a:t>
             </a:fld>
             <a:endParaRPr lang="zh-CN" altLang="en-US"/>
           </a:p>
@@ -24157,7 +24158,7 @@
             <a:fld id="{530820CF-B880-4189-942D-D702A7CBA730}" type="datetimeFigureOut">
               <a:rPr lang="zh-CN" altLang="en-US" smtClean="0"/>
               <a:pPr/>
-              <a:t>2016/11/13</a:t>
+              <a:t>2016/11/14</a:t>
             </a:fld>
             <a:endParaRPr lang="zh-CN" altLang="en-US"/>
           </a:p>
@@ -24387,7 +24388,7 @@
             <a:fld id="{530820CF-B880-4189-942D-D702A7CBA730}" type="datetimeFigureOut">
               <a:rPr lang="zh-CN" altLang="en-US" smtClean="0"/>
               <a:pPr/>
-              <a:t>2016/11/13</a:t>
+              <a:t>2016/11/14</a:t>
             </a:fld>
             <a:endParaRPr lang="zh-CN" altLang="en-US"/>
           </a:p>
@@ -24888,7 +24889,7 @@
             <a:fld id="{530820CF-B880-4189-942D-D702A7CBA730}" type="datetimeFigureOut">
               <a:rPr lang="zh-CN" altLang="en-US" smtClean="0"/>
               <a:pPr/>
-              <a:t>2016/11/13</a:t>
+              <a:t>2016/11/14</a:t>
             </a:fld>
             <a:endParaRPr lang="zh-CN" altLang="en-US"/>
           </a:p>
@@ -27429,6 +27430,391 @@
         </p:nvSpPr>
         <p:spPr/>
         <p:txBody>
+          <a:bodyPr/>
+          <a:lstStyle/>
+          <a:p>
+            <a:r>
+              <a:rPr lang="zh-CN" altLang="en-US" dirty="0"/>
+              <a:t>课题研究应用</a:t>
+            </a:r>
+          </a:p>
+        </p:txBody>
+      </p:sp>
+      <p:sp>
+        <p:nvSpPr>
+          <p:cNvPr id="3" name="内容占位符 2"/>
+          <p:cNvSpPr>
+            <a:spLocks noGrp="1"/>
+          </p:cNvSpPr>
+          <p:nvPr>
+            <p:ph sz="quarter" idx="1"/>
+          </p:nvPr>
+        </p:nvSpPr>
+        <p:spPr/>
+        <p:txBody>
+          <a:bodyPr>
+            <a:normAutofit/>
+          </a:bodyPr>
+          <a:lstStyle/>
+          <a:p>
+            <a:endParaRPr lang="en-US" altLang="zh-CN" dirty="0"/>
+          </a:p>
+          <a:p>
+            <a:endParaRPr lang="en-US" altLang="zh-CN" dirty="0"/>
+          </a:p>
+        </p:txBody>
+      </p:sp>
+      <p:sp>
+        <p:nvSpPr>
+          <p:cNvPr id="7170" name="Rectangle 2"/>
+          <p:cNvSpPr>
+            <a:spLocks noChangeArrowheads="1"/>
+          </p:cNvSpPr>
+          <p:nvPr/>
+        </p:nvSpPr>
+        <p:spPr bwMode="auto">
+          <a:xfrm>
+            <a:off x="0" y="0"/>
+            <a:ext cx="9144000" cy="0"/>
+          </a:xfrm>
+          <a:prstGeom prst="rect">
+            <a:avLst/>
+          </a:prstGeom>
+          <a:noFill/>
+          <a:ln w="9525">
+            <a:noFill/>
+            <a:miter lim="800000"/>
+            <a:headEnd/>
+            <a:tailEnd/>
+          </a:ln>
+          <a:effectLst/>
+        </p:spPr>
+        <p:txBody>
+          <a:bodyPr vert="horz" wrap="none" lIns="91440" tIns="45720" rIns="91440" bIns="45720" numCol="1" anchor="ctr" anchorCtr="0" compatLnSpc="1">
+            <a:prstTxWarp prst="textNoShape">
+              <a:avLst/>
+            </a:prstTxWarp>
+            <a:spAutoFit/>
+          </a:bodyPr>
+          <a:lstStyle/>
+          <a:p>
+            <a:endParaRPr lang="zh-CN" altLang="en-US"/>
+          </a:p>
+        </p:txBody>
+      </p:sp>
+      <p:pic>
+        <p:nvPicPr>
+          <p:cNvPr id="5" name="图片 4" descr="IMG_0158.JPG"/>
+          <p:cNvPicPr>
+            <a:picLocks noChangeAspect="1" noChangeArrowheads="1"/>
+          </p:cNvPicPr>
+          <p:nvPr/>
+        </p:nvPicPr>
+        <p:blipFill>
+          <a:blip r:embed="rId2" cstate="print"/>
+          <a:srcRect/>
+          <a:stretch>
+            <a:fillRect/>
+          </a:stretch>
+        </p:blipFill>
+        <p:spPr bwMode="auto">
+          <a:xfrm>
+            <a:off x="1403648" y="1556792"/>
+            <a:ext cx="2457469" cy="4358274"/>
+          </a:xfrm>
+          <a:prstGeom prst="rect">
+            <a:avLst/>
+          </a:prstGeom>
+          <a:noFill/>
+          <a:ln w="9525">
+            <a:noFill/>
+            <a:miter lim="800000"/>
+            <a:headEnd/>
+            <a:tailEnd/>
+          </a:ln>
+        </p:spPr>
+      </p:pic>
+      <p:pic>
+        <p:nvPicPr>
+          <p:cNvPr id="6" name="内容占位符 3" descr="IMG_0157.JPG"/>
+          <p:cNvPicPr>
+            <a:picLocks noGrp="1" noChangeAspect="1" noChangeArrowheads="1"/>
+          </p:cNvPicPr>
+          <p:nvPr/>
+        </p:nvPicPr>
+        <p:blipFill>
+          <a:blip r:embed="rId3" cstate="print"/>
+          <a:srcRect/>
+          <a:stretch>
+            <a:fillRect/>
+          </a:stretch>
+        </p:blipFill>
+        <p:spPr bwMode="auto">
+          <a:xfrm>
+            <a:off x="4788024" y="1556792"/>
+            <a:ext cx="2671923" cy="4738603"/>
+          </a:xfrm>
+          <a:prstGeom prst="rect">
+            <a:avLst/>
+          </a:prstGeom>
+          <a:noFill/>
+          <a:ln w="9525">
+            <a:noFill/>
+            <a:miter lim="800000"/>
+            <a:headEnd/>
+            <a:tailEnd/>
+          </a:ln>
+        </p:spPr>
+      </p:pic>
+    </p:spTree>
+  </p:cSld>
+  <p:clrMapOvr>
+    <a:masterClrMapping/>
+  </p:clrMapOvr>
+  <p:timing>
+    <p:tnLst>
+      <p:par>
+        <p:cTn id="1" dur="indefinite" restart="never" nodeType="tmRoot">
+          <p:childTnLst>
+            <p:seq concurrent="1" nextAc="seek">
+              <p:cTn id="2" dur="indefinite" nodeType="mainSeq">
+                <p:childTnLst>
+                  <p:par>
+                    <p:cTn id="3" fill="hold">
+                      <p:stCondLst>
+                        <p:cond delay="indefinite"/>
+                      </p:stCondLst>
+                      <p:childTnLst>
+                        <p:par>
+                          <p:cTn id="4" fill="hold">
+                            <p:stCondLst>
+                              <p:cond delay="0"/>
+                            </p:stCondLst>
+                            <p:childTnLst>
+                              <p:par>
+                                <p:cTn id="5" presetID="2" presetClass="entr" presetSubtype="4" fill="hold" nodeType="clickEffect">
+                                  <p:stCondLst>
+                                    <p:cond delay="0"/>
+                                  </p:stCondLst>
+                                  <p:childTnLst>
+                                    <p:set>
+                                      <p:cBhvr>
+                                        <p:cTn id="6" dur="1" fill="hold">
+                                          <p:stCondLst>
+                                            <p:cond delay="0"/>
+                                          </p:stCondLst>
+                                        </p:cTn>
+                                        <p:tgtEl>
+                                          <p:spTgt spid="5"/>
+                                        </p:tgtEl>
+                                        <p:attrNameLst>
+                                          <p:attrName>style.visibility</p:attrName>
+                                        </p:attrNameLst>
+                                      </p:cBhvr>
+                                      <p:to>
+                                        <p:strVal val="visible"/>
+                                      </p:to>
+                                    </p:set>
+                                    <p:anim calcmode="lin" valueType="num">
+                                      <p:cBhvr additive="base">
+                                        <p:cTn id="7" dur="500" fill="hold"/>
+                                        <p:tgtEl>
+                                          <p:spTgt spid="5"/>
+                                        </p:tgtEl>
+                                        <p:attrNameLst>
+                                          <p:attrName>ppt_x</p:attrName>
+                                        </p:attrNameLst>
+                                      </p:cBhvr>
+                                      <p:tavLst>
+                                        <p:tav tm="0">
+                                          <p:val>
+                                            <p:strVal val="#ppt_x"/>
+                                          </p:val>
+                                        </p:tav>
+                                        <p:tav tm="100000">
+                                          <p:val>
+                                            <p:strVal val="#ppt_x"/>
+                                          </p:val>
+                                        </p:tav>
+                                      </p:tavLst>
+                                    </p:anim>
+                                    <p:anim calcmode="lin" valueType="num">
+                                      <p:cBhvr additive="base">
+                                        <p:cTn id="8" dur="500" fill="hold"/>
+                                        <p:tgtEl>
+                                          <p:spTgt spid="5"/>
+                                        </p:tgtEl>
+                                        <p:attrNameLst>
+                                          <p:attrName>ppt_y</p:attrName>
+                                        </p:attrNameLst>
+                                      </p:cBhvr>
+                                      <p:tavLst>
+                                        <p:tav tm="0">
+                                          <p:val>
+                                            <p:strVal val="1+#ppt_h/2"/>
+                                          </p:val>
+                                        </p:tav>
+                                        <p:tav tm="100000">
+                                          <p:val>
+                                            <p:strVal val="#ppt_y"/>
+                                          </p:val>
+                                        </p:tav>
+                                      </p:tavLst>
+                                    </p:anim>
+                                  </p:childTnLst>
+                                </p:cTn>
+                              </p:par>
+                            </p:childTnLst>
+                          </p:cTn>
+                        </p:par>
+                      </p:childTnLst>
+                    </p:cTn>
+                  </p:par>
+                  <p:par>
+                    <p:cTn id="9" fill="hold">
+                      <p:stCondLst>
+                        <p:cond delay="indefinite"/>
+                      </p:stCondLst>
+                      <p:childTnLst>
+                        <p:par>
+                          <p:cTn id="10" fill="hold">
+                            <p:stCondLst>
+                              <p:cond delay="0"/>
+                            </p:stCondLst>
+                            <p:childTnLst>
+                              <p:par>
+                                <p:cTn id="11" presetID="2" presetClass="entr" presetSubtype="4" fill="hold" nodeType="clickEffect">
+                                  <p:stCondLst>
+                                    <p:cond delay="0"/>
+                                  </p:stCondLst>
+                                  <p:childTnLst>
+                                    <p:set>
+                                      <p:cBhvr>
+                                        <p:cTn id="12" dur="1" fill="hold">
+                                          <p:stCondLst>
+                                            <p:cond delay="0"/>
+                                          </p:stCondLst>
+                                        </p:cTn>
+                                        <p:tgtEl>
+                                          <p:spTgt spid="6"/>
+                                        </p:tgtEl>
+                                        <p:attrNameLst>
+                                          <p:attrName>style.visibility</p:attrName>
+                                        </p:attrNameLst>
+                                      </p:cBhvr>
+                                      <p:to>
+                                        <p:strVal val="visible"/>
+                                      </p:to>
+                                    </p:set>
+                                    <p:anim calcmode="lin" valueType="num">
+                                      <p:cBhvr additive="base">
+                                        <p:cTn id="13" dur="500" fill="hold"/>
+                                        <p:tgtEl>
+                                          <p:spTgt spid="6"/>
+                                        </p:tgtEl>
+                                        <p:attrNameLst>
+                                          <p:attrName>ppt_x</p:attrName>
+                                        </p:attrNameLst>
+                                      </p:cBhvr>
+                                      <p:tavLst>
+                                        <p:tav tm="0">
+                                          <p:val>
+                                            <p:strVal val="#ppt_x"/>
+                                          </p:val>
+                                        </p:tav>
+                                        <p:tav tm="100000">
+                                          <p:val>
+                                            <p:strVal val="#ppt_x"/>
+                                          </p:val>
+                                        </p:tav>
+                                      </p:tavLst>
+                                    </p:anim>
+                                    <p:anim calcmode="lin" valueType="num">
+                                      <p:cBhvr additive="base">
+                                        <p:cTn id="14" dur="500" fill="hold"/>
+                                        <p:tgtEl>
+                                          <p:spTgt spid="6"/>
+                                        </p:tgtEl>
+                                        <p:attrNameLst>
+                                          <p:attrName>ppt_y</p:attrName>
+                                        </p:attrNameLst>
+                                      </p:cBhvr>
+                                      <p:tavLst>
+                                        <p:tav tm="0">
+                                          <p:val>
+                                            <p:strVal val="1+#ppt_h/2"/>
+                                          </p:val>
+                                        </p:tav>
+                                        <p:tav tm="100000">
+                                          <p:val>
+                                            <p:strVal val="#ppt_y"/>
+                                          </p:val>
+                                        </p:tav>
+                                      </p:tavLst>
+                                    </p:anim>
+                                  </p:childTnLst>
+                                </p:cTn>
+                              </p:par>
+                            </p:childTnLst>
+                          </p:cTn>
+                        </p:par>
+                      </p:childTnLst>
+                    </p:cTn>
+                  </p:par>
+                </p:childTnLst>
+              </p:cTn>
+              <p:prevCondLst>
+                <p:cond evt="onPrev" delay="0">
+                  <p:tgtEl>
+                    <p:sldTgt/>
+                  </p:tgtEl>
+                </p:cond>
+              </p:prevCondLst>
+              <p:nextCondLst>
+                <p:cond evt="onNext" delay="0">
+                  <p:tgtEl>
+                    <p:sldTgt/>
+                  </p:tgtEl>
+                </p:cond>
+              </p:nextCondLst>
+            </p:seq>
+          </p:childTnLst>
+        </p:cTn>
+      </p:par>
+    </p:tnLst>
+  </p:timing>
+</p:sld>
+</file>
+
+<file path=ppt/slides/slide18.xml><?xml version="1.0" encoding="utf-8"?>
+<p:sld xmlns:a="http://schemas.openxmlformats.org/drawingml/2006/main" xmlns:r="http://schemas.openxmlformats.org/officeDocument/2006/relationships" xmlns:p="http://schemas.openxmlformats.org/presentationml/2006/main">
+  <p:cSld>
+    <p:spTree>
+      <p:nvGrpSpPr>
+        <p:cNvPr id="1" name=""/>
+        <p:cNvGrpSpPr/>
+        <p:nvPr/>
+      </p:nvGrpSpPr>
+      <p:grpSpPr>
+        <a:xfrm>
+          <a:off x="0" y="0"/>
+          <a:ext cx="0" cy="0"/>
+          <a:chOff x="0" y="0"/>
+          <a:chExt cx="0" cy="0"/>
+        </a:xfrm>
+      </p:grpSpPr>
+      <p:sp>
+        <p:nvSpPr>
+          <p:cNvPr id="2" name="标题 1"/>
+          <p:cNvSpPr>
+            <a:spLocks noGrp="1"/>
+          </p:cNvSpPr>
+          <p:nvPr>
+            <p:ph type="title"/>
+          </p:nvPr>
+        </p:nvSpPr>
+        <p:spPr/>
+        <p:txBody>
           <a:bodyPr>
             <a:normAutofit/>
           </a:bodyPr>
@@ -27721,7 +28107,7 @@
 </p:sld>
 </file>
 
-<file path=ppt/slides/slide18.xml><?xml version="1.0" encoding="utf-8"?>
+<file path=ppt/slides/slide19.xml><?xml version="1.0" encoding="utf-8"?>
 <p:sld xmlns:a="http://schemas.openxmlformats.org/drawingml/2006/main" xmlns:r="http://schemas.openxmlformats.org/officeDocument/2006/relationships" xmlns:p="http://schemas.openxmlformats.org/presentationml/2006/main">
   <p:cSld>
     <p:spTree>
@@ -27947,23 +28333,7 @@
                   <a:srgbClr val="FF0000"/>
                 </a:solidFill>
               </a:rPr>
-              <a:t>质量和</a:t>
-            </a:r>
-            <a:r>
-              <a:rPr lang="zh-CN" altLang="en-US" b="1" smtClean="0">
-                <a:solidFill>
-                  <a:srgbClr val="FF0000"/>
-                </a:solidFill>
-              </a:rPr>
-              <a:t>减少</a:t>
-            </a:r>
-            <a:r>
-              <a:rPr lang="zh-CN" altLang="en-US" b="1" smtClean="0">
-                <a:solidFill>
-                  <a:srgbClr val="FF0000"/>
-                </a:solidFill>
-              </a:rPr>
-              <a:t>代码</a:t>
+              <a:t>质量和减少代码</a:t>
             </a:r>
             <a:r>
               <a:rPr lang="zh-CN" altLang="en-US" b="1" dirty="0" smtClean="0">
@@ -28031,104 +28401,6 @@
           <a:lstStyle/>
           <a:p>
             <a:endParaRPr lang="zh-CN" altLang="en-US"/>
-          </a:p>
-        </p:txBody>
-      </p:sp>
-    </p:spTree>
-  </p:cSld>
-  <p:clrMapOvr>
-    <a:masterClrMapping/>
-  </p:clrMapOvr>
-</p:sld>
-</file>
-
-<file path=ppt/slides/slide19.xml><?xml version="1.0" encoding="utf-8"?>
-<p:sld xmlns:a="http://schemas.openxmlformats.org/drawingml/2006/main" xmlns:r="http://schemas.openxmlformats.org/officeDocument/2006/relationships" xmlns:p="http://schemas.openxmlformats.org/presentationml/2006/main">
-  <p:cSld>
-    <p:spTree>
-      <p:nvGrpSpPr>
-        <p:cNvPr id="1" name=""/>
-        <p:cNvGrpSpPr/>
-        <p:nvPr/>
-      </p:nvGrpSpPr>
-      <p:grpSpPr>
-        <a:xfrm>
-          <a:off x="0" y="0"/>
-          <a:ext cx="0" cy="0"/>
-          <a:chOff x="0" y="0"/>
-          <a:chExt cx="0" cy="0"/>
-        </a:xfrm>
-      </p:grpSpPr>
-      <p:sp>
-        <p:nvSpPr>
-          <p:cNvPr id="2" name="标题 1"/>
-          <p:cNvSpPr>
-            <a:spLocks noGrp="1"/>
-          </p:cNvSpPr>
-          <p:nvPr>
-            <p:ph type="title"/>
-          </p:nvPr>
-        </p:nvSpPr>
-        <p:spPr/>
-        <p:txBody>
-          <a:bodyPr/>
-          <a:lstStyle/>
-          <a:p>
-            <a:r>
-              <a:rPr lang="zh-CN" altLang="en-US" dirty="0"/>
-              <a:t>未来展望</a:t>
-            </a:r>
-          </a:p>
-        </p:txBody>
-      </p:sp>
-      <p:sp>
-        <p:nvSpPr>
-          <p:cNvPr id="3" name="内容占位符 2"/>
-          <p:cNvSpPr>
-            <a:spLocks noGrp="1"/>
-          </p:cNvSpPr>
-          <p:nvPr>
-            <p:ph sz="quarter" idx="1"/>
-          </p:nvPr>
-        </p:nvSpPr>
-        <p:spPr/>
-        <p:txBody>
-          <a:bodyPr/>
-          <a:lstStyle/>
-          <a:p>
-            <a:r>
-              <a:rPr lang="zh-CN" altLang="en-US" dirty="0"/>
-              <a:t>直接以私有云的数据交互服务平台的方式为各种需要数据交互服务的</a:t>
-            </a:r>
-            <a:r>
-              <a:rPr lang="en-US" altLang="zh-CN" dirty="0"/>
-              <a:t>APP</a:t>
-            </a:r>
-            <a:r>
-              <a:rPr lang="zh-CN" altLang="en-US" dirty="0"/>
-              <a:t>以建立商业模式。</a:t>
-            </a:r>
-            <a:endParaRPr lang="en-US" altLang="zh-CN" dirty="0"/>
-          </a:p>
-          <a:p>
-            <a:endParaRPr lang="en-US" altLang="zh-CN" dirty="0"/>
-          </a:p>
-          <a:p>
-            <a:endParaRPr lang="en-US" altLang="zh-CN" dirty="0"/>
-          </a:p>
-          <a:p>
-            <a:r>
-              <a:rPr lang="zh-CN" altLang="en-US" dirty="0"/>
-              <a:t>一键生成</a:t>
-            </a:r>
-            <a:r>
-              <a:rPr lang="en-US" altLang="zh-CN" dirty="0"/>
-              <a:t>APP</a:t>
-            </a:r>
-            <a:r>
-              <a:rPr lang="zh-CN" altLang="en-US" dirty="0"/>
-              <a:t>，为非技术的移动应用创业者提供支持，只需要设计业务对象和录入数据即可。</a:t>
-            </a:r>
           </a:p>
         </p:txBody>
       </p:sp>
@@ -28277,6 +28549,104 @@
 </file>
 
 <file path=ppt/slides/slide20.xml><?xml version="1.0" encoding="utf-8"?>
+<p:sld xmlns:a="http://schemas.openxmlformats.org/drawingml/2006/main" xmlns:r="http://schemas.openxmlformats.org/officeDocument/2006/relationships" xmlns:p="http://schemas.openxmlformats.org/presentationml/2006/main">
+  <p:cSld>
+    <p:spTree>
+      <p:nvGrpSpPr>
+        <p:cNvPr id="1" name=""/>
+        <p:cNvGrpSpPr/>
+        <p:nvPr/>
+      </p:nvGrpSpPr>
+      <p:grpSpPr>
+        <a:xfrm>
+          <a:off x="0" y="0"/>
+          <a:ext cx="0" cy="0"/>
+          <a:chOff x="0" y="0"/>
+          <a:chExt cx="0" cy="0"/>
+        </a:xfrm>
+      </p:grpSpPr>
+      <p:sp>
+        <p:nvSpPr>
+          <p:cNvPr id="2" name="标题 1"/>
+          <p:cNvSpPr>
+            <a:spLocks noGrp="1"/>
+          </p:cNvSpPr>
+          <p:nvPr>
+            <p:ph type="title"/>
+          </p:nvPr>
+        </p:nvSpPr>
+        <p:spPr/>
+        <p:txBody>
+          <a:bodyPr/>
+          <a:lstStyle/>
+          <a:p>
+            <a:r>
+              <a:rPr lang="zh-CN" altLang="en-US" dirty="0"/>
+              <a:t>未来展望</a:t>
+            </a:r>
+          </a:p>
+        </p:txBody>
+      </p:sp>
+      <p:sp>
+        <p:nvSpPr>
+          <p:cNvPr id="3" name="内容占位符 2"/>
+          <p:cNvSpPr>
+            <a:spLocks noGrp="1"/>
+          </p:cNvSpPr>
+          <p:nvPr>
+            <p:ph sz="quarter" idx="1"/>
+          </p:nvPr>
+        </p:nvSpPr>
+        <p:spPr/>
+        <p:txBody>
+          <a:bodyPr/>
+          <a:lstStyle/>
+          <a:p>
+            <a:r>
+              <a:rPr lang="zh-CN" altLang="en-US" dirty="0"/>
+              <a:t>直接以私有云的数据交互服务平台的方式为各种需要数据交互服务的</a:t>
+            </a:r>
+            <a:r>
+              <a:rPr lang="en-US" altLang="zh-CN" dirty="0"/>
+              <a:t>APP</a:t>
+            </a:r>
+            <a:r>
+              <a:rPr lang="zh-CN" altLang="en-US" dirty="0"/>
+              <a:t>以建立商业模式。</a:t>
+            </a:r>
+            <a:endParaRPr lang="en-US" altLang="zh-CN" dirty="0"/>
+          </a:p>
+          <a:p>
+            <a:endParaRPr lang="en-US" altLang="zh-CN" dirty="0"/>
+          </a:p>
+          <a:p>
+            <a:endParaRPr lang="en-US" altLang="zh-CN" dirty="0"/>
+          </a:p>
+          <a:p>
+            <a:r>
+              <a:rPr lang="zh-CN" altLang="en-US" dirty="0"/>
+              <a:t>一键生成</a:t>
+            </a:r>
+            <a:r>
+              <a:rPr lang="en-US" altLang="zh-CN" dirty="0"/>
+              <a:t>APP</a:t>
+            </a:r>
+            <a:r>
+              <a:rPr lang="zh-CN" altLang="en-US" dirty="0"/>
+              <a:t>，为非技术的移动应用创业者提供支持，只需要设计业务对象和录入数据即可。</a:t>
+            </a:r>
+          </a:p>
+        </p:txBody>
+      </p:sp>
+    </p:spTree>
+  </p:cSld>
+  <p:clrMapOvr>
+    <a:masterClrMapping/>
+  </p:clrMapOvr>
+</p:sld>
+</file>
+
+<file path=ppt/slides/slide21.xml><?xml version="1.0" encoding="utf-8"?>
 <p:sld xmlns:a="http://schemas.openxmlformats.org/drawingml/2006/main" xmlns:r="http://schemas.openxmlformats.org/officeDocument/2006/relationships" xmlns:p="http://schemas.openxmlformats.org/presentationml/2006/main">
   <p:cSld>
     <p:spTree>
@@ -29269,7 +29639,7 @@
           <p:nvPr>
             <p:extLst>
               <p:ext uri="{D42A27DB-BD31-4B8C-83A1-F6EECF244321}">
-                <p14:modId xmlns:p14="http://schemas.microsoft.com/office/powerpoint/2010/main" xmlns="" val="987229640"/>
+                <p14:modId xmlns="" xmlns:p14="http://schemas.microsoft.com/office/powerpoint/2010/main" val="987229640"/>
               </p:ext>
             </p:extLst>
           </p:nvPr>
